--- a/final/BT-like-peer2peer.pptx
+++ b/final/BT-like-peer2peer.pptx
@@ -5,15 +5,20 @@
     <p:sldMasterId id="2147483648" r:id="rId1"/>
   </p:sldMasterIdLst>
   <p:notesMasterIdLst>
-    <p:notesMasterId r:id="rId5"/>
+    <p:notesMasterId r:id="rId10"/>
   </p:notesMasterIdLst>
   <p:handoutMasterIdLst>
-    <p:handoutMasterId r:id="rId6"/>
+    <p:handoutMasterId r:id="rId11"/>
   </p:handoutMasterIdLst>
   <p:sldIdLst>
     <p:sldId id="289" r:id="rId2"/>
     <p:sldId id="301" r:id="rId3"/>
-    <p:sldId id="291" r:id="rId4"/>
+    <p:sldId id="302" r:id="rId4"/>
+    <p:sldId id="305" r:id="rId5"/>
+    <p:sldId id="303" r:id="rId6"/>
+    <p:sldId id="306" r:id="rId7"/>
+    <p:sldId id="304" r:id="rId8"/>
+    <p:sldId id="307" r:id="rId9"/>
   </p:sldIdLst>
   <p:sldSz cx="9144000" cy="6858000" type="screen4x3"/>
   <p:notesSz cx="7086600" cy="10223500"/>
@@ -4612,11 +4617,7 @@
             </a:r>
             <a:r>
               <a:rPr lang="en-US" altLang="zh-TW" sz="2400" dirty="0" smtClean="0"/>
-              <a:t> </a:t>
-            </a:r>
-            <a:r>
-              <a:rPr lang="en-US" altLang="zh-TW" sz="2400" dirty="0" smtClean="0"/>
-              <a:t>and </a:t>
+              <a:t> and </a:t>
             </a:r>
             <a:r>
               <a:rPr lang="zh-TW" altLang="en-US" sz="2400" dirty="0" smtClean="0"/>
@@ -4954,7 +4955,7 @@
         </p:nvSpPr>
         <p:spPr bwMode="black">
           <a:xfrm>
-            <a:off x="2273300" y="4938713"/>
+            <a:off x="2273300" y="4249035"/>
             <a:ext cx="4800600" cy="0"/>
           </a:xfrm>
           <a:prstGeom prst="line">
@@ -4989,7 +4990,7 @@
         </p:nvSpPr>
         <p:spPr bwMode="black">
           <a:xfrm>
-            <a:off x="2320925" y="4470400"/>
+            <a:off x="2320925" y="3780722"/>
             <a:ext cx="4849813" cy="523875"/>
           </a:xfrm>
           <a:prstGeom prst="rect">
@@ -5014,7 +5015,7 @@
                 <a:latin typeface="標楷體" pitchFamily="65" charset="-120"/>
                 <a:ea typeface="標楷體" pitchFamily="65" charset="-120"/>
               </a:rPr>
-              <a:t>Experimental result</a:t>
+              <a:t>TBA</a:t>
             </a:r>
             <a:endParaRPr kumimoji="0" lang="en-US" altLang="zh-TW" sz="2800" dirty="0">
               <a:latin typeface="標楷體" pitchFamily="65" charset="-120"/>
@@ -5069,7 +5070,7 @@
         <p:spPr bwMode="black">
           <a:xfrm>
             <a:off x="2320925" y="1844675"/>
-            <a:ext cx="4849813" cy="954107"/>
+            <a:ext cx="5131395" cy="523220"/>
           </a:xfrm>
           <a:prstGeom prst="rect">
             <a:avLst/>
@@ -5083,26 +5084,26 @@
           </a:ln>
         </p:spPr>
         <p:txBody>
-          <a:bodyPr>
+          <a:bodyPr wrap="square">
             <a:spAutoFit/>
           </a:bodyPr>
           <a:lstStyle/>
           <a:p>
             <a:r>
-              <a:rPr kumimoji="0" lang="en-US" altLang="zh-TW" sz="2800" b="1" dirty="0" smtClean="0">
+              <a:rPr kumimoji="0" lang="en-US" altLang="zh-TW" sz="2800" dirty="0" smtClean="0">
                 <a:latin typeface="標楷體" pitchFamily="65" charset="-120"/>
                 <a:ea typeface="標楷體" pitchFamily="65" charset="-120"/>
               </a:rPr>
-              <a:t>Introduction to P2P applications and </a:t>
-            </a:r>
-            <a:r>
-              <a:rPr kumimoji="0" lang="en-US" altLang="zh-TW" sz="2800" b="1" dirty="0" err="1" smtClean="0">
+              <a:t>Introduction to P2P </a:t>
+            </a:r>
+            <a:r>
+              <a:rPr kumimoji="0" lang="en-US" altLang="zh-TW" sz="2800" dirty="0" smtClean="0">
                 <a:latin typeface="標楷體" pitchFamily="65" charset="-120"/>
                 <a:ea typeface="標楷體" pitchFamily="65" charset="-120"/>
               </a:rPr>
-              <a:t>BitTorrent</a:t>
-            </a:r>
-            <a:endParaRPr kumimoji="0" lang="en-US" altLang="zh-TW" sz="2800" b="1" dirty="0">
+              <a:t>network</a:t>
+            </a:r>
+            <a:endParaRPr kumimoji="0" lang="en-US" altLang="zh-TW" sz="2800" dirty="0">
               <a:latin typeface="標楷體" pitchFamily="65" charset="-120"/>
               <a:ea typeface="標楷體" pitchFamily="65" charset="-120"/>
             </a:endParaRPr>
@@ -5111,7 +5112,7 @@
       </p:sp>
       <p:sp>
         <p:nvSpPr>
-          <p:cNvPr id="21512" name="Line 9"/>
+          <p:cNvPr id="21514" name="Line 11"/>
           <p:cNvSpPr>
             <a:spLocks noChangeShapeType="1"/>
           </p:cNvSpPr>
@@ -5119,7 +5120,7 @@
         </p:nvSpPr>
         <p:spPr bwMode="black">
           <a:xfrm>
-            <a:off x="2273300" y="2973388"/>
+            <a:off x="2273300" y="2939347"/>
             <a:ext cx="4800600" cy="0"/>
           </a:xfrm>
           <a:prstGeom prst="line">
@@ -5146,15 +5147,66 @@
       </p:sp>
       <p:sp>
         <p:nvSpPr>
-          <p:cNvPr id="21514" name="Line 11"/>
-          <p:cNvSpPr>
-            <a:spLocks noChangeShapeType="1"/>
+          <p:cNvPr id="21515" name="Rectangle 12"/>
+          <p:cNvSpPr>
+            <a:spLocks noChangeArrowheads="1"/>
           </p:cNvSpPr>
           <p:nvPr/>
         </p:nvSpPr>
         <p:spPr bwMode="black">
           <a:xfrm>
-            <a:off x="2273300" y="3629025"/>
+            <a:off x="2320925" y="2467860"/>
+            <a:ext cx="4849813" cy="523875"/>
+          </a:xfrm>
+          <a:prstGeom prst="rect">
+            <a:avLst/>
+          </a:prstGeom>
+          <a:noFill/>
+          <a:ln w="9525">
+            <a:noFill/>
+            <a:miter lim="800000"/>
+            <a:headEnd/>
+            <a:tailEnd/>
+          </a:ln>
+        </p:spPr>
+        <p:txBody>
+          <a:bodyPr>
+            <a:spAutoFit/>
+          </a:bodyPr>
+          <a:lstStyle/>
+          <a:p>
+            <a:r>
+              <a:rPr kumimoji="0" lang="en-US" altLang="zh-TW" sz="2800" dirty="0" smtClean="0">
+                <a:latin typeface="標楷體" pitchFamily="65" charset="-120"/>
+                <a:ea typeface="標楷體" pitchFamily="65" charset="-120"/>
+              </a:rPr>
+              <a:t>Introduction to </a:t>
+            </a:r>
+            <a:r>
+              <a:rPr kumimoji="0" lang="en-US" altLang="zh-TW" sz="2800" dirty="0" err="1" smtClean="0">
+                <a:latin typeface="標楷體" pitchFamily="65" charset="-120"/>
+                <a:ea typeface="標楷體" pitchFamily="65" charset="-120"/>
+              </a:rPr>
+              <a:t>BitTorrent</a:t>
+            </a:r>
+            <a:endParaRPr kumimoji="0" lang="en-US" altLang="zh-TW" sz="2800" dirty="0">
+              <a:latin typeface="標楷體" pitchFamily="65" charset="-120"/>
+              <a:ea typeface="標楷體" pitchFamily="65" charset="-120"/>
+            </a:endParaRPr>
+          </a:p>
+        </p:txBody>
+      </p:sp>
+      <p:sp>
+        <p:nvSpPr>
+          <p:cNvPr id="21516" name="Line 13"/>
+          <p:cNvSpPr>
+            <a:spLocks noChangeShapeType="1"/>
+          </p:cNvSpPr>
+          <p:nvPr/>
+        </p:nvSpPr>
+        <p:spPr bwMode="black">
+          <a:xfrm>
+            <a:off x="2273300" y="3593397"/>
             <a:ext cx="4800600" cy="0"/>
           </a:xfrm>
           <a:prstGeom prst="line">
@@ -5181,7 +5233,7 @@
       </p:sp>
       <p:sp>
         <p:nvSpPr>
-          <p:cNvPr id="21515" name="Rectangle 12"/>
+          <p:cNvPr id="21517" name="Rectangle 14"/>
           <p:cNvSpPr>
             <a:spLocks noChangeArrowheads="1"/>
           </p:cNvSpPr>
@@ -5189,86 +5241,7 @@
         </p:nvSpPr>
         <p:spPr bwMode="black">
           <a:xfrm>
-            <a:off x="2320925" y="3157538"/>
-            <a:ext cx="4849813" cy="523875"/>
-          </a:xfrm>
-          <a:prstGeom prst="rect">
-            <a:avLst/>
-          </a:prstGeom>
-          <a:noFill/>
-          <a:ln w="9525">
-            <a:noFill/>
-            <a:miter lim="800000"/>
-            <a:headEnd/>
-            <a:tailEnd/>
-          </a:ln>
-        </p:spPr>
-        <p:txBody>
-          <a:bodyPr>
-            <a:spAutoFit/>
-          </a:bodyPr>
-          <a:lstStyle/>
-          <a:p>
-            <a:r>
-              <a:rPr kumimoji="0" lang="en-US" altLang="zh-TW" sz="2800" dirty="0" smtClean="0">
-                <a:latin typeface="標楷體" pitchFamily="65" charset="-120"/>
-                <a:ea typeface="標楷體" pitchFamily="65" charset="-120"/>
-              </a:rPr>
-              <a:t>Related work &amp; background</a:t>
-            </a:r>
-            <a:endParaRPr kumimoji="0" lang="en-US" altLang="zh-TW" sz="2800" dirty="0">
-              <a:latin typeface="標楷體" pitchFamily="65" charset="-120"/>
-              <a:ea typeface="標楷體" pitchFamily="65" charset="-120"/>
-            </a:endParaRPr>
-          </a:p>
-        </p:txBody>
-      </p:sp>
-      <p:sp>
-        <p:nvSpPr>
-          <p:cNvPr id="21516" name="Line 13"/>
-          <p:cNvSpPr>
-            <a:spLocks noChangeShapeType="1"/>
-          </p:cNvSpPr>
-          <p:nvPr/>
-        </p:nvSpPr>
-        <p:spPr bwMode="black">
-          <a:xfrm>
-            <a:off x="2273300" y="4283075"/>
-            <a:ext cx="4800600" cy="0"/>
-          </a:xfrm>
-          <a:prstGeom prst="line">
-            <a:avLst/>
-          </a:prstGeom>
-          <a:noFill/>
-          <a:ln w="28575" cap="rnd">
-            <a:solidFill>
-              <a:schemeClr val="tx1"/>
-            </a:solidFill>
-            <a:prstDash val="sysDot"/>
-            <a:round/>
-            <a:headEnd/>
-            <a:tailEnd/>
-          </a:ln>
-        </p:spPr>
-        <p:txBody>
-          <a:bodyPr/>
-          <a:lstStyle/>
-          <a:p>
-            <a:endParaRPr lang="zh-TW" altLang="en-US"/>
-          </a:p>
-        </p:txBody>
-      </p:sp>
-      <p:sp>
-        <p:nvSpPr>
-          <p:cNvPr id="21517" name="Rectangle 14"/>
-          <p:cNvSpPr>
-            <a:spLocks noChangeArrowheads="1"/>
-          </p:cNvSpPr>
-          <p:nvPr/>
-        </p:nvSpPr>
-        <p:spPr bwMode="black">
-          <a:xfrm>
-            <a:off x="2320925" y="3814763"/>
+            <a:off x="2320925" y="3125085"/>
             <a:ext cx="4849813" cy="522287"/>
           </a:xfrm>
           <a:prstGeom prst="rect">
@@ -5293,7 +5266,7 @@
                 <a:latin typeface="標楷體" pitchFamily="65" charset="-120"/>
                 <a:ea typeface="標楷體" pitchFamily="65" charset="-120"/>
               </a:rPr>
-              <a:t>Research method</a:t>
+              <a:t>TBA</a:t>
             </a:r>
             <a:endParaRPr kumimoji="0" lang="en-US" altLang="zh-TW" sz="2800" dirty="0">
               <a:latin typeface="標楷體" pitchFamily="65" charset="-120"/>
@@ -5568,7 +5541,7 @@
         </p:nvGrpSpPr>
         <p:grpSpPr bwMode="auto">
           <a:xfrm>
-            <a:off x="1979613" y="3944938"/>
+            <a:off x="1979613" y="3255260"/>
             <a:ext cx="222250" cy="222250"/>
             <a:chOff x="3647" y="1006"/>
             <a:chExt cx="416" cy="416"/>
@@ -5824,7 +5797,7 @@
         </p:nvGrpSpPr>
         <p:grpSpPr bwMode="auto">
           <a:xfrm>
-            <a:off x="1979613" y="4614863"/>
+            <a:off x="1979613" y="3925185"/>
             <a:ext cx="222250" cy="222250"/>
             <a:chOff x="4213" y="1006"/>
             <a:chExt cx="416" cy="416"/>
@@ -6080,7 +6053,7 @@
         </p:nvGrpSpPr>
         <p:grpSpPr bwMode="auto">
           <a:xfrm>
-            <a:off x="1979613" y="5284788"/>
+            <a:off x="1979613" y="4595110"/>
             <a:ext cx="222250" cy="220662"/>
             <a:chOff x="4803" y="1006"/>
             <a:chExt cx="416" cy="416"/>
@@ -6311,7 +6284,7 @@
         </p:nvSpPr>
         <p:spPr bwMode="black">
           <a:xfrm>
-            <a:off x="2273300" y="5594350"/>
+            <a:off x="2273300" y="4904672"/>
             <a:ext cx="4800600" cy="0"/>
           </a:xfrm>
           <a:prstGeom prst="line">
@@ -6346,7 +6319,7 @@
         </p:nvSpPr>
         <p:spPr bwMode="black">
           <a:xfrm>
-            <a:off x="2320925" y="5127625"/>
+            <a:off x="2320925" y="4437947"/>
             <a:ext cx="4849813" cy="522288"/>
           </a:xfrm>
           <a:prstGeom prst="rect">
@@ -6371,7 +6344,7 @@
                 <a:latin typeface="標楷體" pitchFamily="65" charset="-120"/>
                 <a:ea typeface="標楷體" pitchFamily="65" charset="-120"/>
               </a:rPr>
-              <a:t>Conclusion</a:t>
+              <a:t>TBA</a:t>
             </a:r>
             <a:endParaRPr kumimoji="0" lang="zh-TW" altLang="en-US" sz="2800" dirty="0">
               <a:latin typeface="標楷體" pitchFamily="65" charset="-120"/>
@@ -6390,7 +6363,7 @@
         </p:nvGrpSpPr>
         <p:grpSpPr bwMode="auto">
           <a:xfrm>
-            <a:off x="1979613" y="3275013"/>
+            <a:off x="1979613" y="2585335"/>
             <a:ext cx="222250" cy="222250"/>
             <a:chOff x="4803" y="1006"/>
             <a:chExt cx="416" cy="416"/>
@@ -6643,6 +6616,11 @@
         </p:txBody>
       </p:sp>
     </p:spTree>
+    <p:extLst>
+      <p:ext uri="{BB962C8B-B14F-4D97-AF65-F5344CB8AC3E}">
+        <p14:creationId xmlns:p14="http://schemas.microsoft.com/office/powerpoint/2010/main" val="982212880"/>
+      </p:ext>
+    </p:extLst>
   </p:cSld>
   <p:clrMapOvr>
     <a:masterClrMapping/>
@@ -6655,6 +6633,4080 @@
       </p:par>
     </p:tnLst>
   </p:timing>
+</p:sld>
+</file>
+
+<file path=ppt/slides/slide4.xml><?xml version="1.0" encoding="utf-8"?>
+<p:sld xmlns:a="http://schemas.openxmlformats.org/drawingml/2006/main" xmlns:r="http://schemas.openxmlformats.org/officeDocument/2006/relationships" xmlns:p="http://schemas.openxmlformats.org/presentationml/2006/main">
+  <p:cSld>
+    <p:spTree>
+      <p:nvGrpSpPr>
+        <p:cNvPr id="1" name=""/>
+        <p:cNvGrpSpPr/>
+        <p:nvPr/>
+      </p:nvGrpSpPr>
+      <p:grpSpPr>
+        <a:xfrm>
+          <a:off x="0" y="0"/>
+          <a:ext cx="0" cy="0"/>
+          <a:chOff x="0" y="0"/>
+          <a:chExt cx="0" cy="0"/>
+        </a:xfrm>
+      </p:grpSpPr>
+      <p:sp>
+        <p:nvSpPr>
+          <p:cNvPr id="21506" name="標題 1"/>
+          <p:cNvSpPr>
+            <a:spLocks noGrp="1"/>
+          </p:cNvSpPr>
+          <p:nvPr>
+            <p:ph type="title"/>
+          </p:nvPr>
+        </p:nvSpPr>
+        <p:spPr/>
+        <p:txBody>
+          <a:bodyPr/>
+          <a:lstStyle/>
+          <a:p>
+            <a:pPr eaLnBrk="1" hangingPunct="1"/>
+            <a:r>
+              <a:rPr lang="en-US" altLang="zh-TW" dirty="0" smtClean="0"/>
+              <a:t>Outline</a:t>
+            </a:r>
+            <a:endParaRPr lang="zh-TW" altLang="en-US" dirty="0" smtClean="0"/>
+          </a:p>
+        </p:txBody>
+      </p:sp>
+      <p:sp>
+        <p:nvSpPr>
+          <p:cNvPr id="5" name="投影片編號版面配置區 4"/>
+          <p:cNvSpPr>
+            <a:spLocks noGrp="1"/>
+          </p:cNvSpPr>
+          <p:nvPr>
+            <p:ph type="sldNum" sz="quarter" idx="12"/>
+          </p:nvPr>
+        </p:nvSpPr>
+        <p:spPr/>
+        <p:txBody>
+          <a:bodyPr/>
+          <a:lstStyle/>
+          <a:p>
+            <a:pPr>
+              <a:defRPr/>
+            </a:pPr>
+            <a:fld id="{A1A99DF8-EE35-4789-BEAE-6FED5ECB28A0}" type="slidenum">
+              <a:rPr lang="zh-TW" altLang="en-US" smtClean="0"/>
+              <a:pPr>
+                <a:defRPr/>
+              </a:pPr>
+              <a:t>4</a:t>
+            </a:fld>
+            <a:endParaRPr lang="zh-TW" altLang="en-US"/>
+          </a:p>
+        </p:txBody>
+      </p:sp>
+      <p:sp>
+        <p:nvSpPr>
+          <p:cNvPr id="21508" name="Line 2"/>
+          <p:cNvSpPr>
+            <a:spLocks noChangeShapeType="1"/>
+          </p:cNvSpPr>
+          <p:nvPr/>
+        </p:nvSpPr>
+        <p:spPr bwMode="black">
+          <a:xfrm>
+            <a:off x="2273300" y="4249035"/>
+            <a:ext cx="4800600" cy="0"/>
+          </a:xfrm>
+          <a:prstGeom prst="line">
+            <a:avLst/>
+          </a:prstGeom>
+          <a:noFill/>
+          <a:ln w="28575" cap="rnd">
+            <a:solidFill>
+              <a:schemeClr val="tx1"/>
+            </a:solidFill>
+            <a:prstDash val="sysDot"/>
+            <a:round/>
+            <a:headEnd/>
+            <a:tailEnd/>
+          </a:ln>
+        </p:spPr>
+        <p:txBody>
+          <a:bodyPr/>
+          <a:lstStyle/>
+          <a:p>
+            <a:endParaRPr lang="zh-TW" altLang="en-US"/>
+          </a:p>
+        </p:txBody>
+      </p:sp>
+      <p:sp>
+        <p:nvSpPr>
+          <p:cNvPr id="21509" name="Rectangle 3"/>
+          <p:cNvSpPr>
+            <a:spLocks noChangeArrowheads="1"/>
+          </p:cNvSpPr>
+          <p:nvPr/>
+        </p:nvSpPr>
+        <p:spPr bwMode="black">
+          <a:xfrm>
+            <a:off x="2320925" y="3780722"/>
+            <a:ext cx="4849813" cy="523875"/>
+          </a:xfrm>
+          <a:prstGeom prst="rect">
+            <a:avLst/>
+          </a:prstGeom>
+          <a:noFill/>
+          <a:ln w="9525">
+            <a:noFill/>
+            <a:miter lim="800000"/>
+            <a:headEnd/>
+            <a:tailEnd/>
+          </a:ln>
+        </p:spPr>
+        <p:txBody>
+          <a:bodyPr>
+            <a:spAutoFit/>
+          </a:bodyPr>
+          <a:lstStyle/>
+          <a:p>
+            <a:r>
+              <a:rPr kumimoji="0" lang="en-US" altLang="zh-TW" sz="2800" dirty="0" smtClean="0">
+                <a:latin typeface="標楷體" pitchFamily="65" charset="-120"/>
+                <a:ea typeface="標楷體" pitchFamily="65" charset="-120"/>
+              </a:rPr>
+              <a:t>TBA</a:t>
+            </a:r>
+            <a:endParaRPr kumimoji="0" lang="en-US" altLang="zh-TW" sz="2800" dirty="0">
+              <a:latin typeface="標楷體" pitchFamily="65" charset="-120"/>
+              <a:ea typeface="標楷體" pitchFamily="65" charset="-120"/>
+            </a:endParaRPr>
+          </a:p>
+        </p:txBody>
+      </p:sp>
+      <p:sp>
+        <p:nvSpPr>
+          <p:cNvPr id="21510" name="Line 4"/>
+          <p:cNvSpPr>
+            <a:spLocks noChangeShapeType="1"/>
+          </p:cNvSpPr>
+          <p:nvPr/>
+        </p:nvSpPr>
+        <p:spPr bwMode="black">
+          <a:xfrm>
+            <a:off x="2273300" y="2317750"/>
+            <a:ext cx="4800600" cy="0"/>
+          </a:xfrm>
+          <a:prstGeom prst="line">
+            <a:avLst/>
+          </a:prstGeom>
+          <a:noFill/>
+          <a:ln w="28575" cap="rnd">
+            <a:solidFill>
+              <a:schemeClr val="tx1"/>
+            </a:solidFill>
+            <a:prstDash val="sysDot"/>
+            <a:round/>
+            <a:headEnd/>
+            <a:tailEnd/>
+          </a:ln>
+        </p:spPr>
+        <p:txBody>
+          <a:bodyPr/>
+          <a:lstStyle/>
+          <a:p>
+            <a:endParaRPr lang="zh-TW" altLang="en-US"/>
+          </a:p>
+        </p:txBody>
+      </p:sp>
+      <p:sp>
+        <p:nvSpPr>
+          <p:cNvPr id="21511" name="Rectangle 8"/>
+          <p:cNvSpPr>
+            <a:spLocks noChangeArrowheads="1"/>
+          </p:cNvSpPr>
+          <p:nvPr/>
+        </p:nvSpPr>
+        <p:spPr bwMode="black">
+          <a:xfrm>
+            <a:off x="2320925" y="1844675"/>
+            <a:ext cx="5131395" cy="523220"/>
+          </a:xfrm>
+          <a:prstGeom prst="rect">
+            <a:avLst/>
+          </a:prstGeom>
+          <a:noFill/>
+          <a:ln w="9525">
+            <a:noFill/>
+            <a:miter lim="800000"/>
+            <a:headEnd/>
+            <a:tailEnd/>
+          </a:ln>
+        </p:spPr>
+        <p:txBody>
+          <a:bodyPr wrap="square">
+            <a:spAutoFit/>
+          </a:bodyPr>
+          <a:lstStyle/>
+          <a:p>
+            <a:r>
+              <a:rPr kumimoji="0" lang="en-US" altLang="zh-TW" sz="2800" b="1" dirty="0" smtClean="0">
+                <a:latin typeface="標楷體" pitchFamily="65" charset="-120"/>
+                <a:ea typeface="標楷體" pitchFamily="65" charset="-120"/>
+              </a:rPr>
+              <a:t>Introduction to P2P </a:t>
+            </a:r>
+            <a:r>
+              <a:rPr kumimoji="0" lang="en-US" altLang="zh-TW" sz="2800" b="1" dirty="0" smtClean="0">
+                <a:latin typeface="標楷體" pitchFamily="65" charset="-120"/>
+                <a:ea typeface="標楷體" pitchFamily="65" charset="-120"/>
+              </a:rPr>
+              <a:t>network</a:t>
+            </a:r>
+            <a:endParaRPr kumimoji="0" lang="en-US" altLang="zh-TW" sz="2800" b="1" dirty="0">
+              <a:latin typeface="標楷體" pitchFamily="65" charset="-120"/>
+              <a:ea typeface="標楷體" pitchFamily="65" charset="-120"/>
+            </a:endParaRPr>
+          </a:p>
+        </p:txBody>
+      </p:sp>
+      <p:sp>
+        <p:nvSpPr>
+          <p:cNvPr id="21514" name="Line 11"/>
+          <p:cNvSpPr>
+            <a:spLocks noChangeShapeType="1"/>
+          </p:cNvSpPr>
+          <p:nvPr/>
+        </p:nvSpPr>
+        <p:spPr bwMode="black">
+          <a:xfrm>
+            <a:off x="2273300" y="2939347"/>
+            <a:ext cx="4800600" cy="0"/>
+          </a:xfrm>
+          <a:prstGeom prst="line">
+            <a:avLst/>
+          </a:prstGeom>
+          <a:noFill/>
+          <a:ln w="28575" cap="rnd">
+            <a:solidFill>
+              <a:schemeClr val="tx1"/>
+            </a:solidFill>
+            <a:prstDash val="sysDot"/>
+            <a:round/>
+            <a:headEnd/>
+            <a:tailEnd/>
+          </a:ln>
+        </p:spPr>
+        <p:txBody>
+          <a:bodyPr/>
+          <a:lstStyle/>
+          <a:p>
+            <a:endParaRPr lang="zh-TW" altLang="en-US"/>
+          </a:p>
+        </p:txBody>
+      </p:sp>
+      <p:sp>
+        <p:nvSpPr>
+          <p:cNvPr id="21515" name="Rectangle 12"/>
+          <p:cNvSpPr>
+            <a:spLocks noChangeArrowheads="1"/>
+          </p:cNvSpPr>
+          <p:nvPr/>
+        </p:nvSpPr>
+        <p:spPr bwMode="black">
+          <a:xfrm>
+            <a:off x="2320925" y="2467860"/>
+            <a:ext cx="4849813" cy="523875"/>
+          </a:xfrm>
+          <a:prstGeom prst="rect">
+            <a:avLst/>
+          </a:prstGeom>
+          <a:noFill/>
+          <a:ln w="9525">
+            <a:noFill/>
+            <a:miter lim="800000"/>
+            <a:headEnd/>
+            <a:tailEnd/>
+          </a:ln>
+        </p:spPr>
+        <p:txBody>
+          <a:bodyPr>
+            <a:spAutoFit/>
+          </a:bodyPr>
+          <a:lstStyle/>
+          <a:p>
+            <a:r>
+              <a:rPr kumimoji="0" lang="en-US" altLang="zh-TW" sz="2800" dirty="0" smtClean="0">
+                <a:latin typeface="標楷體" pitchFamily="65" charset="-120"/>
+                <a:ea typeface="標楷體" pitchFamily="65" charset="-120"/>
+              </a:rPr>
+              <a:t>Introduction to </a:t>
+            </a:r>
+            <a:r>
+              <a:rPr kumimoji="0" lang="en-US" altLang="zh-TW" sz="2800" dirty="0" err="1" smtClean="0">
+                <a:latin typeface="標楷體" pitchFamily="65" charset="-120"/>
+                <a:ea typeface="標楷體" pitchFamily="65" charset="-120"/>
+              </a:rPr>
+              <a:t>BitTorrent</a:t>
+            </a:r>
+            <a:endParaRPr kumimoji="0" lang="en-US" altLang="zh-TW" sz="2800" dirty="0">
+              <a:latin typeface="標楷體" pitchFamily="65" charset="-120"/>
+              <a:ea typeface="標楷體" pitchFamily="65" charset="-120"/>
+            </a:endParaRPr>
+          </a:p>
+        </p:txBody>
+      </p:sp>
+      <p:sp>
+        <p:nvSpPr>
+          <p:cNvPr id="21516" name="Line 13"/>
+          <p:cNvSpPr>
+            <a:spLocks noChangeShapeType="1"/>
+          </p:cNvSpPr>
+          <p:nvPr/>
+        </p:nvSpPr>
+        <p:spPr bwMode="black">
+          <a:xfrm>
+            <a:off x="2273300" y="3593397"/>
+            <a:ext cx="4800600" cy="0"/>
+          </a:xfrm>
+          <a:prstGeom prst="line">
+            <a:avLst/>
+          </a:prstGeom>
+          <a:noFill/>
+          <a:ln w="28575" cap="rnd">
+            <a:solidFill>
+              <a:schemeClr val="tx1"/>
+            </a:solidFill>
+            <a:prstDash val="sysDot"/>
+            <a:round/>
+            <a:headEnd/>
+            <a:tailEnd/>
+          </a:ln>
+        </p:spPr>
+        <p:txBody>
+          <a:bodyPr/>
+          <a:lstStyle/>
+          <a:p>
+            <a:endParaRPr lang="zh-TW" altLang="en-US"/>
+          </a:p>
+        </p:txBody>
+      </p:sp>
+      <p:sp>
+        <p:nvSpPr>
+          <p:cNvPr id="21517" name="Rectangle 14"/>
+          <p:cNvSpPr>
+            <a:spLocks noChangeArrowheads="1"/>
+          </p:cNvSpPr>
+          <p:nvPr/>
+        </p:nvSpPr>
+        <p:spPr bwMode="black">
+          <a:xfrm>
+            <a:off x="2320925" y="3125085"/>
+            <a:ext cx="4849813" cy="522287"/>
+          </a:xfrm>
+          <a:prstGeom prst="rect">
+            <a:avLst/>
+          </a:prstGeom>
+          <a:noFill/>
+          <a:ln w="9525">
+            <a:noFill/>
+            <a:miter lim="800000"/>
+            <a:headEnd/>
+            <a:tailEnd/>
+          </a:ln>
+        </p:spPr>
+        <p:txBody>
+          <a:bodyPr>
+            <a:spAutoFit/>
+          </a:bodyPr>
+          <a:lstStyle/>
+          <a:p>
+            <a:r>
+              <a:rPr kumimoji="0" lang="en-US" altLang="zh-TW" sz="2800" dirty="0" smtClean="0">
+                <a:latin typeface="標楷體" pitchFamily="65" charset="-120"/>
+                <a:ea typeface="標楷體" pitchFamily="65" charset="-120"/>
+              </a:rPr>
+              <a:t>TBA</a:t>
+            </a:r>
+            <a:endParaRPr kumimoji="0" lang="en-US" altLang="zh-TW" sz="2800" dirty="0">
+              <a:latin typeface="標楷體" pitchFamily="65" charset="-120"/>
+              <a:ea typeface="標楷體" pitchFamily="65" charset="-120"/>
+            </a:endParaRPr>
+          </a:p>
+        </p:txBody>
+      </p:sp>
+      <p:grpSp>
+        <p:nvGrpSpPr>
+          <p:cNvPr id="21518" name="Group 94"/>
+          <p:cNvGrpSpPr>
+            <a:grpSpLocks/>
+          </p:cNvGrpSpPr>
+          <p:nvPr/>
+        </p:nvGrpSpPr>
+        <p:grpSpPr bwMode="auto">
+          <a:xfrm>
+            <a:off x="1979613" y="1936750"/>
+            <a:ext cx="222250" cy="220663"/>
+            <a:chOff x="2543" y="1006"/>
+            <a:chExt cx="416" cy="416"/>
+          </a:xfrm>
+        </p:grpSpPr>
+        <p:sp>
+          <p:nvSpPr>
+            <p:cNvPr id="17" name="Oval 52"/>
+            <p:cNvSpPr>
+              <a:spLocks noChangeArrowheads="1"/>
+            </p:cNvSpPr>
+            <p:nvPr/>
+          </p:nvSpPr>
+          <p:spPr bwMode="gray">
+            <a:xfrm>
+              <a:off x="2543" y="1006"/>
+              <a:ext cx="416" cy="416"/>
+            </a:xfrm>
+            <a:prstGeom prst="ellipse">
+              <a:avLst/>
+            </a:prstGeom>
+            <a:gradFill rotWithShape="1">
+              <a:gsLst>
+                <a:gs pos="0">
+                  <a:srgbClr val="FFFFFF">
+                    <a:gamma/>
+                    <a:shade val="54118"/>
+                    <a:invGamma/>
+                  </a:srgbClr>
+                </a:gs>
+                <a:gs pos="50000">
+                  <a:srgbClr val="FFFFFF"/>
+                </a:gs>
+                <a:gs pos="100000">
+                  <a:srgbClr val="FFFFFF">
+                    <a:gamma/>
+                    <a:shade val="54118"/>
+                    <a:invGamma/>
+                  </a:srgbClr>
+                </a:gs>
+              </a:gsLst>
+              <a:lin ang="18900000" scaled="1"/>
+            </a:gradFill>
+            <a:ln w="9525">
+              <a:solidFill>
+                <a:srgbClr val="DDDDDD"/>
+              </a:solidFill>
+              <a:round/>
+              <a:headEnd/>
+              <a:tailEnd/>
+            </a:ln>
+            <a:effectLst>
+              <a:outerShdw dist="35921" dir="2700000" algn="ctr" rotWithShape="0">
+                <a:schemeClr val="bg2">
+                  <a:alpha val="50000"/>
+                </a:schemeClr>
+              </a:outerShdw>
+            </a:effectLst>
+          </p:spPr>
+          <p:txBody>
+            <a:bodyPr wrap="none" anchor="ctr"/>
+            <a:lstStyle/>
+            <a:p>
+              <a:pPr>
+                <a:defRPr/>
+              </a:pPr>
+              <a:endParaRPr kumimoji="0" lang="zh-TW" altLang="en-US"/>
+            </a:p>
+          </p:txBody>
+        </p:sp>
+        <p:grpSp>
+          <p:nvGrpSpPr>
+            <p:cNvPr id="21558" name="Group 53"/>
+            <p:cNvGrpSpPr>
+              <a:grpSpLocks/>
+            </p:cNvGrpSpPr>
+            <p:nvPr/>
+          </p:nvGrpSpPr>
+          <p:grpSpPr bwMode="auto">
+            <a:xfrm rot="-2288454">
+              <a:off x="2578" y="1034"/>
+              <a:ext cx="348" cy="356"/>
+              <a:chOff x="887" y="2040"/>
+              <a:chExt cx="433" cy="422"/>
+            </a:xfrm>
+          </p:grpSpPr>
+          <p:pic>
+            <p:nvPicPr>
+              <p:cNvPr id="21560" name="Picture 54" descr="circuler_1"/>
+              <p:cNvPicPr>
+                <a:picLocks noChangeAspect="1" noChangeArrowheads="1"/>
+              </p:cNvPicPr>
+              <p:nvPr/>
+            </p:nvPicPr>
+            <p:blipFill>
+              <a:blip r:embed="rId2" cstate="print"/>
+              <a:srcRect/>
+              <a:stretch>
+                <a:fillRect/>
+              </a:stretch>
+            </p:blipFill>
+            <p:spPr bwMode="gray">
+              <a:xfrm>
+                <a:off x="887" y="2040"/>
+                <a:ext cx="430" cy="420"/>
+              </a:xfrm>
+              <a:prstGeom prst="rect">
+                <a:avLst/>
+              </a:prstGeom>
+              <a:noFill/>
+              <a:ln w="9525">
+                <a:noFill/>
+                <a:miter lim="800000"/>
+                <a:headEnd/>
+                <a:tailEnd/>
+              </a:ln>
+            </p:spPr>
+          </p:pic>
+          <p:sp>
+            <p:nvSpPr>
+              <p:cNvPr id="21" name="Oval 55"/>
+              <p:cNvSpPr>
+                <a:spLocks noChangeArrowheads="1"/>
+              </p:cNvSpPr>
+              <p:nvPr/>
+            </p:nvSpPr>
+            <p:spPr bwMode="gray">
+              <a:xfrm>
+                <a:off x="888" y="2039"/>
+                <a:ext cx="433" cy="422"/>
+              </a:xfrm>
+              <a:prstGeom prst="ellipse">
+                <a:avLst/>
+              </a:prstGeom>
+              <a:gradFill rotWithShape="1">
+                <a:gsLst>
+                  <a:gs pos="0">
+                    <a:schemeClr val="accent1">
+                      <a:gamma/>
+                      <a:shade val="34902"/>
+                      <a:invGamma/>
+                      <a:alpha val="89999"/>
+                    </a:schemeClr>
+                  </a:gs>
+                  <a:gs pos="50000">
+                    <a:schemeClr val="accent1">
+                      <a:alpha val="75000"/>
+                    </a:schemeClr>
+                  </a:gs>
+                  <a:gs pos="100000">
+                    <a:schemeClr val="accent1">
+                      <a:gamma/>
+                      <a:shade val="34902"/>
+                      <a:invGamma/>
+                      <a:alpha val="89999"/>
+                    </a:schemeClr>
+                  </a:gs>
+                </a:gsLst>
+                <a:lin ang="18900000" scaled="1"/>
+              </a:gradFill>
+              <a:ln w="9525" algn="ctr">
+                <a:noFill/>
+                <a:round/>
+                <a:headEnd/>
+                <a:tailEnd/>
+              </a:ln>
+              <a:effectLst/>
+            </p:spPr>
+            <p:txBody>
+              <a:bodyPr wrap="none" anchor="ctr"/>
+              <a:lstStyle/>
+              <a:p>
+                <a:pPr>
+                  <a:defRPr/>
+                </a:pPr>
+                <a:endParaRPr kumimoji="0" lang="zh-TW" altLang="en-US"/>
+              </a:p>
+            </p:txBody>
+          </p:sp>
+          <p:pic>
+            <p:nvPicPr>
+              <p:cNvPr id="21562" name="Picture 56" descr="Picture2"/>
+              <p:cNvPicPr>
+                <a:picLocks noChangeAspect="1" noChangeArrowheads="1"/>
+              </p:cNvPicPr>
+              <p:nvPr/>
+            </p:nvPicPr>
+            <p:blipFill>
+              <a:blip r:embed="rId3" cstate="print"/>
+              <a:srcRect/>
+              <a:stretch>
+                <a:fillRect/>
+              </a:stretch>
+            </p:blipFill>
+            <p:spPr bwMode="gray">
+              <a:xfrm>
+                <a:off x="930" y="2044"/>
+                <a:ext cx="345" cy="149"/>
+              </a:xfrm>
+              <a:prstGeom prst="rect">
+                <a:avLst/>
+              </a:prstGeom>
+              <a:noFill/>
+              <a:ln w="9525">
+                <a:noFill/>
+                <a:miter lim="800000"/>
+                <a:headEnd/>
+                <a:tailEnd/>
+              </a:ln>
+            </p:spPr>
+          </p:pic>
+        </p:grpSp>
+        <p:pic>
+          <p:nvPicPr>
+            <p:cNvPr id="21559" name="Picture 57"/>
+            <p:cNvPicPr>
+              <a:picLocks noChangeAspect="1" noChangeArrowheads="1"/>
+            </p:cNvPicPr>
+            <p:nvPr/>
+          </p:nvPicPr>
+          <p:blipFill>
+            <a:blip r:embed="rId4" cstate="print"/>
+            <a:srcRect l="12015" t="9302" r="12404" b="12598"/>
+            <a:stretch>
+              <a:fillRect/>
+            </a:stretch>
+          </p:blipFill>
+          <p:spPr bwMode="gray">
+            <a:xfrm>
+              <a:off x="2570" y="1020"/>
+              <a:ext cx="359" cy="370"/>
+            </a:xfrm>
+            <a:prstGeom prst="rect">
+              <a:avLst/>
+            </a:prstGeom>
+            <a:noFill/>
+            <a:ln w="9525">
+              <a:noFill/>
+              <a:miter lim="800000"/>
+              <a:headEnd/>
+              <a:tailEnd/>
+            </a:ln>
+          </p:spPr>
+        </p:pic>
+      </p:grpSp>
+      <p:grpSp>
+        <p:nvGrpSpPr>
+          <p:cNvPr id="21519" name="Group 92"/>
+          <p:cNvGrpSpPr>
+            <a:grpSpLocks/>
+          </p:cNvGrpSpPr>
+          <p:nvPr/>
+        </p:nvGrpSpPr>
+        <p:grpSpPr bwMode="auto">
+          <a:xfrm>
+            <a:off x="1979613" y="3255260"/>
+            <a:ext cx="222250" cy="222250"/>
+            <a:chOff x="3647" y="1006"/>
+            <a:chExt cx="416" cy="416"/>
+          </a:xfrm>
+        </p:grpSpPr>
+        <p:sp>
+          <p:nvSpPr>
+            <p:cNvPr id="31" name="Oval 67"/>
+            <p:cNvSpPr>
+              <a:spLocks noChangeArrowheads="1"/>
+            </p:cNvSpPr>
+            <p:nvPr/>
+          </p:nvSpPr>
+          <p:spPr bwMode="gray">
+            <a:xfrm>
+              <a:off x="3647" y="1006"/>
+              <a:ext cx="416" cy="416"/>
+            </a:xfrm>
+            <a:prstGeom prst="ellipse">
+              <a:avLst/>
+            </a:prstGeom>
+            <a:gradFill rotWithShape="1">
+              <a:gsLst>
+                <a:gs pos="0">
+                  <a:srgbClr val="FFFFFF">
+                    <a:gamma/>
+                    <a:shade val="54118"/>
+                    <a:invGamma/>
+                  </a:srgbClr>
+                </a:gs>
+                <a:gs pos="50000">
+                  <a:srgbClr val="FFFFFF"/>
+                </a:gs>
+                <a:gs pos="100000">
+                  <a:srgbClr val="FFFFFF">
+                    <a:gamma/>
+                    <a:shade val="54118"/>
+                    <a:invGamma/>
+                  </a:srgbClr>
+                </a:gs>
+              </a:gsLst>
+              <a:lin ang="18900000" scaled="1"/>
+            </a:gradFill>
+            <a:ln w="9525">
+              <a:solidFill>
+                <a:srgbClr val="DDDDDD"/>
+              </a:solidFill>
+              <a:round/>
+              <a:headEnd/>
+              <a:tailEnd/>
+            </a:ln>
+            <a:effectLst>
+              <a:outerShdw dist="35921" dir="2700000" algn="ctr" rotWithShape="0">
+                <a:schemeClr val="bg2">
+                  <a:alpha val="50000"/>
+                </a:schemeClr>
+              </a:outerShdw>
+            </a:effectLst>
+          </p:spPr>
+          <p:txBody>
+            <a:bodyPr wrap="none" anchor="ctr"/>
+            <a:lstStyle/>
+            <a:p>
+              <a:pPr>
+                <a:defRPr/>
+              </a:pPr>
+              <a:endParaRPr kumimoji="0" lang="zh-TW" altLang="en-US"/>
+            </a:p>
+          </p:txBody>
+        </p:sp>
+        <p:grpSp>
+          <p:nvGrpSpPr>
+            <p:cNvPr id="21552" name="Group 68"/>
+            <p:cNvGrpSpPr>
+              <a:grpSpLocks/>
+            </p:cNvGrpSpPr>
+            <p:nvPr/>
+          </p:nvGrpSpPr>
+          <p:grpSpPr bwMode="auto">
+            <a:xfrm rot="-2288454">
+              <a:off x="3682" y="1034"/>
+              <a:ext cx="348" cy="356"/>
+              <a:chOff x="887" y="2040"/>
+              <a:chExt cx="433" cy="422"/>
+            </a:xfrm>
+          </p:grpSpPr>
+          <p:pic>
+            <p:nvPicPr>
+              <p:cNvPr id="21554" name="Picture 69" descr="circuler_1"/>
+              <p:cNvPicPr>
+                <a:picLocks noChangeAspect="1" noChangeArrowheads="1"/>
+              </p:cNvPicPr>
+              <p:nvPr/>
+            </p:nvPicPr>
+            <p:blipFill>
+              <a:blip r:embed="rId5" cstate="print"/>
+              <a:srcRect/>
+              <a:stretch>
+                <a:fillRect/>
+              </a:stretch>
+            </p:blipFill>
+            <p:spPr bwMode="gray">
+              <a:xfrm>
+                <a:off x="887" y="2040"/>
+                <a:ext cx="430" cy="420"/>
+              </a:xfrm>
+              <a:prstGeom prst="rect">
+                <a:avLst/>
+              </a:prstGeom>
+              <a:noFill/>
+              <a:ln w="9525">
+                <a:noFill/>
+                <a:miter lim="800000"/>
+                <a:headEnd/>
+                <a:tailEnd/>
+              </a:ln>
+            </p:spPr>
+          </p:pic>
+          <p:sp>
+            <p:nvSpPr>
+              <p:cNvPr id="35" name="Oval 70"/>
+              <p:cNvSpPr>
+                <a:spLocks noChangeArrowheads="1"/>
+              </p:cNvSpPr>
+              <p:nvPr/>
+            </p:nvSpPr>
+            <p:spPr bwMode="gray">
+              <a:xfrm>
+                <a:off x="888" y="2039"/>
+                <a:ext cx="433" cy="423"/>
+              </a:xfrm>
+              <a:prstGeom prst="ellipse">
+                <a:avLst/>
+              </a:prstGeom>
+              <a:gradFill rotWithShape="1">
+                <a:gsLst>
+                  <a:gs pos="0">
+                    <a:schemeClr val="hlink">
+                      <a:gamma/>
+                      <a:shade val="34902"/>
+                      <a:invGamma/>
+                      <a:alpha val="89999"/>
+                    </a:schemeClr>
+                  </a:gs>
+                  <a:gs pos="50000">
+                    <a:schemeClr val="hlink">
+                      <a:alpha val="75000"/>
+                    </a:schemeClr>
+                  </a:gs>
+                  <a:gs pos="100000">
+                    <a:schemeClr val="hlink">
+                      <a:gamma/>
+                      <a:shade val="34902"/>
+                      <a:invGamma/>
+                      <a:alpha val="89999"/>
+                    </a:schemeClr>
+                  </a:gs>
+                </a:gsLst>
+                <a:lin ang="18900000" scaled="1"/>
+              </a:gradFill>
+              <a:ln w="9525" algn="ctr">
+                <a:noFill/>
+                <a:round/>
+                <a:headEnd/>
+                <a:tailEnd/>
+              </a:ln>
+              <a:effectLst/>
+            </p:spPr>
+            <p:txBody>
+              <a:bodyPr wrap="none" anchor="ctr"/>
+              <a:lstStyle/>
+              <a:p>
+                <a:pPr>
+                  <a:defRPr/>
+                </a:pPr>
+                <a:endParaRPr kumimoji="0" lang="zh-TW" altLang="en-US"/>
+              </a:p>
+            </p:txBody>
+          </p:sp>
+          <p:pic>
+            <p:nvPicPr>
+              <p:cNvPr id="21556" name="Picture 71" descr="Picture2"/>
+              <p:cNvPicPr>
+                <a:picLocks noChangeAspect="1" noChangeArrowheads="1"/>
+              </p:cNvPicPr>
+              <p:nvPr/>
+            </p:nvPicPr>
+            <p:blipFill>
+              <a:blip r:embed="rId3" cstate="print"/>
+              <a:srcRect/>
+              <a:stretch>
+                <a:fillRect/>
+              </a:stretch>
+            </p:blipFill>
+            <p:spPr bwMode="gray">
+              <a:xfrm>
+                <a:off x="930" y="2044"/>
+                <a:ext cx="345" cy="149"/>
+              </a:xfrm>
+              <a:prstGeom prst="rect">
+                <a:avLst/>
+              </a:prstGeom>
+              <a:noFill/>
+              <a:ln w="9525">
+                <a:noFill/>
+                <a:miter lim="800000"/>
+                <a:headEnd/>
+                <a:tailEnd/>
+              </a:ln>
+            </p:spPr>
+          </p:pic>
+        </p:grpSp>
+        <p:pic>
+          <p:nvPicPr>
+            <p:cNvPr id="21553" name="Picture 87"/>
+            <p:cNvPicPr>
+              <a:picLocks noChangeAspect="1" noChangeArrowheads="1"/>
+            </p:cNvPicPr>
+            <p:nvPr/>
+          </p:nvPicPr>
+          <p:blipFill>
+            <a:blip r:embed="rId6" cstate="print"/>
+            <a:srcRect l="12015" t="9302" r="12404" b="12598"/>
+            <a:stretch>
+              <a:fillRect/>
+            </a:stretch>
+          </p:blipFill>
+          <p:spPr bwMode="gray">
+            <a:xfrm>
+              <a:off x="3676" y="1020"/>
+              <a:ext cx="359" cy="370"/>
+            </a:xfrm>
+            <a:prstGeom prst="rect">
+              <a:avLst/>
+            </a:prstGeom>
+            <a:noFill/>
+            <a:ln w="9525">
+              <a:noFill/>
+              <a:miter lim="800000"/>
+              <a:headEnd/>
+              <a:tailEnd/>
+            </a:ln>
+          </p:spPr>
+        </p:pic>
+      </p:grpSp>
+      <p:grpSp>
+        <p:nvGrpSpPr>
+          <p:cNvPr id="21520" name="Group 91"/>
+          <p:cNvGrpSpPr>
+            <a:grpSpLocks/>
+          </p:cNvGrpSpPr>
+          <p:nvPr/>
+        </p:nvGrpSpPr>
+        <p:grpSpPr bwMode="auto">
+          <a:xfrm>
+            <a:off x="1979613" y="3925185"/>
+            <a:ext cx="222250" cy="222250"/>
+            <a:chOff x="4213" y="1006"/>
+            <a:chExt cx="416" cy="416"/>
+          </a:xfrm>
+        </p:grpSpPr>
+        <p:sp>
+          <p:nvSpPr>
+            <p:cNvPr id="38" name="Oval 72"/>
+            <p:cNvSpPr>
+              <a:spLocks noChangeArrowheads="1"/>
+            </p:cNvSpPr>
+            <p:nvPr/>
+          </p:nvSpPr>
+          <p:spPr bwMode="gray">
+            <a:xfrm>
+              <a:off x="4213" y="1006"/>
+              <a:ext cx="416" cy="416"/>
+            </a:xfrm>
+            <a:prstGeom prst="ellipse">
+              <a:avLst/>
+            </a:prstGeom>
+            <a:gradFill rotWithShape="1">
+              <a:gsLst>
+                <a:gs pos="0">
+                  <a:srgbClr val="FFFFFF">
+                    <a:gamma/>
+                    <a:shade val="54118"/>
+                    <a:invGamma/>
+                  </a:srgbClr>
+                </a:gs>
+                <a:gs pos="50000">
+                  <a:srgbClr val="FFFFFF"/>
+                </a:gs>
+                <a:gs pos="100000">
+                  <a:srgbClr val="FFFFFF">
+                    <a:gamma/>
+                    <a:shade val="54118"/>
+                    <a:invGamma/>
+                  </a:srgbClr>
+                </a:gs>
+              </a:gsLst>
+              <a:lin ang="18900000" scaled="1"/>
+            </a:gradFill>
+            <a:ln w="9525">
+              <a:solidFill>
+                <a:srgbClr val="DDDDDD"/>
+              </a:solidFill>
+              <a:round/>
+              <a:headEnd/>
+              <a:tailEnd/>
+            </a:ln>
+            <a:effectLst>
+              <a:outerShdw dist="35921" dir="2700000" algn="ctr" rotWithShape="0">
+                <a:schemeClr val="bg2">
+                  <a:alpha val="50000"/>
+                </a:schemeClr>
+              </a:outerShdw>
+            </a:effectLst>
+          </p:spPr>
+          <p:txBody>
+            <a:bodyPr wrap="none" anchor="ctr"/>
+            <a:lstStyle/>
+            <a:p>
+              <a:pPr>
+                <a:defRPr/>
+              </a:pPr>
+              <a:endParaRPr kumimoji="0" lang="zh-TW" altLang="en-US"/>
+            </a:p>
+          </p:txBody>
+        </p:sp>
+        <p:grpSp>
+          <p:nvGrpSpPr>
+            <p:cNvPr id="21546" name="Group 73"/>
+            <p:cNvGrpSpPr>
+              <a:grpSpLocks/>
+            </p:cNvGrpSpPr>
+            <p:nvPr/>
+          </p:nvGrpSpPr>
+          <p:grpSpPr bwMode="auto">
+            <a:xfrm rot="-2288454">
+              <a:off x="4248" y="1034"/>
+              <a:ext cx="348" cy="356"/>
+              <a:chOff x="887" y="2040"/>
+              <a:chExt cx="433" cy="422"/>
+            </a:xfrm>
+          </p:grpSpPr>
+          <p:pic>
+            <p:nvPicPr>
+              <p:cNvPr id="21548" name="Picture 74" descr="circuler_1"/>
+              <p:cNvPicPr>
+                <a:picLocks noChangeAspect="1" noChangeArrowheads="1"/>
+              </p:cNvPicPr>
+              <p:nvPr/>
+            </p:nvPicPr>
+            <p:blipFill>
+              <a:blip r:embed="rId5" cstate="print"/>
+              <a:srcRect/>
+              <a:stretch>
+                <a:fillRect/>
+              </a:stretch>
+            </p:blipFill>
+            <p:spPr bwMode="gray">
+              <a:xfrm>
+                <a:off x="887" y="2040"/>
+                <a:ext cx="430" cy="420"/>
+              </a:xfrm>
+              <a:prstGeom prst="rect">
+                <a:avLst/>
+              </a:prstGeom>
+              <a:noFill/>
+              <a:ln w="9525">
+                <a:noFill/>
+                <a:miter lim="800000"/>
+                <a:headEnd/>
+                <a:tailEnd/>
+              </a:ln>
+            </p:spPr>
+          </p:pic>
+          <p:sp>
+            <p:nvSpPr>
+              <p:cNvPr id="42" name="Oval 75"/>
+              <p:cNvSpPr>
+                <a:spLocks noChangeArrowheads="1"/>
+              </p:cNvSpPr>
+              <p:nvPr/>
+            </p:nvSpPr>
+            <p:spPr bwMode="gray">
+              <a:xfrm>
+                <a:off x="888" y="2039"/>
+                <a:ext cx="433" cy="423"/>
+              </a:xfrm>
+              <a:prstGeom prst="ellipse">
+                <a:avLst/>
+              </a:prstGeom>
+              <a:gradFill rotWithShape="1">
+                <a:gsLst>
+                  <a:gs pos="0">
+                    <a:schemeClr val="folHlink">
+                      <a:gamma/>
+                      <a:shade val="34902"/>
+                      <a:invGamma/>
+                      <a:alpha val="89999"/>
+                    </a:schemeClr>
+                  </a:gs>
+                  <a:gs pos="50000">
+                    <a:schemeClr val="folHlink">
+                      <a:alpha val="75000"/>
+                    </a:schemeClr>
+                  </a:gs>
+                  <a:gs pos="100000">
+                    <a:schemeClr val="folHlink">
+                      <a:gamma/>
+                      <a:shade val="34902"/>
+                      <a:invGamma/>
+                      <a:alpha val="89999"/>
+                    </a:schemeClr>
+                  </a:gs>
+                </a:gsLst>
+                <a:lin ang="18900000" scaled="1"/>
+              </a:gradFill>
+              <a:ln w="9525" algn="ctr">
+                <a:noFill/>
+                <a:round/>
+                <a:headEnd/>
+                <a:tailEnd/>
+              </a:ln>
+              <a:effectLst/>
+            </p:spPr>
+            <p:txBody>
+              <a:bodyPr wrap="none" anchor="ctr"/>
+              <a:lstStyle/>
+              <a:p>
+                <a:pPr>
+                  <a:defRPr/>
+                </a:pPr>
+                <a:endParaRPr kumimoji="0" lang="zh-TW" altLang="en-US"/>
+              </a:p>
+            </p:txBody>
+          </p:sp>
+          <p:pic>
+            <p:nvPicPr>
+              <p:cNvPr id="21550" name="Picture 76" descr="Picture2"/>
+              <p:cNvPicPr>
+                <a:picLocks noChangeAspect="1" noChangeArrowheads="1"/>
+              </p:cNvPicPr>
+              <p:nvPr/>
+            </p:nvPicPr>
+            <p:blipFill>
+              <a:blip r:embed="rId3" cstate="print"/>
+              <a:srcRect/>
+              <a:stretch>
+                <a:fillRect/>
+              </a:stretch>
+            </p:blipFill>
+            <p:spPr bwMode="gray">
+              <a:xfrm>
+                <a:off x="930" y="2044"/>
+                <a:ext cx="345" cy="149"/>
+              </a:xfrm>
+              <a:prstGeom prst="rect">
+                <a:avLst/>
+              </a:prstGeom>
+              <a:noFill/>
+              <a:ln w="9525">
+                <a:noFill/>
+                <a:miter lim="800000"/>
+                <a:headEnd/>
+                <a:tailEnd/>
+              </a:ln>
+            </p:spPr>
+          </p:pic>
+        </p:grpSp>
+        <p:pic>
+          <p:nvPicPr>
+            <p:cNvPr id="21547" name="Picture 88"/>
+            <p:cNvPicPr>
+              <a:picLocks noChangeAspect="1" noChangeArrowheads="1"/>
+            </p:cNvPicPr>
+            <p:nvPr/>
+          </p:nvPicPr>
+          <p:blipFill>
+            <a:blip r:embed="rId6" cstate="print"/>
+            <a:srcRect l="12015" t="9302" r="12404" b="12598"/>
+            <a:stretch>
+              <a:fillRect/>
+            </a:stretch>
+          </p:blipFill>
+          <p:spPr bwMode="gray">
+            <a:xfrm>
+              <a:off x="4240" y="1020"/>
+              <a:ext cx="359" cy="370"/>
+            </a:xfrm>
+            <a:prstGeom prst="rect">
+              <a:avLst/>
+            </a:prstGeom>
+            <a:noFill/>
+            <a:ln w="9525">
+              <a:noFill/>
+              <a:miter lim="800000"/>
+              <a:headEnd/>
+              <a:tailEnd/>
+            </a:ln>
+          </p:spPr>
+        </p:pic>
+      </p:grpSp>
+      <p:grpSp>
+        <p:nvGrpSpPr>
+          <p:cNvPr id="21521" name="Group 90"/>
+          <p:cNvGrpSpPr>
+            <a:grpSpLocks/>
+          </p:cNvGrpSpPr>
+          <p:nvPr/>
+        </p:nvGrpSpPr>
+        <p:grpSpPr bwMode="auto">
+          <a:xfrm>
+            <a:off x="1979613" y="4595110"/>
+            <a:ext cx="222250" cy="220662"/>
+            <a:chOff x="4803" y="1006"/>
+            <a:chExt cx="416" cy="416"/>
+          </a:xfrm>
+        </p:grpSpPr>
+        <p:sp>
+          <p:nvSpPr>
+            <p:cNvPr id="45" name="Oval 81"/>
+            <p:cNvSpPr>
+              <a:spLocks noChangeArrowheads="1"/>
+            </p:cNvSpPr>
+            <p:nvPr/>
+          </p:nvSpPr>
+          <p:spPr bwMode="gray">
+            <a:xfrm>
+              <a:off x="4803" y="1006"/>
+              <a:ext cx="416" cy="416"/>
+            </a:xfrm>
+            <a:prstGeom prst="ellipse">
+              <a:avLst/>
+            </a:prstGeom>
+            <a:gradFill rotWithShape="1">
+              <a:gsLst>
+                <a:gs pos="0">
+                  <a:srgbClr val="FFFFFF">
+                    <a:gamma/>
+                    <a:shade val="54118"/>
+                    <a:invGamma/>
+                  </a:srgbClr>
+                </a:gs>
+                <a:gs pos="50000">
+                  <a:srgbClr val="FFFFFF"/>
+                </a:gs>
+                <a:gs pos="100000">
+                  <a:srgbClr val="FFFFFF">
+                    <a:gamma/>
+                    <a:shade val="54118"/>
+                    <a:invGamma/>
+                  </a:srgbClr>
+                </a:gs>
+              </a:gsLst>
+              <a:lin ang="18900000" scaled="1"/>
+            </a:gradFill>
+            <a:ln w="9525">
+              <a:solidFill>
+                <a:srgbClr val="DDDDDD"/>
+              </a:solidFill>
+              <a:round/>
+              <a:headEnd/>
+              <a:tailEnd/>
+            </a:ln>
+            <a:effectLst>
+              <a:outerShdw dist="35921" dir="2700000" algn="ctr" rotWithShape="0">
+                <a:schemeClr val="bg2">
+                  <a:alpha val="50000"/>
+                </a:schemeClr>
+              </a:outerShdw>
+            </a:effectLst>
+          </p:spPr>
+          <p:txBody>
+            <a:bodyPr wrap="none" anchor="ctr"/>
+            <a:lstStyle/>
+            <a:p>
+              <a:pPr>
+                <a:defRPr/>
+              </a:pPr>
+              <a:endParaRPr kumimoji="0" lang="zh-TW" altLang="en-US"/>
+            </a:p>
+          </p:txBody>
+        </p:sp>
+        <p:grpSp>
+          <p:nvGrpSpPr>
+            <p:cNvPr id="21540" name="Group 82"/>
+            <p:cNvGrpSpPr>
+              <a:grpSpLocks/>
+            </p:cNvGrpSpPr>
+            <p:nvPr/>
+          </p:nvGrpSpPr>
+          <p:grpSpPr bwMode="auto">
+            <a:xfrm rot="-2288454">
+              <a:off x="4838" y="1034"/>
+              <a:ext cx="348" cy="356"/>
+              <a:chOff x="887" y="2040"/>
+              <a:chExt cx="433" cy="422"/>
+            </a:xfrm>
+          </p:grpSpPr>
+          <p:pic>
+            <p:nvPicPr>
+              <p:cNvPr id="21542" name="Picture 83" descr="circuler_1"/>
+              <p:cNvPicPr>
+                <a:picLocks noChangeAspect="1" noChangeArrowheads="1"/>
+              </p:cNvPicPr>
+              <p:nvPr/>
+            </p:nvPicPr>
+            <p:blipFill>
+              <a:blip r:embed="rId2" cstate="print"/>
+              <a:srcRect/>
+              <a:stretch>
+                <a:fillRect/>
+              </a:stretch>
+            </p:blipFill>
+            <p:spPr bwMode="gray">
+              <a:xfrm>
+                <a:off x="887" y="2040"/>
+                <a:ext cx="430" cy="420"/>
+              </a:xfrm>
+              <a:prstGeom prst="rect">
+                <a:avLst/>
+              </a:prstGeom>
+              <a:noFill/>
+              <a:ln w="9525">
+                <a:noFill/>
+                <a:miter lim="800000"/>
+                <a:headEnd/>
+                <a:tailEnd/>
+              </a:ln>
+            </p:spPr>
+          </p:pic>
+          <p:sp>
+            <p:nvSpPr>
+              <p:cNvPr id="21543" name="Oval 84"/>
+              <p:cNvSpPr>
+                <a:spLocks noChangeArrowheads="1"/>
+              </p:cNvSpPr>
+              <p:nvPr/>
+            </p:nvSpPr>
+            <p:spPr bwMode="gray">
+              <a:xfrm>
+                <a:off x="887" y="2040"/>
+                <a:ext cx="433" cy="422"/>
+              </a:xfrm>
+              <a:prstGeom prst="ellipse">
+                <a:avLst/>
+              </a:prstGeom>
+              <a:solidFill>
+                <a:srgbClr val="FB4F2D">
+                  <a:alpha val="74901"/>
+                </a:srgbClr>
+              </a:solidFill>
+              <a:ln w="9525" algn="ctr">
+                <a:noFill/>
+                <a:round/>
+                <a:headEnd/>
+                <a:tailEnd/>
+              </a:ln>
+            </p:spPr>
+            <p:txBody>
+              <a:bodyPr wrap="none" anchor="ctr"/>
+              <a:lstStyle/>
+              <a:p>
+                <a:endParaRPr kumimoji="0" lang="zh-TW" altLang="en-US"/>
+              </a:p>
+            </p:txBody>
+          </p:sp>
+          <p:pic>
+            <p:nvPicPr>
+              <p:cNvPr id="21544" name="Picture 85" descr="Picture2"/>
+              <p:cNvPicPr>
+                <a:picLocks noChangeAspect="1" noChangeArrowheads="1"/>
+              </p:cNvPicPr>
+              <p:nvPr/>
+            </p:nvPicPr>
+            <p:blipFill>
+              <a:blip r:embed="rId3" cstate="print"/>
+              <a:srcRect/>
+              <a:stretch>
+                <a:fillRect/>
+              </a:stretch>
+            </p:blipFill>
+            <p:spPr bwMode="gray">
+              <a:xfrm>
+                <a:off x="930" y="2044"/>
+                <a:ext cx="345" cy="149"/>
+              </a:xfrm>
+              <a:prstGeom prst="rect">
+                <a:avLst/>
+              </a:prstGeom>
+              <a:noFill/>
+              <a:ln w="9525">
+                <a:noFill/>
+                <a:miter lim="800000"/>
+                <a:headEnd/>
+                <a:tailEnd/>
+              </a:ln>
+            </p:spPr>
+          </p:pic>
+        </p:grpSp>
+        <p:pic>
+          <p:nvPicPr>
+            <p:cNvPr id="21541" name="Picture 89"/>
+            <p:cNvPicPr>
+              <a:picLocks noChangeAspect="1" noChangeArrowheads="1"/>
+            </p:cNvPicPr>
+            <p:nvPr/>
+          </p:nvPicPr>
+          <p:blipFill>
+            <a:blip r:embed="rId4" cstate="print"/>
+            <a:srcRect l="12015" t="9302" r="12404" b="12598"/>
+            <a:stretch>
+              <a:fillRect/>
+            </a:stretch>
+          </p:blipFill>
+          <p:spPr bwMode="gray">
+            <a:xfrm>
+              <a:off x="4830" y="1020"/>
+              <a:ext cx="359" cy="370"/>
+            </a:xfrm>
+            <a:prstGeom prst="rect">
+              <a:avLst/>
+            </a:prstGeom>
+            <a:noFill/>
+            <a:ln w="9525">
+              <a:noFill/>
+              <a:miter lim="800000"/>
+              <a:headEnd/>
+              <a:tailEnd/>
+            </a:ln>
+          </p:spPr>
+        </p:pic>
+      </p:grpSp>
+      <p:sp>
+        <p:nvSpPr>
+          <p:cNvPr id="21523" name="Line 2"/>
+          <p:cNvSpPr>
+            <a:spLocks noChangeShapeType="1"/>
+          </p:cNvSpPr>
+          <p:nvPr/>
+        </p:nvSpPr>
+        <p:spPr bwMode="black">
+          <a:xfrm>
+            <a:off x="2273300" y="4904672"/>
+            <a:ext cx="4800600" cy="0"/>
+          </a:xfrm>
+          <a:prstGeom prst="line">
+            <a:avLst/>
+          </a:prstGeom>
+          <a:noFill/>
+          <a:ln w="28575" cap="rnd">
+            <a:solidFill>
+              <a:schemeClr val="tx1"/>
+            </a:solidFill>
+            <a:prstDash val="sysDot"/>
+            <a:round/>
+            <a:headEnd/>
+            <a:tailEnd/>
+          </a:ln>
+        </p:spPr>
+        <p:txBody>
+          <a:bodyPr/>
+          <a:lstStyle/>
+          <a:p>
+            <a:endParaRPr lang="zh-TW" altLang="en-US"/>
+          </a:p>
+        </p:txBody>
+      </p:sp>
+      <p:sp>
+        <p:nvSpPr>
+          <p:cNvPr id="21524" name="Rectangle 3"/>
+          <p:cNvSpPr>
+            <a:spLocks noChangeArrowheads="1"/>
+          </p:cNvSpPr>
+          <p:nvPr/>
+        </p:nvSpPr>
+        <p:spPr bwMode="black">
+          <a:xfrm>
+            <a:off x="2320925" y="4437947"/>
+            <a:ext cx="4849813" cy="522288"/>
+          </a:xfrm>
+          <a:prstGeom prst="rect">
+            <a:avLst/>
+          </a:prstGeom>
+          <a:noFill/>
+          <a:ln w="9525">
+            <a:noFill/>
+            <a:miter lim="800000"/>
+            <a:headEnd/>
+            <a:tailEnd/>
+          </a:ln>
+        </p:spPr>
+        <p:txBody>
+          <a:bodyPr>
+            <a:spAutoFit/>
+          </a:bodyPr>
+          <a:lstStyle/>
+          <a:p>
+            <a:r>
+              <a:rPr kumimoji="0" lang="en-US" altLang="zh-TW" sz="2800" dirty="0" smtClean="0">
+                <a:latin typeface="標楷體" pitchFamily="65" charset="-120"/>
+                <a:ea typeface="標楷體" pitchFamily="65" charset="-120"/>
+              </a:rPr>
+              <a:t>TBA</a:t>
+            </a:r>
+            <a:endParaRPr kumimoji="0" lang="zh-TW" altLang="en-US" sz="2800" dirty="0">
+              <a:latin typeface="標楷體" pitchFamily="65" charset="-120"/>
+              <a:ea typeface="標楷體" pitchFamily="65" charset="-120"/>
+            </a:endParaRPr>
+          </a:p>
+        </p:txBody>
+      </p:sp>
+      <p:grpSp>
+        <p:nvGrpSpPr>
+          <p:cNvPr id="21525" name="Group 90"/>
+          <p:cNvGrpSpPr>
+            <a:grpSpLocks/>
+          </p:cNvGrpSpPr>
+          <p:nvPr/>
+        </p:nvGrpSpPr>
+        <p:grpSpPr bwMode="auto">
+          <a:xfrm>
+            <a:off x="1979613" y="2585335"/>
+            <a:ext cx="222250" cy="222250"/>
+            <a:chOff x="4803" y="1006"/>
+            <a:chExt cx="416" cy="416"/>
+          </a:xfrm>
+        </p:grpSpPr>
+        <p:sp>
+          <p:nvSpPr>
+            <p:cNvPr id="61" name="Oval 81"/>
+            <p:cNvSpPr>
+              <a:spLocks noChangeArrowheads="1"/>
+            </p:cNvSpPr>
+            <p:nvPr/>
+          </p:nvSpPr>
+          <p:spPr bwMode="gray">
+            <a:xfrm>
+              <a:off x="4803" y="1006"/>
+              <a:ext cx="416" cy="416"/>
+            </a:xfrm>
+            <a:prstGeom prst="ellipse">
+              <a:avLst/>
+            </a:prstGeom>
+            <a:gradFill rotWithShape="1">
+              <a:gsLst>
+                <a:gs pos="0">
+                  <a:srgbClr val="FFFFFF">
+                    <a:gamma/>
+                    <a:shade val="54118"/>
+                    <a:invGamma/>
+                  </a:srgbClr>
+                </a:gs>
+                <a:gs pos="50000">
+                  <a:srgbClr val="FFFFFF"/>
+                </a:gs>
+                <a:gs pos="100000">
+                  <a:srgbClr val="FFFFFF">
+                    <a:gamma/>
+                    <a:shade val="54118"/>
+                    <a:invGamma/>
+                  </a:srgbClr>
+                </a:gs>
+              </a:gsLst>
+              <a:lin ang="18900000" scaled="1"/>
+            </a:gradFill>
+            <a:ln w="9525">
+              <a:solidFill>
+                <a:srgbClr val="DDDDDD"/>
+              </a:solidFill>
+              <a:round/>
+              <a:headEnd/>
+              <a:tailEnd/>
+            </a:ln>
+            <a:effectLst>
+              <a:outerShdw dist="35921" dir="2700000" algn="ctr" rotWithShape="0">
+                <a:schemeClr val="bg2">
+                  <a:alpha val="50000"/>
+                </a:schemeClr>
+              </a:outerShdw>
+            </a:effectLst>
+          </p:spPr>
+          <p:txBody>
+            <a:bodyPr wrap="none" anchor="ctr"/>
+            <a:lstStyle/>
+            <a:p>
+              <a:pPr>
+                <a:defRPr/>
+              </a:pPr>
+              <a:endParaRPr kumimoji="0" lang="zh-TW" altLang="en-US"/>
+            </a:p>
+          </p:txBody>
+        </p:sp>
+        <p:grpSp>
+          <p:nvGrpSpPr>
+            <p:cNvPr id="21528" name="Group 82"/>
+            <p:cNvGrpSpPr>
+              <a:grpSpLocks/>
+            </p:cNvGrpSpPr>
+            <p:nvPr/>
+          </p:nvGrpSpPr>
+          <p:grpSpPr bwMode="auto">
+            <a:xfrm rot="-2288454">
+              <a:off x="4838" y="1034"/>
+              <a:ext cx="348" cy="356"/>
+              <a:chOff x="887" y="2040"/>
+              <a:chExt cx="433" cy="422"/>
+            </a:xfrm>
+          </p:grpSpPr>
+          <p:pic>
+            <p:nvPicPr>
+              <p:cNvPr id="21530" name="Picture 83" descr="circuler_1"/>
+              <p:cNvPicPr>
+                <a:picLocks noChangeAspect="1" noChangeArrowheads="1"/>
+              </p:cNvPicPr>
+              <p:nvPr/>
+            </p:nvPicPr>
+            <p:blipFill>
+              <a:blip r:embed="rId5" cstate="print"/>
+              <a:srcRect/>
+              <a:stretch>
+                <a:fillRect/>
+              </a:stretch>
+            </p:blipFill>
+            <p:spPr bwMode="gray">
+              <a:xfrm>
+                <a:off x="887" y="2040"/>
+                <a:ext cx="430" cy="420"/>
+              </a:xfrm>
+              <a:prstGeom prst="rect">
+                <a:avLst/>
+              </a:prstGeom>
+              <a:noFill/>
+              <a:ln w="9525">
+                <a:noFill/>
+                <a:miter lim="800000"/>
+                <a:headEnd/>
+                <a:tailEnd/>
+              </a:ln>
+            </p:spPr>
+          </p:pic>
+          <p:sp>
+            <p:nvSpPr>
+              <p:cNvPr id="21531" name="Oval 84"/>
+              <p:cNvSpPr>
+                <a:spLocks noChangeArrowheads="1"/>
+              </p:cNvSpPr>
+              <p:nvPr/>
+            </p:nvSpPr>
+            <p:spPr bwMode="gray">
+              <a:xfrm>
+                <a:off x="887" y="2040"/>
+                <a:ext cx="433" cy="422"/>
+              </a:xfrm>
+              <a:prstGeom prst="ellipse">
+                <a:avLst/>
+              </a:prstGeom>
+              <a:solidFill>
+                <a:srgbClr val="FB4F2D">
+                  <a:alpha val="74901"/>
+                </a:srgbClr>
+              </a:solidFill>
+              <a:ln w="9525" algn="ctr">
+                <a:noFill/>
+                <a:round/>
+                <a:headEnd/>
+                <a:tailEnd/>
+              </a:ln>
+            </p:spPr>
+            <p:txBody>
+              <a:bodyPr wrap="none" anchor="ctr"/>
+              <a:lstStyle/>
+              <a:p>
+                <a:endParaRPr kumimoji="0" lang="zh-TW" altLang="en-US"/>
+              </a:p>
+            </p:txBody>
+          </p:sp>
+          <p:pic>
+            <p:nvPicPr>
+              <p:cNvPr id="21532" name="Picture 85" descr="Picture2"/>
+              <p:cNvPicPr>
+                <a:picLocks noChangeAspect="1" noChangeArrowheads="1"/>
+              </p:cNvPicPr>
+              <p:nvPr/>
+            </p:nvPicPr>
+            <p:blipFill>
+              <a:blip r:embed="rId3" cstate="print"/>
+              <a:srcRect/>
+              <a:stretch>
+                <a:fillRect/>
+              </a:stretch>
+            </p:blipFill>
+            <p:spPr bwMode="gray">
+              <a:xfrm>
+                <a:off x="930" y="2044"/>
+                <a:ext cx="345" cy="149"/>
+              </a:xfrm>
+              <a:prstGeom prst="rect">
+                <a:avLst/>
+              </a:prstGeom>
+              <a:noFill/>
+              <a:ln w="9525">
+                <a:noFill/>
+                <a:miter lim="800000"/>
+                <a:headEnd/>
+                <a:tailEnd/>
+              </a:ln>
+            </p:spPr>
+          </p:pic>
+        </p:grpSp>
+        <p:pic>
+          <p:nvPicPr>
+            <p:cNvPr id="21529" name="Picture 89"/>
+            <p:cNvPicPr>
+              <a:picLocks noChangeAspect="1" noChangeArrowheads="1"/>
+            </p:cNvPicPr>
+            <p:nvPr/>
+          </p:nvPicPr>
+          <p:blipFill>
+            <a:blip r:embed="rId6" cstate="print"/>
+            <a:srcRect l="12015" t="9302" r="12404" b="12598"/>
+            <a:stretch>
+              <a:fillRect/>
+            </a:stretch>
+          </p:blipFill>
+          <p:spPr bwMode="gray">
+            <a:xfrm>
+              <a:off x="4830" y="1020"/>
+              <a:ext cx="359" cy="370"/>
+            </a:xfrm>
+            <a:prstGeom prst="rect">
+              <a:avLst/>
+            </a:prstGeom>
+            <a:noFill/>
+            <a:ln w="9525">
+              <a:noFill/>
+              <a:miter lim="800000"/>
+              <a:headEnd/>
+              <a:tailEnd/>
+            </a:ln>
+          </p:spPr>
+        </p:pic>
+      </p:grpSp>
+      <p:sp>
+        <p:nvSpPr>
+          <p:cNvPr id="50" name="頁尾版面配置區 5"/>
+          <p:cNvSpPr>
+            <a:spLocks noGrp="1"/>
+          </p:cNvSpPr>
+          <p:nvPr>
+            <p:ph type="ftr" sz="quarter" idx="11"/>
+          </p:nvPr>
+        </p:nvSpPr>
+        <p:spPr>
+          <a:xfrm>
+            <a:off x="5943600" y="6512768"/>
+            <a:ext cx="2895600" cy="228600"/>
+          </a:xfrm>
+        </p:spPr>
+        <p:txBody>
+          <a:bodyPr/>
+          <a:lstStyle/>
+          <a:p>
+            <a:pPr>
+              <a:defRPr/>
+            </a:pPr>
+            <a:r>
+              <a:rPr lang="en-US" altLang="zh-TW" dirty="0" smtClean="0"/>
+              <a:t>Performance Evaluation 2016 Spring</a:t>
+            </a:r>
+            <a:endParaRPr lang="en-US" altLang="zh-TW" dirty="0"/>
+          </a:p>
+        </p:txBody>
+      </p:sp>
+    </p:spTree>
+    <p:extLst>
+      <p:ext uri="{BB962C8B-B14F-4D97-AF65-F5344CB8AC3E}">
+        <p14:creationId xmlns:p14="http://schemas.microsoft.com/office/powerpoint/2010/main" val="225588526"/>
+      </p:ext>
+    </p:extLst>
+  </p:cSld>
+  <p:clrMapOvr>
+    <a:masterClrMapping/>
+  </p:clrMapOvr>
+  <p:transition/>
+  <p:timing>
+    <p:tnLst>
+      <p:par>
+        <p:cTn id="1" dur="indefinite" restart="never" nodeType="tmRoot"/>
+      </p:par>
+    </p:tnLst>
+  </p:timing>
+</p:sld>
+</file>
+
+<file path=ppt/slides/slide5.xml><?xml version="1.0" encoding="utf-8"?>
+<p:sld xmlns:a="http://schemas.openxmlformats.org/drawingml/2006/main" xmlns:r="http://schemas.openxmlformats.org/officeDocument/2006/relationships" xmlns:p="http://schemas.openxmlformats.org/presentationml/2006/main">
+  <p:cSld>
+    <p:spTree>
+      <p:nvGrpSpPr>
+        <p:cNvPr id="1" name=""/>
+        <p:cNvGrpSpPr/>
+        <p:nvPr/>
+      </p:nvGrpSpPr>
+      <p:grpSpPr>
+        <a:xfrm>
+          <a:off x="0" y="0"/>
+          <a:ext cx="0" cy="0"/>
+          <a:chOff x="0" y="0"/>
+          <a:chExt cx="0" cy="0"/>
+        </a:xfrm>
+      </p:grpSpPr>
+      <p:sp>
+        <p:nvSpPr>
+          <p:cNvPr id="2" name="標題 1"/>
+          <p:cNvSpPr>
+            <a:spLocks noGrp="1"/>
+          </p:cNvSpPr>
+          <p:nvPr>
+            <p:ph type="title"/>
+          </p:nvPr>
+        </p:nvSpPr>
+        <p:spPr/>
+        <p:txBody>
+          <a:bodyPr/>
+          <a:lstStyle/>
+          <a:p>
+            <a:r>
+              <a:rPr kumimoji="1" lang="en-US" altLang="zh-TW" dirty="0" smtClean="0"/>
+              <a:t>P2P networks</a:t>
+            </a:r>
+            <a:endParaRPr kumimoji="1" lang="zh-TW" altLang="en-US" dirty="0"/>
+          </a:p>
+        </p:txBody>
+      </p:sp>
+      <p:sp>
+        <p:nvSpPr>
+          <p:cNvPr id="3" name="內容版面配置區 2"/>
+          <p:cNvSpPr>
+            <a:spLocks noGrp="1"/>
+          </p:cNvSpPr>
+          <p:nvPr>
+            <p:ph idx="1"/>
+          </p:nvPr>
+        </p:nvSpPr>
+        <p:spPr/>
+        <p:txBody>
+          <a:bodyPr/>
+          <a:lstStyle/>
+          <a:p>
+            <a:r>
+              <a:rPr kumimoji="1" lang="en-US" altLang="zh-TW" dirty="0" smtClean="0"/>
+              <a:t>P2P traffic is starting to dominate the bandwidth of the Internet.</a:t>
+            </a:r>
+          </a:p>
+          <a:p>
+            <a:r>
+              <a:rPr kumimoji="1" lang="en-US" altLang="zh-TW" dirty="0" smtClean="0"/>
+              <a:t>Unlike the traditional client-server structure, peers in a P2P network operate as both servers and clients.</a:t>
+            </a:r>
+          </a:p>
+          <a:p>
+            <a:r>
+              <a:rPr kumimoji="1" lang="en-US" altLang="zh-TW" dirty="0" smtClean="0"/>
+              <a:t>Among P2P applications, file sharing is the most popular one.</a:t>
+            </a:r>
+          </a:p>
+          <a:p>
+            <a:r>
+              <a:rPr kumimoji="1" lang="en-US" altLang="zh-TW" dirty="0" smtClean="0">
+                <a:sym typeface="Wingdings"/>
+              </a:rPr>
+              <a:t>The performance of traditional file sharing applications (like the client-server network) deteriorates rapidly as the number of clients increases, while in a well-designed P2P file sharing system, more peers generally means better performance.</a:t>
+            </a:r>
+            <a:br>
+              <a:rPr kumimoji="1" lang="en-US" altLang="zh-TW" dirty="0" smtClean="0">
+                <a:sym typeface="Wingdings"/>
+              </a:rPr>
+            </a:br>
+            <a:r>
+              <a:rPr kumimoji="1" lang="en-US" altLang="zh-TW" dirty="0" smtClean="0">
+                <a:sym typeface="Wingdings"/>
+              </a:rPr>
+              <a:t> P2P file sharing system enjoys the property of scalability!</a:t>
+            </a:r>
+          </a:p>
+          <a:p>
+            <a:r>
+              <a:rPr kumimoji="1" lang="en-US" altLang="zh-TW" dirty="0" err="1" smtClean="0">
+                <a:sym typeface="Wingdings"/>
+              </a:rPr>
+              <a:t>BitTorrent</a:t>
+            </a:r>
+            <a:r>
+              <a:rPr kumimoji="1" lang="en-US" altLang="zh-TW" dirty="0" smtClean="0">
+                <a:sym typeface="Wingdings"/>
+              </a:rPr>
+              <a:t>, one of the most popular P2P applications, will be studied in this paper.</a:t>
+            </a:r>
+            <a:endParaRPr kumimoji="1" lang="en-US" altLang="zh-TW" dirty="0" smtClean="0"/>
+          </a:p>
+        </p:txBody>
+      </p:sp>
+      <p:sp>
+        <p:nvSpPr>
+          <p:cNvPr id="5" name="投影片編號版面配置區 4"/>
+          <p:cNvSpPr>
+            <a:spLocks noGrp="1"/>
+          </p:cNvSpPr>
+          <p:nvPr>
+            <p:ph type="sldNum" sz="quarter" idx="12"/>
+          </p:nvPr>
+        </p:nvSpPr>
+        <p:spPr/>
+        <p:txBody>
+          <a:bodyPr/>
+          <a:lstStyle/>
+          <a:p>
+            <a:pPr>
+              <a:defRPr/>
+            </a:pPr>
+            <a:fld id="{7823135A-D7F7-45E8-89D0-FF7E75BBDD99}" type="slidenum">
+              <a:rPr lang="en-US" altLang="zh-TW" smtClean="0"/>
+              <a:pPr>
+                <a:defRPr/>
+              </a:pPr>
+              <a:t>5</a:t>
+            </a:fld>
+            <a:endParaRPr lang="en-US" altLang="zh-TW"/>
+          </a:p>
+        </p:txBody>
+      </p:sp>
+      <p:sp>
+        <p:nvSpPr>
+          <p:cNvPr id="6" name="頁尾版面配置區 5"/>
+          <p:cNvSpPr>
+            <a:spLocks noGrp="1"/>
+          </p:cNvSpPr>
+          <p:nvPr>
+            <p:ph type="ftr" sz="quarter" idx="11"/>
+          </p:nvPr>
+        </p:nvSpPr>
+        <p:spPr>
+          <a:xfrm>
+            <a:off x="5943600" y="6512768"/>
+            <a:ext cx="2895600" cy="228600"/>
+          </a:xfrm>
+        </p:spPr>
+        <p:txBody>
+          <a:bodyPr/>
+          <a:lstStyle/>
+          <a:p>
+            <a:pPr>
+              <a:defRPr/>
+            </a:pPr>
+            <a:r>
+              <a:rPr lang="en-US" altLang="zh-TW" dirty="0" smtClean="0"/>
+              <a:t>Performance Evaluation 2016 Spring</a:t>
+            </a:r>
+            <a:endParaRPr lang="en-US" altLang="zh-TW" dirty="0"/>
+          </a:p>
+        </p:txBody>
+      </p:sp>
+    </p:spTree>
+    <p:extLst>
+      <p:ext uri="{BB962C8B-B14F-4D97-AF65-F5344CB8AC3E}">
+        <p14:creationId xmlns:p14="http://schemas.microsoft.com/office/powerpoint/2010/main" val="1504947893"/>
+      </p:ext>
+    </p:extLst>
+  </p:cSld>
+  <p:clrMapOvr>
+    <a:masterClrMapping/>
+  </p:clrMapOvr>
+</p:sld>
+</file>
+
+<file path=ppt/slides/slide6.xml><?xml version="1.0" encoding="utf-8"?>
+<p:sld xmlns:a="http://schemas.openxmlformats.org/drawingml/2006/main" xmlns:r="http://schemas.openxmlformats.org/officeDocument/2006/relationships" xmlns:p="http://schemas.openxmlformats.org/presentationml/2006/main">
+  <p:cSld>
+    <p:spTree>
+      <p:nvGrpSpPr>
+        <p:cNvPr id="1" name=""/>
+        <p:cNvGrpSpPr/>
+        <p:nvPr/>
+      </p:nvGrpSpPr>
+      <p:grpSpPr>
+        <a:xfrm>
+          <a:off x="0" y="0"/>
+          <a:ext cx="0" cy="0"/>
+          <a:chOff x="0" y="0"/>
+          <a:chExt cx="0" cy="0"/>
+        </a:xfrm>
+      </p:grpSpPr>
+      <p:sp>
+        <p:nvSpPr>
+          <p:cNvPr id="21506" name="標題 1"/>
+          <p:cNvSpPr>
+            <a:spLocks noGrp="1"/>
+          </p:cNvSpPr>
+          <p:nvPr>
+            <p:ph type="title"/>
+          </p:nvPr>
+        </p:nvSpPr>
+        <p:spPr/>
+        <p:txBody>
+          <a:bodyPr/>
+          <a:lstStyle/>
+          <a:p>
+            <a:pPr eaLnBrk="1" hangingPunct="1"/>
+            <a:r>
+              <a:rPr lang="en-US" altLang="zh-TW" dirty="0" smtClean="0"/>
+              <a:t>Outline</a:t>
+            </a:r>
+            <a:endParaRPr lang="zh-TW" altLang="en-US" dirty="0" smtClean="0"/>
+          </a:p>
+        </p:txBody>
+      </p:sp>
+      <p:sp>
+        <p:nvSpPr>
+          <p:cNvPr id="5" name="投影片編號版面配置區 4"/>
+          <p:cNvSpPr>
+            <a:spLocks noGrp="1"/>
+          </p:cNvSpPr>
+          <p:nvPr>
+            <p:ph type="sldNum" sz="quarter" idx="12"/>
+          </p:nvPr>
+        </p:nvSpPr>
+        <p:spPr/>
+        <p:txBody>
+          <a:bodyPr/>
+          <a:lstStyle/>
+          <a:p>
+            <a:pPr>
+              <a:defRPr/>
+            </a:pPr>
+            <a:fld id="{A1A99DF8-EE35-4789-BEAE-6FED5ECB28A0}" type="slidenum">
+              <a:rPr lang="zh-TW" altLang="en-US" smtClean="0"/>
+              <a:pPr>
+                <a:defRPr/>
+              </a:pPr>
+              <a:t>6</a:t>
+            </a:fld>
+            <a:endParaRPr lang="zh-TW" altLang="en-US"/>
+          </a:p>
+        </p:txBody>
+      </p:sp>
+      <p:sp>
+        <p:nvSpPr>
+          <p:cNvPr id="21508" name="Line 2"/>
+          <p:cNvSpPr>
+            <a:spLocks noChangeShapeType="1"/>
+          </p:cNvSpPr>
+          <p:nvPr/>
+        </p:nvSpPr>
+        <p:spPr bwMode="black">
+          <a:xfrm>
+            <a:off x="2273300" y="4249035"/>
+            <a:ext cx="4800600" cy="0"/>
+          </a:xfrm>
+          <a:prstGeom prst="line">
+            <a:avLst/>
+          </a:prstGeom>
+          <a:noFill/>
+          <a:ln w="28575" cap="rnd">
+            <a:solidFill>
+              <a:schemeClr val="tx1"/>
+            </a:solidFill>
+            <a:prstDash val="sysDot"/>
+            <a:round/>
+            <a:headEnd/>
+            <a:tailEnd/>
+          </a:ln>
+        </p:spPr>
+        <p:txBody>
+          <a:bodyPr/>
+          <a:lstStyle/>
+          <a:p>
+            <a:endParaRPr lang="zh-TW" altLang="en-US"/>
+          </a:p>
+        </p:txBody>
+      </p:sp>
+      <p:sp>
+        <p:nvSpPr>
+          <p:cNvPr id="21509" name="Rectangle 3"/>
+          <p:cNvSpPr>
+            <a:spLocks noChangeArrowheads="1"/>
+          </p:cNvSpPr>
+          <p:nvPr/>
+        </p:nvSpPr>
+        <p:spPr bwMode="black">
+          <a:xfrm>
+            <a:off x="2320925" y="3780722"/>
+            <a:ext cx="4849813" cy="523875"/>
+          </a:xfrm>
+          <a:prstGeom prst="rect">
+            <a:avLst/>
+          </a:prstGeom>
+          <a:noFill/>
+          <a:ln w="9525">
+            <a:noFill/>
+            <a:miter lim="800000"/>
+            <a:headEnd/>
+            <a:tailEnd/>
+          </a:ln>
+        </p:spPr>
+        <p:txBody>
+          <a:bodyPr>
+            <a:spAutoFit/>
+          </a:bodyPr>
+          <a:lstStyle/>
+          <a:p>
+            <a:r>
+              <a:rPr kumimoji="0" lang="en-US" altLang="zh-TW" sz="2800" dirty="0" smtClean="0">
+                <a:latin typeface="標楷體" pitchFamily="65" charset="-120"/>
+                <a:ea typeface="標楷體" pitchFamily="65" charset="-120"/>
+              </a:rPr>
+              <a:t>TBA</a:t>
+            </a:r>
+            <a:endParaRPr kumimoji="0" lang="en-US" altLang="zh-TW" sz="2800" dirty="0">
+              <a:latin typeface="標楷體" pitchFamily="65" charset="-120"/>
+              <a:ea typeface="標楷體" pitchFamily="65" charset="-120"/>
+            </a:endParaRPr>
+          </a:p>
+        </p:txBody>
+      </p:sp>
+      <p:sp>
+        <p:nvSpPr>
+          <p:cNvPr id="21510" name="Line 4"/>
+          <p:cNvSpPr>
+            <a:spLocks noChangeShapeType="1"/>
+          </p:cNvSpPr>
+          <p:nvPr/>
+        </p:nvSpPr>
+        <p:spPr bwMode="black">
+          <a:xfrm>
+            <a:off x="2273300" y="2317750"/>
+            <a:ext cx="4800600" cy="0"/>
+          </a:xfrm>
+          <a:prstGeom prst="line">
+            <a:avLst/>
+          </a:prstGeom>
+          <a:noFill/>
+          <a:ln w="28575" cap="rnd">
+            <a:solidFill>
+              <a:schemeClr val="tx1"/>
+            </a:solidFill>
+            <a:prstDash val="sysDot"/>
+            <a:round/>
+            <a:headEnd/>
+            <a:tailEnd/>
+          </a:ln>
+        </p:spPr>
+        <p:txBody>
+          <a:bodyPr/>
+          <a:lstStyle/>
+          <a:p>
+            <a:endParaRPr lang="zh-TW" altLang="en-US"/>
+          </a:p>
+        </p:txBody>
+      </p:sp>
+      <p:sp>
+        <p:nvSpPr>
+          <p:cNvPr id="21511" name="Rectangle 8"/>
+          <p:cNvSpPr>
+            <a:spLocks noChangeArrowheads="1"/>
+          </p:cNvSpPr>
+          <p:nvPr/>
+        </p:nvSpPr>
+        <p:spPr bwMode="black">
+          <a:xfrm>
+            <a:off x="2320925" y="1844675"/>
+            <a:ext cx="5131395" cy="523220"/>
+          </a:xfrm>
+          <a:prstGeom prst="rect">
+            <a:avLst/>
+          </a:prstGeom>
+          <a:noFill/>
+          <a:ln w="9525">
+            <a:noFill/>
+            <a:miter lim="800000"/>
+            <a:headEnd/>
+            <a:tailEnd/>
+          </a:ln>
+        </p:spPr>
+        <p:txBody>
+          <a:bodyPr wrap="square">
+            <a:spAutoFit/>
+          </a:bodyPr>
+          <a:lstStyle/>
+          <a:p>
+            <a:r>
+              <a:rPr kumimoji="0" lang="en-US" altLang="zh-TW" sz="2800" dirty="0" smtClean="0">
+                <a:latin typeface="標楷體" pitchFamily="65" charset="-120"/>
+                <a:ea typeface="標楷體" pitchFamily="65" charset="-120"/>
+              </a:rPr>
+              <a:t>Introduction to P2P </a:t>
+            </a:r>
+            <a:r>
+              <a:rPr kumimoji="0" lang="en-US" altLang="zh-TW" sz="2800" dirty="0" smtClean="0">
+                <a:latin typeface="標楷體" pitchFamily="65" charset="-120"/>
+                <a:ea typeface="標楷體" pitchFamily="65" charset="-120"/>
+              </a:rPr>
+              <a:t>network</a:t>
+            </a:r>
+            <a:endParaRPr kumimoji="0" lang="en-US" altLang="zh-TW" sz="2800" dirty="0">
+              <a:latin typeface="標楷體" pitchFamily="65" charset="-120"/>
+              <a:ea typeface="標楷體" pitchFamily="65" charset="-120"/>
+            </a:endParaRPr>
+          </a:p>
+        </p:txBody>
+      </p:sp>
+      <p:sp>
+        <p:nvSpPr>
+          <p:cNvPr id="21514" name="Line 11"/>
+          <p:cNvSpPr>
+            <a:spLocks noChangeShapeType="1"/>
+          </p:cNvSpPr>
+          <p:nvPr/>
+        </p:nvSpPr>
+        <p:spPr bwMode="black">
+          <a:xfrm>
+            <a:off x="2273300" y="2939347"/>
+            <a:ext cx="4800600" cy="0"/>
+          </a:xfrm>
+          <a:prstGeom prst="line">
+            <a:avLst/>
+          </a:prstGeom>
+          <a:noFill/>
+          <a:ln w="28575" cap="rnd">
+            <a:solidFill>
+              <a:schemeClr val="tx1"/>
+            </a:solidFill>
+            <a:prstDash val="sysDot"/>
+            <a:round/>
+            <a:headEnd/>
+            <a:tailEnd/>
+          </a:ln>
+        </p:spPr>
+        <p:txBody>
+          <a:bodyPr/>
+          <a:lstStyle/>
+          <a:p>
+            <a:endParaRPr lang="zh-TW" altLang="en-US"/>
+          </a:p>
+        </p:txBody>
+      </p:sp>
+      <p:sp>
+        <p:nvSpPr>
+          <p:cNvPr id="21515" name="Rectangle 12"/>
+          <p:cNvSpPr>
+            <a:spLocks noChangeArrowheads="1"/>
+          </p:cNvSpPr>
+          <p:nvPr/>
+        </p:nvSpPr>
+        <p:spPr bwMode="black">
+          <a:xfrm>
+            <a:off x="2320925" y="2467860"/>
+            <a:ext cx="4849813" cy="523875"/>
+          </a:xfrm>
+          <a:prstGeom prst="rect">
+            <a:avLst/>
+          </a:prstGeom>
+          <a:noFill/>
+          <a:ln w="9525">
+            <a:noFill/>
+            <a:miter lim="800000"/>
+            <a:headEnd/>
+            <a:tailEnd/>
+          </a:ln>
+        </p:spPr>
+        <p:txBody>
+          <a:bodyPr>
+            <a:spAutoFit/>
+          </a:bodyPr>
+          <a:lstStyle/>
+          <a:p>
+            <a:r>
+              <a:rPr kumimoji="0" lang="en-US" altLang="zh-TW" sz="2800" b="1" dirty="0" smtClean="0">
+                <a:latin typeface="標楷體" pitchFamily="65" charset="-120"/>
+                <a:ea typeface="標楷體" pitchFamily="65" charset="-120"/>
+              </a:rPr>
+              <a:t>Introduction to </a:t>
+            </a:r>
+            <a:r>
+              <a:rPr kumimoji="0" lang="en-US" altLang="zh-TW" sz="2800" b="1" dirty="0" err="1" smtClean="0">
+                <a:latin typeface="標楷體" pitchFamily="65" charset="-120"/>
+                <a:ea typeface="標楷體" pitchFamily="65" charset="-120"/>
+              </a:rPr>
+              <a:t>BitTorrent</a:t>
+            </a:r>
+            <a:endParaRPr kumimoji="0" lang="en-US" altLang="zh-TW" sz="2800" b="1" dirty="0">
+              <a:latin typeface="標楷體" pitchFamily="65" charset="-120"/>
+              <a:ea typeface="標楷體" pitchFamily="65" charset="-120"/>
+            </a:endParaRPr>
+          </a:p>
+        </p:txBody>
+      </p:sp>
+      <p:sp>
+        <p:nvSpPr>
+          <p:cNvPr id="21516" name="Line 13"/>
+          <p:cNvSpPr>
+            <a:spLocks noChangeShapeType="1"/>
+          </p:cNvSpPr>
+          <p:nvPr/>
+        </p:nvSpPr>
+        <p:spPr bwMode="black">
+          <a:xfrm>
+            <a:off x="2273300" y="3593397"/>
+            <a:ext cx="4800600" cy="0"/>
+          </a:xfrm>
+          <a:prstGeom prst="line">
+            <a:avLst/>
+          </a:prstGeom>
+          <a:noFill/>
+          <a:ln w="28575" cap="rnd">
+            <a:solidFill>
+              <a:schemeClr val="tx1"/>
+            </a:solidFill>
+            <a:prstDash val="sysDot"/>
+            <a:round/>
+            <a:headEnd/>
+            <a:tailEnd/>
+          </a:ln>
+        </p:spPr>
+        <p:txBody>
+          <a:bodyPr/>
+          <a:lstStyle/>
+          <a:p>
+            <a:endParaRPr lang="zh-TW" altLang="en-US"/>
+          </a:p>
+        </p:txBody>
+      </p:sp>
+      <p:sp>
+        <p:nvSpPr>
+          <p:cNvPr id="21517" name="Rectangle 14"/>
+          <p:cNvSpPr>
+            <a:spLocks noChangeArrowheads="1"/>
+          </p:cNvSpPr>
+          <p:nvPr/>
+        </p:nvSpPr>
+        <p:spPr bwMode="black">
+          <a:xfrm>
+            <a:off x="2320925" y="3125085"/>
+            <a:ext cx="4849813" cy="522287"/>
+          </a:xfrm>
+          <a:prstGeom prst="rect">
+            <a:avLst/>
+          </a:prstGeom>
+          <a:noFill/>
+          <a:ln w="9525">
+            <a:noFill/>
+            <a:miter lim="800000"/>
+            <a:headEnd/>
+            <a:tailEnd/>
+          </a:ln>
+        </p:spPr>
+        <p:txBody>
+          <a:bodyPr>
+            <a:spAutoFit/>
+          </a:bodyPr>
+          <a:lstStyle/>
+          <a:p>
+            <a:r>
+              <a:rPr kumimoji="0" lang="en-US" altLang="zh-TW" sz="2800" dirty="0" smtClean="0">
+                <a:latin typeface="標楷體" pitchFamily="65" charset="-120"/>
+                <a:ea typeface="標楷體" pitchFamily="65" charset="-120"/>
+              </a:rPr>
+              <a:t>TBA</a:t>
+            </a:r>
+            <a:endParaRPr kumimoji="0" lang="en-US" altLang="zh-TW" sz="2800" dirty="0">
+              <a:latin typeface="標楷體" pitchFamily="65" charset="-120"/>
+              <a:ea typeface="標楷體" pitchFamily="65" charset="-120"/>
+            </a:endParaRPr>
+          </a:p>
+        </p:txBody>
+      </p:sp>
+      <p:grpSp>
+        <p:nvGrpSpPr>
+          <p:cNvPr id="21518" name="Group 94"/>
+          <p:cNvGrpSpPr>
+            <a:grpSpLocks/>
+          </p:cNvGrpSpPr>
+          <p:nvPr/>
+        </p:nvGrpSpPr>
+        <p:grpSpPr bwMode="auto">
+          <a:xfrm>
+            <a:off x="1979613" y="1936750"/>
+            <a:ext cx="222250" cy="220663"/>
+            <a:chOff x="2543" y="1006"/>
+            <a:chExt cx="416" cy="416"/>
+          </a:xfrm>
+        </p:grpSpPr>
+        <p:sp>
+          <p:nvSpPr>
+            <p:cNvPr id="17" name="Oval 52"/>
+            <p:cNvSpPr>
+              <a:spLocks noChangeArrowheads="1"/>
+            </p:cNvSpPr>
+            <p:nvPr/>
+          </p:nvSpPr>
+          <p:spPr bwMode="gray">
+            <a:xfrm>
+              <a:off x="2543" y="1006"/>
+              <a:ext cx="416" cy="416"/>
+            </a:xfrm>
+            <a:prstGeom prst="ellipse">
+              <a:avLst/>
+            </a:prstGeom>
+            <a:gradFill rotWithShape="1">
+              <a:gsLst>
+                <a:gs pos="0">
+                  <a:srgbClr val="FFFFFF">
+                    <a:gamma/>
+                    <a:shade val="54118"/>
+                    <a:invGamma/>
+                  </a:srgbClr>
+                </a:gs>
+                <a:gs pos="50000">
+                  <a:srgbClr val="FFFFFF"/>
+                </a:gs>
+                <a:gs pos="100000">
+                  <a:srgbClr val="FFFFFF">
+                    <a:gamma/>
+                    <a:shade val="54118"/>
+                    <a:invGamma/>
+                  </a:srgbClr>
+                </a:gs>
+              </a:gsLst>
+              <a:lin ang="18900000" scaled="1"/>
+            </a:gradFill>
+            <a:ln w="9525">
+              <a:solidFill>
+                <a:srgbClr val="DDDDDD"/>
+              </a:solidFill>
+              <a:round/>
+              <a:headEnd/>
+              <a:tailEnd/>
+            </a:ln>
+            <a:effectLst>
+              <a:outerShdw dist="35921" dir="2700000" algn="ctr" rotWithShape="0">
+                <a:schemeClr val="bg2">
+                  <a:alpha val="50000"/>
+                </a:schemeClr>
+              </a:outerShdw>
+            </a:effectLst>
+          </p:spPr>
+          <p:txBody>
+            <a:bodyPr wrap="none" anchor="ctr"/>
+            <a:lstStyle/>
+            <a:p>
+              <a:pPr>
+                <a:defRPr/>
+              </a:pPr>
+              <a:endParaRPr kumimoji="0" lang="zh-TW" altLang="en-US"/>
+            </a:p>
+          </p:txBody>
+        </p:sp>
+        <p:grpSp>
+          <p:nvGrpSpPr>
+            <p:cNvPr id="21558" name="Group 53"/>
+            <p:cNvGrpSpPr>
+              <a:grpSpLocks/>
+            </p:cNvGrpSpPr>
+            <p:nvPr/>
+          </p:nvGrpSpPr>
+          <p:grpSpPr bwMode="auto">
+            <a:xfrm rot="-2288454">
+              <a:off x="2578" y="1034"/>
+              <a:ext cx="348" cy="356"/>
+              <a:chOff x="887" y="2040"/>
+              <a:chExt cx="433" cy="422"/>
+            </a:xfrm>
+          </p:grpSpPr>
+          <p:pic>
+            <p:nvPicPr>
+              <p:cNvPr id="21560" name="Picture 54" descr="circuler_1"/>
+              <p:cNvPicPr>
+                <a:picLocks noChangeAspect="1" noChangeArrowheads="1"/>
+              </p:cNvPicPr>
+              <p:nvPr/>
+            </p:nvPicPr>
+            <p:blipFill>
+              <a:blip r:embed="rId2" cstate="print"/>
+              <a:srcRect/>
+              <a:stretch>
+                <a:fillRect/>
+              </a:stretch>
+            </p:blipFill>
+            <p:spPr bwMode="gray">
+              <a:xfrm>
+                <a:off x="887" y="2040"/>
+                <a:ext cx="430" cy="420"/>
+              </a:xfrm>
+              <a:prstGeom prst="rect">
+                <a:avLst/>
+              </a:prstGeom>
+              <a:noFill/>
+              <a:ln w="9525">
+                <a:noFill/>
+                <a:miter lim="800000"/>
+                <a:headEnd/>
+                <a:tailEnd/>
+              </a:ln>
+            </p:spPr>
+          </p:pic>
+          <p:sp>
+            <p:nvSpPr>
+              <p:cNvPr id="21" name="Oval 55"/>
+              <p:cNvSpPr>
+                <a:spLocks noChangeArrowheads="1"/>
+              </p:cNvSpPr>
+              <p:nvPr/>
+            </p:nvSpPr>
+            <p:spPr bwMode="gray">
+              <a:xfrm>
+                <a:off x="888" y="2039"/>
+                <a:ext cx="433" cy="422"/>
+              </a:xfrm>
+              <a:prstGeom prst="ellipse">
+                <a:avLst/>
+              </a:prstGeom>
+              <a:gradFill rotWithShape="1">
+                <a:gsLst>
+                  <a:gs pos="0">
+                    <a:schemeClr val="accent1">
+                      <a:gamma/>
+                      <a:shade val="34902"/>
+                      <a:invGamma/>
+                      <a:alpha val="89999"/>
+                    </a:schemeClr>
+                  </a:gs>
+                  <a:gs pos="50000">
+                    <a:schemeClr val="accent1">
+                      <a:alpha val="75000"/>
+                    </a:schemeClr>
+                  </a:gs>
+                  <a:gs pos="100000">
+                    <a:schemeClr val="accent1">
+                      <a:gamma/>
+                      <a:shade val="34902"/>
+                      <a:invGamma/>
+                      <a:alpha val="89999"/>
+                    </a:schemeClr>
+                  </a:gs>
+                </a:gsLst>
+                <a:lin ang="18900000" scaled="1"/>
+              </a:gradFill>
+              <a:ln w="9525" algn="ctr">
+                <a:noFill/>
+                <a:round/>
+                <a:headEnd/>
+                <a:tailEnd/>
+              </a:ln>
+              <a:effectLst/>
+            </p:spPr>
+            <p:txBody>
+              <a:bodyPr wrap="none" anchor="ctr"/>
+              <a:lstStyle/>
+              <a:p>
+                <a:pPr>
+                  <a:defRPr/>
+                </a:pPr>
+                <a:endParaRPr kumimoji="0" lang="zh-TW" altLang="en-US"/>
+              </a:p>
+            </p:txBody>
+          </p:sp>
+          <p:pic>
+            <p:nvPicPr>
+              <p:cNvPr id="21562" name="Picture 56" descr="Picture2"/>
+              <p:cNvPicPr>
+                <a:picLocks noChangeAspect="1" noChangeArrowheads="1"/>
+              </p:cNvPicPr>
+              <p:nvPr/>
+            </p:nvPicPr>
+            <p:blipFill>
+              <a:blip r:embed="rId3" cstate="print"/>
+              <a:srcRect/>
+              <a:stretch>
+                <a:fillRect/>
+              </a:stretch>
+            </p:blipFill>
+            <p:spPr bwMode="gray">
+              <a:xfrm>
+                <a:off x="930" y="2044"/>
+                <a:ext cx="345" cy="149"/>
+              </a:xfrm>
+              <a:prstGeom prst="rect">
+                <a:avLst/>
+              </a:prstGeom>
+              <a:noFill/>
+              <a:ln w="9525">
+                <a:noFill/>
+                <a:miter lim="800000"/>
+                <a:headEnd/>
+                <a:tailEnd/>
+              </a:ln>
+            </p:spPr>
+          </p:pic>
+        </p:grpSp>
+        <p:pic>
+          <p:nvPicPr>
+            <p:cNvPr id="21559" name="Picture 57"/>
+            <p:cNvPicPr>
+              <a:picLocks noChangeAspect="1" noChangeArrowheads="1"/>
+            </p:cNvPicPr>
+            <p:nvPr/>
+          </p:nvPicPr>
+          <p:blipFill>
+            <a:blip r:embed="rId4" cstate="print"/>
+            <a:srcRect l="12015" t="9302" r="12404" b="12598"/>
+            <a:stretch>
+              <a:fillRect/>
+            </a:stretch>
+          </p:blipFill>
+          <p:spPr bwMode="gray">
+            <a:xfrm>
+              <a:off x="2570" y="1020"/>
+              <a:ext cx="359" cy="370"/>
+            </a:xfrm>
+            <a:prstGeom prst="rect">
+              <a:avLst/>
+            </a:prstGeom>
+            <a:noFill/>
+            <a:ln w="9525">
+              <a:noFill/>
+              <a:miter lim="800000"/>
+              <a:headEnd/>
+              <a:tailEnd/>
+            </a:ln>
+          </p:spPr>
+        </p:pic>
+      </p:grpSp>
+      <p:grpSp>
+        <p:nvGrpSpPr>
+          <p:cNvPr id="21519" name="Group 92"/>
+          <p:cNvGrpSpPr>
+            <a:grpSpLocks/>
+          </p:cNvGrpSpPr>
+          <p:nvPr/>
+        </p:nvGrpSpPr>
+        <p:grpSpPr bwMode="auto">
+          <a:xfrm>
+            <a:off x="1979613" y="3255260"/>
+            <a:ext cx="222250" cy="222250"/>
+            <a:chOff x="3647" y="1006"/>
+            <a:chExt cx="416" cy="416"/>
+          </a:xfrm>
+        </p:grpSpPr>
+        <p:sp>
+          <p:nvSpPr>
+            <p:cNvPr id="31" name="Oval 67"/>
+            <p:cNvSpPr>
+              <a:spLocks noChangeArrowheads="1"/>
+            </p:cNvSpPr>
+            <p:nvPr/>
+          </p:nvSpPr>
+          <p:spPr bwMode="gray">
+            <a:xfrm>
+              <a:off x="3647" y="1006"/>
+              <a:ext cx="416" cy="416"/>
+            </a:xfrm>
+            <a:prstGeom prst="ellipse">
+              <a:avLst/>
+            </a:prstGeom>
+            <a:gradFill rotWithShape="1">
+              <a:gsLst>
+                <a:gs pos="0">
+                  <a:srgbClr val="FFFFFF">
+                    <a:gamma/>
+                    <a:shade val="54118"/>
+                    <a:invGamma/>
+                  </a:srgbClr>
+                </a:gs>
+                <a:gs pos="50000">
+                  <a:srgbClr val="FFFFFF"/>
+                </a:gs>
+                <a:gs pos="100000">
+                  <a:srgbClr val="FFFFFF">
+                    <a:gamma/>
+                    <a:shade val="54118"/>
+                    <a:invGamma/>
+                  </a:srgbClr>
+                </a:gs>
+              </a:gsLst>
+              <a:lin ang="18900000" scaled="1"/>
+            </a:gradFill>
+            <a:ln w="9525">
+              <a:solidFill>
+                <a:srgbClr val="DDDDDD"/>
+              </a:solidFill>
+              <a:round/>
+              <a:headEnd/>
+              <a:tailEnd/>
+            </a:ln>
+            <a:effectLst>
+              <a:outerShdw dist="35921" dir="2700000" algn="ctr" rotWithShape="0">
+                <a:schemeClr val="bg2">
+                  <a:alpha val="50000"/>
+                </a:schemeClr>
+              </a:outerShdw>
+            </a:effectLst>
+          </p:spPr>
+          <p:txBody>
+            <a:bodyPr wrap="none" anchor="ctr"/>
+            <a:lstStyle/>
+            <a:p>
+              <a:pPr>
+                <a:defRPr/>
+              </a:pPr>
+              <a:endParaRPr kumimoji="0" lang="zh-TW" altLang="en-US"/>
+            </a:p>
+          </p:txBody>
+        </p:sp>
+        <p:grpSp>
+          <p:nvGrpSpPr>
+            <p:cNvPr id="21552" name="Group 68"/>
+            <p:cNvGrpSpPr>
+              <a:grpSpLocks/>
+            </p:cNvGrpSpPr>
+            <p:nvPr/>
+          </p:nvGrpSpPr>
+          <p:grpSpPr bwMode="auto">
+            <a:xfrm rot="-2288454">
+              <a:off x="3682" y="1034"/>
+              <a:ext cx="348" cy="356"/>
+              <a:chOff x="887" y="2040"/>
+              <a:chExt cx="433" cy="422"/>
+            </a:xfrm>
+          </p:grpSpPr>
+          <p:pic>
+            <p:nvPicPr>
+              <p:cNvPr id="21554" name="Picture 69" descr="circuler_1"/>
+              <p:cNvPicPr>
+                <a:picLocks noChangeAspect="1" noChangeArrowheads="1"/>
+              </p:cNvPicPr>
+              <p:nvPr/>
+            </p:nvPicPr>
+            <p:blipFill>
+              <a:blip r:embed="rId5" cstate="print"/>
+              <a:srcRect/>
+              <a:stretch>
+                <a:fillRect/>
+              </a:stretch>
+            </p:blipFill>
+            <p:spPr bwMode="gray">
+              <a:xfrm>
+                <a:off x="887" y="2040"/>
+                <a:ext cx="430" cy="420"/>
+              </a:xfrm>
+              <a:prstGeom prst="rect">
+                <a:avLst/>
+              </a:prstGeom>
+              <a:noFill/>
+              <a:ln w="9525">
+                <a:noFill/>
+                <a:miter lim="800000"/>
+                <a:headEnd/>
+                <a:tailEnd/>
+              </a:ln>
+            </p:spPr>
+          </p:pic>
+          <p:sp>
+            <p:nvSpPr>
+              <p:cNvPr id="35" name="Oval 70"/>
+              <p:cNvSpPr>
+                <a:spLocks noChangeArrowheads="1"/>
+              </p:cNvSpPr>
+              <p:nvPr/>
+            </p:nvSpPr>
+            <p:spPr bwMode="gray">
+              <a:xfrm>
+                <a:off x="888" y="2039"/>
+                <a:ext cx="433" cy="423"/>
+              </a:xfrm>
+              <a:prstGeom prst="ellipse">
+                <a:avLst/>
+              </a:prstGeom>
+              <a:gradFill rotWithShape="1">
+                <a:gsLst>
+                  <a:gs pos="0">
+                    <a:schemeClr val="hlink">
+                      <a:gamma/>
+                      <a:shade val="34902"/>
+                      <a:invGamma/>
+                      <a:alpha val="89999"/>
+                    </a:schemeClr>
+                  </a:gs>
+                  <a:gs pos="50000">
+                    <a:schemeClr val="hlink">
+                      <a:alpha val="75000"/>
+                    </a:schemeClr>
+                  </a:gs>
+                  <a:gs pos="100000">
+                    <a:schemeClr val="hlink">
+                      <a:gamma/>
+                      <a:shade val="34902"/>
+                      <a:invGamma/>
+                      <a:alpha val="89999"/>
+                    </a:schemeClr>
+                  </a:gs>
+                </a:gsLst>
+                <a:lin ang="18900000" scaled="1"/>
+              </a:gradFill>
+              <a:ln w="9525" algn="ctr">
+                <a:noFill/>
+                <a:round/>
+                <a:headEnd/>
+                <a:tailEnd/>
+              </a:ln>
+              <a:effectLst/>
+            </p:spPr>
+            <p:txBody>
+              <a:bodyPr wrap="none" anchor="ctr"/>
+              <a:lstStyle/>
+              <a:p>
+                <a:pPr>
+                  <a:defRPr/>
+                </a:pPr>
+                <a:endParaRPr kumimoji="0" lang="zh-TW" altLang="en-US"/>
+              </a:p>
+            </p:txBody>
+          </p:sp>
+          <p:pic>
+            <p:nvPicPr>
+              <p:cNvPr id="21556" name="Picture 71" descr="Picture2"/>
+              <p:cNvPicPr>
+                <a:picLocks noChangeAspect="1" noChangeArrowheads="1"/>
+              </p:cNvPicPr>
+              <p:nvPr/>
+            </p:nvPicPr>
+            <p:blipFill>
+              <a:blip r:embed="rId3" cstate="print"/>
+              <a:srcRect/>
+              <a:stretch>
+                <a:fillRect/>
+              </a:stretch>
+            </p:blipFill>
+            <p:spPr bwMode="gray">
+              <a:xfrm>
+                <a:off x="930" y="2044"/>
+                <a:ext cx="345" cy="149"/>
+              </a:xfrm>
+              <a:prstGeom prst="rect">
+                <a:avLst/>
+              </a:prstGeom>
+              <a:noFill/>
+              <a:ln w="9525">
+                <a:noFill/>
+                <a:miter lim="800000"/>
+                <a:headEnd/>
+                <a:tailEnd/>
+              </a:ln>
+            </p:spPr>
+          </p:pic>
+        </p:grpSp>
+        <p:pic>
+          <p:nvPicPr>
+            <p:cNvPr id="21553" name="Picture 87"/>
+            <p:cNvPicPr>
+              <a:picLocks noChangeAspect="1" noChangeArrowheads="1"/>
+            </p:cNvPicPr>
+            <p:nvPr/>
+          </p:nvPicPr>
+          <p:blipFill>
+            <a:blip r:embed="rId6" cstate="print"/>
+            <a:srcRect l="12015" t="9302" r="12404" b="12598"/>
+            <a:stretch>
+              <a:fillRect/>
+            </a:stretch>
+          </p:blipFill>
+          <p:spPr bwMode="gray">
+            <a:xfrm>
+              <a:off x="3676" y="1020"/>
+              <a:ext cx="359" cy="370"/>
+            </a:xfrm>
+            <a:prstGeom prst="rect">
+              <a:avLst/>
+            </a:prstGeom>
+            <a:noFill/>
+            <a:ln w="9525">
+              <a:noFill/>
+              <a:miter lim="800000"/>
+              <a:headEnd/>
+              <a:tailEnd/>
+            </a:ln>
+          </p:spPr>
+        </p:pic>
+      </p:grpSp>
+      <p:grpSp>
+        <p:nvGrpSpPr>
+          <p:cNvPr id="21520" name="Group 91"/>
+          <p:cNvGrpSpPr>
+            <a:grpSpLocks/>
+          </p:cNvGrpSpPr>
+          <p:nvPr/>
+        </p:nvGrpSpPr>
+        <p:grpSpPr bwMode="auto">
+          <a:xfrm>
+            <a:off x="1979613" y="3925185"/>
+            <a:ext cx="222250" cy="222250"/>
+            <a:chOff x="4213" y="1006"/>
+            <a:chExt cx="416" cy="416"/>
+          </a:xfrm>
+        </p:grpSpPr>
+        <p:sp>
+          <p:nvSpPr>
+            <p:cNvPr id="38" name="Oval 72"/>
+            <p:cNvSpPr>
+              <a:spLocks noChangeArrowheads="1"/>
+            </p:cNvSpPr>
+            <p:nvPr/>
+          </p:nvSpPr>
+          <p:spPr bwMode="gray">
+            <a:xfrm>
+              <a:off x="4213" y="1006"/>
+              <a:ext cx="416" cy="416"/>
+            </a:xfrm>
+            <a:prstGeom prst="ellipse">
+              <a:avLst/>
+            </a:prstGeom>
+            <a:gradFill rotWithShape="1">
+              <a:gsLst>
+                <a:gs pos="0">
+                  <a:srgbClr val="FFFFFF">
+                    <a:gamma/>
+                    <a:shade val="54118"/>
+                    <a:invGamma/>
+                  </a:srgbClr>
+                </a:gs>
+                <a:gs pos="50000">
+                  <a:srgbClr val="FFFFFF"/>
+                </a:gs>
+                <a:gs pos="100000">
+                  <a:srgbClr val="FFFFFF">
+                    <a:gamma/>
+                    <a:shade val="54118"/>
+                    <a:invGamma/>
+                  </a:srgbClr>
+                </a:gs>
+              </a:gsLst>
+              <a:lin ang="18900000" scaled="1"/>
+            </a:gradFill>
+            <a:ln w="9525">
+              <a:solidFill>
+                <a:srgbClr val="DDDDDD"/>
+              </a:solidFill>
+              <a:round/>
+              <a:headEnd/>
+              <a:tailEnd/>
+            </a:ln>
+            <a:effectLst>
+              <a:outerShdw dist="35921" dir="2700000" algn="ctr" rotWithShape="0">
+                <a:schemeClr val="bg2">
+                  <a:alpha val="50000"/>
+                </a:schemeClr>
+              </a:outerShdw>
+            </a:effectLst>
+          </p:spPr>
+          <p:txBody>
+            <a:bodyPr wrap="none" anchor="ctr"/>
+            <a:lstStyle/>
+            <a:p>
+              <a:pPr>
+                <a:defRPr/>
+              </a:pPr>
+              <a:endParaRPr kumimoji="0" lang="zh-TW" altLang="en-US"/>
+            </a:p>
+          </p:txBody>
+        </p:sp>
+        <p:grpSp>
+          <p:nvGrpSpPr>
+            <p:cNvPr id="21546" name="Group 73"/>
+            <p:cNvGrpSpPr>
+              <a:grpSpLocks/>
+            </p:cNvGrpSpPr>
+            <p:nvPr/>
+          </p:nvGrpSpPr>
+          <p:grpSpPr bwMode="auto">
+            <a:xfrm rot="-2288454">
+              <a:off x="4248" y="1034"/>
+              <a:ext cx="348" cy="356"/>
+              <a:chOff x="887" y="2040"/>
+              <a:chExt cx="433" cy="422"/>
+            </a:xfrm>
+          </p:grpSpPr>
+          <p:pic>
+            <p:nvPicPr>
+              <p:cNvPr id="21548" name="Picture 74" descr="circuler_1"/>
+              <p:cNvPicPr>
+                <a:picLocks noChangeAspect="1" noChangeArrowheads="1"/>
+              </p:cNvPicPr>
+              <p:nvPr/>
+            </p:nvPicPr>
+            <p:blipFill>
+              <a:blip r:embed="rId5" cstate="print"/>
+              <a:srcRect/>
+              <a:stretch>
+                <a:fillRect/>
+              </a:stretch>
+            </p:blipFill>
+            <p:spPr bwMode="gray">
+              <a:xfrm>
+                <a:off x="887" y="2040"/>
+                <a:ext cx="430" cy="420"/>
+              </a:xfrm>
+              <a:prstGeom prst="rect">
+                <a:avLst/>
+              </a:prstGeom>
+              <a:noFill/>
+              <a:ln w="9525">
+                <a:noFill/>
+                <a:miter lim="800000"/>
+                <a:headEnd/>
+                <a:tailEnd/>
+              </a:ln>
+            </p:spPr>
+          </p:pic>
+          <p:sp>
+            <p:nvSpPr>
+              <p:cNvPr id="42" name="Oval 75"/>
+              <p:cNvSpPr>
+                <a:spLocks noChangeArrowheads="1"/>
+              </p:cNvSpPr>
+              <p:nvPr/>
+            </p:nvSpPr>
+            <p:spPr bwMode="gray">
+              <a:xfrm>
+                <a:off x="888" y="2039"/>
+                <a:ext cx="433" cy="423"/>
+              </a:xfrm>
+              <a:prstGeom prst="ellipse">
+                <a:avLst/>
+              </a:prstGeom>
+              <a:gradFill rotWithShape="1">
+                <a:gsLst>
+                  <a:gs pos="0">
+                    <a:schemeClr val="folHlink">
+                      <a:gamma/>
+                      <a:shade val="34902"/>
+                      <a:invGamma/>
+                      <a:alpha val="89999"/>
+                    </a:schemeClr>
+                  </a:gs>
+                  <a:gs pos="50000">
+                    <a:schemeClr val="folHlink">
+                      <a:alpha val="75000"/>
+                    </a:schemeClr>
+                  </a:gs>
+                  <a:gs pos="100000">
+                    <a:schemeClr val="folHlink">
+                      <a:gamma/>
+                      <a:shade val="34902"/>
+                      <a:invGamma/>
+                      <a:alpha val="89999"/>
+                    </a:schemeClr>
+                  </a:gs>
+                </a:gsLst>
+                <a:lin ang="18900000" scaled="1"/>
+              </a:gradFill>
+              <a:ln w="9525" algn="ctr">
+                <a:noFill/>
+                <a:round/>
+                <a:headEnd/>
+                <a:tailEnd/>
+              </a:ln>
+              <a:effectLst/>
+            </p:spPr>
+            <p:txBody>
+              <a:bodyPr wrap="none" anchor="ctr"/>
+              <a:lstStyle/>
+              <a:p>
+                <a:pPr>
+                  <a:defRPr/>
+                </a:pPr>
+                <a:endParaRPr kumimoji="0" lang="zh-TW" altLang="en-US"/>
+              </a:p>
+            </p:txBody>
+          </p:sp>
+          <p:pic>
+            <p:nvPicPr>
+              <p:cNvPr id="21550" name="Picture 76" descr="Picture2"/>
+              <p:cNvPicPr>
+                <a:picLocks noChangeAspect="1" noChangeArrowheads="1"/>
+              </p:cNvPicPr>
+              <p:nvPr/>
+            </p:nvPicPr>
+            <p:blipFill>
+              <a:blip r:embed="rId3" cstate="print"/>
+              <a:srcRect/>
+              <a:stretch>
+                <a:fillRect/>
+              </a:stretch>
+            </p:blipFill>
+            <p:spPr bwMode="gray">
+              <a:xfrm>
+                <a:off x="930" y="2044"/>
+                <a:ext cx="345" cy="149"/>
+              </a:xfrm>
+              <a:prstGeom prst="rect">
+                <a:avLst/>
+              </a:prstGeom>
+              <a:noFill/>
+              <a:ln w="9525">
+                <a:noFill/>
+                <a:miter lim="800000"/>
+                <a:headEnd/>
+                <a:tailEnd/>
+              </a:ln>
+            </p:spPr>
+          </p:pic>
+        </p:grpSp>
+        <p:pic>
+          <p:nvPicPr>
+            <p:cNvPr id="21547" name="Picture 88"/>
+            <p:cNvPicPr>
+              <a:picLocks noChangeAspect="1" noChangeArrowheads="1"/>
+            </p:cNvPicPr>
+            <p:nvPr/>
+          </p:nvPicPr>
+          <p:blipFill>
+            <a:blip r:embed="rId6" cstate="print"/>
+            <a:srcRect l="12015" t="9302" r="12404" b="12598"/>
+            <a:stretch>
+              <a:fillRect/>
+            </a:stretch>
+          </p:blipFill>
+          <p:spPr bwMode="gray">
+            <a:xfrm>
+              <a:off x="4240" y="1020"/>
+              <a:ext cx="359" cy="370"/>
+            </a:xfrm>
+            <a:prstGeom prst="rect">
+              <a:avLst/>
+            </a:prstGeom>
+            <a:noFill/>
+            <a:ln w="9525">
+              <a:noFill/>
+              <a:miter lim="800000"/>
+              <a:headEnd/>
+              <a:tailEnd/>
+            </a:ln>
+          </p:spPr>
+        </p:pic>
+      </p:grpSp>
+      <p:grpSp>
+        <p:nvGrpSpPr>
+          <p:cNvPr id="21521" name="Group 90"/>
+          <p:cNvGrpSpPr>
+            <a:grpSpLocks/>
+          </p:cNvGrpSpPr>
+          <p:nvPr/>
+        </p:nvGrpSpPr>
+        <p:grpSpPr bwMode="auto">
+          <a:xfrm>
+            <a:off x="1979613" y="4595110"/>
+            <a:ext cx="222250" cy="220662"/>
+            <a:chOff x="4803" y="1006"/>
+            <a:chExt cx="416" cy="416"/>
+          </a:xfrm>
+        </p:grpSpPr>
+        <p:sp>
+          <p:nvSpPr>
+            <p:cNvPr id="45" name="Oval 81"/>
+            <p:cNvSpPr>
+              <a:spLocks noChangeArrowheads="1"/>
+            </p:cNvSpPr>
+            <p:nvPr/>
+          </p:nvSpPr>
+          <p:spPr bwMode="gray">
+            <a:xfrm>
+              <a:off x="4803" y="1006"/>
+              <a:ext cx="416" cy="416"/>
+            </a:xfrm>
+            <a:prstGeom prst="ellipse">
+              <a:avLst/>
+            </a:prstGeom>
+            <a:gradFill rotWithShape="1">
+              <a:gsLst>
+                <a:gs pos="0">
+                  <a:srgbClr val="FFFFFF">
+                    <a:gamma/>
+                    <a:shade val="54118"/>
+                    <a:invGamma/>
+                  </a:srgbClr>
+                </a:gs>
+                <a:gs pos="50000">
+                  <a:srgbClr val="FFFFFF"/>
+                </a:gs>
+                <a:gs pos="100000">
+                  <a:srgbClr val="FFFFFF">
+                    <a:gamma/>
+                    <a:shade val="54118"/>
+                    <a:invGamma/>
+                  </a:srgbClr>
+                </a:gs>
+              </a:gsLst>
+              <a:lin ang="18900000" scaled="1"/>
+            </a:gradFill>
+            <a:ln w="9525">
+              <a:solidFill>
+                <a:srgbClr val="DDDDDD"/>
+              </a:solidFill>
+              <a:round/>
+              <a:headEnd/>
+              <a:tailEnd/>
+            </a:ln>
+            <a:effectLst>
+              <a:outerShdw dist="35921" dir="2700000" algn="ctr" rotWithShape="0">
+                <a:schemeClr val="bg2">
+                  <a:alpha val="50000"/>
+                </a:schemeClr>
+              </a:outerShdw>
+            </a:effectLst>
+          </p:spPr>
+          <p:txBody>
+            <a:bodyPr wrap="none" anchor="ctr"/>
+            <a:lstStyle/>
+            <a:p>
+              <a:pPr>
+                <a:defRPr/>
+              </a:pPr>
+              <a:endParaRPr kumimoji="0" lang="zh-TW" altLang="en-US"/>
+            </a:p>
+          </p:txBody>
+        </p:sp>
+        <p:grpSp>
+          <p:nvGrpSpPr>
+            <p:cNvPr id="21540" name="Group 82"/>
+            <p:cNvGrpSpPr>
+              <a:grpSpLocks/>
+            </p:cNvGrpSpPr>
+            <p:nvPr/>
+          </p:nvGrpSpPr>
+          <p:grpSpPr bwMode="auto">
+            <a:xfrm rot="-2288454">
+              <a:off x="4838" y="1034"/>
+              <a:ext cx="348" cy="356"/>
+              <a:chOff x="887" y="2040"/>
+              <a:chExt cx="433" cy="422"/>
+            </a:xfrm>
+          </p:grpSpPr>
+          <p:pic>
+            <p:nvPicPr>
+              <p:cNvPr id="21542" name="Picture 83" descr="circuler_1"/>
+              <p:cNvPicPr>
+                <a:picLocks noChangeAspect="1" noChangeArrowheads="1"/>
+              </p:cNvPicPr>
+              <p:nvPr/>
+            </p:nvPicPr>
+            <p:blipFill>
+              <a:blip r:embed="rId2" cstate="print"/>
+              <a:srcRect/>
+              <a:stretch>
+                <a:fillRect/>
+              </a:stretch>
+            </p:blipFill>
+            <p:spPr bwMode="gray">
+              <a:xfrm>
+                <a:off x="887" y="2040"/>
+                <a:ext cx="430" cy="420"/>
+              </a:xfrm>
+              <a:prstGeom prst="rect">
+                <a:avLst/>
+              </a:prstGeom>
+              <a:noFill/>
+              <a:ln w="9525">
+                <a:noFill/>
+                <a:miter lim="800000"/>
+                <a:headEnd/>
+                <a:tailEnd/>
+              </a:ln>
+            </p:spPr>
+          </p:pic>
+          <p:sp>
+            <p:nvSpPr>
+              <p:cNvPr id="21543" name="Oval 84"/>
+              <p:cNvSpPr>
+                <a:spLocks noChangeArrowheads="1"/>
+              </p:cNvSpPr>
+              <p:nvPr/>
+            </p:nvSpPr>
+            <p:spPr bwMode="gray">
+              <a:xfrm>
+                <a:off x="887" y="2040"/>
+                <a:ext cx="433" cy="422"/>
+              </a:xfrm>
+              <a:prstGeom prst="ellipse">
+                <a:avLst/>
+              </a:prstGeom>
+              <a:solidFill>
+                <a:srgbClr val="FB4F2D">
+                  <a:alpha val="74901"/>
+                </a:srgbClr>
+              </a:solidFill>
+              <a:ln w="9525" algn="ctr">
+                <a:noFill/>
+                <a:round/>
+                <a:headEnd/>
+                <a:tailEnd/>
+              </a:ln>
+            </p:spPr>
+            <p:txBody>
+              <a:bodyPr wrap="none" anchor="ctr"/>
+              <a:lstStyle/>
+              <a:p>
+                <a:endParaRPr kumimoji="0" lang="zh-TW" altLang="en-US"/>
+              </a:p>
+            </p:txBody>
+          </p:sp>
+          <p:pic>
+            <p:nvPicPr>
+              <p:cNvPr id="21544" name="Picture 85" descr="Picture2"/>
+              <p:cNvPicPr>
+                <a:picLocks noChangeAspect="1" noChangeArrowheads="1"/>
+              </p:cNvPicPr>
+              <p:nvPr/>
+            </p:nvPicPr>
+            <p:blipFill>
+              <a:blip r:embed="rId3" cstate="print"/>
+              <a:srcRect/>
+              <a:stretch>
+                <a:fillRect/>
+              </a:stretch>
+            </p:blipFill>
+            <p:spPr bwMode="gray">
+              <a:xfrm>
+                <a:off x="930" y="2044"/>
+                <a:ext cx="345" cy="149"/>
+              </a:xfrm>
+              <a:prstGeom prst="rect">
+                <a:avLst/>
+              </a:prstGeom>
+              <a:noFill/>
+              <a:ln w="9525">
+                <a:noFill/>
+                <a:miter lim="800000"/>
+                <a:headEnd/>
+                <a:tailEnd/>
+              </a:ln>
+            </p:spPr>
+          </p:pic>
+        </p:grpSp>
+        <p:pic>
+          <p:nvPicPr>
+            <p:cNvPr id="21541" name="Picture 89"/>
+            <p:cNvPicPr>
+              <a:picLocks noChangeAspect="1" noChangeArrowheads="1"/>
+            </p:cNvPicPr>
+            <p:nvPr/>
+          </p:nvPicPr>
+          <p:blipFill>
+            <a:blip r:embed="rId4" cstate="print"/>
+            <a:srcRect l="12015" t="9302" r="12404" b="12598"/>
+            <a:stretch>
+              <a:fillRect/>
+            </a:stretch>
+          </p:blipFill>
+          <p:spPr bwMode="gray">
+            <a:xfrm>
+              <a:off x="4830" y="1020"/>
+              <a:ext cx="359" cy="370"/>
+            </a:xfrm>
+            <a:prstGeom prst="rect">
+              <a:avLst/>
+            </a:prstGeom>
+            <a:noFill/>
+            <a:ln w="9525">
+              <a:noFill/>
+              <a:miter lim="800000"/>
+              <a:headEnd/>
+              <a:tailEnd/>
+            </a:ln>
+          </p:spPr>
+        </p:pic>
+      </p:grpSp>
+      <p:sp>
+        <p:nvSpPr>
+          <p:cNvPr id="21523" name="Line 2"/>
+          <p:cNvSpPr>
+            <a:spLocks noChangeShapeType="1"/>
+          </p:cNvSpPr>
+          <p:nvPr/>
+        </p:nvSpPr>
+        <p:spPr bwMode="black">
+          <a:xfrm>
+            <a:off x="2273300" y="4904672"/>
+            <a:ext cx="4800600" cy="0"/>
+          </a:xfrm>
+          <a:prstGeom prst="line">
+            <a:avLst/>
+          </a:prstGeom>
+          <a:noFill/>
+          <a:ln w="28575" cap="rnd">
+            <a:solidFill>
+              <a:schemeClr val="tx1"/>
+            </a:solidFill>
+            <a:prstDash val="sysDot"/>
+            <a:round/>
+            <a:headEnd/>
+            <a:tailEnd/>
+          </a:ln>
+        </p:spPr>
+        <p:txBody>
+          <a:bodyPr/>
+          <a:lstStyle/>
+          <a:p>
+            <a:endParaRPr lang="zh-TW" altLang="en-US"/>
+          </a:p>
+        </p:txBody>
+      </p:sp>
+      <p:sp>
+        <p:nvSpPr>
+          <p:cNvPr id="21524" name="Rectangle 3"/>
+          <p:cNvSpPr>
+            <a:spLocks noChangeArrowheads="1"/>
+          </p:cNvSpPr>
+          <p:nvPr/>
+        </p:nvSpPr>
+        <p:spPr bwMode="black">
+          <a:xfrm>
+            <a:off x="2320925" y="4437947"/>
+            <a:ext cx="4849813" cy="522288"/>
+          </a:xfrm>
+          <a:prstGeom prst="rect">
+            <a:avLst/>
+          </a:prstGeom>
+          <a:noFill/>
+          <a:ln w="9525">
+            <a:noFill/>
+            <a:miter lim="800000"/>
+            <a:headEnd/>
+            <a:tailEnd/>
+          </a:ln>
+        </p:spPr>
+        <p:txBody>
+          <a:bodyPr>
+            <a:spAutoFit/>
+          </a:bodyPr>
+          <a:lstStyle/>
+          <a:p>
+            <a:r>
+              <a:rPr kumimoji="0" lang="en-US" altLang="zh-TW" sz="2800" dirty="0" smtClean="0">
+                <a:latin typeface="標楷體" pitchFamily="65" charset="-120"/>
+                <a:ea typeface="標楷體" pitchFamily="65" charset="-120"/>
+              </a:rPr>
+              <a:t>TBA</a:t>
+            </a:r>
+            <a:endParaRPr kumimoji="0" lang="zh-TW" altLang="en-US" sz="2800" dirty="0">
+              <a:latin typeface="標楷體" pitchFamily="65" charset="-120"/>
+              <a:ea typeface="標楷體" pitchFamily="65" charset="-120"/>
+            </a:endParaRPr>
+          </a:p>
+        </p:txBody>
+      </p:sp>
+      <p:grpSp>
+        <p:nvGrpSpPr>
+          <p:cNvPr id="21525" name="Group 90"/>
+          <p:cNvGrpSpPr>
+            <a:grpSpLocks/>
+          </p:cNvGrpSpPr>
+          <p:nvPr/>
+        </p:nvGrpSpPr>
+        <p:grpSpPr bwMode="auto">
+          <a:xfrm>
+            <a:off x="1979613" y="2585335"/>
+            <a:ext cx="222250" cy="222250"/>
+            <a:chOff x="4803" y="1006"/>
+            <a:chExt cx="416" cy="416"/>
+          </a:xfrm>
+        </p:grpSpPr>
+        <p:sp>
+          <p:nvSpPr>
+            <p:cNvPr id="61" name="Oval 81"/>
+            <p:cNvSpPr>
+              <a:spLocks noChangeArrowheads="1"/>
+            </p:cNvSpPr>
+            <p:nvPr/>
+          </p:nvSpPr>
+          <p:spPr bwMode="gray">
+            <a:xfrm>
+              <a:off x="4803" y="1006"/>
+              <a:ext cx="416" cy="416"/>
+            </a:xfrm>
+            <a:prstGeom prst="ellipse">
+              <a:avLst/>
+            </a:prstGeom>
+            <a:gradFill rotWithShape="1">
+              <a:gsLst>
+                <a:gs pos="0">
+                  <a:srgbClr val="FFFFFF">
+                    <a:gamma/>
+                    <a:shade val="54118"/>
+                    <a:invGamma/>
+                  </a:srgbClr>
+                </a:gs>
+                <a:gs pos="50000">
+                  <a:srgbClr val="FFFFFF"/>
+                </a:gs>
+                <a:gs pos="100000">
+                  <a:srgbClr val="FFFFFF">
+                    <a:gamma/>
+                    <a:shade val="54118"/>
+                    <a:invGamma/>
+                  </a:srgbClr>
+                </a:gs>
+              </a:gsLst>
+              <a:lin ang="18900000" scaled="1"/>
+            </a:gradFill>
+            <a:ln w="9525">
+              <a:solidFill>
+                <a:srgbClr val="DDDDDD"/>
+              </a:solidFill>
+              <a:round/>
+              <a:headEnd/>
+              <a:tailEnd/>
+            </a:ln>
+            <a:effectLst>
+              <a:outerShdw dist="35921" dir="2700000" algn="ctr" rotWithShape="0">
+                <a:schemeClr val="bg2">
+                  <a:alpha val="50000"/>
+                </a:schemeClr>
+              </a:outerShdw>
+            </a:effectLst>
+          </p:spPr>
+          <p:txBody>
+            <a:bodyPr wrap="none" anchor="ctr"/>
+            <a:lstStyle/>
+            <a:p>
+              <a:pPr>
+                <a:defRPr/>
+              </a:pPr>
+              <a:endParaRPr kumimoji="0" lang="zh-TW" altLang="en-US"/>
+            </a:p>
+          </p:txBody>
+        </p:sp>
+        <p:grpSp>
+          <p:nvGrpSpPr>
+            <p:cNvPr id="21528" name="Group 82"/>
+            <p:cNvGrpSpPr>
+              <a:grpSpLocks/>
+            </p:cNvGrpSpPr>
+            <p:nvPr/>
+          </p:nvGrpSpPr>
+          <p:grpSpPr bwMode="auto">
+            <a:xfrm rot="-2288454">
+              <a:off x="4838" y="1034"/>
+              <a:ext cx="348" cy="356"/>
+              <a:chOff x="887" y="2040"/>
+              <a:chExt cx="433" cy="422"/>
+            </a:xfrm>
+          </p:grpSpPr>
+          <p:pic>
+            <p:nvPicPr>
+              <p:cNvPr id="21530" name="Picture 83" descr="circuler_1"/>
+              <p:cNvPicPr>
+                <a:picLocks noChangeAspect="1" noChangeArrowheads="1"/>
+              </p:cNvPicPr>
+              <p:nvPr/>
+            </p:nvPicPr>
+            <p:blipFill>
+              <a:blip r:embed="rId5" cstate="print"/>
+              <a:srcRect/>
+              <a:stretch>
+                <a:fillRect/>
+              </a:stretch>
+            </p:blipFill>
+            <p:spPr bwMode="gray">
+              <a:xfrm>
+                <a:off x="887" y="2040"/>
+                <a:ext cx="430" cy="420"/>
+              </a:xfrm>
+              <a:prstGeom prst="rect">
+                <a:avLst/>
+              </a:prstGeom>
+              <a:noFill/>
+              <a:ln w="9525">
+                <a:noFill/>
+                <a:miter lim="800000"/>
+                <a:headEnd/>
+                <a:tailEnd/>
+              </a:ln>
+            </p:spPr>
+          </p:pic>
+          <p:sp>
+            <p:nvSpPr>
+              <p:cNvPr id="21531" name="Oval 84"/>
+              <p:cNvSpPr>
+                <a:spLocks noChangeArrowheads="1"/>
+              </p:cNvSpPr>
+              <p:nvPr/>
+            </p:nvSpPr>
+            <p:spPr bwMode="gray">
+              <a:xfrm>
+                <a:off x="887" y="2040"/>
+                <a:ext cx="433" cy="422"/>
+              </a:xfrm>
+              <a:prstGeom prst="ellipse">
+                <a:avLst/>
+              </a:prstGeom>
+              <a:solidFill>
+                <a:srgbClr val="FB4F2D">
+                  <a:alpha val="74901"/>
+                </a:srgbClr>
+              </a:solidFill>
+              <a:ln w="9525" algn="ctr">
+                <a:noFill/>
+                <a:round/>
+                <a:headEnd/>
+                <a:tailEnd/>
+              </a:ln>
+            </p:spPr>
+            <p:txBody>
+              <a:bodyPr wrap="none" anchor="ctr"/>
+              <a:lstStyle/>
+              <a:p>
+                <a:endParaRPr kumimoji="0" lang="zh-TW" altLang="en-US"/>
+              </a:p>
+            </p:txBody>
+          </p:sp>
+          <p:pic>
+            <p:nvPicPr>
+              <p:cNvPr id="21532" name="Picture 85" descr="Picture2"/>
+              <p:cNvPicPr>
+                <a:picLocks noChangeAspect="1" noChangeArrowheads="1"/>
+              </p:cNvPicPr>
+              <p:nvPr/>
+            </p:nvPicPr>
+            <p:blipFill>
+              <a:blip r:embed="rId3" cstate="print"/>
+              <a:srcRect/>
+              <a:stretch>
+                <a:fillRect/>
+              </a:stretch>
+            </p:blipFill>
+            <p:spPr bwMode="gray">
+              <a:xfrm>
+                <a:off x="930" y="2044"/>
+                <a:ext cx="345" cy="149"/>
+              </a:xfrm>
+              <a:prstGeom prst="rect">
+                <a:avLst/>
+              </a:prstGeom>
+              <a:noFill/>
+              <a:ln w="9525">
+                <a:noFill/>
+                <a:miter lim="800000"/>
+                <a:headEnd/>
+                <a:tailEnd/>
+              </a:ln>
+            </p:spPr>
+          </p:pic>
+        </p:grpSp>
+        <p:pic>
+          <p:nvPicPr>
+            <p:cNvPr id="21529" name="Picture 89"/>
+            <p:cNvPicPr>
+              <a:picLocks noChangeAspect="1" noChangeArrowheads="1"/>
+            </p:cNvPicPr>
+            <p:nvPr/>
+          </p:nvPicPr>
+          <p:blipFill>
+            <a:blip r:embed="rId6" cstate="print"/>
+            <a:srcRect l="12015" t="9302" r="12404" b="12598"/>
+            <a:stretch>
+              <a:fillRect/>
+            </a:stretch>
+          </p:blipFill>
+          <p:spPr bwMode="gray">
+            <a:xfrm>
+              <a:off x="4830" y="1020"/>
+              <a:ext cx="359" cy="370"/>
+            </a:xfrm>
+            <a:prstGeom prst="rect">
+              <a:avLst/>
+            </a:prstGeom>
+            <a:noFill/>
+            <a:ln w="9525">
+              <a:noFill/>
+              <a:miter lim="800000"/>
+              <a:headEnd/>
+              <a:tailEnd/>
+            </a:ln>
+          </p:spPr>
+        </p:pic>
+      </p:grpSp>
+      <p:sp>
+        <p:nvSpPr>
+          <p:cNvPr id="50" name="頁尾版面配置區 5"/>
+          <p:cNvSpPr>
+            <a:spLocks noGrp="1"/>
+          </p:cNvSpPr>
+          <p:nvPr>
+            <p:ph type="ftr" sz="quarter" idx="11"/>
+          </p:nvPr>
+        </p:nvSpPr>
+        <p:spPr>
+          <a:xfrm>
+            <a:off x="5943600" y="6512768"/>
+            <a:ext cx="2895600" cy="228600"/>
+          </a:xfrm>
+        </p:spPr>
+        <p:txBody>
+          <a:bodyPr/>
+          <a:lstStyle/>
+          <a:p>
+            <a:pPr>
+              <a:defRPr/>
+            </a:pPr>
+            <a:r>
+              <a:rPr lang="en-US" altLang="zh-TW" dirty="0" smtClean="0"/>
+              <a:t>Performance Evaluation 2016 Spring</a:t>
+            </a:r>
+            <a:endParaRPr lang="en-US" altLang="zh-TW" dirty="0"/>
+          </a:p>
+        </p:txBody>
+      </p:sp>
+    </p:spTree>
+    <p:extLst>
+      <p:ext uri="{BB962C8B-B14F-4D97-AF65-F5344CB8AC3E}">
+        <p14:creationId xmlns:p14="http://schemas.microsoft.com/office/powerpoint/2010/main" val="1296243263"/>
+      </p:ext>
+    </p:extLst>
+  </p:cSld>
+  <p:clrMapOvr>
+    <a:masterClrMapping/>
+  </p:clrMapOvr>
+  <p:transition/>
+  <p:timing>
+    <p:tnLst>
+      <p:par>
+        <p:cTn id="1" dur="indefinite" restart="never" nodeType="tmRoot"/>
+      </p:par>
+    </p:tnLst>
+  </p:timing>
+</p:sld>
+</file>
+
+<file path=ppt/slides/slide7.xml><?xml version="1.0" encoding="utf-8"?>
+<p:sld xmlns:a="http://schemas.openxmlformats.org/drawingml/2006/main" xmlns:r="http://schemas.openxmlformats.org/officeDocument/2006/relationships" xmlns:p="http://schemas.openxmlformats.org/presentationml/2006/main">
+  <p:cSld>
+    <p:spTree>
+      <p:nvGrpSpPr>
+        <p:cNvPr id="1" name=""/>
+        <p:cNvGrpSpPr/>
+        <p:nvPr/>
+      </p:nvGrpSpPr>
+      <p:grpSpPr>
+        <a:xfrm>
+          <a:off x="0" y="0"/>
+          <a:ext cx="0" cy="0"/>
+          <a:chOff x="0" y="0"/>
+          <a:chExt cx="0" cy="0"/>
+        </a:xfrm>
+      </p:grpSpPr>
+      <p:sp>
+        <p:nvSpPr>
+          <p:cNvPr id="2" name="標題 1"/>
+          <p:cNvSpPr>
+            <a:spLocks noGrp="1"/>
+          </p:cNvSpPr>
+          <p:nvPr>
+            <p:ph type="title"/>
+          </p:nvPr>
+        </p:nvSpPr>
+        <p:spPr/>
+        <p:txBody>
+          <a:bodyPr/>
+          <a:lstStyle/>
+          <a:p>
+            <a:r>
+              <a:rPr kumimoji="1" lang="en-US" altLang="zh-TW" dirty="0" err="1" smtClean="0"/>
+              <a:t>BitTorrent</a:t>
+            </a:r>
+            <a:endParaRPr kumimoji="1" lang="zh-TW" altLang="en-US" dirty="0"/>
+          </a:p>
+        </p:txBody>
+      </p:sp>
+      <p:sp>
+        <p:nvSpPr>
+          <p:cNvPr id="3" name="內容版面配置區 2"/>
+          <p:cNvSpPr>
+            <a:spLocks noGrp="1"/>
+          </p:cNvSpPr>
+          <p:nvPr>
+            <p:ph idx="1"/>
+          </p:nvPr>
+        </p:nvSpPr>
+        <p:spPr/>
+        <p:txBody>
+          <a:bodyPr/>
+          <a:lstStyle/>
+          <a:p>
+            <a:r>
+              <a:rPr kumimoji="1" lang="en-US" altLang="zh-TW" dirty="0" smtClean="0"/>
+              <a:t>Some concepts of </a:t>
+            </a:r>
+            <a:r>
+              <a:rPr kumimoji="1" lang="en-US" altLang="zh-TW" dirty="0" err="1" smtClean="0"/>
+              <a:t>BitTorrent</a:t>
+            </a:r>
+            <a:r>
+              <a:rPr kumimoji="1" lang="en-US" altLang="zh-TW" dirty="0" smtClean="0"/>
+              <a:t>:</a:t>
+            </a:r>
+          </a:p>
+          <a:p>
+            <a:pPr lvl="1"/>
+            <a:r>
+              <a:rPr kumimoji="1" lang="en-US" altLang="zh-TW" dirty="0" smtClean="0"/>
+              <a:t>A server, called the </a:t>
+            </a:r>
+            <a:r>
+              <a:rPr kumimoji="1" lang="en-US" altLang="zh-TW" dirty="0" smtClean="0">
+                <a:solidFill>
+                  <a:srgbClr val="FF0000"/>
+                </a:solidFill>
+              </a:rPr>
+              <a:t>seed</a:t>
+            </a:r>
+            <a:r>
+              <a:rPr kumimoji="1" lang="en-US" altLang="zh-TW" dirty="0" smtClean="0"/>
+              <a:t>, has the entire file of interest.</a:t>
+            </a:r>
+          </a:p>
+          <a:p>
+            <a:pPr lvl="1"/>
+            <a:r>
+              <a:rPr kumimoji="1" lang="en-US" altLang="zh-TW" dirty="0" smtClean="0"/>
+              <a:t>The file is separated into many pieces, where each piece is of 256 KB.</a:t>
+            </a:r>
+          </a:p>
+          <a:p>
+            <a:pPr lvl="1"/>
+            <a:r>
+              <a:rPr kumimoji="1" lang="en-US" altLang="zh-TW" dirty="0" smtClean="0"/>
+              <a:t>As peers arrive, they download random pieces of the file from the seed.</a:t>
+            </a:r>
+          </a:p>
+          <a:p>
+            <a:pPr lvl="1"/>
+            <a:r>
+              <a:rPr kumimoji="1" lang="en-US" altLang="zh-TW" dirty="0" smtClean="0"/>
+              <a:t>Now there are </a:t>
+            </a:r>
+            <a:r>
+              <a:rPr kumimoji="1" lang="en-US" altLang="zh-TW" dirty="0" smtClean="0">
+                <a:solidFill>
+                  <a:srgbClr val="FF0000"/>
+                </a:solidFill>
+              </a:rPr>
+              <a:t>many peers</a:t>
+            </a:r>
+            <a:r>
+              <a:rPr kumimoji="1" lang="en-US" altLang="zh-TW" dirty="0" smtClean="0"/>
+              <a:t> in the system </a:t>
+            </a:r>
+            <a:r>
+              <a:rPr kumimoji="1" lang="en-US" altLang="zh-TW" dirty="0" smtClean="0">
+                <a:solidFill>
+                  <a:srgbClr val="FF0000"/>
+                </a:solidFill>
+              </a:rPr>
+              <a:t>with different or overlapping pieces</a:t>
+            </a:r>
+            <a:r>
+              <a:rPr kumimoji="1" lang="en-US" altLang="zh-TW" dirty="0" smtClean="0"/>
+              <a:t> of the file.</a:t>
+            </a:r>
+          </a:p>
+          <a:p>
+            <a:pPr lvl="1"/>
+            <a:r>
+              <a:rPr kumimoji="1" lang="en-US" altLang="zh-TW" dirty="0" smtClean="0"/>
+              <a:t>The peers can act as servers even they only have parts of the file.</a:t>
+            </a:r>
+          </a:p>
+          <a:p>
+            <a:pPr lvl="1"/>
+            <a:r>
+              <a:rPr kumimoji="1" lang="en-US" altLang="zh-TW" dirty="0" smtClean="0">
+                <a:solidFill>
+                  <a:srgbClr val="FF0000"/>
+                </a:solidFill>
+              </a:rPr>
+              <a:t>Peers can then download from each other!</a:t>
+            </a:r>
+          </a:p>
+          <a:p>
+            <a:r>
+              <a:rPr kumimoji="1" lang="en-US" altLang="zh-TW" dirty="0" smtClean="0"/>
+              <a:t>In a traditional client-server system (such as FTP), clients can only download from a single server.</a:t>
+            </a:r>
+          </a:p>
+        </p:txBody>
+      </p:sp>
+      <p:sp>
+        <p:nvSpPr>
+          <p:cNvPr id="5" name="投影片編號版面配置區 4"/>
+          <p:cNvSpPr>
+            <a:spLocks noGrp="1"/>
+          </p:cNvSpPr>
+          <p:nvPr>
+            <p:ph type="sldNum" sz="quarter" idx="12"/>
+          </p:nvPr>
+        </p:nvSpPr>
+        <p:spPr/>
+        <p:txBody>
+          <a:bodyPr/>
+          <a:lstStyle/>
+          <a:p>
+            <a:pPr>
+              <a:defRPr/>
+            </a:pPr>
+            <a:fld id="{7823135A-D7F7-45E8-89D0-FF7E75BBDD99}" type="slidenum">
+              <a:rPr lang="en-US" altLang="zh-TW" smtClean="0"/>
+              <a:pPr>
+                <a:defRPr/>
+              </a:pPr>
+              <a:t>7</a:t>
+            </a:fld>
+            <a:endParaRPr lang="en-US" altLang="zh-TW"/>
+          </a:p>
+        </p:txBody>
+      </p:sp>
+      <p:sp>
+        <p:nvSpPr>
+          <p:cNvPr id="6" name="頁尾版面配置區 5"/>
+          <p:cNvSpPr>
+            <a:spLocks noGrp="1"/>
+          </p:cNvSpPr>
+          <p:nvPr>
+            <p:ph type="ftr" sz="quarter" idx="11"/>
+          </p:nvPr>
+        </p:nvSpPr>
+        <p:spPr>
+          <a:xfrm>
+            <a:off x="5943600" y="6512768"/>
+            <a:ext cx="2895600" cy="228600"/>
+          </a:xfrm>
+        </p:spPr>
+        <p:txBody>
+          <a:bodyPr/>
+          <a:lstStyle/>
+          <a:p>
+            <a:pPr>
+              <a:defRPr/>
+            </a:pPr>
+            <a:r>
+              <a:rPr lang="en-US" altLang="zh-TW" dirty="0" smtClean="0"/>
+              <a:t>Performance Evaluation 2016 Spring</a:t>
+            </a:r>
+            <a:endParaRPr lang="en-US" altLang="zh-TW" dirty="0"/>
+          </a:p>
+        </p:txBody>
+      </p:sp>
+    </p:spTree>
+    <p:extLst>
+      <p:ext uri="{BB962C8B-B14F-4D97-AF65-F5344CB8AC3E}">
+        <p14:creationId xmlns:p14="http://schemas.microsoft.com/office/powerpoint/2010/main" val="144920109"/>
+      </p:ext>
+    </p:extLst>
+  </p:cSld>
+  <p:clrMapOvr>
+    <a:masterClrMapping/>
+  </p:clrMapOvr>
+</p:sld>
+</file>
+
+<file path=ppt/slides/slide8.xml><?xml version="1.0" encoding="utf-8"?>
+<p:sld xmlns:a="http://schemas.openxmlformats.org/drawingml/2006/main" xmlns:r="http://schemas.openxmlformats.org/officeDocument/2006/relationships" xmlns:p="http://schemas.openxmlformats.org/presentationml/2006/main">
+  <p:cSld>
+    <p:spTree>
+      <p:nvGrpSpPr>
+        <p:cNvPr id="1" name=""/>
+        <p:cNvGrpSpPr/>
+        <p:nvPr/>
+      </p:nvGrpSpPr>
+      <p:grpSpPr>
+        <a:xfrm>
+          <a:off x="0" y="0"/>
+          <a:ext cx="0" cy="0"/>
+          <a:chOff x="0" y="0"/>
+          <a:chExt cx="0" cy="0"/>
+        </a:xfrm>
+      </p:grpSpPr>
+      <p:sp>
+        <p:nvSpPr>
+          <p:cNvPr id="2" name="標題 1"/>
+          <p:cNvSpPr>
+            <a:spLocks noGrp="1"/>
+          </p:cNvSpPr>
+          <p:nvPr>
+            <p:ph type="title"/>
+          </p:nvPr>
+        </p:nvSpPr>
+        <p:spPr/>
+        <p:txBody>
+          <a:bodyPr/>
+          <a:lstStyle/>
+          <a:p>
+            <a:r>
+              <a:rPr kumimoji="1" lang="en-US" altLang="zh-TW" dirty="0" smtClean="0"/>
+              <a:t>How do </a:t>
+            </a:r>
+            <a:r>
+              <a:rPr kumimoji="1" lang="en-US" altLang="zh-TW" dirty="0" err="1" smtClean="0"/>
+              <a:t>BitTorrent</a:t>
+            </a:r>
+            <a:r>
+              <a:rPr kumimoji="1" lang="en-US" altLang="zh-TW" dirty="0" smtClean="0"/>
+              <a:t> work?</a:t>
+            </a:r>
+            <a:endParaRPr kumimoji="1" lang="zh-TW" altLang="en-US" dirty="0"/>
+          </a:p>
+        </p:txBody>
+      </p:sp>
+      <p:sp>
+        <p:nvSpPr>
+          <p:cNvPr id="3" name="內容版面配置區 2"/>
+          <p:cNvSpPr>
+            <a:spLocks noGrp="1"/>
+          </p:cNvSpPr>
+          <p:nvPr>
+            <p:ph idx="1"/>
+          </p:nvPr>
+        </p:nvSpPr>
+        <p:spPr/>
+        <p:txBody>
+          <a:bodyPr/>
+          <a:lstStyle/>
+          <a:p>
+            <a:endParaRPr kumimoji="1" lang="zh-TW" altLang="en-US"/>
+          </a:p>
+        </p:txBody>
+      </p:sp>
+      <p:sp>
+        <p:nvSpPr>
+          <p:cNvPr id="5" name="投影片編號版面配置區 4"/>
+          <p:cNvSpPr>
+            <a:spLocks noGrp="1"/>
+          </p:cNvSpPr>
+          <p:nvPr>
+            <p:ph type="sldNum" sz="quarter" idx="12"/>
+          </p:nvPr>
+        </p:nvSpPr>
+        <p:spPr/>
+        <p:txBody>
+          <a:bodyPr/>
+          <a:lstStyle/>
+          <a:p>
+            <a:pPr>
+              <a:defRPr/>
+            </a:pPr>
+            <a:fld id="{7823135A-D7F7-45E8-89D0-FF7E75BBDD99}" type="slidenum">
+              <a:rPr lang="en-US" altLang="zh-TW" smtClean="0"/>
+              <a:pPr>
+                <a:defRPr/>
+              </a:pPr>
+              <a:t>8</a:t>
+            </a:fld>
+            <a:endParaRPr lang="en-US" altLang="zh-TW"/>
+          </a:p>
+        </p:txBody>
+      </p:sp>
+      <p:sp>
+        <p:nvSpPr>
+          <p:cNvPr id="6" name="頁尾版面配置區 5"/>
+          <p:cNvSpPr>
+            <a:spLocks noGrp="1"/>
+          </p:cNvSpPr>
+          <p:nvPr>
+            <p:ph type="ftr" sz="quarter" idx="11"/>
+          </p:nvPr>
+        </p:nvSpPr>
+        <p:spPr>
+          <a:xfrm>
+            <a:off x="5943600" y="6512768"/>
+            <a:ext cx="2895600" cy="228600"/>
+          </a:xfrm>
+        </p:spPr>
+        <p:txBody>
+          <a:bodyPr/>
+          <a:lstStyle/>
+          <a:p>
+            <a:pPr>
+              <a:defRPr/>
+            </a:pPr>
+            <a:r>
+              <a:rPr lang="en-US" altLang="zh-TW" dirty="0" smtClean="0"/>
+              <a:t>Performance Evaluation 2016 Spring</a:t>
+            </a:r>
+            <a:endParaRPr lang="en-US" altLang="zh-TW" dirty="0"/>
+          </a:p>
+        </p:txBody>
+      </p:sp>
+    </p:spTree>
+    <p:extLst>
+      <p:ext uri="{BB962C8B-B14F-4D97-AF65-F5344CB8AC3E}">
+        <p14:creationId xmlns:p14="http://schemas.microsoft.com/office/powerpoint/2010/main" val="429841347"/>
+      </p:ext>
+    </p:extLst>
+  </p:cSld>
+  <p:clrMapOvr>
+    <a:masterClrMapping/>
+  </p:clrMapOvr>
 </p:sld>
 </file>
 

--- a/final/BT-like-peer2peer.pptx
+++ b/final/BT-like-peer2peer.pptx
@@ -5,10 +5,10 @@
     <p:sldMasterId id="2147483648" r:id="rId1"/>
   </p:sldMasterIdLst>
   <p:notesMasterIdLst>
-    <p:notesMasterId r:id="rId10"/>
+    <p:notesMasterId r:id="rId16"/>
   </p:notesMasterIdLst>
   <p:handoutMasterIdLst>
-    <p:handoutMasterId r:id="rId11"/>
+    <p:handoutMasterId r:id="rId17"/>
   </p:handoutMasterIdLst>
   <p:sldIdLst>
     <p:sldId id="289" r:id="rId2"/>
@@ -19,6 +19,12 @@
     <p:sldId id="306" r:id="rId7"/>
     <p:sldId id="304" r:id="rId8"/>
     <p:sldId id="307" r:id="rId9"/>
+    <p:sldId id="308" r:id="rId10"/>
+    <p:sldId id="309" r:id="rId11"/>
+    <p:sldId id="310" r:id="rId12"/>
+    <p:sldId id="311" r:id="rId13"/>
+    <p:sldId id="312" r:id="rId14"/>
+    <p:sldId id="313" r:id="rId15"/>
   </p:sldIdLst>
   <p:sldSz cx="9144000" cy="6858000" type="screen4x3"/>
   <p:notesSz cx="7086600" cy="10223500"/>
@@ -275,7 +281,7 @@
               <a:pPr>
                 <a:defRPr/>
               </a:pPr>
-              <a:t>2016/6/7</a:t>
+              <a:t>2016/6/8</a:t>
             </a:fld>
             <a:endParaRPr lang="zh-TW" altLang="en-US"/>
           </a:p>
@@ -466,7 +472,7 @@
               <a:pPr>
                 <a:defRPr/>
               </a:pPr>
-              <a:t>2016/6/7</a:t>
+              <a:t>2016/6/8</a:t>
             </a:fld>
             <a:endParaRPr lang="zh-TW" altLang="en-US"/>
           </a:p>
@@ -778,6 +784,108 @@
     </a:lvl9pPr>
   </p:notesStyle>
 </p:notesMaster>
+</file>
+
+<file path=ppt/notesSlides/notesSlide1.xml><?xml version="1.0" encoding="utf-8"?>
+<p:notes xmlns:a="http://schemas.openxmlformats.org/drawingml/2006/main" xmlns:r="http://schemas.openxmlformats.org/officeDocument/2006/relationships" xmlns:p="http://schemas.openxmlformats.org/presentationml/2006/main">
+  <p:cSld>
+    <p:spTree>
+      <p:nvGrpSpPr>
+        <p:cNvPr id="1" name=""/>
+        <p:cNvGrpSpPr/>
+        <p:nvPr/>
+      </p:nvGrpSpPr>
+      <p:grpSpPr>
+        <a:xfrm>
+          <a:off x="0" y="0"/>
+          <a:ext cx="0" cy="0"/>
+          <a:chOff x="0" y="0"/>
+          <a:chExt cx="0" cy="0"/>
+        </a:xfrm>
+      </p:grpSpPr>
+      <p:sp>
+        <p:nvSpPr>
+          <p:cNvPr id="2" name="投影片影像版面配置區 1"/>
+          <p:cNvSpPr>
+            <a:spLocks noGrp="1" noRot="1" noChangeAspect="1"/>
+          </p:cNvSpPr>
+          <p:nvPr>
+            <p:ph type="sldImg"/>
+          </p:nvPr>
+        </p:nvSpPr>
+        <p:spPr/>
+      </p:sp>
+      <p:sp>
+        <p:nvSpPr>
+          <p:cNvPr id="3" name="備忘稿版面配置區 2"/>
+          <p:cNvSpPr>
+            <a:spLocks noGrp="1"/>
+          </p:cNvSpPr>
+          <p:nvPr>
+            <p:ph type="body" idx="1"/>
+          </p:nvPr>
+        </p:nvSpPr>
+        <p:spPr/>
+        <p:txBody>
+          <a:bodyPr/>
+          <a:lstStyle/>
+          <a:p>
+            <a:r>
+              <a:rPr kumimoji="1" lang="en-US" altLang="zh-TW" dirty="0" smtClean="0"/>
+              <a:t>For a </a:t>
+            </a:r>
+            <a:r>
+              <a:rPr kumimoji="1" lang="en-US" altLang="zh-TW" dirty="0" err="1" smtClean="0"/>
+              <a:t>BitTorrent</a:t>
+            </a:r>
+            <a:r>
+              <a:rPr kumimoji="1" lang="en-US" altLang="zh-TW" baseline="0" dirty="0" smtClean="0"/>
+              <a:t> network, several issues have to be addressed in order to understand the behavior of the system.</a:t>
+            </a:r>
+            <a:endParaRPr kumimoji="1" lang="zh-TW" altLang="en-US" dirty="0"/>
+          </a:p>
+        </p:txBody>
+      </p:sp>
+      <p:sp>
+        <p:nvSpPr>
+          <p:cNvPr id="4" name="投影片編號版面配置區 3"/>
+          <p:cNvSpPr>
+            <a:spLocks noGrp="1"/>
+          </p:cNvSpPr>
+          <p:nvPr>
+            <p:ph type="sldNum" sz="quarter" idx="10"/>
+          </p:nvPr>
+        </p:nvSpPr>
+        <p:spPr/>
+        <p:txBody>
+          <a:bodyPr/>
+          <a:lstStyle/>
+          <a:p>
+            <a:pPr>
+              <a:defRPr/>
+            </a:pPr>
+            <a:fld id="{AA32E424-FCBD-41DB-BDB8-D5C0C38729C3}" type="slidenum">
+              <a:rPr lang="zh-TW" altLang="en-US" smtClean="0"/>
+              <a:pPr>
+                <a:defRPr/>
+              </a:pPr>
+              <a:t>14</a:t>
+            </a:fld>
+            <a:endParaRPr lang="zh-TW" altLang="en-US"/>
+          </a:p>
+        </p:txBody>
+      </p:sp>
+    </p:spTree>
+    <p:extLst>
+      <p:ext uri="{BB962C8B-B14F-4D97-AF65-F5344CB8AC3E}">
+        <p14:creationId xmlns:p14="http://schemas.microsoft.com/office/powerpoint/2010/main" val="1650911007"/>
+      </p:ext>
+    </p:extLst>
+  </p:cSld>
+  <p:clrMapOvr>
+    <a:masterClrMapping/>
+  </p:clrMapOvr>
+</p:notes>
 </file>
 
 <file path=ppt/slideLayouts/slideLayout1.xml><?xml version="1.0" encoding="utf-8"?>
@@ -4702,6 +4810,4402 @@
 </p:sld>
 </file>
 
+<file path=ppt/slides/slide10.xml><?xml version="1.0" encoding="utf-8"?>
+<p:sld xmlns:a="http://schemas.openxmlformats.org/drawingml/2006/main" xmlns:r="http://schemas.openxmlformats.org/officeDocument/2006/relationships" xmlns:p="http://schemas.openxmlformats.org/presentationml/2006/main">
+  <p:cSld>
+    <p:spTree>
+      <p:nvGrpSpPr>
+        <p:cNvPr id="1" name=""/>
+        <p:cNvGrpSpPr/>
+        <p:nvPr/>
+      </p:nvGrpSpPr>
+      <p:grpSpPr>
+        <a:xfrm>
+          <a:off x="0" y="0"/>
+          <a:ext cx="0" cy="0"/>
+          <a:chOff x="0" y="0"/>
+          <a:chExt cx="0" cy="0"/>
+        </a:xfrm>
+      </p:grpSpPr>
+      <p:sp>
+        <p:nvSpPr>
+          <p:cNvPr id="2" name="標題 1"/>
+          <p:cNvSpPr>
+            <a:spLocks noGrp="1"/>
+          </p:cNvSpPr>
+          <p:nvPr>
+            <p:ph type="title"/>
+          </p:nvPr>
+        </p:nvSpPr>
+        <p:spPr/>
+        <p:txBody>
+          <a:bodyPr/>
+          <a:lstStyle/>
+          <a:p>
+            <a:r>
+              <a:rPr kumimoji="1" lang="en-US" altLang="zh-TW" dirty="0" smtClean="0"/>
+              <a:t>How do </a:t>
+            </a:r>
+            <a:r>
+              <a:rPr kumimoji="1" lang="en-US" altLang="zh-TW" dirty="0" err="1" smtClean="0"/>
+              <a:t>BitTorrent</a:t>
+            </a:r>
+            <a:r>
+              <a:rPr kumimoji="1" lang="en-US" altLang="zh-TW" dirty="0" smtClean="0"/>
+              <a:t> work?</a:t>
+            </a:r>
+            <a:endParaRPr kumimoji="1" lang="zh-TW" altLang="en-US" dirty="0"/>
+          </a:p>
+        </p:txBody>
+      </p:sp>
+      <p:sp>
+        <p:nvSpPr>
+          <p:cNvPr id="5" name="投影片編號版面配置區 4"/>
+          <p:cNvSpPr>
+            <a:spLocks noGrp="1"/>
+          </p:cNvSpPr>
+          <p:nvPr>
+            <p:ph type="sldNum" sz="quarter" idx="12"/>
+          </p:nvPr>
+        </p:nvSpPr>
+        <p:spPr/>
+        <p:txBody>
+          <a:bodyPr/>
+          <a:lstStyle/>
+          <a:p>
+            <a:pPr>
+              <a:defRPr/>
+            </a:pPr>
+            <a:fld id="{7823135A-D7F7-45E8-89D0-FF7E75BBDD99}" type="slidenum">
+              <a:rPr lang="en-US" altLang="zh-TW" smtClean="0"/>
+              <a:pPr>
+                <a:defRPr/>
+              </a:pPr>
+              <a:t>10</a:t>
+            </a:fld>
+            <a:endParaRPr lang="en-US" altLang="zh-TW"/>
+          </a:p>
+        </p:txBody>
+      </p:sp>
+      <p:sp>
+        <p:nvSpPr>
+          <p:cNvPr id="6" name="頁尾版面配置區 5"/>
+          <p:cNvSpPr>
+            <a:spLocks noGrp="1"/>
+          </p:cNvSpPr>
+          <p:nvPr>
+            <p:ph type="ftr" sz="quarter" idx="11"/>
+          </p:nvPr>
+        </p:nvSpPr>
+        <p:spPr>
+          <a:xfrm>
+            <a:off x="5943600" y="6512768"/>
+            <a:ext cx="2895600" cy="228600"/>
+          </a:xfrm>
+        </p:spPr>
+        <p:txBody>
+          <a:bodyPr/>
+          <a:lstStyle/>
+          <a:p>
+            <a:pPr>
+              <a:defRPr/>
+            </a:pPr>
+            <a:r>
+              <a:rPr lang="en-US" altLang="zh-TW" dirty="0" smtClean="0"/>
+              <a:t>Performance Evaluation 2016 Spring</a:t>
+            </a:r>
+            <a:endParaRPr lang="en-US" altLang="zh-TW" dirty="0"/>
+          </a:p>
+        </p:txBody>
+      </p:sp>
+      <p:pic>
+        <p:nvPicPr>
+          <p:cNvPr id="12" name="圖片 11"/>
+          <p:cNvPicPr>
+            <a:picLocks noChangeAspect="1"/>
+          </p:cNvPicPr>
+          <p:nvPr/>
+        </p:nvPicPr>
+        <p:blipFill>
+          <a:blip r:embed="rId2">
+            <a:extLst>
+              <a:ext uri="{28A0092B-C50C-407E-A947-70E740481C1C}">
+                <a14:useLocalDpi xmlns:a14="http://schemas.microsoft.com/office/drawing/2010/main" val="0"/>
+              </a:ext>
+            </a:extLst>
+          </a:blip>
+          <a:stretch>
+            <a:fillRect/>
+          </a:stretch>
+        </p:blipFill>
+        <p:spPr>
+          <a:xfrm>
+            <a:off x="575812" y="1862555"/>
+            <a:ext cx="1062070" cy="1272575"/>
+          </a:xfrm>
+          <a:prstGeom prst="rect">
+            <a:avLst/>
+          </a:prstGeom>
+        </p:spPr>
+      </p:pic>
+      <p:pic>
+        <p:nvPicPr>
+          <p:cNvPr id="13" name="圖片 12"/>
+          <p:cNvPicPr>
+            <a:picLocks noChangeAspect="1"/>
+          </p:cNvPicPr>
+          <p:nvPr/>
+        </p:nvPicPr>
+        <p:blipFill>
+          <a:blip r:embed="rId2">
+            <a:extLst>
+              <a:ext uri="{28A0092B-C50C-407E-A947-70E740481C1C}">
+                <a14:useLocalDpi xmlns:a14="http://schemas.microsoft.com/office/drawing/2010/main" val="0"/>
+              </a:ext>
+            </a:extLst>
+          </a:blip>
+          <a:stretch>
+            <a:fillRect/>
+          </a:stretch>
+        </p:blipFill>
+        <p:spPr>
+          <a:xfrm>
+            <a:off x="575812" y="4143057"/>
+            <a:ext cx="1062070" cy="1272575"/>
+          </a:xfrm>
+          <a:prstGeom prst="rect">
+            <a:avLst/>
+          </a:prstGeom>
+        </p:spPr>
+      </p:pic>
+      <p:sp>
+        <p:nvSpPr>
+          <p:cNvPr id="19" name="文字方塊 18"/>
+          <p:cNvSpPr txBox="1"/>
+          <p:nvPr/>
+        </p:nvSpPr>
+        <p:spPr>
+          <a:xfrm>
+            <a:off x="575812" y="5467420"/>
+            <a:ext cx="894732" cy="369332"/>
+          </a:xfrm>
+          <a:prstGeom prst="rect">
+            <a:avLst/>
+          </a:prstGeom>
+          <a:noFill/>
+        </p:spPr>
+        <p:txBody>
+          <a:bodyPr wrap="none" rtlCol="0">
+            <a:spAutoFit/>
+          </a:bodyPr>
+          <a:lstStyle/>
+          <a:p>
+            <a:r>
+              <a:rPr kumimoji="1" lang="en-US" altLang="zh-TW" dirty="0" smtClean="0">
+                <a:latin typeface="Times New Roman" charset="0"/>
+                <a:ea typeface="Times New Roman" charset="0"/>
+                <a:cs typeface="Times New Roman" charset="0"/>
+              </a:rPr>
+              <a:t>Tracker</a:t>
+            </a:r>
+            <a:endParaRPr kumimoji="1" lang="zh-TW" altLang="en-US" dirty="0">
+              <a:latin typeface="Times New Roman" charset="0"/>
+              <a:ea typeface="Times New Roman" charset="0"/>
+              <a:cs typeface="Times New Roman" charset="0"/>
+            </a:endParaRPr>
+          </a:p>
+        </p:txBody>
+      </p:sp>
+      <p:sp>
+        <p:nvSpPr>
+          <p:cNvPr id="20" name="文字方塊 19"/>
+          <p:cNvSpPr txBox="1"/>
+          <p:nvPr/>
+        </p:nvSpPr>
+        <p:spPr>
+          <a:xfrm>
+            <a:off x="475520" y="3152066"/>
+            <a:ext cx="1262653" cy="369332"/>
+          </a:xfrm>
+          <a:prstGeom prst="rect">
+            <a:avLst/>
+          </a:prstGeom>
+          <a:noFill/>
+        </p:spPr>
+        <p:txBody>
+          <a:bodyPr wrap="none" rtlCol="0">
+            <a:spAutoFit/>
+          </a:bodyPr>
+          <a:lstStyle/>
+          <a:p>
+            <a:r>
+              <a:rPr lang="en-US" altLang="zh-TW" smtClean="0">
+                <a:latin typeface="Times New Roman" charset="0"/>
+                <a:ea typeface="Times New Roman" charset="0"/>
+                <a:cs typeface="Times New Roman" charset="0"/>
+              </a:rPr>
+              <a:t>Web Server</a:t>
+            </a:r>
+            <a:endParaRPr kumimoji="1" lang="zh-TW" altLang="en-US" dirty="0">
+              <a:latin typeface="Times New Roman" charset="0"/>
+              <a:ea typeface="Times New Roman" charset="0"/>
+              <a:cs typeface="Times New Roman" charset="0"/>
+            </a:endParaRPr>
+          </a:p>
+        </p:txBody>
+      </p:sp>
+      <p:cxnSp>
+        <p:nvCxnSpPr>
+          <p:cNvPr id="22" name="直線箭頭接點 21"/>
+          <p:cNvCxnSpPr>
+            <a:stCxn id="12" idx="3"/>
+            <a:endCxn id="33" idx="1"/>
+          </p:cNvCxnSpPr>
+          <p:nvPr/>
+        </p:nvCxnSpPr>
+        <p:spPr bwMode="auto">
+          <a:xfrm>
+            <a:off x="1637882" y="2498843"/>
+            <a:ext cx="989902" cy="1255531"/>
+          </a:xfrm>
+          <a:prstGeom prst="straightConnector1">
+            <a:avLst/>
+          </a:prstGeom>
+          <a:solidFill>
+            <a:schemeClr val="accent1"/>
+          </a:solidFill>
+          <a:ln w="9525" cap="flat" cmpd="sng" algn="ctr">
+            <a:solidFill>
+              <a:schemeClr val="tx1"/>
+            </a:solidFill>
+            <a:prstDash val="solid"/>
+            <a:round/>
+            <a:headEnd type="none" w="med" len="med"/>
+            <a:tailEnd type="triangle"/>
+          </a:ln>
+          <a:effectLst/>
+        </p:spPr>
+      </p:cxnSp>
+      <p:sp>
+        <p:nvSpPr>
+          <p:cNvPr id="24" name="文字方塊 23"/>
+          <p:cNvSpPr txBox="1"/>
+          <p:nvPr/>
+        </p:nvSpPr>
+        <p:spPr>
+          <a:xfrm rot="3132116">
+            <a:off x="1683772" y="2821261"/>
+            <a:ext cx="1223412" cy="369332"/>
+          </a:xfrm>
+          <a:prstGeom prst="rect">
+            <a:avLst/>
+          </a:prstGeom>
+          <a:noFill/>
+        </p:spPr>
+        <p:txBody>
+          <a:bodyPr wrap="none" rtlCol="0">
+            <a:spAutoFit/>
+          </a:bodyPr>
+          <a:lstStyle/>
+          <a:p>
+            <a:r>
+              <a:rPr kumimoji="1" lang="en-US" altLang="zh-TW" dirty="0" smtClean="0">
+                <a:latin typeface="Times New Roman" charset="0"/>
+                <a:ea typeface="Times New Roman" charset="0"/>
+                <a:cs typeface="Times New Roman" charset="0"/>
+              </a:rPr>
+              <a:t>.torrent file</a:t>
+            </a:r>
+            <a:endParaRPr kumimoji="1" lang="zh-TW" altLang="en-US" dirty="0">
+              <a:latin typeface="Times New Roman" charset="0"/>
+              <a:ea typeface="Times New Roman" charset="0"/>
+              <a:cs typeface="Times New Roman" charset="0"/>
+            </a:endParaRPr>
+          </a:p>
+        </p:txBody>
+      </p:sp>
+      <p:sp>
+        <p:nvSpPr>
+          <p:cNvPr id="25" name="文字方塊 24"/>
+          <p:cNvSpPr txBox="1"/>
+          <p:nvPr/>
+        </p:nvSpPr>
+        <p:spPr>
+          <a:xfrm>
+            <a:off x="6415583" y="2215932"/>
+            <a:ext cx="2717411" cy="646331"/>
+          </a:xfrm>
+          <a:prstGeom prst="rect">
+            <a:avLst/>
+          </a:prstGeom>
+          <a:noFill/>
+        </p:spPr>
+        <p:txBody>
+          <a:bodyPr wrap="none" rtlCol="0">
+            <a:spAutoFit/>
+          </a:bodyPr>
+          <a:lstStyle/>
+          <a:p>
+            <a:pPr marL="285750" indent="-285750">
+              <a:buFont typeface="Wingdings" charset="2"/>
+              <a:buChar char="Ø"/>
+            </a:pPr>
+            <a:r>
+              <a:rPr kumimoji="1" lang="en-US" altLang="zh-TW" dirty="0" smtClean="0">
+                <a:latin typeface="Times New Roman" charset="0"/>
+                <a:ea typeface="Times New Roman" charset="0"/>
+                <a:cs typeface="Times New Roman" charset="0"/>
+              </a:rPr>
+              <a:t>Peer 5 joins the</a:t>
+            </a:r>
+            <a:r>
+              <a:rPr lang="en-US" altLang="zh-TW" dirty="0">
+                <a:latin typeface="Times New Roman" charset="0"/>
+                <a:ea typeface="Times New Roman" charset="0"/>
+                <a:cs typeface="Times New Roman" charset="0"/>
+              </a:rPr>
+              <a:t> </a:t>
+            </a:r>
+            <a:r>
+              <a:rPr kumimoji="1" lang="en-US" altLang="zh-TW" dirty="0" smtClean="0">
+                <a:latin typeface="Times New Roman" charset="0"/>
+                <a:ea typeface="Times New Roman" charset="0"/>
+                <a:cs typeface="Times New Roman" charset="0"/>
+              </a:rPr>
+              <a:t>network</a:t>
+            </a:r>
+            <a:br>
+              <a:rPr kumimoji="1" lang="en-US" altLang="zh-TW" dirty="0" smtClean="0">
+                <a:latin typeface="Times New Roman" charset="0"/>
+                <a:ea typeface="Times New Roman" charset="0"/>
+                <a:cs typeface="Times New Roman" charset="0"/>
+              </a:rPr>
+            </a:br>
+            <a:r>
+              <a:rPr kumimoji="1" lang="en-US" altLang="zh-TW" dirty="0" smtClean="0">
+                <a:latin typeface="Times New Roman" charset="0"/>
+                <a:ea typeface="Times New Roman" charset="0"/>
+                <a:cs typeface="Times New Roman" charset="0"/>
+              </a:rPr>
+              <a:t>to download the file.</a:t>
+            </a:r>
+            <a:endParaRPr kumimoji="1" lang="zh-TW" altLang="en-US" dirty="0">
+              <a:latin typeface="Times New Roman" charset="0"/>
+              <a:ea typeface="Times New Roman" charset="0"/>
+              <a:cs typeface="Times New Roman" charset="0"/>
+            </a:endParaRPr>
+          </a:p>
+        </p:txBody>
+      </p:sp>
+      <p:sp>
+        <p:nvSpPr>
+          <p:cNvPr id="26" name="文字方塊 25"/>
+          <p:cNvSpPr txBox="1"/>
+          <p:nvPr/>
+        </p:nvSpPr>
+        <p:spPr>
+          <a:xfrm>
+            <a:off x="6415582" y="989350"/>
+            <a:ext cx="2736647" cy="1200329"/>
+          </a:xfrm>
+          <a:prstGeom prst="rect">
+            <a:avLst/>
+          </a:prstGeom>
+          <a:noFill/>
+        </p:spPr>
+        <p:txBody>
+          <a:bodyPr wrap="none" rtlCol="0">
+            <a:spAutoFit/>
+          </a:bodyPr>
+          <a:lstStyle/>
+          <a:p>
+            <a:pPr marL="285750" indent="-285750">
+              <a:buFont typeface="Wingdings" charset="2"/>
+              <a:buChar char="Ø"/>
+            </a:pPr>
+            <a:r>
+              <a:rPr lang="en-US" altLang="zh-TW" dirty="0" smtClean="0">
+                <a:latin typeface="Times New Roman" charset="0"/>
+                <a:ea typeface="Times New Roman" charset="0"/>
+                <a:cs typeface="Times New Roman" charset="0"/>
+              </a:rPr>
+              <a:t>In this network, there</a:t>
+            </a:r>
+            <a:br>
+              <a:rPr lang="en-US" altLang="zh-TW" dirty="0" smtClean="0">
+                <a:latin typeface="Times New Roman" charset="0"/>
+                <a:ea typeface="Times New Roman" charset="0"/>
+                <a:cs typeface="Times New Roman" charset="0"/>
+              </a:rPr>
+            </a:br>
+            <a:r>
+              <a:rPr lang="en-US" altLang="zh-TW" dirty="0" smtClean="0">
+                <a:latin typeface="Times New Roman" charset="0"/>
+                <a:ea typeface="Times New Roman" charset="0"/>
+                <a:cs typeface="Times New Roman" charset="0"/>
+              </a:rPr>
+              <a:t>are 4 peers downloading</a:t>
+            </a:r>
+            <a:br>
+              <a:rPr lang="en-US" altLang="zh-TW" dirty="0" smtClean="0">
+                <a:latin typeface="Times New Roman" charset="0"/>
+                <a:ea typeface="Times New Roman" charset="0"/>
+                <a:cs typeface="Times New Roman" charset="0"/>
+              </a:rPr>
+            </a:br>
+            <a:r>
+              <a:rPr lang="en-US" altLang="zh-TW" dirty="0" smtClean="0">
+                <a:latin typeface="Times New Roman" charset="0"/>
+                <a:ea typeface="Times New Roman" charset="0"/>
+                <a:cs typeface="Times New Roman" charset="0"/>
+              </a:rPr>
+              <a:t>pieces of the file of</a:t>
+            </a:r>
+            <a:br>
+              <a:rPr lang="en-US" altLang="zh-TW" dirty="0" smtClean="0">
+                <a:latin typeface="Times New Roman" charset="0"/>
+                <a:ea typeface="Times New Roman" charset="0"/>
+                <a:cs typeface="Times New Roman" charset="0"/>
+              </a:rPr>
+            </a:br>
+            <a:r>
+              <a:rPr lang="en-US" altLang="zh-TW" dirty="0" smtClean="0">
+                <a:latin typeface="Times New Roman" charset="0"/>
+                <a:ea typeface="Times New Roman" charset="0"/>
+                <a:cs typeface="Times New Roman" charset="0"/>
+              </a:rPr>
+              <a:t>interest.</a:t>
+            </a:r>
+            <a:endParaRPr kumimoji="1" lang="zh-TW" altLang="en-US" dirty="0">
+              <a:latin typeface="Times New Roman" charset="0"/>
+              <a:ea typeface="Times New Roman" charset="0"/>
+              <a:cs typeface="Times New Roman" charset="0"/>
+            </a:endParaRPr>
+          </a:p>
+        </p:txBody>
+      </p:sp>
+      <p:sp>
+        <p:nvSpPr>
+          <p:cNvPr id="27" name="文字方塊 26"/>
+          <p:cNvSpPr txBox="1"/>
+          <p:nvPr/>
+        </p:nvSpPr>
+        <p:spPr>
+          <a:xfrm>
+            <a:off x="6415582" y="2892097"/>
+            <a:ext cx="2358338" cy="923330"/>
+          </a:xfrm>
+          <a:prstGeom prst="rect">
+            <a:avLst/>
+          </a:prstGeom>
+          <a:noFill/>
+        </p:spPr>
+        <p:txBody>
+          <a:bodyPr wrap="none" rtlCol="0">
+            <a:spAutoFit/>
+          </a:bodyPr>
+          <a:lstStyle/>
+          <a:p>
+            <a:pPr marL="285750" indent="-285750">
+              <a:buFont typeface="Wingdings" charset="2"/>
+              <a:buChar char="Ø"/>
+            </a:pPr>
+            <a:r>
+              <a:rPr lang="en-US" altLang="zh-TW" dirty="0" smtClean="0">
+                <a:latin typeface="Times New Roman" charset="0"/>
+                <a:ea typeface="Times New Roman" charset="0"/>
+                <a:cs typeface="Times New Roman" charset="0"/>
+              </a:rPr>
+              <a:t>It first downloads a</a:t>
+            </a:r>
+            <a:br>
+              <a:rPr lang="en-US" altLang="zh-TW" dirty="0" smtClean="0">
+                <a:latin typeface="Times New Roman" charset="0"/>
+                <a:ea typeface="Times New Roman" charset="0"/>
+                <a:cs typeface="Times New Roman" charset="0"/>
+              </a:rPr>
+            </a:br>
+            <a:r>
+              <a:rPr lang="en-US" altLang="zh-TW" dirty="0" smtClean="0">
+                <a:latin typeface="Times New Roman" charset="0"/>
+                <a:ea typeface="Times New Roman" charset="0"/>
+                <a:cs typeface="Times New Roman" charset="0"/>
+              </a:rPr>
+              <a:t>.torrent file from the</a:t>
+            </a:r>
+            <a:br>
+              <a:rPr lang="en-US" altLang="zh-TW" dirty="0" smtClean="0">
+                <a:latin typeface="Times New Roman" charset="0"/>
+                <a:ea typeface="Times New Roman" charset="0"/>
+                <a:cs typeface="Times New Roman" charset="0"/>
+              </a:rPr>
+            </a:br>
+            <a:r>
+              <a:rPr lang="en-US" altLang="zh-TW" dirty="0" smtClean="0">
+                <a:latin typeface="Times New Roman" charset="0"/>
+                <a:ea typeface="Times New Roman" charset="0"/>
+                <a:cs typeface="Times New Roman" charset="0"/>
+              </a:rPr>
+              <a:t>web </a:t>
+            </a:r>
+            <a:r>
+              <a:rPr lang="en-US" altLang="zh-TW" dirty="0">
+                <a:latin typeface="Times New Roman" charset="0"/>
+                <a:ea typeface="Times New Roman" charset="0"/>
+                <a:cs typeface="Times New Roman" charset="0"/>
+              </a:rPr>
+              <a:t>s</a:t>
+            </a:r>
+            <a:r>
+              <a:rPr lang="en-US" altLang="zh-TW" dirty="0" smtClean="0">
+                <a:latin typeface="Times New Roman" charset="0"/>
+                <a:ea typeface="Times New Roman" charset="0"/>
+                <a:cs typeface="Times New Roman" charset="0"/>
+              </a:rPr>
+              <a:t>erver.</a:t>
+            </a:r>
+            <a:endParaRPr kumimoji="1" lang="zh-TW" altLang="en-US" dirty="0">
+              <a:latin typeface="Times New Roman" charset="0"/>
+              <a:ea typeface="Times New Roman" charset="0"/>
+              <a:cs typeface="Times New Roman" charset="0"/>
+            </a:endParaRPr>
+          </a:p>
+        </p:txBody>
+      </p:sp>
+      <p:pic>
+        <p:nvPicPr>
+          <p:cNvPr id="32" name="內容版面配置區 3"/>
+          <p:cNvPicPr>
+            <a:picLocks noGrp="1" noChangeAspect="1"/>
+          </p:cNvPicPr>
+          <p:nvPr>
+            <p:ph idx="1"/>
+          </p:nvPr>
+        </p:nvPicPr>
+        <p:blipFill>
+          <a:blip r:embed="rId3">
+            <a:extLst>
+              <a:ext uri="{28A0092B-C50C-407E-A947-70E740481C1C}">
+                <a14:useLocalDpi xmlns:a14="http://schemas.microsoft.com/office/drawing/2010/main" val="0"/>
+              </a:ext>
+            </a:extLst>
+          </a:blip>
+          <a:stretch>
+            <a:fillRect/>
+          </a:stretch>
+        </p:blipFill>
+        <p:spPr>
+          <a:xfrm>
+            <a:off x="2627784" y="1117104"/>
+            <a:ext cx="1536700" cy="1333500"/>
+          </a:xfrm>
+        </p:spPr>
+      </p:pic>
+      <p:pic>
+        <p:nvPicPr>
+          <p:cNvPr id="33" name="內容版面配置區 3"/>
+          <p:cNvPicPr>
+            <a:picLocks noChangeAspect="1"/>
+          </p:cNvPicPr>
+          <p:nvPr/>
+        </p:nvPicPr>
+        <p:blipFill>
+          <a:blip r:embed="rId3">
+            <a:extLst>
+              <a:ext uri="{28A0092B-C50C-407E-A947-70E740481C1C}">
+                <a14:useLocalDpi xmlns:a14="http://schemas.microsoft.com/office/drawing/2010/main" val="0"/>
+              </a:ext>
+            </a:extLst>
+          </a:blip>
+          <a:stretch>
+            <a:fillRect/>
+          </a:stretch>
+        </p:blipFill>
+        <p:spPr bwMode="auto">
+          <a:xfrm>
+            <a:off x="2627784" y="3087624"/>
+            <a:ext cx="1536700" cy="1333500"/>
+          </a:xfrm>
+          <a:prstGeom prst="rect">
+            <a:avLst/>
+          </a:prstGeom>
+          <a:noFill/>
+          <a:ln w="9525">
+            <a:noFill/>
+            <a:miter lim="800000"/>
+            <a:headEnd/>
+            <a:tailEnd/>
+          </a:ln>
+        </p:spPr>
+      </p:pic>
+      <p:pic>
+        <p:nvPicPr>
+          <p:cNvPr id="34" name="內容版面配置區 3"/>
+          <p:cNvPicPr>
+            <a:picLocks noChangeAspect="1"/>
+          </p:cNvPicPr>
+          <p:nvPr/>
+        </p:nvPicPr>
+        <p:blipFill>
+          <a:blip r:embed="rId3">
+            <a:extLst>
+              <a:ext uri="{28A0092B-C50C-407E-A947-70E740481C1C}">
+                <a14:useLocalDpi xmlns:a14="http://schemas.microsoft.com/office/drawing/2010/main" val="0"/>
+              </a:ext>
+            </a:extLst>
+          </a:blip>
+          <a:stretch>
+            <a:fillRect/>
+          </a:stretch>
+        </p:blipFill>
+        <p:spPr bwMode="auto">
+          <a:xfrm>
+            <a:off x="4832501" y="2283243"/>
+            <a:ext cx="1536700" cy="1333500"/>
+          </a:xfrm>
+          <a:prstGeom prst="rect">
+            <a:avLst/>
+          </a:prstGeom>
+          <a:noFill/>
+          <a:ln w="9525">
+            <a:noFill/>
+            <a:miter lim="800000"/>
+            <a:headEnd/>
+            <a:tailEnd/>
+          </a:ln>
+        </p:spPr>
+      </p:pic>
+      <p:pic>
+        <p:nvPicPr>
+          <p:cNvPr id="35" name="內容版面配置區 3"/>
+          <p:cNvPicPr>
+            <a:picLocks noChangeAspect="1"/>
+          </p:cNvPicPr>
+          <p:nvPr/>
+        </p:nvPicPr>
+        <p:blipFill>
+          <a:blip r:embed="rId3">
+            <a:extLst>
+              <a:ext uri="{28A0092B-C50C-407E-A947-70E740481C1C}">
+                <a14:useLocalDpi xmlns:a14="http://schemas.microsoft.com/office/drawing/2010/main" val="0"/>
+              </a:ext>
+            </a:extLst>
+          </a:blip>
+          <a:stretch>
+            <a:fillRect/>
+          </a:stretch>
+        </p:blipFill>
+        <p:spPr bwMode="auto">
+          <a:xfrm>
+            <a:off x="2627784" y="4921176"/>
+            <a:ext cx="1536700" cy="1333500"/>
+          </a:xfrm>
+          <a:prstGeom prst="rect">
+            <a:avLst/>
+          </a:prstGeom>
+          <a:noFill/>
+          <a:ln w="9525">
+            <a:noFill/>
+            <a:miter lim="800000"/>
+            <a:headEnd/>
+            <a:tailEnd/>
+          </a:ln>
+        </p:spPr>
+      </p:pic>
+      <p:pic>
+        <p:nvPicPr>
+          <p:cNvPr id="36" name="內容版面配置區 3"/>
+          <p:cNvPicPr>
+            <a:picLocks noChangeAspect="1"/>
+          </p:cNvPicPr>
+          <p:nvPr/>
+        </p:nvPicPr>
+        <p:blipFill>
+          <a:blip r:embed="rId3">
+            <a:extLst>
+              <a:ext uri="{28A0092B-C50C-407E-A947-70E740481C1C}">
+                <a14:useLocalDpi xmlns:a14="http://schemas.microsoft.com/office/drawing/2010/main" val="0"/>
+              </a:ext>
+            </a:extLst>
+          </a:blip>
+          <a:stretch>
+            <a:fillRect/>
+          </a:stretch>
+        </p:blipFill>
+        <p:spPr bwMode="auto">
+          <a:xfrm>
+            <a:off x="4832501" y="4099068"/>
+            <a:ext cx="1536700" cy="1333500"/>
+          </a:xfrm>
+          <a:prstGeom prst="rect">
+            <a:avLst/>
+          </a:prstGeom>
+          <a:noFill/>
+          <a:ln w="9525">
+            <a:noFill/>
+            <a:miter lim="800000"/>
+            <a:headEnd/>
+            <a:tailEnd/>
+          </a:ln>
+        </p:spPr>
+      </p:pic>
+      <p:sp>
+        <p:nvSpPr>
+          <p:cNvPr id="38" name="文字方塊 37"/>
+          <p:cNvSpPr txBox="1"/>
+          <p:nvPr/>
+        </p:nvSpPr>
+        <p:spPr>
+          <a:xfrm>
+            <a:off x="5036896" y="2063458"/>
+            <a:ext cx="768159" cy="369332"/>
+          </a:xfrm>
+          <a:prstGeom prst="rect">
+            <a:avLst/>
+          </a:prstGeom>
+          <a:noFill/>
+        </p:spPr>
+        <p:txBody>
+          <a:bodyPr wrap="none" rtlCol="0">
+            <a:spAutoFit/>
+          </a:bodyPr>
+          <a:lstStyle/>
+          <a:p>
+            <a:r>
+              <a:rPr kumimoji="1" lang="en-US" altLang="zh-TW" dirty="0" smtClean="0">
+                <a:latin typeface="Times New Roman" charset="0"/>
+                <a:ea typeface="Times New Roman" charset="0"/>
+                <a:cs typeface="Times New Roman" charset="0"/>
+              </a:rPr>
+              <a:t>Peer 2</a:t>
+            </a:r>
+            <a:endParaRPr kumimoji="1" lang="zh-TW" altLang="en-US" dirty="0">
+              <a:latin typeface="Times New Roman" charset="0"/>
+              <a:ea typeface="Times New Roman" charset="0"/>
+              <a:cs typeface="Times New Roman" charset="0"/>
+            </a:endParaRPr>
+          </a:p>
+        </p:txBody>
+      </p:sp>
+      <p:sp>
+        <p:nvSpPr>
+          <p:cNvPr id="39" name="文字方塊 38"/>
+          <p:cNvSpPr txBox="1"/>
+          <p:nvPr/>
+        </p:nvSpPr>
+        <p:spPr>
+          <a:xfrm>
+            <a:off x="5036896" y="3908771"/>
+            <a:ext cx="768159" cy="369332"/>
+          </a:xfrm>
+          <a:prstGeom prst="rect">
+            <a:avLst/>
+          </a:prstGeom>
+          <a:noFill/>
+        </p:spPr>
+        <p:txBody>
+          <a:bodyPr wrap="none" rtlCol="0">
+            <a:spAutoFit/>
+          </a:bodyPr>
+          <a:lstStyle/>
+          <a:p>
+            <a:r>
+              <a:rPr kumimoji="1" lang="en-US" altLang="zh-TW" dirty="0" smtClean="0">
+                <a:latin typeface="Times New Roman" charset="0"/>
+                <a:ea typeface="Times New Roman" charset="0"/>
+                <a:cs typeface="Times New Roman" charset="0"/>
+              </a:rPr>
+              <a:t>Peer 3</a:t>
+            </a:r>
+            <a:endParaRPr kumimoji="1" lang="zh-TW" altLang="en-US" dirty="0">
+              <a:latin typeface="Times New Roman" charset="0"/>
+              <a:ea typeface="Times New Roman" charset="0"/>
+              <a:cs typeface="Times New Roman" charset="0"/>
+            </a:endParaRPr>
+          </a:p>
+        </p:txBody>
+      </p:sp>
+      <p:sp>
+        <p:nvSpPr>
+          <p:cNvPr id="40" name="文字方塊 39"/>
+          <p:cNvSpPr txBox="1"/>
+          <p:nvPr/>
+        </p:nvSpPr>
+        <p:spPr>
+          <a:xfrm>
+            <a:off x="2555201" y="4736510"/>
+            <a:ext cx="768159" cy="369332"/>
+          </a:xfrm>
+          <a:prstGeom prst="rect">
+            <a:avLst/>
+          </a:prstGeom>
+          <a:noFill/>
+        </p:spPr>
+        <p:txBody>
+          <a:bodyPr wrap="none" rtlCol="0">
+            <a:spAutoFit/>
+          </a:bodyPr>
+          <a:lstStyle/>
+          <a:p>
+            <a:r>
+              <a:rPr kumimoji="1" lang="en-US" altLang="zh-TW" dirty="0" smtClean="0">
+                <a:latin typeface="Times New Roman" charset="0"/>
+                <a:ea typeface="Times New Roman" charset="0"/>
+                <a:cs typeface="Times New Roman" charset="0"/>
+              </a:rPr>
+              <a:t>Peer 4</a:t>
+            </a:r>
+            <a:endParaRPr kumimoji="1" lang="zh-TW" altLang="en-US" dirty="0">
+              <a:latin typeface="Times New Roman" charset="0"/>
+              <a:ea typeface="Times New Roman" charset="0"/>
+              <a:cs typeface="Times New Roman" charset="0"/>
+            </a:endParaRPr>
+          </a:p>
+        </p:txBody>
+      </p:sp>
+      <p:sp>
+        <p:nvSpPr>
+          <p:cNvPr id="41" name="文字方塊 40"/>
+          <p:cNvSpPr txBox="1"/>
+          <p:nvPr/>
+        </p:nvSpPr>
+        <p:spPr>
+          <a:xfrm>
+            <a:off x="2555202" y="2862263"/>
+            <a:ext cx="768159" cy="369332"/>
+          </a:xfrm>
+          <a:prstGeom prst="rect">
+            <a:avLst/>
+          </a:prstGeom>
+          <a:noFill/>
+        </p:spPr>
+        <p:txBody>
+          <a:bodyPr wrap="none" rtlCol="0">
+            <a:spAutoFit/>
+          </a:bodyPr>
+          <a:lstStyle/>
+          <a:p>
+            <a:r>
+              <a:rPr kumimoji="1" lang="en-US" altLang="zh-TW" dirty="0" smtClean="0">
+                <a:latin typeface="Times New Roman" charset="0"/>
+                <a:ea typeface="Times New Roman" charset="0"/>
+                <a:cs typeface="Times New Roman" charset="0"/>
+              </a:rPr>
+              <a:t>Peer 5</a:t>
+            </a:r>
+            <a:endParaRPr kumimoji="1" lang="zh-TW" altLang="en-US" dirty="0">
+              <a:latin typeface="Times New Roman" charset="0"/>
+              <a:ea typeface="Times New Roman" charset="0"/>
+              <a:cs typeface="Times New Roman" charset="0"/>
+            </a:endParaRPr>
+          </a:p>
+        </p:txBody>
+      </p:sp>
+      <p:sp>
+        <p:nvSpPr>
+          <p:cNvPr id="43" name="文字方塊 42"/>
+          <p:cNvSpPr txBox="1"/>
+          <p:nvPr/>
+        </p:nvSpPr>
+        <p:spPr>
+          <a:xfrm>
+            <a:off x="2555200" y="910864"/>
+            <a:ext cx="768159" cy="369332"/>
+          </a:xfrm>
+          <a:prstGeom prst="rect">
+            <a:avLst/>
+          </a:prstGeom>
+          <a:noFill/>
+        </p:spPr>
+        <p:txBody>
+          <a:bodyPr wrap="none" rtlCol="0">
+            <a:spAutoFit/>
+          </a:bodyPr>
+          <a:lstStyle/>
+          <a:p>
+            <a:r>
+              <a:rPr kumimoji="1" lang="en-US" altLang="zh-TW" dirty="0" smtClean="0">
+                <a:latin typeface="Times New Roman" charset="0"/>
+                <a:ea typeface="Times New Roman" charset="0"/>
+                <a:cs typeface="Times New Roman" charset="0"/>
+              </a:rPr>
+              <a:t>Peer 1</a:t>
+            </a:r>
+            <a:endParaRPr kumimoji="1" lang="zh-TW" altLang="en-US" dirty="0">
+              <a:latin typeface="Times New Roman" charset="0"/>
+              <a:ea typeface="Times New Roman" charset="0"/>
+              <a:cs typeface="Times New Roman" charset="0"/>
+            </a:endParaRPr>
+          </a:p>
+        </p:txBody>
+      </p:sp>
+    </p:spTree>
+    <p:extLst>
+      <p:ext uri="{BB962C8B-B14F-4D97-AF65-F5344CB8AC3E}">
+        <p14:creationId xmlns:p14="http://schemas.microsoft.com/office/powerpoint/2010/main" val="1608450443"/>
+      </p:ext>
+    </p:extLst>
+  </p:cSld>
+  <p:clrMapOvr>
+    <a:masterClrMapping/>
+  </p:clrMapOvr>
+  <p:timing>
+    <p:tnLst>
+      <p:par>
+        <p:cTn id="1" dur="indefinite" restart="never" nodeType="tmRoot"/>
+      </p:par>
+    </p:tnLst>
+  </p:timing>
+</p:sld>
+</file>
+
+<file path=ppt/slides/slide11.xml><?xml version="1.0" encoding="utf-8"?>
+<p:sld xmlns:a="http://schemas.openxmlformats.org/drawingml/2006/main" xmlns:r="http://schemas.openxmlformats.org/officeDocument/2006/relationships" xmlns:p="http://schemas.openxmlformats.org/presentationml/2006/main">
+  <p:cSld>
+    <p:spTree>
+      <p:nvGrpSpPr>
+        <p:cNvPr id="1" name=""/>
+        <p:cNvGrpSpPr/>
+        <p:nvPr/>
+      </p:nvGrpSpPr>
+      <p:grpSpPr>
+        <a:xfrm>
+          <a:off x="0" y="0"/>
+          <a:ext cx="0" cy="0"/>
+          <a:chOff x="0" y="0"/>
+          <a:chExt cx="0" cy="0"/>
+        </a:xfrm>
+      </p:grpSpPr>
+      <p:sp>
+        <p:nvSpPr>
+          <p:cNvPr id="2" name="標題 1"/>
+          <p:cNvSpPr>
+            <a:spLocks noGrp="1"/>
+          </p:cNvSpPr>
+          <p:nvPr>
+            <p:ph type="title"/>
+          </p:nvPr>
+        </p:nvSpPr>
+        <p:spPr/>
+        <p:txBody>
+          <a:bodyPr/>
+          <a:lstStyle/>
+          <a:p>
+            <a:r>
+              <a:rPr kumimoji="1" lang="en-US" altLang="zh-TW" dirty="0" smtClean="0"/>
+              <a:t>How do </a:t>
+            </a:r>
+            <a:r>
+              <a:rPr kumimoji="1" lang="en-US" altLang="zh-TW" dirty="0" err="1" smtClean="0"/>
+              <a:t>BitTorrent</a:t>
+            </a:r>
+            <a:r>
+              <a:rPr kumimoji="1" lang="en-US" altLang="zh-TW" dirty="0" smtClean="0"/>
+              <a:t> work?</a:t>
+            </a:r>
+            <a:endParaRPr kumimoji="1" lang="zh-TW" altLang="en-US" dirty="0"/>
+          </a:p>
+        </p:txBody>
+      </p:sp>
+      <p:sp>
+        <p:nvSpPr>
+          <p:cNvPr id="5" name="投影片編號版面配置區 4"/>
+          <p:cNvSpPr>
+            <a:spLocks noGrp="1"/>
+          </p:cNvSpPr>
+          <p:nvPr>
+            <p:ph type="sldNum" sz="quarter" idx="12"/>
+          </p:nvPr>
+        </p:nvSpPr>
+        <p:spPr/>
+        <p:txBody>
+          <a:bodyPr/>
+          <a:lstStyle/>
+          <a:p>
+            <a:pPr>
+              <a:defRPr/>
+            </a:pPr>
+            <a:fld id="{7823135A-D7F7-45E8-89D0-FF7E75BBDD99}" type="slidenum">
+              <a:rPr lang="en-US" altLang="zh-TW" smtClean="0"/>
+              <a:pPr>
+                <a:defRPr/>
+              </a:pPr>
+              <a:t>11</a:t>
+            </a:fld>
+            <a:endParaRPr lang="en-US" altLang="zh-TW"/>
+          </a:p>
+        </p:txBody>
+      </p:sp>
+      <p:sp>
+        <p:nvSpPr>
+          <p:cNvPr id="6" name="頁尾版面配置區 5"/>
+          <p:cNvSpPr>
+            <a:spLocks noGrp="1"/>
+          </p:cNvSpPr>
+          <p:nvPr>
+            <p:ph type="ftr" sz="quarter" idx="11"/>
+          </p:nvPr>
+        </p:nvSpPr>
+        <p:spPr>
+          <a:xfrm>
+            <a:off x="5943600" y="6512768"/>
+            <a:ext cx="2895600" cy="228600"/>
+          </a:xfrm>
+        </p:spPr>
+        <p:txBody>
+          <a:bodyPr/>
+          <a:lstStyle/>
+          <a:p>
+            <a:pPr>
+              <a:defRPr/>
+            </a:pPr>
+            <a:r>
+              <a:rPr lang="en-US" altLang="zh-TW" dirty="0" smtClean="0"/>
+              <a:t>Performance Evaluation 2016 Spring</a:t>
+            </a:r>
+            <a:endParaRPr lang="en-US" altLang="zh-TW" dirty="0"/>
+          </a:p>
+        </p:txBody>
+      </p:sp>
+      <p:pic>
+        <p:nvPicPr>
+          <p:cNvPr id="12" name="圖片 11"/>
+          <p:cNvPicPr>
+            <a:picLocks noChangeAspect="1"/>
+          </p:cNvPicPr>
+          <p:nvPr/>
+        </p:nvPicPr>
+        <p:blipFill>
+          <a:blip r:embed="rId2">
+            <a:extLst>
+              <a:ext uri="{28A0092B-C50C-407E-A947-70E740481C1C}">
+                <a14:useLocalDpi xmlns:a14="http://schemas.microsoft.com/office/drawing/2010/main" val="0"/>
+              </a:ext>
+            </a:extLst>
+          </a:blip>
+          <a:stretch>
+            <a:fillRect/>
+          </a:stretch>
+        </p:blipFill>
+        <p:spPr>
+          <a:xfrm>
+            <a:off x="575812" y="1862555"/>
+            <a:ext cx="1062070" cy="1272575"/>
+          </a:xfrm>
+          <a:prstGeom prst="rect">
+            <a:avLst/>
+          </a:prstGeom>
+        </p:spPr>
+      </p:pic>
+      <p:pic>
+        <p:nvPicPr>
+          <p:cNvPr id="13" name="圖片 12"/>
+          <p:cNvPicPr>
+            <a:picLocks noChangeAspect="1"/>
+          </p:cNvPicPr>
+          <p:nvPr/>
+        </p:nvPicPr>
+        <p:blipFill>
+          <a:blip r:embed="rId2">
+            <a:extLst>
+              <a:ext uri="{28A0092B-C50C-407E-A947-70E740481C1C}">
+                <a14:useLocalDpi xmlns:a14="http://schemas.microsoft.com/office/drawing/2010/main" val="0"/>
+              </a:ext>
+            </a:extLst>
+          </a:blip>
+          <a:stretch>
+            <a:fillRect/>
+          </a:stretch>
+        </p:blipFill>
+        <p:spPr>
+          <a:xfrm>
+            <a:off x="575812" y="4143057"/>
+            <a:ext cx="1062070" cy="1272575"/>
+          </a:xfrm>
+          <a:prstGeom prst="rect">
+            <a:avLst/>
+          </a:prstGeom>
+        </p:spPr>
+      </p:pic>
+      <p:sp>
+        <p:nvSpPr>
+          <p:cNvPr id="19" name="文字方塊 18"/>
+          <p:cNvSpPr txBox="1"/>
+          <p:nvPr/>
+        </p:nvSpPr>
+        <p:spPr>
+          <a:xfrm>
+            <a:off x="575812" y="5467420"/>
+            <a:ext cx="894732" cy="369332"/>
+          </a:xfrm>
+          <a:prstGeom prst="rect">
+            <a:avLst/>
+          </a:prstGeom>
+          <a:noFill/>
+        </p:spPr>
+        <p:txBody>
+          <a:bodyPr wrap="none" rtlCol="0">
+            <a:spAutoFit/>
+          </a:bodyPr>
+          <a:lstStyle/>
+          <a:p>
+            <a:r>
+              <a:rPr kumimoji="1" lang="en-US" altLang="zh-TW" dirty="0" smtClean="0">
+                <a:latin typeface="Times New Roman" charset="0"/>
+                <a:ea typeface="Times New Roman" charset="0"/>
+                <a:cs typeface="Times New Roman" charset="0"/>
+              </a:rPr>
+              <a:t>Tracker</a:t>
+            </a:r>
+            <a:endParaRPr kumimoji="1" lang="zh-TW" altLang="en-US" dirty="0">
+              <a:latin typeface="Times New Roman" charset="0"/>
+              <a:ea typeface="Times New Roman" charset="0"/>
+              <a:cs typeface="Times New Roman" charset="0"/>
+            </a:endParaRPr>
+          </a:p>
+        </p:txBody>
+      </p:sp>
+      <p:sp>
+        <p:nvSpPr>
+          <p:cNvPr id="20" name="文字方塊 19"/>
+          <p:cNvSpPr txBox="1"/>
+          <p:nvPr/>
+        </p:nvSpPr>
+        <p:spPr>
+          <a:xfrm>
+            <a:off x="475520" y="3152066"/>
+            <a:ext cx="1262653" cy="369332"/>
+          </a:xfrm>
+          <a:prstGeom prst="rect">
+            <a:avLst/>
+          </a:prstGeom>
+          <a:noFill/>
+        </p:spPr>
+        <p:txBody>
+          <a:bodyPr wrap="none" rtlCol="0">
+            <a:spAutoFit/>
+          </a:bodyPr>
+          <a:lstStyle/>
+          <a:p>
+            <a:r>
+              <a:rPr lang="en-US" altLang="zh-TW" smtClean="0">
+                <a:latin typeface="Times New Roman" charset="0"/>
+                <a:ea typeface="Times New Roman" charset="0"/>
+                <a:cs typeface="Times New Roman" charset="0"/>
+              </a:rPr>
+              <a:t>Web Server</a:t>
+            </a:r>
+            <a:endParaRPr kumimoji="1" lang="zh-TW" altLang="en-US" dirty="0">
+              <a:latin typeface="Times New Roman" charset="0"/>
+              <a:ea typeface="Times New Roman" charset="0"/>
+              <a:cs typeface="Times New Roman" charset="0"/>
+            </a:endParaRPr>
+          </a:p>
+        </p:txBody>
+      </p:sp>
+      <p:cxnSp>
+        <p:nvCxnSpPr>
+          <p:cNvPr id="22" name="直線箭頭接點 21"/>
+          <p:cNvCxnSpPr>
+            <a:stCxn id="33" idx="1"/>
+            <a:endCxn id="13" idx="3"/>
+          </p:cNvCxnSpPr>
+          <p:nvPr/>
+        </p:nvCxnSpPr>
+        <p:spPr bwMode="auto">
+          <a:xfrm flipH="1">
+            <a:off x="1637882" y="3754374"/>
+            <a:ext cx="989902" cy="1024971"/>
+          </a:xfrm>
+          <a:prstGeom prst="straightConnector1">
+            <a:avLst/>
+          </a:prstGeom>
+          <a:solidFill>
+            <a:schemeClr val="accent1"/>
+          </a:solidFill>
+          <a:ln w="9525" cap="flat" cmpd="sng" algn="ctr">
+            <a:solidFill>
+              <a:schemeClr val="tx1"/>
+            </a:solidFill>
+            <a:prstDash val="solid"/>
+            <a:round/>
+            <a:headEnd type="none" w="med" len="med"/>
+            <a:tailEnd type="triangle"/>
+          </a:ln>
+          <a:effectLst/>
+        </p:spPr>
+      </p:cxnSp>
+      <p:sp>
+        <p:nvSpPr>
+          <p:cNvPr id="25" name="文字方塊 24"/>
+          <p:cNvSpPr txBox="1"/>
+          <p:nvPr/>
+        </p:nvSpPr>
+        <p:spPr>
+          <a:xfrm>
+            <a:off x="6415583" y="2215932"/>
+            <a:ext cx="2717411" cy="646331"/>
+          </a:xfrm>
+          <a:prstGeom prst="rect">
+            <a:avLst/>
+          </a:prstGeom>
+          <a:noFill/>
+        </p:spPr>
+        <p:txBody>
+          <a:bodyPr wrap="none" rtlCol="0">
+            <a:spAutoFit/>
+          </a:bodyPr>
+          <a:lstStyle/>
+          <a:p>
+            <a:pPr marL="285750" indent="-285750">
+              <a:buFont typeface="Wingdings" charset="2"/>
+              <a:buChar char="Ø"/>
+            </a:pPr>
+            <a:r>
+              <a:rPr kumimoji="1" lang="en-US" altLang="zh-TW" dirty="0" smtClean="0">
+                <a:latin typeface="Times New Roman" charset="0"/>
+                <a:ea typeface="Times New Roman" charset="0"/>
+                <a:cs typeface="Times New Roman" charset="0"/>
+              </a:rPr>
+              <a:t>Peer 5 joins the</a:t>
+            </a:r>
+            <a:r>
+              <a:rPr lang="en-US" altLang="zh-TW" dirty="0">
+                <a:latin typeface="Times New Roman" charset="0"/>
+                <a:ea typeface="Times New Roman" charset="0"/>
+                <a:cs typeface="Times New Roman" charset="0"/>
+              </a:rPr>
+              <a:t> </a:t>
+            </a:r>
+            <a:r>
+              <a:rPr kumimoji="1" lang="en-US" altLang="zh-TW" dirty="0" smtClean="0">
+                <a:latin typeface="Times New Roman" charset="0"/>
+                <a:ea typeface="Times New Roman" charset="0"/>
+                <a:cs typeface="Times New Roman" charset="0"/>
+              </a:rPr>
+              <a:t>network</a:t>
+            </a:r>
+            <a:br>
+              <a:rPr kumimoji="1" lang="en-US" altLang="zh-TW" dirty="0" smtClean="0">
+                <a:latin typeface="Times New Roman" charset="0"/>
+                <a:ea typeface="Times New Roman" charset="0"/>
+                <a:cs typeface="Times New Roman" charset="0"/>
+              </a:rPr>
+            </a:br>
+            <a:r>
+              <a:rPr kumimoji="1" lang="en-US" altLang="zh-TW" dirty="0" smtClean="0">
+                <a:latin typeface="Times New Roman" charset="0"/>
+                <a:ea typeface="Times New Roman" charset="0"/>
+                <a:cs typeface="Times New Roman" charset="0"/>
+              </a:rPr>
+              <a:t>to download the file.</a:t>
+            </a:r>
+            <a:endParaRPr kumimoji="1" lang="zh-TW" altLang="en-US" dirty="0">
+              <a:latin typeface="Times New Roman" charset="0"/>
+              <a:ea typeface="Times New Roman" charset="0"/>
+              <a:cs typeface="Times New Roman" charset="0"/>
+            </a:endParaRPr>
+          </a:p>
+        </p:txBody>
+      </p:sp>
+      <p:sp>
+        <p:nvSpPr>
+          <p:cNvPr id="26" name="文字方塊 25"/>
+          <p:cNvSpPr txBox="1"/>
+          <p:nvPr/>
+        </p:nvSpPr>
+        <p:spPr>
+          <a:xfrm>
+            <a:off x="6415582" y="989350"/>
+            <a:ext cx="2736647" cy="1200329"/>
+          </a:xfrm>
+          <a:prstGeom prst="rect">
+            <a:avLst/>
+          </a:prstGeom>
+          <a:noFill/>
+        </p:spPr>
+        <p:txBody>
+          <a:bodyPr wrap="none" rtlCol="0">
+            <a:spAutoFit/>
+          </a:bodyPr>
+          <a:lstStyle/>
+          <a:p>
+            <a:pPr marL="285750" indent="-285750">
+              <a:buFont typeface="Wingdings" charset="2"/>
+              <a:buChar char="Ø"/>
+            </a:pPr>
+            <a:r>
+              <a:rPr lang="en-US" altLang="zh-TW" dirty="0" smtClean="0">
+                <a:latin typeface="Times New Roman" charset="0"/>
+                <a:ea typeface="Times New Roman" charset="0"/>
+                <a:cs typeface="Times New Roman" charset="0"/>
+              </a:rPr>
+              <a:t>In this network, there</a:t>
+            </a:r>
+            <a:br>
+              <a:rPr lang="en-US" altLang="zh-TW" dirty="0" smtClean="0">
+                <a:latin typeface="Times New Roman" charset="0"/>
+                <a:ea typeface="Times New Roman" charset="0"/>
+                <a:cs typeface="Times New Roman" charset="0"/>
+              </a:rPr>
+            </a:br>
+            <a:r>
+              <a:rPr lang="en-US" altLang="zh-TW" dirty="0" smtClean="0">
+                <a:latin typeface="Times New Roman" charset="0"/>
+                <a:ea typeface="Times New Roman" charset="0"/>
+                <a:cs typeface="Times New Roman" charset="0"/>
+              </a:rPr>
+              <a:t>are 4 peers downloading</a:t>
+            </a:r>
+            <a:br>
+              <a:rPr lang="en-US" altLang="zh-TW" dirty="0" smtClean="0">
+                <a:latin typeface="Times New Roman" charset="0"/>
+                <a:ea typeface="Times New Roman" charset="0"/>
+                <a:cs typeface="Times New Roman" charset="0"/>
+              </a:rPr>
+            </a:br>
+            <a:r>
+              <a:rPr lang="en-US" altLang="zh-TW" dirty="0" smtClean="0">
+                <a:latin typeface="Times New Roman" charset="0"/>
+                <a:ea typeface="Times New Roman" charset="0"/>
+                <a:cs typeface="Times New Roman" charset="0"/>
+              </a:rPr>
+              <a:t>pieces of the file of</a:t>
+            </a:r>
+            <a:br>
+              <a:rPr lang="en-US" altLang="zh-TW" dirty="0" smtClean="0">
+                <a:latin typeface="Times New Roman" charset="0"/>
+                <a:ea typeface="Times New Roman" charset="0"/>
+                <a:cs typeface="Times New Roman" charset="0"/>
+              </a:rPr>
+            </a:br>
+            <a:r>
+              <a:rPr lang="en-US" altLang="zh-TW" dirty="0" smtClean="0">
+                <a:latin typeface="Times New Roman" charset="0"/>
+                <a:ea typeface="Times New Roman" charset="0"/>
+                <a:cs typeface="Times New Roman" charset="0"/>
+              </a:rPr>
+              <a:t>interest.</a:t>
+            </a:r>
+            <a:endParaRPr kumimoji="1" lang="zh-TW" altLang="en-US" dirty="0">
+              <a:latin typeface="Times New Roman" charset="0"/>
+              <a:ea typeface="Times New Roman" charset="0"/>
+              <a:cs typeface="Times New Roman" charset="0"/>
+            </a:endParaRPr>
+          </a:p>
+        </p:txBody>
+      </p:sp>
+      <p:sp>
+        <p:nvSpPr>
+          <p:cNvPr id="27" name="文字方塊 26"/>
+          <p:cNvSpPr txBox="1"/>
+          <p:nvPr/>
+        </p:nvSpPr>
+        <p:spPr>
+          <a:xfrm>
+            <a:off x="6415582" y="2892097"/>
+            <a:ext cx="2358338" cy="923330"/>
+          </a:xfrm>
+          <a:prstGeom prst="rect">
+            <a:avLst/>
+          </a:prstGeom>
+          <a:noFill/>
+        </p:spPr>
+        <p:txBody>
+          <a:bodyPr wrap="none" rtlCol="0">
+            <a:spAutoFit/>
+          </a:bodyPr>
+          <a:lstStyle/>
+          <a:p>
+            <a:pPr marL="285750" indent="-285750">
+              <a:buFont typeface="Wingdings" charset="2"/>
+              <a:buChar char="Ø"/>
+            </a:pPr>
+            <a:r>
+              <a:rPr lang="en-US" altLang="zh-TW" dirty="0" smtClean="0">
+                <a:latin typeface="Times New Roman" charset="0"/>
+                <a:ea typeface="Times New Roman" charset="0"/>
+                <a:cs typeface="Times New Roman" charset="0"/>
+              </a:rPr>
+              <a:t>It first downloads a</a:t>
+            </a:r>
+            <a:br>
+              <a:rPr lang="en-US" altLang="zh-TW" dirty="0" smtClean="0">
+                <a:latin typeface="Times New Roman" charset="0"/>
+                <a:ea typeface="Times New Roman" charset="0"/>
+                <a:cs typeface="Times New Roman" charset="0"/>
+              </a:rPr>
+            </a:br>
+            <a:r>
+              <a:rPr lang="en-US" altLang="zh-TW" dirty="0" smtClean="0">
+                <a:latin typeface="Times New Roman" charset="0"/>
+                <a:ea typeface="Times New Roman" charset="0"/>
+                <a:cs typeface="Times New Roman" charset="0"/>
+              </a:rPr>
+              <a:t>.torrent file from the</a:t>
+            </a:r>
+            <a:br>
+              <a:rPr lang="en-US" altLang="zh-TW" dirty="0" smtClean="0">
+                <a:latin typeface="Times New Roman" charset="0"/>
+                <a:ea typeface="Times New Roman" charset="0"/>
+                <a:cs typeface="Times New Roman" charset="0"/>
+              </a:rPr>
+            </a:br>
+            <a:r>
+              <a:rPr lang="en-US" altLang="zh-TW" dirty="0" smtClean="0">
+                <a:latin typeface="Times New Roman" charset="0"/>
+                <a:ea typeface="Times New Roman" charset="0"/>
+                <a:cs typeface="Times New Roman" charset="0"/>
+              </a:rPr>
+              <a:t>web </a:t>
+            </a:r>
+            <a:r>
+              <a:rPr lang="en-US" altLang="zh-TW" dirty="0">
+                <a:latin typeface="Times New Roman" charset="0"/>
+                <a:ea typeface="Times New Roman" charset="0"/>
+                <a:cs typeface="Times New Roman" charset="0"/>
+              </a:rPr>
+              <a:t>s</a:t>
+            </a:r>
+            <a:r>
+              <a:rPr lang="en-US" altLang="zh-TW" dirty="0" smtClean="0">
+                <a:latin typeface="Times New Roman" charset="0"/>
+                <a:ea typeface="Times New Roman" charset="0"/>
+                <a:cs typeface="Times New Roman" charset="0"/>
+              </a:rPr>
+              <a:t>erver.</a:t>
+            </a:r>
+            <a:endParaRPr kumimoji="1" lang="zh-TW" altLang="en-US" dirty="0">
+              <a:latin typeface="Times New Roman" charset="0"/>
+              <a:ea typeface="Times New Roman" charset="0"/>
+              <a:cs typeface="Times New Roman" charset="0"/>
+            </a:endParaRPr>
+          </a:p>
+        </p:txBody>
+      </p:sp>
+      <p:sp>
+        <p:nvSpPr>
+          <p:cNvPr id="28" name="文字方塊 27"/>
+          <p:cNvSpPr txBox="1"/>
+          <p:nvPr/>
+        </p:nvSpPr>
+        <p:spPr>
+          <a:xfrm>
+            <a:off x="6401830" y="3850063"/>
+            <a:ext cx="2608406" cy="646331"/>
+          </a:xfrm>
+          <a:prstGeom prst="rect">
+            <a:avLst/>
+          </a:prstGeom>
+          <a:noFill/>
+        </p:spPr>
+        <p:txBody>
+          <a:bodyPr wrap="none" rtlCol="0">
+            <a:spAutoFit/>
+          </a:bodyPr>
+          <a:lstStyle/>
+          <a:p>
+            <a:pPr marL="285750" indent="-285750">
+              <a:buFont typeface="Wingdings" charset="2"/>
+              <a:buChar char="Ø"/>
+            </a:pPr>
+            <a:r>
+              <a:rPr lang="en-US" altLang="zh-TW" dirty="0" smtClean="0">
+                <a:latin typeface="Times New Roman" charset="0"/>
+                <a:ea typeface="Times New Roman" charset="0"/>
+                <a:cs typeface="Times New Roman" charset="0"/>
+              </a:rPr>
+              <a:t>Next, it connects to the</a:t>
+            </a:r>
+            <a:br>
+              <a:rPr lang="en-US" altLang="zh-TW" dirty="0" smtClean="0">
+                <a:latin typeface="Times New Roman" charset="0"/>
+                <a:ea typeface="Times New Roman" charset="0"/>
+                <a:cs typeface="Times New Roman" charset="0"/>
+              </a:rPr>
+            </a:br>
+            <a:r>
+              <a:rPr lang="en-US" altLang="zh-TW" dirty="0" smtClean="0">
+                <a:latin typeface="Times New Roman" charset="0"/>
+                <a:ea typeface="Times New Roman" charset="0"/>
+                <a:cs typeface="Times New Roman" charset="0"/>
+              </a:rPr>
+              <a:t>tracker.</a:t>
+            </a:r>
+            <a:endParaRPr kumimoji="1" lang="zh-TW" altLang="en-US" dirty="0">
+              <a:latin typeface="Times New Roman" charset="0"/>
+              <a:ea typeface="Times New Roman" charset="0"/>
+              <a:cs typeface="Times New Roman" charset="0"/>
+            </a:endParaRPr>
+          </a:p>
+        </p:txBody>
+      </p:sp>
+      <p:pic>
+        <p:nvPicPr>
+          <p:cNvPr id="32" name="內容版面配置區 3"/>
+          <p:cNvPicPr>
+            <a:picLocks noGrp="1" noChangeAspect="1"/>
+          </p:cNvPicPr>
+          <p:nvPr>
+            <p:ph idx="1"/>
+          </p:nvPr>
+        </p:nvPicPr>
+        <p:blipFill>
+          <a:blip r:embed="rId3">
+            <a:extLst>
+              <a:ext uri="{28A0092B-C50C-407E-A947-70E740481C1C}">
+                <a14:useLocalDpi xmlns:a14="http://schemas.microsoft.com/office/drawing/2010/main" val="0"/>
+              </a:ext>
+            </a:extLst>
+          </a:blip>
+          <a:stretch>
+            <a:fillRect/>
+          </a:stretch>
+        </p:blipFill>
+        <p:spPr>
+          <a:xfrm>
+            <a:off x="2627784" y="1117104"/>
+            <a:ext cx="1536700" cy="1333500"/>
+          </a:xfrm>
+        </p:spPr>
+      </p:pic>
+      <p:pic>
+        <p:nvPicPr>
+          <p:cNvPr id="33" name="內容版面配置區 3"/>
+          <p:cNvPicPr>
+            <a:picLocks noChangeAspect="1"/>
+          </p:cNvPicPr>
+          <p:nvPr/>
+        </p:nvPicPr>
+        <p:blipFill>
+          <a:blip r:embed="rId3">
+            <a:extLst>
+              <a:ext uri="{28A0092B-C50C-407E-A947-70E740481C1C}">
+                <a14:useLocalDpi xmlns:a14="http://schemas.microsoft.com/office/drawing/2010/main" val="0"/>
+              </a:ext>
+            </a:extLst>
+          </a:blip>
+          <a:stretch>
+            <a:fillRect/>
+          </a:stretch>
+        </p:blipFill>
+        <p:spPr bwMode="auto">
+          <a:xfrm>
+            <a:off x="2627784" y="3087624"/>
+            <a:ext cx="1536700" cy="1333500"/>
+          </a:xfrm>
+          <a:prstGeom prst="rect">
+            <a:avLst/>
+          </a:prstGeom>
+          <a:noFill/>
+          <a:ln w="9525">
+            <a:noFill/>
+            <a:miter lim="800000"/>
+            <a:headEnd/>
+            <a:tailEnd/>
+          </a:ln>
+        </p:spPr>
+      </p:pic>
+      <p:pic>
+        <p:nvPicPr>
+          <p:cNvPr id="34" name="內容版面配置區 3"/>
+          <p:cNvPicPr>
+            <a:picLocks noChangeAspect="1"/>
+          </p:cNvPicPr>
+          <p:nvPr/>
+        </p:nvPicPr>
+        <p:blipFill>
+          <a:blip r:embed="rId3">
+            <a:extLst>
+              <a:ext uri="{28A0092B-C50C-407E-A947-70E740481C1C}">
+                <a14:useLocalDpi xmlns:a14="http://schemas.microsoft.com/office/drawing/2010/main" val="0"/>
+              </a:ext>
+            </a:extLst>
+          </a:blip>
+          <a:stretch>
+            <a:fillRect/>
+          </a:stretch>
+        </p:blipFill>
+        <p:spPr bwMode="auto">
+          <a:xfrm>
+            <a:off x="4832501" y="2283243"/>
+            <a:ext cx="1536700" cy="1333500"/>
+          </a:xfrm>
+          <a:prstGeom prst="rect">
+            <a:avLst/>
+          </a:prstGeom>
+          <a:noFill/>
+          <a:ln w="9525">
+            <a:noFill/>
+            <a:miter lim="800000"/>
+            <a:headEnd/>
+            <a:tailEnd/>
+          </a:ln>
+        </p:spPr>
+      </p:pic>
+      <p:pic>
+        <p:nvPicPr>
+          <p:cNvPr id="35" name="內容版面配置區 3"/>
+          <p:cNvPicPr>
+            <a:picLocks noChangeAspect="1"/>
+          </p:cNvPicPr>
+          <p:nvPr/>
+        </p:nvPicPr>
+        <p:blipFill>
+          <a:blip r:embed="rId3">
+            <a:extLst>
+              <a:ext uri="{28A0092B-C50C-407E-A947-70E740481C1C}">
+                <a14:useLocalDpi xmlns:a14="http://schemas.microsoft.com/office/drawing/2010/main" val="0"/>
+              </a:ext>
+            </a:extLst>
+          </a:blip>
+          <a:stretch>
+            <a:fillRect/>
+          </a:stretch>
+        </p:blipFill>
+        <p:spPr bwMode="auto">
+          <a:xfrm>
+            <a:off x="2627784" y="4921176"/>
+            <a:ext cx="1536700" cy="1333500"/>
+          </a:xfrm>
+          <a:prstGeom prst="rect">
+            <a:avLst/>
+          </a:prstGeom>
+          <a:noFill/>
+          <a:ln w="9525">
+            <a:noFill/>
+            <a:miter lim="800000"/>
+            <a:headEnd/>
+            <a:tailEnd/>
+          </a:ln>
+        </p:spPr>
+      </p:pic>
+      <p:pic>
+        <p:nvPicPr>
+          <p:cNvPr id="36" name="內容版面配置區 3"/>
+          <p:cNvPicPr>
+            <a:picLocks noChangeAspect="1"/>
+          </p:cNvPicPr>
+          <p:nvPr/>
+        </p:nvPicPr>
+        <p:blipFill>
+          <a:blip r:embed="rId3">
+            <a:extLst>
+              <a:ext uri="{28A0092B-C50C-407E-A947-70E740481C1C}">
+                <a14:useLocalDpi xmlns:a14="http://schemas.microsoft.com/office/drawing/2010/main" val="0"/>
+              </a:ext>
+            </a:extLst>
+          </a:blip>
+          <a:stretch>
+            <a:fillRect/>
+          </a:stretch>
+        </p:blipFill>
+        <p:spPr bwMode="auto">
+          <a:xfrm>
+            <a:off x="4832501" y="4099068"/>
+            <a:ext cx="1536700" cy="1333500"/>
+          </a:xfrm>
+          <a:prstGeom prst="rect">
+            <a:avLst/>
+          </a:prstGeom>
+          <a:noFill/>
+          <a:ln w="9525">
+            <a:noFill/>
+            <a:miter lim="800000"/>
+            <a:headEnd/>
+            <a:tailEnd/>
+          </a:ln>
+        </p:spPr>
+      </p:pic>
+      <p:sp>
+        <p:nvSpPr>
+          <p:cNvPr id="38" name="文字方塊 37"/>
+          <p:cNvSpPr txBox="1"/>
+          <p:nvPr/>
+        </p:nvSpPr>
+        <p:spPr>
+          <a:xfrm>
+            <a:off x="5036896" y="2063458"/>
+            <a:ext cx="768159" cy="369332"/>
+          </a:xfrm>
+          <a:prstGeom prst="rect">
+            <a:avLst/>
+          </a:prstGeom>
+          <a:noFill/>
+        </p:spPr>
+        <p:txBody>
+          <a:bodyPr wrap="none" rtlCol="0">
+            <a:spAutoFit/>
+          </a:bodyPr>
+          <a:lstStyle/>
+          <a:p>
+            <a:r>
+              <a:rPr kumimoji="1" lang="en-US" altLang="zh-TW" dirty="0" smtClean="0">
+                <a:latin typeface="Times New Roman" charset="0"/>
+                <a:ea typeface="Times New Roman" charset="0"/>
+                <a:cs typeface="Times New Roman" charset="0"/>
+              </a:rPr>
+              <a:t>Peer 2</a:t>
+            </a:r>
+            <a:endParaRPr kumimoji="1" lang="zh-TW" altLang="en-US" dirty="0">
+              <a:latin typeface="Times New Roman" charset="0"/>
+              <a:ea typeface="Times New Roman" charset="0"/>
+              <a:cs typeface="Times New Roman" charset="0"/>
+            </a:endParaRPr>
+          </a:p>
+        </p:txBody>
+      </p:sp>
+      <p:sp>
+        <p:nvSpPr>
+          <p:cNvPr id="39" name="文字方塊 38"/>
+          <p:cNvSpPr txBox="1"/>
+          <p:nvPr/>
+        </p:nvSpPr>
+        <p:spPr>
+          <a:xfrm>
+            <a:off x="5036896" y="3908771"/>
+            <a:ext cx="768159" cy="369332"/>
+          </a:xfrm>
+          <a:prstGeom prst="rect">
+            <a:avLst/>
+          </a:prstGeom>
+          <a:noFill/>
+        </p:spPr>
+        <p:txBody>
+          <a:bodyPr wrap="none" rtlCol="0">
+            <a:spAutoFit/>
+          </a:bodyPr>
+          <a:lstStyle/>
+          <a:p>
+            <a:r>
+              <a:rPr kumimoji="1" lang="en-US" altLang="zh-TW" dirty="0" smtClean="0">
+                <a:latin typeface="Times New Roman" charset="0"/>
+                <a:ea typeface="Times New Roman" charset="0"/>
+                <a:cs typeface="Times New Roman" charset="0"/>
+              </a:rPr>
+              <a:t>Peer 3</a:t>
+            </a:r>
+            <a:endParaRPr kumimoji="1" lang="zh-TW" altLang="en-US" dirty="0">
+              <a:latin typeface="Times New Roman" charset="0"/>
+              <a:ea typeface="Times New Roman" charset="0"/>
+              <a:cs typeface="Times New Roman" charset="0"/>
+            </a:endParaRPr>
+          </a:p>
+        </p:txBody>
+      </p:sp>
+      <p:sp>
+        <p:nvSpPr>
+          <p:cNvPr id="40" name="文字方塊 39"/>
+          <p:cNvSpPr txBox="1"/>
+          <p:nvPr/>
+        </p:nvSpPr>
+        <p:spPr>
+          <a:xfrm>
+            <a:off x="2555201" y="4736510"/>
+            <a:ext cx="768159" cy="369332"/>
+          </a:xfrm>
+          <a:prstGeom prst="rect">
+            <a:avLst/>
+          </a:prstGeom>
+          <a:noFill/>
+        </p:spPr>
+        <p:txBody>
+          <a:bodyPr wrap="none" rtlCol="0">
+            <a:spAutoFit/>
+          </a:bodyPr>
+          <a:lstStyle/>
+          <a:p>
+            <a:r>
+              <a:rPr kumimoji="1" lang="en-US" altLang="zh-TW" dirty="0" smtClean="0">
+                <a:latin typeface="Times New Roman" charset="0"/>
+                <a:ea typeface="Times New Roman" charset="0"/>
+                <a:cs typeface="Times New Roman" charset="0"/>
+              </a:rPr>
+              <a:t>Peer 4</a:t>
+            </a:r>
+            <a:endParaRPr kumimoji="1" lang="zh-TW" altLang="en-US" dirty="0">
+              <a:latin typeface="Times New Roman" charset="0"/>
+              <a:ea typeface="Times New Roman" charset="0"/>
+              <a:cs typeface="Times New Roman" charset="0"/>
+            </a:endParaRPr>
+          </a:p>
+        </p:txBody>
+      </p:sp>
+      <p:sp>
+        <p:nvSpPr>
+          <p:cNvPr id="41" name="文字方塊 40"/>
+          <p:cNvSpPr txBox="1"/>
+          <p:nvPr/>
+        </p:nvSpPr>
+        <p:spPr>
+          <a:xfrm>
+            <a:off x="2555202" y="2862263"/>
+            <a:ext cx="768159" cy="369332"/>
+          </a:xfrm>
+          <a:prstGeom prst="rect">
+            <a:avLst/>
+          </a:prstGeom>
+          <a:noFill/>
+        </p:spPr>
+        <p:txBody>
+          <a:bodyPr wrap="none" rtlCol="0">
+            <a:spAutoFit/>
+          </a:bodyPr>
+          <a:lstStyle/>
+          <a:p>
+            <a:r>
+              <a:rPr kumimoji="1" lang="en-US" altLang="zh-TW" dirty="0" smtClean="0">
+                <a:latin typeface="Times New Roman" charset="0"/>
+                <a:ea typeface="Times New Roman" charset="0"/>
+                <a:cs typeface="Times New Roman" charset="0"/>
+              </a:rPr>
+              <a:t>Peer 5</a:t>
+            </a:r>
+            <a:endParaRPr kumimoji="1" lang="zh-TW" altLang="en-US" dirty="0">
+              <a:latin typeface="Times New Roman" charset="0"/>
+              <a:ea typeface="Times New Roman" charset="0"/>
+              <a:cs typeface="Times New Roman" charset="0"/>
+            </a:endParaRPr>
+          </a:p>
+        </p:txBody>
+      </p:sp>
+      <p:sp>
+        <p:nvSpPr>
+          <p:cNvPr id="44" name="文字方塊 43"/>
+          <p:cNvSpPr txBox="1"/>
+          <p:nvPr/>
+        </p:nvSpPr>
+        <p:spPr>
+          <a:xfrm>
+            <a:off x="2555200" y="910864"/>
+            <a:ext cx="768159" cy="369332"/>
+          </a:xfrm>
+          <a:prstGeom prst="rect">
+            <a:avLst/>
+          </a:prstGeom>
+          <a:noFill/>
+        </p:spPr>
+        <p:txBody>
+          <a:bodyPr wrap="none" rtlCol="0">
+            <a:spAutoFit/>
+          </a:bodyPr>
+          <a:lstStyle/>
+          <a:p>
+            <a:r>
+              <a:rPr kumimoji="1" lang="en-US" altLang="zh-TW" dirty="0" smtClean="0">
+                <a:latin typeface="Times New Roman" charset="0"/>
+                <a:ea typeface="Times New Roman" charset="0"/>
+                <a:cs typeface="Times New Roman" charset="0"/>
+              </a:rPr>
+              <a:t>Peer 1</a:t>
+            </a:r>
+            <a:endParaRPr kumimoji="1" lang="zh-TW" altLang="en-US" dirty="0">
+              <a:latin typeface="Times New Roman" charset="0"/>
+              <a:ea typeface="Times New Roman" charset="0"/>
+              <a:cs typeface="Times New Roman" charset="0"/>
+            </a:endParaRPr>
+          </a:p>
+        </p:txBody>
+      </p:sp>
+    </p:spTree>
+    <p:extLst>
+      <p:ext uri="{BB962C8B-B14F-4D97-AF65-F5344CB8AC3E}">
+        <p14:creationId xmlns:p14="http://schemas.microsoft.com/office/powerpoint/2010/main" val="671499515"/>
+      </p:ext>
+    </p:extLst>
+  </p:cSld>
+  <p:clrMapOvr>
+    <a:masterClrMapping/>
+  </p:clrMapOvr>
+  <p:timing>
+    <p:tnLst>
+      <p:par>
+        <p:cTn id="1" dur="indefinite" restart="never" nodeType="tmRoot"/>
+      </p:par>
+    </p:tnLst>
+  </p:timing>
+</p:sld>
+</file>
+
+<file path=ppt/slides/slide12.xml><?xml version="1.0" encoding="utf-8"?>
+<p:sld xmlns:a="http://schemas.openxmlformats.org/drawingml/2006/main" xmlns:r="http://schemas.openxmlformats.org/officeDocument/2006/relationships" xmlns:p="http://schemas.openxmlformats.org/presentationml/2006/main">
+  <p:cSld>
+    <p:spTree>
+      <p:nvGrpSpPr>
+        <p:cNvPr id="1" name=""/>
+        <p:cNvGrpSpPr/>
+        <p:nvPr/>
+      </p:nvGrpSpPr>
+      <p:grpSpPr>
+        <a:xfrm>
+          <a:off x="0" y="0"/>
+          <a:ext cx="0" cy="0"/>
+          <a:chOff x="0" y="0"/>
+          <a:chExt cx="0" cy="0"/>
+        </a:xfrm>
+      </p:grpSpPr>
+      <p:sp>
+        <p:nvSpPr>
+          <p:cNvPr id="2" name="標題 1"/>
+          <p:cNvSpPr>
+            <a:spLocks noGrp="1"/>
+          </p:cNvSpPr>
+          <p:nvPr>
+            <p:ph type="title"/>
+          </p:nvPr>
+        </p:nvSpPr>
+        <p:spPr/>
+        <p:txBody>
+          <a:bodyPr/>
+          <a:lstStyle/>
+          <a:p>
+            <a:r>
+              <a:rPr kumimoji="1" lang="en-US" altLang="zh-TW" dirty="0" smtClean="0"/>
+              <a:t>How do </a:t>
+            </a:r>
+            <a:r>
+              <a:rPr kumimoji="1" lang="en-US" altLang="zh-TW" dirty="0" err="1" smtClean="0"/>
+              <a:t>BitTorrent</a:t>
+            </a:r>
+            <a:r>
+              <a:rPr kumimoji="1" lang="en-US" altLang="zh-TW" dirty="0" smtClean="0"/>
+              <a:t> work?</a:t>
+            </a:r>
+            <a:endParaRPr kumimoji="1" lang="zh-TW" altLang="en-US" dirty="0"/>
+          </a:p>
+        </p:txBody>
+      </p:sp>
+      <p:sp>
+        <p:nvSpPr>
+          <p:cNvPr id="5" name="投影片編號版面配置區 4"/>
+          <p:cNvSpPr>
+            <a:spLocks noGrp="1"/>
+          </p:cNvSpPr>
+          <p:nvPr>
+            <p:ph type="sldNum" sz="quarter" idx="12"/>
+          </p:nvPr>
+        </p:nvSpPr>
+        <p:spPr/>
+        <p:txBody>
+          <a:bodyPr/>
+          <a:lstStyle/>
+          <a:p>
+            <a:pPr>
+              <a:defRPr/>
+            </a:pPr>
+            <a:fld id="{7823135A-D7F7-45E8-89D0-FF7E75BBDD99}" type="slidenum">
+              <a:rPr lang="en-US" altLang="zh-TW" smtClean="0"/>
+              <a:pPr>
+                <a:defRPr/>
+              </a:pPr>
+              <a:t>12</a:t>
+            </a:fld>
+            <a:endParaRPr lang="en-US" altLang="zh-TW"/>
+          </a:p>
+        </p:txBody>
+      </p:sp>
+      <p:sp>
+        <p:nvSpPr>
+          <p:cNvPr id="6" name="頁尾版面配置區 5"/>
+          <p:cNvSpPr>
+            <a:spLocks noGrp="1"/>
+          </p:cNvSpPr>
+          <p:nvPr>
+            <p:ph type="ftr" sz="quarter" idx="11"/>
+          </p:nvPr>
+        </p:nvSpPr>
+        <p:spPr>
+          <a:xfrm>
+            <a:off x="5943600" y="6512768"/>
+            <a:ext cx="2895600" cy="228600"/>
+          </a:xfrm>
+        </p:spPr>
+        <p:txBody>
+          <a:bodyPr/>
+          <a:lstStyle/>
+          <a:p>
+            <a:pPr>
+              <a:defRPr/>
+            </a:pPr>
+            <a:r>
+              <a:rPr lang="en-US" altLang="zh-TW" dirty="0" smtClean="0"/>
+              <a:t>Performance Evaluation 2016 Spring</a:t>
+            </a:r>
+            <a:endParaRPr lang="en-US" altLang="zh-TW" dirty="0"/>
+          </a:p>
+        </p:txBody>
+      </p:sp>
+      <p:pic>
+        <p:nvPicPr>
+          <p:cNvPr id="12" name="圖片 11"/>
+          <p:cNvPicPr>
+            <a:picLocks noChangeAspect="1"/>
+          </p:cNvPicPr>
+          <p:nvPr/>
+        </p:nvPicPr>
+        <p:blipFill>
+          <a:blip r:embed="rId2">
+            <a:extLst>
+              <a:ext uri="{28A0092B-C50C-407E-A947-70E740481C1C}">
+                <a14:useLocalDpi xmlns:a14="http://schemas.microsoft.com/office/drawing/2010/main" val="0"/>
+              </a:ext>
+            </a:extLst>
+          </a:blip>
+          <a:stretch>
+            <a:fillRect/>
+          </a:stretch>
+        </p:blipFill>
+        <p:spPr>
+          <a:xfrm>
+            <a:off x="575812" y="1862555"/>
+            <a:ext cx="1062070" cy="1272575"/>
+          </a:xfrm>
+          <a:prstGeom prst="rect">
+            <a:avLst/>
+          </a:prstGeom>
+        </p:spPr>
+      </p:pic>
+      <p:pic>
+        <p:nvPicPr>
+          <p:cNvPr id="13" name="圖片 12"/>
+          <p:cNvPicPr>
+            <a:picLocks noChangeAspect="1"/>
+          </p:cNvPicPr>
+          <p:nvPr/>
+        </p:nvPicPr>
+        <p:blipFill>
+          <a:blip r:embed="rId2">
+            <a:extLst>
+              <a:ext uri="{28A0092B-C50C-407E-A947-70E740481C1C}">
+                <a14:useLocalDpi xmlns:a14="http://schemas.microsoft.com/office/drawing/2010/main" val="0"/>
+              </a:ext>
+            </a:extLst>
+          </a:blip>
+          <a:stretch>
+            <a:fillRect/>
+          </a:stretch>
+        </p:blipFill>
+        <p:spPr>
+          <a:xfrm>
+            <a:off x="575812" y="4143057"/>
+            <a:ext cx="1062070" cy="1272575"/>
+          </a:xfrm>
+          <a:prstGeom prst="rect">
+            <a:avLst/>
+          </a:prstGeom>
+        </p:spPr>
+      </p:pic>
+      <p:sp>
+        <p:nvSpPr>
+          <p:cNvPr id="19" name="文字方塊 18"/>
+          <p:cNvSpPr txBox="1"/>
+          <p:nvPr/>
+        </p:nvSpPr>
+        <p:spPr>
+          <a:xfrm>
+            <a:off x="575812" y="5467420"/>
+            <a:ext cx="894732" cy="369332"/>
+          </a:xfrm>
+          <a:prstGeom prst="rect">
+            <a:avLst/>
+          </a:prstGeom>
+          <a:noFill/>
+        </p:spPr>
+        <p:txBody>
+          <a:bodyPr wrap="none" rtlCol="0">
+            <a:spAutoFit/>
+          </a:bodyPr>
+          <a:lstStyle/>
+          <a:p>
+            <a:r>
+              <a:rPr kumimoji="1" lang="en-US" altLang="zh-TW" dirty="0" smtClean="0">
+                <a:latin typeface="Times New Roman" charset="0"/>
+                <a:ea typeface="Times New Roman" charset="0"/>
+                <a:cs typeface="Times New Roman" charset="0"/>
+              </a:rPr>
+              <a:t>Tracker</a:t>
+            </a:r>
+            <a:endParaRPr kumimoji="1" lang="zh-TW" altLang="en-US" dirty="0">
+              <a:latin typeface="Times New Roman" charset="0"/>
+              <a:ea typeface="Times New Roman" charset="0"/>
+              <a:cs typeface="Times New Roman" charset="0"/>
+            </a:endParaRPr>
+          </a:p>
+        </p:txBody>
+      </p:sp>
+      <p:sp>
+        <p:nvSpPr>
+          <p:cNvPr id="20" name="文字方塊 19"/>
+          <p:cNvSpPr txBox="1"/>
+          <p:nvPr/>
+        </p:nvSpPr>
+        <p:spPr>
+          <a:xfrm>
+            <a:off x="475520" y="3152066"/>
+            <a:ext cx="1262653" cy="369332"/>
+          </a:xfrm>
+          <a:prstGeom prst="rect">
+            <a:avLst/>
+          </a:prstGeom>
+          <a:noFill/>
+        </p:spPr>
+        <p:txBody>
+          <a:bodyPr wrap="none" rtlCol="0">
+            <a:spAutoFit/>
+          </a:bodyPr>
+          <a:lstStyle/>
+          <a:p>
+            <a:r>
+              <a:rPr lang="en-US" altLang="zh-TW" smtClean="0">
+                <a:latin typeface="Times New Roman" charset="0"/>
+                <a:ea typeface="Times New Roman" charset="0"/>
+                <a:cs typeface="Times New Roman" charset="0"/>
+              </a:rPr>
+              <a:t>Web Server</a:t>
+            </a:r>
+            <a:endParaRPr kumimoji="1" lang="zh-TW" altLang="en-US" dirty="0">
+              <a:latin typeface="Times New Roman" charset="0"/>
+              <a:ea typeface="Times New Roman" charset="0"/>
+              <a:cs typeface="Times New Roman" charset="0"/>
+            </a:endParaRPr>
+          </a:p>
+        </p:txBody>
+      </p:sp>
+      <p:cxnSp>
+        <p:nvCxnSpPr>
+          <p:cNvPr id="25" name="直線箭頭接點 24"/>
+          <p:cNvCxnSpPr>
+            <a:stCxn id="13" idx="3"/>
+            <a:endCxn id="47" idx="1"/>
+          </p:cNvCxnSpPr>
+          <p:nvPr/>
+        </p:nvCxnSpPr>
+        <p:spPr bwMode="auto">
+          <a:xfrm flipV="1">
+            <a:off x="1637882" y="3754374"/>
+            <a:ext cx="989902" cy="1024971"/>
+          </a:xfrm>
+          <a:prstGeom prst="straightConnector1">
+            <a:avLst/>
+          </a:prstGeom>
+          <a:solidFill>
+            <a:schemeClr val="accent1"/>
+          </a:solidFill>
+          <a:ln w="9525" cap="flat" cmpd="sng" algn="ctr">
+            <a:solidFill>
+              <a:schemeClr val="tx1"/>
+            </a:solidFill>
+            <a:prstDash val="solid"/>
+            <a:round/>
+            <a:headEnd type="none" w="med" len="med"/>
+            <a:tailEnd type="triangle"/>
+          </a:ln>
+          <a:effectLst/>
+        </p:spPr>
+      </p:cxnSp>
+      <p:sp>
+        <p:nvSpPr>
+          <p:cNvPr id="28" name="文字方塊 27"/>
+          <p:cNvSpPr txBox="1"/>
+          <p:nvPr/>
+        </p:nvSpPr>
+        <p:spPr>
+          <a:xfrm>
+            <a:off x="6415583" y="2215932"/>
+            <a:ext cx="2717411" cy="646331"/>
+          </a:xfrm>
+          <a:prstGeom prst="rect">
+            <a:avLst/>
+          </a:prstGeom>
+          <a:noFill/>
+        </p:spPr>
+        <p:txBody>
+          <a:bodyPr wrap="none" rtlCol="0">
+            <a:spAutoFit/>
+          </a:bodyPr>
+          <a:lstStyle/>
+          <a:p>
+            <a:pPr marL="285750" indent="-285750">
+              <a:buFont typeface="Wingdings" charset="2"/>
+              <a:buChar char="Ø"/>
+            </a:pPr>
+            <a:r>
+              <a:rPr kumimoji="1" lang="en-US" altLang="zh-TW" dirty="0" smtClean="0">
+                <a:latin typeface="Times New Roman" charset="0"/>
+                <a:ea typeface="Times New Roman" charset="0"/>
+                <a:cs typeface="Times New Roman" charset="0"/>
+              </a:rPr>
+              <a:t>Peer 5 joins the</a:t>
+            </a:r>
+            <a:r>
+              <a:rPr lang="en-US" altLang="zh-TW" dirty="0">
+                <a:latin typeface="Times New Roman" charset="0"/>
+                <a:ea typeface="Times New Roman" charset="0"/>
+                <a:cs typeface="Times New Roman" charset="0"/>
+              </a:rPr>
+              <a:t> </a:t>
+            </a:r>
+            <a:r>
+              <a:rPr kumimoji="1" lang="en-US" altLang="zh-TW" dirty="0" smtClean="0">
+                <a:latin typeface="Times New Roman" charset="0"/>
+                <a:ea typeface="Times New Roman" charset="0"/>
+                <a:cs typeface="Times New Roman" charset="0"/>
+              </a:rPr>
+              <a:t>network</a:t>
+            </a:r>
+            <a:br>
+              <a:rPr kumimoji="1" lang="en-US" altLang="zh-TW" dirty="0" smtClean="0">
+                <a:latin typeface="Times New Roman" charset="0"/>
+                <a:ea typeface="Times New Roman" charset="0"/>
+                <a:cs typeface="Times New Roman" charset="0"/>
+              </a:rPr>
+            </a:br>
+            <a:r>
+              <a:rPr kumimoji="1" lang="en-US" altLang="zh-TW" dirty="0" smtClean="0">
+                <a:latin typeface="Times New Roman" charset="0"/>
+                <a:ea typeface="Times New Roman" charset="0"/>
+                <a:cs typeface="Times New Roman" charset="0"/>
+              </a:rPr>
+              <a:t>to download the file.</a:t>
+            </a:r>
+            <a:endParaRPr kumimoji="1" lang="zh-TW" altLang="en-US" dirty="0">
+              <a:latin typeface="Times New Roman" charset="0"/>
+              <a:ea typeface="Times New Roman" charset="0"/>
+              <a:cs typeface="Times New Roman" charset="0"/>
+            </a:endParaRPr>
+          </a:p>
+        </p:txBody>
+      </p:sp>
+      <p:sp>
+        <p:nvSpPr>
+          <p:cNvPr id="29" name="文字方塊 28"/>
+          <p:cNvSpPr txBox="1"/>
+          <p:nvPr/>
+        </p:nvSpPr>
+        <p:spPr>
+          <a:xfrm>
+            <a:off x="6415582" y="989350"/>
+            <a:ext cx="2736647" cy="1200329"/>
+          </a:xfrm>
+          <a:prstGeom prst="rect">
+            <a:avLst/>
+          </a:prstGeom>
+          <a:noFill/>
+        </p:spPr>
+        <p:txBody>
+          <a:bodyPr wrap="none" rtlCol="0">
+            <a:spAutoFit/>
+          </a:bodyPr>
+          <a:lstStyle/>
+          <a:p>
+            <a:pPr marL="285750" indent="-285750">
+              <a:buFont typeface="Wingdings" charset="2"/>
+              <a:buChar char="Ø"/>
+            </a:pPr>
+            <a:r>
+              <a:rPr lang="en-US" altLang="zh-TW" dirty="0" smtClean="0">
+                <a:latin typeface="Times New Roman" charset="0"/>
+                <a:ea typeface="Times New Roman" charset="0"/>
+                <a:cs typeface="Times New Roman" charset="0"/>
+              </a:rPr>
+              <a:t>In this network, there</a:t>
+            </a:r>
+            <a:br>
+              <a:rPr lang="en-US" altLang="zh-TW" dirty="0" smtClean="0">
+                <a:latin typeface="Times New Roman" charset="0"/>
+                <a:ea typeface="Times New Roman" charset="0"/>
+                <a:cs typeface="Times New Roman" charset="0"/>
+              </a:rPr>
+            </a:br>
+            <a:r>
+              <a:rPr lang="en-US" altLang="zh-TW" dirty="0" smtClean="0">
+                <a:latin typeface="Times New Roman" charset="0"/>
+                <a:ea typeface="Times New Roman" charset="0"/>
+                <a:cs typeface="Times New Roman" charset="0"/>
+              </a:rPr>
+              <a:t>are 4 peers downloading</a:t>
+            </a:r>
+            <a:br>
+              <a:rPr lang="en-US" altLang="zh-TW" dirty="0" smtClean="0">
+                <a:latin typeface="Times New Roman" charset="0"/>
+                <a:ea typeface="Times New Roman" charset="0"/>
+                <a:cs typeface="Times New Roman" charset="0"/>
+              </a:rPr>
+            </a:br>
+            <a:r>
+              <a:rPr lang="en-US" altLang="zh-TW" dirty="0" smtClean="0">
+                <a:latin typeface="Times New Roman" charset="0"/>
+                <a:ea typeface="Times New Roman" charset="0"/>
+                <a:cs typeface="Times New Roman" charset="0"/>
+              </a:rPr>
+              <a:t>pieces of the file of</a:t>
+            </a:r>
+            <a:br>
+              <a:rPr lang="en-US" altLang="zh-TW" dirty="0" smtClean="0">
+                <a:latin typeface="Times New Roman" charset="0"/>
+                <a:ea typeface="Times New Roman" charset="0"/>
+                <a:cs typeface="Times New Roman" charset="0"/>
+              </a:rPr>
+            </a:br>
+            <a:r>
+              <a:rPr lang="en-US" altLang="zh-TW" dirty="0" smtClean="0">
+                <a:latin typeface="Times New Roman" charset="0"/>
+                <a:ea typeface="Times New Roman" charset="0"/>
+                <a:cs typeface="Times New Roman" charset="0"/>
+              </a:rPr>
+              <a:t>interest.</a:t>
+            </a:r>
+            <a:endParaRPr kumimoji="1" lang="zh-TW" altLang="en-US" dirty="0">
+              <a:latin typeface="Times New Roman" charset="0"/>
+              <a:ea typeface="Times New Roman" charset="0"/>
+              <a:cs typeface="Times New Roman" charset="0"/>
+            </a:endParaRPr>
+          </a:p>
+        </p:txBody>
+      </p:sp>
+      <p:sp>
+        <p:nvSpPr>
+          <p:cNvPr id="30" name="文字方塊 29"/>
+          <p:cNvSpPr txBox="1"/>
+          <p:nvPr/>
+        </p:nvSpPr>
+        <p:spPr>
+          <a:xfrm>
+            <a:off x="6415582" y="2892097"/>
+            <a:ext cx="2358338" cy="923330"/>
+          </a:xfrm>
+          <a:prstGeom prst="rect">
+            <a:avLst/>
+          </a:prstGeom>
+          <a:noFill/>
+        </p:spPr>
+        <p:txBody>
+          <a:bodyPr wrap="none" rtlCol="0">
+            <a:spAutoFit/>
+          </a:bodyPr>
+          <a:lstStyle/>
+          <a:p>
+            <a:pPr marL="285750" indent="-285750">
+              <a:buFont typeface="Wingdings" charset="2"/>
+              <a:buChar char="Ø"/>
+            </a:pPr>
+            <a:r>
+              <a:rPr lang="en-US" altLang="zh-TW" dirty="0" smtClean="0">
+                <a:latin typeface="Times New Roman" charset="0"/>
+                <a:ea typeface="Times New Roman" charset="0"/>
+                <a:cs typeface="Times New Roman" charset="0"/>
+              </a:rPr>
+              <a:t>It first downloads a</a:t>
+            </a:r>
+            <a:br>
+              <a:rPr lang="en-US" altLang="zh-TW" dirty="0" smtClean="0">
+                <a:latin typeface="Times New Roman" charset="0"/>
+                <a:ea typeface="Times New Roman" charset="0"/>
+                <a:cs typeface="Times New Roman" charset="0"/>
+              </a:rPr>
+            </a:br>
+            <a:r>
+              <a:rPr lang="en-US" altLang="zh-TW" dirty="0" smtClean="0">
+                <a:latin typeface="Times New Roman" charset="0"/>
+                <a:ea typeface="Times New Roman" charset="0"/>
+                <a:cs typeface="Times New Roman" charset="0"/>
+              </a:rPr>
+              <a:t>.torrent file from the</a:t>
+            </a:r>
+            <a:br>
+              <a:rPr lang="en-US" altLang="zh-TW" dirty="0" smtClean="0">
+                <a:latin typeface="Times New Roman" charset="0"/>
+                <a:ea typeface="Times New Roman" charset="0"/>
+                <a:cs typeface="Times New Roman" charset="0"/>
+              </a:rPr>
+            </a:br>
+            <a:r>
+              <a:rPr lang="en-US" altLang="zh-TW" dirty="0" smtClean="0">
+                <a:latin typeface="Times New Roman" charset="0"/>
+                <a:ea typeface="Times New Roman" charset="0"/>
+                <a:cs typeface="Times New Roman" charset="0"/>
+              </a:rPr>
+              <a:t>web </a:t>
+            </a:r>
+            <a:r>
+              <a:rPr lang="en-US" altLang="zh-TW" dirty="0">
+                <a:latin typeface="Times New Roman" charset="0"/>
+                <a:ea typeface="Times New Roman" charset="0"/>
+                <a:cs typeface="Times New Roman" charset="0"/>
+              </a:rPr>
+              <a:t>s</a:t>
+            </a:r>
+            <a:r>
+              <a:rPr lang="en-US" altLang="zh-TW" dirty="0" smtClean="0">
+                <a:latin typeface="Times New Roman" charset="0"/>
+                <a:ea typeface="Times New Roman" charset="0"/>
+                <a:cs typeface="Times New Roman" charset="0"/>
+              </a:rPr>
+              <a:t>erver.</a:t>
+            </a:r>
+            <a:endParaRPr kumimoji="1" lang="zh-TW" altLang="en-US" dirty="0">
+              <a:latin typeface="Times New Roman" charset="0"/>
+              <a:ea typeface="Times New Roman" charset="0"/>
+              <a:cs typeface="Times New Roman" charset="0"/>
+            </a:endParaRPr>
+          </a:p>
+        </p:txBody>
+      </p:sp>
+      <p:sp>
+        <p:nvSpPr>
+          <p:cNvPr id="31" name="文字方塊 30"/>
+          <p:cNvSpPr txBox="1"/>
+          <p:nvPr/>
+        </p:nvSpPr>
+        <p:spPr>
+          <a:xfrm>
+            <a:off x="6401830" y="3850063"/>
+            <a:ext cx="2608406" cy="646331"/>
+          </a:xfrm>
+          <a:prstGeom prst="rect">
+            <a:avLst/>
+          </a:prstGeom>
+          <a:noFill/>
+        </p:spPr>
+        <p:txBody>
+          <a:bodyPr wrap="none" rtlCol="0">
+            <a:spAutoFit/>
+          </a:bodyPr>
+          <a:lstStyle/>
+          <a:p>
+            <a:pPr marL="285750" indent="-285750">
+              <a:buFont typeface="Wingdings" charset="2"/>
+              <a:buChar char="Ø"/>
+            </a:pPr>
+            <a:r>
+              <a:rPr lang="en-US" altLang="zh-TW" dirty="0" smtClean="0">
+                <a:latin typeface="Times New Roman" charset="0"/>
+                <a:ea typeface="Times New Roman" charset="0"/>
+                <a:cs typeface="Times New Roman" charset="0"/>
+              </a:rPr>
+              <a:t>Next, it connects to the</a:t>
+            </a:r>
+            <a:br>
+              <a:rPr lang="en-US" altLang="zh-TW" dirty="0" smtClean="0">
+                <a:latin typeface="Times New Roman" charset="0"/>
+                <a:ea typeface="Times New Roman" charset="0"/>
+                <a:cs typeface="Times New Roman" charset="0"/>
+              </a:rPr>
+            </a:br>
+            <a:r>
+              <a:rPr lang="en-US" altLang="zh-TW" dirty="0" smtClean="0">
+                <a:latin typeface="Times New Roman" charset="0"/>
+                <a:ea typeface="Times New Roman" charset="0"/>
+                <a:cs typeface="Times New Roman" charset="0"/>
+              </a:rPr>
+              <a:t>tracker.</a:t>
+            </a:r>
+            <a:endParaRPr kumimoji="1" lang="zh-TW" altLang="en-US" dirty="0">
+              <a:latin typeface="Times New Roman" charset="0"/>
+              <a:ea typeface="Times New Roman" charset="0"/>
+              <a:cs typeface="Times New Roman" charset="0"/>
+            </a:endParaRPr>
+          </a:p>
+        </p:txBody>
+      </p:sp>
+      <p:sp>
+        <p:nvSpPr>
+          <p:cNvPr id="32" name="文字方塊 31"/>
+          <p:cNvSpPr txBox="1"/>
+          <p:nvPr/>
+        </p:nvSpPr>
+        <p:spPr>
+          <a:xfrm>
+            <a:off x="6377810" y="4517845"/>
+            <a:ext cx="2569934" cy="646331"/>
+          </a:xfrm>
+          <a:prstGeom prst="rect">
+            <a:avLst/>
+          </a:prstGeom>
+          <a:noFill/>
+        </p:spPr>
+        <p:txBody>
+          <a:bodyPr wrap="none" rtlCol="0">
+            <a:spAutoFit/>
+          </a:bodyPr>
+          <a:lstStyle/>
+          <a:p>
+            <a:pPr marL="285750" indent="-285750">
+              <a:buFont typeface="Wingdings" charset="2"/>
+              <a:buChar char="Ø"/>
+            </a:pPr>
+            <a:r>
+              <a:rPr lang="en-US" altLang="zh-TW" dirty="0" smtClean="0">
+                <a:latin typeface="Times New Roman" charset="0"/>
+                <a:ea typeface="Times New Roman" charset="0"/>
+                <a:cs typeface="Times New Roman" charset="0"/>
+              </a:rPr>
+              <a:t>The tracker returns the</a:t>
+            </a:r>
+            <a:br>
+              <a:rPr lang="en-US" altLang="zh-TW" dirty="0" smtClean="0">
+                <a:latin typeface="Times New Roman" charset="0"/>
+                <a:ea typeface="Times New Roman" charset="0"/>
+                <a:cs typeface="Times New Roman" charset="0"/>
+              </a:rPr>
+            </a:br>
+            <a:r>
+              <a:rPr lang="en-US" altLang="zh-TW" dirty="0" smtClean="0">
+                <a:latin typeface="Times New Roman" charset="0"/>
+                <a:ea typeface="Times New Roman" charset="0"/>
+                <a:cs typeface="Times New Roman" charset="0"/>
+              </a:rPr>
+              <a:t>peer information.</a:t>
+            </a:r>
+            <a:endParaRPr kumimoji="1" lang="zh-TW" altLang="en-US" dirty="0">
+              <a:latin typeface="Times New Roman" charset="0"/>
+              <a:ea typeface="Times New Roman" charset="0"/>
+              <a:cs typeface="Times New Roman" charset="0"/>
+            </a:endParaRPr>
+          </a:p>
+        </p:txBody>
+      </p:sp>
+      <p:pic>
+        <p:nvPicPr>
+          <p:cNvPr id="46" name="內容版面配置區 3"/>
+          <p:cNvPicPr>
+            <a:picLocks noChangeAspect="1"/>
+          </p:cNvPicPr>
+          <p:nvPr/>
+        </p:nvPicPr>
+        <p:blipFill>
+          <a:blip r:embed="rId3">
+            <a:extLst>
+              <a:ext uri="{28A0092B-C50C-407E-A947-70E740481C1C}">
+                <a14:useLocalDpi xmlns:a14="http://schemas.microsoft.com/office/drawing/2010/main" val="0"/>
+              </a:ext>
+            </a:extLst>
+          </a:blip>
+          <a:stretch>
+            <a:fillRect/>
+          </a:stretch>
+        </p:blipFill>
+        <p:spPr bwMode="auto">
+          <a:xfrm>
+            <a:off x="2627784" y="1117104"/>
+            <a:ext cx="1536700" cy="1333500"/>
+          </a:xfrm>
+          <a:prstGeom prst="rect">
+            <a:avLst/>
+          </a:prstGeom>
+          <a:noFill/>
+          <a:ln w="9525">
+            <a:noFill/>
+            <a:miter lim="800000"/>
+            <a:headEnd/>
+            <a:tailEnd/>
+          </a:ln>
+        </p:spPr>
+      </p:pic>
+      <p:pic>
+        <p:nvPicPr>
+          <p:cNvPr id="47" name="內容版面配置區 3"/>
+          <p:cNvPicPr>
+            <a:picLocks noChangeAspect="1"/>
+          </p:cNvPicPr>
+          <p:nvPr/>
+        </p:nvPicPr>
+        <p:blipFill>
+          <a:blip r:embed="rId3">
+            <a:extLst>
+              <a:ext uri="{28A0092B-C50C-407E-A947-70E740481C1C}">
+                <a14:useLocalDpi xmlns:a14="http://schemas.microsoft.com/office/drawing/2010/main" val="0"/>
+              </a:ext>
+            </a:extLst>
+          </a:blip>
+          <a:stretch>
+            <a:fillRect/>
+          </a:stretch>
+        </p:blipFill>
+        <p:spPr bwMode="auto">
+          <a:xfrm>
+            <a:off x="2627784" y="3087624"/>
+            <a:ext cx="1536700" cy="1333500"/>
+          </a:xfrm>
+          <a:prstGeom prst="rect">
+            <a:avLst/>
+          </a:prstGeom>
+          <a:noFill/>
+          <a:ln w="9525">
+            <a:noFill/>
+            <a:miter lim="800000"/>
+            <a:headEnd/>
+            <a:tailEnd/>
+          </a:ln>
+        </p:spPr>
+      </p:pic>
+      <p:pic>
+        <p:nvPicPr>
+          <p:cNvPr id="48" name="內容版面配置區 3"/>
+          <p:cNvPicPr>
+            <a:picLocks noChangeAspect="1"/>
+          </p:cNvPicPr>
+          <p:nvPr/>
+        </p:nvPicPr>
+        <p:blipFill>
+          <a:blip r:embed="rId3">
+            <a:extLst>
+              <a:ext uri="{28A0092B-C50C-407E-A947-70E740481C1C}">
+                <a14:useLocalDpi xmlns:a14="http://schemas.microsoft.com/office/drawing/2010/main" val="0"/>
+              </a:ext>
+            </a:extLst>
+          </a:blip>
+          <a:stretch>
+            <a:fillRect/>
+          </a:stretch>
+        </p:blipFill>
+        <p:spPr bwMode="auto">
+          <a:xfrm>
+            <a:off x="4832501" y="2283243"/>
+            <a:ext cx="1536700" cy="1333500"/>
+          </a:xfrm>
+          <a:prstGeom prst="rect">
+            <a:avLst/>
+          </a:prstGeom>
+          <a:noFill/>
+          <a:ln w="9525">
+            <a:noFill/>
+            <a:miter lim="800000"/>
+            <a:headEnd/>
+            <a:tailEnd/>
+          </a:ln>
+        </p:spPr>
+      </p:pic>
+      <p:pic>
+        <p:nvPicPr>
+          <p:cNvPr id="49" name="內容版面配置區 3"/>
+          <p:cNvPicPr>
+            <a:picLocks noChangeAspect="1"/>
+          </p:cNvPicPr>
+          <p:nvPr/>
+        </p:nvPicPr>
+        <p:blipFill>
+          <a:blip r:embed="rId3">
+            <a:extLst>
+              <a:ext uri="{28A0092B-C50C-407E-A947-70E740481C1C}">
+                <a14:useLocalDpi xmlns:a14="http://schemas.microsoft.com/office/drawing/2010/main" val="0"/>
+              </a:ext>
+            </a:extLst>
+          </a:blip>
+          <a:stretch>
+            <a:fillRect/>
+          </a:stretch>
+        </p:blipFill>
+        <p:spPr bwMode="auto">
+          <a:xfrm>
+            <a:off x="2627784" y="4921176"/>
+            <a:ext cx="1536700" cy="1333500"/>
+          </a:xfrm>
+          <a:prstGeom prst="rect">
+            <a:avLst/>
+          </a:prstGeom>
+          <a:noFill/>
+          <a:ln w="9525">
+            <a:noFill/>
+            <a:miter lim="800000"/>
+            <a:headEnd/>
+            <a:tailEnd/>
+          </a:ln>
+        </p:spPr>
+      </p:pic>
+      <p:pic>
+        <p:nvPicPr>
+          <p:cNvPr id="50" name="內容版面配置區 3"/>
+          <p:cNvPicPr>
+            <a:picLocks noChangeAspect="1"/>
+          </p:cNvPicPr>
+          <p:nvPr/>
+        </p:nvPicPr>
+        <p:blipFill>
+          <a:blip r:embed="rId3">
+            <a:extLst>
+              <a:ext uri="{28A0092B-C50C-407E-A947-70E740481C1C}">
+                <a14:useLocalDpi xmlns:a14="http://schemas.microsoft.com/office/drawing/2010/main" val="0"/>
+              </a:ext>
+            </a:extLst>
+          </a:blip>
+          <a:stretch>
+            <a:fillRect/>
+          </a:stretch>
+        </p:blipFill>
+        <p:spPr bwMode="auto">
+          <a:xfrm>
+            <a:off x="4832501" y="4099068"/>
+            <a:ext cx="1536700" cy="1333500"/>
+          </a:xfrm>
+          <a:prstGeom prst="rect">
+            <a:avLst/>
+          </a:prstGeom>
+          <a:noFill/>
+          <a:ln w="9525">
+            <a:noFill/>
+            <a:miter lim="800000"/>
+            <a:headEnd/>
+            <a:tailEnd/>
+          </a:ln>
+        </p:spPr>
+      </p:pic>
+      <p:sp>
+        <p:nvSpPr>
+          <p:cNvPr id="52" name="文字方塊 51"/>
+          <p:cNvSpPr txBox="1"/>
+          <p:nvPr/>
+        </p:nvSpPr>
+        <p:spPr>
+          <a:xfrm>
+            <a:off x="5036896" y="2063458"/>
+            <a:ext cx="768159" cy="369332"/>
+          </a:xfrm>
+          <a:prstGeom prst="rect">
+            <a:avLst/>
+          </a:prstGeom>
+          <a:noFill/>
+        </p:spPr>
+        <p:txBody>
+          <a:bodyPr wrap="none" rtlCol="0">
+            <a:spAutoFit/>
+          </a:bodyPr>
+          <a:lstStyle/>
+          <a:p>
+            <a:r>
+              <a:rPr kumimoji="1" lang="en-US" altLang="zh-TW" dirty="0" smtClean="0">
+                <a:latin typeface="Times New Roman" charset="0"/>
+                <a:ea typeface="Times New Roman" charset="0"/>
+                <a:cs typeface="Times New Roman" charset="0"/>
+              </a:rPr>
+              <a:t>Peer 2</a:t>
+            </a:r>
+            <a:endParaRPr kumimoji="1" lang="zh-TW" altLang="en-US" dirty="0">
+              <a:latin typeface="Times New Roman" charset="0"/>
+              <a:ea typeface="Times New Roman" charset="0"/>
+              <a:cs typeface="Times New Roman" charset="0"/>
+            </a:endParaRPr>
+          </a:p>
+        </p:txBody>
+      </p:sp>
+      <p:sp>
+        <p:nvSpPr>
+          <p:cNvPr id="53" name="文字方塊 52"/>
+          <p:cNvSpPr txBox="1"/>
+          <p:nvPr/>
+        </p:nvSpPr>
+        <p:spPr>
+          <a:xfrm>
+            <a:off x="5036896" y="3908771"/>
+            <a:ext cx="768159" cy="369332"/>
+          </a:xfrm>
+          <a:prstGeom prst="rect">
+            <a:avLst/>
+          </a:prstGeom>
+          <a:noFill/>
+        </p:spPr>
+        <p:txBody>
+          <a:bodyPr wrap="none" rtlCol="0">
+            <a:spAutoFit/>
+          </a:bodyPr>
+          <a:lstStyle/>
+          <a:p>
+            <a:r>
+              <a:rPr kumimoji="1" lang="en-US" altLang="zh-TW" dirty="0" smtClean="0">
+                <a:latin typeface="Times New Roman" charset="0"/>
+                <a:ea typeface="Times New Roman" charset="0"/>
+                <a:cs typeface="Times New Roman" charset="0"/>
+              </a:rPr>
+              <a:t>Peer 3</a:t>
+            </a:r>
+            <a:endParaRPr kumimoji="1" lang="zh-TW" altLang="en-US" dirty="0">
+              <a:latin typeface="Times New Roman" charset="0"/>
+              <a:ea typeface="Times New Roman" charset="0"/>
+              <a:cs typeface="Times New Roman" charset="0"/>
+            </a:endParaRPr>
+          </a:p>
+        </p:txBody>
+      </p:sp>
+      <p:sp>
+        <p:nvSpPr>
+          <p:cNvPr id="54" name="文字方塊 53"/>
+          <p:cNvSpPr txBox="1"/>
+          <p:nvPr/>
+        </p:nvSpPr>
+        <p:spPr>
+          <a:xfrm>
+            <a:off x="2555201" y="4736510"/>
+            <a:ext cx="768159" cy="369332"/>
+          </a:xfrm>
+          <a:prstGeom prst="rect">
+            <a:avLst/>
+          </a:prstGeom>
+          <a:noFill/>
+        </p:spPr>
+        <p:txBody>
+          <a:bodyPr wrap="none" rtlCol="0">
+            <a:spAutoFit/>
+          </a:bodyPr>
+          <a:lstStyle/>
+          <a:p>
+            <a:r>
+              <a:rPr kumimoji="1" lang="en-US" altLang="zh-TW" dirty="0" smtClean="0">
+                <a:latin typeface="Times New Roman" charset="0"/>
+                <a:ea typeface="Times New Roman" charset="0"/>
+                <a:cs typeface="Times New Roman" charset="0"/>
+              </a:rPr>
+              <a:t>Peer 4</a:t>
+            </a:r>
+            <a:endParaRPr kumimoji="1" lang="zh-TW" altLang="en-US" dirty="0">
+              <a:latin typeface="Times New Roman" charset="0"/>
+              <a:ea typeface="Times New Roman" charset="0"/>
+              <a:cs typeface="Times New Roman" charset="0"/>
+            </a:endParaRPr>
+          </a:p>
+        </p:txBody>
+      </p:sp>
+      <p:sp>
+        <p:nvSpPr>
+          <p:cNvPr id="55" name="文字方塊 54"/>
+          <p:cNvSpPr txBox="1"/>
+          <p:nvPr/>
+        </p:nvSpPr>
+        <p:spPr>
+          <a:xfrm>
+            <a:off x="2555202" y="2862263"/>
+            <a:ext cx="768159" cy="369332"/>
+          </a:xfrm>
+          <a:prstGeom prst="rect">
+            <a:avLst/>
+          </a:prstGeom>
+          <a:noFill/>
+        </p:spPr>
+        <p:txBody>
+          <a:bodyPr wrap="none" rtlCol="0">
+            <a:spAutoFit/>
+          </a:bodyPr>
+          <a:lstStyle/>
+          <a:p>
+            <a:r>
+              <a:rPr kumimoji="1" lang="en-US" altLang="zh-TW" dirty="0" smtClean="0">
+                <a:latin typeface="Times New Roman" charset="0"/>
+                <a:ea typeface="Times New Roman" charset="0"/>
+                <a:cs typeface="Times New Roman" charset="0"/>
+              </a:rPr>
+              <a:t>Peer 5</a:t>
+            </a:r>
+            <a:endParaRPr kumimoji="1" lang="zh-TW" altLang="en-US" dirty="0">
+              <a:latin typeface="Times New Roman" charset="0"/>
+              <a:ea typeface="Times New Roman" charset="0"/>
+              <a:cs typeface="Times New Roman" charset="0"/>
+            </a:endParaRPr>
+          </a:p>
+        </p:txBody>
+      </p:sp>
+      <p:sp>
+        <p:nvSpPr>
+          <p:cNvPr id="57" name="文字方塊 56"/>
+          <p:cNvSpPr txBox="1"/>
+          <p:nvPr/>
+        </p:nvSpPr>
+        <p:spPr>
+          <a:xfrm>
+            <a:off x="2555200" y="910864"/>
+            <a:ext cx="768159" cy="369332"/>
+          </a:xfrm>
+          <a:prstGeom prst="rect">
+            <a:avLst/>
+          </a:prstGeom>
+          <a:noFill/>
+        </p:spPr>
+        <p:txBody>
+          <a:bodyPr wrap="none" rtlCol="0">
+            <a:spAutoFit/>
+          </a:bodyPr>
+          <a:lstStyle/>
+          <a:p>
+            <a:r>
+              <a:rPr kumimoji="1" lang="en-US" altLang="zh-TW" dirty="0" smtClean="0">
+                <a:latin typeface="Times New Roman" charset="0"/>
+                <a:ea typeface="Times New Roman" charset="0"/>
+                <a:cs typeface="Times New Roman" charset="0"/>
+              </a:rPr>
+              <a:t>Peer 1</a:t>
+            </a:r>
+            <a:endParaRPr kumimoji="1" lang="zh-TW" altLang="en-US" dirty="0">
+              <a:latin typeface="Times New Roman" charset="0"/>
+              <a:ea typeface="Times New Roman" charset="0"/>
+              <a:cs typeface="Times New Roman" charset="0"/>
+            </a:endParaRPr>
+          </a:p>
+        </p:txBody>
+      </p:sp>
+      <p:sp>
+        <p:nvSpPr>
+          <p:cNvPr id="58" name="文字方塊 57"/>
+          <p:cNvSpPr txBox="1"/>
+          <p:nvPr/>
+        </p:nvSpPr>
+        <p:spPr>
+          <a:xfrm rot="18776434">
+            <a:off x="1361031" y="4415569"/>
+            <a:ext cx="1729961" cy="369332"/>
+          </a:xfrm>
+          <a:prstGeom prst="rect">
+            <a:avLst/>
+          </a:prstGeom>
+          <a:noFill/>
+        </p:spPr>
+        <p:txBody>
+          <a:bodyPr wrap="none" rtlCol="0">
+            <a:spAutoFit/>
+          </a:bodyPr>
+          <a:lstStyle/>
+          <a:p>
+            <a:r>
+              <a:rPr lang="en-US" altLang="zh-TW" dirty="0">
+                <a:latin typeface="Times New Roman" charset="0"/>
+                <a:ea typeface="Times New Roman" charset="0"/>
+                <a:cs typeface="Times New Roman" charset="0"/>
+              </a:rPr>
+              <a:t>p</a:t>
+            </a:r>
+            <a:r>
+              <a:rPr kumimoji="1" lang="en-US" altLang="zh-TW" dirty="0" smtClean="0">
+                <a:latin typeface="Times New Roman" charset="0"/>
+                <a:ea typeface="Times New Roman" charset="0"/>
+                <a:cs typeface="Times New Roman" charset="0"/>
+              </a:rPr>
+              <a:t>eer information</a:t>
+            </a:r>
+            <a:endParaRPr kumimoji="1" lang="zh-TW" altLang="en-US" dirty="0">
+              <a:latin typeface="Times New Roman" charset="0"/>
+              <a:ea typeface="Times New Roman" charset="0"/>
+              <a:cs typeface="Times New Roman" charset="0"/>
+            </a:endParaRPr>
+          </a:p>
+        </p:txBody>
+      </p:sp>
+    </p:spTree>
+    <p:extLst>
+      <p:ext uri="{BB962C8B-B14F-4D97-AF65-F5344CB8AC3E}">
+        <p14:creationId xmlns:p14="http://schemas.microsoft.com/office/powerpoint/2010/main" val="1449104361"/>
+      </p:ext>
+    </p:extLst>
+  </p:cSld>
+  <p:clrMapOvr>
+    <a:masterClrMapping/>
+  </p:clrMapOvr>
+  <p:timing>
+    <p:tnLst>
+      <p:par>
+        <p:cTn id="1" dur="indefinite" restart="never" nodeType="tmRoot"/>
+      </p:par>
+    </p:tnLst>
+  </p:timing>
+</p:sld>
+</file>
+
+<file path=ppt/slides/slide13.xml><?xml version="1.0" encoding="utf-8"?>
+<p:sld xmlns:a="http://schemas.openxmlformats.org/drawingml/2006/main" xmlns:r="http://schemas.openxmlformats.org/officeDocument/2006/relationships" xmlns:p="http://schemas.openxmlformats.org/presentationml/2006/main">
+  <p:cSld>
+    <p:spTree>
+      <p:nvGrpSpPr>
+        <p:cNvPr id="1" name=""/>
+        <p:cNvGrpSpPr/>
+        <p:nvPr/>
+      </p:nvGrpSpPr>
+      <p:grpSpPr>
+        <a:xfrm>
+          <a:off x="0" y="0"/>
+          <a:ext cx="0" cy="0"/>
+          <a:chOff x="0" y="0"/>
+          <a:chExt cx="0" cy="0"/>
+        </a:xfrm>
+      </p:grpSpPr>
+      <p:sp>
+        <p:nvSpPr>
+          <p:cNvPr id="2" name="標題 1"/>
+          <p:cNvSpPr>
+            <a:spLocks noGrp="1"/>
+          </p:cNvSpPr>
+          <p:nvPr>
+            <p:ph type="title"/>
+          </p:nvPr>
+        </p:nvSpPr>
+        <p:spPr/>
+        <p:txBody>
+          <a:bodyPr/>
+          <a:lstStyle/>
+          <a:p>
+            <a:r>
+              <a:rPr kumimoji="1" lang="en-US" altLang="zh-TW" dirty="0" smtClean="0"/>
+              <a:t>How do </a:t>
+            </a:r>
+            <a:r>
+              <a:rPr kumimoji="1" lang="en-US" altLang="zh-TW" dirty="0" err="1" smtClean="0"/>
+              <a:t>BitTorrent</a:t>
+            </a:r>
+            <a:r>
+              <a:rPr kumimoji="1" lang="en-US" altLang="zh-TW" dirty="0" smtClean="0"/>
+              <a:t> work?</a:t>
+            </a:r>
+            <a:endParaRPr kumimoji="1" lang="zh-TW" altLang="en-US" dirty="0"/>
+          </a:p>
+        </p:txBody>
+      </p:sp>
+      <p:pic>
+        <p:nvPicPr>
+          <p:cNvPr id="4" name="內容版面配置區 3"/>
+          <p:cNvPicPr>
+            <a:picLocks noGrp="1" noChangeAspect="1"/>
+          </p:cNvPicPr>
+          <p:nvPr>
+            <p:ph idx="1"/>
+          </p:nvPr>
+        </p:nvPicPr>
+        <p:blipFill>
+          <a:blip r:embed="rId2">
+            <a:extLst>
+              <a:ext uri="{28A0092B-C50C-407E-A947-70E740481C1C}">
+                <a14:useLocalDpi xmlns:a14="http://schemas.microsoft.com/office/drawing/2010/main" val="0"/>
+              </a:ext>
+            </a:extLst>
+          </a:blip>
+          <a:stretch>
+            <a:fillRect/>
+          </a:stretch>
+        </p:blipFill>
+        <p:spPr>
+          <a:xfrm>
+            <a:off x="2627784" y="1117104"/>
+            <a:ext cx="1536700" cy="1333500"/>
+          </a:xfrm>
+        </p:spPr>
+      </p:pic>
+      <p:sp>
+        <p:nvSpPr>
+          <p:cNvPr id="5" name="投影片編號版面配置區 4"/>
+          <p:cNvSpPr>
+            <a:spLocks noGrp="1"/>
+          </p:cNvSpPr>
+          <p:nvPr>
+            <p:ph type="sldNum" sz="quarter" idx="12"/>
+          </p:nvPr>
+        </p:nvSpPr>
+        <p:spPr/>
+        <p:txBody>
+          <a:bodyPr/>
+          <a:lstStyle/>
+          <a:p>
+            <a:pPr>
+              <a:defRPr/>
+            </a:pPr>
+            <a:fld id="{7823135A-D7F7-45E8-89D0-FF7E75BBDD99}" type="slidenum">
+              <a:rPr lang="en-US" altLang="zh-TW" smtClean="0"/>
+              <a:pPr>
+                <a:defRPr/>
+              </a:pPr>
+              <a:t>13</a:t>
+            </a:fld>
+            <a:endParaRPr lang="en-US" altLang="zh-TW"/>
+          </a:p>
+        </p:txBody>
+      </p:sp>
+      <p:sp>
+        <p:nvSpPr>
+          <p:cNvPr id="6" name="頁尾版面配置區 5"/>
+          <p:cNvSpPr>
+            <a:spLocks noGrp="1"/>
+          </p:cNvSpPr>
+          <p:nvPr>
+            <p:ph type="ftr" sz="quarter" idx="11"/>
+          </p:nvPr>
+        </p:nvSpPr>
+        <p:spPr>
+          <a:xfrm>
+            <a:off x="5943600" y="6512768"/>
+            <a:ext cx="2895600" cy="228600"/>
+          </a:xfrm>
+        </p:spPr>
+        <p:txBody>
+          <a:bodyPr/>
+          <a:lstStyle/>
+          <a:p>
+            <a:pPr>
+              <a:defRPr/>
+            </a:pPr>
+            <a:r>
+              <a:rPr lang="en-US" altLang="zh-TW" dirty="0" smtClean="0"/>
+              <a:t>Performance Evaluation 2016 Spring</a:t>
+            </a:r>
+            <a:endParaRPr lang="en-US" altLang="zh-TW" dirty="0"/>
+          </a:p>
+        </p:txBody>
+      </p:sp>
+      <p:pic>
+        <p:nvPicPr>
+          <p:cNvPr id="7" name="內容版面配置區 3"/>
+          <p:cNvPicPr>
+            <a:picLocks noChangeAspect="1"/>
+          </p:cNvPicPr>
+          <p:nvPr/>
+        </p:nvPicPr>
+        <p:blipFill>
+          <a:blip r:embed="rId2">
+            <a:extLst>
+              <a:ext uri="{28A0092B-C50C-407E-A947-70E740481C1C}">
+                <a14:useLocalDpi xmlns:a14="http://schemas.microsoft.com/office/drawing/2010/main" val="0"/>
+              </a:ext>
+            </a:extLst>
+          </a:blip>
+          <a:stretch>
+            <a:fillRect/>
+          </a:stretch>
+        </p:blipFill>
+        <p:spPr bwMode="auto">
+          <a:xfrm>
+            <a:off x="2627784" y="3087624"/>
+            <a:ext cx="1536700" cy="1333500"/>
+          </a:xfrm>
+          <a:prstGeom prst="rect">
+            <a:avLst/>
+          </a:prstGeom>
+          <a:noFill/>
+          <a:ln w="9525">
+            <a:noFill/>
+            <a:miter lim="800000"/>
+            <a:headEnd/>
+            <a:tailEnd/>
+          </a:ln>
+        </p:spPr>
+      </p:pic>
+      <p:pic>
+        <p:nvPicPr>
+          <p:cNvPr id="8" name="內容版面配置區 3"/>
+          <p:cNvPicPr>
+            <a:picLocks noChangeAspect="1"/>
+          </p:cNvPicPr>
+          <p:nvPr/>
+        </p:nvPicPr>
+        <p:blipFill>
+          <a:blip r:embed="rId2">
+            <a:extLst>
+              <a:ext uri="{28A0092B-C50C-407E-A947-70E740481C1C}">
+                <a14:useLocalDpi xmlns:a14="http://schemas.microsoft.com/office/drawing/2010/main" val="0"/>
+              </a:ext>
+            </a:extLst>
+          </a:blip>
+          <a:stretch>
+            <a:fillRect/>
+          </a:stretch>
+        </p:blipFill>
+        <p:spPr bwMode="auto">
+          <a:xfrm>
+            <a:off x="4832501" y="2283243"/>
+            <a:ext cx="1536700" cy="1333500"/>
+          </a:xfrm>
+          <a:prstGeom prst="rect">
+            <a:avLst/>
+          </a:prstGeom>
+          <a:noFill/>
+          <a:ln w="9525">
+            <a:noFill/>
+            <a:miter lim="800000"/>
+            <a:headEnd/>
+            <a:tailEnd/>
+          </a:ln>
+        </p:spPr>
+      </p:pic>
+      <p:pic>
+        <p:nvPicPr>
+          <p:cNvPr id="9" name="內容版面配置區 3"/>
+          <p:cNvPicPr>
+            <a:picLocks noChangeAspect="1"/>
+          </p:cNvPicPr>
+          <p:nvPr/>
+        </p:nvPicPr>
+        <p:blipFill>
+          <a:blip r:embed="rId2">
+            <a:extLst>
+              <a:ext uri="{28A0092B-C50C-407E-A947-70E740481C1C}">
+                <a14:useLocalDpi xmlns:a14="http://schemas.microsoft.com/office/drawing/2010/main" val="0"/>
+              </a:ext>
+            </a:extLst>
+          </a:blip>
+          <a:stretch>
+            <a:fillRect/>
+          </a:stretch>
+        </p:blipFill>
+        <p:spPr bwMode="auto">
+          <a:xfrm>
+            <a:off x="2627784" y="4921176"/>
+            <a:ext cx="1536700" cy="1333500"/>
+          </a:xfrm>
+          <a:prstGeom prst="rect">
+            <a:avLst/>
+          </a:prstGeom>
+          <a:noFill/>
+          <a:ln w="9525">
+            <a:noFill/>
+            <a:miter lim="800000"/>
+            <a:headEnd/>
+            <a:tailEnd/>
+          </a:ln>
+        </p:spPr>
+      </p:pic>
+      <p:pic>
+        <p:nvPicPr>
+          <p:cNvPr id="11" name="內容版面配置區 3"/>
+          <p:cNvPicPr>
+            <a:picLocks noChangeAspect="1"/>
+          </p:cNvPicPr>
+          <p:nvPr/>
+        </p:nvPicPr>
+        <p:blipFill>
+          <a:blip r:embed="rId2">
+            <a:extLst>
+              <a:ext uri="{28A0092B-C50C-407E-A947-70E740481C1C}">
+                <a14:useLocalDpi xmlns:a14="http://schemas.microsoft.com/office/drawing/2010/main" val="0"/>
+              </a:ext>
+            </a:extLst>
+          </a:blip>
+          <a:stretch>
+            <a:fillRect/>
+          </a:stretch>
+        </p:blipFill>
+        <p:spPr bwMode="auto">
+          <a:xfrm>
+            <a:off x="4832501" y="4099068"/>
+            <a:ext cx="1536700" cy="1333500"/>
+          </a:xfrm>
+          <a:prstGeom prst="rect">
+            <a:avLst/>
+          </a:prstGeom>
+          <a:noFill/>
+          <a:ln w="9525">
+            <a:noFill/>
+            <a:miter lim="800000"/>
+            <a:headEnd/>
+            <a:tailEnd/>
+          </a:ln>
+        </p:spPr>
+      </p:pic>
+      <p:pic>
+        <p:nvPicPr>
+          <p:cNvPr id="12" name="圖片 11"/>
+          <p:cNvPicPr>
+            <a:picLocks noChangeAspect="1"/>
+          </p:cNvPicPr>
+          <p:nvPr/>
+        </p:nvPicPr>
+        <p:blipFill>
+          <a:blip r:embed="rId3">
+            <a:extLst>
+              <a:ext uri="{28A0092B-C50C-407E-A947-70E740481C1C}">
+                <a14:useLocalDpi xmlns:a14="http://schemas.microsoft.com/office/drawing/2010/main" val="0"/>
+              </a:ext>
+            </a:extLst>
+          </a:blip>
+          <a:stretch>
+            <a:fillRect/>
+          </a:stretch>
+        </p:blipFill>
+        <p:spPr>
+          <a:xfrm>
+            <a:off x="575812" y="1862555"/>
+            <a:ext cx="1062070" cy="1272575"/>
+          </a:xfrm>
+          <a:prstGeom prst="rect">
+            <a:avLst/>
+          </a:prstGeom>
+        </p:spPr>
+      </p:pic>
+      <p:pic>
+        <p:nvPicPr>
+          <p:cNvPr id="13" name="圖片 12"/>
+          <p:cNvPicPr>
+            <a:picLocks noChangeAspect="1"/>
+          </p:cNvPicPr>
+          <p:nvPr/>
+        </p:nvPicPr>
+        <p:blipFill>
+          <a:blip r:embed="rId3">
+            <a:extLst>
+              <a:ext uri="{28A0092B-C50C-407E-A947-70E740481C1C}">
+                <a14:useLocalDpi xmlns:a14="http://schemas.microsoft.com/office/drawing/2010/main" val="0"/>
+              </a:ext>
+            </a:extLst>
+          </a:blip>
+          <a:stretch>
+            <a:fillRect/>
+          </a:stretch>
+        </p:blipFill>
+        <p:spPr>
+          <a:xfrm>
+            <a:off x="575812" y="4143057"/>
+            <a:ext cx="1062070" cy="1272575"/>
+          </a:xfrm>
+          <a:prstGeom prst="rect">
+            <a:avLst/>
+          </a:prstGeom>
+        </p:spPr>
+      </p:pic>
+      <p:sp>
+        <p:nvSpPr>
+          <p:cNvPr id="15" name="文字方塊 14"/>
+          <p:cNvSpPr txBox="1"/>
+          <p:nvPr/>
+        </p:nvSpPr>
+        <p:spPr>
+          <a:xfrm>
+            <a:off x="5036896" y="2063458"/>
+            <a:ext cx="768159" cy="369332"/>
+          </a:xfrm>
+          <a:prstGeom prst="rect">
+            <a:avLst/>
+          </a:prstGeom>
+          <a:noFill/>
+        </p:spPr>
+        <p:txBody>
+          <a:bodyPr wrap="none" rtlCol="0">
+            <a:spAutoFit/>
+          </a:bodyPr>
+          <a:lstStyle/>
+          <a:p>
+            <a:r>
+              <a:rPr kumimoji="1" lang="en-US" altLang="zh-TW" dirty="0" smtClean="0">
+                <a:latin typeface="Times New Roman" charset="0"/>
+                <a:ea typeface="Times New Roman" charset="0"/>
+                <a:cs typeface="Times New Roman" charset="0"/>
+              </a:rPr>
+              <a:t>Peer 2</a:t>
+            </a:r>
+            <a:endParaRPr kumimoji="1" lang="zh-TW" altLang="en-US" dirty="0">
+              <a:latin typeface="Times New Roman" charset="0"/>
+              <a:ea typeface="Times New Roman" charset="0"/>
+              <a:cs typeface="Times New Roman" charset="0"/>
+            </a:endParaRPr>
+          </a:p>
+        </p:txBody>
+      </p:sp>
+      <p:sp>
+        <p:nvSpPr>
+          <p:cNvPr id="16" name="文字方塊 15"/>
+          <p:cNvSpPr txBox="1"/>
+          <p:nvPr/>
+        </p:nvSpPr>
+        <p:spPr>
+          <a:xfrm>
+            <a:off x="5036896" y="3908771"/>
+            <a:ext cx="768159" cy="369332"/>
+          </a:xfrm>
+          <a:prstGeom prst="rect">
+            <a:avLst/>
+          </a:prstGeom>
+          <a:noFill/>
+        </p:spPr>
+        <p:txBody>
+          <a:bodyPr wrap="none" rtlCol="0">
+            <a:spAutoFit/>
+          </a:bodyPr>
+          <a:lstStyle/>
+          <a:p>
+            <a:r>
+              <a:rPr kumimoji="1" lang="en-US" altLang="zh-TW" dirty="0" smtClean="0">
+                <a:latin typeface="Times New Roman" charset="0"/>
+                <a:ea typeface="Times New Roman" charset="0"/>
+                <a:cs typeface="Times New Roman" charset="0"/>
+              </a:rPr>
+              <a:t>Peer 3</a:t>
+            </a:r>
+            <a:endParaRPr kumimoji="1" lang="zh-TW" altLang="en-US" dirty="0">
+              <a:latin typeface="Times New Roman" charset="0"/>
+              <a:ea typeface="Times New Roman" charset="0"/>
+              <a:cs typeface="Times New Roman" charset="0"/>
+            </a:endParaRPr>
+          </a:p>
+        </p:txBody>
+      </p:sp>
+      <p:sp>
+        <p:nvSpPr>
+          <p:cNvPr id="17" name="文字方塊 16"/>
+          <p:cNvSpPr txBox="1"/>
+          <p:nvPr/>
+        </p:nvSpPr>
+        <p:spPr>
+          <a:xfrm>
+            <a:off x="2555201" y="4736510"/>
+            <a:ext cx="768159" cy="369332"/>
+          </a:xfrm>
+          <a:prstGeom prst="rect">
+            <a:avLst/>
+          </a:prstGeom>
+          <a:noFill/>
+        </p:spPr>
+        <p:txBody>
+          <a:bodyPr wrap="none" rtlCol="0">
+            <a:spAutoFit/>
+          </a:bodyPr>
+          <a:lstStyle/>
+          <a:p>
+            <a:r>
+              <a:rPr kumimoji="1" lang="en-US" altLang="zh-TW" dirty="0" smtClean="0">
+                <a:latin typeface="Times New Roman" charset="0"/>
+                <a:ea typeface="Times New Roman" charset="0"/>
+                <a:cs typeface="Times New Roman" charset="0"/>
+              </a:rPr>
+              <a:t>Peer 4</a:t>
+            </a:r>
+            <a:endParaRPr kumimoji="1" lang="zh-TW" altLang="en-US" dirty="0">
+              <a:latin typeface="Times New Roman" charset="0"/>
+              <a:ea typeface="Times New Roman" charset="0"/>
+              <a:cs typeface="Times New Roman" charset="0"/>
+            </a:endParaRPr>
+          </a:p>
+        </p:txBody>
+      </p:sp>
+      <p:sp>
+        <p:nvSpPr>
+          <p:cNvPr id="18" name="文字方塊 17"/>
+          <p:cNvSpPr txBox="1"/>
+          <p:nvPr/>
+        </p:nvSpPr>
+        <p:spPr>
+          <a:xfrm>
+            <a:off x="2555202" y="2862263"/>
+            <a:ext cx="768159" cy="369332"/>
+          </a:xfrm>
+          <a:prstGeom prst="rect">
+            <a:avLst/>
+          </a:prstGeom>
+          <a:noFill/>
+        </p:spPr>
+        <p:txBody>
+          <a:bodyPr wrap="none" rtlCol="0">
+            <a:spAutoFit/>
+          </a:bodyPr>
+          <a:lstStyle/>
+          <a:p>
+            <a:r>
+              <a:rPr kumimoji="1" lang="en-US" altLang="zh-TW" dirty="0" smtClean="0">
+                <a:latin typeface="Times New Roman" charset="0"/>
+                <a:ea typeface="Times New Roman" charset="0"/>
+                <a:cs typeface="Times New Roman" charset="0"/>
+              </a:rPr>
+              <a:t>Peer 5</a:t>
+            </a:r>
+            <a:endParaRPr kumimoji="1" lang="zh-TW" altLang="en-US" dirty="0">
+              <a:latin typeface="Times New Roman" charset="0"/>
+              <a:ea typeface="Times New Roman" charset="0"/>
+              <a:cs typeface="Times New Roman" charset="0"/>
+            </a:endParaRPr>
+          </a:p>
+        </p:txBody>
+      </p:sp>
+      <p:sp>
+        <p:nvSpPr>
+          <p:cNvPr id="19" name="文字方塊 18"/>
+          <p:cNvSpPr txBox="1"/>
+          <p:nvPr/>
+        </p:nvSpPr>
+        <p:spPr>
+          <a:xfrm>
+            <a:off x="575812" y="5467420"/>
+            <a:ext cx="894732" cy="369332"/>
+          </a:xfrm>
+          <a:prstGeom prst="rect">
+            <a:avLst/>
+          </a:prstGeom>
+          <a:noFill/>
+        </p:spPr>
+        <p:txBody>
+          <a:bodyPr wrap="none" rtlCol="0">
+            <a:spAutoFit/>
+          </a:bodyPr>
+          <a:lstStyle/>
+          <a:p>
+            <a:r>
+              <a:rPr kumimoji="1" lang="en-US" altLang="zh-TW" dirty="0" smtClean="0">
+                <a:latin typeface="Times New Roman" charset="0"/>
+                <a:ea typeface="Times New Roman" charset="0"/>
+                <a:cs typeface="Times New Roman" charset="0"/>
+              </a:rPr>
+              <a:t>Tracker</a:t>
+            </a:r>
+            <a:endParaRPr kumimoji="1" lang="zh-TW" altLang="en-US" dirty="0">
+              <a:latin typeface="Times New Roman" charset="0"/>
+              <a:ea typeface="Times New Roman" charset="0"/>
+              <a:cs typeface="Times New Roman" charset="0"/>
+            </a:endParaRPr>
+          </a:p>
+        </p:txBody>
+      </p:sp>
+      <p:sp>
+        <p:nvSpPr>
+          <p:cNvPr id="20" name="文字方塊 19"/>
+          <p:cNvSpPr txBox="1"/>
+          <p:nvPr/>
+        </p:nvSpPr>
+        <p:spPr>
+          <a:xfrm>
+            <a:off x="475520" y="3152066"/>
+            <a:ext cx="1262653" cy="369332"/>
+          </a:xfrm>
+          <a:prstGeom prst="rect">
+            <a:avLst/>
+          </a:prstGeom>
+          <a:noFill/>
+        </p:spPr>
+        <p:txBody>
+          <a:bodyPr wrap="none" rtlCol="0">
+            <a:spAutoFit/>
+          </a:bodyPr>
+          <a:lstStyle/>
+          <a:p>
+            <a:r>
+              <a:rPr lang="en-US" altLang="zh-TW" smtClean="0">
+                <a:latin typeface="Times New Roman" charset="0"/>
+                <a:ea typeface="Times New Roman" charset="0"/>
+                <a:cs typeface="Times New Roman" charset="0"/>
+              </a:rPr>
+              <a:t>Web Server</a:t>
+            </a:r>
+            <a:endParaRPr kumimoji="1" lang="zh-TW" altLang="en-US" dirty="0">
+              <a:latin typeface="Times New Roman" charset="0"/>
+              <a:ea typeface="Times New Roman" charset="0"/>
+              <a:cs typeface="Times New Roman" charset="0"/>
+            </a:endParaRPr>
+          </a:p>
+        </p:txBody>
+      </p:sp>
+      <p:sp>
+        <p:nvSpPr>
+          <p:cNvPr id="3" name="文字方塊 2"/>
+          <p:cNvSpPr txBox="1"/>
+          <p:nvPr/>
+        </p:nvSpPr>
+        <p:spPr>
+          <a:xfrm>
+            <a:off x="6415583" y="2215932"/>
+            <a:ext cx="2717411" cy="646331"/>
+          </a:xfrm>
+          <a:prstGeom prst="rect">
+            <a:avLst/>
+          </a:prstGeom>
+          <a:noFill/>
+        </p:spPr>
+        <p:txBody>
+          <a:bodyPr wrap="none" rtlCol="0">
+            <a:spAutoFit/>
+          </a:bodyPr>
+          <a:lstStyle/>
+          <a:p>
+            <a:pPr marL="285750" indent="-285750">
+              <a:buFont typeface="Wingdings" charset="2"/>
+              <a:buChar char="Ø"/>
+            </a:pPr>
+            <a:r>
+              <a:rPr kumimoji="1" lang="en-US" altLang="zh-TW" dirty="0" smtClean="0">
+                <a:latin typeface="Times New Roman" charset="0"/>
+                <a:ea typeface="Times New Roman" charset="0"/>
+                <a:cs typeface="Times New Roman" charset="0"/>
+              </a:rPr>
+              <a:t>Peer 5 joins the</a:t>
+            </a:r>
+            <a:r>
+              <a:rPr lang="en-US" altLang="zh-TW" dirty="0">
+                <a:latin typeface="Times New Roman" charset="0"/>
+                <a:ea typeface="Times New Roman" charset="0"/>
+                <a:cs typeface="Times New Roman" charset="0"/>
+              </a:rPr>
+              <a:t> </a:t>
+            </a:r>
+            <a:r>
+              <a:rPr kumimoji="1" lang="en-US" altLang="zh-TW" dirty="0" smtClean="0">
+                <a:latin typeface="Times New Roman" charset="0"/>
+                <a:ea typeface="Times New Roman" charset="0"/>
+                <a:cs typeface="Times New Roman" charset="0"/>
+              </a:rPr>
+              <a:t>network</a:t>
+            </a:r>
+            <a:br>
+              <a:rPr kumimoji="1" lang="en-US" altLang="zh-TW" dirty="0" smtClean="0">
+                <a:latin typeface="Times New Roman" charset="0"/>
+                <a:ea typeface="Times New Roman" charset="0"/>
+                <a:cs typeface="Times New Roman" charset="0"/>
+              </a:rPr>
+            </a:br>
+            <a:r>
+              <a:rPr kumimoji="1" lang="en-US" altLang="zh-TW" dirty="0" smtClean="0">
+                <a:latin typeface="Times New Roman" charset="0"/>
+                <a:ea typeface="Times New Roman" charset="0"/>
+                <a:cs typeface="Times New Roman" charset="0"/>
+              </a:rPr>
+              <a:t>to download the file.</a:t>
+            </a:r>
+            <a:endParaRPr kumimoji="1" lang="zh-TW" altLang="en-US" dirty="0">
+              <a:latin typeface="Times New Roman" charset="0"/>
+              <a:ea typeface="Times New Roman" charset="0"/>
+              <a:cs typeface="Times New Roman" charset="0"/>
+            </a:endParaRPr>
+          </a:p>
+        </p:txBody>
+      </p:sp>
+      <p:sp>
+        <p:nvSpPr>
+          <p:cNvPr id="23" name="文字方塊 22"/>
+          <p:cNvSpPr txBox="1"/>
+          <p:nvPr/>
+        </p:nvSpPr>
+        <p:spPr>
+          <a:xfrm>
+            <a:off x="6415582" y="989350"/>
+            <a:ext cx="2736647" cy="1200329"/>
+          </a:xfrm>
+          <a:prstGeom prst="rect">
+            <a:avLst/>
+          </a:prstGeom>
+          <a:noFill/>
+        </p:spPr>
+        <p:txBody>
+          <a:bodyPr wrap="none" rtlCol="0">
+            <a:spAutoFit/>
+          </a:bodyPr>
+          <a:lstStyle/>
+          <a:p>
+            <a:pPr marL="285750" indent="-285750">
+              <a:buFont typeface="Wingdings" charset="2"/>
+              <a:buChar char="Ø"/>
+            </a:pPr>
+            <a:r>
+              <a:rPr lang="en-US" altLang="zh-TW" dirty="0" smtClean="0">
+                <a:latin typeface="Times New Roman" charset="0"/>
+                <a:ea typeface="Times New Roman" charset="0"/>
+                <a:cs typeface="Times New Roman" charset="0"/>
+              </a:rPr>
+              <a:t>In this network, there</a:t>
+            </a:r>
+            <a:br>
+              <a:rPr lang="en-US" altLang="zh-TW" dirty="0" smtClean="0">
+                <a:latin typeface="Times New Roman" charset="0"/>
+                <a:ea typeface="Times New Roman" charset="0"/>
+                <a:cs typeface="Times New Roman" charset="0"/>
+              </a:rPr>
+            </a:br>
+            <a:r>
+              <a:rPr lang="en-US" altLang="zh-TW" dirty="0" smtClean="0">
+                <a:latin typeface="Times New Roman" charset="0"/>
+                <a:ea typeface="Times New Roman" charset="0"/>
+                <a:cs typeface="Times New Roman" charset="0"/>
+              </a:rPr>
+              <a:t>are 4 peers downloading</a:t>
+            </a:r>
+            <a:br>
+              <a:rPr lang="en-US" altLang="zh-TW" dirty="0" smtClean="0">
+                <a:latin typeface="Times New Roman" charset="0"/>
+                <a:ea typeface="Times New Roman" charset="0"/>
+                <a:cs typeface="Times New Roman" charset="0"/>
+              </a:rPr>
+            </a:br>
+            <a:r>
+              <a:rPr lang="en-US" altLang="zh-TW" dirty="0" smtClean="0">
+                <a:latin typeface="Times New Roman" charset="0"/>
+                <a:ea typeface="Times New Roman" charset="0"/>
+                <a:cs typeface="Times New Roman" charset="0"/>
+              </a:rPr>
+              <a:t>pieces of the file of</a:t>
+            </a:r>
+            <a:br>
+              <a:rPr lang="en-US" altLang="zh-TW" dirty="0" smtClean="0">
+                <a:latin typeface="Times New Roman" charset="0"/>
+                <a:ea typeface="Times New Roman" charset="0"/>
+                <a:cs typeface="Times New Roman" charset="0"/>
+              </a:rPr>
+            </a:br>
+            <a:r>
+              <a:rPr lang="en-US" altLang="zh-TW" dirty="0" smtClean="0">
+                <a:latin typeface="Times New Roman" charset="0"/>
+                <a:ea typeface="Times New Roman" charset="0"/>
+                <a:cs typeface="Times New Roman" charset="0"/>
+              </a:rPr>
+              <a:t>interest.</a:t>
+            </a:r>
+            <a:endParaRPr kumimoji="1" lang="zh-TW" altLang="en-US" dirty="0">
+              <a:latin typeface="Times New Roman" charset="0"/>
+              <a:ea typeface="Times New Roman" charset="0"/>
+              <a:cs typeface="Times New Roman" charset="0"/>
+            </a:endParaRPr>
+          </a:p>
+        </p:txBody>
+      </p:sp>
+      <p:sp>
+        <p:nvSpPr>
+          <p:cNvPr id="21" name="文字方塊 20"/>
+          <p:cNvSpPr txBox="1"/>
+          <p:nvPr/>
+        </p:nvSpPr>
+        <p:spPr>
+          <a:xfrm>
+            <a:off x="6415582" y="2892097"/>
+            <a:ext cx="2358338" cy="923330"/>
+          </a:xfrm>
+          <a:prstGeom prst="rect">
+            <a:avLst/>
+          </a:prstGeom>
+          <a:noFill/>
+        </p:spPr>
+        <p:txBody>
+          <a:bodyPr wrap="none" rtlCol="0">
+            <a:spAutoFit/>
+          </a:bodyPr>
+          <a:lstStyle/>
+          <a:p>
+            <a:pPr marL="285750" indent="-285750">
+              <a:buFont typeface="Wingdings" charset="2"/>
+              <a:buChar char="Ø"/>
+            </a:pPr>
+            <a:r>
+              <a:rPr lang="en-US" altLang="zh-TW" dirty="0" smtClean="0">
+                <a:latin typeface="Times New Roman" charset="0"/>
+                <a:ea typeface="Times New Roman" charset="0"/>
+                <a:cs typeface="Times New Roman" charset="0"/>
+              </a:rPr>
+              <a:t>It first downloads a</a:t>
+            </a:r>
+            <a:br>
+              <a:rPr lang="en-US" altLang="zh-TW" dirty="0" smtClean="0">
+                <a:latin typeface="Times New Roman" charset="0"/>
+                <a:ea typeface="Times New Roman" charset="0"/>
+                <a:cs typeface="Times New Roman" charset="0"/>
+              </a:rPr>
+            </a:br>
+            <a:r>
+              <a:rPr lang="en-US" altLang="zh-TW" dirty="0" smtClean="0">
+                <a:latin typeface="Times New Roman" charset="0"/>
+                <a:ea typeface="Times New Roman" charset="0"/>
+                <a:cs typeface="Times New Roman" charset="0"/>
+              </a:rPr>
+              <a:t>.torrent file from the</a:t>
+            </a:r>
+            <a:br>
+              <a:rPr lang="en-US" altLang="zh-TW" dirty="0" smtClean="0">
+                <a:latin typeface="Times New Roman" charset="0"/>
+                <a:ea typeface="Times New Roman" charset="0"/>
+                <a:cs typeface="Times New Roman" charset="0"/>
+              </a:rPr>
+            </a:br>
+            <a:r>
+              <a:rPr lang="en-US" altLang="zh-TW" dirty="0" smtClean="0">
+                <a:latin typeface="Times New Roman" charset="0"/>
+                <a:ea typeface="Times New Roman" charset="0"/>
+                <a:cs typeface="Times New Roman" charset="0"/>
+              </a:rPr>
+              <a:t>web </a:t>
+            </a:r>
+            <a:r>
+              <a:rPr lang="en-US" altLang="zh-TW" dirty="0">
+                <a:latin typeface="Times New Roman" charset="0"/>
+                <a:ea typeface="Times New Roman" charset="0"/>
+                <a:cs typeface="Times New Roman" charset="0"/>
+              </a:rPr>
+              <a:t>s</a:t>
+            </a:r>
+            <a:r>
+              <a:rPr lang="en-US" altLang="zh-TW" dirty="0" smtClean="0">
+                <a:latin typeface="Times New Roman" charset="0"/>
+                <a:ea typeface="Times New Roman" charset="0"/>
+                <a:cs typeface="Times New Roman" charset="0"/>
+              </a:rPr>
+              <a:t>erver.</a:t>
+            </a:r>
+            <a:endParaRPr kumimoji="1" lang="zh-TW" altLang="en-US" dirty="0">
+              <a:latin typeface="Times New Roman" charset="0"/>
+              <a:ea typeface="Times New Roman" charset="0"/>
+              <a:cs typeface="Times New Roman" charset="0"/>
+            </a:endParaRPr>
+          </a:p>
+        </p:txBody>
+      </p:sp>
+      <p:sp>
+        <p:nvSpPr>
+          <p:cNvPr id="24" name="文字方塊 23"/>
+          <p:cNvSpPr txBox="1"/>
+          <p:nvPr/>
+        </p:nvSpPr>
+        <p:spPr>
+          <a:xfrm>
+            <a:off x="6401830" y="3850063"/>
+            <a:ext cx="2608406" cy="646331"/>
+          </a:xfrm>
+          <a:prstGeom prst="rect">
+            <a:avLst/>
+          </a:prstGeom>
+          <a:noFill/>
+        </p:spPr>
+        <p:txBody>
+          <a:bodyPr wrap="none" rtlCol="0">
+            <a:spAutoFit/>
+          </a:bodyPr>
+          <a:lstStyle/>
+          <a:p>
+            <a:pPr marL="285750" indent="-285750">
+              <a:buFont typeface="Wingdings" charset="2"/>
+              <a:buChar char="Ø"/>
+            </a:pPr>
+            <a:r>
+              <a:rPr lang="en-US" altLang="zh-TW" dirty="0" smtClean="0">
+                <a:latin typeface="Times New Roman" charset="0"/>
+                <a:ea typeface="Times New Roman" charset="0"/>
+                <a:cs typeface="Times New Roman" charset="0"/>
+              </a:rPr>
+              <a:t>Next, it connects to the</a:t>
+            </a:r>
+            <a:br>
+              <a:rPr lang="en-US" altLang="zh-TW" dirty="0" smtClean="0">
+                <a:latin typeface="Times New Roman" charset="0"/>
+                <a:ea typeface="Times New Roman" charset="0"/>
+                <a:cs typeface="Times New Roman" charset="0"/>
+              </a:rPr>
+            </a:br>
+            <a:r>
+              <a:rPr lang="en-US" altLang="zh-TW" dirty="0" smtClean="0">
+                <a:latin typeface="Times New Roman" charset="0"/>
+                <a:ea typeface="Times New Roman" charset="0"/>
+                <a:cs typeface="Times New Roman" charset="0"/>
+              </a:rPr>
+              <a:t>tracker.</a:t>
+            </a:r>
+            <a:endParaRPr kumimoji="1" lang="zh-TW" altLang="en-US" dirty="0">
+              <a:latin typeface="Times New Roman" charset="0"/>
+              <a:ea typeface="Times New Roman" charset="0"/>
+              <a:cs typeface="Times New Roman" charset="0"/>
+            </a:endParaRPr>
+          </a:p>
+        </p:txBody>
+      </p:sp>
+      <p:sp>
+        <p:nvSpPr>
+          <p:cNvPr id="26" name="文字方塊 25"/>
+          <p:cNvSpPr txBox="1"/>
+          <p:nvPr/>
+        </p:nvSpPr>
+        <p:spPr>
+          <a:xfrm>
+            <a:off x="6377810" y="4517845"/>
+            <a:ext cx="2569934" cy="646331"/>
+          </a:xfrm>
+          <a:prstGeom prst="rect">
+            <a:avLst/>
+          </a:prstGeom>
+          <a:noFill/>
+        </p:spPr>
+        <p:txBody>
+          <a:bodyPr wrap="none" rtlCol="0">
+            <a:spAutoFit/>
+          </a:bodyPr>
+          <a:lstStyle/>
+          <a:p>
+            <a:pPr marL="285750" indent="-285750">
+              <a:buFont typeface="Wingdings" charset="2"/>
+              <a:buChar char="Ø"/>
+            </a:pPr>
+            <a:r>
+              <a:rPr lang="en-US" altLang="zh-TW" dirty="0" smtClean="0">
+                <a:latin typeface="Times New Roman" charset="0"/>
+                <a:ea typeface="Times New Roman" charset="0"/>
+                <a:cs typeface="Times New Roman" charset="0"/>
+              </a:rPr>
+              <a:t>The tracker returns the</a:t>
+            </a:r>
+            <a:br>
+              <a:rPr lang="en-US" altLang="zh-TW" dirty="0" smtClean="0">
+                <a:latin typeface="Times New Roman" charset="0"/>
+                <a:ea typeface="Times New Roman" charset="0"/>
+                <a:cs typeface="Times New Roman" charset="0"/>
+              </a:rPr>
+            </a:br>
+            <a:r>
+              <a:rPr lang="en-US" altLang="zh-TW" dirty="0" smtClean="0">
+                <a:latin typeface="Times New Roman" charset="0"/>
+                <a:ea typeface="Times New Roman" charset="0"/>
+                <a:cs typeface="Times New Roman" charset="0"/>
+              </a:rPr>
+              <a:t>peer information.</a:t>
+            </a:r>
+            <a:endParaRPr kumimoji="1" lang="zh-TW" altLang="en-US" dirty="0">
+              <a:latin typeface="Times New Roman" charset="0"/>
+              <a:ea typeface="Times New Roman" charset="0"/>
+              <a:cs typeface="Times New Roman" charset="0"/>
+            </a:endParaRPr>
+          </a:p>
+        </p:txBody>
+      </p:sp>
+      <p:sp>
+        <p:nvSpPr>
+          <p:cNvPr id="28" name="文字方塊 27"/>
+          <p:cNvSpPr txBox="1"/>
+          <p:nvPr/>
+        </p:nvSpPr>
+        <p:spPr>
+          <a:xfrm>
+            <a:off x="6358195" y="5185627"/>
+            <a:ext cx="2544286" cy="1200329"/>
+          </a:xfrm>
+          <a:prstGeom prst="rect">
+            <a:avLst/>
+          </a:prstGeom>
+          <a:noFill/>
+        </p:spPr>
+        <p:txBody>
+          <a:bodyPr wrap="none" rtlCol="0">
+            <a:spAutoFit/>
+          </a:bodyPr>
+          <a:lstStyle/>
+          <a:p>
+            <a:pPr marL="285750" indent="-285750">
+              <a:buFont typeface="Wingdings" charset="2"/>
+              <a:buChar char="Ø"/>
+            </a:pPr>
+            <a:r>
+              <a:rPr lang="en-US" altLang="zh-TW" dirty="0" smtClean="0">
+                <a:latin typeface="Times New Roman" charset="0"/>
+                <a:ea typeface="Times New Roman" charset="0"/>
+                <a:cs typeface="Times New Roman" charset="0"/>
+              </a:rPr>
+              <a:t>Peer 5 connects to 4</a:t>
+            </a:r>
+            <a:br>
+              <a:rPr lang="en-US" altLang="zh-TW" dirty="0" smtClean="0">
+                <a:latin typeface="Times New Roman" charset="0"/>
+                <a:ea typeface="Times New Roman" charset="0"/>
+                <a:cs typeface="Times New Roman" charset="0"/>
+              </a:rPr>
+            </a:br>
+            <a:r>
+              <a:rPr lang="en-US" altLang="zh-TW" dirty="0" smtClean="0">
+                <a:latin typeface="Times New Roman" charset="0"/>
+                <a:ea typeface="Times New Roman" charset="0"/>
+                <a:cs typeface="Times New Roman" charset="0"/>
+              </a:rPr>
+              <a:t>other</a:t>
+            </a:r>
+            <a:r>
+              <a:rPr lang="en-US" altLang="zh-TW" dirty="0">
+                <a:latin typeface="Times New Roman" charset="0"/>
+                <a:ea typeface="Times New Roman" charset="0"/>
+                <a:cs typeface="Times New Roman" charset="0"/>
+              </a:rPr>
+              <a:t> </a:t>
+            </a:r>
+            <a:r>
+              <a:rPr lang="en-US" altLang="zh-TW" dirty="0" smtClean="0">
+                <a:latin typeface="Times New Roman" charset="0"/>
+                <a:ea typeface="Times New Roman" charset="0"/>
+                <a:cs typeface="Times New Roman" charset="0"/>
+              </a:rPr>
+              <a:t>peers and begins</a:t>
+            </a:r>
+            <a:br>
+              <a:rPr lang="en-US" altLang="zh-TW" dirty="0" smtClean="0">
+                <a:latin typeface="Times New Roman" charset="0"/>
+                <a:ea typeface="Times New Roman" charset="0"/>
+                <a:cs typeface="Times New Roman" charset="0"/>
+              </a:rPr>
+            </a:br>
+            <a:r>
+              <a:rPr lang="en-US" altLang="zh-TW" dirty="0" smtClean="0">
+                <a:latin typeface="Times New Roman" charset="0"/>
+                <a:ea typeface="Times New Roman" charset="0"/>
+                <a:cs typeface="Times New Roman" charset="0"/>
+              </a:rPr>
+              <a:t>downloading and</a:t>
+            </a:r>
+            <a:br>
+              <a:rPr lang="en-US" altLang="zh-TW" dirty="0" smtClean="0">
+                <a:latin typeface="Times New Roman" charset="0"/>
+                <a:ea typeface="Times New Roman" charset="0"/>
+                <a:cs typeface="Times New Roman" charset="0"/>
+              </a:rPr>
+            </a:br>
+            <a:r>
+              <a:rPr lang="en-US" altLang="zh-TW" dirty="0" smtClean="0">
+                <a:latin typeface="Times New Roman" charset="0"/>
+                <a:ea typeface="Times New Roman" charset="0"/>
+                <a:cs typeface="Times New Roman" charset="0"/>
+              </a:rPr>
+              <a:t>exchanging.</a:t>
+            </a:r>
+            <a:endParaRPr kumimoji="1" lang="zh-TW" altLang="en-US" dirty="0">
+              <a:latin typeface="Times New Roman" charset="0"/>
+              <a:ea typeface="Times New Roman" charset="0"/>
+              <a:cs typeface="Times New Roman" charset="0"/>
+            </a:endParaRPr>
+          </a:p>
+        </p:txBody>
+      </p:sp>
+      <p:cxnSp>
+        <p:nvCxnSpPr>
+          <p:cNvPr id="22" name="直線箭頭接點 21"/>
+          <p:cNvCxnSpPr>
+            <a:stCxn id="4" idx="2"/>
+            <a:endCxn id="7" idx="0"/>
+          </p:cNvCxnSpPr>
+          <p:nvPr/>
+        </p:nvCxnSpPr>
+        <p:spPr bwMode="auto">
+          <a:xfrm>
+            <a:off x="3396134" y="2450604"/>
+            <a:ext cx="0" cy="637020"/>
+          </a:xfrm>
+          <a:prstGeom prst="straightConnector1">
+            <a:avLst/>
+          </a:prstGeom>
+          <a:solidFill>
+            <a:schemeClr val="accent1"/>
+          </a:solidFill>
+          <a:ln w="9525" cap="flat" cmpd="sng" algn="ctr">
+            <a:solidFill>
+              <a:schemeClr val="tx1"/>
+            </a:solidFill>
+            <a:prstDash val="solid"/>
+            <a:round/>
+            <a:headEnd type="triangle"/>
+            <a:tailEnd type="triangle"/>
+          </a:ln>
+          <a:effectLst/>
+        </p:spPr>
+      </p:cxnSp>
+      <p:cxnSp>
+        <p:nvCxnSpPr>
+          <p:cNvPr id="34" name="直線箭頭接點 33"/>
+          <p:cNvCxnSpPr>
+            <a:stCxn id="7" idx="2"/>
+            <a:endCxn id="9" idx="0"/>
+          </p:cNvCxnSpPr>
+          <p:nvPr/>
+        </p:nvCxnSpPr>
+        <p:spPr bwMode="auto">
+          <a:xfrm>
+            <a:off x="3396134" y="4421124"/>
+            <a:ext cx="0" cy="500052"/>
+          </a:xfrm>
+          <a:prstGeom prst="straightConnector1">
+            <a:avLst/>
+          </a:prstGeom>
+          <a:solidFill>
+            <a:schemeClr val="accent1"/>
+          </a:solidFill>
+          <a:ln w="9525" cap="flat" cmpd="sng" algn="ctr">
+            <a:solidFill>
+              <a:schemeClr val="tx1"/>
+            </a:solidFill>
+            <a:prstDash val="solid"/>
+            <a:round/>
+            <a:headEnd type="triangle"/>
+            <a:tailEnd type="triangle"/>
+          </a:ln>
+          <a:effectLst/>
+        </p:spPr>
+      </p:cxnSp>
+      <p:cxnSp>
+        <p:nvCxnSpPr>
+          <p:cNvPr id="37" name="直線箭頭接點 36"/>
+          <p:cNvCxnSpPr>
+            <a:stCxn id="7" idx="3"/>
+            <a:endCxn id="8" idx="1"/>
+          </p:cNvCxnSpPr>
+          <p:nvPr/>
+        </p:nvCxnSpPr>
+        <p:spPr bwMode="auto">
+          <a:xfrm flipV="1">
+            <a:off x="4164484" y="2949993"/>
+            <a:ext cx="668017" cy="804381"/>
+          </a:xfrm>
+          <a:prstGeom prst="straightConnector1">
+            <a:avLst/>
+          </a:prstGeom>
+          <a:solidFill>
+            <a:schemeClr val="accent1"/>
+          </a:solidFill>
+          <a:ln w="9525" cap="flat" cmpd="sng" algn="ctr">
+            <a:solidFill>
+              <a:schemeClr val="tx1"/>
+            </a:solidFill>
+            <a:prstDash val="solid"/>
+            <a:round/>
+            <a:headEnd type="triangle"/>
+            <a:tailEnd type="triangle"/>
+          </a:ln>
+          <a:effectLst/>
+        </p:spPr>
+      </p:cxnSp>
+      <p:cxnSp>
+        <p:nvCxnSpPr>
+          <p:cNvPr id="39" name="直線箭頭接點 38"/>
+          <p:cNvCxnSpPr>
+            <a:endCxn id="11" idx="1"/>
+          </p:cNvCxnSpPr>
+          <p:nvPr/>
+        </p:nvCxnSpPr>
+        <p:spPr bwMode="auto">
+          <a:xfrm>
+            <a:off x="4164484" y="4042013"/>
+            <a:ext cx="668017" cy="723805"/>
+          </a:xfrm>
+          <a:prstGeom prst="straightConnector1">
+            <a:avLst/>
+          </a:prstGeom>
+          <a:solidFill>
+            <a:schemeClr val="accent1"/>
+          </a:solidFill>
+          <a:ln w="9525" cap="flat" cmpd="sng" algn="ctr">
+            <a:solidFill>
+              <a:schemeClr val="tx1"/>
+            </a:solidFill>
+            <a:prstDash val="solid"/>
+            <a:round/>
+            <a:headEnd type="triangle"/>
+            <a:tailEnd type="triangle"/>
+          </a:ln>
+          <a:effectLst/>
+        </p:spPr>
+      </p:cxnSp>
+      <p:sp>
+        <p:nvSpPr>
+          <p:cNvPr id="40" name="文字方塊 39"/>
+          <p:cNvSpPr txBox="1"/>
+          <p:nvPr/>
+        </p:nvSpPr>
+        <p:spPr>
+          <a:xfrm>
+            <a:off x="2555200" y="910864"/>
+            <a:ext cx="768159" cy="369332"/>
+          </a:xfrm>
+          <a:prstGeom prst="rect">
+            <a:avLst/>
+          </a:prstGeom>
+          <a:noFill/>
+        </p:spPr>
+        <p:txBody>
+          <a:bodyPr wrap="none" rtlCol="0">
+            <a:spAutoFit/>
+          </a:bodyPr>
+          <a:lstStyle/>
+          <a:p>
+            <a:r>
+              <a:rPr kumimoji="1" lang="en-US" altLang="zh-TW" dirty="0" smtClean="0">
+                <a:latin typeface="Times New Roman" charset="0"/>
+                <a:ea typeface="Times New Roman" charset="0"/>
+                <a:cs typeface="Times New Roman" charset="0"/>
+              </a:rPr>
+              <a:t>Peer 1</a:t>
+            </a:r>
+            <a:endParaRPr kumimoji="1" lang="zh-TW" altLang="en-US" dirty="0">
+              <a:latin typeface="Times New Roman" charset="0"/>
+              <a:ea typeface="Times New Roman" charset="0"/>
+              <a:cs typeface="Times New Roman" charset="0"/>
+            </a:endParaRPr>
+          </a:p>
+        </p:txBody>
+      </p:sp>
+    </p:spTree>
+    <p:extLst>
+      <p:ext uri="{BB962C8B-B14F-4D97-AF65-F5344CB8AC3E}">
+        <p14:creationId xmlns:p14="http://schemas.microsoft.com/office/powerpoint/2010/main" val="273738426"/>
+      </p:ext>
+    </p:extLst>
+  </p:cSld>
+  <p:clrMapOvr>
+    <a:masterClrMapping/>
+  </p:clrMapOvr>
+  <p:timing>
+    <p:tnLst>
+      <p:par>
+        <p:cTn id="1" dur="indefinite" restart="never" nodeType="tmRoot"/>
+      </p:par>
+    </p:tnLst>
+  </p:timing>
+</p:sld>
+</file>
+
+<file path=ppt/slides/slide14.xml><?xml version="1.0" encoding="utf-8"?>
+<p:sld xmlns:a="http://schemas.openxmlformats.org/drawingml/2006/main" xmlns:r="http://schemas.openxmlformats.org/officeDocument/2006/relationships" xmlns:p="http://schemas.openxmlformats.org/presentationml/2006/main">
+  <p:cSld>
+    <p:spTree>
+      <p:nvGrpSpPr>
+        <p:cNvPr id="1" name=""/>
+        <p:cNvGrpSpPr/>
+        <p:nvPr/>
+      </p:nvGrpSpPr>
+      <p:grpSpPr>
+        <a:xfrm>
+          <a:off x="0" y="0"/>
+          <a:ext cx="0" cy="0"/>
+          <a:chOff x="0" y="0"/>
+          <a:chExt cx="0" cy="0"/>
+        </a:xfrm>
+      </p:grpSpPr>
+      <p:sp>
+        <p:nvSpPr>
+          <p:cNvPr id="2" name="標題 1"/>
+          <p:cNvSpPr>
+            <a:spLocks noGrp="1"/>
+          </p:cNvSpPr>
+          <p:nvPr>
+            <p:ph type="title"/>
+          </p:nvPr>
+        </p:nvSpPr>
+        <p:spPr/>
+        <p:txBody>
+          <a:bodyPr/>
+          <a:lstStyle/>
+          <a:p>
+            <a:r>
+              <a:rPr kumimoji="1" lang="en-US" altLang="zh-TW" dirty="0" smtClean="0"/>
+              <a:t>Some Issues of </a:t>
+            </a:r>
+            <a:r>
+              <a:rPr kumimoji="1" lang="en-US" altLang="zh-TW" dirty="0" err="1" smtClean="0"/>
+              <a:t>BitTorrent</a:t>
+            </a:r>
+            <a:endParaRPr kumimoji="1" lang="zh-TW" altLang="en-US" dirty="0"/>
+          </a:p>
+        </p:txBody>
+      </p:sp>
+      <p:sp>
+        <p:nvSpPr>
+          <p:cNvPr id="3" name="內容版面配置區 2"/>
+          <p:cNvSpPr>
+            <a:spLocks noGrp="1"/>
+          </p:cNvSpPr>
+          <p:nvPr>
+            <p:ph idx="1"/>
+          </p:nvPr>
+        </p:nvSpPr>
+        <p:spPr/>
+        <p:txBody>
+          <a:bodyPr/>
+          <a:lstStyle/>
+          <a:p>
+            <a:r>
+              <a:rPr kumimoji="1" lang="en-US" altLang="zh-TW" b="1" dirty="0" smtClean="0"/>
+              <a:t>Peer Evolution</a:t>
+            </a:r>
+            <a:r>
+              <a:rPr kumimoji="1" lang="en-US" altLang="zh-TW" dirty="0" smtClean="0"/>
+              <a:t>: how the number of peers evolves as a function of the request arrival rate, the peer departure rate, the uploading/downloading bandwidth of each peer, etc.</a:t>
+            </a:r>
+          </a:p>
+          <a:p>
+            <a:r>
+              <a:rPr kumimoji="1" lang="en-US" altLang="zh-TW" b="1" dirty="0" smtClean="0"/>
+              <a:t>Scalability</a:t>
+            </a:r>
+            <a:r>
+              <a:rPr kumimoji="1" lang="en-US" altLang="zh-TW" dirty="0" smtClean="0"/>
+              <a:t>: as the size of the network (number of peers) grows, the network performance (average file downloading time) should preferably to actually improve.</a:t>
+            </a:r>
+          </a:p>
+          <a:p>
+            <a:r>
+              <a:rPr kumimoji="1" lang="en-US" altLang="zh-TW" b="1" dirty="0" smtClean="0"/>
+              <a:t>File Sharing Efficiency</a:t>
+            </a:r>
+            <a:r>
+              <a:rPr kumimoji="1" lang="en-US" altLang="zh-TW" dirty="0" smtClean="0"/>
+              <a:t>: as peers often have different uploading/downloading bandwidths, it is important to design a good file-sharing protocol such that the uploading/downloading bandwidths are fully utilized.</a:t>
+            </a:r>
+          </a:p>
+          <a:p>
+            <a:r>
+              <a:rPr kumimoji="1" lang="en-US" altLang="zh-TW" b="1" dirty="0" smtClean="0"/>
+              <a:t>Incentives to prevent free-riding</a:t>
+            </a:r>
+            <a:r>
+              <a:rPr kumimoji="1" lang="en-US" altLang="zh-TW" dirty="0" smtClean="0"/>
+              <a:t>: need to a mechanism to deter peers from free-riding (download from other </a:t>
+            </a:r>
+            <a:r>
+              <a:rPr kumimoji="1" lang="en-US" altLang="zh-TW" smtClean="0"/>
+              <a:t>peers while not uploading to others).</a:t>
+            </a:r>
+            <a:endParaRPr kumimoji="1" lang="zh-TW" altLang="en-US" dirty="0"/>
+          </a:p>
+        </p:txBody>
+      </p:sp>
+      <p:sp>
+        <p:nvSpPr>
+          <p:cNvPr id="4" name="頁尾版面配置區 3"/>
+          <p:cNvSpPr>
+            <a:spLocks noGrp="1"/>
+          </p:cNvSpPr>
+          <p:nvPr>
+            <p:ph type="ftr" sz="quarter" idx="11"/>
+          </p:nvPr>
+        </p:nvSpPr>
+        <p:spPr/>
+        <p:txBody>
+          <a:bodyPr/>
+          <a:lstStyle/>
+          <a:p>
+            <a:pPr>
+              <a:defRPr/>
+            </a:pPr>
+            <a:r>
+              <a:rPr lang="zh-TW" altLang="en-US" smtClean="0"/>
+              <a:t> </a:t>
+            </a:r>
+            <a:r>
+              <a:rPr lang="en-US" altLang="zh-TW" smtClean="0"/>
+              <a:t>Mobile Computing &amp; Data Mining Lab.</a:t>
+            </a:r>
+            <a:endParaRPr lang="en-US" altLang="zh-TW"/>
+          </a:p>
+        </p:txBody>
+      </p:sp>
+      <p:sp>
+        <p:nvSpPr>
+          <p:cNvPr id="5" name="投影片編號版面配置區 4"/>
+          <p:cNvSpPr>
+            <a:spLocks noGrp="1"/>
+          </p:cNvSpPr>
+          <p:nvPr>
+            <p:ph type="sldNum" sz="quarter" idx="12"/>
+          </p:nvPr>
+        </p:nvSpPr>
+        <p:spPr/>
+        <p:txBody>
+          <a:bodyPr/>
+          <a:lstStyle/>
+          <a:p>
+            <a:pPr>
+              <a:defRPr/>
+            </a:pPr>
+            <a:fld id="{7823135A-D7F7-45E8-89D0-FF7E75BBDD99}" type="slidenum">
+              <a:rPr lang="en-US" altLang="zh-TW" smtClean="0"/>
+              <a:pPr>
+                <a:defRPr/>
+              </a:pPr>
+              <a:t>14</a:t>
+            </a:fld>
+            <a:endParaRPr lang="en-US" altLang="zh-TW"/>
+          </a:p>
+        </p:txBody>
+      </p:sp>
+    </p:spTree>
+    <p:extLst>
+      <p:ext uri="{BB962C8B-B14F-4D97-AF65-F5344CB8AC3E}">
+        <p14:creationId xmlns:p14="http://schemas.microsoft.com/office/powerpoint/2010/main" val="1827752188"/>
+      </p:ext>
+    </p:extLst>
+  </p:cSld>
+  <p:clrMapOvr>
+    <a:masterClrMapping/>
+  </p:clrMapOvr>
+</p:sld>
+</file>
+
 <file path=ppt/slides/slide2.xml><?xml version="1.0" encoding="utf-8"?>
 <p:sld xmlns:a="http://schemas.openxmlformats.org/drawingml/2006/main" xmlns:r="http://schemas.openxmlformats.org/officeDocument/2006/relationships" xmlns:p="http://schemas.openxmlformats.org/presentationml/2006/main">
   <p:cSld>
@@ -5094,14 +9598,7 @@
                 <a:latin typeface="標楷體" pitchFamily="65" charset="-120"/>
                 <a:ea typeface="標楷體" pitchFamily="65" charset="-120"/>
               </a:rPr>
-              <a:t>Introduction to P2P </a:t>
-            </a:r>
-            <a:r>
-              <a:rPr kumimoji="0" lang="en-US" altLang="zh-TW" sz="2800" dirty="0" smtClean="0">
-                <a:latin typeface="標楷體" pitchFamily="65" charset="-120"/>
-                <a:ea typeface="標楷體" pitchFamily="65" charset="-120"/>
-              </a:rPr>
-              <a:t>network</a:t>
+              <a:t>Introduction to P2P network</a:t>
             </a:r>
             <a:endParaRPr kumimoji="0" lang="en-US" altLang="zh-TW" sz="2800" dirty="0">
               <a:latin typeface="標楷體" pitchFamily="65" charset="-120"/>
@@ -6855,14 +11352,7 @@
                 <a:latin typeface="標楷體" pitchFamily="65" charset="-120"/>
                 <a:ea typeface="標楷體" pitchFamily="65" charset="-120"/>
               </a:rPr>
-              <a:t>Introduction to P2P </a:t>
-            </a:r>
-            <a:r>
-              <a:rPr kumimoji="0" lang="en-US" altLang="zh-TW" sz="2800" b="1" dirty="0" smtClean="0">
-                <a:latin typeface="標楷體" pitchFamily="65" charset="-120"/>
-                <a:ea typeface="標楷體" pitchFamily="65" charset="-120"/>
-              </a:rPr>
-              <a:t>network</a:t>
+              <a:t>Introduction to P2P network</a:t>
             </a:r>
             <a:endParaRPr kumimoji="0" lang="en-US" altLang="zh-TW" sz="2800" b="1" dirty="0">
               <a:latin typeface="標楷體" pitchFamily="65" charset="-120"/>
@@ -8797,14 +13287,7 @@
                 <a:latin typeface="標楷體" pitchFamily="65" charset="-120"/>
                 <a:ea typeface="標楷體" pitchFamily="65" charset="-120"/>
               </a:rPr>
-              <a:t>Introduction to P2P </a:t>
-            </a:r>
-            <a:r>
-              <a:rPr kumimoji="0" lang="en-US" altLang="zh-TW" sz="2800" dirty="0" smtClean="0">
-                <a:latin typeface="標楷體" pitchFamily="65" charset="-120"/>
-                <a:ea typeface="標楷體" pitchFamily="65" charset="-120"/>
-              </a:rPr>
-              <a:t>network</a:t>
+              <a:t>Introduction to P2P network</a:t>
             </a:r>
             <a:endParaRPr kumimoji="0" lang="en-US" altLang="zh-TW" sz="2800" dirty="0">
               <a:latin typeface="標楷體" pitchFamily="65" charset="-120"/>
@@ -10567,6 +15050,13 @@
   <p:clrMapOvr>
     <a:masterClrMapping/>
   </p:clrMapOvr>
+  <p:timing>
+    <p:tnLst>
+      <p:par>
+        <p:cTn id="1" dur="indefinite" restart="never" nodeType="tmRoot"/>
+      </p:par>
+    </p:tnLst>
+  </p:timing>
 </p:sld>
 </file>
 
@@ -10620,25 +15110,6 @@
       </p:sp>
       <p:sp>
         <p:nvSpPr>
-          <p:cNvPr id="3" name="內容版面配置區 2"/>
-          <p:cNvSpPr>
-            <a:spLocks noGrp="1"/>
-          </p:cNvSpPr>
-          <p:nvPr>
-            <p:ph idx="1"/>
-          </p:nvPr>
-        </p:nvSpPr>
-        <p:spPr/>
-        <p:txBody>
-          <a:bodyPr/>
-          <a:lstStyle/>
-          <a:p>
-            <a:endParaRPr kumimoji="1" lang="zh-TW" altLang="en-US"/>
-          </a:p>
-        </p:txBody>
-      </p:sp>
-      <p:sp>
-        <p:nvSpPr>
           <p:cNvPr id="5" name="投影片編號版面配置區 4"/>
           <p:cNvSpPr>
             <a:spLocks noGrp="1"/>
@@ -10697,6 +15168,521 @@
           </a:p>
         </p:txBody>
       </p:sp>
+      <p:pic>
+        <p:nvPicPr>
+          <p:cNvPr id="12" name="圖片 11"/>
+          <p:cNvPicPr>
+            <a:picLocks noChangeAspect="1"/>
+          </p:cNvPicPr>
+          <p:nvPr/>
+        </p:nvPicPr>
+        <p:blipFill>
+          <a:blip r:embed="rId2">
+            <a:extLst>
+              <a:ext uri="{28A0092B-C50C-407E-A947-70E740481C1C}">
+                <a14:useLocalDpi xmlns:a14="http://schemas.microsoft.com/office/drawing/2010/main" val="0"/>
+              </a:ext>
+            </a:extLst>
+          </a:blip>
+          <a:stretch>
+            <a:fillRect/>
+          </a:stretch>
+        </p:blipFill>
+        <p:spPr>
+          <a:xfrm>
+            <a:off x="575812" y="1862555"/>
+            <a:ext cx="1062070" cy="1272575"/>
+          </a:xfrm>
+          <a:prstGeom prst="rect">
+            <a:avLst/>
+          </a:prstGeom>
+        </p:spPr>
+      </p:pic>
+      <p:pic>
+        <p:nvPicPr>
+          <p:cNvPr id="13" name="圖片 12"/>
+          <p:cNvPicPr>
+            <a:picLocks noChangeAspect="1"/>
+          </p:cNvPicPr>
+          <p:nvPr/>
+        </p:nvPicPr>
+        <p:blipFill>
+          <a:blip r:embed="rId2">
+            <a:extLst>
+              <a:ext uri="{28A0092B-C50C-407E-A947-70E740481C1C}">
+                <a14:useLocalDpi xmlns:a14="http://schemas.microsoft.com/office/drawing/2010/main" val="0"/>
+              </a:ext>
+            </a:extLst>
+          </a:blip>
+          <a:stretch>
+            <a:fillRect/>
+          </a:stretch>
+        </p:blipFill>
+        <p:spPr>
+          <a:xfrm>
+            <a:off x="575812" y="4143057"/>
+            <a:ext cx="1062070" cy="1272575"/>
+          </a:xfrm>
+          <a:prstGeom prst="rect">
+            <a:avLst/>
+          </a:prstGeom>
+        </p:spPr>
+      </p:pic>
+      <p:sp>
+        <p:nvSpPr>
+          <p:cNvPr id="19" name="文字方塊 18"/>
+          <p:cNvSpPr txBox="1"/>
+          <p:nvPr/>
+        </p:nvSpPr>
+        <p:spPr>
+          <a:xfrm>
+            <a:off x="575812" y="5467420"/>
+            <a:ext cx="894732" cy="369332"/>
+          </a:xfrm>
+          <a:prstGeom prst="rect">
+            <a:avLst/>
+          </a:prstGeom>
+          <a:noFill/>
+        </p:spPr>
+        <p:txBody>
+          <a:bodyPr wrap="none" rtlCol="0">
+            <a:spAutoFit/>
+          </a:bodyPr>
+          <a:lstStyle/>
+          <a:p>
+            <a:r>
+              <a:rPr kumimoji="1" lang="en-US" altLang="zh-TW" dirty="0" smtClean="0">
+                <a:latin typeface="Times New Roman" charset="0"/>
+                <a:ea typeface="Times New Roman" charset="0"/>
+                <a:cs typeface="Times New Roman" charset="0"/>
+              </a:rPr>
+              <a:t>Tracker</a:t>
+            </a:r>
+            <a:endParaRPr kumimoji="1" lang="zh-TW" altLang="en-US" dirty="0">
+              <a:latin typeface="Times New Roman" charset="0"/>
+              <a:ea typeface="Times New Roman" charset="0"/>
+              <a:cs typeface="Times New Roman" charset="0"/>
+            </a:endParaRPr>
+          </a:p>
+        </p:txBody>
+      </p:sp>
+      <p:sp>
+        <p:nvSpPr>
+          <p:cNvPr id="20" name="文字方塊 19"/>
+          <p:cNvSpPr txBox="1"/>
+          <p:nvPr/>
+        </p:nvSpPr>
+        <p:spPr>
+          <a:xfrm>
+            <a:off x="475520" y="3152066"/>
+            <a:ext cx="1262653" cy="369332"/>
+          </a:xfrm>
+          <a:prstGeom prst="rect">
+            <a:avLst/>
+          </a:prstGeom>
+          <a:noFill/>
+        </p:spPr>
+        <p:txBody>
+          <a:bodyPr wrap="none" rtlCol="0">
+            <a:spAutoFit/>
+          </a:bodyPr>
+          <a:lstStyle/>
+          <a:p>
+            <a:r>
+              <a:rPr lang="en-US" altLang="zh-TW" smtClean="0">
+                <a:latin typeface="Times New Roman" charset="0"/>
+                <a:ea typeface="Times New Roman" charset="0"/>
+                <a:cs typeface="Times New Roman" charset="0"/>
+              </a:rPr>
+              <a:t>Web Server</a:t>
+            </a:r>
+            <a:endParaRPr kumimoji="1" lang="zh-TW" altLang="en-US" dirty="0">
+              <a:latin typeface="Times New Roman" charset="0"/>
+              <a:ea typeface="Times New Roman" charset="0"/>
+              <a:cs typeface="Times New Roman" charset="0"/>
+            </a:endParaRPr>
+          </a:p>
+        </p:txBody>
+      </p:sp>
+      <p:sp>
+        <p:nvSpPr>
+          <p:cNvPr id="22" name="文字方塊 21"/>
+          <p:cNvSpPr txBox="1"/>
+          <p:nvPr/>
+        </p:nvSpPr>
+        <p:spPr>
+          <a:xfrm>
+            <a:off x="6415582" y="989350"/>
+            <a:ext cx="2736647" cy="1200329"/>
+          </a:xfrm>
+          <a:prstGeom prst="rect">
+            <a:avLst/>
+          </a:prstGeom>
+          <a:noFill/>
+        </p:spPr>
+        <p:txBody>
+          <a:bodyPr wrap="none" rtlCol="0">
+            <a:spAutoFit/>
+          </a:bodyPr>
+          <a:lstStyle/>
+          <a:p>
+            <a:pPr marL="285750" indent="-285750">
+              <a:buFont typeface="Wingdings" charset="2"/>
+              <a:buChar char="Ø"/>
+            </a:pPr>
+            <a:r>
+              <a:rPr lang="en-US" altLang="zh-TW" dirty="0" smtClean="0">
+                <a:latin typeface="Times New Roman" charset="0"/>
+                <a:ea typeface="Times New Roman" charset="0"/>
+                <a:cs typeface="Times New Roman" charset="0"/>
+              </a:rPr>
+              <a:t>In this network, there</a:t>
+            </a:r>
+            <a:br>
+              <a:rPr lang="en-US" altLang="zh-TW" dirty="0" smtClean="0">
+                <a:latin typeface="Times New Roman" charset="0"/>
+                <a:ea typeface="Times New Roman" charset="0"/>
+                <a:cs typeface="Times New Roman" charset="0"/>
+              </a:rPr>
+            </a:br>
+            <a:r>
+              <a:rPr lang="en-US" altLang="zh-TW" dirty="0" smtClean="0">
+                <a:latin typeface="Times New Roman" charset="0"/>
+                <a:ea typeface="Times New Roman" charset="0"/>
+                <a:cs typeface="Times New Roman" charset="0"/>
+              </a:rPr>
+              <a:t>are 4 peers downloading</a:t>
+            </a:r>
+            <a:br>
+              <a:rPr lang="en-US" altLang="zh-TW" dirty="0" smtClean="0">
+                <a:latin typeface="Times New Roman" charset="0"/>
+                <a:ea typeface="Times New Roman" charset="0"/>
+                <a:cs typeface="Times New Roman" charset="0"/>
+              </a:rPr>
+            </a:br>
+            <a:r>
+              <a:rPr lang="en-US" altLang="zh-TW" dirty="0" smtClean="0">
+                <a:latin typeface="Times New Roman" charset="0"/>
+                <a:ea typeface="Times New Roman" charset="0"/>
+                <a:cs typeface="Times New Roman" charset="0"/>
+              </a:rPr>
+              <a:t>pieces of the file of</a:t>
+            </a:r>
+            <a:br>
+              <a:rPr lang="en-US" altLang="zh-TW" dirty="0" smtClean="0">
+                <a:latin typeface="Times New Roman" charset="0"/>
+                <a:ea typeface="Times New Roman" charset="0"/>
+                <a:cs typeface="Times New Roman" charset="0"/>
+              </a:rPr>
+            </a:br>
+            <a:r>
+              <a:rPr lang="en-US" altLang="zh-TW" dirty="0" smtClean="0">
+                <a:latin typeface="Times New Roman" charset="0"/>
+                <a:ea typeface="Times New Roman" charset="0"/>
+                <a:cs typeface="Times New Roman" charset="0"/>
+              </a:rPr>
+              <a:t>interest.</a:t>
+            </a:r>
+            <a:endParaRPr kumimoji="1" lang="zh-TW" altLang="en-US" dirty="0">
+              <a:latin typeface="Times New Roman" charset="0"/>
+              <a:ea typeface="Times New Roman" charset="0"/>
+              <a:cs typeface="Times New Roman" charset="0"/>
+            </a:endParaRPr>
+          </a:p>
+        </p:txBody>
+      </p:sp>
+      <p:pic>
+        <p:nvPicPr>
+          <p:cNvPr id="25" name="內容版面配置區 3"/>
+          <p:cNvPicPr>
+            <a:picLocks noGrp="1" noChangeAspect="1"/>
+          </p:cNvPicPr>
+          <p:nvPr>
+            <p:ph idx="1"/>
+          </p:nvPr>
+        </p:nvPicPr>
+        <p:blipFill>
+          <a:blip r:embed="rId3">
+            <a:extLst>
+              <a:ext uri="{28A0092B-C50C-407E-A947-70E740481C1C}">
+                <a14:useLocalDpi xmlns:a14="http://schemas.microsoft.com/office/drawing/2010/main" val="0"/>
+              </a:ext>
+            </a:extLst>
+          </a:blip>
+          <a:stretch>
+            <a:fillRect/>
+          </a:stretch>
+        </p:blipFill>
+        <p:spPr>
+          <a:xfrm>
+            <a:off x="2627784" y="1117104"/>
+            <a:ext cx="1536700" cy="1333500"/>
+          </a:xfrm>
+        </p:spPr>
+      </p:pic>
+      <p:pic>
+        <p:nvPicPr>
+          <p:cNvPr id="27" name="內容版面配置區 3"/>
+          <p:cNvPicPr>
+            <a:picLocks noChangeAspect="1"/>
+          </p:cNvPicPr>
+          <p:nvPr/>
+        </p:nvPicPr>
+        <p:blipFill>
+          <a:blip r:embed="rId3">
+            <a:extLst>
+              <a:ext uri="{28A0092B-C50C-407E-A947-70E740481C1C}">
+                <a14:useLocalDpi xmlns:a14="http://schemas.microsoft.com/office/drawing/2010/main" val="0"/>
+              </a:ext>
+            </a:extLst>
+          </a:blip>
+          <a:stretch>
+            <a:fillRect/>
+          </a:stretch>
+        </p:blipFill>
+        <p:spPr bwMode="auto">
+          <a:xfrm>
+            <a:off x="4832501" y="2283243"/>
+            <a:ext cx="1536700" cy="1333500"/>
+          </a:xfrm>
+          <a:prstGeom prst="rect">
+            <a:avLst/>
+          </a:prstGeom>
+          <a:noFill/>
+          <a:ln w="9525">
+            <a:noFill/>
+            <a:miter lim="800000"/>
+            <a:headEnd/>
+            <a:tailEnd/>
+          </a:ln>
+        </p:spPr>
+      </p:pic>
+      <p:pic>
+        <p:nvPicPr>
+          <p:cNvPr id="28" name="內容版面配置區 3"/>
+          <p:cNvPicPr>
+            <a:picLocks noChangeAspect="1"/>
+          </p:cNvPicPr>
+          <p:nvPr/>
+        </p:nvPicPr>
+        <p:blipFill>
+          <a:blip r:embed="rId3">
+            <a:extLst>
+              <a:ext uri="{28A0092B-C50C-407E-A947-70E740481C1C}">
+                <a14:useLocalDpi xmlns:a14="http://schemas.microsoft.com/office/drawing/2010/main" val="0"/>
+              </a:ext>
+            </a:extLst>
+          </a:blip>
+          <a:stretch>
+            <a:fillRect/>
+          </a:stretch>
+        </p:blipFill>
+        <p:spPr bwMode="auto">
+          <a:xfrm>
+            <a:off x="2627784" y="4921176"/>
+            <a:ext cx="1536700" cy="1333500"/>
+          </a:xfrm>
+          <a:prstGeom prst="rect">
+            <a:avLst/>
+          </a:prstGeom>
+          <a:noFill/>
+          <a:ln w="9525">
+            <a:noFill/>
+            <a:miter lim="800000"/>
+            <a:headEnd/>
+            <a:tailEnd/>
+          </a:ln>
+        </p:spPr>
+      </p:pic>
+      <p:pic>
+        <p:nvPicPr>
+          <p:cNvPr id="29" name="內容版面配置區 3"/>
+          <p:cNvPicPr>
+            <a:picLocks noChangeAspect="1"/>
+          </p:cNvPicPr>
+          <p:nvPr/>
+        </p:nvPicPr>
+        <p:blipFill>
+          <a:blip r:embed="rId3">
+            <a:extLst>
+              <a:ext uri="{28A0092B-C50C-407E-A947-70E740481C1C}">
+                <a14:useLocalDpi xmlns:a14="http://schemas.microsoft.com/office/drawing/2010/main" val="0"/>
+              </a:ext>
+            </a:extLst>
+          </a:blip>
+          <a:stretch>
+            <a:fillRect/>
+          </a:stretch>
+        </p:blipFill>
+        <p:spPr bwMode="auto">
+          <a:xfrm>
+            <a:off x="4832501" y="4099068"/>
+            <a:ext cx="1536700" cy="1333500"/>
+          </a:xfrm>
+          <a:prstGeom prst="rect">
+            <a:avLst/>
+          </a:prstGeom>
+          <a:noFill/>
+          <a:ln w="9525">
+            <a:noFill/>
+            <a:miter lim="800000"/>
+            <a:headEnd/>
+            <a:tailEnd/>
+          </a:ln>
+        </p:spPr>
+      </p:pic>
+      <p:sp>
+        <p:nvSpPr>
+          <p:cNvPr id="30" name="文字方塊 29"/>
+          <p:cNvSpPr txBox="1"/>
+          <p:nvPr/>
+        </p:nvSpPr>
+        <p:spPr>
+          <a:xfrm>
+            <a:off x="2555200" y="910864"/>
+            <a:ext cx="768159" cy="369332"/>
+          </a:xfrm>
+          <a:prstGeom prst="rect">
+            <a:avLst/>
+          </a:prstGeom>
+          <a:noFill/>
+        </p:spPr>
+        <p:txBody>
+          <a:bodyPr wrap="none" rtlCol="0">
+            <a:spAutoFit/>
+          </a:bodyPr>
+          <a:lstStyle/>
+          <a:p>
+            <a:r>
+              <a:rPr kumimoji="1" lang="en-US" altLang="zh-TW" dirty="0" smtClean="0">
+                <a:latin typeface="Times New Roman" charset="0"/>
+                <a:ea typeface="Times New Roman" charset="0"/>
+                <a:cs typeface="Times New Roman" charset="0"/>
+              </a:rPr>
+              <a:t>Peer 1</a:t>
+            </a:r>
+            <a:endParaRPr kumimoji="1" lang="zh-TW" altLang="en-US" dirty="0">
+              <a:latin typeface="Times New Roman" charset="0"/>
+              <a:ea typeface="Times New Roman" charset="0"/>
+              <a:cs typeface="Times New Roman" charset="0"/>
+            </a:endParaRPr>
+          </a:p>
+        </p:txBody>
+      </p:sp>
+      <p:sp>
+        <p:nvSpPr>
+          <p:cNvPr id="31" name="文字方塊 30"/>
+          <p:cNvSpPr txBox="1"/>
+          <p:nvPr/>
+        </p:nvSpPr>
+        <p:spPr>
+          <a:xfrm>
+            <a:off x="5036896" y="2063458"/>
+            <a:ext cx="768159" cy="369332"/>
+          </a:xfrm>
+          <a:prstGeom prst="rect">
+            <a:avLst/>
+          </a:prstGeom>
+          <a:noFill/>
+        </p:spPr>
+        <p:txBody>
+          <a:bodyPr wrap="none" rtlCol="0">
+            <a:spAutoFit/>
+          </a:bodyPr>
+          <a:lstStyle/>
+          <a:p>
+            <a:r>
+              <a:rPr kumimoji="1" lang="en-US" altLang="zh-TW" dirty="0" smtClean="0">
+                <a:latin typeface="Times New Roman" charset="0"/>
+                <a:ea typeface="Times New Roman" charset="0"/>
+                <a:cs typeface="Times New Roman" charset="0"/>
+              </a:rPr>
+              <a:t>Peer 2</a:t>
+            </a:r>
+            <a:endParaRPr kumimoji="1" lang="zh-TW" altLang="en-US" dirty="0">
+              <a:latin typeface="Times New Roman" charset="0"/>
+              <a:ea typeface="Times New Roman" charset="0"/>
+              <a:cs typeface="Times New Roman" charset="0"/>
+            </a:endParaRPr>
+          </a:p>
+        </p:txBody>
+      </p:sp>
+      <p:sp>
+        <p:nvSpPr>
+          <p:cNvPr id="32" name="文字方塊 31"/>
+          <p:cNvSpPr txBox="1"/>
+          <p:nvPr/>
+        </p:nvSpPr>
+        <p:spPr>
+          <a:xfrm>
+            <a:off x="5036896" y="3908771"/>
+            <a:ext cx="768159" cy="369332"/>
+          </a:xfrm>
+          <a:prstGeom prst="rect">
+            <a:avLst/>
+          </a:prstGeom>
+          <a:noFill/>
+        </p:spPr>
+        <p:txBody>
+          <a:bodyPr wrap="none" rtlCol="0">
+            <a:spAutoFit/>
+          </a:bodyPr>
+          <a:lstStyle/>
+          <a:p>
+            <a:r>
+              <a:rPr kumimoji="1" lang="en-US" altLang="zh-TW" dirty="0" smtClean="0">
+                <a:latin typeface="Times New Roman" charset="0"/>
+                <a:ea typeface="Times New Roman" charset="0"/>
+                <a:cs typeface="Times New Roman" charset="0"/>
+              </a:rPr>
+              <a:t>Peer 3</a:t>
+            </a:r>
+            <a:endParaRPr kumimoji="1" lang="zh-TW" altLang="en-US" dirty="0">
+              <a:latin typeface="Times New Roman" charset="0"/>
+              <a:ea typeface="Times New Roman" charset="0"/>
+              <a:cs typeface="Times New Roman" charset="0"/>
+            </a:endParaRPr>
+          </a:p>
+        </p:txBody>
+      </p:sp>
+      <p:sp>
+        <p:nvSpPr>
+          <p:cNvPr id="33" name="文字方塊 32"/>
+          <p:cNvSpPr txBox="1"/>
+          <p:nvPr/>
+        </p:nvSpPr>
+        <p:spPr>
+          <a:xfrm>
+            <a:off x="2555201" y="4736510"/>
+            <a:ext cx="768159" cy="369332"/>
+          </a:xfrm>
+          <a:prstGeom prst="rect">
+            <a:avLst/>
+          </a:prstGeom>
+          <a:noFill/>
+        </p:spPr>
+        <p:txBody>
+          <a:bodyPr wrap="none" rtlCol="0">
+            <a:spAutoFit/>
+          </a:bodyPr>
+          <a:lstStyle/>
+          <a:p>
+            <a:r>
+              <a:rPr kumimoji="1" lang="en-US" altLang="zh-TW" dirty="0" smtClean="0">
+                <a:latin typeface="Times New Roman" charset="0"/>
+                <a:ea typeface="Times New Roman" charset="0"/>
+                <a:cs typeface="Times New Roman" charset="0"/>
+              </a:rPr>
+              <a:t>Peer 4</a:t>
+            </a:r>
+            <a:endParaRPr kumimoji="1" lang="zh-TW" altLang="en-US" dirty="0">
+              <a:latin typeface="Times New Roman" charset="0"/>
+              <a:ea typeface="Times New Roman" charset="0"/>
+              <a:cs typeface="Times New Roman" charset="0"/>
+            </a:endParaRPr>
+          </a:p>
+        </p:txBody>
+      </p:sp>
     </p:spTree>
     <p:extLst>
       <p:ext uri="{BB962C8B-B14F-4D97-AF65-F5344CB8AC3E}">
@@ -10707,6 +15693,804 @@
   <p:clrMapOvr>
     <a:masterClrMapping/>
   </p:clrMapOvr>
+  <p:timing>
+    <p:tnLst>
+      <p:par>
+        <p:cTn id="1" dur="indefinite" restart="never" nodeType="tmRoot"/>
+      </p:par>
+    </p:tnLst>
+  </p:timing>
+</p:sld>
+</file>
+
+<file path=ppt/slides/slide9.xml><?xml version="1.0" encoding="utf-8"?>
+<p:sld xmlns:a="http://schemas.openxmlformats.org/drawingml/2006/main" xmlns:r="http://schemas.openxmlformats.org/officeDocument/2006/relationships" xmlns:p="http://schemas.openxmlformats.org/presentationml/2006/main">
+  <p:cSld>
+    <p:spTree>
+      <p:nvGrpSpPr>
+        <p:cNvPr id="1" name=""/>
+        <p:cNvGrpSpPr/>
+        <p:nvPr/>
+      </p:nvGrpSpPr>
+      <p:grpSpPr>
+        <a:xfrm>
+          <a:off x="0" y="0"/>
+          <a:ext cx="0" cy="0"/>
+          <a:chOff x="0" y="0"/>
+          <a:chExt cx="0" cy="0"/>
+        </a:xfrm>
+      </p:grpSpPr>
+      <p:sp>
+        <p:nvSpPr>
+          <p:cNvPr id="2" name="標題 1"/>
+          <p:cNvSpPr>
+            <a:spLocks noGrp="1"/>
+          </p:cNvSpPr>
+          <p:nvPr>
+            <p:ph type="title"/>
+          </p:nvPr>
+        </p:nvSpPr>
+        <p:spPr/>
+        <p:txBody>
+          <a:bodyPr/>
+          <a:lstStyle/>
+          <a:p>
+            <a:r>
+              <a:rPr kumimoji="1" lang="en-US" altLang="zh-TW" dirty="0" smtClean="0"/>
+              <a:t>How do </a:t>
+            </a:r>
+            <a:r>
+              <a:rPr kumimoji="1" lang="en-US" altLang="zh-TW" dirty="0" err="1" smtClean="0"/>
+              <a:t>BitTorrent</a:t>
+            </a:r>
+            <a:r>
+              <a:rPr kumimoji="1" lang="en-US" altLang="zh-TW" dirty="0" smtClean="0"/>
+              <a:t> work?</a:t>
+            </a:r>
+            <a:endParaRPr kumimoji="1" lang="zh-TW" altLang="en-US" dirty="0"/>
+          </a:p>
+        </p:txBody>
+      </p:sp>
+      <p:sp>
+        <p:nvSpPr>
+          <p:cNvPr id="5" name="投影片編號版面配置區 4"/>
+          <p:cNvSpPr>
+            <a:spLocks noGrp="1"/>
+          </p:cNvSpPr>
+          <p:nvPr>
+            <p:ph type="sldNum" sz="quarter" idx="12"/>
+          </p:nvPr>
+        </p:nvSpPr>
+        <p:spPr/>
+        <p:txBody>
+          <a:bodyPr/>
+          <a:lstStyle/>
+          <a:p>
+            <a:pPr>
+              <a:defRPr/>
+            </a:pPr>
+            <a:fld id="{7823135A-D7F7-45E8-89D0-FF7E75BBDD99}" type="slidenum">
+              <a:rPr lang="en-US" altLang="zh-TW" smtClean="0"/>
+              <a:pPr>
+                <a:defRPr/>
+              </a:pPr>
+              <a:t>9</a:t>
+            </a:fld>
+            <a:endParaRPr lang="en-US" altLang="zh-TW"/>
+          </a:p>
+        </p:txBody>
+      </p:sp>
+      <p:sp>
+        <p:nvSpPr>
+          <p:cNvPr id="6" name="頁尾版面配置區 5"/>
+          <p:cNvSpPr>
+            <a:spLocks noGrp="1"/>
+          </p:cNvSpPr>
+          <p:nvPr>
+            <p:ph type="ftr" sz="quarter" idx="11"/>
+          </p:nvPr>
+        </p:nvSpPr>
+        <p:spPr>
+          <a:xfrm>
+            <a:off x="5943600" y="6512768"/>
+            <a:ext cx="2895600" cy="228600"/>
+          </a:xfrm>
+        </p:spPr>
+        <p:txBody>
+          <a:bodyPr/>
+          <a:lstStyle/>
+          <a:p>
+            <a:pPr>
+              <a:defRPr/>
+            </a:pPr>
+            <a:r>
+              <a:rPr lang="en-US" altLang="zh-TW" dirty="0" smtClean="0"/>
+              <a:t>Performance Evaluation 2016 Spring</a:t>
+            </a:r>
+            <a:endParaRPr lang="en-US" altLang="zh-TW" dirty="0"/>
+          </a:p>
+        </p:txBody>
+      </p:sp>
+      <p:pic>
+        <p:nvPicPr>
+          <p:cNvPr id="12" name="圖片 11"/>
+          <p:cNvPicPr>
+            <a:picLocks noChangeAspect="1"/>
+          </p:cNvPicPr>
+          <p:nvPr/>
+        </p:nvPicPr>
+        <p:blipFill>
+          <a:blip r:embed="rId2">
+            <a:extLst>
+              <a:ext uri="{28A0092B-C50C-407E-A947-70E740481C1C}">
+                <a14:useLocalDpi xmlns:a14="http://schemas.microsoft.com/office/drawing/2010/main" val="0"/>
+              </a:ext>
+            </a:extLst>
+          </a:blip>
+          <a:stretch>
+            <a:fillRect/>
+          </a:stretch>
+        </p:blipFill>
+        <p:spPr>
+          <a:xfrm>
+            <a:off x="575812" y="1862555"/>
+            <a:ext cx="1062070" cy="1272575"/>
+          </a:xfrm>
+          <a:prstGeom prst="rect">
+            <a:avLst/>
+          </a:prstGeom>
+        </p:spPr>
+      </p:pic>
+      <p:pic>
+        <p:nvPicPr>
+          <p:cNvPr id="13" name="圖片 12"/>
+          <p:cNvPicPr>
+            <a:picLocks noChangeAspect="1"/>
+          </p:cNvPicPr>
+          <p:nvPr/>
+        </p:nvPicPr>
+        <p:blipFill>
+          <a:blip r:embed="rId2">
+            <a:extLst>
+              <a:ext uri="{28A0092B-C50C-407E-A947-70E740481C1C}">
+                <a14:useLocalDpi xmlns:a14="http://schemas.microsoft.com/office/drawing/2010/main" val="0"/>
+              </a:ext>
+            </a:extLst>
+          </a:blip>
+          <a:stretch>
+            <a:fillRect/>
+          </a:stretch>
+        </p:blipFill>
+        <p:spPr>
+          <a:xfrm>
+            <a:off x="575812" y="4143057"/>
+            <a:ext cx="1062070" cy="1272575"/>
+          </a:xfrm>
+          <a:prstGeom prst="rect">
+            <a:avLst/>
+          </a:prstGeom>
+        </p:spPr>
+      </p:pic>
+      <p:sp>
+        <p:nvSpPr>
+          <p:cNvPr id="19" name="文字方塊 18"/>
+          <p:cNvSpPr txBox="1"/>
+          <p:nvPr/>
+        </p:nvSpPr>
+        <p:spPr>
+          <a:xfrm>
+            <a:off x="575812" y="5467420"/>
+            <a:ext cx="894732" cy="369332"/>
+          </a:xfrm>
+          <a:prstGeom prst="rect">
+            <a:avLst/>
+          </a:prstGeom>
+          <a:noFill/>
+        </p:spPr>
+        <p:txBody>
+          <a:bodyPr wrap="none" rtlCol="0">
+            <a:spAutoFit/>
+          </a:bodyPr>
+          <a:lstStyle/>
+          <a:p>
+            <a:r>
+              <a:rPr kumimoji="1" lang="en-US" altLang="zh-TW" dirty="0" smtClean="0">
+                <a:latin typeface="Times New Roman" charset="0"/>
+                <a:ea typeface="Times New Roman" charset="0"/>
+                <a:cs typeface="Times New Roman" charset="0"/>
+              </a:rPr>
+              <a:t>Tracker</a:t>
+            </a:r>
+            <a:endParaRPr kumimoji="1" lang="zh-TW" altLang="en-US" dirty="0">
+              <a:latin typeface="Times New Roman" charset="0"/>
+              <a:ea typeface="Times New Roman" charset="0"/>
+              <a:cs typeface="Times New Roman" charset="0"/>
+            </a:endParaRPr>
+          </a:p>
+        </p:txBody>
+      </p:sp>
+      <p:sp>
+        <p:nvSpPr>
+          <p:cNvPr id="20" name="文字方塊 19"/>
+          <p:cNvSpPr txBox="1"/>
+          <p:nvPr/>
+        </p:nvSpPr>
+        <p:spPr>
+          <a:xfrm>
+            <a:off x="475520" y="3152066"/>
+            <a:ext cx="1262653" cy="369332"/>
+          </a:xfrm>
+          <a:prstGeom prst="rect">
+            <a:avLst/>
+          </a:prstGeom>
+          <a:noFill/>
+        </p:spPr>
+        <p:txBody>
+          <a:bodyPr wrap="none" rtlCol="0">
+            <a:spAutoFit/>
+          </a:bodyPr>
+          <a:lstStyle/>
+          <a:p>
+            <a:r>
+              <a:rPr lang="en-US" altLang="zh-TW" smtClean="0">
+                <a:latin typeface="Times New Roman" charset="0"/>
+                <a:ea typeface="Times New Roman" charset="0"/>
+                <a:cs typeface="Times New Roman" charset="0"/>
+              </a:rPr>
+              <a:t>Web Server</a:t>
+            </a:r>
+            <a:endParaRPr kumimoji="1" lang="zh-TW" altLang="en-US" dirty="0">
+              <a:latin typeface="Times New Roman" charset="0"/>
+              <a:ea typeface="Times New Roman" charset="0"/>
+              <a:cs typeface="Times New Roman" charset="0"/>
+            </a:endParaRPr>
+          </a:p>
+        </p:txBody>
+      </p:sp>
+      <p:sp>
+        <p:nvSpPr>
+          <p:cNvPr id="24" name="文字方塊 23"/>
+          <p:cNvSpPr txBox="1"/>
+          <p:nvPr/>
+        </p:nvSpPr>
+        <p:spPr>
+          <a:xfrm>
+            <a:off x="6415583" y="2215932"/>
+            <a:ext cx="2717411" cy="646331"/>
+          </a:xfrm>
+          <a:prstGeom prst="rect">
+            <a:avLst/>
+          </a:prstGeom>
+          <a:noFill/>
+        </p:spPr>
+        <p:txBody>
+          <a:bodyPr wrap="none" rtlCol="0">
+            <a:spAutoFit/>
+          </a:bodyPr>
+          <a:lstStyle/>
+          <a:p>
+            <a:pPr marL="285750" indent="-285750">
+              <a:buFont typeface="Wingdings" charset="2"/>
+              <a:buChar char="Ø"/>
+            </a:pPr>
+            <a:r>
+              <a:rPr kumimoji="1" lang="en-US" altLang="zh-TW" dirty="0" smtClean="0">
+                <a:latin typeface="Times New Roman" charset="0"/>
+                <a:ea typeface="Times New Roman" charset="0"/>
+                <a:cs typeface="Times New Roman" charset="0"/>
+              </a:rPr>
+              <a:t>Peer 5 joins the</a:t>
+            </a:r>
+            <a:r>
+              <a:rPr lang="en-US" altLang="zh-TW" dirty="0">
+                <a:latin typeface="Times New Roman" charset="0"/>
+                <a:ea typeface="Times New Roman" charset="0"/>
+                <a:cs typeface="Times New Roman" charset="0"/>
+              </a:rPr>
+              <a:t> </a:t>
+            </a:r>
+            <a:r>
+              <a:rPr kumimoji="1" lang="en-US" altLang="zh-TW" dirty="0" smtClean="0">
+                <a:latin typeface="Times New Roman" charset="0"/>
+                <a:ea typeface="Times New Roman" charset="0"/>
+                <a:cs typeface="Times New Roman" charset="0"/>
+              </a:rPr>
+              <a:t>network</a:t>
+            </a:r>
+            <a:br>
+              <a:rPr kumimoji="1" lang="en-US" altLang="zh-TW" dirty="0" smtClean="0">
+                <a:latin typeface="Times New Roman" charset="0"/>
+                <a:ea typeface="Times New Roman" charset="0"/>
+                <a:cs typeface="Times New Roman" charset="0"/>
+              </a:rPr>
+            </a:br>
+            <a:r>
+              <a:rPr kumimoji="1" lang="en-US" altLang="zh-TW" dirty="0" smtClean="0">
+                <a:latin typeface="Times New Roman" charset="0"/>
+                <a:ea typeface="Times New Roman" charset="0"/>
+                <a:cs typeface="Times New Roman" charset="0"/>
+              </a:rPr>
+              <a:t>to download the file.</a:t>
+            </a:r>
+            <a:endParaRPr kumimoji="1" lang="zh-TW" altLang="en-US" dirty="0">
+              <a:latin typeface="Times New Roman" charset="0"/>
+              <a:ea typeface="Times New Roman" charset="0"/>
+              <a:cs typeface="Times New Roman" charset="0"/>
+            </a:endParaRPr>
+          </a:p>
+        </p:txBody>
+      </p:sp>
+      <p:sp>
+        <p:nvSpPr>
+          <p:cNvPr id="25" name="文字方塊 24"/>
+          <p:cNvSpPr txBox="1"/>
+          <p:nvPr/>
+        </p:nvSpPr>
+        <p:spPr>
+          <a:xfrm>
+            <a:off x="6415582" y="989350"/>
+            <a:ext cx="2736647" cy="1200329"/>
+          </a:xfrm>
+          <a:prstGeom prst="rect">
+            <a:avLst/>
+          </a:prstGeom>
+          <a:noFill/>
+        </p:spPr>
+        <p:txBody>
+          <a:bodyPr wrap="none" rtlCol="0">
+            <a:spAutoFit/>
+          </a:bodyPr>
+          <a:lstStyle/>
+          <a:p>
+            <a:pPr marL="285750" indent="-285750">
+              <a:buFont typeface="Wingdings" charset="2"/>
+              <a:buChar char="Ø"/>
+            </a:pPr>
+            <a:r>
+              <a:rPr lang="en-US" altLang="zh-TW" dirty="0" smtClean="0">
+                <a:latin typeface="Times New Roman" charset="0"/>
+                <a:ea typeface="Times New Roman" charset="0"/>
+                <a:cs typeface="Times New Roman" charset="0"/>
+              </a:rPr>
+              <a:t>In this network, there</a:t>
+            </a:r>
+            <a:br>
+              <a:rPr lang="en-US" altLang="zh-TW" dirty="0" smtClean="0">
+                <a:latin typeface="Times New Roman" charset="0"/>
+                <a:ea typeface="Times New Roman" charset="0"/>
+                <a:cs typeface="Times New Roman" charset="0"/>
+              </a:rPr>
+            </a:br>
+            <a:r>
+              <a:rPr lang="en-US" altLang="zh-TW" dirty="0" smtClean="0">
+                <a:latin typeface="Times New Roman" charset="0"/>
+                <a:ea typeface="Times New Roman" charset="0"/>
+                <a:cs typeface="Times New Roman" charset="0"/>
+              </a:rPr>
+              <a:t>are 4 peers downloading</a:t>
+            </a:r>
+            <a:br>
+              <a:rPr lang="en-US" altLang="zh-TW" dirty="0" smtClean="0">
+                <a:latin typeface="Times New Roman" charset="0"/>
+                <a:ea typeface="Times New Roman" charset="0"/>
+                <a:cs typeface="Times New Roman" charset="0"/>
+              </a:rPr>
+            </a:br>
+            <a:r>
+              <a:rPr lang="en-US" altLang="zh-TW" dirty="0" smtClean="0">
+                <a:latin typeface="Times New Roman" charset="0"/>
+                <a:ea typeface="Times New Roman" charset="0"/>
+                <a:cs typeface="Times New Roman" charset="0"/>
+              </a:rPr>
+              <a:t>pieces of the file of</a:t>
+            </a:r>
+            <a:br>
+              <a:rPr lang="en-US" altLang="zh-TW" dirty="0" smtClean="0">
+                <a:latin typeface="Times New Roman" charset="0"/>
+                <a:ea typeface="Times New Roman" charset="0"/>
+                <a:cs typeface="Times New Roman" charset="0"/>
+              </a:rPr>
+            </a:br>
+            <a:r>
+              <a:rPr lang="en-US" altLang="zh-TW" dirty="0" smtClean="0">
+                <a:latin typeface="Times New Roman" charset="0"/>
+                <a:ea typeface="Times New Roman" charset="0"/>
+                <a:cs typeface="Times New Roman" charset="0"/>
+              </a:rPr>
+              <a:t>interest.</a:t>
+            </a:r>
+            <a:endParaRPr kumimoji="1" lang="zh-TW" altLang="en-US" dirty="0">
+              <a:latin typeface="Times New Roman" charset="0"/>
+              <a:ea typeface="Times New Roman" charset="0"/>
+              <a:cs typeface="Times New Roman" charset="0"/>
+            </a:endParaRPr>
+          </a:p>
+        </p:txBody>
+      </p:sp>
+      <p:pic>
+        <p:nvPicPr>
+          <p:cNvPr id="27" name="內容版面配置區 3"/>
+          <p:cNvPicPr>
+            <a:picLocks noGrp="1" noChangeAspect="1"/>
+          </p:cNvPicPr>
+          <p:nvPr>
+            <p:ph idx="1"/>
+          </p:nvPr>
+        </p:nvPicPr>
+        <p:blipFill>
+          <a:blip r:embed="rId3">
+            <a:extLst>
+              <a:ext uri="{28A0092B-C50C-407E-A947-70E740481C1C}">
+                <a14:useLocalDpi xmlns:a14="http://schemas.microsoft.com/office/drawing/2010/main" val="0"/>
+              </a:ext>
+            </a:extLst>
+          </a:blip>
+          <a:stretch>
+            <a:fillRect/>
+          </a:stretch>
+        </p:blipFill>
+        <p:spPr>
+          <a:xfrm>
+            <a:off x="2627784" y="1117104"/>
+            <a:ext cx="1536700" cy="1333500"/>
+          </a:xfrm>
+        </p:spPr>
+      </p:pic>
+      <p:pic>
+        <p:nvPicPr>
+          <p:cNvPr id="28" name="內容版面配置區 3"/>
+          <p:cNvPicPr>
+            <a:picLocks noChangeAspect="1"/>
+          </p:cNvPicPr>
+          <p:nvPr/>
+        </p:nvPicPr>
+        <p:blipFill>
+          <a:blip r:embed="rId3">
+            <a:extLst>
+              <a:ext uri="{28A0092B-C50C-407E-A947-70E740481C1C}">
+                <a14:useLocalDpi xmlns:a14="http://schemas.microsoft.com/office/drawing/2010/main" val="0"/>
+              </a:ext>
+            </a:extLst>
+          </a:blip>
+          <a:stretch>
+            <a:fillRect/>
+          </a:stretch>
+        </p:blipFill>
+        <p:spPr bwMode="auto">
+          <a:xfrm>
+            <a:off x="2627784" y="3087624"/>
+            <a:ext cx="1536700" cy="1333500"/>
+          </a:xfrm>
+          <a:prstGeom prst="rect">
+            <a:avLst/>
+          </a:prstGeom>
+          <a:noFill/>
+          <a:ln w="9525">
+            <a:noFill/>
+            <a:miter lim="800000"/>
+            <a:headEnd/>
+            <a:tailEnd/>
+          </a:ln>
+        </p:spPr>
+      </p:pic>
+      <p:pic>
+        <p:nvPicPr>
+          <p:cNvPr id="29" name="內容版面配置區 3"/>
+          <p:cNvPicPr>
+            <a:picLocks noChangeAspect="1"/>
+          </p:cNvPicPr>
+          <p:nvPr/>
+        </p:nvPicPr>
+        <p:blipFill>
+          <a:blip r:embed="rId3">
+            <a:extLst>
+              <a:ext uri="{28A0092B-C50C-407E-A947-70E740481C1C}">
+                <a14:useLocalDpi xmlns:a14="http://schemas.microsoft.com/office/drawing/2010/main" val="0"/>
+              </a:ext>
+            </a:extLst>
+          </a:blip>
+          <a:stretch>
+            <a:fillRect/>
+          </a:stretch>
+        </p:blipFill>
+        <p:spPr bwMode="auto">
+          <a:xfrm>
+            <a:off x="4832501" y="2283243"/>
+            <a:ext cx="1536700" cy="1333500"/>
+          </a:xfrm>
+          <a:prstGeom prst="rect">
+            <a:avLst/>
+          </a:prstGeom>
+          <a:noFill/>
+          <a:ln w="9525">
+            <a:noFill/>
+            <a:miter lim="800000"/>
+            <a:headEnd/>
+            <a:tailEnd/>
+          </a:ln>
+        </p:spPr>
+      </p:pic>
+      <p:pic>
+        <p:nvPicPr>
+          <p:cNvPr id="30" name="內容版面配置區 3"/>
+          <p:cNvPicPr>
+            <a:picLocks noChangeAspect="1"/>
+          </p:cNvPicPr>
+          <p:nvPr/>
+        </p:nvPicPr>
+        <p:blipFill>
+          <a:blip r:embed="rId3">
+            <a:extLst>
+              <a:ext uri="{28A0092B-C50C-407E-A947-70E740481C1C}">
+                <a14:useLocalDpi xmlns:a14="http://schemas.microsoft.com/office/drawing/2010/main" val="0"/>
+              </a:ext>
+            </a:extLst>
+          </a:blip>
+          <a:stretch>
+            <a:fillRect/>
+          </a:stretch>
+        </p:blipFill>
+        <p:spPr bwMode="auto">
+          <a:xfrm>
+            <a:off x="2627784" y="4921176"/>
+            <a:ext cx="1536700" cy="1333500"/>
+          </a:xfrm>
+          <a:prstGeom prst="rect">
+            <a:avLst/>
+          </a:prstGeom>
+          <a:noFill/>
+          <a:ln w="9525">
+            <a:noFill/>
+            <a:miter lim="800000"/>
+            <a:headEnd/>
+            <a:tailEnd/>
+          </a:ln>
+        </p:spPr>
+      </p:pic>
+      <p:pic>
+        <p:nvPicPr>
+          <p:cNvPr id="31" name="內容版面配置區 3"/>
+          <p:cNvPicPr>
+            <a:picLocks noChangeAspect="1"/>
+          </p:cNvPicPr>
+          <p:nvPr/>
+        </p:nvPicPr>
+        <p:blipFill>
+          <a:blip r:embed="rId3">
+            <a:extLst>
+              <a:ext uri="{28A0092B-C50C-407E-A947-70E740481C1C}">
+                <a14:useLocalDpi xmlns:a14="http://schemas.microsoft.com/office/drawing/2010/main" val="0"/>
+              </a:ext>
+            </a:extLst>
+          </a:blip>
+          <a:stretch>
+            <a:fillRect/>
+          </a:stretch>
+        </p:blipFill>
+        <p:spPr bwMode="auto">
+          <a:xfrm>
+            <a:off x="4832501" y="4099068"/>
+            <a:ext cx="1536700" cy="1333500"/>
+          </a:xfrm>
+          <a:prstGeom prst="rect">
+            <a:avLst/>
+          </a:prstGeom>
+          <a:noFill/>
+          <a:ln w="9525">
+            <a:noFill/>
+            <a:miter lim="800000"/>
+            <a:headEnd/>
+            <a:tailEnd/>
+          </a:ln>
+        </p:spPr>
+      </p:pic>
+      <p:sp>
+        <p:nvSpPr>
+          <p:cNvPr id="33" name="文字方塊 32"/>
+          <p:cNvSpPr txBox="1"/>
+          <p:nvPr/>
+        </p:nvSpPr>
+        <p:spPr>
+          <a:xfrm>
+            <a:off x="5036896" y="2063458"/>
+            <a:ext cx="768159" cy="369332"/>
+          </a:xfrm>
+          <a:prstGeom prst="rect">
+            <a:avLst/>
+          </a:prstGeom>
+          <a:noFill/>
+        </p:spPr>
+        <p:txBody>
+          <a:bodyPr wrap="none" rtlCol="0">
+            <a:spAutoFit/>
+          </a:bodyPr>
+          <a:lstStyle/>
+          <a:p>
+            <a:r>
+              <a:rPr kumimoji="1" lang="en-US" altLang="zh-TW" dirty="0" smtClean="0">
+                <a:latin typeface="Times New Roman" charset="0"/>
+                <a:ea typeface="Times New Roman" charset="0"/>
+                <a:cs typeface="Times New Roman" charset="0"/>
+              </a:rPr>
+              <a:t>Peer 2</a:t>
+            </a:r>
+            <a:endParaRPr kumimoji="1" lang="zh-TW" altLang="en-US" dirty="0">
+              <a:latin typeface="Times New Roman" charset="0"/>
+              <a:ea typeface="Times New Roman" charset="0"/>
+              <a:cs typeface="Times New Roman" charset="0"/>
+            </a:endParaRPr>
+          </a:p>
+        </p:txBody>
+      </p:sp>
+      <p:sp>
+        <p:nvSpPr>
+          <p:cNvPr id="34" name="文字方塊 33"/>
+          <p:cNvSpPr txBox="1"/>
+          <p:nvPr/>
+        </p:nvSpPr>
+        <p:spPr>
+          <a:xfrm>
+            <a:off x="5036896" y="3908771"/>
+            <a:ext cx="768159" cy="369332"/>
+          </a:xfrm>
+          <a:prstGeom prst="rect">
+            <a:avLst/>
+          </a:prstGeom>
+          <a:noFill/>
+        </p:spPr>
+        <p:txBody>
+          <a:bodyPr wrap="none" rtlCol="0">
+            <a:spAutoFit/>
+          </a:bodyPr>
+          <a:lstStyle/>
+          <a:p>
+            <a:r>
+              <a:rPr kumimoji="1" lang="en-US" altLang="zh-TW" dirty="0" smtClean="0">
+                <a:latin typeface="Times New Roman" charset="0"/>
+                <a:ea typeface="Times New Roman" charset="0"/>
+                <a:cs typeface="Times New Roman" charset="0"/>
+              </a:rPr>
+              <a:t>Peer 3</a:t>
+            </a:r>
+            <a:endParaRPr kumimoji="1" lang="zh-TW" altLang="en-US" dirty="0">
+              <a:latin typeface="Times New Roman" charset="0"/>
+              <a:ea typeface="Times New Roman" charset="0"/>
+              <a:cs typeface="Times New Roman" charset="0"/>
+            </a:endParaRPr>
+          </a:p>
+        </p:txBody>
+      </p:sp>
+      <p:sp>
+        <p:nvSpPr>
+          <p:cNvPr id="35" name="文字方塊 34"/>
+          <p:cNvSpPr txBox="1"/>
+          <p:nvPr/>
+        </p:nvSpPr>
+        <p:spPr>
+          <a:xfrm>
+            <a:off x="2555201" y="4736510"/>
+            <a:ext cx="768159" cy="369332"/>
+          </a:xfrm>
+          <a:prstGeom prst="rect">
+            <a:avLst/>
+          </a:prstGeom>
+          <a:noFill/>
+        </p:spPr>
+        <p:txBody>
+          <a:bodyPr wrap="none" rtlCol="0">
+            <a:spAutoFit/>
+          </a:bodyPr>
+          <a:lstStyle/>
+          <a:p>
+            <a:r>
+              <a:rPr kumimoji="1" lang="en-US" altLang="zh-TW" dirty="0" smtClean="0">
+                <a:latin typeface="Times New Roman" charset="0"/>
+                <a:ea typeface="Times New Roman" charset="0"/>
+                <a:cs typeface="Times New Roman" charset="0"/>
+              </a:rPr>
+              <a:t>Peer 4</a:t>
+            </a:r>
+            <a:endParaRPr kumimoji="1" lang="zh-TW" altLang="en-US" dirty="0">
+              <a:latin typeface="Times New Roman" charset="0"/>
+              <a:ea typeface="Times New Roman" charset="0"/>
+              <a:cs typeface="Times New Roman" charset="0"/>
+            </a:endParaRPr>
+          </a:p>
+        </p:txBody>
+      </p:sp>
+      <p:sp>
+        <p:nvSpPr>
+          <p:cNvPr id="36" name="文字方塊 35"/>
+          <p:cNvSpPr txBox="1"/>
+          <p:nvPr/>
+        </p:nvSpPr>
+        <p:spPr>
+          <a:xfrm>
+            <a:off x="2555202" y="2862263"/>
+            <a:ext cx="768159" cy="369332"/>
+          </a:xfrm>
+          <a:prstGeom prst="rect">
+            <a:avLst/>
+          </a:prstGeom>
+          <a:noFill/>
+        </p:spPr>
+        <p:txBody>
+          <a:bodyPr wrap="none" rtlCol="0">
+            <a:spAutoFit/>
+          </a:bodyPr>
+          <a:lstStyle/>
+          <a:p>
+            <a:r>
+              <a:rPr kumimoji="1" lang="en-US" altLang="zh-TW" dirty="0" smtClean="0">
+                <a:latin typeface="Times New Roman" charset="0"/>
+                <a:ea typeface="Times New Roman" charset="0"/>
+                <a:cs typeface="Times New Roman" charset="0"/>
+              </a:rPr>
+              <a:t>Peer 5</a:t>
+            </a:r>
+            <a:endParaRPr kumimoji="1" lang="zh-TW" altLang="en-US" dirty="0">
+              <a:latin typeface="Times New Roman" charset="0"/>
+              <a:ea typeface="Times New Roman" charset="0"/>
+              <a:cs typeface="Times New Roman" charset="0"/>
+            </a:endParaRPr>
+          </a:p>
+        </p:txBody>
+      </p:sp>
+      <p:sp>
+        <p:nvSpPr>
+          <p:cNvPr id="37" name="文字方塊 36"/>
+          <p:cNvSpPr txBox="1"/>
+          <p:nvPr/>
+        </p:nvSpPr>
+        <p:spPr>
+          <a:xfrm>
+            <a:off x="2555200" y="910864"/>
+            <a:ext cx="768159" cy="369332"/>
+          </a:xfrm>
+          <a:prstGeom prst="rect">
+            <a:avLst/>
+          </a:prstGeom>
+          <a:noFill/>
+        </p:spPr>
+        <p:txBody>
+          <a:bodyPr wrap="none" rtlCol="0">
+            <a:spAutoFit/>
+          </a:bodyPr>
+          <a:lstStyle/>
+          <a:p>
+            <a:r>
+              <a:rPr kumimoji="1" lang="en-US" altLang="zh-TW" dirty="0" smtClean="0">
+                <a:latin typeface="Times New Roman" charset="0"/>
+                <a:ea typeface="Times New Roman" charset="0"/>
+                <a:cs typeface="Times New Roman" charset="0"/>
+              </a:rPr>
+              <a:t>Peer 1</a:t>
+            </a:r>
+            <a:endParaRPr kumimoji="1" lang="zh-TW" altLang="en-US" dirty="0">
+              <a:latin typeface="Times New Roman" charset="0"/>
+              <a:ea typeface="Times New Roman" charset="0"/>
+              <a:cs typeface="Times New Roman" charset="0"/>
+            </a:endParaRPr>
+          </a:p>
+        </p:txBody>
+      </p:sp>
+    </p:spTree>
+    <p:extLst>
+      <p:ext uri="{BB962C8B-B14F-4D97-AF65-F5344CB8AC3E}">
+        <p14:creationId xmlns:p14="http://schemas.microsoft.com/office/powerpoint/2010/main" val="229033228"/>
+      </p:ext>
+    </p:extLst>
+  </p:cSld>
+  <p:clrMapOvr>
+    <a:masterClrMapping/>
+  </p:clrMapOvr>
+  <p:timing>
+    <p:tnLst>
+      <p:par>
+        <p:cTn id="1" dur="indefinite" restart="never" nodeType="tmRoot"/>
+      </p:par>
+    </p:tnLst>
+  </p:timing>
 </p:sld>
 </file>
 

--- a/final/BT-like-peer2peer.pptx
+++ b/final/BT-like-peer2peer.pptx
@@ -5,10 +5,10 @@
     <p:sldMasterId id="2147483648" r:id="rId1"/>
   </p:sldMasterIdLst>
   <p:notesMasterIdLst>
-    <p:notesMasterId r:id="rId16"/>
+    <p:notesMasterId r:id="rId17"/>
   </p:notesMasterIdLst>
   <p:handoutMasterIdLst>
-    <p:handoutMasterId r:id="rId17"/>
+    <p:handoutMasterId r:id="rId18"/>
   </p:handoutMasterIdLst>
   <p:sldIdLst>
     <p:sldId id="289" r:id="rId2"/>
@@ -24,7 +24,8 @@
     <p:sldId id="310" r:id="rId12"/>
     <p:sldId id="311" r:id="rId13"/>
     <p:sldId id="312" r:id="rId14"/>
-    <p:sldId id="313" r:id="rId15"/>
+    <p:sldId id="314" r:id="rId15"/>
+    <p:sldId id="313" r:id="rId16"/>
   </p:sldIdLst>
   <p:sldSz cx="9144000" cy="6858000" type="screen4x3"/>
   <p:notesSz cx="7086600" cy="10223500"/>
@@ -281,7 +282,7 @@
               <a:pPr>
                 <a:defRPr/>
               </a:pPr>
-              <a:t>2016/6/8</a:t>
+              <a:t>2016/6/11</a:t>
             </a:fld>
             <a:endParaRPr lang="zh-TW" altLang="en-US"/>
           </a:p>
@@ -472,7 +473,7 @@
               <a:pPr>
                 <a:defRPr/>
               </a:pPr>
-              <a:t>2016/6/8</a:t>
+              <a:t>2016/6/11</a:t>
             </a:fld>
             <a:endParaRPr lang="zh-TW" altLang="en-US"/>
           </a:p>
@@ -832,15 +833,452 @@
           <a:p>
             <a:r>
               <a:rPr kumimoji="1" lang="en-US" altLang="zh-TW" dirty="0" smtClean="0"/>
-              <a:t>For a </a:t>
+              <a:t>A brief description of how </a:t>
             </a:r>
             <a:r>
               <a:rPr kumimoji="1" lang="en-US" altLang="zh-TW" dirty="0" err="1" smtClean="0"/>
               <a:t>BitTorrent</a:t>
             </a:r>
             <a:r>
+              <a:rPr kumimoji="1" lang="en-US" altLang="zh-TW" dirty="0" smtClean="0"/>
+              <a:t> operates when a single file is downloaded</a:t>
+            </a:r>
+            <a:r>
               <a:rPr kumimoji="1" lang="en-US" altLang="zh-TW" baseline="0" dirty="0" smtClean="0"/>
-              <a:t> network, several issues have to be addressed in order to understand the behavior of the system.</a:t>
+              <a:t> by many users.</a:t>
+            </a:r>
+          </a:p>
+          <a:p>
+            <a:r>
+              <a:rPr kumimoji="1" lang="zh-TW" altLang="en-US" baseline="0" dirty="0" smtClean="0"/>
+              <a:t>從 </a:t>
+            </a:r>
+            <a:r>
+              <a:rPr kumimoji="1" lang="en-US" altLang="zh-TW" baseline="0" dirty="0" smtClean="0"/>
+              <a:t>.torrent file </a:t>
+            </a:r>
+            <a:r>
+              <a:rPr kumimoji="1" lang="zh-TW" altLang="en-US" baseline="0" dirty="0" smtClean="0"/>
+              <a:t>先知道 </a:t>
+            </a:r>
+            <a:r>
+              <a:rPr kumimoji="1" lang="en-US" altLang="zh-TW" baseline="0" dirty="0" smtClean="0"/>
+              <a:t>tracker </a:t>
+            </a:r>
+            <a:r>
+              <a:rPr kumimoji="1" lang="zh-TW" altLang="en-US" baseline="0" dirty="0" smtClean="0"/>
+              <a:t>在哪！</a:t>
+            </a:r>
+            <a:endParaRPr kumimoji="1" lang="zh-TW" altLang="en-US" dirty="0"/>
+          </a:p>
+        </p:txBody>
+      </p:sp>
+      <p:sp>
+        <p:nvSpPr>
+          <p:cNvPr id="4" name="投影片編號版面配置區 3"/>
+          <p:cNvSpPr>
+            <a:spLocks noGrp="1"/>
+          </p:cNvSpPr>
+          <p:nvPr>
+            <p:ph type="sldNum" sz="quarter" idx="10"/>
+          </p:nvPr>
+        </p:nvSpPr>
+        <p:spPr/>
+        <p:txBody>
+          <a:bodyPr/>
+          <a:lstStyle/>
+          <a:p>
+            <a:pPr>
+              <a:defRPr/>
+            </a:pPr>
+            <a:fld id="{AA32E424-FCBD-41DB-BDB8-D5C0C38729C3}" type="slidenum">
+              <a:rPr lang="zh-TW" altLang="en-US" smtClean="0"/>
+              <a:pPr>
+                <a:defRPr/>
+              </a:pPr>
+              <a:t>8</a:t>
+            </a:fld>
+            <a:endParaRPr lang="zh-TW" altLang="en-US"/>
+          </a:p>
+        </p:txBody>
+      </p:sp>
+    </p:spTree>
+    <p:extLst>
+      <p:ext uri="{BB962C8B-B14F-4D97-AF65-F5344CB8AC3E}">
+        <p14:creationId xmlns:p14="http://schemas.microsoft.com/office/powerpoint/2010/main" val="117395746"/>
+      </p:ext>
+    </p:extLst>
+  </p:cSld>
+  <p:clrMapOvr>
+    <a:masterClrMapping/>
+  </p:clrMapOvr>
+</p:notes>
+</file>
+
+<file path=ppt/notesSlides/notesSlide2.xml><?xml version="1.0" encoding="utf-8"?>
+<p:notes xmlns:a="http://schemas.openxmlformats.org/drawingml/2006/main" xmlns:r="http://schemas.openxmlformats.org/officeDocument/2006/relationships" xmlns:p="http://schemas.openxmlformats.org/presentationml/2006/main">
+  <p:cSld>
+    <p:spTree>
+      <p:nvGrpSpPr>
+        <p:cNvPr id="1" name=""/>
+        <p:cNvGrpSpPr/>
+        <p:nvPr/>
+      </p:nvGrpSpPr>
+      <p:grpSpPr>
+        <a:xfrm>
+          <a:off x="0" y="0"/>
+          <a:ext cx="0" cy="0"/>
+          <a:chOff x="0" y="0"/>
+          <a:chExt cx="0" cy="0"/>
+        </a:xfrm>
+      </p:grpSpPr>
+      <p:sp>
+        <p:nvSpPr>
+          <p:cNvPr id="2" name="投影片影像版面配置區 1"/>
+          <p:cNvSpPr>
+            <a:spLocks noGrp="1" noRot="1" noChangeAspect="1"/>
+          </p:cNvSpPr>
+          <p:nvPr>
+            <p:ph type="sldImg"/>
+          </p:nvPr>
+        </p:nvSpPr>
+        <p:spPr/>
+      </p:sp>
+      <p:sp>
+        <p:nvSpPr>
+          <p:cNvPr id="3" name="備忘稿版面配置區 2"/>
+          <p:cNvSpPr>
+            <a:spLocks noGrp="1"/>
+          </p:cNvSpPr>
+          <p:nvPr>
+            <p:ph type="body" idx="1"/>
+          </p:nvPr>
+        </p:nvSpPr>
+        <p:spPr/>
+        <p:txBody>
+          <a:bodyPr/>
+          <a:lstStyle/>
+          <a:p>
+            <a:r>
+              <a:rPr kumimoji="1" lang="en-US" altLang="zh-TW" dirty="0" smtClean="0"/>
+              <a:t>The tracker returns a random list</a:t>
+            </a:r>
+            <a:r>
+              <a:rPr kumimoji="1" lang="en-US" altLang="zh-TW" baseline="0" dirty="0" smtClean="0"/>
+              <a:t> of peers that have the file.</a:t>
+            </a:r>
+            <a:endParaRPr kumimoji="1" lang="zh-TW" altLang="en-US" dirty="0"/>
+          </a:p>
+        </p:txBody>
+      </p:sp>
+      <p:sp>
+        <p:nvSpPr>
+          <p:cNvPr id="4" name="投影片編號版面配置區 3"/>
+          <p:cNvSpPr>
+            <a:spLocks noGrp="1"/>
+          </p:cNvSpPr>
+          <p:nvPr>
+            <p:ph type="sldNum" sz="quarter" idx="10"/>
+          </p:nvPr>
+        </p:nvSpPr>
+        <p:spPr/>
+        <p:txBody>
+          <a:bodyPr/>
+          <a:lstStyle/>
+          <a:p>
+            <a:pPr>
+              <a:defRPr/>
+            </a:pPr>
+            <a:fld id="{AA32E424-FCBD-41DB-BDB8-D5C0C38729C3}" type="slidenum">
+              <a:rPr lang="zh-TW" altLang="en-US" smtClean="0"/>
+              <a:pPr>
+                <a:defRPr/>
+              </a:pPr>
+              <a:t>12</a:t>
+            </a:fld>
+            <a:endParaRPr lang="zh-TW" altLang="en-US"/>
+          </a:p>
+        </p:txBody>
+      </p:sp>
+    </p:spTree>
+    <p:extLst>
+      <p:ext uri="{BB962C8B-B14F-4D97-AF65-F5344CB8AC3E}">
+        <p14:creationId xmlns:p14="http://schemas.microsoft.com/office/powerpoint/2010/main" val="1932743556"/>
+      </p:ext>
+    </p:extLst>
+  </p:cSld>
+  <p:clrMapOvr>
+    <a:masterClrMapping/>
+  </p:clrMapOvr>
+</p:notes>
+</file>
+
+<file path=ppt/notesSlides/notesSlide3.xml><?xml version="1.0" encoding="utf-8"?>
+<p:notes xmlns:a="http://schemas.openxmlformats.org/drawingml/2006/main" xmlns:r="http://schemas.openxmlformats.org/officeDocument/2006/relationships" xmlns:p="http://schemas.openxmlformats.org/presentationml/2006/main">
+  <p:cSld>
+    <p:spTree>
+      <p:nvGrpSpPr>
+        <p:cNvPr id="1" name=""/>
+        <p:cNvGrpSpPr/>
+        <p:nvPr/>
+      </p:nvGrpSpPr>
+      <p:grpSpPr>
+        <a:xfrm>
+          <a:off x="0" y="0"/>
+          <a:ext cx="0" cy="0"/>
+          <a:chOff x="0" y="0"/>
+          <a:chExt cx="0" cy="0"/>
+        </a:xfrm>
+      </p:grpSpPr>
+      <p:sp>
+        <p:nvSpPr>
+          <p:cNvPr id="2" name="投影片影像版面配置區 1"/>
+          <p:cNvSpPr>
+            <a:spLocks noGrp="1" noRot="1" noChangeAspect="1"/>
+          </p:cNvSpPr>
+          <p:nvPr>
+            <p:ph type="sldImg"/>
+          </p:nvPr>
+        </p:nvSpPr>
+        <p:spPr/>
+      </p:sp>
+      <p:sp>
+        <p:nvSpPr>
+          <p:cNvPr id="3" name="備忘稿版面配置區 2"/>
+          <p:cNvSpPr>
+            <a:spLocks noGrp="1"/>
+          </p:cNvSpPr>
+          <p:nvPr>
+            <p:ph type="body" idx="1"/>
+          </p:nvPr>
+        </p:nvSpPr>
+        <p:spPr/>
+        <p:txBody>
+          <a:bodyPr/>
+          <a:lstStyle/>
+          <a:p>
+            <a:r>
+              <a:rPr kumimoji="1" lang="en-US" altLang="zh-TW" dirty="0" smtClean="0"/>
+              <a:t>The downloader</a:t>
+            </a:r>
+            <a:r>
+              <a:rPr kumimoji="1" lang="en-US" altLang="zh-TW" baseline="0" dirty="0" smtClean="0"/>
+              <a:t> establishes a connection to these other peers and finds out what pieces reside in each of the other files.</a:t>
+            </a:r>
+          </a:p>
+          <a:p>
+            <a:r>
+              <a:rPr kumimoji="1" lang="en-US" altLang="zh-TW" baseline="0" dirty="0" smtClean="0"/>
+              <a:t>Then it requests pieces which it does not have from all the peers to which it is connected.</a:t>
+            </a:r>
+            <a:endParaRPr kumimoji="1" lang="zh-TW" altLang="en-US" dirty="0"/>
+          </a:p>
+        </p:txBody>
+      </p:sp>
+      <p:sp>
+        <p:nvSpPr>
+          <p:cNvPr id="4" name="投影片編號版面配置區 3"/>
+          <p:cNvSpPr>
+            <a:spLocks noGrp="1"/>
+          </p:cNvSpPr>
+          <p:nvPr>
+            <p:ph type="sldNum" sz="quarter" idx="10"/>
+          </p:nvPr>
+        </p:nvSpPr>
+        <p:spPr/>
+        <p:txBody>
+          <a:bodyPr/>
+          <a:lstStyle/>
+          <a:p>
+            <a:pPr>
+              <a:defRPr/>
+            </a:pPr>
+            <a:fld id="{AA32E424-FCBD-41DB-BDB8-D5C0C38729C3}" type="slidenum">
+              <a:rPr lang="zh-TW" altLang="en-US" smtClean="0"/>
+              <a:pPr>
+                <a:defRPr/>
+              </a:pPr>
+              <a:t>13</a:t>
+            </a:fld>
+            <a:endParaRPr lang="zh-TW" altLang="en-US"/>
+          </a:p>
+        </p:txBody>
+      </p:sp>
+    </p:spTree>
+    <p:extLst>
+      <p:ext uri="{BB962C8B-B14F-4D97-AF65-F5344CB8AC3E}">
+        <p14:creationId xmlns:p14="http://schemas.microsoft.com/office/powerpoint/2010/main" val="864619700"/>
+      </p:ext>
+    </p:extLst>
+  </p:cSld>
+  <p:clrMapOvr>
+    <a:masterClrMapping/>
+  </p:clrMapOvr>
+</p:notes>
+</file>
+
+<file path=ppt/notesSlides/notesSlide4.xml><?xml version="1.0" encoding="utf-8"?>
+<p:notes xmlns:a="http://schemas.openxmlformats.org/drawingml/2006/main" xmlns:r="http://schemas.openxmlformats.org/officeDocument/2006/relationships" xmlns:p="http://schemas.openxmlformats.org/presentationml/2006/main">
+  <p:cSld>
+    <p:spTree>
+      <p:nvGrpSpPr>
+        <p:cNvPr id="1" name=""/>
+        <p:cNvGrpSpPr/>
+        <p:nvPr/>
+      </p:nvGrpSpPr>
+      <p:grpSpPr>
+        <a:xfrm>
+          <a:off x="0" y="0"/>
+          <a:ext cx="0" cy="0"/>
+          <a:chOff x="0" y="0"/>
+          <a:chExt cx="0" cy="0"/>
+        </a:xfrm>
+      </p:grpSpPr>
+      <p:sp>
+        <p:nvSpPr>
+          <p:cNvPr id="2" name="投影片影像版面配置區 1"/>
+          <p:cNvSpPr>
+            <a:spLocks noGrp="1" noRot="1" noChangeAspect="1"/>
+          </p:cNvSpPr>
+          <p:nvPr>
+            <p:ph type="sldImg"/>
+          </p:nvPr>
+        </p:nvSpPr>
+        <p:spPr/>
+      </p:sp>
+      <p:sp>
+        <p:nvSpPr>
+          <p:cNvPr id="3" name="備忘稿版面配置區 2"/>
+          <p:cNvSpPr>
+            <a:spLocks noGrp="1"/>
+          </p:cNvSpPr>
+          <p:nvPr>
+            <p:ph type="body" idx="1"/>
+          </p:nvPr>
+        </p:nvSpPr>
+        <p:spPr/>
+        <p:txBody>
+          <a:bodyPr/>
+          <a:lstStyle/>
+          <a:p>
+            <a:r>
+              <a:rPr kumimoji="1" lang="en-US" altLang="zh-TW" dirty="0" smtClean="0"/>
+              <a:t>Seeds only</a:t>
+            </a:r>
+            <a:r>
+              <a:rPr kumimoji="1" lang="en-US" altLang="zh-TW" baseline="0" dirty="0" smtClean="0"/>
+              <a:t> perform uploading while downloaders download pieces that they do not have and upload pieces that they have.</a:t>
+            </a:r>
+          </a:p>
+          <a:p>
+            <a:r>
+              <a:rPr kumimoji="1" lang="en-US" altLang="zh-TW" baseline="0" dirty="0" smtClean="0"/>
+              <a:t>Chocking: </a:t>
+            </a:r>
+            <a:r>
+              <a:rPr kumimoji="1" lang="zh-TW" altLang="en-US" baseline="0" dirty="0" smtClean="0"/>
+              <a:t>拒絕</a:t>
+            </a:r>
+            <a:endParaRPr kumimoji="1" lang="en-US" altLang="zh-TW" baseline="0" dirty="0" smtClean="0"/>
+          </a:p>
+          <a:p>
+            <a:r>
+              <a:rPr kumimoji="1" lang="en-US" altLang="zh-TW" baseline="0" dirty="0" err="1" smtClean="0"/>
+              <a:t>Unchocking</a:t>
+            </a:r>
+            <a:r>
+              <a:rPr kumimoji="1" lang="en-US" altLang="zh-TW" baseline="0" dirty="0" smtClean="0"/>
+              <a:t>:</a:t>
+            </a:r>
+            <a:r>
+              <a:rPr kumimoji="1" lang="zh-TW" altLang="en-US" baseline="0" dirty="0" smtClean="0"/>
+              <a:t> 接受</a:t>
+            </a:r>
+            <a:endParaRPr kumimoji="1" lang="en-US" altLang="zh-TW" baseline="0" dirty="0" smtClean="0"/>
+          </a:p>
+          <a:p>
+            <a:r>
+              <a:rPr lang="zh-TW" altLang="en-US" sz="1200" b="0" i="0" kern="1200" dirty="0" smtClean="0">
+                <a:solidFill>
+                  <a:schemeClr val="tx1"/>
+                </a:solidFill>
+                <a:effectLst/>
+                <a:latin typeface="+mn-lt"/>
+                <a:ea typeface="+mn-ea"/>
+                <a:cs typeface="+mn-cs"/>
+              </a:rPr>
+              <a:t>接受（</a:t>
+            </a:r>
+            <a:r>
+              <a:rPr lang="en-US" altLang="zh-TW" sz="1200" b="0" i="0" kern="1200" dirty="0" err="1" smtClean="0">
+                <a:solidFill>
+                  <a:schemeClr val="tx1"/>
+                </a:solidFill>
+                <a:effectLst/>
+                <a:latin typeface="+mn-lt"/>
+                <a:ea typeface="+mn-ea"/>
+                <a:cs typeface="+mn-cs"/>
+              </a:rPr>
+              <a:t>unchoke</a:t>
+            </a:r>
+            <a:r>
+              <a:rPr lang="zh-TW" altLang="en-US" sz="1200" b="0" i="0" kern="1200" dirty="0" smtClean="0">
+                <a:solidFill>
+                  <a:schemeClr val="tx1"/>
+                </a:solidFill>
+                <a:effectLst/>
+                <a:latin typeface="+mn-lt"/>
+                <a:ea typeface="+mn-ea"/>
+                <a:cs typeface="+mn-cs"/>
+              </a:rPr>
+              <a:t>）那些現在正上傳檔案給我、而且速度最快的前</a:t>
+            </a:r>
+            <a:r>
+              <a:rPr lang="en-US" altLang="zh-TW" sz="1200" b="0" i="0" kern="1200" dirty="0" smtClean="0">
+                <a:solidFill>
+                  <a:schemeClr val="tx1"/>
+                </a:solidFill>
+                <a:effectLst/>
+                <a:latin typeface="+mn-lt"/>
+                <a:ea typeface="+mn-ea"/>
+                <a:cs typeface="+mn-cs"/>
+              </a:rPr>
+              <a:t>4</a:t>
+            </a:r>
+            <a:r>
+              <a:rPr lang="zh-TW" altLang="en-US" sz="1200" b="0" i="0" kern="1200" dirty="0" smtClean="0">
+                <a:solidFill>
+                  <a:schemeClr val="tx1"/>
+                </a:solidFill>
+                <a:effectLst/>
+                <a:latin typeface="+mn-lt"/>
+                <a:ea typeface="+mn-ea"/>
+                <a:cs typeface="+mn-cs"/>
+              </a:rPr>
+              <a:t>個人！</a:t>
+            </a:r>
+            <a:endParaRPr lang="en-US" altLang="zh-TW" sz="1200" b="0" i="0" kern="1200" dirty="0" smtClean="0">
+              <a:solidFill>
+                <a:schemeClr val="tx1"/>
+              </a:solidFill>
+              <a:effectLst/>
+              <a:latin typeface="+mn-lt"/>
+              <a:ea typeface="+mn-ea"/>
+              <a:cs typeface="+mn-cs"/>
+            </a:endParaRPr>
+          </a:p>
+          <a:p>
+            <a:r>
+              <a:rPr kumimoji="1" lang="en-US" altLang="zh-TW" dirty="0" smtClean="0"/>
+              <a:t>http://</a:t>
+            </a:r>
+            <a:r>
+              <a:rPr kumimoji="1" lang="en-US" altLang="zh-TW" dirty="0" err="1" smtClean="0"/>
+              <a:t>mmdays.com</a:t>
+            </a:r>
+            <a:r>
+              <a:rPr kumimoji="1" lang="en-US" altLang="zh-TW" smtClean="0"/>
+              <a:t>/2007/04/06/bt1/</a:t>
             </a:r>
             <a:endParaRPr kumimoji="1" lang="zh-TW" altLang="en-US" dirty="0"/>
           </a:p>
@@ -870,6 +1308,108 @@
                 <a:defRPr/>
               </a:pPr>
               <a:t>14</a:t>
+            </a:fld>
+            <a:endParaRPr lang="zh-TW" altLang="en-US"/>
+          </a:p>
+        </p:txBody>
+      </p:sp>
+    </p:spTree>
+    <p:extLst>
+      <p:ext uri="{BB962C8B-B14F-4D97-AF65-F5344CB8AC3E}">
+        <p14:creationId xmlns:p14="http://schemas.microsoft.com/office/powerpoint/2010/main" val="1143459646"/>
+      </p:ext>
+    </p:extLst>
+  </p:cSld>
+  <p:clrMapOvr>
+    <a:masterClrMapping/>
+  </p:clrMapOvr>
+</p:notes>
+</file>
+
+<file path=ppt/notesSlides/notesSlide5.xml><?xml version="1.0" encoding="utf-8"?>
+<p:notes xmlns:a="http://schemas.openxmlformats.org/drawingml/2006/main" xmlns:r="http://schemas.openxmlformats.org/officeDocument/2006/relationships" xmlns:p="http://schemas.openxmlformats.org/presentationml/2006/main">
+  <p:cSld>
+    <p:spTree>
+      <p:nvGrpSpPr>
+        <p:cNvPr id="1" name=""/>
+        <p:cNvGrpSpPr/>
+        <p:nvPr/>
+      </p:nvGrpSpPr>
+      <p:grpSpPr>
+        <a:xfrm>
+          <a:off x="0" y="0"/>
+          <a:ext cx="0" cy="0"/>
+          <a:chOff x="0" y="0"/>
+          <a:chExt cx="0" cy="0"/>
+        </a:xfrm>
+      </p:grpSpPr>
+      <p:sp>
+        <p:nvSpPr>
+          <p:cNvPr id="2" name="投影片影像版面配置區 1"/>
+          <p:cNvSpPr>
+            <a:spLocks noGrp="1" noRot="1" noChangeAspect="1"/>
+          </p:cNvSpPr>
+          <p:nvPr>
+            <p:ph type="sldImg"/>
+          </p:nvPr>
+        </p:nvSpPr>
+        <p:spPr/>
+      </p:sp>
+      <p:sp>
+        <p:nvSpPr>
+          <p:cNvPr id="3" name="備忘稿版面配置區 2"/>
+          <p:cNvSpPr>
+            <a:spLocks noGrp="1"/>
+          </p:cNvSpPr>
+          <p:nvPr>
+            <p:ph type="body" idx="1"/>
+          </p:nvPr>
+        </p:nvSpPr>
+        <p:spPr/>
+        <p:txBody>
+          <a:bodyPr/>
+          <a:lstStyle/>
+          <a:p>
+            <a:r>
+              <a:rPr kumimoji="1" lang="en-US" altLang="zh-TW" dirty="0" smtClean="0"/>
+              <a:t>For a </a:t>
+            </a:r>
+            <a:r>
+              <a:rPr kumimoji="1" lang="en-US" altLang="zh-TW" dirty="0" err="1" smtClean="0"/>
+              <a:t>BitTorrent</a:t>
+            </a:r>
+            <a:r>
+              <a:rPr kumimoji="1" lang="en-US" altLang="zh-TW" baseline="0" dirty="0" smtClean="0"/>
+              <a:t> network, several issues have to be addressed in order to understand the behavior of the system.</a:t>
+            </a:r>
+            <a:endParaRPr kumimoji="1" lang="zh-TW" altLang="en-US" dirty="0"/>
+          </a:p>
+        </p:txBody>
+      </p:sp>
+      <p:sp>
+        <p:nvSpPr>
+          <p:cNvPr id="4" name="投影片編號版面配置區 3"/>
+          <p:cNvSpPr>
+            <a:spLocks noGrp="1"/>
+          </p:cNvSpPr>
+          <p:nvPr>
+            <p:ph type="sldNum" sz="quarter" idx="10"/>
+          </p:nvPr>
+        </p:nvSpPr>
+        <p:spPr/>
+        <p:txBody>
+          <a:bodyPr/>
+          <a:lstStyle/>
+          <a:p>
+            <a:pPr>
+              <a:defRPr/>
+            </a:pPr>
+            <a:fld id="{AA32E424-FCBD-41DB-BDB8-D5C0C38729C3}" type="slidenum">
+              <a:rPr lang="zh-TW" altLang="en-US" smtClean="0"/>
+              <a:pPr>
+                <a:defRPr/>
+              </a:pPr>
+              <a:t>15</a:t>
             </a:fld>
             <a:endParaRPr lang="zh-TW" altLang="en-US"/>
           </a:p>
@@ -6844,7 +7384,7 @@
           <p:nvPr/>
         </p:nvPicPr>
         <p:blipFill>
-          <a:blip r:embed="rId2">
+          <a:blip r:embed="rId3">
             <a:extLst>
               <a:ext uri="{28A0092B-C50C-407E-A947-70E740481C1C}">
                 <a14:useLocalDpi xmlns:a14="http://schemas.microsoft.com/office/drawing/2010/main" val="0"/>
@@ -6868,506 +7408,6 @@
       <p:pic>
         <p:nvPicPr>
           <p:cNvPr id="13" name="圖片 12"/>
-          <p:cNvPicPr>
-            <a:picLocks noChangeAspect="1"/>
-          </p:cNvPicPr>
-          <p:nvPr/>
-        </p:nvPicPr>
-        <p:blipFill>
-          <a:blip r:embed="rId2">
-            <a:extLst>
-              <a:ext uri="{28A0092B-C50C-407E-A947-70E740481C1C}">
-                <a14:useLocalDpi xmlns:a14="http://schemas.microsoft.com/office/drawing/2010/main" val="0"/>
-              </a:ext>
-            </a:extLst>
-          </a:blip>
-          <a:stretch>
-            <a:fillRect/>
-          </a:stretch>
-        </p:blipFill>
-        <p:spPr>
-          <a:xfrm>
-            <a:off x="575812" y="4143057"/>
-            <a:ext cx="1062070" cy="1272575"/>
-          </a:xfrm>
-          <a:prstGeom prst="rect">
-            <a:avLst/>
-          </a:prstGeom>
-        </p:spPr>
-      </p:pic>
-      <p:sp>
-        <p:nvSpPr>
-          <p:cNvPr id="19" name="文字方塊 18"/>
-          <p:cNvSpPr txBox="1"/>
-          <p:nvPr/>
-        </p:nvSpPr>
-        <p:spPr>
-          <a:xfrm>
-            <a:off x="575812" y="5467420"/>
-            <a:ext cx="894732" cy="369332"/>
-          </a:xfrm>
-          <a:prstGeom prst="rect">
-            <a:avLst/>
-          </a:prstGeom>
-          <a:noFill/>
-        </p:spPr>
-        <p:txBody>
-          <a:bodyPr wrap="none" rtlCol="0">
-            <a:spAutoFit/>
-          </a:bodyPr>
-          <a:lstStyle/>
-          <a:p>
-            <a:r>
-              <a:rPr kumimoji="1" lang="en-US" altLang="zh-TW" dirty="0" smtClean="0">
-                <a:latin typeface="Times New Roman" charset="0"/>
-                <a:ea typeface="Times New Roman" charset="0"/>
-                <a:cs typeface="Times New Roman" charset="0"/>
-              </a:rPr>
-              <a:t>Tracker</a:t>
-            </a:r>
-            <a:endParaRPr kumimoji="1" lang="zh-TW" altLang="en-US" dirty="0">
-              <a:latin typeface="Times New Roman" charset="0"/>
-              <a:ea typeface="Times New Roman" charset="0"/>
-              <a:cs typeface="Times New Roman" charset="0"/>
-            </a:endParaRPr>
-          </a:p>
-        </p:txBody>
-      </p:sp>
-      <p:sp>
-        <p:nvSpPr>
-          <p:cNvPr id="20" name="文字方塊 19"/>
-          <p:cNvSpPr txBox="1"/>
-          <p:nvPr/>
-        </p:nvSpPr>
-        <p:spPr>
-          <a:xfrm>
-            <a:off x="475520" y="3152066"/>
-            <a:ext cx="1262653" cy="369332"/>
-          </a:xfrm>
-          <a:prstGeom prst="rect">
-            <a:avLst/>
-          </a:prstGeom>
-          <a:noFill/>
-        </p:spPr>
-        <p:txBody>
-          <a:bodyPr wrap="none" rtlCol="0">
-            <a:spAutoFit/>
-          </a:bodyPr>
-          <a:lstStyle/>
-          <a:p>
-            <a:r>
-              <a:rPr lang="en-US" altLang="zh-TW" smtClean="0">
-                <a:latin typeface="Times New Roman" charset="0"/>
-                <a:ea typeface="Times New Roman" charset="0"/>
-                <a:cs typeface="Times New Roman" charset="0"/>
-              </a:rPr>
-              <a:t>Web Server</a:t>
-            </a:r>
-            <a:endParaRPr kumimoji="1" lang="zh-TW" altLang="en-US" dirty="0">
-              <a:latin typeface="Times New Roman" charset="0"/>
-              <a:ea typeface="Times New Roman" charset="0"/>
-              <a:cs typeface="Times New Roman" charset="0"/>
-            </a:endParaRPr>
-          </a:p>
-        </p:txBody>
-      </p:sp>
-      <p:cxnSp>
-        <p:nvCxnSpPr>
-          <p:cNvPr id="25" name="直線箭頭接點 24"/>
-          <p:cNvCxnSpPr>
-            <a:stCxn id="13" idx="3"/>
-            <a:endCxn id="47" idx="1"/>
-          </p:cNvCxnSpPr>
-          <p:nvPr/>
-        </p:nvCxnSpPr>
-        <p:spPr bwMode="auto">
-          <a:xfrm flipV="1">
-            <a:off x="1637882" y="3754374"/>
-            <a:ext cx="989902" cy="1024971"/>
-          </a:xfrm>
-          <a:prstGeom prst="straightConnector1">
-            <a:avLst/>
-          </a:prstGeom>
-          <a:solidFill>
-            <a:schemeClr val="accent1"/>
-          </a:solidFill>
-          <a:ln w="9525" cap="flat" cmpd="sng" algn="ctr">
-            <a:solidFill>
-              <a:schemeClr val="tx1"/>
-            </a:solidFill>
-            <a:prstDash val="solid"/>
-            <a:round/>
-            <a:headEnd type="none" w="med" len="med"/>
-            <a:tailEnd type="triangle"/>
-          </a:ln>
-          <a:effectLst/>
-        </p:spPr>
-      </p:cxnSp>
-      <p:sp>
-        <p:nvSpPr>
-          <p:cNvPr id="28" name="文字方塊 27"/>
-          <p:cNvSpPr txBox="1"/>
-          <p:nvPr/>
-        </p:nvSpPr>
-        <p:spPr>
-          <a:xfrm>
-            <a:off x="6415583" y="2215932"/>
-            <a:ext cx="2717411" cy="646331"/>
-          </a:xfrm>
-          <a:prstGeom prst="rect">
-            <a:avLst/>
-          </a:prstGeom>
-          <a:noFill/>
-        </p:spPr>
-        <p:txBody>
-          <a:bodyPr wrap="none" rtlCol="0">
-            <a:spAutoFit/>
-          </a:bodyPr>
-          <a:lstStyle/>
-          <a:p>
-            <a:pPr marL="285750" indent="-285750">
-              <a:buFont typeface="Wingdings" charset="2"/>
-              <a:buChar char="Ø"/>
-            </a:pPr>
-            <a:r>
-              <a:rPr kumimoji="1" lang="en-US" altLang="zh-TW" dirty="0" smtClean="0">
-                <a:latin typeface="Times New Roman" charset="0"/>
-                <a:ea typeface="Times New Roman" charset="0"/>
-                <a:cs typeface="Times New Roman" charset="0"/>
-              </a:rPr>
-              <a:t>Peer 5 joins the</a:t>
-            </a:r>
-            <a:r>
-              <a:rPr lang="en-US" altLang="zh-TW" dirty="0">
-                <a:latin typeface="Times New Roman" charset="0"/>
-                <a:ea typeface="Times New Roman" charset="0"/>
-                <a:cs typeface="Times New Roman" charset="0"/>
-              </a:rPr>
-              <a:t> </a:t>
-            </a:r>
-            <a:r>
-              <a:rPr kumimoji="1" lang="en-US" altLang="zh-TW" dirty="0" smtClean="0">
-                <a:latin typeface="Times New Roman" charset="0"/>
-                <a:ea typeface="Times New Roman" charset="0"/>
-                <a:cs typeface="Times New Roman" charset="0"/>
-              </a:rPr>
-              <a:t>network</a:t>
-            </a:r>
-            <a:br>
-              <a:rPr kumimoji="1" lang="en-US" altLang="zh-TW" dirty="0" smtClean="0">
-                <a:latin typeface="Times New Roman" charset="0"/>
-                <a:ea typeface="Times New Roman" charset="0"/>
-                <a:cs typeface="Times New Roman" charset="0"/>
-              </a:rPr>
-            </a:br>
-            <a:r>
-              <a:rPr kumimoji="1" lang="en-US" altLang="zh-TW" dirty="0" smtClean="0">
-                <a:latin typeface="Times New Roman" charset="0"/>
-                <a:ea typeface="Times New Roman" charset="0"/>
-                <a:cs typeface="Times New Roman" charset="0"/>
-              </a:rPr>
-              <a:t>to download the file.</a:t>
-            </a:r>
-            <a:endParaRPr kumimoji="1" lang="zh-TW" altLang="en-US" dirty="0">
-              <a:latin typeface="Times New Roman" charset="0"/>
-              <a:ea typeface="Times New Roman" charset="0"/>
-              <a:cs typeface="Times New Roman" charset="0"/>
-            </a:endParaRPr>
-          </a:p>
-        </p:txBody>
-      </p:sp>
-      <p:sp>
-        <p:nvSpPr>
-          <p:cNvPr id="29" name="文字方塊 28"/>
-          <p:cNvSpPr txBox="1"/>
-          <p:nvPr/>
-        </p:nvSpPr>
-        <p:spPr>
-          <a:xfrm>
-            <a:off x="6415582" y="989350"/>
-            <a:ext cx="2736647" cy="1200329"/>
-          </a:xfrm>
-          <a:prstGeom prst="rect">
-            <a:avLst/>
-          </a:prstGeom>
-          <a:noFill/>
-        </p:spPr>
-        <p:txBody>
-          <a:bodyPr wrap="none" rtlCol="0">
-            <a:spAutoFit/>
-          </a:bodyPr>
-          <a:lstStyle/>
-          <a:p>
-            <a:pPr marL="285750" indent="-285750">
-              <a:buFont typeface="Wingdings" charset="2"/>
-              <a:buChar char="Ø"/>
-            </a:pPr>
-            <a:r>
-              <a:rPr lang="en-US" altLang="zh-TW" dirty="0" smtClean="0">
-                <a:latin typeface="Times New Roman" charset="0"/>
-                <a:ea typeface="Times New Roman" charset="0"/>
-                <a:cs typeface="Times New Roman" charset="0"/>
-              </a:rPr>
-              <a:t>In this network, there</a:t>
-            </a:r>
-            <a:br>
-              <a:rPr lang="en-US" altLang="zh-TW" dirty="0" smtClean="0">
-                <a:latin typeface="Times New Roman" charset="0"/>
-                <a:ea typeface="Times New Roman" charset="0"/>
-                <a:cs typeface="Times New Roman" charset="0"/>
-              </a:rPr>
-            </a:br>
-            <a:r>
-              <a:rPr lang="en-US" altLang="zh-TW" dirty="0" smtClean="0">
-                <a:latin typeface="Times New Roman" charset="0"/>
-                <a:ea typeface="Times New Roman" charset="0"/>
-                <a:cs typeface="Times New Roman" charset="0"/>
-              </a:rPr>
-              <a:t>are 4 peers downloading</a:t>
-            </a:r>
-            <a:br>
-              <a:rPr lang="en-US" altLang="zh-TW" dirty="0" smtClean="0">
-                <a:latin typeface="Times New Roman" charset="0"/>
-                <a:ea typeface="Times New Roman" charset="0"/>
-                <a:cs typeface="Times New Roman" charset="0"/>
-              </a:rPr>
-            </a:br>
-            <a:r>
-              <a:rPr lang="en-US" altLang="zh-TW" dirty="0" smtClean="0">
-                <a:latin typeface="Times New Roman" charset="0"/>
-                <a:ea typeface="Times New Roman" charset="0"/>
-                <a:cs typeface="Times New Roman" charset="0"/>
-              </a:rPr>
-              <a:t>pieces of the file of</a:t>
-            </a:r>
-            <a:br>
-              <a:rPr lang="en-US" altLang="zh-TW" dirty="0" smtClean="0">
-                <a:latin typeface="Times New Roman" charset="0"/>
-                <a:ea typeface="Times New Roman" charset="0"/>
-                <a:cs typeface="Times New Roman" charset="0"/>
-              </a:rPr>
-            </a:br>
-            <a:r>
-              <a:rPr lang="en-US" altLang="zh-TW" dirty="0" smtClean="0">
-                <a:latin typeface="Times New Roman" charset="0"/>
-                <a:ea typeface="Times New Roman" charset="0"/>
-                <a:cs typeface="Times New Roman" charset="0"/>
-              </a:rPr>
-              <a:t>interest.</a:t>
-            </a:r>
-            <a:endParaRPr kumimoji="1" lang="zh-TW" altLang="en-US" dirty="0">
-              <a:latin typeface="Times New Roman" charset="0"/>
-              <a:ea typeface="Times New Roman" charset="0"/>
-              <a:cs typeface="Times New Roman" charset="0"/>
-            </a:endParaRPr>
-          </a:p>
-        </p:txBody>
-      </p:sp>
-      <p:sp>
-        <p:nvSpPr>
-          <p:cNvPr id="30" name="文字方塊 29"/>
-          <p:cNvSpPr txBox="1"/>
-          <p:nvPr/>
-        </p:nvSpPr>
-        <p:spPr>
-          <a:xfrm>
-            <a:off x="6415582" y="2892097"/>
-            <a:ext cx="2358338" cy="923330"/>
-          </a:xfrm>
-          <a:prstGeom prst="rect">
-            <a:avLst/>
-          </a:prstGeom>
-          <a:noFill/>
-        </p:spPr>
-        <p:txBody>
-          <a:bodyPr wrap="none" rtlCol="0">
-            <a:spAutoFit/>
-          </a:bodyPr>
-          <a:lstStyle/>
-          <a:p>
-            <a:pPr marL="285750" indent="-285750">
-              <a:buFont typeface="Wingdings" charset="2"/>
-              <a:buChar char="Ø"/>
-            </a:pPr>
-            <a:r>
-              <a:rPr lang="en-US" altLang="zh-TW" dirty="0" smtClean="0">
-                <a:latin typeface="Times New Roman" charset="0"/>
-                <a:ea typeface="Times New Roman" charset="0"/>
-                <a:cs typeface="Times New Roman" charset="0"/>
-              </a:rPr>
-              <a:t>It first downloads a</a:t>
-            </a:r>
-            <a:br>
-              <a:rPr lang="en-US" altLang="zh-TW" dirty="0" smtClean="0">
-                <a:latin typeface="Times New Roman" charset="0"/>
-                <a:ea typeface="Times New Roman" charset="0"/>
-                <a:cs typeface="Times New Roman" charset="0"/>
-              </a:rPr>
-            </a:br>
-            <a:r>
-              <a:rPr lang="en-US" altLang="zh-TW" dirty="0" smtClean="0">
-                <a:latin typeface="Times New Roman" charset="0"/>
-                <a:ea typeface="Times New Roman" charset="0"/>
-                <a:cs typeface="Times New Roman" charset="0"/>
-              </a:rPr>
-              <a:t>.torrent file from the</a:t>
-            </a:r>
-            <a:br>
-              <a:rPr lang="en-US" altLang="zh-TW" dirty="0" smtClean="0">
-                <a:latin typeface="Times New Roman" charset="0"/>
-                <a:ea typeface="Times New Roman" charset="0"/>
-                <a:cs typeface="Times New Roman" charset="0"/>
-              </a:rPr>
-            </a:br>
-            <a:r>
-              <a:rPr lang="en-US" altLang="zh-TW" dirty="0" smtClean="0">
-                <a:latin typeface="Times New Roman" charset="0"/>
-                <a:ea typeface="Times New Roman" charset="0"/>
-                <a:cs typeface="Times New Roman" charset="0"/>
-              </a:rPr>
-              <a:t>web </a:t>
-            </a:r>
-            <a:r>
-              <a:rPr lang="en-US" altLang="zh-TW" dirty="0">
-                <a:latin typeface="Times New Roman" charset="0"/>
-                <a:ea typeface="Times New Roman" charset="0"/>
-                <a:cs typeface="Times New Roman" charset="0"/>
-              </a:rPr>
-              <a:t>s</a:t>
-            </a:r>
-            <a:r>
-              <a:rPr lang="en-US" altLang="zh-TW" dirty="0" smtClean="0">
-                <a:latin typeface="Times New Roman" charset="0"/>
-                <a:ea typeface="Times New Roman" charset="0"/>
-                <a:cs typeface="Times New Roman" charset="0"/>
-              </a:rPr>
-              <a:t>erver.</a:t>
-            </a:r>
-            <a:endParaRPr kumimoji="1" lang="zh-TW" altLang="en-US" dirty="0">
-              <a:latin typeface="Times New Roman" charset="0"/>
-              <a:ea typeface="Times New Roman" charset="0"/>
-              <a:cs typeface="Times New Roman" charset="0"/>
-            </a:endParaRPr>
-          </a:p>
-        </p:txBody>
-      </p:sp>
-      <p:sp>
-        <p:nvSpPr>
-          <p:cNvPr id="31" name="文字方塊 30"/>
-          <p:cNvSpPr txBox="1"/>
-          <p:nvPr/>
-        </p:nvSpPr>
-        <p:spPr>
-          <a:xfrm>
-            <a:off x="6401830" y="3850063"/>
-            <a:ext cx="2608406" cy="646331"/>
-          </a:xfrm>
-          <a:prstGeom prst="rect">
-            <a:avLst/>
-          </a:prstGeom>
-          <a:noFill/>
-        </p:spPr>
-        <p:txBody>
-          <a:bodyPr wrap="none" rtlCol="0">
-            <a:spAutoFit/>
-          </a:bodyPr>
-          <a:lstStyle/>
-          <a:p>
-            <a:pPr marL="285750" indent="-285750">
-              <a:buFont typeface="Wingdings" charset="2"/>
-              <a:buChar char="Ø"/>
-            </a:pPr>
-            <a:r>
-              <a:rPr lang="en-US" altLang="zh-TW" dirty="0" smtClean="0">
-                <a:latin typeface="Times New Roman" charset="0"/>
-                <a:ea typeface="Times New Roman" charset="0"/>
-                <a:cs typeface="Times New Roman" charset="0"/>
-              </a:rPr>
-              <a:t>Next, it connects to the</a:t>
-            </a:r>
-            <a:br>
-              <a:rPr lang="en-US" altLang="zh-TW" dirty="0" smtClean="0">
-                <a:latin typeface="Times New Roman" charset="0"/>
-                <a:ea typeface="Times New Roman" charset="0"/>
-                <a:cs typeface="Times New Roman" charset="0"/>
-              </a:rPr>
-            </a:br>
-            <a:r>
-              <a:rPr lang="en-US" altLang="zh-TW" dirty="0" smtClean="0">
-                <a:latin typeface="Times New Roman" charset="0"/>
-                <a:ea typeface="Times New Roman" charset="0"/>
-                <a:cs typeface="Times New Roman" charset="0"/>
-              </a:rPr>
-              <a:t>tracker.</a:t>
-            </a:r>
-            <a:endParaRPr kumimoji="1" lang="zh-TW" altLang="en-US" dirty="0">
-              <a:latin typeface="Times New Roman" charset="0"/>
-              <a:ea typeface="Times New Roman" charset="0"/>
-              <a:cs typeface="Times New Roman" charset="0"/>
-            </a:endParaRPr>
-          </a:p>
-        </p:txBody>
-      </p:sp>
-      <p:sp>
-        <p:nvSpPr>
-          <p:cNvPr id="32" name="文字方塊 31"/>
-          <p:cNvSpPr txBox="1"/>
-          <p:nvPr/>
-        </p:nvSpPr>
-        <p:spPr>
-          <a:xfrm>
-            <a:off x="6377810" y="4517845"/>
-            <a:ext cx="2569934" cy="646331"/>
-          </a:xfrm>
-          <a:prstGeom prst="rect">
-            <a:avLst/>
-          </a:prstGeom>
-          <a:noFill/>
-        </p:spPr>
-        <p:txBody>
-          <a:bodyPr wrap="none" rtlCol="0">
-            <a:spAutoFit/>
-          </a:bodyPr>
-          <a:lstStyle/>
-          <a:p>
-            <a:pPr marL="285750" indent="-285750">
-              <a:buFont typeface="Wingdings" charset="2"/>
-              <a:buChar char="Ø"/>
-            </a:pPr>
-            <a:r>
-              <a:rPr lang="en-US" altLang="zh-TW" dirty="0" smtClean="0">
-                <a:latin typeface="Times New Roman" charset="0"/>
-                <a:ea typeface="Times New Roman" charset="0"/>
-                <a:cs typeface="Times New Roman" charset="0"/>
-              </a:rPr>
-              <a:t>The tracker returns the</a:t>
-            </a:r>
-            <a:br>
-              <a:rPr lang="en-US" altLang="zh-TW" dirty="0" smtClean="0">
-                <a:latin typeface="Times New Roman" charset="0"/>
-                <a:ea typeface="Times New Roman" charset="0"/>
-                <a:cs typeface="Times New Roman" charset="0"/>
-              </a:rPr>
-            </a:br>
-            <a:r>
-              <a:rPr lang="en-US" altLang="zh-TW" dirty="0" smtClean="0">
-                <a:latin typeface="Times New Roman" charset="0"/>
-                <a:ea typeface="Times New Roman" charset="0"/>
-                <a:cs typeface="Times New Roman" charset="0"/>
-              </a:rPr>
-              <a:t>peer information.</a:t>
-            </a:r>
-            <a:endParaRPr kumimoji="1" lang="zh-TW" altLang="en-US" dirty="0">
-              <a:latin typeface="Times New Roman" charset="0"/>
-              <a:ea typeface="Times New Roman" charset="0"/>
-              <a:cs typeface="Times New Roman" charset="0"/>
-            </a:endParaRPr>
-          </a:p>
-        </p:txBody>
-      </p:sp>
-      <p:pic>
-        <p:nvPicPr>
-          <p:cNvPr id="46" name="內容版面配置區 3"/>
           <p:cNvPicPr>
             <a:picLocks noChangeAspect="1"/>
           </p:cNvPicPr>
@@ -7385,33 +7425,496 @@
             <a:fillRect/>
           </a:stretch>
         </p:blipFill>
-        <p:spPr bwMode="auto">
-          <a:xfrm>
-            <a:off x="2627784" y="1117104"/>
-            <a:ext cx="1536700" cy="1333500"/>
+        <p:spPr>
+          <a:xfrm>
+            <a:off x="575812" y="4143057"/>
+            <a:ext cx="1062070" cy="1272575"/>
+          </a:xfrm>
+          <a:prstGeom prst="rect">
+            <a:avLst/>
+          </a:prstGeom>
+        </p:spPr>
+      </p:pic>
+      <p:sp>
+        <p:nvSpPr>
+          <p:cNvPr id="19" name="文字方塊 18"/>
+          <p:cNvSpPr txBox="1"/>
+          <p:nvPr/>
+        </p:nvSpPr>
+        <p:spPr>
+          <a:xfrm>
+            <a:off x="575812" y="5467420"/>
+            <a:ext cx="894732" cy="369332"/>
           </a:xfrm>
           <a:prstGeom prst="rect">
             <a:avLst/>
           </a:prstGeom>
           <a:noFill/>
-          <a:ln w="9525">
-            <a:noFill/>
-            <a:miter lim="800000"/>
-            <a:headEnd/>
-            <a:tailEnd/>
+        </p:spPr>
+        <p:txBody>
+          <a:bodyPr wrap="none" rtlCol="0">
+            <a:spAutoFit/>
+          </a:bodyPr>
+          <a:lstStyle/>
+          <a:p>
+            <a:r>
+              <a:rPr kumimoji="1" lang="en-US" altLang="zh-TW" dirty="0" smtClean="0">
+                <a:latin typeface="Times New Roman" charset="0"/>
+                <a:ea typeface="Times New Roman" charset="0"/>
+                <a:cs typeface="Times New Roman" charset="0"/>
+              </a:rPr>
+              <a:t>Tracker</a:t>
+            </a:r>
+            <a:endParaRPr kumimoji="1" lang="zh-TW" altLang="en-US" dirty="0">
+              <a:latin typeface="Times New Roman" charset="0"/>
+              <a:ea typeface="Times New Roman" charset="0"/>
+              <a:cs typeface="Times New Roman" charset="0"/>
+            </a:endParaRPr>
+          </a:p>
+        </p:txBody>
+      </p:sp>
+      <p:sp>
+        <p:nvSpPr>
+          <p:cNvPr id="20" name="文字方塊 19"/>
+          <p:cNvSpPr txBox="1"/>
+          <p:nvPr/>
+        </p:nvSpPr>
+        <p:spPr>
+          <a:xfrm>
+            <a:off x="475520" y="3152066"/>
+            <a:ext cx="1262653" cy="369332"/>
+          </a:xfrm>
+          <a:prstGeom prst="rect">
+            <a:avLst/>
+          </a:prstGeom>
+          <a:noFill/>
+        </p:spPr>
+        <p:txBody>
+          <a:bodyPr wrap="none" rtlCol="0">
+            <a:spAutoFit/>
+          </a:bodyPr>
+          <a:lstStyle/>
+          <a:p>
+            <a:r>
+              <a:rPr lang="en-US" altLang="zh-TW" smtClean="0">
+                <a:latin typeface="Times New Roman" charset="0"/>
+                <a:ea typeface="Times New Roman" charset="0"/>
+                <a:cs typeface="Times New Roman" charset="0"/>
+              </a:rPr>
+              <a:t>Web Server</a:t>
+            </a:r>
+            <a:endParaRPr kumimoji="1" lang="zh-TW" altLang="en-US" dirty="0">
+              <a:latin typeface="Times New Roman" charset="0"/>
+              <a:ea typeface="Times New Roman" charset="0"/>
+              <a:cs typeface="Times New Roman" charset="0"/>
+            </a:endParaRPr>
+          </a:p>
+        </p:txBody>
+      </p:sp>
+      <p:cxnSp>
+        <p:nvCxnSpPr>
+          <p:cNvPr id="25" name="直線箭頭接點 24"/>
+          <p:cNvCxnSpPr>
+            <a:stCxn id="13" idx="3"/>
+            <a:endCxn id="47" idx="1"/>
+          </p:cNvCxnSpPr>
+          <p:nvPr/>
+        </p:nvCxnSpPr>
+        <p:spPr bwMode="auto">
+          <a:xfrm flipV="1">
+            <a:off x="1637882" y="3754374"/>
+            <a:ext cx="989902" cy="1024971"/>
+          </a:xfrm>
+          <a:prstGeom prst="straightConnector1">
+            <a:avLst/>
+          </a:prstGeom>
+          <a:solidFill>
+            <a:schemeClr val="accent1"/>
+          </a:solidFill>
+          <a:ln w="9525" cap="flat" cmpd="sng" algn="ctr">
+            <a:solidFill>
+              <a:schemeClr val="tx1"/>
+            </a:solidFill>
+            <a:prstDash val="solid"/>
+            <a:round/>
+            <a:headEnd type="none" w="med" len="med"/>
+            <a:tailEnd type="triangle"/>
           </a:ln>
-        </p:spPr>
-      </p:pic>
+          <a:effectLst/>
+        </p:spPr>
+      </p:cxnSp>
+      <p:sp>
+        <p:nvSpPr>
+          <p:cNvPr id="28" name="文字方塊 27"/>
+          <p:cNvSpPr txBox="1"/>
+          <p:nvPr/>
+        </p:nvSpPr>
+        <p:spPr>
+          <a:xfrm>
+            <a:off x="6415583" y="2215932"/>
+            <a:ext cx="2717411" cy="646331"/>
+          </a:xfrm>
+          <a:prstGeom prst="rect">
+            <a:avLst/>
+          </a:prstGeom>
+          <a:noFill/>
+        </p:spPr>
+        <p:txBody>
+          <a:bodyPr wrap="none" rtlCol="0">
+            <a:spAutoFit/>
+          </a:bodyPr>
+          <a:lstStyle/>
+          <a:p>
+            <a:pPr marL="285750" indent="-285750">
+              <a:buFont typeface="Wingdings" charset="2"/>
+              <a:buChar char="Ø"/>
+            </a:pPr>
+            <a:r>
+              <a:rPr kumimoji="1" lang="en-US" altLang="zh-TW" dirty="0" smtClean="0">
+                <a:latin typeface="Times New Roman" charset="0"/>
+                <a:ea typeface="Times New Roman" charset="0"/>
+                <a:cs typeface="Times New Roman" charset="0"/>
+              </a:rPr>
+              <a:t>Peer 5 joins the</a:t>
+            </a:r>
+            <a:r>
+              <a:rPr lang="en-US" altLang="zh-TW" dirty="0">
+                <a:latin typeface="Times New Roman" charset="0"/>
+                <a:ea typeface="Times New Roman" charset="0"/>
+                <a:cs typeface="Times New Roman" charset="0"/>
+              </a:rPr>
+              <a:t> </a:t>
+            </a:r>
+            <a:r>
+              <a:rPr kumimoji="1" lang="en-US" altLang="zh-TW" dirty="0" smtClean="0">
+                <a:latin typeface="Times New Roman" charset="0"/>
+                <a:ea typeface="Times New Roman" charset="0"/>
+                <a:cs typeface="Times New Roman" charset="0"/>
+              </a:rPr>
+              <a:t>network</a:t>
+            </a:r>
+            <a:br>
+              <a:rPr kumimoji="1" lang="en-US" altLang="zh-TW" dirty="0" smtClean="0">
+                <a:latin typeface="Times New Roman" charset="0"/>
+                <a:ea typeface="Times New Roman" charset="0"/>
+                <a:cs typeface="Times New Roman" charset="0"/>
+              </a:rPr>
+            </a:br>
+            <a:r>
+              <a:rPr kumimoji="1" lang="en-US" altLang="zh-TW" dirty="0" smtClean="0">
+                <a:latin typeface="Times New Roman" charset="0"/>
+                <a:ea typeface="Times New Roman" charset="0"/>
+                <a:cs typeface="Times New Roman" charset="0"/>
+              </a:rPr>
+              <a:t>to download the file.</a:t>
+            </a:r>
+            <a:endParaRPr kumimoji="1" lang="zh-TW" altLang="en-US" dirty="0">
+              <a:latin typeface="Times New Roman" charset="0"/>
+              <a:ea typeface="Times New Roman" charset="0"/>
+              <a:cs typeface="Times New Roman" charset="0"/>
+            </a:endParaRPr>
+          </a:p>
+        </p:txBody>
+      </p:sp>
+      <p:sp>
+        <p:nvSpPr>
+          <p:cNvPr id="29" name="文字方塊 28"/>
+          <p:cNvSpPr txBox="1"/>
+          <p:nvPr/>
+        </p:nvSpPr>
+        <p:spPr>
+          <a:xfrm>
+            <a:off x="6415582" y="989350"/>
+            <a:ext cx="2736647" cy="1200329"/>
+          </a:xfrm>
+          <a:prstGeom prst="rect">
+            <a:avLst/>
+          </a:prstGeom>
+          <a:noFill/>
+        </p:spPr>
+        <p:txBody>
+          <a:bodyPr wrap="none" rtlCol="0">
+            <a:spAutoFit/>
+          </a:bodyPr>
+          <a:lstStyle/>
+          <a:p>
+            <a:pPr marL="285750" indent="-285750">
+              <a:buFont typeface="Wingdings" charset="2"/>
+              <a:buChar char="Ø"/>
+            </a:pPr>
+            <a:r>
+              <a:rPr lang="en-US" altLang="zh-TW" dirty="0" smtClean="0">
+                <a:latin typeface="Times New Roman" charset="0"/>
+                <a:ea typeface="Times New Roman" charset="0"/>
+                <a:cs typeface="Times New Roman" charset="0"/>
+              </a:rPr>
+              <a:t>In this network, there</a:t>
+            </a:r>
+            <a:br>
+              <a:rPr lang="en-US" altLang="zh-TW" dirty="0" smtClean="0">
+                <a:latin typeface="Times New Roman" charset="0"/>
+                <a:ea typeface="Times New Roman" charset="0"/>
+                <a:cs typeface="Times New Roman" charset="0"/>
+              </a:rPr>
+            </a:br>
+            <a:r>
+              <a:rPr lang="en-US" altLang="zh-TW" dirty="0" smtClean="0">
+                <a:latin typeface="Times New Roman" charset="0"/>
+                <a:ea typeface="Times New Roman" charset="0"/>
+                <a:cs typeface="Times New Roman" charset="0"/>
+              </a:rPr>
+              <a:t>are 4 peers downloading</a:t>
+            </a:r>
+            <a:br>
+              <a:rPr lang="en-US" altLang="zh-TW" dirty="0" smtClean="0">
+                <a:latin typeface="Times New Roman" charset="0"/>
+                <a:ea typeface="Times New Roman" charset="0"/>
+                <a:cs typeface="Times New Roman" charset="0"/>
+              </a:rPr>
+            </a:br>
+            <a:r>
+              <a:rPr lang="en-US" altLang="zh-TW" dirty="0" smtClean="0">
+                <a:latin typeface="Times New Roman" charset="0"/>
+                <a:ea typeface="Times New Roman" charset="0"/>
+                <a:cs typeface="Times New Roman" charset="0"/>
+              </a:rPr>
+              <a:t>pieces of the file of</a:t>
+            </a:r>
+            <a:br>
+              <a:rPr lang="en-US" altLang="zh-TW" dirty="0" smtClean="0">
+                <a:latin typeface="Times New Roman" charset="0"/>
+                <a:ea typeface="Times New Roman" charset="0"/>
+                <a:cs typeface="Times New Roman" charset="0"/>
+              </a:rPr>
+            </a:br>
+            <a:r>
+              <a:rPr lang="en-US" altLang="zh-TW" dirty="0" smtClean="0">
+                <a:latin typeface="Times New Roman" charset="0"/>
+                <a:ea typeface="Times New Roman" charset="0"/>
+                <a:cs typeface="Times New Roman" charset="0"/>
+              </a:rPr>
+              <a:t>interest.</a:t>
+            </a:r>
+            <a:endParaRPr kumimoji="1" lang="zh-TW" altLang="en-US" dirty="0">
+              <a:latin typeface="Times New Roman" charset="0"/>
+              <a:ea typeface="Times New Roman" charset="0"/>
+              <a:cs typeface="Times New Roman" charset="0"/>
+            </a:endParaRPr>
+          </a:p>
+        </p:txBody>
+      </p:sp>
+      <p:sp>
+        <p:nvSpPr>
+          <p:cNvPr id="30" name="文字方塊 29"/>
+          <p:cNvSpPr txBox="1"/>
+          <p:nvPr/>
+        </p:nvSpPr>
+        <p:spPr>
+          <a:xfrm>
+            <a:off x="6415582" y="2892097"/>
+            <a:ext cx="2358338" cy="923330"/>
+          </a:xfrm>
+          <a:prstGeom prst="rect">
+            <a:avLst/>
+          </a:prstGeom>
+          <a:noFill/>
+        </p:spPr>
+        <p:txBody>
+          <a:bodyPr wrap="none" rtlCol="0">
+            <a:spAutoFit/>
+          </a:bodyPr>
+          <a:lstStyle/>
+          <a:p>
+            <a:pPr marL="285750" indent="-285750">
+              <a:buFont typeface="Wingdings" charset="2"/>
+              <a:buChar char="Ø"/>
+            </a:pPr>
+            <a:r>
+              <a:rPr lang="en-US" altLang="zh-TW" dirty="0" smtClean="0">
+                <a:latin typeface="Times New Roman" charset="0"/>
+                <a:ea typeface="Times New Roman" charset="0"/>
+                <a:cs typeface="Times New Roman" charset="0"/>
+              </a:rPr>
+              <a:t>It first downloads a</a:t>
+            </a:r>
+            <a:br>
+              <a:rPr lang="en-US" altLang="zh-TW" dirty="0" smtClean="0">
+                <a:latin typeface="Times New Roman" charset="0"/>
+                <a:ea typeface="Times New Roman" charset="0"/>
+                <a:cs typeface="Times New Roman" charset="0"/>
+              </a:rPr>
+            </a:br>
+            <a:r>
+              <a:rPr lang="en-US" altLang="zh-TW" dirty="0" smtClean="0">
+                <a:latin typeface="Times New Roman" charset="0"/>
+                <a:ea typeface="Times New Roman" charset="0"/>
+                <a:cs typeface="Times New Roman" charset="0"/>
+              </a:rPr>
+              <a:t>.torrent file from the</a:t>
+            </a:r>
+            <a:br>
+              <a:rPr lang="en-US" altLang="zh-TW" dirty="0" smtClean="0">
+                <a:latin typeface="Times New Roman" charset="0"/>
+                <a:ea typeface="Times New Roman" charset="0"/>
+                <a:cs typeface="Times New Roman" charset="0"/>
+              </a:rPr>
+            </a:br>
+            <a:r>
+              <a:rPr lang="en-US" altLang="zh-TW" dirty="0" smtClean="0">
+                <a:latin typeface="Times New Roman" charset="0"/>
+                <a:ea typeface="Times New Roman" charset="0"/>
+                <a:cs typeface="Times New Roman" charset="0"/>
+              </a:rPr>
+              <a:t>web </a:t>
+            </a:r>
+            <a:r>
+              <a:rPr lang="en-US" altLang="zh-TW" dirty="0">
+                <a:latin typeface="Times New Roman" charset="0"/>
+                <a:ea typeface="Times New Roman" charset="0"/>
+                <a:cs typeface="Times New Roman" charset="0"/>
+              </a:rPr>
+              <a:t>s</a:t>
+            </a:r>
+            <a:r>
+              <a:rPr lang="en-US" altLang="zh-TW" dirty="0" smtClean="0">
+                <a:latin typeface="Times New Roman" charset="0"/>
+                <a:ea typeface="Times New Roman" charset="0"/>
+                <a:cs typeface="Times New Roman" charset="0"/>
+              </a:rPr>
+              <a:t>erver.</a:t>
+            </a:r>
+            <a:endParaRPr kumimoji="1" lang="zh-TW" altLang="en-US" dirty="0">
+              <a:latin typeface="Times New Roman" charset="0"/>
+              <a:ea typeface="Times New Roman" charset="0"/>
+              <a:cs typeface="Times New Roman" charset="0"/>
+            </a:endParaRPr>
+          </a:p>
+        </p:txBody>
+      </p:sp>
+      <p:sp>
+        <p:nvSpPr>
+          <p:cNvPr id="31" name="文字方塊 30"/>
+          <p:cNvSpPr txBox="1"/>
+          <p:nvPr/>
+        </p:nvSpPr>
+        <p:spPr>
+          <a:xfrm>
+            <a:off x="6401830" y="3850063"/>
+            <a:ext cx="2608406" cy="646331"/>
+          </a:xfrm>
+          <a:prstGeom prst="rect">
+            <a:avLst/>
+          </a:prstGeom>
+          <a:noFill/>
+        </p:spPr>
+        <p:txBody>
+          <a:bodyPr wrap="none" rtlCol="0">
+            <a:spAutoFit/>
+          </a:bodyPr>
+          <a:lstStyle/>
+          <a:p>
+            <a:pPr marL="285750" indent="-285750">
+              <a:buFont typeface="Wingdings" charset="2"/>
+              <a:buChar char="Ø"/>
+            </a:pPr>
+            <a:r>
+              <a:rPr lang="en-US" altLang="zh-TW" dirty="0" smtClean="0">
+                <a:latin typeface="Times New Roman" charset="0"/>
+                <a:ea typeface="Times New Roman" charset="0"/>
+                <a:cs typeface="Times New Roman" charset="0"/>
+              </a:rPr>
+              <a:t>Next, it connects to the</a:t>
+            </a:r>
+            <a:br>
+              <a:rPr lang="en-US" altLang="zh-TW" dirty="0" smtClean="0">
+                <a:latin typeface="Times New Roman" charset="0"/>
+                <a:ea typeface="Times New Roman" charset="0"/>
+                <a:cs typeface="Times New Roman" charset="0"/>
+              </a:rPr>
+            </a:br>
+            <a:r>
+              <a:rPr lang="en-US" altLang="zh-TW" dirty="0" smtClean="0">
+                <a:latin typeface="Times New Roman" charset="0"/>
+                <a:ea typeface="Times New Roman" charset="0"/>
+                <a:cs typeface="Times New Roman" charset="0"/>
+              </a:rPr>
+              <a:t>tracker.</a:t>
+            </a:r>
+            <a:endParaRPr kumimoji="1" lang="zh-TW" altLang="en-US" dirty="0">
+              <a:latin typeface="Times New Roman" charset="0"/>
+              <a:ea typeface="Times New Roman" charset="0"/>
+              <a:cs typeface="Times New Roman" charset="0"/>
+            </a:endParaRPr>
+          </a:p>
+        </p:txBody>
+      </p:sp>
+      <p:sp>
+        <p:nvSpPr>
+          <p:cNvPr id="32" name="文字方塊 31"/>
+          <p:cNvSpPr txBox="1"/>
+          <p:nvPr/>
+        </p:nvSpPr>
+        <p:spPr>
+          <a:xfrm>
+            <a:off x="6377810" y="4517845"/>
+            <a:ext cx="2569934" cy="646331"/>
+          </a:xfrm>
+          <a:prstGeom prst="rect">
+            <a:avLst/>
+          </a:prstGeom>
+          <a:noFill/>
+        </p:spPr>
+        <p:txBody>
+          <a:bodyPr wrap="none" rtlCol="0">
+            <a:spAutoFit/>
+          </a:bodyPr>
+          <a:lstStyle/>
+          <a:p>
+            <a:pPr marL="285750" indent="-285750">
+              <a:buFont typeface="Wingdings" charset="2"/>
+              <a:buChar char="Ø"/>
+            </a:pPr>
+            <a:r>
+              <a:rPr lang="en-US" altLang="zh-TW" dirty="0" smtClean="0">
+                <a:latin typeface="Times New Roman" charset="0"/>
+                <a:ea typeface="Times New Roman" charset="0"/>
+                <a:cs typeface="Times New Roman" charset="0"/>
+              </a:rPr>
+              <a:t>The tracker returns the</a:t>
+            </a:r>
+            <a:br>
+              <a:rPr lang="en-US" altLang="zh-TW" dirty="0" smtClean="0">
+                <a:latin typeface="Times New Roman" charset="0"/>
+                <a:ea typeface="Times New Roman" charset="0"/>
+                <a:cs typeface="Times New Roman" charset="0"/>
+              </a:rPr>
+            </a:br>
+            <a:r>
+              <a:rPr lang="en-US" altLang="zh-TW" dirty="0" smtClean="0">
+                <a:latin typeface="Times New Roman" charset="0"/>
+                <a:ea typeface="Times New Roman" charset="0"/>
+                <a:cs typeface="Times New Roman" charset="0"/>
+              </a:rPr>
+              <a:t>peer information.</a:t>
+            </a:r>
+            <a:endParaRPr kumimoji="1" lang="zh-TW" altLang="en-US" dirty="0">
+              <a:latin typeface="Times New Roman" charset="0"/>
+              <a:ea typeface="Times New Roman" charset="0"/>
+              <a:cs typeface="Times New Roman" charset="0"/>
+            </a:endParaRPr>
+          </a:p>
+        </p:txBody>
+      </p:sp>
       <p:pic>
         <p:nvPicPr>
-          <p:cNvPr id="47" name="內容版面配置區 3"/>
+          <p:cNvPr id="46" name="內容版面配置區 3"/>
           <p:cNvPicPr>
             <a:picLocks noChangeAspect="1"/>
           </p:cNvPicPr>
           <p:nvPr/>
         </p:nvPicPr>
         <p:blipFill>
-          <a:blip r:embed="rId3">
+          <a:blip r:embed="rId4">
             <a:extLst>
               <a:ext uri="{28A0092B-C50C-407E-A947-70E740481C1C}">
                 <a14:useLocalDpi xmlns:a14="http://schemas.microsoft.com/office/drawing/2010/main" val="0"/>
@@ -7424,7 +7927,7 @@
         </p:blipFill>
         <p:spPr bwMode="auto">
           <a:xfrm>
-            <a:off x="2627784" y="3087624"/>
+            <a:off x="2627784" y="1117104"/>
             <a:ext cx="1536700" cy="1333500"/>
           </a:xfrm>
           <a:prstGeom prst="rect">
@@ -7441,14 +7944,14 @@
       </p:pic>
       <p:pic>
         <p:nvPicPr>
-          <p:cNvPr id="48" name="內容版面配置區 3"/>
+          <p:cNvPr id="47" name="內容版面配置區 3"/>
           <p:cNvPicPr>
             <a:picLocks noChangeAspect="1"/>
           </p:cNvPicPr>
           <p:nvPr/>
         </p:nvPicPr>
         <p:blipFill>
-          <a:blip r:embed="rId3">
+          <a:blip r:embed="rId4">
             <a:extLst>
               <a:ext uri="{28A0092B-C50C-407E-A947-70E740481C1C}">
                 <a14:useLocalDpi xmlns:a14="http://schemas.microsoft.com/office/drawing/2010/main" val="0"/>
@@ -7461,7 +7964,7 @@
         </p:blipFill>
         <p:spPr bwMode="auto">
           <a:xfrm>
-            <a:off x="4832501" y="2283243"/>
+            <a:off x="2627784" y="3087624"/>
             <a:ext cx="1536700" cy="1333500"/>
           </a:xfrm>
           <a:prstGeom prst="rect">
@@ -7478,14 +7981,14 @@
       </p:pic>
       <p:pic>
         <p:nvPicPr>
-          <p:cNvPr id="49" name="內容版面配置區 3"/>
+          <p:cNvPr id="48" name="內容版面配置區 3"/>
           <p:cNvPicPr>
             <a:picLocks noChangeAspect="1"/>
           </p:cNvPicPr>
           <p:nvPr/>
         </p:nvPicPr>
         <p:blipFill>
-          <a:blip r:embed="rId3">
+          <a:blip r:embed="rId4">
             <a:extLst>
               <a:ext uri="{28A0092B-C50C-407E-A947-70E740481C1C}">
                 <a14:useLocalDpi xmlns:a14="http://schemas.microsoft.com/office/drawing/2010/main" val="0"/>
@@ -7498,7 +8001,7 @@
         </p:blipFill>
         <p:spPr bwMode="auto">
           <a:xfrm>
-            <a:off x="2627784" y="4921176"/>
+            <a:off x="4832501" y="2283243"/>
             <a:ext cx="1536700" cy="1333500"/>
           </a:xfrm>
           <a:prstGeom prst="rect">
@@ -7515,6 +8018,43 @@
       </p:pic>
       <p:pic>
         <p:nvPicPr>
+          <p:cNvPr id="49" name="內容版面配置區 3"/>
+          <p:cNvPicPr>
+            <a:picLocks noChangeAspect="1"/>
+          </p:cNvPicPr>
+          <p:nvPr/>
+        </p:nvPicPr>
+        <p:blipFill>
+          <a:blip r:embed="rId4">
+            <a:extLst>
+              <a:ext uri="{28A0092B-C50C-407E-A947-70E740481C1C}">
+                <a14:useLocalDpi xmlns:a14="http://schemas.microsoft.com/office/drawing/2010/main" val="0"/>
+              </a:ext>
+            </a:extLst>
+          </a:blip>
+          <a:stretch>
+            <a:fillRect/>
+          </a:stretch>
+        </p:blipFill>
+        <p:spPr bwMode="auto">
+          <a:xfrm>
+            <a:off x="2627784" y="4921176"/>
+            <a:ext cx="1536700" cy="1333500"/>
+          </a:xfrm>
+          <a:prstGeom prst="rect">
+            <a:avLst/>
+          </a:prstGeom>
+          <a:noFill/>
+          <a:ln w="9525">
+            <a:noFill/>
+            <a:miter lim="800000"/>
+            <a:headEnd/>
+            <a:tailEnd/>
+          </a:ln>
+        </p:spPr>
+      </p:pic>
+      <p:pic>
+        <p:nvPicPr>
           <p:cNvPr id="50" name="內容版面配置區 3"/>
           <p:cNvPicPr>
             <a:picLocks noChangeAspect="1"/>
@@ -7522,7 +8062,7 @@
           <p:nvPr/>
         </p:nvPicPr>
         <p:blipFill>
-          <a:blip r:embed="rId3">
+          <a:blip r:embed="rId4">
             <a:extLst>
               <a:ext uri="{28A0092B-C50C-407E-A947-70E740481C1C}">
                 <a14:useLocalDpi xmlns:a14="http://schemas.microsoft.com/office/drawing/2010/main" val="0"/>
@@ -7865,7 +8405,7 @@
           </p:nvPr>
         </p:nvPicPr>
         <p:blipFill>
-          <a:blip r:embed="rId2">
+          <a:blip r:embed="rId3">
             <a:extLst>
               <a:ext uri="{28A0092B-C50C-407E-A947-70E740481C1C}">
                 <a14:useLocalDpi xmlns:a14="http://schemas.microsoft.com/office/drawing/2010/main" val="0"/>
@@ -7946,154 +8486,6 @@
       <p:pic>
         <p:nvPicPr>
           <p:cNvPr id="7" name="內容版面配置區 3"/>
-          <p:cNvPicPr>
-            <a:picLocks noChangeAspect="1"/>
-          </p:cNvPicPr>
-          <p:nvPr/>
-        </p:nvPicPr>
-        <p:blipFill>
-          <a:blip r:embed="rId2">
-            <a:extLst>
-              <a:ext uri="{28A0092B-C50C-407E-A947-70E740481C1C}">
-                <a14:useLocalDpi xmlns:a14="http://schemas.microsoft.com/office/drawing/2010/main" val="0"/>
-              </a:ext>
-            </a:extLst>
-          </a:blip>
-          <a:stretch>
-            <a:fillRect/>
-          </a:stretch>
-        </p:blipFill>
-        <p:spPr bwMode="auto">
-          <a:xfrm>
-            <a:off x="2627784" y="3087624"/>
-            <a:ext cx="1536700" cy="1333500"/>
-          </a:xfrm>
-          <a:prstGeom prst="rect">
-            <a:avLst/>
-          </a:prstGeom>
-          <a:noFill/>
-          <a:ln w="9525">
-            <a:noFill/>
-            <a:miter lim="800000"/>
-            <a:headEnd/>
-            <a:tailEnd/>
-          </a:ln>
-        </p:spPr>
-      </p:pic>
-      <p:pic>
-        <p:nvPicPr>
-          <p:cNvPr id="8" name="內容版面配置區 3"/>
-          <p:cNvPicPr>
-            <a:picLocks noChangeAspect="1"/>
-          </p:cNvPicPr>
-          <p:nvPr/>
-        </p:nvPicPr>
-        <p:blipFill>
-          <a:blip r:embed="rId2">
-            <a:extLst>
-              <a:ext uri="{28A0092B-C50C-407E-A947-70E740481C1C}">
-                <a14:useLocalDpi xmlns:a14="http://schemas.microsoft.com/office/drawing/2010/main" val="0"/>
-              </a:ext>
-            </a:extLst>
-          </a:blip>
-          <a:stretch>
-            <a:fillRect/>
-          </a:stretch>
-        </p:blipFill>
-        <p:spPr bwMode="auto">
-          <a:xfrm>
-            <a:off x="4832501" y="2283243"/>
-            <a:ext cx="1536700" cy="1333500"/>
-          </a:xfrm>
-          <a:prstGeom prst="rect">
-            <a:avLst/>
-          </a:prstGeom>
-          <a:noFill/>
-          <a:ln w="9525">
-            <a:noFill/>
-            <a:miter lim="800000"/>
-            <a:headEnd/>
-            <a:tailEnd/>
-          </a:ln>
-        </p:spPr>
-      </p:pic>
-      <p:pic>
-        <p:nvPicPr>
-          <p:cNvPr id="9" name="內容版面配置區 3"/>
-          <p:cNvPicPr>
-            <a:picLocks noChangeAspect="1"/>
-          </p:cNvPicPr>
-          <p:nvPr/>
-        </p:nvPicPr>
-        <p:blipFill>
-          <a:blip r:embed="rId2">
-            <a:extLst>
-              <a:ext uri="{28A0092B-C50C-407E-A947-70E740481C1C}">
-                <a14:useLocalDpi xmlns:a14="http://schemas.microsoft.com/office/drawing/2010/main" val="0"/>
-              </a:ext>
-            </a:extLst>
-          </a:blip>
-          <a:stretch>
-            <a:fillRect/>
-          </a:stretch>
-        </p:blipFill>
-        <p:spPr bwMode="auto">
-          <a:xfrm>
-            <a:off x="2627784" y="4921176"/>
-            <a:ext cx="1536700" cy="1333500"/>
-          </a:xfrm>
-          <a:prstGeom prst="rect">
-            <a:avLst/>
-          </a:prstGeom>
-          <a:noFill/>
-          <a:ln w="9525">
-            <a:noFill/>
-            <a:miter lim="800000"/>
-            <a:headEnd/>
-            <a:tailEnd/>
-          </a:ln>
-        </p:spPr>
-      </p:pic>
-      <p:pic>
-        <p:nvPicPr>
-          <p:cNvPr id="11" name="內容版面配置區 3"/>
-          <p:cNvPicPr>
-            <a:picLocks noChangeAspect="1"/>
-          </p:cNvPicPr>
-          <p:nvPr/>
-        </p:nvPicPr>
-        <p:blipFill>
-          <a:blip r:embed="rId2">
-            <a:extLst>
-              <a:ext uri="{28A0092B-C50C-407E-A947-70E740481C1C}">
-                <a14:useLocalDpi xmlns:a14="http://schemas.microsoft.com/office/drawing/2010/main" val="0"/>
-              </a:ext>
-            </a:extLst>
-          </a:blip>
-          <a:stretch>
-            <a:fillRect/>
-          </a:stretch>
-        </p:blipFill>
-        <p:spPr bwMode="auto">
-          <a:xfrm>
-            <a:off x="4832501" y="4099068"/>
-            <a:ext cx="1536700" cy="1333500"/>
-          </a:xfrm>
-          <a:prstGeom prst="rect">
-            <a:avLst/>
-          </a:prstGeom>
-          <a:noFill/>
-          <a:ln w="9525">
-            <a:noFill/>
-            <a:miter lim="800000"/>
-            <a:headEnd/>
-            <a:tailEnd/>
-          </a:ln>
-        </p:spPr>
-      </p:pic>
-      <p:pic>
-        <p:nvPicPr>
-          <p:cNvPr id="12" name="圖片 11"/>
           <p:cNvPicPr>
             <a:picLocks noChangeAspect="1"/>
           </p:cNvPicPr>
@@ -8111,6 +8503,154 @@
             <a:fillRect/>
           </a:stretch>
         </p:blipFill>
+        <p:spPr bwMode="auto">
+          <a:xfrm>
+            <a:off x="2627784" y="3087624"/>
+            <a:ext cx="1536700" cy="1333500"/>
+          </a:xfrm>
+          <a:prstGeom prst="rect">
+            <a:avLst/>
+          </a:prstGeom>
+          <a:noFill/>
+          <a:ln w="9525">
+            <a:noFill/>
+            <a:miter lim="800000"/>
+            <a:headEnd/>
+            <a:tailEnd/>
+          </a:ln>
+        </p:spPr>
+      </p:pic>
+      <p:pic>
+        <p:nvPicPr>
+          <p:cNvPr id="8" name="內容版面配置區 3"/>
+          <p:cNvPicPr>
+            <a:picLocks noChangeAspect="1"/>
+          </p:cNvPicPr>
+          <p:nvPr/>
+        </p:nvPicPr>
+        <p:blipFill>
+          <a:blip r:embed="rId3">
+            <a:extLst>
+              <a:ext uri="{28A0092B-C50C-407E-A947-70E740481C1C}">
+                <a14:useLocalDpi xmlns:a14="http://schemas.microsoft.com/office/drawing/2010/main" val="0"/>
+              </a:ext>
+            </a:extLst>
+          </a:blip>
+          <a:stretch>
+            <a:fillRect/>
+          </a:stretch>
+        </p:blipFill>
+        <p:spPr bwMode="auto">
+          <a:xfrm>
+            <a:off x="4832501" y="2283243"/>
+            <a:ext cx="1536700" cy="1333500"/>
+          </a:xfrm>
+          <a:prstGeom prst="rect">
+            <a:avLst/>
+          </a:prstGeom>
+          <a:noFill/>
+          <a:ln w="9525">
+            <a:noFill/>
+            <a:miter lim="800000"/>
+            <a:headEnd/>
+            <a:tailEnd/>
+          </a:ln>
+        </p:spPr>
+      </p:pic>
+      <p:pic>
+        <p:nvPicPr>
+          <p:cNvPr id="9" name="內容版面配置區 3"/>
+          <p:cNvPicPr>
+            <a:picLocks noChangeAspect="1"/>
+          </p:cNvPicPr>
+          <p:nvPr/>
+        </p:nvPicPr>
+        <p:blipFill>
+          <a:blip r:embed="rId3">
+            <a:extLst>
+              <a:ext uri="{28A0092B-C50C-407E-A947-70E740481C1C}">
+                <a14:useLocalDpi xmlns:a14="http://schemas.microsoft.com/office/drawing/2010/main" val="0"/>
+              </a:ext>
+            </a:extLst>
+          </a:blip>
+          <a:stretch>
+            <a:fillRect/>
+          </a:stretch>
+        </p:blipFill>
+        <p:spPr bwMode="auto">
+          <a:xfrm>
+            <a:off x="2627784" y="4921176"/>
+            <a:ext cx="1536700" cy="1333500"/>
+          </a:xfrm>
+          <a:prstGeom prst="rect">
+            <a:avLst/>
+          </a:prstGeom>
+          <a:noFill/>
+          <a:ln w="9525">
+            <a:noFill/>
+            <a:miter lim="800000"/>
+            <a:headEnd/>
+            <a:tailEnd/>
+          </a:ln>
+        </p:spPr>
+      </p:pic>
+      <p:pic>
+        <p:nvPicPr>
+          <p:cNvPr id="11" name="內容版面配置區 3"/>
+          <p:cNvPicPr>
+            <a:picLocks noChangeAspect="1"/>
+          </p:cNvPicPr>
+          <p:nvPr/>
+        </p:nvPicPr>
+        <p:blipFill>
+          <a:blip r:embed="rId3">
+            <a:extLst>
+              <a:ext uri="{28A0092B-C50C-407E-A947-70E740481C1C}">
+                <a14:useLocalDpi xmlns:a14="http://schemas.microsoft.com/office/drawing/2010/main" val="0"/>
+              </a:ext>
+            </a:extLst>
+          </a:blip>
+          <a:stretch>
+            <a:fillRect/>
+          </a:stretch>
+        </p:blipFill>
+        <p:spPr bwMode="auto">
+          <a:xfrm>
+            <a:off x="4832501" y="4099068"/>
+            <a:ext cx="1536700" cy="1333500"/>
+          </a:xfrm>
+          <a:prstGeom prst="rect">
+            <a:avLst/>
+          </a:prstGeom>
+          <a:noFill/>
+          <a:ln w="9525">
+            <a:noFill/>
+            <a:miter lim="800000"/>
+            <a:headEnd/>
+            <a:tailEnd/>
+          </a:ln>
+        </p:spPr>
+      </p:pic>
+      <p:pic>
+        <p:nvPicPr>
+          <p:cNvPr id="12" name="圖片 11"/>
+          <p:cNvPicPr>
+            <a:picLocks noChangeAspect="1"/>
+          </p:cNvPicPr>
+          <p:nvPr/>
+        </p:nvPicPr>
+        <p:blipFill>
+          <a:blip r:embed="rId4">
+            <a:extLst>
+              <a:ext uri="{28A0092B-C50C-407E-A947-70E740481C1C}">
+                <a14:useLocalDpi xmlns:a14="http://schemas.microsoft.com/office/drawing/2010/main" val="0"/>
+              </a:ext>
+            </a:extLst>
+          </a:blip>
+          <a:stretch>
+            <a:fillRect/>
+          </a:stretch>
+        </p:blipFill>
         <p:spPr>
           <a:xfrm>
             <a:off x="575812" y="1862555"/>
@@ -8130,7 +8670,7 @@
           <p:nvPr/>
         </p:nvPicPr>
         <p:blipFill>
-          <a:blip r:embed="rId3">
+          <a:blip r:embed="rId4">
             <a:extLst>
               <a:ext uri="{28A0092B-C50C-407E-A947-70E740481C1C}">
                 <a14:useLocalDpi xmlns:a14="http://schemas.microsoft.com/office/drawing/2010/main" val="0"/>
@@ -9063,7 +9603,7 @@
           <a:p>
             <a:r>
               <a:rPr kumimoji="1" lang="en-US" altLang="zh-TW" dirty="0" smtClean="0"/>
-              <a:t>Some Issues of </a:t>
+              <a:t>Some notes behind the operation of </a:t>
             </a:r>
             <a:r>
               <a:rPr kumimoji="1" lang="en-US" altLang="zh-TW" dirty="0" err="1" smtClean="0"/>
@@ -9089,48 +9629,118 @@
           <a:lstStyle/>
           <a:p>
             <a:r>
-              <a:rPr kumimoji="1" lang="en-US" altLang="zh-TW" b="1" dirty="0" smtClean="0"/>
-              <a:t>Peer Evolution</a:t>
+              <a:rPr kumimoji="1" lang="en-US" altLang="zh-TW" i="1" dirty="0" smtClean="0">
+                <a:solidFill>
+                  <a:srgbClr val="FF0000"/>
+                </a:solidFill>
+              </a:rPr>
+              <a:t>Downloaders</a:t>
             </a:r>
             <a:r>
               <a:rPr kumimoji="1" lang="en-US" altLang="zh-TW" dirty="0" smtClean="0"/>
-              <a:t>: how the number of peers evolves as a function of the request arrival rate, the peer departure rate, the uploading/downloading bandwidth of each peer, etc.</a:t>
-            </a:r>
-          </a:p>
-          <a:p>
-            <a:r>
-              <a:rPr kumimoji="1" lang="en-US" altLang="zh-TW" b="1" dirty="0" smtClean="0"/>
-              <a:t>Scalability</a:t>
+              <a:t> are peers who only have a part (or none) of the file while </a:t>
+            </a:r>
+            <a:r>
+              <a:rPr kumimoji="1" lang="en-US" altLang="zh-TW" i="1" dirty="0" smtClean="0">
+                <a:solidFill>
+                  <a:srgbClr val="FF0000"/>
+                </a:solidFill>
+              </a:rPr>
+              <a:t>seeds</a:t>
             </a:r>
             <a:r>
               <a:rPr kumimoji="1" lang="en-US" altLang="zh-TW" dirty="0" smtClean="0"/>
-              <a:t>: as the size of the network (number of peers) grows, the network performance (average file downloading time) should preferably to actually improve.</a:t>
-            </a:r>
-          </a:p>
-          <a:p>
-            <a:r>
-              <a:rPr kumimoji="1" lang="en-US" altLang="zh-TW" b="1" dirty="0" smtClean="0"/>
-              <a:t>File Sharing Efficiency</a:t>
-            </a:r>
+              <a:t> are peers who have all the pieces (the complete file) but stay in the system to allow other peers to download from them.</a:t>
+            </a:r>
+          </a:p>
+          <a:p>
+            <a:endParaRPr kumimoji="1" lang="en-US" altLang="zh-TW" dirty="0" smtClean="0"/>
+          </a:p>
+          <a:p>
             <a:r>
               <a:rPr kumimoji="1" lang="en-US" altLang="zh-TW" dirty="0" smtClean="0"/>
-              <a:t>: as peers often have different uploading/downloading bandwidths, it is important to design a good file-sharing protocol such that the uploading/downloading bandwidths are fully utilized.</a:t>
-            </a:r>
-          </a:p>
-          <a:p>
-            <a:r>
-              <a:rPr kumimoji="1" lang="en-US" altLang="zh-TW" b="1" dirty="0" smtClean="0"/>
-              <a:t>Incentives to prevent free-riding</a:t>
-            </a:r>
-            <a:r>
-              <a:rPr kumimoji="1" lang="en-US" altLang="zh-TW" dirty="0" smtClean="0"/>
-              <a:t>: need to a mechanism to deter peers from free-riding (download from other </a:t>
-            </a:r>
-            <a:r>
-              <a:rPr kumimoji="1" lang="en-US" altLang="zh-TW" smtClean="0"/>
-              <a:t>peers while not uploading to others).</a:t>
-            </a:r>
-            <a:endParaRPr kumimoji="1" lang="zh-TW" altLang="en-US" dirty="0"/>
+              <a:t>Each peer is allowed to upload only to a fixed number (by default four) of other peers at a given time.</a:t>
+            </a:r>
+          </a:p>
+          <a:p>
+            <a:endParaRPr kumimoji="1" lang="en-US" altLang="zh-TW" dirty="0" smtClean="0"/>
+          </a:p>
+          <a:p>
+            <a:r>
+              <a:rPr kumimoji="1" lang="en-US" altLang="zh-TW" dirty="0" smtClean="0">
+                <a:solidFill>
+                  <a:srgbClr val="000000"/>
+                </a:solidFill>
+              </a:rPr>
+              <a:t>What is </a:t>
+            </a:r>
+            <a:r>
+              <a:rPr kumimoji="1" lang="en-US" altLang="zh-TW" dirty="0" err="1" smtClean="0">
+                <a:solidFill>
+                  <a:srgbClr val="FF0000"/>
+                </a:solidFill>
+              </a:rPr>
+              <a:t>Unchocking</a:t>
+            </a:r>
+            <a:r>
+              <a:rPr kumimoji="1" lang="en-US" altLang="zh-TW" dirty="0">
+                <a:solidFill>
+                  <a:srgbClr val="000000"/>
+                </a:solidFill>
+              </a:rPr>
+              <a:t>?</a:t>
+            </a:r>
+            <a:endParaRPr kumimoji="1" lang="en-US" altLang="zh-TW" dirty="0" smtClean="0">
+              <a:solidFill>
+                <a:srgbClr val="000000"/>
+              </a:solidFill>
+            </a:endParaRPr>
+          </a:p>
+          <a:p>
+            <a:endParaRPr kumimoji="1" lang="en-US" altLang="zh-TW" dirty="0" smtClean="0">
+              <a:solidFill>
+                <a:srgbClr val="FF0000"/>
+              </a:solidFill>
+            </a:endParaRPr>
+          </a:p>
+          <a:p>
+            <a:r>
+              <a:rPr kumimoji="1" lang="en-US" altLang="zh-TW" dirty="0" smtClean="0">
+                <a:solidFill>
+                  <a:srgbClr val="000000"/>
+                </a:solidFill>
+              </a:rPr>
+              <a:t>The mechanism of </a:t>
+            </a:r>
+            <a:r>
+              <a:rPr kumimoji="1" lang="en-US" altLang="zh-TW" dirty="0" smtClean="0">
+                <a:solidFill>
+                  <a:srgbClr val="FF0000"/>
+                </a:solidFill>
+              </a:rPr>
+              <a:t>Optimistic </a:t>
+            </a:r>
+            <a:r>
+              <a:rPr kumimoji="1" lang="en-US" altLang="zh-TW" dirty="0" err="1" smtClean="0">
+                <a:solidFill>
+                  <a:srgbClr val="FF0000"/>
+                </a:solidFill>
+              </a:rPr>
+              <a:t>Unchocking</a:t>
+            </a:r>
+            <a:r>
+              <a:rPr kumimoji="1" lang="en-US" altLang="zh-TW" dirty="0" smtClean="0">
+                <a:solidFill>
+                  <a:srgbClr val="FF0000"/>
+                </a:solidFill>
+              </a:rPr>
+              <a:t>.</a:t>
+            </a:r>
+            <a:endParaRPr kumimoji="1" lang="zh-TW" altLang="en-US" dirty="0">
+              <a:solidFill>
+                <a:srgbClr val="FF0000"/>
+              </a:solidFill>
+            </a:endParaRPr>
           </a:p>
         </p:txBody>
       </p:sp>
@@ -9188,6 +9798,183 @@
                 <a:defRPr/>
               </a:pPr>
               <a:t>14</a:t>
+            </a:fld>
+            <a:endParaRPr lang="en-US" altLang="zh-TW"/>
+          </a:p>
+        </p:txBody>
+      </p:sp>
+    </p:spTree>
+    <p:extLst>
+      <p:ext uri="{BB962C8B-B14F-4D97-AF65-F5344CB8AC3E}">
+        <p14:creationId xmlns:p14="http://schemas.microsoft.com/office/powerpoint/2010/main" val="783561877"/>
+      </p:ext>
+    </p:extLst>
+  </p:cSld>
+  <p:clrMapOvr>
+    <a:masterClrMapping/>
+  </p:clrMapOvr>
+</p:sld>
+</file>
+
+<file path=ppt/slides/slide15.xml><?xml version="1.0" encoding="utf-8"?>
+<p:sld xmlns:a="http://schemas.openxmlformats.org/drawingml/2006/main" xmlns:r="http://schemas.openxmlformats.org/officeDocument/2006/relationships" xmlns:p="http://schemas.openxmlformats.org/presentationml/2006/main">
+  <p:cSld>
+    <p:spTree>
+      <p:nvGrpSpPr>
+        <p:cNvPr id="1" name=""/>
+        <p:cNvGrpSpPr/>
+        <p:nvPr/>
+      </p:nvGrpSpPr>
+      <p:grpSpPr>
+        <a:xfrm>
+          <a:off x="0" y="0"/>
+          <a:ext cx="0" cy="0"/>
+          <a:chOff x="0" y="0"/>
+          <a:chExt cx="0" cy="0"/>
+        </a:xfrm>
+      </p:grpSpPr>
+      <p:sp>
+        <p:nvSpPr>
+          <p:cNvPr id="2" name="標題 1"/>
+          <p:cNvSpPr>
+            <a:spLocks noGrp="1"/>
+          </p:cNvSpPr>
+          <p:nvPr>
+            <p:ph type="title"/>
+          </p:nvPr>
+        </p:nvSpPr>
+        <p:spPr/>
+        <p:txBody>
+          <a:bodyPr/>
+          <a:lstStyle/>
+          <a:p>
+            <a:r>
+              <a:rPr kumimoji="1" lang="en-US" altLang="zh-TW" dirty="0" smtClean="0"/>
+              <a:t>Some Issues of </a:t>
+            </a:r>
+            <a:r>
+              <a:rPr kumimoji="1" lang="en-US" altLang="zh-TW" dirty="0" err="1" smtClean="0"/>
+              <a:t>BitTorrent</a:t>
+            </a:r>
+            <a:endParaRPr kumimoji="1" lang="zh-TW" altLang="en-US" dirty="0"/>
+          </a:p>
+        </p:txBody>
+      </p:sp>
+      <p:sp>
+        <p:nvSpPr>
+          <p:cNvPr id="3" name="內容版面配置區 2"/>
+          <p:cNvSpPr>
+            <a:spLocks noGrp="1"/>
+          </p:cNvSpPr>
+          <p:nvPr>
+            <p:ph idx="1"/>
+          </p:nvPr>
+        </p:nvSpPr>
+        <p:spPr/>
+        <p:txBody>
+          <a:bodyPr/>
+          <a:lstStyle/>
+          <a:p>
+            <a:r>
+              <a:rPr kumimoji="1" lang="en-US" altLang="zh-TW" b="1" dirty="0" smtClean="0"/>
+              <a:t>Peer Evolution</a:t>
+            </a:r>
+            <a:r>
+              <a:rPr kumimoji="1" lang="en-US" altLang="zh-TW" dirty="0" smtClean="0"/>
+              <a:t>: how the number of peers evolves as a function of the request arrival rate, the peer departure rate, the uploading/downloading bandwidth of each peer, etc.</a:t>
+            </a:r>
+          </a:p>
+          <a:p>
+            <a:r>
+              <a:rPr kumimoji="1" lang="en-US" altLang="zh-TW" b="1" dirty="0" smtClean="0"/>
+              <a:t>Scalability</a:t>
+            </a:r>
+            <a:r>
+              <a:rPr kumimoji="1" lang="en-US" altLang="zh-TW" dirty="0" smtClean="0"/>
+              <a:t>: as the size of the network (number of peers) grows, the network performance (average file downloading time) should preferably to actually improve.</a:t>
+            </a:r>
+          </a:p>
+          <a:p>
+            <a:r>
+              <a:rPr kumimoji="1" lang="en-US" altLang="zh-TW" b="1" dirty="0" smtClean="0"/>
+              <a:t>File Sharing Efficiency</a:t>
+            </a:r>
+            <a:r>
+              <a:rPr kumimoji="1" lang="en-US" altLang="zh-TW" dirty="0" smtClean="0"/>
+              <a:t>: as peers often have different uploading/downloading bandwidths, it is important to design a good file-sharing protocol such that the uploading/downloading bandwidths are fully utilized.</a:t>
+            </a:r>
+          </a:p>
+          <a:p>
+            <a:r>
+              <a:rPr kumimoji="1" lang="en-US" altLang="zh-TW" b="1" dirty="0" smtClean="0"/>
+              <a:t>Incentives to prevent free-riding</a:t>
+            </a:r>
+            <a:r>
+              <a:rPr kumimoji="1" lang="en-US" altLang="zh-TW" dirty="0" smtClean="0"/>
+              <a:t>: need to a mechanism to deter peers from free-riding (download from other </a:t>
+            </a:r>
+            <a:r>
+              <a:rPr kumimoji="1" lang="en-US" altLang="zh-TW" smtClean="0"/>
+              <a:t>peers while not uploading to others).</a:t>
+            </a:r>
+            <a:endParaRPr kumimoji="1" lang="zh-TW" altLang="en-US" dirty="0"/>
+          </a:p>
+        </p:txBody>
+      </p:sp>
+      <p:sp>
+        <p:nvSpPr>
+          <p:cNvPr id="4" name="頁尾版面配置區 3"/>
+          <p:cNvSpPr>
+            <a:spLocks noGrp="1"/>
+          </p:cNvSpPr>
+          <p:nvPr>
+            <p:ph type="ftr" sz="quarter" idx="11"/>
+          </p:nvPr>
+        </p:nvSpPr>
+        <p:spPr/>
+        <p:txBody>
+          <a:bodyPr/>
+          <a:lstStyle/>
+          <a:p>
+            <a:pPr>
+              <a:defRPr/>
+            </a:pPr>
+            <a:r>
+              <a:rPr lang="zh-TW" altLang="en-US" smtClean="0"/>
+              <a:t> </a:t>
+            </a:r>
+            <a:r>
+              <a:rPr lang="en-US" altLang="zh-TW" smtClean="0"/>
+              <a:t>Mobile Computing &amp; Data Mining Lab.</a:t>
+            </a:r>
+            <a:endParaRPr lang="en-US" altLang="zh-TW"/>
+          </a:p>
+        </p:txBody>
+      </p:sp>
+      <p:sp>
+        <p:nvSpPr>
+          <p:cNvPr id="5" name="投影片編號版面配置區 4"/>
+          <p:cNvSpPr>
+            <a:spLocks noGrp="1"/>
+          </p:cNvSpPr>
+          <p:nvPr>
+            <p:ph type="sldNum" sz="quarter" idx="12"/>
+          </p:nvPr>
+        </p:nvSpPr>
+        <p:spPr/>
+        <p:txBody>
+          <a:bodyPr/>
+          <a:lstStyle/>
+          <a:p>
+            <a:pPr>
+              <a:defRPr/>
+            </a:pPr>
+            <a:fld id="{7823135A-D7F7-45E8-89D0-FF7E75BBDD99}" type="slidenum">
+              <a:rPr lang="en-US" altLang="zh-TW" smtClean="0"/>
+              <a:pPr>
+                <a:defRPr/>
+              </a:pPr>
+              <a:t>15</a:t>
             </a:fld>
             <a:endParaRPr lang="en-US" altLang="zh-TW"/>
           </a:p>
@@ -15177,231 +15964,6 @@
           <p:nvPr/>
         </p:nvPicPr>
         <p:blipFill>
-          <a:blip r:embed="rId2">
-            <a:extLst>
-              <a:ext uri="{28A0092B-C50C-407E-A947-70E740481C1C}">
-                <a14:useLocalDpi xmlns:a14="http://schemas.microsoft.com/office/drawing/2010/main" val="0"/>
-              </a:ext>
-            </a:extLst>
-          </a:blip>
-          <a:stretch>
-            <a:fillRect/>
-          </a:stretch>
-        </p:blipFill>
-        <p:spPr>
-          <a:xfrm>
-            <a:off x="575812" y="1862555"/>
-            <a:ext cx="1062070" cy="1272575"/>
-          </a:xfrm>
-          <a:prstGeom prst="rect">
-            <a:avLst/>
-          </a:prstGeom>
-        </p:spPr>
-      </p:pic>
-      <p:pic>
-        <p:nvPicPr>
-          <p:cNvPr id="13" name="圖片 12"/>
-          <p:cNvPicPr>
-            <a:picLocks noChangeAspect="1"/>
-          </p:cNvPicPr>
-          <p:nvPr/>
-        </p:nvPicPr>
-        <p:blipFill>
-          <a:blip r:embed="rId2">
-            <a:extLst>
-              <a:ext uri="{28A0092B-C50C-407E-A947-70E740481C1C}">
-                <a14:useLocalDpi xmlns:a14="http://schemas.microsoft.com/office/drawing/2010/main" val="0"/>
-              </a:ext>
-            </a:extLst>
-          </a:blip>
-          <a:stretch>
-            <a:fillRect/>
-          </a:stretch>
-        </p:blipFill>
-        <p:spPr>
-          <a:xfrm>
-            <a:off x="575812" y="4143057"/>
-            <a:ext cx="1062070" cy="1272575"/>
-          </a:xfrm>
-          <a:prstGeom prst="rect">
-            <a:avLst/>
-          </a:prstGeom>
-        </p:spPr>
-      </p:pic>
-      <p:sp>
-        <p:nvSpPr>
-          <p:cNvPr id="19" name="文字方塊 18"/>
-          <p:cNvSpPr txBox="1"/>
-          <p:nvPr/>
-        </p:nvSpPr>
-        <p:spPr>
-          <a:xfrm>
-            <a:off x="575812" y="5467420"/>
-            <a:ext cx="894732" cy="369332"/>
-          </a:xfrm>
-          <a:prstGeom prst="rect">
-            <a:avLst/>
-          </a:prstGeom>
-          <a:noFill/>
-        </p:spPr>
-        <p:txBody>
-          <a:bodyPr wrap="none" rtlCol="0">
-            <a:spAutoFit/>
-          </a:bodyPr>
-          <a:lstStyle/>
-          <a:p>
-            <a:r>
-              <a:rPr kumimoji="1" lang="en-US" altLang="zh-TW" dirty="0" smtClean="0">
-                <a:latin typeface="Times New Roman" charset="0"/>
-                <a:ea typeface="Times New Roman" charset="0"/>
-                <a:cs typeface="Times New Roman" charset="0"/>
-              </a:rPr>
-              <a:t>Tracker</a:t>
-            </a:r>
-            <a:endParaRPr kumimoji="1" lang="zh-TW" altLang="en-US" dirty="0">
-              <a:latin typeface="Times New Roman" charset="0"/>
-              <a:ea typeface="Times New Roman" charset="0"/>
-              <a:cs typeface="Times New Roman" charset="0"/>
-            </a:endParaRPr>
-          </a:p>
-        </p:txBody>
-      </p:sp>
-      <p:sp>
-        <p:nvSpPr>
-          <p:cNvPr id="20" name="文字方塊 19"/>
-          <p:cNvSpPr txBox="1"/>
-          <p:nvPr/>
-        </p:nvSpPr>
-        <p:spPr>
-          <a:xfrm>
-            <a:off x="475520" y="3152066"/>
-            <a:ext cx="1262653" cy="369332"/>
-          </a:xfrm>
-          <a:prstGeom prst="rect">
-            <a:avLst/>
-          </a:prstGeom>
-          <a:noFill/>
-        </p:spPr>
-        <p:txBody>
-          <a:bodyPr wrap="none" rtlCol="0">
-            <a:spAutoFit/>
-          </a:bodyPr>
-          <a:lstStyle/>
-          <a:p>
-            <a:r>
-              <a:rPr lang="en-US" altLang="zh-TW" smtClean="0">
-                <a:latin typeface="Times New Roman" charset="0"/>
-                <a:ea typeface="Times New Roman" charset="0"/>
-                <a:cs typeface="Times New Roman" charset="0"/>
-              </a:rPr>
-              <a:t>Web Server</a:t>
-            </a:r>
-            <a:endParaRPr kumimoji="1" lang="zh-TW" altLang="en-US" dirty="0">
-              <a:latin typeface="Times New Roman" charset="0"/>
-              <a:ea typeface="Times New Roman" charset="0"/>
-              <a:cs typeface="Times New Roman" charset="0"/>
-            </a:endParaRPr>
-          </a:p>
-        </p:txBody>
-      </p:sp>
-      <p:sp>
-        <p:nvSpPr>
-          <p:cNvPr id="22" name="文字方塊 21"/>
-          <p:cNvSpPr txBox="1"/>
-          <p:nvPr/>
-        </p:nvSpPr>
-        <p:spPr>
-          <a:xfrm>
-            <a:off x="6415582" y="989350"/>
-            <a:ext cx="2736647" cy="1200329"/>
-          </a:xfrm>
-          <a:prstGeom prst="rect">
-            <a:avLst/>
-          </a:prstGeom>
-          <a:noFill/>
-        </p:spPr>
-        <p:txBody>
-          <a:bodyPr wrap="none" rtlCol="0">
-            <a:spAutoFit/>
-          </a:bodyPr>
-          <a:lstStyle/>
-          <a:p>
-            <a:pPr marL="285750" indent="-285750">
-              <a:buFont typeface="Wingdings" charset="2"/>
-              <a:buChar char="Ø"/>
-            </a:pPr>
-            <a:r>
-              <a:rPr lang="en-US" altLang="zh-TW" dirty="0" smtClean="0">
-                <a:latin typeface="Times New Roman" charset="0"/>
-                <a:ea typeface="Times New Roman" charset="0"/>
-                <a:cs typeface="Times New Roman" charset="0"/>
-              </a:rPr>
-              <a:t>In this network, there</a:t>
-            </a:r>
-            <a:br>
-              <a:rPr lang="en-US" altLang="zh-TW" dirty="0" smtClean="0">
-                <a:latin typeface="Times New Roman" charset="0"/>
-                <a:ea typeface="Times New Roman" charset="0"/>
-                <a:cs typeface="Times New Roman" charset="0"/>
-              </a:rPr>
-            </a:br>
-            <a:r>
-              <a:rPr lang="en-US" altLang="zh-TW" dirty="0" smtClean="0">
-                <a:latin typeface="Times New Roman" charset="0"/>
-                <a:ea typeface="Times New Roman" charset="0"/>
-                <a:cs typeface="Times New Roman" charset="0"/>
-              </a:rPr>
-              <a:t>are 4 peers downloading</a:t>
-            </a:r>
-            <a:br>
-              <a:rPr lang="en-US" altLang="zh-TW" dirty="0" smtClean="0">
-                <a:latin typeface="Times New Roman" charset="0"/>
-                <a:ea typeface="Times New Roman" charset="0"/>
-                <a:cs typeface="Times New Roman" charset="0"/>
-              </a:rPr>
-            </a:br>
-            <a:r>
-              <a:rPr lang="en-US" altLang="zh-TW" dirty="0" smtClean="0">
-                <a:latin typeface="Times New Roman" charset="0"/>
-                <a:ea typeface="Times New Roman" charset="0"/>
-                <a:cs typeface="Times New Roman" charset="0"/>
-              </a:rPr>
-              <a:t>pieces of the file of</a:t>
-            </a:r>
-            <a:br>
-              <a:rPr lang="en-US" altLang="zh-TW" dirty="0" smtClean="0">
-                <a:latin typeface="Times New Roman" charset="0"/>
-                <a:ea typeface="Times New Roman" charset="0"/>
-                <a:cs typeface="Times New Roman" charset="0"/>
-              </a:rPr>
-            </a:br>
-            <a:r>
-              <a:rPr lang="en-US" altLang="zh-TW" dirty="0" smtClean="0">
-                <a:latin typeface="Times New Roman" charset="0"/>
-                <a:ea typeface="Times New Roman" charset="0"/>
-                <a:cs typeface="Times New Roman" charset="0"/>
-              </a:rPr>
-              <a:t>interest.</a:t>
-            </a:r>
-            <a:endParaRPr kumimoji="1" lang="zh-TW" altLang="en-US" dirty="0">
-              <a:latin typeface="Times New Roman" charset="0"/>
-              <a:ea typeface="Times New Roman" charset="0"/>
-              <a:cs typeface="Times New Roman" charset="0"/>
-            </a:endParaRPr>
-          </a:p>
-        </p:txBody>
-      </p:sp>
-      <p:pic>
-        <p:nvPicPr>
-          <p:cNvPr id="25" name="內容版面配置區 3"/>
-          <p:cNvPicPr>
-            <a:picLocks noGrp="1" noChangeAspect="1"/>
-          </p:cNvPicPr>
-          <p:nvPr>
-            <p:ph idx="1"/>
-          </p:nvPr>
-        </p:nvPicPr>
-        <p:blipFill>
           <a:blip r:embed="rId3">
             <a:extLst>
               <a:ext uri="{28A0092B-C50C-407E-A947-70E740481C1C}">
@@ -15415,14 +15977,17 @@
         </p:blipFill>
         <p:spPr>
           <a:xfrm>
-            <a:off x="2627784" y="1117104"/>
-            <a:ext cx="1536700" cy="1333500"/>
-          </a:xfrm>
+            <a:off x="575812" y="1862555"/>
+            <a:ext cx="1062070" cy="1272575"/>
+          </a:xfrm>
+          <a:prstGeom prst="rect">
+            <a:avLst/>
+          </a:prstGeom>
         </p:spPr>
       </p:pic>
       <p:pic>
         <p:nvPicPr>
-          <p:cNvPr id="27" name="內容版面配置區 3"/>
+          <p:cNvPr id="13" name="圖片 12"/>
           <p:cNvPicPr>
             <a:picLocks noChangeAspect="1"/>
           </p:cNvPicPr>
@@ -15440,33 +16005,218 @@
             <a:fillRect/>
           </a:stretch>
         </p:blipFill>
-        <p:spPr bwMode="auto">
-          <a:xfrm>
-            <a:off x="4832501" y="2283243"/>
-            <a:ext cx="1536700" cy="1333500"/>
+        <p:spPr>
+          <a:xfrm>
+            <a:off x="575812" y="4143057"/>
+            <a:ext cx="1062070" cy="1272575"/>
+          </a:xfrm>
+          <a:prstGeom prst="rect">
+            <a:avLst/>
+          </a:prstGeom>
+        </p:spPr>
+      </p:pic>
+      <p:sp>
+        <p:nvSpPr>
+          <p:cNvPr id="19" name="文字方塊 18"/>
+          <p:cNvSpPr txBox="1"/>
+          <p:nvPr/>
+        </p:nvSpPr>
+        <p:spPr>
+          <a:xfrm>
+            <a:off x="575812" y="5467420"/>
+            <a:ext cx="894732" cy="369332"/>
           </a:xfrm>
           <a:prstGeom prst="rect">
             <a:avLst/>
           </a:prstGeom>
           <a:noFill/>
-          <a:ln w="9525">
-            <a:noFill/>
-            <a:miter lim="800000"/>
-            <a:headEnd/>
-            <a:tailEnd/>
-          </a:ln>
+        </p:spPr>
+        <p:txBody>
+          <a:bodyPr wrap="none" rtlCol="0">
+            <a:spAutoFit/>
+          </a:bodyPr>
+          <a:lstStyle/>
+          <a:p>
+            <a:r>
+              <a:rPr kumimoji="1" lang="en-US" altLang="zh-TW" dirty="0" smtClean="0">
+                <a:latin typeface="Times New Roman" charset="0"/>
+                <a:ea typeface="Times New Roman" charset="0"/>
+                <a:cs typeface="Times New Roman" charset="0"/>
+              </a:rPr>
+              <a:t>Tracker</a:t>
+            </a:r>
+            <a:endParaRPr kumimoji="1" lang="zh-TW" altLang="en-US" dirty="0">
+              <a:latin typeface="Times New Roman" charset="0"/>
+              <a:ea typeface="Times New Roman" charset="0"/>
+              <a:cs typeface="Times New Roman" charset="0"/>
+            </a:endParaRPr>
+          </a:p>
+        </p:txBody>
+      </p:sp>
+      <p:sp>
+        <p:nvSpPr>
+          <p:cNvPr id="20" name="文字方塊 19"/>
+          <p:cNvSpPr txBox="1"/>
+          <p:nvPr/>
+        </p:nvSpPr>
+        <p:spPr>
+          <a:xfrm>
+            <a:off x="475520" y="3152066"/>
+            <a:ext cx="1262653" cy="369332"/>
+          </a:xfrm>
+          <a:prstGeom prst="rect">
+            <a:avLst/>
+          </a:prstGeom>
+          <a:noFill/>
+        </p:spPr>
+        <p:txBody>
+          <a:bodyPr wrap="none" rtlCol="0">
+            <a:spAutoFit/>
+          </a:bodyPr>
+          <a:lstStyle/>
+          <a:p>
+            <a:r>
+              <a:rPr lang="en-US" altLang="zh-TW" smtClean="0">
+                <a:latin typeface="Times New Roman" charset="0"/>
+                <a:ea typeface="Times New Roman" charset="0"/>
+                <a:cs typeface="Times New Roman" charset="0"/>
+              </a:rPr>
+              <a:t>Web Server</a:t>
+            </a:r>
+            <a:endParaRPr kumimoji="1" lang="zh-TW" altLang="en-US" dirty="0">
+              <a:latin typeface="Times New Roman" charset="0"/>
+              <a:ea typeface="Times New Roman" charset="0"/>
+              <a:cs typeface="Times New Roman" charset="0"/>
+            </a:endParaRPr>
+          </a:p>
+        </p:txBody>
+      </p:sp>
+      <p:sp>
+        <p:nvSpPr>
+          <p:cNvPr id="22" name="文字方塊 21"/>
+          <p:cNvSpPr txBox="1"/>
+          <p:nvPr/>
+        </p:nvSpPr>
+        <p:spPr>
+          <a:xfrm>
+            <a:off x="6415582" y="989350"/>
+            <a:ext cx="2736647" cy="1200329"/>
+          </a:xfrm>
+          <a:prstGeom prst="rect">
+            <a:avLst/>
+          </a:prstGeom>
+          <a:noFill/>
+        </p:spPr>
+        <p:txBody>
+          <a:bodyPr wrap="none" rtlCol="0">
+            <a:spAutoFit/>
+          </a:bodyPr>
+          <a:lstStyle/>
+          <a:p>
+            <a:pPr marL="285750" indent="-285750">
+              <a:buFont typeface="Wingdings" charset="2"/>
+              <a:buChar char="Ø"/>
+            </a:pPr>
+            <a:r>
+              <a:rPr lang="en-US" altLang="zh-TW" dirty="0" smtClean="0">
+                <a:latin typeface="Times New Roman" charset="0"/>
+                <a:ea typeface="Times New Roman" charset="0"/>
+                <a:cs typeface="Times New Roman" charset="0"/>
+              </a:rPr>
+              <a:t>In this network, there</a:t>
+            </a:r>
+            <a:br>
+              <a:rPr lang="en-US" altLang="zh-TW" dirty="0" smtClean="0">
+                <a:latin typeface="Times New Roman" charset="0"/>
+                <a:ea typeface="Times New Roman" charset="0"/>
+                <a:cs typeface="Times New Roman" charset="0"/>
+              </a:rPr>
+            </a:br>
+            <a:r>
+              <a:rPr lang="en-US" altLang="zh-TW" dirty="0" smtClean="0">
+                <a:latin typeface="Times New Roman" charset="0"/>
+                <a:ea typeface="Times New Roman" charset="0"/>
+                <a:cs typeface="Times New Roman" charset="0"/>
+              </a:rPr>
+              <a:t>are 4 peers downloading</a:t>
+            </a:r>
+            <a:br>
+              <a:rPr lang="en-US" altLang="zh-TW" dirty="0" smtClean="0">
+                <a:latin typeface="Times New Roman" charset="0"/>
+                <a:ea typeface="Times New Roman" charset="0"/>
+                <a:cs typeface="Times New Roman" charset="0"/>
+              </a:rPr>
+            </a:br>
+            <a:r>
+              <a:rPr lang="en-US" altLang="zh-TW" dirty="0" smtClean="0">
+                <a:latin typeface="Times New Roman" charset="0"/>
+                <a:ea typeface="Times New Roman" charset="0"/>
+                <a:cs typeface="Times New Roman" charset="0"/>
+              </a:rPr>
+              <a:t>pieces of the file of</a:t>
+            </a:r>
+            <a:br>
+              <a:rPr lang="en-US" altLang="zh-TW" dirty="0" smtClean="0">
+                <a:latin typeface="Times New Roman" charset="0"/>
+                <a:ea typeface="Times New Roman" charset="0"/>
+                <a:cs typeface="Times New Roman" charset="0"/>
+              </a:rPr>
+            </a:br>
+            <a:r>
+              <a:rPr lang="en-US" altLang="zh-TW" dirty="0" smtClean="0">
+                <a:latin typeface="Times New Roman" charset="0"/>
+                <a:ea typeface="Times New Roman" charset="0"/>
+                <a:cs typeface="Times New Roman" charset="0"/>
+              </a:rPr>
+              <a:t>interest.</a:t>
+            </a:r>
+            <a:endParaRPr kumimoji="1" lang="zh-TW" altLang="en-US" dirty="0">
+              <a:latin typeface="Times New Roman" charset="0"/>
+              <a:ea typeface="Times New Roman" charset="0"/>
+              <a:cs typeface="Times New Roman" charset="0"/>
+            </a:endParaRPr>
+          </a:p>
+        </p:txBody>
+      </p:sp>
+      <p:pic>
+        <p:nvPicPr>
+          <p:cNvPr id="25" name="內容版面配置區 3"/>
+          <p:cNvPicPr>
+            <a:picLocks noGrp="1" noChangeAspect="1"/>
+          </p:cNvPicPr>
+          <p:nvPr>
+            <p:ph idx="1"/>
+          </p:nvPr>
+        </p:nvPicPr>
+        <p:blipFill>
+          <a:blip r:embed="rId4">
+            <a:extLst>
+              <a:ext uri="{28A0092B-C50C-407E-A947-70E740481C1C}">
+                <a14:useLocalDpi xmlns:a14="http://schemas.microsoft.com/office/drawing/2010/main" val="0"/>
+              </a:ext>
+            </a:extLst>
+          </a:blip>
+          <a:stretch>
+            <a:fillRect/>
+          </a:stretch>
+        </p:blipFill>
+        <p:spPr>
+          <a:xfrm>
+            <a:off x="2627784" y="1117104"/>
+            <a:ext cx="1536700" cy="1333500"/>
+          </a:xfrm>
         </p:spPr>
       </p:pic>
       <p:pic>
         <p:nvPicPr>
-          <p:cNvPr id="28" name="內容版面配置區 3"/>
+          <p:cNvPr id="27" name="內容版面配置區 3"/>
           <p:cNvPicPr>
             <a:picLocks noChangeAspect="1"/>
           </p:cNvPicPr>
           <p:nvPr/>
         </p:nvPicPr>
         <p:blipFill>
-          <a:blip r:embed="rId3">
+          <a:blip r:embed="rId4">
             <a:extLst>
               <a:ext uri="{28A0092B-C50C-407E-A947-70E740481C1C}">
                 <a14:useLocalDpi xmlns:a14="http://schemas.microsoft.com/office/drawing/2010/main" val="0"/>
@@ -15479,7 +16229,7 @@
         </p:blipFill>
         <p:spPr bwMode="auto">
           <a:xfrm>
-            <a:off x="2627784" y="4921176"/>
+            <a:off x="4832501" y="2283243"/>
             <a:ext cx="1536700" cy="1333500"/>
           </a:xfrm>
           <a:prstGeom prst="rect">
@@ -15496,6 +16246,43 @@
       </p:pic>
       <p:pic>
         <p:nvPicPr>
+          <p:cNvPr id="28" name="內容版面配置區 3"/>
+          <p:cNvPicPr>
+            <a:picLocks noChangeAspect="1"/>
+          </p:cNvPicPr>
+          <p:nvPr/>
+        </p:nvPicPr>
+        <p:blipFill>
+          <a:blip r:embed="rId4">
+            <a:extLst>
+              <a:ext uri="{28A0092B-C50C-407E-A947-70E740481C1C}">
+                <a14:useLocalDpi xmlns:a14="http://schemas.microsoft.com/office/drawing/2010/main" val="0"/>
+              </a:ext>
+            </a:extLst>
+          </a:blip>
+          <a:stretch>
+            <a:fillRect/>
+          </a:stretch>
+        </p:blipFill>
+        <p:spPr bwMode="auto">
+          <a:xfrm>
+            <a:off x="2627784" y="4921176"/>
+            <a:ext cx="1536700" cy="1333500"/>
+          </a:xfrm>
+          <a:prstGeom prst="rect">
+            <a:avLst/>
+          </a:prstGeom>
+          <a:noFill/>
+          <a:ln w="9525">
+            <a:noFill/>
+            <a:miter lim="800000"/>
+            <a:headEnd/>
+            <a:tailEnd/>
+          </a:ln>
+        </p:spPr>
+      </p:pic>
+      <p:pic>
+        <p:nvPicPr>
           <p:cNvPr id="29" name="內容版面配置區 3"/>
           <p:cNvPicPr>
             <a:picLocks noChangeAspect="1"/>
@@ -15503,7 +16290,7 @@
           <p:nvPr/>
         </p:nvPicPr>
         <p:blipFill>
-          <a:blip r:embed="rId3">
+          <a:blip r:embed="rId4">
             <a:extLst>
               <a:ext uri="{28A0092B-C50C-407E-A947-70E740481C1C}">
                 <a14:useLocalDpi xmlns:a14="http://schemas.microsoft.com/office/drawing/2010/main" val="0"/>

--- a/final/BT-like-peer2peer.pptx
+++ b/final/BT-like-peer2peer.pptx
@@ -5,10 +5,10 @@
     <p:sldMasterId id="2147483648" r:id="rId1"/>
   </p:sldMasterIdLst>
   <p:notesMasterIdLst>
-    <p:notesMasterId r:id="rId22"/>
+    <p:notesMasterId r:id="rId40"/>
   </p:notesMasterIdLst>
   <p:handoutMasterIdLst>
-    <p:handoutMasterId r:id="rId23"/>
+    <p:handoutMasterId r:id="rId41"/>
   </p:handoutMasterIdLst>
   <p:sldIdLst>
     <p:sldId id="289" r:id="rId2"/>
@@ -31,6 +31,24 @@
     <p:sldId id="319" r:id="rId19"/>
     <p:sldId id="320" r:id="rId20"/>
     <p:sldId id="313" r:id="rId21"/>
+    <p:sldId id="321" r:id="rId22"/>
+    <p:sldId id="323" r:id="rId23"/>
+    <p:sldId id="324" r:id="rId24"/>
+    <p:sldId id="325" r:id="rId25"/>
+    <p:sldId id="326" r:id="rId26"/>
+    <p:sldId id="327" r:id="rId27"/>
+    <p:sldId id="328" r:id="rId28"/>
+    <p:sldId id="329" r:id="rId29"/>
+    <p:sldId id="330" r:id="rId30"/>
+    <p:sldId id="331" r:id="rId31"/>
+    <p:sldId id="332" r:id="rId32"/>
+    <p:sldId id="333" r:id="rId33"/>
+    <p:sldId id="334" r:id="rId34"/>
+    <p:sldId id="335" r:id="rId35"/>
+    <p:sldId id="336" r:id="rId36"/>
+    <p:sldId id="337" r:id="rId37"/>
+    <p:sldId id="339" r:id="rId38"/>
+    <p:sldId id="338" r:id="rId39"/>
   </p:sldIdLst>
   <p:sldSz cx="9144000" cy="6858000" type="screen4x3"/>
   <p:notesSz cx="7086600" cy="10223500"/>
@@ -287,7 +305,7 @@
               <a:pPr>
                 <a:defRPr/>
               </a:pPr>
-              <a:t>2016/6/12</a:t>
+              <a:t>2016/6/13</a:t>
             </a:fld>
             <a:endParaRPr lang="zh-TW" altLang="en-US"/>
           </a:p>
@@ -478,7 +496,7 @@
               <a:pPr>
                 <a:defRPr/>
               </a:pPr>
-              <a:t>2016/6/12</a:t>
+              <a:t>2016/6/13</a:t>
             </a:fld>
             <a:endParaRPr lang="zh-TW" altLang="en-US"/>
           </a:p>
@@ -918,6 +936,360 @@
 </p:notes>
 </file>
 
+<file path=ppt/notesSlides/notesSlide10.xml><?xml version="1.0" encoding="utf-8"?>
+<p:notes xmlns:a="http://schemas.openxmlformats.org/drawingml/2006/main" xmlns:r="http://schemas.openxmlformats.org/officeDocument/2006/relationships" xmlns:p="http://schemas.openxmlformats.org/presentationml/2006/main">
+  <p:cSld>
+    <p:spTree>
+      <p:nvGrpSpPr>
+        <p:cNvPr id="1" name=""/>
+        <p:cNvGrpSpPr/>
+        <p:nvPr/>
+      </p:nvGrpSpPr>
+      <p:grpSpPr>
+        <a:xfrm>
+          <a:off x="0" y="0"/>
+          <a:ext cx="0" cy="0"/>
+          <a:chOff x="0" y="0"/>
+          <a:chExt cx="0" cy="0"/>
+        </a:xfrm>
+      </p:grpSpPr>
+      <p:sp>
+        <p:nvSpPr>
+          <p:cNvPr id="2" name="投影片圖像版面配置區 1"/>
+          <p:cNvSpPr>
+            <a:spLocks noGrp="1" noRot="1" noChangeAspect="1"/>
+          </p:cNvSpPr>
+          <p:nvPr>
+            <p:ph type="sldImg"/>
+          </p:nvPr>
+        </p:nvSpPr>
+        <p:spPr/>
+      </p:sp>
+      <p:sp>
+        <p:nvSpPr>
+          <p:cNvPr id="3" name="備忘稿版面配置區 2"/>
+          <p:cNvSpPr>
+            <a:spLocks noGrp="1"/>
+          </p:cNvSpPr>
+          <p:nvPr>
+            <p:ph type="body" idx="1"/>
+          </p:nvPr>
+        </p:nvSpPr>
+        <p:spPr/>
+        <p:txBody>
+          <a:bodyPr/>
+          <a:lstStyle/>
+          <a:p>
+            <a:r>
+              <a:rPr lang="el-GR" altLang="zh-TW" dirty="0" smtClean="0"/>
+              <a:t>μ</a:t>
+            </a:r>
+            <a:r>
+              <a:rPr lang="en-US" altLang="zh-TW" dirty="0" smtClean="0"/>
+              <a:t> = 0.00125 uploading</a:t>
+            </a:r>
+            <a:r>
+              <a:rPr lang="en-US" altLang="zh-TW" baseline="0" dirty="0" smtClean="0"/>
+              <a:t> bandwidth</a:t>
+            </a:r>
+            <a:endParaRPr lang="en-US" altLang="zh-TW" dirty="0" smtClean="0"/>
+          </a:p>
+          <a:p>
+            <a:r>
+              <a:rPr lang="el-GR" altLang="zh-TW" dirty="0" smtClean="0"/>
+              <a:t>θ</a:t>
+            </a:r>
+            <a:r>
+              <a:rPr lang="en-US" altLang="zh-TW" dirty="0" smtClean="0"/>
+              <a:t> = 0.001 rate at which downloaders</a:t>
+            </a:r>
+            <a:r>
+              <a:rPr lang="en-US" altLang="zh-TW" baseline="0" dirty="0" smtClean="0"/>
+              <a:t> abort the download</a:t>
+            </a:r>
+            <a:endParaRPr lang="en-US" altLang="zh-TW" dirty="0" smtClean="0"/>
+          </a:p>
+          <a:p>
+            <a:r>
+              <a:rPr lang="en-US" altLang="zh-TW" dirty="0" smtClean="0"/>
+              <a:t>c = 0.002 downloading</a:t>
+            </a:r>
+            <a:r>
+              <a:rPr lang="en-US" altLang="zh-TW" baseline="0" dirty="0" smtClean="0"/>
+              <a:t> bandwidth</a:t>
+            </a:r>
+            <a:endParaRPr lang="en-US" altLang="zh-TW" dirty="0" smtClean="0"/>
+          </a:p>
+          <a:p>
+            <a:r>
+              <a:rPr lang="el-GR" altLang="zh-TW" dirty="0" smtClean="0"/>
+              <a:t>γ</a:t>
+            </a:r>
+            <a:r>
+              <a:rPr lang="en-US" altLang="zh-TW" dirty="0" smtClean="0"/>
+              <a:t> = 0.001 the rate at which seeds leave</a:t>
+            </a:r>
+            <a:r>
+              <a:rPr lang="en-US" altLang="zh-TW" baseline="0" dirty="0" smtClean="0"/>
+              <a:t> the system</a:t>
+            </a:r>
+            <a:endParaRPr lang="zh-TW" altLang="en-US" dirty="0" smtClean="0"/>
+          </a:p>
+          <a:p>
+            <a:endParaRPr lang="zh-TW" altLang="en-US" dirty="0"/>
+          </a:p>
+        </p:txBody>
+      </p:sp>
+      <p:sp>
+        <p:nvSpPr>
+          <p:cNvPr id="4" name="投影片編號版面配置區 3"/>
+          <p:cNvSpPr>
+            <a:spLocks noGrp="1"/>
+          </p:cNvSpPr>
+          <p:nvPr>
+            <p:ph type="sldNum" sz="quarter" idx="10"/>
+          </p:nvPr>
+        </p:nvSpPr>
+        <p:spPr/>
+        <p:txBody>
+          <a:bodyPr/>
+          <a:lstStyle/>
+          <a:p>
+            <a:pPr>
+              <a:defRPr/>
+            </a:pPr>
+            <a:fld id="{AA32E424-FCBD-41DB-BDB8-D5C0C38729C3}" type="slidenum">
+              <a:rPr lang="zh-TW" altLang="en-US" smtClean="0"/>
+              <a:pPr>
+                <a:defRPr/>
+              </a:pPr>
+              <a:t>27</a:t>
+            </a:fld>
+            <a:endParaRPr lang="zh-TW" altLang="en-US"/>
+          </a:p>
+        </p:txBody>
+      </p:sp>
+    </p:spTree>
+    <p:extLst>
+      <p:ext uri="{BB962C8B-B14F-4D97-AF65-F5344CB8AC3E}">
+        <p14:creationId xmlns:p14="http://schemas.microsoft.com/office/powerpoint/2010/main" val="33152495"/>
+      </p:ext>
+    </p:extLst>
+  </p:cSld>
+  <p:clrMapOvr>
+    <a:masterClrMapping/>
+  </p:clrMapOvr>
+</p:notes>
+</file>
+
+<file path=ppt/notesSlides/notesSlide11.xml><?xml version="1.0" encoding="utf-8"?>
+<p:notes xmlns:a="http://schemas.openxmlformats.org/drawingml/2006/main" xmlns:r="http://schemas.openxmlformats.org/officeDocument/2006/relationships" xmlns:p="http://schemas.openxmlformats.org/presentationml/2006/main">
+  <p:cSld>
+    <p:spTree>
+      <p:nvGrpSpPr>
+        <p:cNvPr id="1" name=""/>
+        <p:cNvGrpSpPr/>
+        <p:nvPr/>
+      </p:nvGrpSpPr>
+      <p:grpSpPr>
+        <a:xfrm>
+          <a:off x="0" y="0"/>
+          <a:ext cx="0" cy="0"/>
+          <a:chOff x="0" y="0"/>
+          <a:chExt cx="0" cy="0"/>
+        </a:xfrm>
+      </p:grpSpPr>
+      <p:sp>
+        <p:nvSpPr>
+          <p:cNvPr id="2" name="投影片圖像版面配置區 1"/>
+          <p:cNvSpPr>
+            <a:spLocks noGrp="1" noRot="1" noChangeAspect="1"/>
+          </p:cNvSpPr>
+          <p:nvPr>
+            <p:ph type="sldImg"/>
+          </p:nvPr>
+        </p:nvSpPr>
+        <p:spPr/>
+      </p:sp>
+      <p:sp>
+        <p:nvSpPr>
+          <p:cNvPr id="3" name="備忘稿版面配置區 2"/>
+          <p:cNvSpPr>
+            <a:spLocks noGrp="1"/>
+          </p:cNvSpPr>
+          <p:nvPr>
+            <p:ph type="body" idx="1"/>
+          </p:nvPr>
+        </p:nvSpPr>
+        <p:spPr/>
+        <p:txBody>
+          <a:bodyPr/>
+          <a:lstStyle/>
+          <a:p>
+            <a:r>
+              <a:rPr lang="en-US" altLang="zh-TW" dirty="0" smtClean="0"/>
+              <a:t>X sim(t) =</a:t>
+            </a:r>
+            <a:r>
+              <a:rPr lang="en-US" altLang="zh-TW" baseline="0" dirty="0" smtClean="0"/>
+              <a:t> # downloaders</a:t>
+            </a:r>
+          </a:p>
+          <a:p>
+            <a:r>
+              <a:rPr lang="en-US" altLang="zh-TW" baseline="0" dirty="0" smtClean="0"/>
+              <a:t>Y sim(t) = # seeds</a:t>
+            </a:r>
+            <a:endParaRPr lang="zh-TW" altLang="en-US" dirty="0" smtClean="0"/>
+          </a:p>
+        </p:txBody>
+      </p:sp>
+      <p:sp>
+        <p:nvSpPr>
+          <p:cNvPr id="4" name="投影片編號版面配置區 3"/>
+          <p:cNvSpPr>
+            <a:spLocks noGrp="1"/>
+          </p:cNvSpPr>
+          <p:nvPr>
+            <p:ph type="sldNum" sz="quarter" idx="10"/>
+          </p:nvPr>
+        </p:nvSpPr>
+        <p:spPr/>
+        <p:txBody>
+          <a:bodyPr/>
+          <a:lstStyle/>
+          <a:p>
+            <a:pPr>
+              <a:defRPr/>
+            </a:pPr>
+            <a:fld id="{AA32E424-FCBD-41DB-BDB8-D5C0C38729C3}" type="slidenum">
+              <a:rPr lang="zh-TW" altLang="en-US" smtClean="0"/>
+              <a:pPr>
+                <a:defRPr/>
+              </a:pPr>
+              <a:t>31</a:t>
+            </a:fld>
+            <a:endParaRPr lang="zh-TW" altLang="en-US"/>
+          </a:p>
+        </p:txBody>
+      </p:sp>
+    </p:spTree>
+    <p:extLst>
+      <p:ext uri="{BB962C8B-B14F-4D97-AF65-F5344CB8AC3E}">
+        <p14:creationId xmlns:p14="http://schemas.microsoft.com/office/powerpoint/2010/main" val="374673089"/>
+      </p:ext>
+    </p:extLst>
+  </p:cSld>
+  <p:clrMapOvr>
+    <a:masterClrMapping/>
+  </p:clrMapOvr>
+</p:notes>
+</file>
+
+<file path=ppt/notesSlides/notesSlide12.xml><?xml version="1.0" encoding="utf-8"?>
+<p:notes xmlns:a="http://schemas.openxmlformats.org/drawingml/2006/main" xmlns:r="http://schemas.openxmlformats.org/officeDocument/2006/relationships" xmlns:p="http://schemas.openxmlformats.org/presentationml/2006/main">
+  <p:cSld>
+    <p:spTree>
+      <p:nvGrpSpPr>
+        <p:cNvPr id="1" name=""/>
+        <p:cNvGrpSpPr/>
+        <p:nvPr/>
+      </p:nvGrpSpPr>
+      <p:grpSpPr>
+        <a:xfrm>
+          <a:off x="0" y="0"/>
+          <a:ext cx="0" cy="0"/>
+          <a:chOff x="0" y="0"/>
+          <a:chExt cx="0" cy="0"/>
+        </a:xfrm>
+      </p:grpSpPr>
+      <p:sp>
+        <p:nvSpPr>
+          <p:cNvPr id="2" name="投影片圖像版面配置區 1"/>
+          <p:cNvSpPr>
+            <a:spLocks noGrp="1" noRot="1" noChangeAspect="1"/>
+          </p:cNvSpPr>
+          <p:nvPr>
+            <p:ph type="sldImg"/>
+          </p:nvPr>
+        </p:nvSpPr>
+        <p:spPr/>
+      </p:sp>
+      <p:sp>
+        <p:nvSpPr>
+          <p:cNvPr id="3" name="備忘稿版面配置區 2"/>
+          <p:cNvSpPr>
+            <a:spLocks noGrp="1"/>
+          </p:cNvSpPr>
+          <p:nvPr>
+            <p:ph type="body" idx="1"/>
+          </p:nvPr>
+        </p:nvSpPr>
+        <p:spPr/>
+        <p:txBody>
+          <a:bodyPr/>
+          <a:lstStyle/>
+          <a:p>
+            <a:r>
+              <a:rPr lang="en-US" altLang="zh-TW" dirty="0" smtClean="0"/>
+              <a:t>X sim(t) =</a:t>
+            </a:r>
+            <a:r>
+              <a:rPr lang="en-US" altLang="zh-TW" baseline="0" dirty="0" smtClean="0"/>
+              <a:t> # downloaders</a:t>
+            </a:r>
+          </a:p>
+          <a:p>
+            <a:r>
+              <a:rPr lang="en-US" altLang="zh-TW" baseline="0" dirty="0" smtClean="0"/>
+              <a:t>Y sim(t) = # seeds</a:t>
+            </a:r>
+            <a:endParaRPr lang="zh-TW" altLang="en-US" dirty="0"/>
+          </a:p>
+        </p:txBody>
+      </p:sp>
+      <p:sp>
+        <p:nvSpPr>
+          <p:cNvPr id="4" name="投影片編號版面配置區 3"/>
+          <p:cNvSpPr>
+            <a:spLocks noGrp="1"/>
+          </p:cNvSpPr>
+          <p:nvPr>
+            <p:ph type="sldNum" sz="quarter" idx="10"/>
+          </p:nvPr>
+        </p:nvSpPr>
+        <p:spPr/>
+        <p:txBody>
+          <a:bodyPr/>
+          <a:lstStyle/>
+          <a:p>
+            <a:pPr>
+              <a:defRPr/>
+            </a:pPr>
+            <a:fld id="{AA32E424-FCBD-41DB-BDB8-D5C0C38729C3}" type="slidenum">
+              <a:rPr lang="zh-TW" altLang="en-US" smtClean="0"/>
+              <a:pPr>
+                <a:defRPr/>
+              </a:pPr>
+              <a:t>32</a:t>
+            </a:fld>
+            <a:endParaRPr lang="zh-TW" altLang="en-US"/>
+          </a:p>
+        </p:txBody>
+      </p:sp>
+    </p:spTree>
+    <p:extLst>
+      <p:ext uri="{BB962C8B-B14F-4D97-AF65-F5344CB8AC3E}">
+        <p14:creationId xmlns:p14="http://schemas.microsoft.com/office/powerpoint/2010/main" val="867213318"/>
+      </p:ext>
+    </p:extLst>
+  </p:cSld>
+  <p:clrMapOvr>
+    <a:masterClrMapping/>
+  </p:clrMapOvr>
+</p:notes>
+</file>
+
 <file path=ppt/notesSlides/notesSlide2.xml><?xml version="1.0" encoding="utf-8"?>
 <p:notes xmlns:a="http://schemas.openxmlformats.org/drawingml/2006/main" xmlns:r="http://schemas.openxmlformats.org/officeDocument/2006/relationships" xmlns:p="http://schemas.openxmlformats.org/presentationml/2006/main">
   <p:cSld>
@@ -1072,13 +1444,8 @@
             </a:r>
             <a:r>
               <a:rPr kumimoji="1" lang="en-US" altLang="zh-TW" baseline="0" dirty="0" smtClean="0"/>
-              <a:t> by many users</a:t>
-            </a:r>
-            <a:r>
-              <a:rPr kumimoji="1" lang="en-US" altLang="zh-TW" baseline="0" dirty="0" smtClean="0"/>
-              <a:t>.</a:t>
-            </a:r>
-            <a:endParaRPr kumimoji="1" lang="en-US" altLang="zh-TW" baseline="0" dirty="0" smtClean="0"/>
+              <a:t> by many users.</a:t>
+            </a:r>
           </a:p>
         </p:txBody>
       </p:sp>
@@ -1528,11 +1895,7 @@
             </a:r>
             <a:r>
               <a:rPr kumimoji="1" lang="zh-TW" altLang="en-US" baseline="0" dirty="0" smtClean="0"/>
-              <a:t> </a:t>
-            </a:r>
-            <a:r>
-              <a:rPr kumimoji="1" lang="zh-TW" altLang="en-US" baseline="0" dirty="0" smtClean="0"/>
-              <a:t>接受</a:t>
+              <a:t> 接受</a:t>
             </a:r>
             <a:r>
               <a:rPr kumimoji="1" lang="en-US" altLang="zh-TW" baseline="0" dirty="0" smtClean="0"/>
@@ -1554,7 +1917,19 @@
                 <a:ea typeface="+mn-ea"/>
                 <a:cs typeface="+mn-cs"/>
               </a:rPr>
-              <a:t>接受那些</a:t>
+              <a:t>接受那些現在正上傳檔案給我、而且速度最快的前</a:t>
+            </a:r>
+            <a:r>
+              <a:rPr lang="en-US" altLang="zh-TW" sz="1200" b="0" i="0" kern="1200" dirty="0" smtClean="0">
+                <a:solidFill>
+                  <a:schemeClr val="tx1"/>
+                </a:solidFill>
+                <a:effectLst/>
+                <a:latin typeface="+mn-lt"/>
+                <a:ea typeface="+mn-ea"/>
+                <a:cs typeface="+mn-cs"/>
+              </a:rPr>
+              <a:t> 4 </a:t>
             </a:r>
             <a:r>
               <a:rPr lang="zh-TW" altLang="en-US" sz="1200" b="0" i="0" kern="1200" dirty="0" smtClean="0">
@@ -1566,55 +1941,7 @@
                 <a:ea typeface="+mn-ea"/>
                 <a:cs typeface="+mn-cs"/>
               </a:rPr>
-              <a:t>現在正上傳檔案給我、而且速度最快的</a:t>
-            </a:r>
-            <a:r>
-              <a:rPr lang="zh-TW" altLang="en-US" sz="1200" b="0" i="0" kern="1200" dirty="0" smtClean="0">
-                <a:solidFill>
-                  <a:schemeClr val="tx1"/>
-                </a:solidFill>
-                <a:effectLst/>
-                <a:latin typeface="+mn-lt"/>
-                <a:ea typeface="+mn-ea"/>
-                <a:cs typeface="+mn-cs"/>
-              </a:rPr>
-              <a:t>前</a:t>
-            </a:r>
-            <a:r>
-              <a:rPr lang="en-US" altLang="zh-TW" sz="1200" b="0" i="0" kern="1200" dirty="0" smtClean="0">
-                <a:solidFill>
-                  <a:schemeClr val="tx1"/>
-                </a:solidFill>
-                <a:effectLst/>
-                <a:latin typeface="+mn-lt"/>
-                <a:ea typeface="+mn-ea"/>
-                <a:cs typeface="+mn-cs"/>
-              </a:rPr>
-              <a:t> 4 </a:t>
-            </a:r>
-            <a:r>
-              <a:rPr lang="zh-TW" altLang="en-US" sz="1200" b="0" i="0" kern="1200" dirty="0" smtClean="0">
-                <a:solidFill>
-                  <a:schemeClr val="tx1"/>
-                </a:solidFill>
-                <a:effectLst/>
-                <a:latin typeface="+mn-lt"/>
-                <a:ea typeface="+mn-ea"/>
-                <a:cs typeface="+mn-cs"/>
-              </a:rPr>
-              <a:t>個人</a:t>
-            </a:r>
-            <a:r>
-              <a:rPr lang="zh-TW" altLang="en-US" sz="1200" b="0" i="0" kern="1200" dirty="0" smtClean="0">
-                <a:solidFill>
-                  <a:schemeClr val="tx1"/>
-                </a:solidFill>
-                <a:effectLst/>
-                <a:latin typeface="+mn-lt"/>
-                <a:ea typeface="+mn-ea"/>
-                <a:cs typeface="+mn-cs"/>
-              </a:rPr>
-              <a:t>！</a:t>
+              <a:t>個人！</a:t>
             </a:r>
             <a:endParaRPr lang="en-US" altLang="zh-TW" sz="1200" b="0" i="0" kern="1200" dirty="0" smtClean="0">
               <a:solidFill>
@@ -1777,6 +2104,96 @@
     <p:extLst>
       <p:ext uri="{BB962C8B-B14F-4D97-AF65-F5344CB8AC3E}">
         <p14:creationId xmlns:p14="http://schemas.microsoft.com/office/powerpoint/2010/main" val="1650911007"/>
+      </p:ext>
+    </p:extLst>
+  </p:cSld>
+  <p:clrMapOvr>
+    <a:masterClrMapping/>
+  </p:clrMapOvr>
+</p:notes>
+</file>
+
+<file path=ppt/notesSlides/notesSlide9.xml><?xml version="1.0" encoding="utf-8"?>
+<p:notes xmlns:a="http://schemas.openxmlformats.org/drawingml/2006/main" xmlns:r="http://schemas.openxmlformats.org/officeDocument/2006/relationships" xmlns:p="http://schemas.openxmlformats.org/presentationml/2006/main">
+  <p:cSld>
+    <p:spTree>
+      <p:nvGrpSpPr>
+        <p:cNvPr id="1" name=""/>
+        <p:cNvGrpSpPr/>
+        <p:nvPr/>
+      </p:nvGrpSpPr>
+      <p:grpSpPr>
+        <a:xfrm>
+          <a:off x="0" y="0"/>
+          <a:ext cx="0" cy="0"/>
+          <a:chOff x="0" y="0"/>
+          <a:chExt cx="0" cy="0"/>
+        </a:xfrm>
+      </p:grpSpPr>
+      <p:sp>
+        <p:nvSpPr>
+          <p:cNvPr id="2" name="投影片圖像版面配置區 1"/>
+          <p:cNvSpPr>
+            <a:spLocks noGrp="1" noRot="1" noChangeAspect="1"/>
+          </p:cNvSpPr>
+          <p:nvPr>
+            <p:ph type="sldImg"/>
+          </p:nvPr>
+        </p:nvSpPr>
+        <p:spPr/>
+      </p:sp>
+      <p:sp>
+        <p:nvSpPr>
+          <p:cNvPr id="3" name="備忘稿版面配置區 2"/>
+          <p:cNvSpPr>
+            <a:spLocks noGrp="1"/>
+          </p:cNvSpPr>
+          <p:nvPr>
+            <p:ph type="body" idx="1"/>
+          </p:nvPr>
+        </p:nvSpPr>
+        <p:spPr/>
+        <p:txBody>
+          <a:bodyPr/>
+          <a:lstStyle/>
+          <a:p>
+            <a:endParaRPr lang="zh-TW" altLang="en-US" dirty="0"/>
+          </a:p>
+        </p:txBody>
+      </p:sp>
+      <p:sp>
+        <p:nvSpPr>
+          <p:cNvPr id="4" name="投影片編號版面配置區 3"/>
+          <p:cNvSpPr>
+            <a:spLocks noGrp="1"/>
+          </p:cNvSpPr>
+          <p:nvPr>
+            <p:ph type="sldNum" sz="quarter" idx="10"/>
+          </p:nvPr>
+        </p:nvSpPr>
+        <p:spPr/>
+        <p:txBody>
+          <a:bodyPr/>
+          <a:lstStyle/>
+          <a:p>
+            <a:pPr>
+              <a:defRPr/>
+            </a:pPr>
+            <a:fld id="{AA32E424-FCBD-41DB-BDB8-D5C0C38729C3}" type="slidenum">
+              <a:rPr lang="zh-TW" altLang="en-US" smtClean="0"/>
+              <a:pPr>
+                <a:defRPr/>
+              </a:pPr>
+              <a:t>25</a:t>
+            </a:fld>
+            <a:endParaRPr lang="zh-TW" altLang="en-US"/>
+          </a:p>
+        </p:txBody>
+      </p:sp>
+    </p:spTree>
+    <p:extLst>
+      <p:ext uri="{BB962C8B-B14F-4D97-AF65-F5344CB8AC3E}">
+        <p14:creationId xmlns:p14="http://schemas.microsoft.com/office/powerpoint/2010/main" val="1069126592"/>
       </p:ext>
     </p:extLst>
   </p:cSld>
@@ -9081,7 +9498,23 @@
                   <a:srgbClr val="000000"/>
                 </a:solidFill>
               </a:rPr>
-              <a:t>What is </a:t>
+              <a:t>What is and why </a:t>
+            </a:r>
+            <a:r>
+              <a:rPr kumimoji="1" lang="en-US" altLang="zh-TW" dirty="0" err="1">
+                <a:solidFill>
+                  <a:srgbClr val="FF0000"/>
+                </a:solidFill>
+              </a:rPr>
+              <a:t>u</a:t>
+            </a:r>
+            <a:r>
+              <a:rPr kumimoji="1" lang="en-US" altLang="zh-TW" dirty="0" err="1" smtClean="0">
+                <a:solidFill>
+                  <a:srgbClr val="FF0000"/>
+                </a:solidFill>
+              </a:rPr>
+              <a:t>nchocking</a:t>
             </a:r>
             <a:r>
               <a:rPr kumimoji="1" lang="en-US" altLang="zh-TW" dirty="0" smtClean="0">
@@ -9089,23 +9522,23 @@
                   <a:srgbClr val="000000"/>
                 </a:solidFill>
               </a:rPr>
-              <a:t>and why </a:t>
-            </a:r>
-            <a:r>
-              <a:rPr kumimoji="1" lang="en-US" altLang="zh-TW" dirty="0" err="1">
+              <a:t>? To prevent </a:t>
+            </a:r>
+            <a:r>
+              <a:rPr kumimoji="1" lang="en-US" altLang="zh-TW" dirty="0">
                 <a:solidFill>
                   <a:srgbClr val="FF0000"/>
                 </a:solidFill>
               </a:rPr>
-              <a:t>u</a:t>
-            </a:r>
-            <a:r>
-              <a:rPr kumimoji="1" lang="en-US" altLang="zh-TW" dirty="0" err="1" smtClean="0">
+              <a:t>f</a:t>
+            </a:r>
+            <a:r>
+              <a:rPr kumimoji="1" lang="en-US" altLang="zh-TW" dirty="0" smtClean="0">
                 <a:solidFill>
                   <a:srgbClr val="FF0000"/>
                 </a:solidFill>
               </a:rPr>
-              <a:t>nchocking</a:t>
+              <a:t>ree-riding</a:t>
             </a:r>
             <a:r>
               <a:rPr kumimoji="1" lang="en-US" altLang="zh-TW" dirty="0" smtClean="0">
@@ -9113,15 +9546,15 @@
                   <a:srgbClr val="000000"/>
                 </a:solidFill>
               </a:rPr>
-              <a:t>? To prevent </a:t>
-            </a:r>
-            <a:r>
-              <a:rPr kumimoji="1" lang="en-US" altLang="zh-TW" dirty="0" smtClean="0">
+              <a:t>, the most important concern in </a:t>
+            </a:r>
+            <a:r>
+              <a:rPr kumimoji="1" lang="en-US" altLang="zh-TW" dirty="0" err="1" smtClean="0">
                 <a:solidFill>
-                  <a:srgbClr val="FF0000"/>
+                  <a:srgbClr val="000000"/>
                 </a:solidFill>
               </a:rPr>
-              <a:t>Free-riding</a:t>
+              <a:t>BitTorrent</a:t>
             </a:r>
             <a:r>
               <a:rPr kumimoji="1" lang="en-US" altLang="zh-TW" dirty="0" smtClean="0">
@@ -9129,29 +9562,8 @@
                   <a:srgbClr val="000000"/>
                 </a:solidFill>
               </a:rPr>
-              <a:t>, the most important concern in </a:t>
-            </a:r>
-            <a:r>
-              <a:rPr kumimoji="1" lang="en-US" altLang="zh-TW" dirty="0" err="1" smtClean="0">
-                <a:solidFill>
-                  <a:srgbClr val="000000"/>
-                </a:solidFill>
-              </a:rPr>
-              <a:t>BitTorrent</a:t>
-            </a:r>
-            <a:r>
-              <a:rPr kumimoji="1" lang="en-US" altLang="zh-TW" dirty="0" smtClean="0">
-                <a:solidFill>
-                  <a:srgbClr val="000000"/>
-                </a:solidFill>
-              </a:rPr>
               <a:t>.</a:t>
             </a:r>
-            <a:endParaRPr kumimoji="1" lang="en-US" altLang="zh-TW" dirty="0" smtClean="0">
-              <a:solidFill>
-                <a:srgbClr val="000000"/>
-              </a:solidFill>
-            </a:endParaRPr>
           </a:p>
           <a:p>
             <a:endParaRPr kumimoji="1" lang="en-US" altLang="zh-TW" dirty="0" smtClean="0">
@@ -10923,15 +11335,7 @@
                 <a:ea typeface="Times New Roman" charset="0"/>
                 <a:cs typeface="Times New Roman" charset="0"/>
               </a:rPr>
-              <a:t>Peer </a:t>
-            </a:r>
-            <a:r>
-              <a:rPr kumimoji="1" lang="en-US" altLang="zh-TW" dirty="0" smtClean="0">
-                <a:latin typeface="Times New Roman" charset="0"/>
-                <a:ea typeface="Times New Roman" charset="0"/>
-                <a:cs typeface="Times New Roman" charset="0"/>
-              </a:rPr>
-              <a:t>6</a:t>
+              <a:t>Peer 6</a:t>
             </a:r>
             <a:endParaRPr kumimoji="1" lang="zh-TW" altLang="en-US" dirty="0">
               <a:latin typeface="Times New Roman" charset="0"/>
@@ -14812,7 +15216,7 @@
                 <a:latin typeface="標楷體" pitchFamily="65" charset="-120"/>
                 <a:ea typeface="標楷體" pitchFamily="65" charset="-120"/>
               </a:rPr>
-              <a:t>TBA</a:t>
+              <a:t>Experiments</a:t>
             </a:r>
             <a:endParaRPr kumimoji="0" lang="en-US" altLang="zh-TW" sz="2800" dirty="0">
               <a:latin typeface="標楷體" pitchFamily="65" charset="-120"/>
@@ -16134,7 +16538,7 @@
                 <a:latin typeface="標楷體" pitchFamily="65" charset="-120"/>
                 <a:ea typeface="標楷體" pitchFamily="65" charset="-120"/>
               </a:rPr>
-              <a:t>TBA</a:t>
+              <a:t>Conclusions</a:t>
             </a:r>
             <a:endParaRPr kumimoji="0" lang="zh-TW" altLang="en-US" sz="2800" dirty="0">
               <a:latin typeface="標楷體" pitchFamily="65" charset="-120"/>
@@ -16601,10 +17005,17 @@
   <p:clrMapOvr>
     <a:masterClrMapping/>
   </p:clrMapOvr>
+  <p:timing>
+    <p:tnLst>
+      <p:par>
+        <p:cTn id="1" dur="indefinite" restart="never" nodeType="tmRoot"/>
+      </p:par>
+    </p:tnLst>
+  </p:timing>
 </p:sld>
 </file>
 
-<file path=ppt/slides/slide3.xml><?xml version="1.0" encoding="utf-8"?>
+<file path=ppt/slides/slide21.xml><?xml version="1.0" encoding="utf-8"?>
 <p:sld xmlns:a="http://schemas.openxmlformats.org/drawingml/2006/main" xmlns:r="http://schemas.openxmlformats.org/officeDocument/2006/relationships" xmlns:p="http://schemas.openxmlformats.org/presentationml/2006/main">
   <p:cSld>
     <p:spTree>
@@ -16668,7 +17079,7 @@
               <a:pPr>
                 <a:defRPr/>
               </a:pPr>
-              <a:t>3</a:t>
+              <a:t>21</a:t>
             </a:fld>
             <a:endParaRPr lang="zh-TW" altLang="en-US"/>
           </a:p>
@@ -16740,13 +17151,13 @@
           <a:lstStyle/>
           <a:p>
             <a:r>
-              <a:rPr kumimoji="0" lang="en-US" altLang="zh-TW" sz="2800" dirty="0" smtClean="0">
+              <a:rPr kumimoji="0" lang="en-US" altLang="zh-TW" sz="2800" b="1" dirty="0" smtClean="0">
                 <a:latin typeface="標楷體" pitchFamily="65" charset="-120"/>
                 <a:ea typeface="標楷體" pitchFamily="65" charset="-120"/>
               </a:rPr>
-              <a:t>TBA</a:t>
-            </a:r>
-            <a:endParaRPr kumimoji="0" lang="en-US" altLang="zh-TW" sz="2800" dirty="0">
+              <a:t>Experiments</a:t>
+            </a:r>
+            <a:endParaRPr kumimoji="0" lang="en-US" altLang="zh-TW" sz="2800" b="1" dirty="0">
               <a:latin typeface="標楷體" pitchFamily="65" charset="-120"/>
               <a:ea typeface="標楷體" pitchFamily="65" charset="-120"/>
             </a:endParaRPr>
@@ -16819,13 +17230,13 @@
           <a:lstStyle/>
           <a:p>
             <a:r>
-              <a:rPr kumimoji="0" lang="en-US" altLang="zh-TW" sz="2800" b="1" dirty="0" smtClean="0">
+              <a:rPr kumimoji="0" lang="en-US" altLang="zh-TW" sz="2800" dirty="0" smtClean="0">
                 <a:latin typeface="標楷體" pitchFamily="65" charset="-120"/>
                 <a:ea typeface="標楷體" pitchFamily="65" charset="-120"/>
               </a:rPr>
               <a:t>Introduction to P2P network</a:t>
             </a:r>
-            <a:endParaRPr kumimoji="0" lang="en-US" altLang="zh-TW" sz="2800" b="1" dirty="0">
+            <a:endParaRPr kumimoji="0" lang="en-US" altLang="zh-TW" sz="2800" dirty="0">
               <a:latin typeface="標楷體" pitchFamily="65" charset="-120"/>
               <a:ea typeface="標楷體" pitchFamily="65" charset="-120"/>
             </a:endParaRPr>
@@ -18066,7 +18477,7 @@
                 <a:latin typeface="標楷體" pitchFamily="65" charset="-120"/>
                 <a:ea typeface="標楷體" pitchFamily="65" charset="-120"/>
               </a:rPr>
-              <a:t>TBA</a:t>
+              <a:t>Conclusions</a:t>
             </a:r>
             <a:endParaRPr kumimoji="0" lang="zh-TW" altLang="en-US" sz="2800" dirty="0">
               <a:latin typeface="標楷體" pitchFamily="65" charset="-120"/>
@@ -18340,7 +18751,7 @@
     </p:spTree>
     <p:extLst>
       <p:ext uri="{BB962C8B-B14F-4D97-AF65-F5344CB8AC3E}">
-        <p14:creationId xmlns:p14="http://schemas.microsoft.com/office/powerpoint/2010/main" val="225588526"/>
+        <p14:creationId xmlns:p14="http://schemas.microsoft.com/office/powerpoint/2010/main" val="631684104"/>
       </p:ext>
     </p:extLst>
   </p:cSld>
@@ -18358,7 +18769,7 @@
 </p:sld>
 </file>
 
-<file path=ppt/slides/slide4.xml><?xml version="1.0" encoding="utf-8"?>
+<file path=ppt/slides/slide22.xml><?xml version="1.0" encoding="utf-8"?>
 <p:sld xmlns:a="http://schemas.openxmlformats.org/drawingml/2006/main" xmlns:r="http://schemas.openxmlformats.org/officeDocument/2006/relationships" xmlns:p="http://schemas.openxmlformats.org/presentationml/2006/main">
   <p:cSld>
     <p:spTree>
@@ -18391,124 +18802,254 @@
           <a:lstStyle/>
           <a:p>
             <a:r>
-              <a:rPr kumimoji="1" lang="en-US" altLang="zh-TW" dirty="0" smtClean="0"/>
-              <a:t>Peer-to-peer network</a:t>
-            </a:r>
-            <a:endParaRPr kumimoji="1" lang="zh-TW" altLang="en-US" dirty="0"/>
-          </a:p>
-        </p:txBody>
-      </p:sp>
-      <p:sp>
-        <p:nvSpPr>
-          <p:cNvPr id="3" name="內容版面配置區 2"/>
-          <p:cNvSpPr>
-            <a:spLocks noGrp="1"/>
-          </p:cNvSpPr>
-          <p:nvPr>
-            <p:ph idx="1"/>
-          </p:nvPr>
-        </p:nvSpPr>
-        <p:spPr/>
-        <p:txBody>
-          <a:bodyPr/>
-          <a:lstStyle/>
-          <a:p>
-            <a:pPr>
-              <a:lnSpc>
-                <a:spcPct val="150000"/>
-              </a:lnSpc>
-            </a:pPr>
-            <a:r>
-              <a:rPr kumimoji="1" lang="en-US" altLang="zh-TW" dirty="0" smtClean="0"/>
-              <a:t>Client-Server network vs. Peer-to-peer (P2P) network</a:t>
-            </a:r>
-          </a:p>
-          <a:p>
-            <a:pPr>
-              <a:lnSpc>
-                <a:spcPct val="150000"/>
-              </a:lnSpc>
-            </a:pPr>
-            <a:r>
-              <a:rPr kumimoji="1" lang="en-US" altLang="zh-TW" dirty="0" smtClean="0"/>
-              <a:t>Peers in </a:t>
-            </a:r>
-            <a:r>
-              <a:rPr kumimoji="1" lang="en-US" altLang="zh-TW" dirty="0" smtClean="0"/>
-              <a:t>a P2P network operate as both servers and clients</a:t>
-            </a:r>
-            <a:r>
-              <a:rPr kumimoji="1" lang="en-US" altLang="zh-TW" dirty="0" smtClean="0"/>
-              <a:t>.</a:t>
-            </a:r>
-          </a:p>
-          <a:p>
-            <a:r>
-              <a:rPr kumimoji="1" lang="en-US" altLang="zh-TW" dirty="0"/>
-              <a:t>P2P traffic is starting to dominate the bandwidth of the Internet</a:t>
-            </a:r>
-            <a:r>
-              <a:rPr kumimoji="1" lang="en-US" altLang="zh-TW" dirty="0" smtClean="0"/>
-              <a:t>.</a:t>
-            </a:r>
-            <a:endParaRPr kumimoji="1" lang="en-US" altLang="zh-TW" dirty="0" smtClean="0"/>
-          </a:p>
-          <a:p>
-            <a:pPr>
-              <a:lnSpc>
-                <a:spcPct val="150000"/>
-              </a:lnSpc>
-            </a:pPr>
-            <a:r>
-              <a:rPr kumimoji="1" lang="en-US" altLang="zh-TW" dirty="0" smtClean="0"/>
-              <a:t>Among P2P applications, file sharing is the most popular one.</a:t>
-            </a:r>
-          </a:p>
-          <a:p>
-            <a:pPr>
-              <a:lnSpc>
-                <a:spcPct val="150000"/>
-              </a:lnSpc>
-            </a:pPr>
-            <a:r>
-              <a:rPr kumimoji="1" lang="en-US" altLang="zh-TW" dirty="0" smtClean="0">
-                <a:sym typeface="Wingdings"/>
-              </a:rPr>
-              <a:t>P2P </a:t>
-            </a:r>
-            <a:r>
-              <a:rPr kumimoji="1" lang="en-US" altLang="zh-TW" dirty="0" smtClean="0">
-                <a:sym typeface="Wingdings"/>
-              </a:rPr>
-              <a:t>file sharing </a:t>
-            </a:r>
-            <a:r>
-              <a:rPr kumimoji="1" lang="en-US" altLang="zh-TW" dirty="0" smtClean="0">
-                <a:sym typeface="Wingdings"/>
-              </a:rPr>
-              <a:t>system is scalable.</a:t>
-            </a:r>
-            <a:endParaRPr kumimoji="1" lang="en-US" altLang="zh-TW" dirty="0" smtClean="0">
-              <a:sym typeface="Wingdings"/>
-            </a:endParaRPr>
-          </a:p>
-          <a:p>
-            <a:r>
-              <a:rPr kumimoji="1" lang="en-US" altLang="zh-TW" dirty="0" err="1" smtClean="0">
-                <a:sym typeface="Wingdings"/>
-              </a:rPr>
-              <a:t>BitTorrent</a:t>
-            </a:r>
-            <a:r>
-              <a:rPr kumimoji="1" lang="en-US" altLang="zh-TW" dirty="0" smtClean="0">
-                <a:sym typeface="Wingdings"/>
-              </a:rPr>
-              <a:t>, one of the most popular P2P applications, will be studied in this paper.</a:t>
-            </a:r>
-            <a:endParaRPr kumimoji="1" lang="en-US" altLang="zh-TW" dirty="0" smtClean="0"/>
-          </a:p>
-        </p:txBody>
-      </p:sp>
+              <a:rPr lang="en-US" altLang="zh-TW" dirty="0" smtClean="0"/>
+              <a:t>Optimistic </a:t>
+            </a:r>
+            <a:r>
+              <a:rPr lang="en-US" altLang="zh-TW" dirty="0" err="1" smtClean="0"/>
+              <a:t>Unchoking</a:t>
+            </a:r>
+            <a:r>
+              <a:rPr lang="zh-TW" altLang="en-US" dirty="0" smtClean="0"/>
+              <a:t> </a:t>
+            </a:r>
+            <a:r>
+              <a:rPr lang="en-US" altLang="zh-TW" dirty="0"/>
+              <a:t>R</a:t>
+            </a:r>
+            <a:r>
+              <a:rPr lang="en-US" altLang="zh-TW" dirty="0" smtClean="0"/>
+              <a:t>ecap</a:t>
+            </a:r>
+            <a:endParaRPr lang="zh-TW" altLang="en-US" dirty="0"/>
+          </a:p>
+        </p:txBody>
+      </p:sp>
+      <mc:AlternateContent xmlns:mc="http://schemas.openxmlformats.org/markup-compatibility/2006">
+        <mc:Choice xmlns:a14="http://schemas.microsoft.com/office/drawing/2010/main" Requires="a14">
+          <p:sp>
+            <p:nvSpPr>
+              <p:cNvPr id="3" name="內容版面配置區 2"/>
+              <p:cNvSpPr>
+                <a:spLocks noGrp="1"/>
+              </p:cNvSpPr>
+              <p:nvPr>
+                <p:ph idx="1"/>
+              </p:nvPr>
+            </p:nvSpPr>
+            <p:spPr/>
+            <p:txBody>
+              <a:bodyPr/>
+              <a:lstStyle/>
+              <a:p>
+                <a:r>
+                  <a:rPr lang="en-US" altLang="zh-TW" dirty="0" smtClean="0"/>
+                  <a:t>Each</a:t>
+                </a:r>
+                <a:r>
+                  <a:rPr lang="en-US" altLang="zh-TW" dirty="0" smtClean="0"/>
+                  <a:t> </a:t>
+                </a:r>
+                <a:r>
+                  <a:rPr lang="en-US" altLang="zh-TW" dirty="0" smtClean="0"/>
+                  <a:t>peer uploads to </a:t>
+                </a:r>
+                <a:r>
+                  <a:rPr lang="en-US" altLang="zh-TW" dirty="0" smtClean="0"/>
+                  <a:t>other </a:t>
+                </a:r>
+                <a14:m>
+                  <m:oMath xmlns:m="http://schemas.openxmlformats.org/officeDocument/2006/math">
+                    <m:sSub>
+                      <m:sSubPr>
+                        <m:ctrlPr>
+                          <a:rPr lang="en-US" altLang="zh-TW" i="1" dirty="0">
+                            <a:latin typeface="Cambria Math" charset="0"/>
+                          </a:rPr>
+                        </m:ctrlPr>
+                      </m:sSubPr>
+                      <m:e>
+                        <m:r>
+                          <a:rPr lang="en-US" altLang="zh-TW" i="1" dirty="0">
+                            <a:latin typeface="Cambria Math"/>
+                          </a:rPr>
+                          <m:t>𝑛</m:t>
+                        </m:r>
+                      </m:e>
+                      <m:sub>
+                        <m:r>
+                          <a:rPr lang="en-US" altLang="zh-TW" i="1" dirty="0">
+                            <a:latin typeface="Cambria Math"/>
+                          </a:rPr>
+                          <m:t>𝑢</m:t>
+                        </m:r>
+                      </m:sub>
+                    </m:sSub>
+                    <m:r>
+                      <a:rPr lang="en-US" altLang="zh-TW" i="1" dirty="0">
+                        <a:latin typeface="Cambria Math"/>
+                      </a:rPr>
+                      <m:t> </m:t>
+                    </m:r>
+                  </m:oMath>
+                </a14:m>
+                <a:r>
+                  <a:rPr lang="en-US" altLang="zh-TW" dirty="0" smtClean="0"/>
+                  <a:t>(by default </a:t>
+                </a:r>
+                <a:r>
+                  <a:rPr lang="en-US" altLang="zh-TW" dirty="0"/>
+                  <a:t>4</a:t>
+                </a:r>
+                <a:r>
+                  <a:rPr lang="en-US" altLang="zh-TW" dirty="0" smtClean="0"/>
+                  <a:t>) peers </a:t>
+                </a:r>
+                <a:r>
+                  <a:rPr lang="en-US" altLang="zh-TW" dirty="0"/>
+                  <a:t>which provide it with the best downloading rate</a:t>
+                </a:r>
+                <a:r>
+                  <a:rPr lang="en-US" altLang="zh-TW" dirty="0" smtClean="0"/>
+                  <a:t>.</a:t>
+                </a:r>
+              </a:p>
+              <a:p>
+                <a:endParaRPr lang="en-US" altLang="zh-TW" dirty="0"/>
+              </a:p>
+              <a:p>
+                <a:r>
+                  <a:rPr lang="en-US" altLang="zh-TW" dirty="0" smtClean="0"/>
+                  <a:t>Under </a:t>
+                </a:r>
+                <a:r>
+                  <a:rPr lang="en-US" altLang="zh-TW" dirty="0" smtClean="0"/>
+                  <a:t>optimistic </a:t>
+                </a:r>
+                <a:r>
+                  <a:rPr lang="en-US" altLang="zh-TW" dirty="0" err="1" smtClean="0"/>
+                  <a:t>unchoking</a:t>
+                </a:r>
+                <a:r>
+                  <a:rPr lang="en-US" altLang="zh-TW" dirty="0" smtClean="0"/>
+                  <a:t>, each peer randomly selects a fifth </a:t>
+                </a:r>
+                <a:r>
+                  <a:rPr lang="en-US" altLang="zh-TW" dirty="0"/>
+                  <a:t>peer </a:t>
+                </a:r>
+                <a:r>
+                  <a:rPr lang="en-US" altLang="zh-TW" dirty="0" smtClean="0"/>
+                  <a:t>to </a:t>
+                </a:r>
+                <a:r>
+                  <a:rPr lang="en-US" altLang="zh-TW" dirty="0"/>
+                  <a:t>download </a:t>
+                </a:r>
+                <a:r>
+                  <a:rPr lang="en-US" altLang="zh-TW" dirty="0" smtClean="0"/>
+                  <a:t>from</a:t>
+                </a:r>
+                <a:r>
+                  <a:rPr lang="en-US" altLang="zh-TW" dirty="0"/>
+                  <a:t> </a:t>
+                </a:r>
+                <a:r>
+                  <a:rPr lang="en-US" altLang="zh-TW" dirty="0" smtClean="0"/>
+                  <a:t>exploring </a:t>
+                </a:r>
+                <a:r>
+                  <a:rPr lang="en-US" altLang="zh-TW" dirty="0"/>
+                  <a:t>other download rates</a:t>
+                </a:r>
+                <a:r>
+                  <a:rPr lang="en-US" altLang="zh-TW" dirty="0" smtClean="0"/>
+                  <a:t>.</a:t>
+                </a:r>
+                <a:endParaRPr lang="en-US" altLang="zh-TW" dirty="0"/>
+              </a:p>
+              <a:p>
+                <a:endParaRPr lang="en-US" altLang="zh-TW" dirty="0" smtClean="0"/>
+              </a:p>
+              <a:p>
+                <a:r>
+                  <a:rPr lang="en-US" altLang="zh-TW" dirty="0" smtClean="0"/>
+                  <a:t>Optimistic </a:t>
+                </a:r>
+                <a:r>
+                  <a:rPr lang="en-US" altLang="zh-TW" dirty="0" err="1" smtClean="0"/>
+                  <a:t>unchoking</a:t>
+                </a:r>
+                <a:r>
+                  <a:rPr lang="en-US" altLang="zh-TW" dirty="0" smtClean="0"/>
+                  <a:t> happens once every 30 seconds.</a:t>
+                </a:r>
+              </a:p>
+              <a:p>
+                <a:endParaRPr lang="en-US" altLang="zh-TW" dirty="0" smtClean="0"/>
+              </a:p>
+              <a:p>
+                <a:r>
+                  <a:rPr lang="en-US" altLang="zh-TW" dirty="0" smtClean="0"/>
+                  <a:t>Then peer </a:t>
+                </a:r>
+                <a:r>
+                  <a:rPr lang="en-US" altLang="zh-TW" dirty="0"/>
+                  <a:t>with the least downloading rate is dropped</a:t>
+                </a:r>
+                <a:r>
+                  <a:rPr lang="en-US" altLang="zh-TW" dirty="0" smtClean="0"/>
+                  <a:t>.</a:t>
+                </a:r>
+                <a:endParaRPr lang="en-US" altLang="zh-TW" dirty="0"/>
+              </a:p>
+              <a:p>
+                <a:endParaRPr lang="en-US" altLang="zh-TW" dirty="0" smtClean="0"/>
+              </a:p>
+              <a:p>
+                <a:r>
+                  <a:rPr lang="en-US" altLang="zh-TW" dirty="0" smtClean="0"/>
+                  <a:t>However, such mechanism gives chances to free-riders!</a:t>
+                </a:r>
+                <a:endParaRPr lang="zh-TW" altLang="en-US" dirty="0"/>
+              </a:p>
+            </p:txBody>
+          </p:sp>
+        </mc:Choice>
+        <mc:Fallback>
+          <p:sp>
+            <p:nvSpPr>
+              <p:cNvPr id="3" name="內容版面配置區 2"/>
+              <p:cNvSpPr>
+                <a:spLocks noGrp="1" noRot="1" noChangeAspect="1" noMove="1" noResize="1" noEditPoints="1" noAdjustHandles="1" noChangeArrowheads="1" noChangeShapeType="1" noTextEdit="1"/>
+              </p:cNvSpPr>
+              <p:nvPr>
+                <p:ph idx="1"/>
+              </p:nvPr>
+            </p:nvSpPr>
+            <p:spPr>
+              <a:blipFill rotWithShape="0">
+                <a:blip r:embed="rId2"/>
+                <a:stretch>
+                  <a:fillRect l="-963" t="-9059" r="-1556"/>
+                </a:stretch>
+              </a:blipFill>
+            </p:spPr>
+            <p:txBody>
+              <a:bodyPr/>
+              <a:lstStyle/>
+              <a:p>
+                <a:r>
+                  <a:rPr lang="zh-TW" altLang="en-US">
+                    <a:noFill/>
+                  </a:rPr>
+                  <a:t> </a:t>
+                </a:r>
+              </a:p>
+            </p:txBody>
+          </p:sp>
+        </mc:Fallback>
+      </mc:AlternateContent>
       <p:sp>
         <p:nvSpPr>
           <p:cNvPr id="5" name="投影片編號版面配置區 4"/>
@@ -18532,7 +19073,7 @@
               <a:pPr>
                 <a:defRPr/>
               </a:pPr>
-              <a:t>4</a:t>
+              <a:t>22</a:t>
             </a:fld>
             <a:endParaRPr lang="en-US" altLang="zh-TW"/>
           </a:p>
@@ -18572,7 +19113,7 @@
     </p:spTree>
     <p:extLst>
       <p:ext uri="{BB962C8B-B14F-4D97-AF65-F5344CB8AC3E}">
-        <p14:creationId xmlns:p14="http://schemas.microsoft.com/office/powerpoint/2010/main" val="1504947893"/>
+        <p14:creationId xmlns:p14="http://schemas.microsoft.com/office/powerpoint/2010/main" val="81485520"/>
       </p:ext>
     </p:extLst>
   </p:cSld>
@@ -18589,7 +19130,7 @@
 </p:sld>
 </file>
 
-<file path=ppt/slides/slide5.xml><?xml version="1.0" encoding="utf-8"?>
+<file path=ppt/slides/slide23.xml><?xml version="1.0" encoding="utf-8"?>
 <p:sld xmlns:a="http://schemas.openxmlformats.org/drawingml/2006/main" xmlns:r="http://schemas.openxmlformats.org/officeDocument/2006/relationships" xmlns:p="http://schemas.openxmlformats.org/presentationml/2006/main">
   <p:cSld>
     <p:spTree>
@@ -18608,6 +19149,2790 @@
       </p:grpSpPr>
       <p:sp>
         <p:nvSpPr>
+          <p:cNvPr id="2" name="標題 1"/>
+          <p:cNvSpPr>
+            <a:spLocks noGrp="1"/>
+          </p:cNvSpPr>
+          <p:nvPr>
+            <p:ph type="title"/>
+          </p:nvPr>
+        </p:nvSpPr>
+        <p:spPr/>
+        <p:txBody>
+          <a:bodyPr/>
+          <a:lstStyle/>
+          <a:p>
+            <a:r>
+              <a:rPr lang="en-US" altLang="zh-TW" dirty="0" smtClean="0"/>
+              <a:t>Free-riding </a:t>
+            </a:r>
+            <a:r>
+              <a:rPr lang="en-US" altLang="zh-TW" dirty="0" smtClean="0"/>
+              <a:t>Recap</a:t>
+            </a:r>
+            <a:r>
+              <a:rPr lang="en-US" altLang="zh-TW" dirty="0" smtClean="0"/>
+              <a:t>	</a:t>
+            </a:r>
+            <a:endParaRPr lang="zh-TW" altLang="en-US" dirty="0"/>
+          </a:p>
+        </p:txBody>
+      </p:sp>
+      <p:sp>
+        <p:nvSpPr>
+          <p:cNvPr id="3" name="內容版面配置區 2"/>
+          <p:cNvSpPr>
+            <a:spLocks noGrp="1"/>
+          </p:cNvSpPr>
+          <p:nvPr>
+            <p:ph idx="1"/>
+          </p:nvPr>
+        </p:nvSpPr>
+        <p:spPr>
+          <a:xfrm>
+            <a:off x="457200" y="1076325"/>
+            <a:ext cx="8363272" cy="5248275"/>
+          </a:xfrm>
+        </p:spPr>
+        <p:txBody>
+          <a:bodyPr/>
+          <a:lstStyle/>
+          <a:p>
+            <a:r>
+              <a:rPr lang="en-US" altLang="zh-TW" dirty="0" smtClean="0"/>
+              <a:t>Free-riding means that a peer does not contribute anything to the system, </a:t>
+            </a:r>
+            <a:r>
+              <a:rPr lang="en-US" altLang="zh-TW" dirty="0" smtClean="0"/>
+              <a:t>but </a:t>
+            </a:r>
+            <a:r>
+              <a:rPr lang="en-US" altLang="zh-TW" dirty="0" smtClean="0"/>
+              <a:t>attempts </a:t>
+            </a:r>
+            <a:r>
+              <a:rPr lang="en-US" altLang="zh-TW" dirty="0" smtClean="0"/>
+              <a:t>to obtain service (or downloading) from other peers</a:t>
+            </a:r>
+            <a:r>
+              <a:rPr lang="en-US" altLang="zh-TW" dirty="0" smtClean="0"/>
+              <a:t>.</a:t>
+            </a:r>
+          </a:p>
+          <a:p>
+            <a:endParaRPr lang="en-US" altLang="zh-TW" dirty="0"/>
+          </a:p>
+          <a:p>
+            <a:r>
+              <a:rPr lang="en-US" altLang="zh-TW" dirty="0" smtClean="0"/>
+              <a:t>Lack </a:t>
+            </a:r>
+            <a:r>
+              <a:rPr lang="en-US" altLang="zh-TW" dirty="0"/>
+              <a:t>of global knowledge </a:t>
+            </a:r>
+            <a:r>
+              <a:rPr lang="en-US" altLang="zh-TW" dirty="0" smtClean="0"/>
+              <a:t>(full downloading rates information) requires </a:t>
+            </a:r>
+            <a:r>
+              <a:rPr lang="en-US" altLang="zh-TW" dirty="0"/>
+              <a:t>the use of optimistic </a:t>
+            </a:r>
+            <a:r>
+              <a:rPr lang="en-US" altLang="zh-TW" dirty="0" err="1" smtClean="0"/>
+              <a:t>unchoking</a:t>
+            </a:r>
+            <a:r>
+              <a:rPr lang="en-US" altLang="zh-TW" dirty="0" smtClean="0"/>
+              <a:t>.</a:t>
+            </a:r>
+            <a:endParaRPr lang="en-US" altLang="zh-TW" dirty="0"/>
+          </a:p>
+          <a:p>
+            <a:endParaRPr lang="en-US" altLang="zh-TW" dirty="0" smtClean="0"/>
+          </a:p>
+          <a:p>
+            <a:r>
+              <a:rPr lang="en-US" altLang="zh-TW" dirty="0"/>
+              <a:t>T</a:t>
+            </a:r>
+            <a:r>
+              <a:rPr lang="en-US" altLang="zh-TW" dirty="0" smtClean="0"/>
+              <a:t>his </a:t>
+            </a:r>
+            <a:r>
+              <a:rPr lang="en-US" altLang="zh-TW" dirty="0"/>
+              <a:t>allows for peers with no </a:t>
+            </a:r>
+            <a:r>
+              <a:rPr lang="en-US" altLang="zh-TW" dirty="0" smtClean="0"/>
+              <a:t>uploading bandwidth </a:t>
+            </a:r>
+            <a:r>
+              <a:rPr lang="en-US" altLang="zh-TW" dirty="0"/>
+              <a:t>to get download </a:t>
+            </a:r>
+            <a:r>
+              <a:rPr lang="en-US" altLang="zh-TW" dirty="0" smtClean="0"/>
+              <a:t>bandwidth.</a:t>
+            </a:r>
+            <a:endParaRPr lang="en-US" altLang="zh-TW" dirty="0"/>
+          </a:p>
+        </p:txBody>
+      </p:sp>
+      <p:sp>
+        <p:nvSpPr>
+          <p:cNvPr id="5" name="投影片編號版面配置區 4"/>
+          <p:cNvSpPr>
+            <a:spLocks noGrp="1"/>
+          </p:cNvSpPr>
+          <p:nvPr>
+            <p:ph type="sldNum" sz="quarter" idx="12"/>
+          </p:nvPr>
+        </p:nvSpPr>
+        <p:spPr/>
+        <p:txBody>
+          <a:bodyPr/>
+          <a:lstStyle/>
+          <a:p>
+            <a:pPr>
+              <a:defRPr/>
+            </a:pPr>
+            <a:fld id="{7823135A-D7F7-45E8-89D0-FF7E75BBDD99}" type="slidenum">
+              <a:rPr lang="en-US" altLang="zh-TW" smtClean="0"/>
+              <a:pPr>
+                <a:defRPr/>
+              </a:pPr>
+              <a:t>23</a:t>
+            </a:fld>
+            <a:endParaRPr lang="en-US" altLang="zh-TW"/>
+          </a:p>
+        </p:txBody>
+      </p:sp>
+      <p:sp>
+        <p:nvSpPr>
+          <p:cNvPr id="6" name="頁尾版面配置區 5"/>
+          <p:cNvSpPr>
+            <a:spLocks noGrp="1"/>
+          </p:cNvSpPr>
+          <p:nvPr>
+            <p:ph type="ftr" sz="quarter" idx="11"/>
+          </p:nvPr>
+        </p:nvSpPr>
+        <p:spPr>
+          <a:xfrm>
+            <a:off x="5943600" y="6512768"/>
+            <a:ext cx="2895600" cy="228600"/>
+          </a:xfrm>
+        </p:spPr>
+        <p:txBody>
+          <a:bodyPr/>
+          <a:lstStyle/>
+          <a:p>
+            <a:pPr>
+              <a:defRPr/>
+            </a:pPr>
+            <a:r>
+              <a:rPr lang="en-US" altLang="zh-TW" dirty="0" smtClean="0"/>
+              <a:t>Performance Evaluation 2016 Spring</a:t>
+            </a:r>
+            <a:endParaRPr lang="en-US" altLang="zh-TW" dirty="0"/>
+          </a:p>
+        </p:txBody>
+      </p:sp>
+    </p:spTree>
+    <p:extLst>
+      <p:ext uri="{BB962C8B-B14F-4D97-AF65-F5344CB8AC3E}">
+        <p14:creationId xmlns:p14="http://schemas.microsoft.com/office/powerpoint/2010/main" val="1580051501"/>
+      </p:ext>
+    </p:extLst>
+  </p:cSld>
+  <p:clrMapOvr>
+    <a:masterClrMapping/>
+  </p:clrMapOvr>
+  <p:timing>
+    <p:tnLst>
+      <p:par>
+        <p:cTn id="1" dur="indefinite" restart="never" nodeType="tmRoot"/>
+      </p:par>
+    </p:tnLst>
+  </p:timing>
+</p:sld>
+</file>
+
+<file path=ppt/slides/slide24.xml><?xml version="1.0" encoding="utf-8"?>
+<p:sld xmlns:a="http://schemas.openxmlformats.org/drawingml/2006/main" xmlns:r="http://schemas.openxmlformats.org/officeDocument/2006/relationships" xmlns:p="http://schemas.openxmlformats.org/presentationml/2006/main">
+  <p:cSld>
+    <p:spTree>
+      <p:nvGrpSpPr>
+        <p:cNvPr id="1" name=""/>
+        <p:cNvGrpSpPr/>
+        <p:nvPr/>
+      </p:nvGrpSpPr>
+      <p:grpSpPr>
+        <a:xfrm>
+          <a:off x="0" y="0"/>
+          <a:ext cx="0" cy="0"/>
+          <a:chOff x="0" y="0"/>
+          <a:chExt cx="0" cy="0"/>
+        </a:xfrm>
+      </p:grpSpPr>
+      <p:sp>
+        <p:nvSpPr>
+          <p:cNvPr id="2" name="標題 1"/>
+          <p:cNvSpPr>
+            <a:spLocks noGrp="1"/>
+          </p:cNvSpPr>
+          <p:nvPr>
+            <p:ph type="title"/>
+          </p:nvPr>
+        </p:nvSpPr>
+        <p:spPr/>
+        <p:txBody>
+          <a:bodyPr/>
+          <a:lstStyle/>
+          <a:p>
+            <a:r>
+              <a:rPr lang="en-US" altLang="zh-TW" dirty="0" smtClean="0"/>
+              <a:t>Free-riding </a:t>
+            </a:r>
+            <a:r>
+              <a:rPr lang="en-US" altLang="zh-TW" dirty="0" smtClean="0"/>
+              <a:t>Formulation</a:t>
+            </a:r>
+            <a:endParaRPr lang="zh-TW" altLang="en-US" dirty="0"/>
+          </a:p>
+        </p:txBody>
+      </p:sp>
+      <mc:AlternateContent xmlns:mc="http://schemas.openxmlformats.org/markup-compatibility/2006">
+        <mc:Choice xmlns:a14="http://schemas.microsoft.com/office/drawing/2010/main" Requires="a14">
+          <p:sp>
+            <p:nvSpPr>
+              <p:cNvPr id="3" name="內容版面配置區 2"/>
+              <p:cNvSpPr>
+                <a:spLocks noGrp="1"/>
+              </p:cNvSpPr>
+              <p:nvPr>
+                <p:ph idx="1"/>
+              </p:nvPr>
+            </p:nvSpPr>
+            <p:spPr/>
+            <p:txBody>
+              <a:bodyPr/>
+              <a:lstStyle/>
+              <a:p>
+                <a:r>
+                  <a:rPr lang="en-US" altLang="zh-TW" dirty="0" smtClean="0"/>
+                  <a:t>Consider a group of peers that have the same uploading bandwidth </a:t>
+                </a:r>
+                <a:r>
+                  <a:rPr lang="el-GR" altLang="zh-TW" dirty="0" smtClean="0"/>
+                  <a:t>μ</a:t>
+                </a:r>
+                <a:r>
+                  <a:rPr lang="en-US" altLang="zh-TW" dirty="0"/>
+                  <a:t> </a:t>
+                </a:r>
+                <a:r>
+                  <a:rPr lang="en-US" altLang="zh-TW" dirty="0" smtClean="0"/>
+                  <a:t>and number of peers in the </a:t>
+                </a:r>
+                <a:r>
+                  <a:rPr lang="en-US" altLang="zh-TW" dirty="0" smtClean="0"/>
+                  <a:t>group </a:t>
+                </a:r>
+                <a14:m>
+                  <m:oMath xmlns:m="http://schemas.openxmlformats.org/officeDocument/2006/math">
+                    <m:r>
+                      <a:rPr lang="en-US" altLang="zh-TW" b="0" i="1" smtClean="0">
+                        <a:latin typeface="Cambria Math" charset="0"/>
+                      </a:rPr>
+                      <m:t>𝑁</m:t>
+                    </m:r>
+                  </m:oMath>
+                </a14:m>
+                <a:r>
+                  <a:rPr lang="en-US" altLang="zh-TW" dirty="0" smtClean="0"/>
+                  <a:t>. </a:t>
+                </a:r>
+                <a:endParaRPr lang="en-US" altLang="zh-TW" dirty="0" smtClean="0"/>
+              </a:p>
+              <a:p>
+                <a:r>
+                  <a:rPr lang="en-US" altLang="zh-TW" dirty="0" smtClean="0"/>
+                  <a:t>Assume that each peer has </a:t>
+                </a:r>
+                <a14:m>
+                  <m:oMath xmlns:m="http://schemas.openxmlformats.org/officeDocument/2006/math">
+                    <m:sSub>
+                      <m:sSubPr>
+                        <m:ctrlPr>
+                          <a:rPr lang="en-US" altLang="zh-TW" i="1" dirty="0">
+                            <a:latin typeface="Cambria Math" charset="0"/>
+                          </a:rPr>
+                        </m:ctrlPr>
+                      </m:sSubPr>
+                      <m:e>
+                        <m:r>
+                          <a:rPr lang="en-US" altLang="zh-TW" i="1" dirty="0">
+                            <a:latin typeface="Cambria Math"/>
+                          </a:rPr>
+                          <m:t>𝑛</m:t>
+                        </m:r>
+                      </m:e>
+                      <m:sub>
+                        <m:r>
+                          <a:rPr lang="en-US" altLang="zh-TW" i="1" dirty="0">
+                            <a:latin typeface="Cambria Math"/>
+                          </a:rPr>
+                          <m:t>𝑢</m:t>
+                        </m:r>
+                      </m:sub>
+                    </m:sSub>
+                  </m:oMath>
+                </a14:m>
+                <a:r>
+                  <a:rPr lang="en-US" altLang="zh-TW" dirty="0" smtClean="0"/>
+                  <a:t> uploads and 1 optimistic </a:t>
+                </a:r>
+                <a:r>
+                  <a:rPr lang="en-US" altLang="zh-TW" dirty="0" err="1" smtClean="0"/>
+                  <a:t>unchoking</a:t>
+                </a:r>
+                <a:r>
+                  <a:rPr lang="en-US" altLang="zh-TW" dirty="0" smtClean="0"/>
+                  <a:t> upload.</a:t>
+                </a:r>
+              </a:p>
+              <a:p>
+                <a:r>
+                  <a:rPr lang="en-US" altLang="zh-TW" dirty="0" smtClean="0"/>
+                  <a:t>By </a:t>
+                </a:r>
+                <a:r>
+                  <a:rPr lang="en-US" altLang="zh-TW" dirty="0"/>
+                  <a:t>optimistic </a:t>
+                </a:r>
+                <a:r>
+                  <a:rPr lang="en-US" altLang="zh-TW" dirty="0" err="1" smtClean="0"/>
+                  <a:t>unchoking</a:t>
+                </a:r>
+                <a:r>
+                  <a:rPr lang="en-US" altLang="zh-TW" dirty="0" smtClean="0"/>
+                  <a:t>,  peer </a:t>
+                </a:r>
+                <a:r>
+                  <a:rPr lang="en-US" altLang="zh-TW" i="1" dirty="0" smtClean="0"/>
+                  <a:t>j</a:t>
+                </a:r>
+                <a:r>
+                  <a:rPr lang="en-US" altLang="zh-TW" dirty="0" smtClean="0"/>
+                  <a:t> </a:t>
+                </a:r>
+                <a:r>
+                  <a:rPr lang="en-US" altLang="zh-TW" dirty="0"/>
+                  <a:t>which is a free-rider get selected 1/(N- </a:t>
+                </a:r>
+                <a14:m>
+                  <m:oMath xmlns:m="http://schemas.openxmlformats.org/officeDocument/2006/math">
+                    <m:sSub>
+                      <m:sSubPr>
+                        <m:ctrlPr>
+                          <a:rPr lang="en-US" altLang="zh-TW" i="1" dirty="0">
+                            <a:latin typeface="Cambria Math" charset="0"/>
+                          </a:rPr>
+                        </m:ctrlPr>
+                      </m:sSubPr>
+                      <m:e>
+                        <m:r>
+                          <a:rPr lang="en-US" altLang="zh-TW" i="1" dirty="0">
+                            <a:latin typeface="Cambria Math"/>
+                          </a:rPr>
+                          <m:t>𝑛</m:t>
+                        </m:r>
+                      </m:e>
+                      <m:sub>
+                        <m:r>
+                          <a:rPr lang="en-US" altLang="zh-TW" i="1" dirty="0">
+                            <a:latin typeface="Cambria Math"/>
+                          </a:rPr>
+                          <m:t>𝑢</m:t>
+                        </m:r>
+                      </m:sub>
+                    </m:sSub>
+                  </m:oMath>
+                </a14:m>
+                <a:r>
+                  <a:rPr lang="en-US" altLang="zh-TW" dirty="0"/>
+                  <a:t>) of the time by any other </a:t>
+                </a:r>
+                <a:r>
+                  <a:rPr lang="en-US" altLang="zh-TW" dirty="0" smtClean="0"/>
+                  <a:t>peer.</a:t>
+                </a:r>
+                <a:endParaRPr lang="en-US" altLang="zh-TW" dirty="0"/>
+              </a:p>
+              <a:p>
+                <a:r>
+                  <a:rPr lang="en-US" altLang="zh-TW" dirty="0" smtClean="0"/>
+                  <a:t>So, total average downloading rate of peer </a:t>
+                </a:r>
+                <a:r>
+                  <a:rPr lang="en-US" altLang="zh-TW" i="1" dirty="0" smtClean="0"/>
+                  <a:t>j</a:t>
+                </a:r>
+                <a:r>
+                  <a:rPr lang="en-US" altLang="zh-TW" dirty="0" smtClean="0"/>
+                  <a:t> will be</a:t>
+                </a:r>
+              </a:p>
+              <a:p>
+                <a:pPr marL="0" indent="0">
+                  <a:buNone/>
+                </a:pPr>
+                <a14:m>
+                  <m:oMathPara xmlns:m="http://schemas.openxmlformats.org/officeDocument/2006/math">
+                    <m:oMathParaPr>
+                      <m:jc m:val="centerGroup"/>
+                    </m:oMathParaPr>
+                    <m:oMath xmlns:m="http://schemas.openxmlformats.org/officeDocument/2006/math">
+                      <m:r>
+                        <a:rPr lang="en-US" altLang="zh-TW" b="0" i="1" smtClean="0">
+                          <a:latin typeface="Cambria Math"/>
+                        </a:rPr>
+                        <m:t>𝑁</m:t>
+                      </m:r>
+                      <m:f>
+                        <m:fPr>
+                          <m:ctrlPr>
+                            <a:rPr lang="en-US" altLang="zh-TW" b="0" i="1" smtClean="0">
+                              <a:latin typeface="Cambria Math" charset="0"/>
+                            </a:rPr>
+                          </m:ctrlPr>
+                        </m:fPr>
+                        <m:num>
+                          <m:r>
+                            <a:rPr lang="en-US" altLang="zh-TW" b="0" i="1" smtClean="0">
+                              <a:latin typeface="Cambria Math"/>
+                            </a:rPr>
+                            <m:t>1</m:t>
+                          </m:r>
+                        </m:num>
+                        <m:den>
+                          <m:r>
+                            <a:rPr lang="en-US" altLang="zh-TW" b="0" i="1" smtClean="0">
+                              <a:latin typeface="Cambria Math"/>
+                            </a:rPr>
+                            <m:t>𝑁</m:t>
+                          </m:r>
+                          <m:r>
+                            <a:rPr lang="en-US" altLang="zh-TW" b="0" i="1" smtClean="0">
+                              <a:latin typeface="Cambria Math"/>
+                            </a:rPr>
+                            <m:t>−</m:t>
+                          </m:r>
+                          <m:sSub>
+                            <m:sSubPr>
+                              <m:ctrlPr>
+                                <a:rPr lang="en-US" altLang="zh-TW" b="0" i="1" smtClean="0">
+                                  <a:latin typeface="Cambria Math" charset="0"/>
+                                </a:rPr>
+                              </m:ctrlPr>
+                            </m:sSubPr>
+                            <m:e>
+                              <m:r>
+                                <a:rPr lang="en-US" altLang="zh-TW" b="0" i="1" smtClean="0">
+                                  <a:latin typeface="Cambria Math"/>
+                                </a:rPr>
+                                <m:t>𝑛</m:t>
+                              </m:r>
+                            </m:e>
+                            <m:sub>
+                              <m:r>
+                                <a:rPr lang="en-US" altLang="zh-TW" b="0" i="1" smtClean="0">
+                                  <a:latin typeface="Cambria Math"/>
+                                </a:rPr>
+                                <m:t>𝑢</m:t>
+                              </m:r>
+                            </m:sub>
+                          </m:sSub>
+                        </m:den>
+                      </m:f>
+                      <m:r>
+                        <a:rPr lang="en-US" altLang="zh-TW" b="0" i="1" smtClean="0">
+                          <a:latin typeface="Cambria Math"/>
+                        </a:rPr>
+                        <m:t> </m:t>
+                      </m:r>
+                      <m:f>
+                        <m:fPr>
+                          <m:ctrlPr>
+                            <a:rPr lang="en-US" altLang="zh-TW" b="0" i="1" smtClean="0">
+                              <a:latin typeface="Cambria Math" charset="0"/>
+                            </a:rPr>
+                          </m:ctrlPr>
+                        </m:fPr>
+                        <m:num>
+                          <m:r>
+                            <a:rPr lang="zh-TW" altLang="en-US" b="0" i="1" smtClean="0">
+                              <a:latin typeface="Cambria Math"/>
+                            </a:rPr>
+                            <m:t>𝜇</m:t>
+                          </m:r>
+                        </m:num>
+                        <m:den>
+                          <m:sSub>
+                            <m:sSubPr>
+                              <m:ctrlPr>
+                                <a:rPr lang="en-US" altLang="zh-TW" b="0" i="1" smtClean="0">
+                                  <a:latin typeface="Cambria Math" charset="0"/>
+                                </a:rPr>
+                              </m:ctrlPr>
+                            </m:sSubPr>
+                            <m:e>
+                              <m:r>
+                                <a:rPr lang="en-US" altLang="zh-TW" b="0" i="1" smtClean="0">
+                                  <a:latin typeface="Cambria Math"/>
+                                </a:rPr>
+                                <m:t>𝑛</m:t>
+                              </m:r>
+                            </m:e>
+                            <m:sub>
+                              <m:r>
+                                <a:rPr lang="en-US" altLang="zh-TW" b="0" i="1" smtClean="0">
+                                  <a:latin typeface="Cambria Math"/>
+                                </a:rPr>
+                                <m:t>𝑢</m:t>
+                              </m:r>
+                            </m:sub>
+                          </m:sSub>
+                          <m:r>
+                            <a:rPr lang="en-US" altLang="zh-TW" b="0" i="1" smtClean="0">
+                              <a:latin typeface="Cambria Math"/>
+                            </a:rPr>
+                            <m:t>+1</m:t>
+                          </m:r>
+                        </m:den>
+                      </m:f>
+                      <m:r>
+                        <a:rPr lang="en-US" altLang="zh-TW" b="0" i="1" smtClean="0">
+                          <a:latin typeface="Cambria Math"/>
+                        </a:rPr>
+                        <m:t> </m:t>
+                      </m:r>
+                      <m:r>
+                        <a:rPr lang="en-US" altLang="zh-TW" b="0" i="1" smtClean="0">
+                          <a:latin typeface="Cambria Math"/>
+                          <a:ea typeface="Cambria Math"/>
+                        </a:rPr>
+                        <m:t>≈</m:t>
+                      </m:r>
+                      <m:f>
+                        <m:fPr>
+                          <m:ctrlPr>
+                            <a:rPr lang="en-US" altLang="zh-TW" i="1">
+                              <a:latin typeface="Cambria Math" charset="0"/>
+                            </a:rPr>
+                          </m:ctrlPr>
+                        </m:fPr>
+                        <m:num>
+                          <m:r>
+                            <a:rPr lang="zh-TW" altLang="en-US" i="1">
+                              <a:latin typeface="Cambria Math"/>
+                            </a:rPr>
+                            <m:t>𝜇</m:t>
+                          </m:r>
+                        </m:num>
+                        <m:den>
+                          <m:sSub>
+                            <m:sSubPr>
+                              <m:ctrlPr>
+                                <a:rPr lang="en-US" altLang="zh-TW" i="1">
+                                  <a:latin typeface="Cambria Math" charset="0"/>
+                                </a:rPr>
+                              </m:ctrlPr>
+                            </m:sSubPr>
+                            <m:e>
+                              <m:r>
+                                <a:rPr lang="en-US" altLang="zh-TW" i="1">
+                                  <a:latin typeface="Cambria Math"/>
+                                </a:rPr>
+                                <m:t>𝑛</m:t>
+                              </m:r>
+                            </m:e>
+                            <m:sub>
+                              <m:r>
+                                <a:rPr lang="en-US" altLang="zh-TW" i="1">
+                                  <a:latin typeface="Cambria Math"/>
+                                </a:rPr>
+                                <m:t>𝑢</m:t>
+                              </m:r>
+                            </m:sub>
+                          </m:sSub>
+                          <m:r>
+                            <a:rPr lang="en-US" altLang="zh-TW" i="1">
+                              <a:latin typeface="Cambria Math"/>
+                            </a:rPr>
+                            <m:t>+1</m:t>
+                          </m:r>
+                        </m:den>
+                      </m:f>
+                    </m:oMath>
+                  </m:oMathPara>
+                </a14:m>
+                <a:endParaRPr lang="en-US" altLang="zh-TW" dirty="0"/>
+              </a:p>
+              <a:p>
+                <a:pPr marL="0" indent="0">
+                  <a:buNone/>
+                </a:pPr>
+                <a:r>
+                  <a:rPr lang="en-US" altLang="zh-TW" dirty="0" smtClean="0"/>
+                  <a:t>    when N is large.</a:t>
+                </a:r>
+              </a:p>
+              <a:p>
+                <a:r>
+                  <a:rPr lang="en-US" altLang="zh-TW" dirty="0" smtClean="0"/>
+                  <a:t>The </a:t>
+                </a:r>
+                <a:r>
+                  <a:rPr lang="en-US" altLang="zh-TW" dirty="0"/>
+                  <a:t>free-riders problem is not yet solved in </a:t>
+                </a:r>
+                <a:r>
+                  <a:rPr lang="en-US" altLang="zh-TW" dirty="0" err="1" smtClean="0"/>
+                  <a:t>BitTorrent</a:t>
+                </a:r>
+                <a:r>
+                  <a:rPr lang="en-US" altLang="zh-TW" dirty="0" smtClean="0"/>
+                  <a:t>.</a:t>
+                </a:r>
+              </a:p>
+              <a:p>
+                <a:pPr marL="0" indent="0">
+                  <a:buNone/>
+                </a:pPr>
+                <a:r>
+                  <a:rPr lang="en-US" altLang="zh-TW" dirty="0"/>
+                  <a:t> </a:t>
+                </a:r>
+                <a:r>
+                  <a:rPr lang="en-US" altLang="zh-TW" dirty="0" smtClean="0"/>
+                  <a:t>    (in </a:t>
+                </a:r>
+                <a:r>
+                  <a:rPr lang="en-US" altLang="zh-TW" dirty="0" err="1" smtClean="0"/>
+                  <a:t>BitTorrent</a:t>
+                </a:r>
+                <a:r>
+                  <a:rPr lang="en-US" altLang="zh-TW" dirty="0" smtClean="0"/>
+                  <a:t>, </a:t>
+                </a:r>
+                <a14:m>
+                  <m:oMath xmlns:m="http://schemas.openxmlformats.org/officeDocument/2006/math">
+                    <m:sSub>
+                      <m:sSubPr>
+                        <m:ctrlPr>
+                          <a:rPr lang="en-US" altLang="zh-TW" i="1" dirty="0">
+                            <a:latin typeface="Cambria Math" charset="0"/>
+                          </a:rPr>
+                        </m:ctrlPr>
+                      </m:sSubPr>
+                      <m:e>
+                        <m:r>
+                          <a:rPr lang="en-US" altLang="zh-TW" i="1" dirty="0">
+                            <a:latin typeface="Cambria Math"/>
+                          </a:rPr>
+                          <m:t>𝑛</m:t>
+                        </m:r>
+                      </m:e>
+                      <m:sub>
+                        <m:r>
+                          <a:rPr lang="en-US" altLang="zh-TW" i="1" dirty="0">
+                            <a:latin typeface="Cambria Math"/>
+                          </a:rPr>
+                          <m:t>𝑢</m:t>
+                        </m:r>
+                      </m:sub>
+                    </m:sSub>
+                  </m:oMath>
+                </a14:m>
+                <a:r>
+                  <a:rPr lang="en-US" altLang="zh-TW" dirty="0" smtClean="0"/>
+                  <a:t>= 4 so free-rider gets 20% of the possible</a:t>
+                </a:r>
+              </a:p>
+              <a:p>
+                <a:pPr marL="0" indent="0">
+                  <a:buNone/>
+                </a:pPr>
+                <a:r>
+                  <a:rPr lang="en-US" altLang="zh-TW" dirty="0" smtClean="0"/>
+                  <a:t>      maximum downloading rate.)</a:t>
+                </a:r>
+                <a:endParaRPr lang="en-US" altLang="zh-TW" dirty="0"/>
+              </a:p>
+              <a:p>
+                <a:endParaRPr lang="zh-TW" altLang="en-US" dirty="0"/>
+              </a:p>
+            </p:txBody>
+          </p:sp>
+        </mc:Choice>
+        <mc:Fallback>
+          <p:sp>
+            <p:nvSpPr>
+              <p:cNvPr id="3" name="內容版面配置區 2"/>
+              <p:cNvSpPr>
+                <a:spLocks noGrp="1" noRot="1" noChangeAspect="1" noMove="1" noResize="1" noEditPoints="1" noAdjustHandles="1" noChangeArrowheads="1" noChangeShapeType="1" noTextEdit="1"/>
+              </p:cNvSpPr>
+              <p:nvPr>
+                <p:ph idx="1"/>
+              </p:nvPr>
+            </p:nvSpPr>
+            <p:spPr>
+              <a:blipFill rotWithShape="0">
+                <a:blip r:embed="rId2"/>
+                <a:stretch>
+                  <a:fillRect l="-963" t="-929" b="-5110"/>
+                </a:stretch>
+              </a:blipFill>
+            </p:spPr>
+            <p:txBody>
+              <a:bodyPr/>
+              <a:lstStyle/>
+              <a:p>
+                <a:r>
+                  <a:rPr lang="zh-TW" altLang="en-US">
+                    <a:noFill/>
+                  </a:rPr>
+                  <a:t> </a:t>
+                </a:r>
+              </a:p>
+            </p:txBody>
+          </p:sp>
+        </mc:Fallback>
+      </mc:AlternateContent>
+      <p:sp>
+        <p:nvSpPr>
+          <p:cNvPr id="5" name="投影片編號版面配置區 4"/>
+          <p:cNvSpPr>
+            <a:spLocks noGrp="1"/>
+          </p:cNvSpPr>
+          <p:nvPr>
+            <p:ph type="sldNum" sz="quarter" idx="12"/>
+          </p:nvPr>
+        </p:nvSpPr>
+        <p:spPr/>
+        <p:txBody>
+          <a:bodyPr/>
+          <a:lstStyle/>
+          <a:p>
+            <a:pPr>
+              <a:defRPr/>
+            </a:pPr>
+            <a:fld id="{7823135A-D7F7-45E8-89D0-FF7E75BBDD99}" type="slidenum">
+              <a:rPr lang="en-US" altLang="zh-TW" smtClean="0"/>
+              <a:pPr>
+                <a:defRPr/>
+              </a:pPr>
+              <a:t>24</a:t>
+            </a:fld>
+            <a:endParaRPr lang="en-US" altLang="zh-TW"/>
+          </a:p>
+        </p:txBody>
+      </p:sp>
+      <p:sp>
+        <p:nvSpPr>
+          <p:cNvPr id="6" name="頁尾版面配置區 5"/>
+          <p:cNvSpPr>
+            <a:spLocks noGrp="1"/>
+          </p:cNvSpPr>
+          <p:nvPr>
+            <p:ph type="ftr" sz="quarter" idx="11"/>
+          </p:nvPr>
+        </p:nvSpPr>
+        <p:spPr>
+          <a:xfrm>
+            <a:off x="5943600" y="6512768"/>
+            <a:ext cx="2895600" cy="228600"/>
+          </a:xfrm>
+        </p:spPr>
+        <p:txBody>
+          <a:bodyPr/>
+          <a:lstStyle/>
+          <a:p>
+            <a:pPr>
+              <a:defRPr/>
+            </a:pPr>
+            <a:r>
+              <a:rPr lang="en-US" altLang="zh-TW" dirty="0" smtClean="0"/>
+              <a:t>Performance Evaluation 2016 Spring</a:t>
+            </a:r>
+            <a:endParaRPr lang="en-US" altLang="zh-TW" dirty="0"/>
+          </a:p>
+        </p:txBody>
+      </p:sp>
+    </p:spTree>
+    <p:extLst>
+      <p:ext uri="{BB962C8B-B14F-4D97-AF65-F5344CB8AC3E}">
+        <p14:creationId xmlns:p14="http://schemas.microsoft.com/office/powerpoint/2010/main" val="142798505"/>
+      </p:ext>
+    </p:extLst>
+  </p:cSld>
+  <p:clrMapOvr>
+    <a:masterClrMapping/>
+  </p:clrMapOvr>
+  <p:timing>
+    <p:tnLst>
+      <p:par>
+        <p:cTn id="1" dur="indefinite" restart="never" nodeType="tmRoot"/>
+      </p:par>
+    </p:tnLst>
+  </p:timing>
+</p:sld>
+</file>
+
+<file path=ppt/slides/slide25.xml><?xml version="1.0" encoding="utf-8"?>
+<p:sld xmlns:a="http://schemas.openxmlformats.org/drawingml/2006/main" xmlns:r="http://schemas.openxmlformats.org/officeDocument/2006/relationships" xmlns:p="http://schemas.openxmlformats.org/presentationml/2006/main">
+  <p:cSld>
+    <p:spTree>
+      <p:nvGrpSpPr>
+        <p:cNvPr id="1" name=""/>
+        <p:cNvGrpSpPr/>
+        <p:nvPr/>
+      </p:nvGrpSpPr>
+      <p:grpSpPr>
+        <a:xfrm>
+          <a:off x="0" y="0"/>
+          <a:ext cx="0" cy="0"/>
+          <a:chOff x="0" y="0"/>
+          <a:chExt cx="0" cy="0"/>
+        </a:xfrm>
+      </p:grpSpPr>
+      <p:sp>
+        <p:nvSpPr>
+          <p:cNvPr id="2" name="標題 1"/>
+          <p:cNvSpPr>
+            <a:spLocks noGrp="1"/>
+          </p:cNvSpPr>
+          <p:nvPr>
+            <p:ph type="title"/>
+          </p:nvPr>
+        </p:nvSpPr>
+        <p:spPr/>
+        <p:txBody>
+          <a:bodyPr/>
+          <a:lstStyle/>
+          <a:p>
+            <a:r>
+              <a:rPr lang="en-US" altLang="zh-TW" dirty="0" smtClean="0"/>
+              <a:t>Notations </a:t>
+            </a:r>
+            <a:r>
+              <a:rPr lang="en-US" altLang="zh-TW" dirty="0" smtClean="0"/>
+              <a:t>Recap</a:t>
+            </a:r>
+            <a:endParaRPr lang="zh-TW" altLang="en-US" dirty="0"/>
+          </a:p>
+        </p:txBody>
+      </p:sp>
+      <mc:AlternateContent xmlns:mc="http://schemas.openxmlformats.org/markup-compatibility/2006">
+        <mc:Choice xmlns:a14="http://schemas.microsoft.com/office/drawing/2010/main" Requires="a14">
+          <p:sp>
+            <p:nvSpPr>
+              <p:cNvPr id="3" name="內容版面配置區 2"/>
+              <p:cNvSpPr>
+                <a:spLocks noGrp="1"/>
+              </p:cNvSpPr>
+              <p:nvPr>
+                <p:ph idx="1"/>
+              </p:nvPr>
+            </p:nvSpPr>
+            <p:spPr/>
+            <p:txBody>
+              <a:bodyPr/>
+              <a:lstStyle/>
+              <a:p>
+                <a:pPr>
+                  <a:lnSpc>
+                    <a:spcPct val="150000"/>
+                  </a:lnSpc>
+                </a:pPr>
+                <a14:m>
+                  <m:oMath xmlns:m="http://schemas.openxmlformats.org/officeDocument/2006/math">
+                    <m:r>
+                      <a:rPr lang="en-US" altLang="zh-TW" b="0" i="1" smtClean="0">
+                        <a:latin typeface="Cambria Math"/>
+                      </a:rPr>
+                      <m:t>𝑥</m:t>
+                    </m:r>
+                    <m:d>
+                      <m:dPr>
+                        <m:ctrlPr>
+                          <a:rPr lang="en-US" altLang="zh-TW" b="0" i="1" smtClean="0">
+                            <a:latin typeface="Cambria Math" charset="0"/>
+                          </a:rPr>
+                        </m:ctrlPr>
+                      </m:dPr>
+                      <m:e>
+                        <m:r>
+                          <a:rPr lang="en-US" altLang="zh-TW" b="0" i="1" smtClean="0">
+                            <a:latin typeface="Cambria Math"/>
+                          </a:rPr>
+                          <m:t>𝑡</m:t>
+                        </m:r>
+                      </m:e>
+                    </m:d>
+                  </m:oMath>
+                </a14:m>
+                <a:r>
+                  <a:rPr lang="zh-TW" altLang="en-US" dirty="0" smtClean="0"/>
+                  <a:t> </a:t>
+                </a:r>
+                <a:r>
+                  <a:rPr lang="en-US" altLang="zh-TW" dirty="0" smtClean="0"/>
+                  <a:t>: number of downloaders in the system at time t.</a:t>
+                </a:r>
+              </a:p>
+              <a:p>
+                <a:pPr>
+                  <a:lnSpc>
+                    <a:spcPct val="150000"/>
+                  </a:lnSpc>
+                </a:pPr>
+                <a14:m>
+                  <m:oMath xmlns:m="http://schemas.openxmlformats.org/officeDocument/2006/math">
+                    <m:r>
+                      <a:rPr lang="en-US" altLang="zh-TW" b="0" i="1" smtClean="0">
+                        <a:latin typeface="Cambria Math"/>
+                      </a:rPr>
+                      <m:t>𝑦</m:t>
+                    </m:r>
+                    <m:d>
+                      <m:dPr>
+                        <m:ctrlPr>
+                          <a:rPr lang="en-US" altLang="zh-TW" i="1">
+                            <a:latin typeface="Cambria Math" charset="0"/>
+                          </a:rPr>
+                        </m:ctrlPr>
+                      </m:dPr>
+                      <m:e>
+                        <m:r>
+                          <a:rPr lang="en-US" altLang="zh-TW" i="1">
+                            <a:latin typeface="Cambria Math"/>
+                          </a:rPr>
+                          <m:t>𝑡</m:t>
+                        </m:r>
+                      </m:e>
+                    </m:d>
+                    <m:r>
+                      <m:rPr>
+                        <m:nor/>
+                      </m:rPr>
+                      <a:rPr lang="en-US" altLang="zh-TW" b="0" i="0" smtClean="0">
+                        <a:latin typeface="Cambria Math"/>
+                      </a:rPr>
+                      <m:t> </m:t>
+                    </m:r>
+                    <m:r>
+                      <m:rPr>
+                        <m:nor/>
+                      </m:rPr>
+                      <a:rPr lang="en-US" altLang="zh-TW" dirty="0"/>
+                      <m:t>: </m:t>
+                    </m:r>
+                    <m:r>
+                      <m:rPr>
+                        <m:nor/>
+                      </m:rPr>
+                      <a:rPr lang="en-US" altLang="zh-TW" dirty="0"/>
+                      <m:t>number</m:t>
+                    </m:r>
+                    <m:r>
+                      <m:rPr>
+                        <m:nor/>
+                      </m:rPr>
+                      <a:rPr lang="en-US" altLang="zh-TW" dirty="0"/>
+                      <m:t> </m:t>
+                    </m:r>
+                    <m:r>
+                      <m:rPr>
+                        <m:nor/>
+                      </m:rPr>
+                      <a:rPr lang="en-US" altLang="zh-TW" dirty="0"/>
+                      <m:t>of</m:t>
+                    </m:r>
+                    <m:r>
+                      <m:rPr>
+                        <m:nor/>
+                      </m:rPr>
+                      <a:rPr lang="en-US" altLang="zh-TW" dirty="0"/>
+                      <m:t> </m:t>
+                    </m:r>
+                    <m:r>
+                      <m:rPr>
+                        <m:nor/>
+                      </m:rPr>
+                      <a:rPr lang="en-US" altLang="zh-TW" b="0" i="0" dirty="0" smtClean="0"/>
+                      <m:t>seeds</m:t>
+                    </m:r>
+                    <m:r>
+                      <m:rPr>
+                        <m:nor/>
+                      </m:rPr>
+                      <a:rPr lang="en-US" altLang="zh-TW" b="0" i="0" dirty="0" smtClean="0"/>
+                      <m:t> </m:t>
+                    </m:r>
+                    <m:r>
+                      <m:rPr>
+                        <m:nor/>
+                      </m:rPr>
+                      <a:rPr lang="en-US" altLang="zh-TW" dirty="0"/>
+                      <m:t>in</m:t>
+                    </m:r>
+                    <m:r>
+                      <m:rPr>
+                        <m:nor/>
+                      </m:rPr>
+                      <a:rPr lang="en-US" altLang="zh-TW" dirty="0"/>
+                      <m:t> </m:t>
+                    </m:r>
+                    <m:r>
+                      <m:rPr>
+                        <m:nor/>
+                      </m:rPr>
+                      <a:rPr lang="en-US" altLang="zh-TW" dirty="0"/>
+                      <m:t>the</m:t>
+                    </m:r>
+                    <m:r>
+                      <m:rPr>
+                        <m:nor/>
+                      </m:rPr>
+                      <a:rPr lang="en-US" altLang="zh-TW" dirty="0"/>
+                      <m:t> </m:t>
+                    </m:r>
+                    <m:r>
+                      <m:rPr>
+                        <m:nor/>
+                      </m:rPr>
+                      <a:rPr lang="en-US" altLang="zh-TW" dirty="0"/>
+                      <m:t>system</m:t>
+                    </m:r>
+                    <m:r>
+                      <m:rPr>
+                        <m:nor/>
+                      </m:rPr>
+                      <a:rPr lang="en-US" altLang="zh-TW" dirty="0"/>
+                      <m:t> </m:t>
+                    </m:r>
+                    <m:r>
+                      <m:rPr>
+                        <m:nor/>
+                      </m:rPr>
+                      <a:rPr lang="en-US" altLang="zh-TW" dirty="0"/>
+                      <m:t>at</m:t>
+                    </m:r>
+                    <m:r>
+                      <m:rPr>
+                        <m:nor/>
+                      </m:rPr>
+                      <a:rPr lang="en-US" altLang="zh-TW" dirty="0"/>
+                      <m:t> </m:t>
+                    </m:r>
+                    <m:r>
+                      <m:rPr>
+                        <m:nor/>
+                      </m:rPr>
+                      <a:rPr lang="en-US" altLang="zh-TW" dirty="0"/>
+                      <m:t>time</m:t>
+                    </m:r>
+                    <m:r>
+                      <m:rPr>
+                        <m:nor/>
+                      </m:rPr>
+                      <a:rPr lang="en-US" altLang="zh-TW" dirty="0"/>
+                      <m:t> </m:t>
+                    </m:r>
+                    <m:r>
+                      <m:rPr>
+                        <m:nor/>
+                      </m:rPr>
+                      <a:rPr lang="en-US" altLang="zh-TW" dirty="0"/>
+                      <m:t>t</m:t>
+                    </m:r>
+                  </m:oMath>
+                </a14:m>
+                <a:r>
+                  <a:rPr lang="en-US" altLang="zh-TW" dirty="0" smtClean="0"/>
+                  <a:t>.</a:t>
+                </a:r>
+              </a:p>
+              <a:p>
+                <a:pPr>
+                  <a:lnSpc>
+                    <a:spcPct val="150000"/>
+                  </a:lnSpc>
+                </a:pPr>
+                <a14:m>
+                  <m:oMath xmlns:m="http://schemas.openxmlformats.org/officeDocument/2006/math">
+                    <m:r>
+                      <m:rPr>
+                        <m:sty m:val="p"/>
+                      </m:rPr>
+                      <a:rPr lang="el-GR" altLang="zh-TW" i="1" smtClean="0">
+                        <a:latin typeface="Cambria Math"/>
+                      </a:rPr>
+                      <m:t>λ</m:t>
+                    </m:r>
+                  </m:oMath>
+                </a14:m>
+                <a:r>
+                  <a:rPr lang="zh-TW" altLang="en-US" dirty="0" smtClean="0"/>
+                  <a:t> </a:t>
+                </a:r>
+                <a:r>
+                  <a:rPr lang="en-US" altLang="zh-TW" dirty="0" smtClean="0"/>
+                  <a:t>: the arrival rate of new request.</a:t>
+                </a:r>
+              </a:p>
+              <a:p>
+                <a:pPr>
+                  <a:lnSpc>
+                    <a:spcPct val="150000"/>
+                  </a:lnSpc>
+                </a:pPr>
+                <a:r>
+                  <a:rPr lang="el-GR" altLang="zh-TW" dirty="0" smtClean="0"/>
+                  <a:t>μ</a:t>
+                </a:r>
+                <a14:m>
+                  <m:oMath xmlns:m="http://schemas.openxmlformats.org/officeDocument/2006/math">
+                    <m:r>
+                      <m:rPr>
+                        <m:nor/>
+                      </m:rPr>
+                      <a:rPr lang="zh-TW" altLang="en-US" dirty="0"/>
+                      <m:t> </m:t>
+                    </m:r>
+                    <m:r>
+                      <m:rPr>
+                        <m:nor/>
+                      </m:rPr>
+                      <a:rPr lang="en-US" altLang="zh-TW" dirty="0"/>
+                      <m:t>:</m:t>
+                    </m:r>
+                  </m:oMath>
+                </a14:m>
+                <a:r>
+                  <a:rPr lang="en-US" altLang="zh-TW" dirty="0" smtClean="0"/>
+                  <a:t> the uploading bandwidth of a given peer.</a:t>
+                </a:r>
+              </a:p>
+              <a:p>
+                <a:pPr>
+                  <a:lnSpc>
+                    <a:spcPct val="150000"/>
+                  </a:lnSpc>
+                </a:pPr>
+                <a14:m>
+                  <m:oMath xmlns:m="http://schemas.openxmlformats.org/officeDocument/2006/math">
+                    <m:r>
+                      <a:rPr lang="en-US" altLang="zh-TW" b="0" i="1" smtClean="0">
+                        <a:latin typeface="Cambria Math"/>
+                      </a:rPr>
+                      <m:t>𝑐</m:t>
+                    </m:r>
+                    <m:r>
+                      <a:rPr lang="en-US" altLang="zh-TW" b="0" i="1" smtClean="0">
+                        <a:latin typeface="Cambria Math"/>
+                      </a:rPr>
+                      <m:t> </m:t>
+                    </m:r>
+                  </m:oMath>
+                </a14:m>
+                <a:r>
+                  <a:rPr lang="en-US" altLang="zh-TW" dirty="0" smtClean="0"/>
+                  <a:t>: the downloading of a given peer.</a:t>
+                </a:r>
+              </a:p>
+              <a:p>
+                <a:pPr>
+                  <a:lnSpc>
+                    <a:spcPct val="150000"/>
+                  </a:lnSpc>
+                </a:pPr>
+                <a14:m>
+                  <m:oMath xmlns:m="http://schemas.openxmlformats.org/officeDocument/2006/math">
+                    <m:r>
+                      <m:rPr>
+                        <m:sty m:val="p"/>
+                      </m:rPr>
+                      <a:rPr lang="el-GR" altLang="zh-TW" i="1" smtClean="0">
+                        <a:latin typeface="Cambria Math"/>
+                      </a:rPr>
+                      <m:t>θ</m:t>
+                    </m:r>
+                  </m:oMath>
+                </a14:m>
+                <a:r>
+                  <a:rPr lang="zh-TW" altLang="en-US" dirty="0" smtClean="0"/>
+                  <a:t> </a:t>
+                </a:r>
+                <a:r>
+                  <a:rPr lang="en-US" altLang="zh-TW" dirty="0" smtClean="0"/>
+                  <a:t>: the rate at which downloaders abort the system.</a:t>
+                </a:r>
+              </a:p>
+              <a:p>
+                <a:pPr>
+                  <a:lnSpc>
+                    <a:spcPct val="150000"/>
+                  </a:lnSpc>
+                </a:pPr>
+                <a14:m>
+                  <m:oMath xmlns:m="http://schemas.openxmlformats.org/officeDocument/2006/math">
+                    <m:r>
+                      <m:rPr>
+                        <m:sty m:val="p"/>
+                      </m:rPr>
+                      <a:rPr lang="el-GR" altLang="zh-TW" i="1" smtClean="0">
+                        <a:latin typeface="Cambria Math"/>
+                      </a:rPr>
+                      <m:t>γ</m:t>
+                    </m:r>
+                  </m:oMath>
+                </a14:m>
+                <a:r>
+                  <a:rPr lang="zh-TW" altLang="en-US" dirty="0" smtClean="0"/>
+                  <a:t> </a:t>
+                </a:r>
+                <a:r>
+                  <a:rPr lang="en-US" altLang="zh-TW" dirty="0" smtClean="0"/>
+                  <a:t>: the rate at which seeds leaves the system.</a:t>
+                </a:r>
+              </a:p>
+              <a:p>
+                <a:pPr>
+                  <a:lnSpc>
+                    <a:spcPct val="150000"/>
+                  </a:lnSpc>
+                </a:pPr>
+                <a14:m>
+                  <m:oMath xmlns:m="http://schemas.openxmlformats.org/officeDocument/2006/math">
+                    <m:r>
+                      <m:rPr>
+                        <m:sty m:val="p"/>
+                      </m:rPr>
+                      <a:rPr lang="el-GR" altLang="zh-TW" i="1" smtClean="0">
+                        <a:latin typeface="Cambria Math"/>
+                      </a:rPr>
+                      <m:t>η</m:t>
+                    </m:r>
+                  </m:oMath>
+                </a14:m>
+                <a:r>
+                  <a:rPr lang="zh-TW" altLang="en-US" dirty="0" smtClean="0"/>
+                  <a:t> </a:t>
+                </a:r>
+                <a:r>
+                  <a:rPr lang="en-US" altLang="zh-TW" dirty="0" smtClean="0"/>
+                  <a:t>: the effectiveness of the file sharing. </a:t>
+                </a:r>
+                <a14:m>
+                  <m:oMath xmlns:m="http://schemas.openxmlformats.org/officeDocument/2006/math">
+                    <m:r>
+                      <m:rPr>
+                        <m:sty m:val="p"/>
+                      </m:rPr>
+                      <a:rPr lang="el-GR" altLang="zh-TW" i="1">
+                        <a:latin typeface="Cambria Math"/>
+                      </a:rPr>
+                      <m:t>η</m:t>
+                    </m:r>
+                  </m:oMath>
+                </a14:m>
+                <a:r>
+                  <a:rPr lang="en-US" altLang="zh-TW" dirty="0" smtClean="0"/>
+                  <a:t> takes values in [0,1].</a:t>
+                </a:r>
+                <a:endParaRPr lang="zh-TW" altLang="en-US" dirty="0"/>
+              </a:p>
+            </p:txBody>
+          </p:sp>
+        </mc:Choice>
+        <mc:Fallback>
+          <p:sp>
+            <p:nvSpPr>
+              <p:cNvPr id="3" name="內容版面配置區 2"/>
+              <p:cNvSpPr>
+                <a:spLocks noGrp="1" noRot="1" noChangeAspect="1" noMove="1" noResize="1" noEditPoints="1" noAdjustHandles="1" noChangeArrowheads="1" noChangeShapeType="1" noTextEdit="1"/>
+              </p:cNvSpPr>
+              <p:nvPr>
+                <p:ph idx="1"/>
+              </p:nvPr>
+            </p:nvSpPr>
+            <p:spPr>
+              <a:blipFill rotWithShape="0">
+                <a:blip r:embed="rId3"/>
+                <a:stretch>
+                  <a:fillRect l="-963"/>
+                </a:stretch>
+              </a:blipFill>
+            </p:spPr>
+            <p:txBody>
+              <a:bodyPr/>
+              <a:lstStyle/>
+              <a:p>
+                <a:r>
+                  <a:rPr lang="zh-TW" altLang="en-US">
+                    <a:noFill/>
+                  </a:rPr>
+                  <a:t> </a:t>
+                </a:r>
+              </a:p>
+            </p:txBody>
+          </p:sp>
+        </mc:Fallback>
+      </mc:AlternateContent>
+      <p:sp>
+        <p:nvSpPr>
+          <p:cNvPr id="5" name="投影片編號版面配置區 4"/>
+          <p:cNvSpPr>
+            <a:spLocks noGrp="1"/>
+          </p:cNvSpPr>
+          <p:nvPr>
+            <p:ph type="sldNum" sz="quarter" idx="12"/>
+          </p:nvPr>
+        </p:nvSpPr>
+        <p:spPr/>
+        <p:txBody>
+          <a:bodyPr/>
+          <a:lstStyle/>
+          <a:p>
+            <a:pPr>
+              <a:defRPr/>
+            </a:pPr>
+            <a:fld id="{7823135A-D7F7-45E8-89D0-FF7E75BBDD99}" type="slidenum">
+              <a:rPr lang="en-US" altLang="zh-TW" smtClean="0"/>
+              <a:pPr>
+                <a:defRPr/>
+              </a:pPr>
+              <a:t>25</a:t>
+            </a:fld>
+            <a:endParaRPr lang="en-US" altLang="zh-TW"/>
+          </a:p>
+        </p:txBody>
+      </p:sp>
+      <p:sp>
+        <p:nvSpPr>
+          <p:cNvPr id="6" name="頁尾版面配置區 5"/>
+          <p:cNvSpPr>
+            <a:spLocks noGrp="1"/>
+          </p:cNvSpPr>
+          <p:nvPr>
+            <p:ph type="ftr" sz="quarter" idx="11"/>
+          </p:nvPr>
+        </p:nvSpPr>
+        <p:spPr>
+          <a:xfrm>
+            <a:off x="5943600" y="6512768"/>
+            <a:ext cx="2895600" cy="228600"/>
+          </a:xfrm>
+        </p:spPr>
+        <p:txBody>
+          <a:bodyPr/>
+          <a:lstStyle/>
+          <a:p>
+            <a:pPr>
+              <a:defRPr/>
+            </a:pPr>
+            <a:r>
+              <a:rPr lang="en-US" altLang="zh-TW" dirty="0" smtClean="0"/>
+              <a:t>Performance Evaluation 2016 Spring</a:t>
+            </a:r>
+            <a:endParaRPr lang="en-US" altLang="zh-TW" dirty="0"/>
+          </a:p>
+        </p:txBody>
+      </p:sp>
+    </p:spTree>
+    <p:extLst>
+      <p:ext uri="{BB962C8B-B14F-4D97-AF65-F5344CB8AC3E}">
+        <p14:creationId xmlns:p14="http://schemas.microsoft.com/office/powerpoint/2010/main" val="1275239836"/>
+      </p:ext>
+    </p:extLst>
+  </p:cSld>
+  <p:clrMapOvr>
+    <a:masterClrMapping/>
+  </p:clrMapOvr>
+</p:sld>
+</file>
+
+<file path=ppt/slides/slide26.xml><?xml version="1.0" encoding="utf-8"?>
+<p:sld xmlns:a="http://schemas.openxmlformats.org/drawingml/2006/main" xmlns:r="http://schemas.openxmlformats.org/officeDocument/2006/relationships" xmlns:p="http://schemas.openxmlformats.org/presentationml/2006/main">
+  <p:cSld>
+    <p:spTree>
+      <p:nvGrpSpPr>
+        <p:cNvPr id="1" name=""/>
+        <p:cNvGrpSpPr/>
+        <p:nvPr/>
+      </p:nvGrpSpPr>
+      <p:grpSpPr>
+        <a:xfrm>
+          <a:off x="0" y="0"/>
+          <a:ext cx="0" cy="0"/>
+          <a:chOff x="0" y="0"/>
+          <a:chExt cx="0" cy="0"/>
+        </a:xfrm>
+      </p:grpSpPr>
+      <p:sp>
+        <p:nvSpPr>
+          <p:cNvPr id="2" name="標題 1"/>
+          <p:cNvSpPr>
+            <a:spLocks noGrp="1"/>
+          </p:cNvSpPr>
+          <p:nvPr>
+            <p:ph type="title"/>
+          </p:nvPr>
+        </p:nvSpPr>
+        <p:spPr/>
+        <p:txBody>
+          <a:bodyPr/>
+          <a:lstStyle/>
+          <a:p>
+            <a:r>
+              <a:rPr lang="en-US" altLang="zh-TW" dirty="0" smtClean="0"/>
+              <a:t>Experiment Setup</a:t>
+            </a:r>
+            <a:endParaRPr lang="zh-TW" altLang="en-US" dirty="0"/>
+          </a:p>
+        </p:txBody>
+      </p:sp>
+      <mc:AlternateContent xmlns:mc="http://schemas.openxmlformats.org/markup-compatibility/2006">
+        <mc:Choice xmlns:a14="http://schemas.microsoft.com/office/drawing/2010/main" Requires="a14">
+          <p:sp>
+            <p:nvSpPr>
+              <p:cNvPr id="3" name="內容版面配置區 2"/>
+              <p:cNvSpPr>
+                <a:spLocks noGrp="1"/>
+              </p:cNvSpPr>
+              <p:nvPr>
+                <p:ph idx="1"/>
+              </p:nvPr>
+            </p:nvSpPr>
+            <p:spPr>
+              <a:xfrm>
+                <a:off x="457200" y="1076325"/>
+                <a:ext cx="8686800" cy="5248275"/>
+              </a:xfrm>
+            </p:spPr>
+            <p:txBody>
+              <a:bodyPr/>
+              <a:lstStyle/>
+              <a:p>
+                <a:r>
+                  <a:rPr lang="en-US" altLang="zh-TW" dirty="0" smtClean="0"/>
+                  <a:t>Compare </a:t>
+                </a:r>
+                <a:r>
+                  <a:rPr lang="en-US" altLang="zh-TW" dirty="0"/>
+                  <a:t>fluid model to:</a:t>
+                </a:r>
+              </a:p>
+              <a:p>
+                <a:pPr marL="0" indent="0">
+                  <a:buNone/>
+                </a:pPr>
+                <a:r>
+                  <a:rPr lang="en-US" altLang="zh-TW" dirty="0" smtClean="0"/>
+                  <a:t>     </a:t>
+                </a:r>
+                <a:r>
+                  <a:rPr lang="en-US" altLang="zh-TW" dirty="0" smtClean="0"/>
+                  <a:t>(1) </a:t>
+                </a:r>
+                <a:r>
+                  <a:rPr lang="en-US" altLang="zh-TW" dirty="0" smtClean="0"/>
+                  <a:t>S</a:t>
+                </a:r>
+                <a:r>
+                  <a:rPr lang="en-US" altLang="zh-TW" dirty="0" smtClean="0"/>
+                  <a:t>imulated </a:t>
+                </a:r>
+                <a:r>
+                  <a:rPr lang="en-US" altLang="zh-TW" dirty="0" err="1"/>
+                  <a:t>BitTorrent</a:t>
+                </a:r>
+                <a:r>
+                  <a:rPr lang="en-US" altLang="zh-TW" dirty="0"/>
+                  <a:t> network that is </a:t>
+                </a:r>
+                <a:r>
+                  <a:rPr lang="en-US" altLang="zh-TW" dirty="0" smtClean="0"/>
+                  <a:t>download-limited (</a:t>
+                </a:r>
+                <a:r>
+                  <a:rPr lang="el-GR" altLang="zh-TW" dirty="0" smtClean="0"/>
+                  <a:t>γ</a:t>
+                </a:r>
+                <a:r>
+                  <a:rPr lang="en-US" altLang="zh-TW" dirty="0" smtClean="0"/>
+                  <a:t> &lt;</a:t>
+                </a:r>
+                <a:r>
+                  <a:rPr lang="el-GR" altLang="zh-TW" dirty="0"/>
+                  <a:t> </a:t>
+                </a:r>
+                <a:r>
+                  <a:rPr lang="el-GR" altLang="zh-TW" dirty="0" smtClean="0"/>
+                  <a:t>μ</a:t>
+                </a:r>
+                <a:r>
+                  <a:rPr lang="en-US" altLang="zh-TW" dirty="0" smtClean="0"/>
+                  <a:t>)</a:t>
+                </a:r>
+                <a:endParaRPr lang="en-US" altLang="zh-TW" dirty="0"/>
+              </a:p>
+              <a:p>
+                <a:pPr marL="0" indent="0">
+                  <a:buNone/>
+                </a:pPr>
+                <a:r>
+                  <a:rPr lang="en-US" altLang="zh-TW" dirty="0" smtClean="0"/>
+                  <a:t>	‧ </a:t>
+                </a:r>
+                <a:r>
+                  <a:rPr lang="en-US" altLang="zh-TW" dirty="0" smtClean="0"/>
+                  <a:t>Discrete-event </a:t>
+                </a:r>
+                <a:r>
+                  <a:rPr lang="en-US" altLang="zh-TW" dirty="0"/>
+                  <a:t>simulation based on the Markov model</a:t>
+                </a:r>
+              </a:p>
+              <a:p>
+                <a:pPr marL="0" indent="0">
+                  <a:buNone/>
+                </a:pPr>
+                <a:r>
+                  <a:rPr lang="en-US" altLang="zh-TW" dirty="0" smtClean="0"/>
+                  <a:t>	‧ </a:t>
+                </a:r>
+                <a:r>
+                  <a:rPr lang="en-US" altLang="zh-TW" dirty="0" smtClean="0"/>
+                  <a:t>The </a:t>
+                </a:r>
+                <a:r>
+                  <a:rPr lang="en-US" altLang="zh-TW" dirty="0" smtClean="0"/>
+                  <a:t>arrival rate </a:t>
+                </a:r>
+                <a14:m>
+                  <m:oMath xmlns:m="http://schemas.openxmlformats.org/officeDocument/2006/math">
+                    <m:r>
+                      <a:rPr lang="en-US" altLang="zh-TW" i="1" smtClean="0">
+                        <a:latin typeface="Cambria Math" charset="0"/>
+                        <a:ea typeface="Cambria Math" charset="0"/>
+                        <a:cs typeface="Cambria Math" charset="0"/>
+                      </a:rPr>
+                      <m:t>𝜆</m:t>
+                    </m:r>
+                    <m:r>
+                      <a:rPr lang="en-US" altLang="zh-TW" i="1" smtClean="0">
+                        <a:latin typeface="Cambria Math" charset="0"/>
+                        <a:ea typeface="Cambria Math" charset="0"/>
+                        <a:cs typeface="Cambria Math" charset="0"/>
+                      </a:rPr>
+                      <m:t>∈</m:t>
+                    </m:r>
+                    <m:d>
+                      <m:dPr>
+                        <m:begChr m:val="{"/>
+                        <m:endChr m:val="}"/>
+                        <m:ctrlPr>
+                          <a:rPr lang="en-US" altLang="zh-TW" i="1" smtClean="0">
+                            <a:latin typeface="Cambria Math" charset="0"/>
+                            <a:ea typeface="Cambria Math" charset="0"/>
+                            <a:cs typeface="Cambria Math" charset="0"/>
+                          </a:rPr>
+                        </m:ctrlPr>
+                      </m:dPr>
+                      <m:e>
+                        <m:r>
+                          <a:rPr lang="en-US" altLang="zh-TW" b="0" i="1" smtClean="0">
+                            <a:latin typeface="Cambria Math" charset="0"/>
+                            <a:ea typeface="Cambria Math" charset="0"/>
+                            <a:cs typeface="Cambria Math" charset="0"/>
+                          </a:rPr>
+                          <m:t>0.04, 0.4, 4, 40</m:t>
+                        </m:r>
+                      </m:e>
+                    </m:d>
+                  </m:oMath>
+                </a14:m>
+                <a:r>
+                  <a:rPr lang="en-US" altLang="zh-TW" dirty="0" smtClean="0"/>
+                  <a:t>.</a:t>
+                </a:r>
+                <a:endParaRPr lang="en-US" altLang="zh-TW" dirty="0"/>
+              </a:p>
+              <a:p>
+                <a:pPr marL="0" indent="0">
+                  <a:buNone/>
+                </a:pPr>
+                <a:r>
+                  <a:rPr lang="en-US" altLang="zh-TW" dirty="0" smtClean="0"/>
+                  <a:t>	‧ </a:t>
+                </a:r>
+                <a:r>
+                  <a:rPr lang="en-US" altLang="zh-TW" dirty="0"/>
+                  <a:t>N</a:t>
+                </a:r>
+                <a:r>
+                  <a:rPr lang="en-US" altLang="zh-TW" dirty="0" smtClean="0"/>
+                  <a:t>ormalize </a:t>
+                </a:r>
+                <a:r>
+                  <a:rPr lang="en-US" altLang="zh-TW" dirty="0"/>
+                  <a:t>the number of </a:t>
+                </a:r>
+                <a:r>
+                  <a:rPr lang="en-US" altLang="zh-TW" dirty="0" smtClean="0"/>
+                  <a:t>seeds/downloaders by dividing</a:t>
+                </a:r>
+              </a:p>
+              <a:p>
+                <a:pPr marL="0" indent="0">
+                  <a:buNone/>
+                </a:pPr>
+                <a:r>
+                  <a:rPr lang="en-US" altLang="zh-TW" dirty="0"/>
+                  <a:t> </a:t>
+                </a:r>
+                <a:r>
+                  <a:rPr lang="en-US" altLang="zh-TW" dirty="0" smtClean="0"/>
+                  <a:t>                by </a:t>
+                </a:r>
+                <a:r>
+                  <a:rPr lang="el-GR" altLang="zh-TW" dirty="0" smtClean="0"/>
+                  <a:t>λ</a:t>
+                </a:r>
+                <a:endParaRPr lang="en-US" altLang="zh-TW" dirty="0"/>
+              </a:p>
+              <a:p>
+                <a:pPr marL="0" indent="0">
+                  <a:buNone/>
+                </a:pPr>
+                <a:r>
+                  <a:rPr lang="en-US" altLang="zh-TW" dirty="0" smtClean="0"/>
+                  <a:t>     (2) </a:t>
+                </a:r>
+                <a:r>
+                  <a:rPr lang="en-US" altLang="zh-TW" dirty="0"/>
+                  <a:t>S</a:t>
+                </a:r>
+                <a:r>
+                  <a:rPr lang="en-US" altLang="zh-TW" dirty="0" smtClean="0"/>
+                  <a:t>imulated </a:t>
+                </a:r>
+                <a:r>
+                  <a:rPr lang="en-US" altLang="zh-TW" dirty="0" err="1"/>
+                  <a:t>BitTorrent</a:t>
+                </a:r>
+                <a:r>
+                  <a:rPr lang="en-US" altLang="zh-TW" dirty="0"/>
+                  <a:t> network that is </a:t>
+                </a:r>
+                <a:r>
+                  <a:rPr lang="en-US" altLang="zh-TW" dirty="0" smtClean="0"/>
+                  <a:t>upload-limited (</a:t>
+                </a:r>
+                <a:r>
+                  <a:rPr lang="en-US" altLang="zh-TW" dirty="0" smtClean="0"/>
+                  <a:t>same </a:t>
+                </a:r>
+                <a:br>
+                  <a:rPr lang="en-US" altLang="zh-TW" dirty="0" smtClean="0"/>
+                </a:br>
+                <a:r>
+                  <a:rPr lang="en-US" altLang="zh-TW" dirty="0" smtClean="0"/>
+                  <a:t>           setup </a:t>
+                </a:r>
+                <a:r>
+                  <a:rPr lang="en-US" altLang="zh-TW" dirty="0" smtClean="0"/>
+                  <a:t>with (1), </a:t>
+                </a:r>
+                <a:r>
+                  <a:rPr lang="en-US" altLang="zh-TW" dirty="0" smtClean="0"/>
+                  <a:t>but </a:t>
+                </a:r>
+                <a:r>
+                  <a:rPr lang="el-GR" altLang="zh-TW" dirty="0" smtClean="0"/>
+                  <a:t>γ</a:t>
+                </a:r>
+                <a:r>
+                  <a:rPr lang="en-US" altLang="zh-TW" dirty="0" smtClean="0"/>
+                  <a:t> &gt; </a:t>
+                </a:r>
+                <a:r>
+                  <a:rPr lang="el-GR" altLang="zh-TW" dirty="0"/>
+                  <a:t>μ</a:t>
+                </a:r>
+                <a:r>
+                  <a:rPr lang="en-US" altLang="zh-TW" dirty="0" smtClean="0"/>
+                  <a:t>)</a:t>
+                </a:r>
+                <a:endParaRPr lang="en-US" altLang="zh-TW" dirty="0"/>
+              </a:p>
+              <a:p>
+                <a:pPr marL="0" indent="0">
+                  <a:buNone/>
+                </a:pPr>
+                <a:r>
+                  <a:rPr lang="en-US" altLang="zh-TW" dirty="0" smtClean="0"/>
+                  <a:t>     (3) </a:t>
+                </a:r>
+                <a:r>
+                  <a:rPr lang="en-US" altLang="zh-TW" dirty="0" smtClean="0"/>
+                  <a:t>R</a:t>
+                </a:r>
+                <a:r>
+                  <a:rPr lang="en-US" altLang="zh-TW" dirty="0" smtClean="0"/>
+                  <a:t>eal-world </a:t>
+                </a:r>
+                <a:r>
+                  <a:rPr lang="en-US" altLang="zh-TW" dirty="0" err="1"/>
+                  <a:t>BitTorrent</a:t>
+                </a:r>
+                <a:r>
+                  <a:rPr lang="en-US" altLang="zh-TW" dirty="0"/>
+                  <a:t> </a:t>
+                </a:r>
+                <a:r>
+                  <a:rPr lang="en-US" altLang="zh-TW" dirty="0" smtClean="0"/>
+                  <a:t>network</a:t>
+                </a:r>
+                <a:br>
+                  <a:rPr lang="en-US" altLang="zh-TW" dirty="0" smtClean="0"/>
+                </a:br>
+                <a:r>
+                  <a:rPr lang="en-US" altLang="zh-TW" dirty="0" smtClean="0"/>
+                  <a:t>           </a:t>
+                </a:r>
+                <a:r>
+                  <a:rPr lang="en-US" altLang="zh-TW" dirty="0" smtClean="0">
+                    <a:sym typeface="Wingdings"/>
+                  </a:rPr>
+                  <a:t> </a:t>
+                </a:r>
+                <a:r>
+                  <a:rPr lang="en-US" altLang="zh-TW" dirty="0" smtClean="0"/>
+                  <a:t>collect </a:t>
+                </a:r>
+                <a:r>
+                  <a:rPr lang="en-US" altLang="zh-TW" dirty="0" smtClean="0"/>
+                  <a:t>the log files of the </a:t>
+                </a:r>
+                <a:r>
+                  <a:rPr lang="en-US" altLang="zh-TW" dirty="0" err="1" smtClean="0"/>
+                  <a:t>BitTorrent</a:t>
+                </a:r>
+                <a:r>
+                  <a:rPr lang="en-US" altLang="zh-TW" dirty="0" smtClean="0"/>
+                  <a:t> tracker for a </a:t>
+                </a:r>
+                <a:r>
+                  <a:rPr lang="en-US" altLang="zh-TW" dirty="0" smtClean="0"/>
+                  <a:t>time </a:t>
+                </a:r>
+                <a:br>
+                  <a:rPr lang="en-US" altLang="zh-TW" dirty="0" smtClean="0"/>
+                </a:br>
+                <a:r>
+                  <a:rPr lang="en-US" altLang="zh-TW" dirty="0" smtClean="0"/>
+                  <a:t>	    period of </a:t>
+                </a:r>
+                <a:r>
+                  <a:rPr lang="en-US" altLang="zh-TW" dirty="0" smtClean="0"/>
+                  <a:t>around three days.</a:t>
+                </a:r>
+                <a:endParaRPr lang="en-US" altLang="zh-TW" dirty="0"/>
+              </a:p>
+              <a:p>
+                <a:pPr marL="0" indent="0">
+                  <a:buNone/>
+                </a:pPr>
+                <a:r>
+                  <a:rPr lang="zh-TW" altLang="en-US" dirty="0" smtClean="0"/>
+                  <a:t>     </a:t>
+                </a:r>
+                <a:r>
+                  <a:rPr lang="en-US" altLang="zh-TW" dirty="0" smtClean="0"/>
+                  <a:t>Set </a:t>
+                </a:r>
+                <a:r>
+                  <a:rPr lang="el-GR" altLang="zh-TW" dirty="0" smtClean="0"/>
+                  <a:t>η</a:t>
+                </a:r>
+                <a:r>
+                  <a:rPr lang="en-US" altLang="zh-TW" dirty="0" smtClean="0"/>
+                  <a:t> = 1 for all cases.</a:t>
+                </a:r>
+                <a:endParaRPr lang="zh-TW" altLang="en-US" dirty="0"/>
+              </a:p>
+            </p:txBody>
+          </p:sp>
+        </mc:Choice>
+        <mc:Fallback>
+          <p:sp>
+            <p:nvSpPr>
+              <p:cNvPr id="3" name="內容版面配置區 2"/>
+              <p:cNvSpPr>
+                <a:spLocks noGrp="1" noRot="1" noChangeAspect="1" noMove="1" noResize="1" noEditPoints="1" noAdjustHandles="1" noChangeArrowheads="1" noChangeShapeType="1" noTextEdit="1"/>
+              </p:cNvSpPr>
+              <p:nvPr>
+                <p:ph idx="1"/>
+              </p:nvPr>
+            </p:nvSpPr>
+            <p:spPr>
+              <a:xfrm>
+                <a:off x="457200" y="1076325"/>
+                <a:ext cx="8686800" cy="5248275"/>
+              </a:xfrm>
+              <a:blipFill rotWithShape="0">
+                <a:blip r:embed="rId2"/>
+                <a:stretch>
+                  <a:fillRect l="-912" t="-929" r="-281"/>
+                </a:stretch>
+              </a:blipFill>
+            </p:spPr>
+            <p:txBody>
+              <a:bodyPr/>
+              <a:lstStyle/>
+              <a:p>
+                <a:r>
+                  <a:rPr lang="zh-TW" altLang="en-US">
+                    <a:noFill/>
+                  </a:rPr>
+                  <a:t> </a:t>
+                </a:r>
+              </a:p>
+            </p:txBody>
+          </p:sp>
+        </mc:Fallback>
+      </mc:AlternateContent>
+      <p:sp>
+        <p:nvSpPr>
+          <p:cNvPr id="5" name="投影片編號版面配置區 4"/>
+          <p:cNvSpPr>
+            <a:spLocks noGrp="1"/>
+          </p:cNvSpPr>
+          <p:nvPr>
+            <p:ph type="sldNum" sz="quarter" idx="12"/>
+          </p:nvPr>
+        </p:nvSpPr>
+        <p:spPr/>
+        <p:txBody>
+          <a:bodyPr/>
+          <a:lstStyle/>
+          <a:p>
+            <a:pPr>
+              <a:defRPr/>
+            </a:pPr>
+            <a:fld id="{7823135A-D7F7-45E8-89D0-FF7E75BBDD99}" type="slidenum">
+              <a:rPr lang="en-US" altLang="zh-TW" smtClean="0"/>
+              <a:pPr>
+                <a:defRPr/>
+              </a:pPr>
+              <a:t>26</a:t>
+            </a:fld>
+            <a:endParaRPr lang="en-US" altLang="zh-TW"/>
+          </a:p>
+        </p:txBody>
+      </p:sp>
+      <p:sp>
+        <p:nvSpPr>
+          <p:cNvPr id="6" name="頁尾版面配置區 5"/>
+          <p:cNvSpPr>
+            <a:spLocks noGrp="1"/>
+          </p:cNvSpPr>
+          <p:nvPr>
+            <p:ph type="ftr" sz="quarter" idx="11"/>
+          </p:nvPr>
+        </p:nvSpPr>
+        <p:spPr>
+          <a:xfrm>
+            <a:off x="5943600" y="6512768"/>
+            <a:ext cx="2895600" cy="228600"/>
+          </a:xfrm>
+        </p:spPr>
+        <p:txBody>
+          <a:bodyPr/>
+          <a:lstStyle/>
+          <a:p>
+            <a:pPr>
+              <a:defRPr/>
+            </a:pPr>
+            <a:r>
+              <a:rPr lang="en-US" altLang="zh-TW" dirty="0" smtClean="0"/>
+              <a:t>Performance Evaluation 2016 Spring</a:t>
+            </a:r>
+            <a:endParaRPr lang="en-US" altLang="zh-TW" dirty="0"/>
+          </a:p>
+        </p:txBody>
+      </p:sp>
+    </p:spTree>
+    <p:extLst>
+      <p:ext uri="{BB962C8B-B14F-4D97-AF65-F5344CB8AC3E}">
+        <p14:creationId xmlns:p14="http://schemas.microsoft.com/office/powerpoint/2010/main" val="814957295"/>
+      </p:ext>
+    </p:extLst>
+  </p:cSld>
+  <p:clrMapOvr>
+    <a:masterClrMapping/>
+  </p:clrMapOvr>
+  <p:timing>
+    <p:tnLst>
+      <p:par>
+        <p:cTn id="1" dur="indefinite" restart="never" nodeType="tmRoot"/>
+      </p:par>
+    </p:tnLst>
+  </p:timing>
+</p:sld>
+</file>
+
+<file path=ppt/slides/slide27.xml><?xml version="1.0" encoding="utf-8"?>
+<p:sld xmlns:a="http://schemas.openxmlformats.org/drawingml/2006/main" xmlns:r="http://schemas.openxmlformats.org/officeDocument/2006/relationships" xmlns:p="http://schemas.openxmlformats.org/presentationml/2006/main">
+  <p:cSld>
+    <p:spTree>
+      <p:nvGrpSpPr>
+        <p:cNvPr id="1" name=""/>
+        <p:cNvGrpSpPr/>
+        <p:nvPr/>
+      </p:nvGrpSpPr>
+      <p:grpSpPr>
+        <a:xfrm>
+          <a:off x="0" y="0"/>
+          <a:ext cx="0" cy="0"/>
+          <a:chOff x="0" y="0"/>
+          <a:chExt cx="0" cy="0"/>
+        </a:xfrm>
+      </p:grpSpPr>
+      <p:pic>
+        <p:nvPicPr>
+          <p:cNvPr id="1028" name="Picture 4"/>
+          <p:cNvPicPr>
+            <a:picLocks noChangeAspect="1" noChangeArrowheads="1"/>
+          </p:cNvPicPr>
+          <p:nvPr/>
+        </p:nvPicPr>
+        <p:blipFill>
+          <a:blip r:embed="rId3">
+            <a:extLst>
+              <a:ext uri="{28A0092B-C50C-407E-A947-70E740481C1C}">
+                <a14:useLocalDpi xmlns:a14="http://schemas.microsoft.com/office/drawing/2010/main" val="0"/>
+              </a:ext>
+            </a:extLst>
+          </a:blip>
+          <a:srcRect/>
+          <a:stretch>
+            <a:fillRect/>
+          </a:stretch>
+        </p:blipFill>
+        <p:spPr bwMode="auto">
+          <a:xfrm>
+            <a:off x="1475655" y="980728"/>
+            <a:ext cx="6382721" cy="5040560"/>
+          </a:xfrm>
+          <a:prstGeom prst="rect">
+            <a:avLst/>
+          </a:prstGeom>
+          <a:noFill/>
+          <a:ln>
+            <a:noFill/>
+          </a:ln>
+          <a:extLst>
+            <a:ext uri="{909E8E84-426E-40DD-AFC4-6F175D3DCCD1}">
+              <a14:hiddenFill xmlns:a14="http://schemas.microsoft.com/office/drawing/2010/main">
+                <a:solidFill>
+                  <a:schemeClr val="accent1"/>
+                </a:solidFill>
+              </a14:hiddenFill>
+            </a:ext>
+            <a:ext uri="{91240B29-F687-4F45-9708-019B960494DF}">
+              <a14:hiddenLine xmlns:a14="http://schemas.microsoft.com/office/drawing/2010/main" w="9525">
+                <a:solidFill>
+                  <a:schemeClr val="tx1"/>
+                </a:solidFill>
+                <a:miter lim="800000"/>
+                <a:headEnd/>
+                <a:tailEnd/>
+              </a14:hiddenLine>
+            </a:ext>
+          </a:extLst>
+        </p:spPr>
+      </p:pic>
+      <p:sp>
+        <p:nvSpPr>
+          <p:cNvPr id="2" name="標題 1"/>
+          <p:cNvSpPr>
+            <a:spLocks noGrp="1"/>
+          </p:cNvSpPr>
+          <p:nvPr>
+            <p:ph type="title"/>
+          </p:nvPr>
+        </p:nvSpPr>
+        <p:spPr/>
+        <p:txBody>
+          <a:bodyPr/>
+          <a:lstStyle/>
+          <a:p>
+            <a:r>
+              <a:rPr lang="en-US" altLang="zh-TW" dirty="0" smtClean="0"/>
+              <a:t>Experiment 1</a:t>
+            </a:r>
+            <a:endParaRPr lang="zh-TW" altLang="en-US" dirty="0"/>
+          </a:p>
+        </p:txBody>
+      </p:sp>
+      <p:sp>
+        <p:nvSpPr>
+          <p:cNvPr id="3" name="內容版面配置區 2"/>
+          <p:cNvSpPr>
+            <a:spLocks noGrp="1"/>
+          </p:cNvSpPr>
+          <p:nvPr>
+            <p:ph idx="1"/>
+          </p:nvPr>
+        </p:nvSpPr>
+        <p:spPr>
+          <a:xfrm>
+            <a:off x="395536" y="6021288"/>
+            <a:ext cx="3898776" cy="675838"/>
+          </a:xfrm>
+        </p:spPr>
+        <p:txBody>
+          <a:bodyPr/>
+          <a:lstStyle/>
+          <a:p>
+            <a:pPr marL="0" indent="0">
+              <a:buNone/>
+            </a:pPr>
+            <a:r>
+              <a:rPr lang="el-GR" altLang="zh-TW" dirty="0" smtClean="0"/>
+              <a:t>λ</a:t>
+            </a:r>
+            <a:r>
+              <a:rPr lang="en-US" altLang="zh-TW" dirty="0" smtClean="0"/>
+              <a:t> : arrival rate of new request</a:t>
+            </a:r>
+          </a:p>
+        </p:txBody>
+      </p:sp>
+      <p:sp>
+        <p:nvSpPr>
+          <p:cNvPr id="5" name="投影片編號版面配置區 4"/>
+          <p:cNvSpPr>
+            <a:spLocks noGrp="1"/>
+          </p:cNvSpPr>
+          <p:nvPr>
+            <p:ph type="sldNum" sz="quarter" idx="12"/>
+          </p:nvPr>
+        </p:nvSpPr>
+        <p:spPr/>
+        <p:txBody>
+          <a:bodyPr/>
+          <a:lstStyle/>
+          <a:p>
+            <a:pPr>
+              <a:defRPr/>
+            </a:pPr>
+            <a:fld id="{7823135A-D7F7-45E8-89D0-FF7E75BBDD99}" type="slidenum">
+              <a:rPr lang="en-US" altLang="zh-TW" smtClean="0"/>
+              <a:pPr>
+                <a:defRPr/>
+              </a:pPr>
+              <a:t>27</a:t>
+            </a:fld>
+            <a:endParaRPr lang="en-US" altLang="zh-TW"/>
+          </a:p>
+        </p:txBody>
+      </p:sp>
+      <p:sp>
+        <p:nvSpPr>
+          <p:cNvPr id="6" name="文字方塊 5"/>
+          <p:cNvSpPr txBox="1"/>
+          <p:nvPr/>
+        </p:nvSpPr>
+        <p:spPr>
+          <a:xfrm>
+            <a:off x="395536" y="4820959"/>
+            <a:ext cx="1440160" cy="1200329"/>
+          </a:xfrm>
+          <a:prstGeom prst="rect">
+            <a:avLst/>
+          </a:prstGeom>
+          <a:noFill/>
+        </p:spPr>
+        <p:txBody>
+          <a:bodyPr wrap="square" rtlCol="0">
+            <a:spAutoFit/>
+          </a:bodyPr>
+          <a:lstStyle/>
+          <a:p>
+            <a:r>
+              <a:rPr lang="el-GR" altLang="zh-TW" dirty="0" smtClean="0"/>
+              <a:t>μ</a:t>
+            </a:r>
+            <a:r>
+              <a:rPr lang="en-US" altLang="zh-TW" dirty="0" smtClean="0"/>
+              <a:t> = 0.00125</a:t>
+            </a:r>
+          </a:p>
+          <a:p>
+            <a:r>
+              <a:rPr lang="el-GR" altLang="zh-TW" dirty="0" smtClean="0"/>
+              <a:t>θ</a:t>
+            </a:r>
+            <a:r>
+              <a:rPr lang="en-US" altLang="zh-TW" dirty="0" smtClean="0"/>
+              <a:t> = 0.001</a:t>
+            </a:r>
+          </a:p>
+          <a:p>
+            <a:r>
+              <a:rPr lang="en-US" altLang="zh-TW" dirty="0"/>
+              <a:t>c</a:t>
+            </a:r>
+            <a:r>
+              <a:rPr lang="en-US" altLang="zh-TW" dirty="0" smtClean="0"/>
+              <a:t> = 0.002</a:t>
+            </a:r>
+          </a:p>
+          <a:p>
+            <a:r>
+              <a:rPr lang="el-GR" altLang="zh-TW" dirty="0"/>
+              <a:t>γ</a:t>
+            </a:r>
+            <a:r>
+              <a:rPr lang="en-US" altLang="zh-TW" dirty="0"/>
+              <a:t> = 0.001</a:t>
+            </a:r>
+            <a:endParaRPr lang="zh-TW" altLang="en-US" dirty="0"/>
+          </a:p>
+        </p:txBody>
+      </p:sp>
+      <p:sp>
+        <p:nvSpPr>
+          <p:cNvPr id="8" name="頁尾版面配置區 5"/>
+          <p:cNvSpPr>
+            <a:spLocks noGrp="1"/>
+          </p:cNvSpPr>
+          <p:nvPr>
+            <p:ph type="ftr" sz="quarter" idx="11"/>
+          </p:nvPr>
+        </p:nvSpPr>
+        <p:spPr>
+          <a:xfrm>
+            <a:off x="5943600" y="6512768"/>
+            <a:ext cx="2895600" cy="228600"/>
+          </a:xfrm>
+        </p:spPr>
+        <p:txBody>
+          <a:bodyPr/>
+          <a:lstStyle/>
+          <a:p>
+            <a:pPr>
+              <a:defRPr/>
+            </a:pPr>
+            <a:r>
+              <a:rPr lang="en-US" altLang="zh-TW" dirty="0" smtClean="0"/>
+              <a:t>Performance Evaluation 2016 Spring</a:t>
+            </a:r>
+            <a:endParaRPr lang="en-US" altLang="zh-TW" dirty="0"/>
+          </a:p>
+        </p:txBody>
+      </p:sp>
+    </p:spTree>
+    <p:extLst>
+      <p:ext uri="{BB962C8B-B14F-4D97-AF65-F5344CB8AC3E}">
+        <p14:creationId xmlns:p14="http://schemas.microsoft.com/office/powerpoint/2010/main" val="336556499"/>
+      </p:ext>
+    </p:extLst>
+  </p:cSld>
+  <p:clrMapOvr>
+    <a:masterClrMapping/>
+  </p:clrMapOvr>
+  <p:timing>
+    <p:tnLst>
+      <p:par>
+        <p:cTn id="1" dur="indefinite" restart="never" nodeType="tmRoot"/>
+      </p:par>
+    </p:tnLst>
+  </p:timing>
+</p:sld>
+</file>
+
+<file path=ppt/slides/slide28.xml><?xml version="1.0" encoding="utf-8"?>
+<p:sld xmlns:a="http://schemas.openxmlformats.org/drawingml/2006/main" xmlns:r="http://schemas.openxmlformats.org/officeDocument/2006/relationships" xmlns:p="http://schemas.openxmlformats.org/presentationml/2006/main">
+  <p:cSld>
+    <p:spTree>
+      <p:nvGrpSpPr>
+        <p:cNvPr id="1" name=""/>
+        <p:cNvGrpSpPr/>
+        <p:nvPr/>
+      </p:nvGrpSpPr>
+      <p:grpSpPr>
+        <a:xfrm>
+          <a:off x="0" y="0"/>
+          <a:ext cx="0" cy="0"/>
+          <a:chOff x="0" y="0"/>
+          <a:chExt cx="0" cy="0"/>
+        </a:xfrm>
+      </p:grpSpPr>
+      <p:sp>
+        <p:nvSpPr>
+          <p:cNvPr id="2" name="標題 1"/>
+          <p:cNvSpPr>
+            <a:spLocks noGrp="1"/>
+          </p:cNvSpPr>
+          <p:nvPr>
+            <p:ph type="title"/>
+          </p:nvPr>
+        </p:nvSpPr>
+        <p:spPr/>
+        <p:txBody>
+          <a:bodyPr/>
+          <a:lstStyle/>
+          <a:p>
+            <a:r>
+              <a:rPr lang="en-US" altLang="zh-TW" dirty="0" smtClean="0"/>
+              <a:t>Experiment 1</a:t>
+            </a:r>
+            <a:endParaRPr lang="zh-TW" altLang="en-US" dirty="0"/>
+          </a:p>
+        </p:txBody>
+      </p:sp>
+      <p:sp>
+        <p:nvSpPr>
+          <p:cNvPr id="5" name="投影片編號版面配置區 4"/>
+          <p:cNvSpPr>
+            <a:spLocks noGrp="1"/>
+          </p:cNvSpPr>
+          <p:nvPr>
+            <p:ph type="sldNum" sz="quarter" idx="12"/>
+          </p:nvPr>
+        </p:nvSpPr>
+        <p:spPr/>
+        <p:txBody>
+          <a:bodyPr/>
+          <a:lstStyle/>
+          <a:p>
+            <a:pPr>
+              <a:defRPr/>
+            </a:pPr>
+            <a:fld id="{7823135A-D7F7-45E8-89D0-FF7E75BBDD99}" type="slidenum">
+              <a:rPr lang="en-US" altLang="zh-TW" smtClean="0"/>
+              <a:pPr>
+                <a:defRPr/>
+              </a:pPr>
+              <a:t>28</a:t>
+            </a:fld>
+            <a:endParaRPr lang="en-US" altLang="zh-TW"/>
+          </a:p>
+        </p:txBody>
+      </p:sp>
+      <p:pic>
+        <p:nvPicPr>
+          <p:cNvPr id="6" name="Picture 5"/>
+          <p:cNvPicPr>
+            <a:picLocks noChangeAspect="1" noChangeArrowheads="1"/>
+          </p:cNvPicPr>
+          <p:nvPr/>
+        </p:nvPicPr>
+        <p:blipFill>
+          <a:blip r:embed="rId2">
+            <a:extLst>
+              <a:ext uri="{28A0092B-C50C-407E-A947-70E740481C1C}">
+                <a14:useLocalDpi xmlns:a14="http://schemas.microsoft.com/office/drawing/2010/main" val="0"/>
+              </a:ext>
+            </a:extLst>
+          </a:blip>
+          <a:srcRect/>
+          <a:stretch>
+            <a:fillRect/>
+          </a:stretch>
+        </p:blipFill>
+        <p:spPr bwMode="auto">
+          <a:xfrm>
+            <a:off x="1364874" y="980728"/>
+            <a:ext cx="6303470" cy="4966370"/>
+          </a:xfrm>
+          <a:prstGeom prst="rect">
+            <a:avLst/>
+          </a:prstGeom>
+          <a:noFill/>
+          <a:ln>
+            <a:noFill/>
+          </a:ln>
+          <a:extLst>
+            <a:ext uri="{909E8E84-426E-40DD-AFC4-6F175D3DCCD1}">
+              <a14:hiddenFill xmlns:a14="http://schemas.microsoft.com/office/drawing/2010/main">
+                <a:solidFill>
+                  <a:schemeClr val="accent1"/>
+                </a:solidFill>
+              </a14:hiddenFill>
+            </a:ext>
+            <a:ext uri="{91240B29-F687-4F45-9708-019B960494DF}">
+              <a14:hiddenLine xmlns:a14="http://schemas.microsoft.com/office/drawing/2010/main" w="9525">
+                <a:solidFill>
+                  <a:schemeClr val="tx1"/>
+                </a:solidFill>
+                <a:miter lim="800000"/>
+                <a:headEnd/>
+                <a:tailEnd/>
+              </a14:hiddenLine>
+            </a:ext>
+          </a:extLst>
+        </p:spPr>
+      </p:pic>
+      <p:sp>
+        <p:nvSpPr>
+          <p:cNvPr id="8" name="內容版面配置區 2"/>
+          <p:cNvSpPr>
+            <a:spLocks noGrp="1"/>
+          </p:cNvSpPr>
+          <p:nvPr>
+            <p:ph idx="1"/>
+          </p:nvPr>
+        </p:nvSpPr>
+        <p:spPr>
+          <a:xfrm>
+            <a:off x="395536" y="6021288"/>
+            <a:ext cx="3898776" cy="675838"/>
+          </a:xfrm>
+        </p:spPr>
+        <p:txBody>
+          <a:bodyPr/>
+          <a:lstStyle/>
+          <a:p>
+            <a:pPr marL="0" indent="0">
+              <a:buNone/>
+            </a:pPr>
+            <a:r>
+              <a:rPr lang="el-GR" altLang="zh-TW" dirty="0" smtClean="0"/>
+              <a:t>λ</a:t>
+            </a:r>
+            <a:r>
+              <a:rPr lang="en-US" altLang="zh-TW" dirty="0" smtClean="0"/>
+              <a:t> : arrival rate of new request</a:t>
+            </a:r>
+          </a:p>
+        </p:txBody>
+      </p:sp>
+      <p:sp>
+        <p:nvSpPr>
+          <p:cNvPr id="9" name="文字方塊 8"/>
+          <p:cNvSpPr txBox="1"/>
+          <p:nvPr/>
+        </p:nvSpPr>
+        <p:spPr>
+          <a:xfrm>
+            <a:off x="395536" y="4820959"/>
+            <a:ext cx="1440160" cy="1200329"/>
+          </a:xfrm>
+          <a:prstGeom prst="rect">
+            <a:avLst/>
+          </a:prstGeom>
+          <a:noFill/>
+        </p:spPr>
+        <p:txBody>
+          <a:bodyPr wrap="square" rtlCol="0">
+            <a:spAutoFit/>
+          </a:bodyPr>
+          <a:lstStyle/>
+          <a:p>
+            <a:r>
+              <a:rPr lang="el-GR" altLang="zh-TW" dirty="0" smtClean="0"/>
+              <a:t>μ</a:t>
+            </a:r>
+            <a:r>
+              <a:rPr lang="en-US" altLang="zh-TW" dirty="0" smtClean="0"/>
+              <a:t> = 0.00125</a:t>
+            </a:r>
+          </a:p>
+          <a:p>
+            <a:r>
+              <a:rPr lang="el-GR" altLang="zh-TW" dirty="0" smtClean="0"/>
+              <a:t>θ</a:t>
+            </a:r>
+            <a:r>
+              <a:rPr lang="en-US" altLang="zh-TW" dirty="0" smtClean="0"/>
+              <a:t> = 0.001</a:t>
+            </a:r>
+          </a:p>
+          <a:p>
+            <a:r>
+              <a:rPr lang="en-US" altLang="zh-TW" dirty="0"/>
+              <a:t>c</a:t>
+            </a:r>
+            <a:r>
+              <a:rPr lang="en-US" altLang="zh-TW" dirty="0" smtClean="0"/>
+              <a:t> = 0.002</a:t>
+            </a:r>
+          </a:p>
+          <a:p>
+            <a:r>
+              <a:rPr lang="el-GR" altLang="zh-TW" dirty="0"/>
+              <a:t>γ</a:t>
+            </a:r>
+            <a:r>
+              <a:rPr lang="en-US" altLang="zh-TW" dirty="0"/>
+              <a:t> = 0.001</a:t>
+            </a:r>
+            <a:endParaRPr lang="zh-TW" altLang="en-US" dirty="0"/>
+          </a:p>
+        </p:txBody>
+      </p:sp>
+      <p:sp>
+        <p:nvSpPr>
+          <p:cNvPr id="10" name="頁尾版面配置區 5"/>
+          <p:cNvSpPr>
+            <a:spLocks noGrp="1"/>
+          </p:cNvSpPr>
+          <p:nvPr>
+            <p:ph type="ftr" sz="quarter" idx="11"/>
+          </p:nvPr>
+        </p:nvSpPr>
+        <p:spPr>
+          <a:xfrm>
+            <a:off x="5943600" y="6512768"/>
+            <a:ext cx="2895600" cy="228600"/>
+          </a:xfrm>
+        </p:spPr>
+        <p:txBody>
+          <a:bodyPr/>
+          <a:lstStyle/>
+          <a:p>
+            <a:pPr>
+              <a:defRPr/>
+            </a:pPr>
+            <a:r>
+              <a:rPr lang="en-US" altLang="zh-TW" dirty="0" smtClean="0"/>
+              <a:t>Performance Evaluation 2016 Spring</a:t>
+            </a:r>
+            <a:endParaRPr lang="en-US" altLang="zh-TW" dirty="0"/>
+          </a:p>
+        </p:txBody>
+      </p:sp>
+    </p:spTree>
+    <p:extLst>
+      <p:ext uri="{BB962C8B-B14F-4D97-AF65-F5344CB8AC3E}">
+        <p14:creationId xmlns:p14="http://schemas.microsoft.com/office/powerpoint/2010/main" val="995718892"/>
+      </p:ext>
+    </p:extLst>
+  </p:cSld>
+  <p:clrMapOvr>
+    <a:masterClrMapping/>
+  </p:clrMapOvr>
+  <p:timing>
+    <p:tnLst>
+      <p:par>
+        <p:cTn id="1" dur="indefinite" restart="never" nodeType="tmRoot"/>
+      </p:par>
+    </p:tnLst>
+  </p:timing>
+</p:sld>
+</file>
+
+<file path=ppt/slides/slide29.xml><?xml version="1.0" encoding="utf-8"?>
+<p:sld xmlns:a="http://schemas.openxmlformats.org/drawingml/2006/main" xmlns:r="http://schemas.openxmlformats.org/officeDocument/2006/relationships" xmlns:p="http://schemas.openxmlformats.org/presentationml/2006/main">
+  <p:cSld>
+    <p:spTree>
+      <p:nvGrpSpPr>
+        <p:cNvPr id="1" name=""/>
+        <p:cNvGrpSpPr/>
+        <p:nvPr/>
+      </p:nvGrpSpPr>
+      <p:grpSpPr>
+        <a:xfrm>
+          <a:off x="0" y="0"/>
+          <a:ext cx="0" cy="0"/>
+          <a:chOff x="0" y="0"/>
+          <a:chExt cx="0" cy="0"/>
+        </a:xfrm>
+      </p:grpSpPr>
+      <p:sp>
+        <p:nvSpPr>
+          <p:cNvPr id="2" name="標題 1"/>
+          <p:cNvSpPr>
+            <a:spLocks noGrp="1"/>
+          </p:cNvSpPr>
+          <p:nvPr>
+            <p:ph type="title"/>
+          </p:nvPr>
+        </p:nvSpPr>
+        <p:spPr/>
+        <p:txBody>
+          <a:bodyPr/>
+          <a:lstStyle/>
+          <a:p>
+            <a:r>
+              <a:rPr lang="en-US" altLang="zh-TW" dirty="0" smtClean="0"/>
+              <a:t>Experiment 2</a:t>
+            </a:r>
+            <a:endParaRPr lang="zh-TW" altLang="en-US" dirty="0"/>
+          </a:p>
+        </p:txBody>
+      </p:sp>
+      <p:sp>
+        <p:nvSpPr>
+          <p:cNvPr id="5" name="投影片編號版面配置區 4"/>
+          <p:cNvSpPr>
+            <a:spLocks noGrp="1"/>
+          </p:cNvSpPr>
+          <p:nvPr>
+            <p:ph type="sldNum" sz="quarter" idx="12"/>
+          </p:nvPr>
+        </p:nvSpPr>
+        <p:spPr/>
+        <p:txBody>
+          <a:bodyPr/>
+          <a:lstStyle/>
+          <a:p>
+            <a:pPr>
+              <a:defRPr/>
+            </a:pPr>
+            <a:fld id="{7823135A-D7F7-45E8-89D0-FF7E75BBDD99}" type="slidenum">
+              <a:rPr lang="en-US" altLang="zh-TW" smtClean="0"/>
+              <a:pPr>
+                <a:defRPr/>
+              </a:pPr>
+              <a:t>29</a:t>
+            </a:fld>
+            <a:endParaRPr lang="en-US" altLang="zh-TW"/>
+          </a:p>
+        </p:txBody>
+      </p:sp>
+      <p:pic>
+        <p:nvPicPr>
+          <p:cNvPr id="2050" name="Picture 2"/>
+          <p:cNvPicPr>
+            <a:picLocks noChangeAspect="1" noChangeArrowheads="1"/>
+          </p:cNvPicPr>
+          <p:nvPr/>
+        </p:nvPicPr>
+        <p:blipFill>
+          <a:blip r:embed="rId2">
+            <a:extLst>
+              <a:ext uri="{28A0092B-C50C-407E-A947-70E740481C1C}">
+                <a14:useLocalDpi xmlns:a14="http://schemas.microsoft.com/office/drawing/2010/main" val="0"/>
+              </a:ext>
+            </a:extLst>
+          </a:blip>
+          <a:srcRect/>
+          <a:stretch>
+            <a:fillRect/>
+          </a:stretch>
+        </p:blipFill>
+        <p:spPr bwMode="auto">
+          <a:xfrm>
+            <a:off x="1480730" y="980728"/>
+            <a:ext cx="6434757" cy="5040560"/>
+          </a:xfrm>
+          <a:prstGeom prst="rect">
+            <a:avLst/>
+          </a:prstGeom>
+          <a:noFill/>
+          <a:ln>
+            <a:noFill/>
+          </a:ln>
+          <a:extLst>
+            <a:ext uri="{909E8E84-426E-40DD-AFC4-6F175D3DCCD1}">
+              <a14:hiddenFill xmlns:a14="http://schemas.microsoft.com/office/drawing/2010/main">
+                <a:solidFill>
+                  <a:schemeClr val="accent1"/>
+                </a:solidFill>
+              </a14:hiddenFill>
+            </a:ext>
+            <a:ext uri="{91240B29-F687-4F45-9708-019B960494DF}">
+              <a14:hiddenLine xmlns:a14="http://schemas.microsoft.com/office/drawing/2010/main" w="9525">
+                <a:solidFill>
+                  <a:schemeClr val="tx1"/>
+                </a:solidFill>
+                <a:miter lim="800000"/>
+                <a:headEnd/>
+                <a:tailEnd/>
+              </a14:hiddenLine>
+            </a:ext>
+          </a:extLst>
+        </p:spPr>
+      </p:pic>
+      <p:sp>
+        <p:nvSpPr>
+          <p:cNvPr id="8" name="文字方塊 7"/>
+          <p:cNvSpPr txBox="1"/>
+          <p:nvPr/>
+        </p:nvSpPr>
+        <p:spPr>
+          <a:xfrm>
+            <a:off x="395536" y="4820959"/>
+            <a:ext cx="1440160" cy="1200329"/>
+          </a:xfrm>
+          <a:prstGeom prst="rect">
+            <a:avLst/>
+          </a:prstGeom>
+          <a:noFill/>
+        </p:spPr>
+        <p:txBody>
+          <a:bodyPr wrap="square" rtlCol="0">
+            <a:spAutoFit/>
+          </a:bodyPr>
+          <a:lstStyle/>
+          <a:p>
+            <a:r>
+              <a:rPr lang="el-GR" altLang="zh-TW" dirty="0" smtClean="0"/>
+              <a:t>μ</a:t>
+            </a:r>
+            <a:r>
+              <a:rPr lang="en-US" altLang="zh-TW" dirty="0" smtClean="0"/>
+              <a:t> = 0.00125</a:t>
+            </a:r>
+          </a:p>
+          <a:p>
+            <a:r>
+              <a:rPr lang="el-GR" altLang="zh-TW" dirty="0" smtClean="0"/>
+              <a:t>θ</a:t>
+            </a:r>
+            <a:r>
+              <a:rPr lang="en-US" altLang="zh-TW" dirty="0" smtClean="0"/>
+              <a:t> = 0.001</a:t>
+            </a:r>
+          </a:p>
+          <a:p>
+            <a:r>
+              <a:rPr lang="en-US" altLang="zh-TW" dirty="0"/>
+              <a:t>c</a:t>
+            </a:r>
+            <a:r>
+              <a:rPr lang="en-US" altLang="zh-TW" dirty="0" smtClean="0"/>
+              <a:t> = 0.002</a:t>
+            </a:r>
+          </a:p>
+          <a:p>
+            <a:r>
+              <a:rPr lang="el-GR" altLang="zh-TW" dirty="0"/>
+              <a:t>γ</a:t>
+            </a:r>
+            <a:r>
+              <a:rPr lang="en-US" altLang="zh-TW" dirty="0"/>
+              <a:t> = </a:t>
+            </a:r>
+            <a:r>
+              <a:rPr lang="en-US" altLang="zh-TW" dirty="0" smtClean="0"/>
+              <a:t>0.005</a:t>
+            </a:r>
+            <a:endParaRPr lang="zh-TW" altLang="en-US" dirty="0"/>
+          </a:p>
+        </p:txBody>
+      </p:sp>
+      <p:sp>
+        <p:nvSpPr>
+          <p:cNvPr id="7" name="內容版面配置區 2"/>
+          <p:cNvSpPr>
+            <a:spLocks noGrp="1"/>
+          </p:cNvSpPr>
+          <p:nvPr>
+            <p:ph idx="1"/>
+          </p:nvPr>
+        </p:nvSpPr>
+        <p:spPr>
+          <a:xfrm>
+            <a:off x="395536" y="6021288"/>
+            <a:ext cx="3898776" cy="675838"/>
+          </a:xfrm>
+        </p:spPr>
+        <p:txBody>
+          <a:bodyPr/>
+          <a:lstStyle/>
+          <a:p>
+            <a:pPr marL="0" indent="0">
+              <a:buNone/>
+            </a:pPr>
+            <a:r>
+              <a:rPr lang="el-GR" altLang="zh-TW" dirty="0" smtClean="0"/>
+              <a:t>λ</a:t>
+            </a:r>
+            <a:r>
+              <a:rPr lang="en-US" altLang="zh-TW" dirty="0" smtClean="0"/>
+              <a:t> : arrival rate of new request</a:t>
+            </a:r>
+          </a:p>
+        </p:txBody>
+      </p:sp>
+      <p:sp>
+        <p:nvSpPr>
+          <p:cNvPr id="9" name="頁尾版面配置區 5"/>
+          <p:cNvSpPr>
+            <a:spLocks noGrp="1"/>
+          </p:cNvSpPr>
+          <p:nvPr>
+            <p:ph type="ftr" sz="quarter" idx="11"/>
+          </p:nvPr>
+        </p:nvSpPr>
+        <p:spPr>
+          <a:xfrm>
+            <a:off x="5943600" y="6512768"/>
+            <a:ext cx="2895600" cy="228600"/>
+          </a:xfrm>
+        </p:spPr>
+        <p:txBody>
+          <a:bodyPr/>
+          <a:lstStyle/>
+          <a:p>
+            <a:pPr>
+              <a:defRPr/>
+            </a:pPr>
+            <a:r>
+              <a:rPr lang="en-US" altLang="zh-TW" dirty="0" smtClean="0"/>
+              <a:t>Performance Evaluation 2016 Spring</a:t>
+            </a:r>
+            <a:endParaRPr lang="en-US" altLang="zh-TW" dirty="0"/>
+          </a:p>
+        </p:txBody>
+      </p:sp>
+    </p:spTree>
+    <p:extLst>
+      <p:ext uri="{BB962C8B-B14F-4D97-AF65-F5344CB8AC3E}">
+        <p14:creationId xmlns:p14="http://schemas.microsoft.com/office/powerpoint/2010/main" val="1854840420"/>
+      </p:ext>
+    </p:extLst>
+  </p:cSld>
+  <p:clrMapOvr>
+    <a:masterClrMapping/>
+  </p:clrMapOvr>
+</p:sld>
+</file>
+
+<file path=ppt/slides/slide3.xml><?xml version="1.0" encoding="utf-8"?>
+<p:sld xmlns:a="http://schemas.openxmlformats.org/drawingml/2006/main" xmlns:r="http://schemas.openxmlformats.org/officeDocument/2006/relationships" xmlns:p="http://schemas.openxmlformats.org/presentationml/2006/main">
+  <p:cSld>
+    <p:spTree>
+      <p:nvGrpSpPr>
+        <p:cNvPr id="1" name=""/>
+        <p:cNvGrpSpPr/>
+        <p:nvPr/>
+      </p:nvGrpSpPr>
+      <p:grpSpPr>
+        <a:xfrm>
+          <a:off x="0" y="0"/>
+          <a:ext cx="0" cy="0"/>
+          <a:chOff x="0" y="0"/>
+          <a:chExt cx="0" cy="0"/>
+        </a:xfrm>
+      </p:grpSpPr>
+      <p:sp>
+        <p:nvSpPr>
           <p:cNvPr id="21506" name="標題 1"/>
           <p:cNvSpPr>
             <a:spLocks noGrp="1"/>
@@ -18653,7 +21978,7 @@
               <a:pPr>
                 <a:defRPr/>
               </a:pPr>
-              <a:t>5</a:t>
+              <a:t>3</a:t>
             </a:fld>
             <a:endParaRPr lang="zh-TW" altLang="en-US"/>
           </a:p>
@@ -18729,7 +22054,7 @@
                 <a:latin typeface="標楷體" pitchFamily="65" charset="-120"/>
                 <a:ea typeface="標楷體" pitchFamily="65" charset="-120"/>
               </a:rPr>
-              <a:t>TBA</a:t>
+              <a:t>Experiments</a:t>
             </a:r>
             <a:endParaRPr kumimoji="0" lang="en-US" altLang="zh-TW" sz="2800" dirty="0">
               <a:latin typeface="標楷體" pitchFamily="65" charset="-120"/>
@@ -18804,13 +22129,13 @@
           <a:lstStyle/>
           <a:p>
             <a:r>
-              <a:rPr kumimoji="0" lang="en-US" altLang="zh-TW" sz="2800" dirty="0" smtClean="0">
+              <a:rPr kumimoji="0" lang="en-US" altLang="zh-TW" sz="2800" b="1" dirty="0" smtClean="0">
                 <a:latin typeface="標楷體" pitchFamily="65" charset="-120"/>
                 <a:ea typeface="標楷體" pitchFamily="65" charset="-120"/>
               </a:rPr>
               <a:t>Introduction to P2P network</a:t>
             </a:r>
-            <a:endParaRPr kumimoji="0" lang="en-US" altLang="zh-TW" sz="2800" dirty="0">
+            <a:endParaRPr kumimoji="0" lang="en-US" altLang="zh-TW" sz="2800" b="1" dirty="0">
               <a:latin typeface="標楷體" pitchFamily="65" charset="-120"/>
               <a:ea typeface="標楷體" pitchFamily="65" charset="-120"/>
             </a:endParaRPr>
@@ -18883,20 +22208,20 @@
           <a:lstStyle/>
           <a:p>
             <a:r>
-              <a:rPr kumimoji="0" lang="en-US" altLang="zh-TW" sz="2800" b="1" dirty="0" smtClean="0">
+              <a:rPr kumimoji="0" lang="en-US" altLang="zh-TW" sz="2800" dirty="0" smtClean="0">
                 <a:latin typeface="標楷體" pitchFamily="65" charset="-120"/>
                 <a:ea typeface="標楷體" pitchFamily="65" charset="-120"/>
               </a:rPr>
               <a:t>Introduction to </a:t>
             </a:r>
             <a:r>
-              <a:rPr kumimoji="0" lang="en-US" altLang="zh-TW" sz="2800" b="1" dirty="0" err="1" smtClean="0">
+              <a:rPr kumimoji="0" lang="en-US" altLang="zh-TW" sz="2800" dirty="0" err="1" smtClean="0">
                 <a:latin typeface="標楷體" pitchFamily="65" charset="-120"/>
                 <a:ea typeface="標楷體" pitchFamily="65" charset="-120"/>
               </a:rPr>
               <a:t>BitTorrent</a:t>
             </a:r>
-            <a:endParaRPr kumimoji="0" lang="en-US" altLang="zh-TW" sz="2800" b="1" dirty="0">
+            <a:endParaRPr kumimoji="0" lang="en-US" altLang="zh-TW" sz="2800" dirty="0">
               <a:latin typeface="標楷體" pitchFamily="65" charset="-120"/>
               <a:ea typeface="標楷體" pitchFamily="65" charset="-120"/>
             </a:endParaRPr>
@@ -20051,7 +23376,5640 @@
                 <a:latin typeface="標楷體" pitchFamily="65" charset="-120"/>
                 <a:ea typeface="標楷體" pitchFamily="65" charset="-120"/>
               </a:rPr>
+              <a:t>Conclusions</a:t>
+            </a:r>
+            <a:endParaRPr kumimoji="0" lang="zh-TW" altLang="en-US" sz="2800" dirty="0">
+              <a:latin typeface="標楷體" pitchFamily="65" charset="-120"/>
+              <a:ea typeface="標楷體" pitchFamily="65" charset="-120"/>
+            </a:endParaRPr>
+          </a:p>
+        </p:txBody>
+      </p:sp>
+      <p:grpSp>
+        <p:nvGrpSpPr>
+          <p:cNvPr id="21525" name="Group 90"/>
+          <p:cNvGrpSpPr>
+            <a:grpSpLocks/>
+          </p:cNvGrpSpPr>
+          <p:nvPr/>
+        </p:nvGrpSpPr>
+        <p:grpSpPr bwMode="auto">
+          <a:xfrm>
+            <a:off x="1979613" y="2585335"/>
+            <a:ext cx="222250" cy="222250"/>
+            <a:chOff x="4803" y="1006"/>
+            <a:chExt cx="416" cy="416"/>
+          </a:xfrm>
+        </p:grpSpPr>
+        <p:sp>
+          <p:nvSpPr>
+            <p:cNvPr id="61" name="Oval 81"/>
+            <p:cNvSpPr>
+              <a:spLocks noChangeArrowheads="1"/>
+            </p:cNvSpPr>
+            <p:nvPr/>
+          </p:nvSpPr>
+          <p:spPr bwMode="gray">
+            <a:xfrm>
+              <a:off x="4803" y="1006"/>
+              <a:ext cx="416" cy="416"/>
+            </a:xfrm>
+            <a:prstGeom prst="ellipse">
+              <a:avLst/>
+            </a:prstGeom>
+            <a:gradFill rotWithShape="1">
+              <a:gsLst>
+                <a:gs pos="0">
+                  <a:srgbClr val="FFFFFF">
+                    <a:gamma/>
+                    <a:shade val="54118"/>
+                    <a:invGamma/>
+                  </a:srgbClr>
+                </a:gs>
+                <a:gs pos="50000">
+                  <a:srgbClr val="FFFFFF"/>
+                </a:gs>
+                <a:gs pos="100000">
+                  <a:srgbClr val="FFFFFF">
+                    <a:gamma/>
+                    <a:shade val="54118"/>
+                    <a:invGamma/>
+                  </a:srgbClr>
+                </a:gs>
+              </a:gsLst>
+              <a:lin ang="18900000" scaled="1"/>
+            </a:gradFill>
+            <a:ln w="9525">
+              <a:solidFill>
+                <a:srgbClr val="DDDDDD"/>
+              </a:solidFill>
+              <a:round/>
+              <a:headEnd/>
+              <a:tailEnd/>
+            </a:ln>
+            <a:effectLst>
+              <a:outerShdw dist="35921" dir="2700000" algn="ctr" rotWithShape="0">
+                <a:schemeClr val="bg2">
+                  <a:alpha val="50000"/>
+                </a:schemeClr>
+              </a:outerShdw>
+            </a:effectLst>
+          </p:spPr>
+          <p:txBody>
+            <a:bodyPr wrap="none" anchor="ctr"/>
+            <a:lstStyle/>
+            <a:p>
+              <a:pPr>
+                <a:defRPr/>
+              </a:pPr>
+              <a:endParaRPr kumimoji="0" lang="zh-TW" altLang="en-US"/>
+            </a:p>
+          </p:txBody>
+        </p:sp>
+        <p:grpSp>
+          <p:nvGrpSpPr>
+            <p:cNvPr id="21528" name="Group 82"/>
+            <p:cNvGrpSpPr>
+              <a:grpSpLocks/>
+            </p:cNvGrpSpPr>
+            <p:nvPr/>
+          </p:nvGrpSpPr>
+          <p:grpSpPr bwMode="auto">
+            <a:xfrm rot="-2288454">
+              <a:off x="4838" y="1034"/>
+              <a:ext cx="348" cy="356"/>
+              <a:chOff x="887" y="2040"/>
+              <a:chExt cx="433" cy="422"/>
+            </a:xfrm>
+          </p:grpSpPr>
+          <p:pic>
+            <p:nvPicPr>
+              <p:cNvPr id="21530" name="Picture 83" descr="circuler_1"/>
+              <p:cNvPicPr>
+                <a:picLocks noChangeAspect="1" noChangeArrowheads="1"/>
+              </p:cNvPicPr>
+              <p:nvPr/>
+            </p:nvPicPr>
+            <p:blipFill>
+              <a:blip r:embed="rId5" cstate="print"/>
+              <a:srcRect/>
+              <a:stretch>
+                <a:fillRect/>
+              </a:stretch>
+            </p:blipFill>
+            <p:spPr bwMode="gray">
+              <a:xfrm>
+                <a:off x="887" y="2040"/>
+                <a:ext cx="430" cy="420"/>
+              </a:xfrm>
+              <a:prstGeom prst="rect">
+                <a:avLst/>
+              </a:prstGeom>
+              <a:noFill/>
+              <a:ln w="9525">
+                <a:noFill/>
+                <a:miter lim="800000"/>
+                <a:headEnd/>
+                <a:tailEnd/>
+              </a:ln>
+            </p:spPr>
+          </p:pic>
+          <p:sp>
+            <p:nvSpPr>
+              <p:cNvPr id="21531" name="Oval 84"/>
+              <p:cNvSpPr>
+                <a:spLocks noChangeArrowheads="1"/>
+              </p:cNvSpPr>
+              <p:nvPr/>
+            </p:nvSpPr>
+            <p:spPr bwMode="gray">
+              <a:xfrm>
+                <a:off x="887" y="2040"/>
+                <a:ext cx="433" cy="422"/>
+              </a:xfrm>
+              <a:prstGeom prst="ellipse">
+                <a:avLst/>
+              </a:prstGeom>
+              <a:solidFill>
+                <a:srgbClr val="FB4F2D">
+                  <a:alpha val="74901"/>
+                </a:srgbClr>
+              </a:solidFill>
+              <a:ln w="9525" algn="ctr">
+                <a:noFill/>
+                <a:round/>
+                <a:headEnd/>
+                <a:tailEnd/>
+              </a:ln>
+            </p:spPr>
+            <p:txBody>
+              <a:bodyPr wrap="none" anchor="ctr"/>
+              <a:lstStyle/>
+              <a:p>
+                <a:endParaRPr kumimoji="0" lang="zh-TW" altLang="en-US"/>
+              </a:p>
+            </p:txBody>
+          </p:sp>
+          <p:pic>
+            <p:nvPicPr>
+              <p:cNvPr id="21532" name="Picture 85" descr="Picture2"/>
+              <p:cNvPicPr>
+                <a:picLocks noChangeAspect="1" noChangeArrowheads="1"/>
+              </p:cNvPicPr>
+              <p:nvPr/>
+            </p:nvPicPr>
+            <p:blipFill>
+              <a:blip r:embed="rId3" cstate="print"/>
+              <a:srcRect/>
+              <a:stretch>
+                <a:fillRect/>
+              </a:stretch>
+            </p:blipFill>
+            <p:spPr bwMode="gray">
+              <a:xfrm>
+                <a:off x="930" y="2044"/>
+                <a:ext cx="345" cy="149"/>
+              </a:xfrm>
+              <a:prstGeom prst="rect">
+                <a:avLst/>
+              </a:prstGeom>
+              <a:noFill/>
+              <a:ln w="9525">
+                <a:noFill/>
+                <a:miter lim="800000"/>
+                <a:headEnd/>
+                <a:tailEnd/>
+              </a:ln>
+            </p:spPr>
+          </p:pic>
+        </p:grpSp>
+        <p:pic>
+          <p:nvPicPr>
+            <p:cNvPr id="21529" name="Picture 89"/>
+            <p:cNvPicPr>
+              <a:picLocks noChangeAspect="1" noChangeArrowheads="1"/>
+            </p:cNvPicPr>
+            <p:nvPr/>
+          </p:nvPicPr>
+          <p:blipFill>
+            <a:blip r:embed="rId6" cstate="print"/>
+            <a:srcRect l="12015" t="9302" r="12404" b="12598"/>
+            <a:stretch>
+              <a:fillRect/>
+            </a:stretch>
+          </p:blipFill>
+          <p:spPr bwMode="gray">
+            <a:xfrm>
+              <a:off x="4830" y="1020"/>
+              <a:ext cx="359" cy="370"/>
+            </a:xfrm>
+            <a:prstGeom prst="rect">
+              <a:avLst/>
+            </a:prstGeom>
+            <a:noFill/>
+            <a:ln w="9525">
+              <a:noFill/>
+              <a:miter lim="800000"/>
+              <a:headEnd/>
+              <a:tailEnd/>
+            </a:ln>
+          </p:spPr>
+        </p:pic>
+      </p:grpSp>
+      <p:sp>
+        <p:nvSpPr>
+          <p:cNvPr id="50" name="頁尾版面配置區 5"/>
+          <p:cNvSpPr>
+            <a:spLocks noGrp="1"/>
+          </p:cNvSpPr>
+          <p:nvPr>
+            <p:ph type="ftr" sz="quarter" idx="11"/>
+          </p:nvPr>
+        </p:nvSpPr>
+        <p:spPr>
+          <a:xfrm>
+            <a:off x="5943600" y="6512768"/>
+            <a:ext cx="2895600" cy="228600"/>
+          </a:xfrm>
+        </p:spPr>
+        <p:txBody>
+          <a:bodyPr/>
+          <a:lstStyle/>
+          <a:p>
+            <a:pPr>
+              <a:defRPr/>
+            </a:pPr>
+            <a:r>
+              <a:rPr lang="en-US" altLang="zh-TW" dirty="0" smtClean="0"/>
+              <a:t>Performance Evaluation 2016 Spring</a:t>
+            </a:r>
+            <a:endParaRPr lang="en-US" altLang="zh-TW" dirty="0"/>
+          </a:p>
+        </p:txBody>
+      </p:sp>
+    </p:spTree>
+    <p:extLst>
+      <p:ext uri="{BB962C8B-B14F-4D97-AF65-F5344CB8AC3E}">
+        <p14:creationId xmlns:p14="http://schemas.microsoft.com/office/powerpoint/2010/main" val="225588526"/>
+      </p:ext>
+    </p:extLst>
+  </p:cSld>
+  <p:clrMapOvr>
+    <a:masterClrMapping/>
+  </p:clrMapOvr>
+  <p:transition/>
+  <p:timing>
+    <p:tnLst>
+      <p:par>
+        <p:cTn id="1" dur="indefinite" restart="never" nodeType="tmRoot"/>
+      </p:par>
+    </p:tnLst>
+  </p:timing>
+</p:sld>
+</file>
+
+<file path=ppt/slides/slide30.xml><?xml version="1.0" encoding="utf-8"?>
+<p:sld xmlns:a="http://schemas.openxmlformats.org/drawingml/2006/main" xmlns:r="http://schemas.openxmlformats.org/officeDocument/2006/relationships" xmlns:p="http://schemas.openxmlformats.org/presentationml/2006/main">
+  <p:cSld>
+    <p:spTree>
+      <p:nvGrpSpPr>
+        <p:cNvPr id="1" name=""/>
+        <p:cNvGrpSpPr/>
+        <p:nvPr/>
+      </p:nvGrpSpPr>
+      <p:grpSpPr>
+        <a:xfrm>
+          <a:off x="0" y="0"/>
+          <a:ext cx="0" cy="0"/>
+          <a:chOff x="0" y="0"/>
+          <a:chExt cx="0" cy="0"/>
+        </a:xfrm>
+      </p:grpSpPr>
+      <p:sp>
+        <p:nvSpPr>
+          <p:cNvPr id="2" name="標題 1"/>
+          <p:cNvSpPr>
+            <a:spLocks noGrp="1"/>
+          </p:cNvSpPr>
+          <p:nvPr>
+            <p:ph type="title"/>
+          </p:nvPr>
+        </p:nvSpPr>
+        <p:spPr/>
+        <p:txBody>
+          <a:bodyPr/>
+          <a:lstStyle/>
+          <a:p>
+            <a:r>
+              <a:rPr lang="en-US" altLang="zh-TW" dirty="0" smtClean="0"/>
+              <a:t>Experiment 2</a:t>
+            </a:r>
+            <a:endParaRPr lang="zh-TW" altLang="en-US" dirty="0"/>
+          </a:p>
+        </p:txBody>
+      </p:sp>
+      <p:sp>
+        <p:nvSpPr>
+          <p:cNvPr id="5" name="投影片編號版面配置區 4"/>
+          <p:cNvSpPr>
+            <a:spLocks noGrp="1"/>
+          </p:cNvSpPr>
+          <p:nvPr>
+            <p:ph type="sldNum" sz="quarter" idx="12"/>
+          </p:nvPr>
+        </p:nvSpPr>
+        <p:spPr/>
+        <p:txBody>
+          <a:bodyPr/>
+          <a:lstStyle/>
+          <a:p>
+            <a:pPr>
+              <a:defRPr/>
+            </a:pPr>
+            <a:fld id="{7823135A-D7F7-45E8-89D0-FF7E75BBDD99}" type="slidenum">
+              <a:rPr lang="en-US" altLang="zh-TW" smtClean="0"/>
+              <a:pPr>
+                <a:defRPr/>
+              </a:pPr>
+              <a:t>30</a:t>
+            </a:fld>
+            <a:endParaRPr lang="en-US" altLang="zh-TW"/>
+          </a:p>
+        </p:txBody>
+      </p:sp>
+      <p:pic>
+        <p:nvPicPr>
+          <p:cNvPr id="3074" name="Picture 2"/>
+          <p:cNvPicPr>
+            <a:picLocks noChangeAspect="1" noChangeArrowheads="1"/>
+          </p:cNvPicPr>
+          <p:nvPr/>
+        </p:nvPicPr>
+        <p:blipFill>
+          <a:blip r:embed="rId2">
+            <a:extLst>
+              <a:ext uri="{28A0092B-C50C-407E-A947-70E740481C1C}">
+                <a14:useLocalDpi xmlns:a14="http://schemas.microsoft.com/office/drawing/2010/main" val="0"/>
+              </a:ext>
+            </a:extLst>
+          </a:blip>
+          <a:srcRect/>
+          <a:stretch>
+            <a:fillRect/>
+          </a:stretch>
+        </p:blipFill>
+        <p:spPr bwMode="auto">
+          <a:xfrm>
+            <a:off x="1859873" y="980728"/>
+            <a:ext cx="6312527" cy="5040560"/>
+          </a:xfrm>
+          <a:prstGeom prst="rect">
+            <a:avLst/>
+          </a:prstGeom>
+          <a:noFill/>
+          <a:ln>
+            <a:noFill/>
+          </a:ln>
+          <a:extLst>
+            <a:ext uri="{909E8E84-426E-40DD-AFC4-6F175D3DCCD1}">
+              <a14:hiddenFill xmlns:a14="http://schemas.microsoft.com/office/drawing/2010/main">
+                <a:solidFill>
+                  <a:schemeClr val="accent1"/>
+                </a:solidFill>
+              </a14:hiddenFill>
+            </a:ext>
+            <a:ext uri="{91240B29-F687-4F45-9708-019B960494DF}">
+              <a14:hiddenLine xmlns:a14="http://schemas.microsoft.com/office/drawing/2010/main" w="9525">
+                <a:solidFill>
+                  <a:schemeClr val="tx1"/>
+                </a:solidFill>
+                <a:miter lim="800000"/>
+                <a:headEnd/>
+                <a:tailEnd/>
+              </a14:hiddenLine>
+            </a:ext>
+          </a:extLst>
+        </p:spPr>
+      </p:pic>
+      <p:sp>
+        <p:nvSpPr>
+          <p:cNvPr id="7" name="文字方塊 6"/>
+          <p:cNvSpPr txBox="1"/>
+          <p:nvPr/>
+        </p:nvSpPr>
+        <p:spPr>
+          <a:xfrm>
+            <a:off x="395536" y="4820959"/>
+            <a:ext cx="1440160" cy="1200329"/>
+          </a:xfrm>
+          <a:prstGeom prst="rect">
+            <a:avLst/>
+          </a:prstGeom>
+          <a:noFill/>
+        </p:spPr>
+        <p:txBody>
+          <a:bodyPr wrap="square" rtlCol="0">
+            <a:spAutoFit/>
+          </a:bodyPr>
+          <a:lstStyle/>
+          <a:p>
+            <a:r>
+              <a:rPr lang="el-GR" altLang="zh-TW" dirty="0" smtClean="0"/>
+              <a:t>μ</a:t>
+            </a:r>
+            <a:r>
+              <a:rPr lang="en-US" altLang="zh-TW" dirty="0" smtClean="0"/>
+              <a:t> = 0.00125</a:t>
+            </a:r>
+          </a:p>
+          <a:p>
+            <a:r>
+              <a:rPr lang="el-GR" altLang="zh-TW" dirty="0" smtClean="0"/>
+              <a:t>θ</a:t>
+            </a:r>
+            <a:r>
+              <a:rPr lang="en-US" altLang="zh-TW" dirty="0" smtClean="0"/>
+              <a:t> = 0.001</a:t>
+            </a:r>
+          </a:p>
+          <a:p>
+            <a:r>
+              <a:rPr lang="en-US" altLang="zh-TW" dirty="0"/>
+              <a:t>c</a:t>
+            </a:r>
+            <a:r>
+              <a:rPr lang="en-US" altLang="zh-TW" dirty="0" smtClean="0"/>
+              <a:t> = 0.002</a:t>
+            </a:r>
+          </a:p>
+          <a:p>
+            <a:r>
+              <a:rPr lang="el-GR" altLang="zh-TW" dirty="0"/>
+              <a:t>γ</a:t>
+            </a:r>
+            <a:r>
+              <a:rPr lang="en-US" altLang="zh-TW" dirty="0"/>
+              <a:t> = </a:t>
+            </a:r>
+            <a:r>
+              <a:rPr lang="en-US" altLang="zh-TW" dirty="0" smtClean="0"/>
+              <a:t>0.005</a:t>
+            </a:r>
+            <a:endParaRPr lang="zh-TW" altLang="en-US" dirty="0"/>
+          </a:p>
+        </p:txBody>
+      </p:sp>
+      <p:sp>
+        <p:nvSpPr>
+          <p:cNvPr id="8" name="內容版面配置區 2"/>
+          <p:cNvSpPr>
+            <a:spLocks noGrp="1"/>
+          </p:cNvSpPr>
+          <p:nvPr>
+            <p:ph idx="1"/>
+          </p:nvPr>
+        </p:nvSpPr>
+        <p:spPr>
+          <a:xfrm>
+            <a:off x="395536" y="6021288"/>
+            <a:ext cx="3898776" cy="675838"/>
+          </a:xfrm>
+        </p:spPr>
+        <p:txBody>
+          <a:bodyPr/>
+          <a:lstStyle/>
+          <a:p>
+            <a:pPr marL="0" indent="0">
+              <a:buNone/>
+            </a:pPr>
+            <a:r>
+              <a:rPr lang="el-GR" altLang="zh-TW" dirty="0" smtClean="0"/>
+              <a:t>λ</a:t>
+            </a:r>
+            <a:r>
+              <a:rPr lang="en-US" altLang="zh-TW" dirty="0" smtClean="0"/>
+              <a:t> : arrival rate of new request</a:t>
+            </a:r>
+          </a:p>
+        </p:txBody>
+      </p:sp>
+      <p:sp>
+        <p:nvSpPr>
+          <p:cNvPr id="9" name="頁尾版面配置區 5"/>
+          <p:cNvSpPr>
+            <a:spLocks noGrp="1"/>
+          </p:cNvSpPr>
+          <p:nvPr>
+            <p:ph type="ftr" sz="quarter" idx="11"/>
+          </p:nvPr>
+        </p:nvSpPr>
+        <p:spPr>
+          <a:xfrm>
+            <a:off x="5943600" y="6512768"/>
+            <a:ext cx="2895600" cy="228600"/>
+          </a:xfrm>
+        </p:spPr>
+        <p:txBody>
+          <a:bodyPr/>
+          <a:lstStyle/>
+          <a:p>
+            <a:pPr>
+              <a:defRPr/>
+            </a:pPr>
+            <a:r>
+              <a:rPr lang="en-US" altLang="zh-TW" dirty="0" smtClean="0"/>
+              <a:t>Performance Evaluation 2016 Spring</a:t>
+            </a:r>
+            <a:endParaRPr lang="en-US" altLang="zh-TW" dirty="0"/>
+          </a:p>
+        </p:txBody>
+      </p:sp>
+    </p:spTree>
+    <p:extLst>
+      <p:ext uri="{BB962C8B-B14F-4D97-AF65-F5344CB8AC3E}">
+        <p14:creationId xmlns:p14="http://schemas.microsoft.com/office/powerpoint/2010/main" val="1430319088"/>
+      </p:ext>
+    </p:extLst>
+  </p:cSld>
+  <p:clrMapOvr>
+    <a:masterClrMapping/>
+  </p:clrMapOvr>
+</p:sld>
+</file>
+
+<file path=ppt/slides/slide31.xml><?xml version="1.0" encoding="utf-8"?>
+<p:sld xmlns:a="http://schemas.openxmlformats.org/drawingml/2006/main" xmlns:r="http://schemas.openxmlformats.org/officeDocument/2006/relationships" xmlns:p="http://schemas.openxmlformats.org/presentationml/2006/main">
+  <p:cSld>
+    <p:spTree>
+      <p:nvGrpSpPr>
+        <p:cNvPr id="1" name=""/>
+        <p:cNvGrpSpPr/>
+        <p:nvPr/>
+      </p:nvGrpSpPr>
+      <p:grpSpPr>
+        <a:xfrm>
+          <a:off x="0" y="0"/>
+          <a:ext cx="0" cy="0"/>
+          <a:chOff x="0" y="0"/>
+          <a:chExt cx="0" cy="0"/>
+        </a:xfrm>
+      </p:grpSpPr>
+      <p:sp>
+        <p:nvSpPr>
+          <p:cNvPr id="2" name="標題 1"/>
+          <p:cNvSpPr>
+            <a:spLocks noGrp="1"/>
+          </p:cNvSpPr>
+          <p:nvPr>
+            <p:ph type="title"/>
+          </p:nvPr>
+        </p:nvSpPr>
+        <p:spPr/>
+        <p:txBody>
+          <a:bodyPr/>
+          <a:lstStyle/>
+          <a:p>
+            <a:r>
+              <a:rPr lang="en-US" altLang="zh-TW" dirty="0" smtClean="0"/>
+              <a:t>Experiment 2</a:t>
+            </a:r>
+            <a:endParaRPr lang="zh-TW" altLang="en-US" dirty="0"/>
+          </a:p>
+        </p:txBody>
+      </p:sp>
+      <p:sp>
+        <p:nvSpPr>
+          <p:cNvPr id="5" name="投影片編號版面配置區 4"/>
+          <p:cNvSpPr>
+            <a:spLocks noGrp="1"/>
+          </p:cNvSpPr>
+          <p:nvPr>
+            <p:ph type="sldNum" sz="quarter" idx="12"/>
+          </p:nvPr>
+        </p:nvSpPr>
+        <p:spPr/>
+        <p:txBody>
+          <a:bodyPr/>
+          <a:lstStyle/>
+          <a:p>
+            <a:pPr>
+              <a:defRPr/>
+            </a:pPr>
+            <a:fld id="{7823135A-D7F7-45E8-89D0-FF7E75BBDD99}" type="slidenum">
+              <a:rPr lang="en-US" altLang="zh-TW" smtClean="0"/>
+              <a:pPr>
+                <a:defRPr/>
+              </a:pPr>
+              <a:t>31</a:t>
+            </a:fld>
+            <a:endParaRPr lang="en-US" altLang="zh-TW"/>
+          </a:p>
+        </p:txBody>
+      </p:sp>
+      <p:pic>
+        <p:nvPicPr>
+          <p:cNvPr id="4098" name="Picture 2"/>
+          <p:cNvPicPr>
+            <a:picLocks noChangeAspect="1" noChangeArrowheads="1"/>
+          </p:cNvPicPr>
+          <p:nvPr/>
+        </p:nvPicPr>
+        <p:blipFill>
+          <a:blip r:embed="rId3">
+            <a:extLst>
+              <a:ext uri="{28A0092B-C50C-407E-A947-70E740481C1C}">
+                <a14:useLocalDpi xmlns:a14="http://schemas.microsoft.com/office/drawing/2010/main" val="0"/>
+              </a:ext>
+            </a:extLst>
+          </a:blip>
+          <a:srcRect/>
+          <a:stretch>
+            <a:fillRect/>
+          </a:stretch>
+        </p:blipFill>
+        <p:spPr bwMode="auto">
+          <a:xfrm>
+            <a:off x="1115616" y="980728"/>
+            <a:ext cx="6355407" cy="4956727"/>
+          </a:xfrm>
+          <a:prstGeom prst="rect">
+            <a:avLst/>
+          </a:prstGeom>
+          <a:noFill/>
+          <a:ln>
+            <a:noFill/>
+          </a:ln>
+          <a:extLst>
+            <a:ext uri="{909E8E84-426E-40DD-AFC4-6F175D3DCCD1}">
+              <a14:hiddenFill xmlns:a14="http://schemas.microsoft.com/office/drawing/2010/main">
+                <a:solidFill>
+                  <a:schemeClr val="accent1"/>
+                </a:solidFill>
+              </a14:hiddenFill>
+            </a:ext>
+            <a:ext uri="{91240B29-F687-4F45-9708-019B960494DF}">
+              <a14:hiddenLine xmlns:a14="http://schemas.microsoft.com/office/drawing/2010/main" w="9525">
+                <a:solidFill>
+                  <a:schemeClr val="tx1"/>
+                </a:solidFill>
+                <a:miter lim="800000"/>
+                <a:headEnd/>
+                <a:tailEnd/>
+              </a14:hiddenLine>
+            </a:ext>
+          </a:extLst>
+        </p:spPr>
+      </p:pic>
+      <p:pic>
+        <p:nvPicPr>
+          <p:cNvPr id="4099" name="Picture 3"/>
+          <p:cNvPicPr>
+            <a:picLocks noChangeAspect="1" noChangeArrowheads="1"/>
+          </p:cNvPicPr>
+          <p:nvPr/>
+        </p:nvPicPr>
+        <p:blipFill>
+          <a:blip r:embed="rId4">
+            <a:extLst>
+              <a:ext uri="{28A0092B-C50C-407E-A947-70E740481C1C}">
+                <a14:useLocalDpi xmlns:a14="http://schemas.microsoft.com/office/drawing/2010/main" val="0"/>
+              </a:ext>
+            </a:extLst>
+          </a:blip>
+          <a:srcRect/>
+          <a:stretch>
+            <a:fillRect/>
+          </a:stretch>
+        </p:blipFill>
+        <p:spPr bwMode="auto">
+          <a:xfrm>
+            <a:off x="7092280" y="3212976"/>
+            <a:ext cx="1895475" cy="1333500"/>
+          </a:xfrm>
+          <a:prstGeom prst="rect">
+            <a:avLst/>
+          </a:prstGeom>
+          <a:noFill/>
+          <a:ln>
+            <a:noFill/>
+          </a:ln>
+          <a:extLst>
+            <a:ext uri="{909E8E84-426E-40DD-AFC4-6F175D3DCCD1}">
+              <a14:hiddenFill xmlns:a14="http://schemas.microsoft.com/office/drawing/2010/main">
+                <a:solidFill>
+                  <a:schemeClr val="accent1"/>
+                </a:solidFill>
+              </a14:hiddenFill>
+            </a:ext>
+            <a:ext uri="{91240B29-F687-4F45-9708-019B960494DF}">
+              <a14:hiddenLine xmlns:a14="http://schemas.microsoft.com/office/drawing/2010/main" w="9525">
+                <a:solidFill>
+                  <a:schemeClr val="tx1"/>
+                </a:solidFill>
+                <a:miter lim="800000"/>
+                <a:headEnd/>
+                <a:tailEnd/>
+              </a14:hiddenLine>
+            </a:ext>
+          </a:extLst>
+        </p:spPr>
+      </p:pic>
+      <p:sp>
+        <p:nvSpPr>
+          <p:cNvPr id="7" name="內容版面配置區 2"/>
+          <p:cNvSpPr>
+            <a:spLocks noGrp="1"/>
+          </p:cNvSpPr>
+          <p:nvPr>
+            <p:ph idx="1"/>
+          </p:nvPr>
+        </p:nvSpPr>
+        <p:spPr>
+          <a:xfrm>
+            <a:off x="395536" y="6021288"/>
+            <a:ext cx="3898776" cy="675838"/>
+          </a:xfrm>
+        </p:spPr>
+        <p:txBody>
+          <a:bodyPr/>
+          <a:lstStyle/>
+          <a:p>
+            <a:pPr marL="0" indent="0">
+              <a:buNone/>
+            </a:pPr>
+            <a:r>
+              <a:rPr lang="el-GR" altLang="zh-TW" dirty="0" smtClean="0"/>
+              <a:t>λ</a:t>
+            </a:r>
+            <a:r>
+              <a:rPr lang="en-US" altLang="zh-TW" dirty="0" smtClean="0"/>
+              <a:t> : arrival rate of new request</a:t>
+            </a:r>
+          </a:p>
+        </p:txBody>
+      </p:sp>
+      <p:sp>
+        <p:nvSpPr>
+          <p:cNvPr id="9" name="頁尾版面配置區 5"/>
+          <p:cNvSpPr>
+            <a:spLocks noGrp="1"/>
+          </p:cNvSpPr>
+          <p:nvPr>
+            <p:ph type="ftr" sz="quarter" idx="11"/>
+          </p:nvPr>
+        </p:nvSpPr>
+        <p:spPr>
+          <a:xfrm>
+            <a:off x="5943600" y="6512768"/>
+            <a:ext cx="2895600" cy="228600"/>
+          </a:xfrm>
+        </p:spPr>
+        <p:txBody>
+          <a:bodyPr/>
+          <a:lstStyle/>
+          <a:p>
+            <a:pPr>
+              <a:defRPr/>
+            </a:pPr>
+            <a:r>
+              <a:rPr lang="en-US" altLang="zh-TW" dirty="0" smtClean="0"/>
+              <a:t>Performance Evaluation 2016 Spring</a:t>
+            </a:r>
+            <a:endParaRPr lang="en-US" altLang="zh-TW" dirty="0"/>
+          </a:p>
+        </p:txBody>
+      </p:sp>
+    </p:spTree>
+    <p:extLst>
+      <p:ext uri="{BB962C8B-B14F-4D97-AF65-F5344CB8AC3E}">
+        <p14:creationId xmlns:p14="http://schemas.microsoft.com/office/powerpoint/2010/main" val="440967498"/>
+      </p:ext>
+    </p:extLst>
+  </p:cSld>
+  <p:clrMapOvr>
+    <a:masterClrMapping/>
+  </p:clrMapOvr>
+</p:sld>
+</file>
+
+<file path=ppt/slides/slide32.xml><?xml version="1.0" encoding="utf-8"?>
+<p:sld xmlns:a="http://schemas.openxmlformats.org/drawingml/2006/main" xmlns:r="http://schemas.openxmlformats.org/officeDocument/2006/relationships" xmlns:p="http://schemas.openxmlformats.org/presentationml/2006/main">
+  <p:cSld>
+    <p:spTree>
+      <p:nvGrpSpPr>
+        <p:cNvPr id="1" name=""/>
+        <p:cNvGrpSpPr/>
+        <p:nvPr/>
+      </p:nvGrpSpPr>
+      <p:grpSpPr>
+        <a:xfrm>
+          <a:off x="0" y="0"/>
+          <a:ext cx="0" cy="0"/>
+          <a:chOff x="0" y="0"/>
+          <a:chExt cx="0" cy="0"/>
+        </a:xfrm>
+      </p:grpSpPr>
+      <p:sp>
+        <p:nvSpPr>
+          <p:cNvPr id="2" name="標題 1"/>
+          <p:cNvSpPr>
+            <a:spLocks noGrp="1"/>
+          </p:cNvSpPr>
+          <p:nvPr>
+            <p:ph type="title"/>
+          </p:nvPr>
+        </p:nvSpPr>
+        <p:spPr/>
+        <p:txBody>
+          <a:bodyPr/>
+          <a:lstStyle/>
+          <a:p>
+            <a:r>
+              <a:rPr lang="en-US" altLang="zh-TW" dirty="0" smtClean="0"/>
+              <a:t>Experiment 2</a:t>
+            </a:r>
+            <a:endParaRPr lang="zh-TW" altLang="en-US" dirty="0"/>
+          </a:p>
+        </p:txBody>
+      </p:sp>
+      <p:sp>
+        <p:nvSpPr>
+          <p:cNvPr id="5" name="投影片編號版面配置區 4"/>
+          <p:cNvSpPr>
+            <a:spLocks noGrp="1"/>
+          </p:cNvSpPr>
+          <p:nvPr>
+            <p:ph type="sldNum" sz="quarter" idx="12"/>
+          </p:nvPr>
+        </p:nvSpPr>
+        <p:spPr/>
+        <p:txBody>
+          <a:bodyPr/>
+          <a:lstStyle/>
+          <a:p>
+            <a:pPr>
+              <a:defRPr/>
+            </a:pPr>
+            <a:fld id="{7823135A-D7F7-45E8-89D0-FF7E75BBDD99}" type="slidenum">
+              <a:rPr lang="en-US" altLang="zh-TW" smtClean="0"/>
+              <a:pPr>
+                <a:defRPr/>
+              </a:pPr>
+              <a:t>32</a:t>
+            </a:fld>
+            <a:endParaRPr lang="en-US" altLang="zh-TW"/>
+          </a:p>
+        </p:txBody>
+      </p:sp>
+      <p:pic>
+        <p:nvPicPr>
+          <p:cNvPr id="5123" name="Picture 3"/>
+          <p:cNvPicPr>
+            <a:picLocks noChangeAspect="1" noChangeArrowheads="1"/>
+          </p:cNvPicPr>
+          <p:nvPr/>
+        </p:nvPicPr>
+        <p:blipFill>
+          <a:blip r:embed="rId3">
+            <a:extLst>
+              <a:ext uri="{28A0092B-C50C-407E-A947-70E740481C1C}">
+                <a14:useLocalDpi xmlns:a14="http://schemas.microsoft.com/office/drawing/2010/main" val="0"/>
+              </a:ext>
+            </a:extLst>
+          </a:blip>
+          <a:srcRect/>
+          <a:stretch>
+            <a:fillRect/>
+          </a:stretch>
+        </p:blipFill>
+        <p:spPr bwMode="auto">
+          <a:xfrm>
+            <a:off x="1132184" y="1052736"/>
+            <a:ext cx="6199586" cy="5112568"/>
+          </a:xfrm>
+          <a:prstGeom prst="rect">
+            <a:avLst/>
+          </a:prstGeom>
+          <a:noFill/>
+          <a:ln>
+            <a:noFill/>
+          </a:ln>
+          <a:extLst>
+            <a:ext uri="{909E8E84-426E-40DD-AFC4-6F175D3DCCD1}">
+              <a14:hiddenFill xmlns:a14="http://schemas.microsoft.com/office/drawing/2010/main">
+                <a:solidFill>
+                  <a:schemeClr val="accent1"/>
+                </a:solidFill>
+              </a14:hiddenFill>
+            </a:ext>
+            <a:ext uri="{91240B29-F687-4F45-9708-019B960494DF}">
+              <a14:hiddenLine xmlns:a14="http://schemas.microsoft.com/office/drawing/2010/main" w="9525">
+                <a:solidFill>
+                  <a:schemeClr val="tx1"/>
+                </a:solidFill>
+                <a:miter lim="800000"/>
+                <a:headEnd/>
+                <a:tailEnd/>
+              </a14:hiddenLine>
+            </a:ext>
+          </a:extLst>
+        </p:spPr>
+      </p:pic>
+      <p:pic>
+        <p:nvPicPr>
+          <p:cNvPr id="5124" name="Picture 4"/>
+          <p:cNvPicPr>
+            <a:picLocks noChangeAspect="1" noChangeArrowheads="1"/>
+          </p:cNvPicPr>
+          <p:nvPr/>
+        </p:nvPicPr>
+        <p:blipFill>
+          <a:blip r:embed="rId4">
+            <a:extLst>
+              <a:ext uri="{28A0092B-C50C-407E-A947-70E740481C1C}">
+                <a14:useLocalDpi xmlns:a14="http://schemas.microsoft.com/office/drawing/2010/main" val="0"/>
+              </a:ext>
+            </a:extLst>
+          </a:blip>
+          <a:srcRect/>
+          <a:stretch>
+            <a:fillRect/>
+          </a:stretch>
+        </p:blipFill>
+        <p:spPr bwMode="auto">
+          <a:xfrm>
+            <a:off x="6948264" y="3212976"/>
+            <a:ext cx="1895475" cy="1333500"/>
+          </a:xfrm>
+          <a:prstGeom prst="rect">
+            <a:avLst/>
+          </a:prstGeom>
+          <a:noFill/>
+          <a:ln>
+            <a:noFill/>
+          </a:ln>
+          <a:extLst>
+            <a:ext uri="{909E8E84-426E-40DD-AFC4-6F175D3DCCD1}">
+              <a14:hiddenFill xmlns:a14="http://schemas.microsoft.com/office/drawing/2010/main">
+                <a:solidFill>
+                  <a:schemeClr val="accent1"/>
+                </a:solidFill>
+              </a14:hiddenFill>
+            </a:ext>
+            <a:ext uri="{91240B29-F687-4F45-9708-019B960494DF}">
+              <a14:hiddenLine xmlns:a14="http://schemas.microsoft.com/office/drawing/2010/main" w="9525">
+                <a:solidFill>
+                  <a:schemeClr val="tx1"/>
+                </a:solidFill>
+                <a:miter lim="800000"/>
+                <a:headEnd/>
+                <a:tailEnd/>
+              </a14:hiddenLine>
+            </a:ext>
+          </a:extLst>
+        </p:spPr>
+      </p:pic>
+      <p:sp>
+        <p:nvSpPr>
+          <p:cNvPr id="7" name="內容版面配置區 2"/>
+          <p:cNvSpPr>
+            <a:spLocks noGrp="1"/>
+          </p:cNvSpPr>
+          <p:nvPr>
+            <p:ph idx="1"/>
+          </p:nvPr>
+        </p:nvSpPr>
+        <p:spPr>
+          <a:xfrm>
+            <a:off x="395536" y="6021288"/>
+            <a:ext cx="3898776" cy="675838"/>
+          </a:xfrm>
+        </p:spPr>
+        <p:txBody>
+          <a:bodyPr/>
+          <a:lstStyle/>
+          <a:p>
+            <a:pPr marL="0" indent="0">
+              <a:buNone/>
+            </a:pPr>
+            <a:r>
+              <a:rPr lang="el-GR" altLang="zh-TW" dirty="0" smtClean="0"/>
+              <a:t>λ</a:t>
+            </a:r>
+            <a:r>
+              <a:rPr lang="en-US" altLang="zh-TW" dirty="0" smtClean="0"/>
+              <a:t> : arrival rate of new request</a:t>
+            </a:r>
+          </a:p>
+        </p:txBody>
+      </p:sp>
+      <p:sp>
+        <p:nvSpPr>
+          <p:cNvPr id="8" name="頁尾版面配置區 5"/>
+          <p:cNvSpPr>
+            <a:spLocks noGrp="1"/>
+          </p:cNvSpPr>
+          <p:nvPr>
+            <p:ph type="ftr" sz="quarter" idx="11"/>
+          </p:nvPr>
+        </p:nvSpPr>
+        <p:spPr>
+          <a:xfrm>
+            <a:off x="5943600" y="6512768"/>
+            <a:ext cx="2895600" cy="228600"/>
+          </a:xfrm>
+        </p:spPr>
+        <p:txBody>
+          <a:bodyPr/>
+          <a:lstStyle/>
+          <a:p>
+            <a:pPr>
+              <a:defRPr/>
+            </a:pPr>
+            <a:r>
+              <a:rPr lang="en-US" altLang="zh-TW" dirty="0" smtClean="0"/>
+              <a:t>Performance Evaluation 2016 Spring</a:t>
+            </a:r>
+            <a:endParaRPr lang="en-US" altLang="zh-TW" dirty="0"/>
+          </a:p>
+        </p:txBody>
+      </p:sp>
+    </p:spTree>
+    <p:extLst>
+      <p:ext uri="{BB962C8B-B14F-4D97-AF65-F5344CB8AC3E}">
+        <p14:creationId xmlns:p14="http://schemas.microsoft.com/office/powerpoint/2010/main" val="708553819"/>
+      </p:ext>
+    </p:extLst>
+  </p:cSld>
+  <p:clrMapOvr>
+    <a:masterClrMapping/>
+  </p:clrMapOvr>
+</p:sld>
+</file>
+
+<file path=ppt/slides/slide33.xml><?xml version="1.0" encoding="utf-8"?>
+<p:sld xmlns:a="http://schemas.openxmlformats.org/drawingml/2006/main" xmlns:r="http://schemas.openxmlformats.org/officeDocument/2006/relationships" xmlns:p="http://schemas.openxmlformats.org/presentationml/2006/main">
+  <p:cSld>
+    <p:spTree>
+      <p:nvGrpSpPr>
+        <p:cNvPr id="1" name=""/>
+        <p:cNvGrpSpPr/>
+        <p:nvPr/>
+      </p:nvGrpSpPr>
+      <p:grpSpPr>
+        <a:xfrm>
+          <a:off x="0" y="0"/>
+          <a:ext cx="0" cy="0"/>
+          <a:chOff x="0" y="0"/>
+          <a:chExt cx="0" cy="0"/>
+        </a:xfrm>
+      </p:grpSpPr>
+      <p:sp>
+        <p:nvSpPr>
+          <p:cNvPr id="2" name="標題 1"/>
+          <p:cNvSpPr>
+            <a:spLocks noGrp="1"/>
+          </p:cNvSpPr>
+          <p:nvPr>
+            <p:ph type="title"/>
+          </p:nvPr>
+        </p:nvSpPr>
+        <p:spPr/>
+        <p:txBody>
+          <a:bodyPr/>
+          <a:lstStyle/>
+          <a:p>
+            <a:r>
+              <a:rPr lang="en-US" altLang="zh-TW" dirty="0" smtClean="0"/>
+              <a:t>Analysis of (1) &amp; (2) </a:t>
+            </a:r>
+            <a:endParaRPr lang="zh-TW" altLang="en-US" dirty="0"/>
+          </a:p>
+        </p:txBody>
+      </p:sp>
+      <p:sp>
+        <p:nvSpPr>
+          <p:cNvPr id="3" name="內容版面配置區 2"/>
+          <p:cNvSpPr>
+            <a:spLocks noGrp="1"/>
+          </p:cNvSpPr>
+          <p:nvPr>
+            <p:ph idx="1"/>
+          </p:nvPr>
+        </p:nvSpPr>
+        <p:spPr/>
+        <p:txBody>
+          <a:bodyPr/>
+          <a:lstStyle/>
+          <a:p>
+            <a:r>
+              <a:rPr lang="en-US" altLang="zh-TW" dirty="0" smtClean="0"/>
+              <a:t>The </a:t>
+            </a:r>
+            <a:r>
+              <a:rPr lang="en-US" altLang="zh-TW" dirty="0"/>
+              <a:t>fluid model is a good approximation </a:t>
+            </a:r>
+            <a:r>
+              <a:rPr lang="en-US" altLang="zh-TW" dirty="0" smtClean="0"/>
+              <a:t>when the </a:t>
+            </a:r>
+            <a:r>
+              <a:rPr lang="en-US" altLang="zh-TW" dirty="0"/>
+              <a:t>arrival rate λ is </a:t>
+            </a:r>
+            <a:r>
+              <a:rPr lang="en-US" altLang="zh-TW" dirty="0" smtClean="0"/>
+              <a:t>large.</a:t>
+            </a:r>
+            <a:endParaRPr lang="en-US" altLang="zh-TW" dirty="0"/>
+          </a:p>
+          <a:p>
+            <a:endParaRPr lang="en-US" altLang="zh-TW" dirty="0" smtClean="0"/>
+          </a:p>
+          <a:p>
+            <a:r>
+              <a:rPr lang="en-US" altLang="zh-TW" dirty="0" smtClean="0"/>
+              <a:t>The </a:t>
+            </a:r>
+            <a:r>
+              <a:rPr lang="en-US" altLang="zh-TW" dirty="0"/>
+              <a:t>approximation is also good for small </a:t>
+            </a:r>
+            <a:r>
+              <a:rPr lang="en-US" altLang="zh-TW" dirty="0" smtClean="0"/>
+              <a:t>λ.</a:t>
+            </a:r>
+            <a:endParaRPr lang="en-US" altLang="zh-TW" dirty="0"/>
+          </a:p>
+          <a:p>
+            <a:endParaRPr lang="en-US" altLang="zh-TW" dirty="0" smtClean="0"/>
+          </a:p>
+          <a:p>
+            <a:r>
+              <a:rPr lang="en-US" altLang="zh-TW" dirty="0" smtClean="0"/>
+              <a:t>The </a:t>
+            </a:r>
+            <a:r>
+              <a:rPr lang="en-US" altLang="zh-TW" dirty="0"/>
+              <a:t>number of downloaders increases </a:t>
+            </a:r>
+            <a:r>
+              <a:rPr lang="en-US" altLang="zh-TW" dirty="0" smtClean="0"/>
+              <a:t>linearly with </a:t>
+            </a:r>
+            <a:r>
+              <a:rPr lang="en-US" altLang="zh-TW" dirty="0"/>
+              <a:t>the arrival rate </a:t>
+            </a:r>
+            <a:r>
+              <a:rPr lang="en-US" altLang="zh-TW" dirty="0" err="1" smtClean="0"/>
+              <a:t>λ</a:t>
+            </a:r>
+            <a:r>
+              <a:rPr lang="en-US" altLang="zh-TW" dirty="0" smtClean="0"/>
+              <a:t> </a:t>
+            </a:r>
+            <a:r>
+              <a:rPr lang="en-US" altLang="zh-TW" dirty="0" smtClean="0">
+                <a:sym typeface="Wingdings"/>
+              </a:rPr>
+              <a:t></a:t>
+            </a:r>
+            <a:r>
+              <a:rPr lang="en-US" altLang="zh-TW" dirty="0" smtClean="0"/>
+              <a:t> </a:t>
+            </a:r>
+            <a:r>
+              <a:rPr lang="en-US" altLang="zh-TW" dirty="0" smtClean="0"/>
+              <a:t>scales well.</a:t>
+            </a:r>
+            <a:endParaRPr lang="en-US" altLang="zh-TW" dirty="0"/>
+          </a:p>
+          <a:p>
+            <a:endParaRPr lang="en-US" altLang="zh-TW" dirty="0" smtClean="0"/>
+          </a:p>
+          <a:p>
+            <a:r>
+              <a:rPr lang="en-US" altLang="zh-TW" dirty="0"/>
+              <a:t>T</a:t>
+            </a:r>
+            <a:r>
+              <a:rPr lang="en-US" altLang="zh-TW" dirty="0" smtClean="0"/>
+              <a:t>he </a:t>
+            </a:r>
+            <a:r>
+              <a:rPr lang="en-US" altLang="zh-TW" dirty="0"/>
+              <a:t>variation in the number of peers </a:t>
+            </a:r>
+            <a:r>
+              <a:rPr lang="en-US" altLang="zh-TW" dirty="0" smtClean="0"/>
+              <a:t>is Gaussian</a:t>
+            </a:r>
+            <a:r>
+              <a:rPr lang="en-US" altLang="zh-TW" dirty="0"/>
+              <a:t>, and is independent of </a:t>
+            </a:r>
+            <a:r>
+              <a:rPr lang="en-US" altLang="zh-TW" dirty="0" smtClean="0"/>
+              <a:t>λ.</a:t>
+            </a:r>
+            <a:endParaRPr lang="zh-TW" altLang="en-US" dirty="0"/>
+          </a:p>
+        </p:txBody>
+      </p:sp>
+      <p:sp>
+        <p:nvSpPr>
+          <p:cNvPr id="5" name="投影片編號版面配置區 4"/>
+          <p:cNvSpPr>
+            <a:spLocks noGrp="1"/>
+          </p:cNvSpPr>
+          <p:nvPr>
+            <p:ph type="sldNum" sz="quarter" idx="12"/>
+          </p:nvPr>
+        </p:nvSpPr>
+        <p:spPr/>
+        <p:txBody>
+          <a:bodyPr/>
+          <a:lstStyle/>
+          <a:p>
+            <a:pPr>
+              <a:defRPr/>
+            </a:pPr>
+            <a:fld id="{7823135A-D7F7-45E8-89D0-FF7E75BBDD99}" type="slidenum">
+              <a:rPr lang="en-US" altLang="zh-TW" smtClean="0"/>
+              <a:pPr>
+                <a:defRPr/>
+              </a:pPr>
+              <a:t>33</a:t>
+            </a:fld>
+            <a:endParaRPr lang="en-US" altLang="zh-TW"/>
+          </a:p>
+        </p:txBody>
+      </p:sp>
+      <p:sp>
+        <p:nvSpPr>
+          <p:cNvPr id="6" name="頁尾版面配置區 5"/>
+          <p:cNvSpPr>
+            <a:spLocks noGrp="1"/>
+          </p:cNvSpPr>
+          <p:nvPr>
+            <p:ph type="ftr" sz="quarter" idx="11"/>
+          </p:nvPr>
+        </p:nvSpPr>
+        <p:spPr>
+          <a:xfrm>
+            <a:off x="5943600" y="6512768"/>
+            <a:ext cx="2895600" cy="228600"/>
+          </a:xfrm>
+        </p:spPr>
+        <p:txBody>
+          <a:bodyPr/>
+          <a:lstStyle/>
+          <a:p>
+            <a:pPr>
+              <a:defRPr/>
+            </a:pPr>
+            <a:r>
+              <a:rPr lang="en-US" altLang="zh-TW" dirty="0" smtClean="0"/>
+              <a:t>Performance Evaluation 2016 Spring</a:t>
+            </a:r>
+            <a:endParaRPr lang="en-US" altLang="zh-TW" dirty="0"/>
+          </a:p>
+        </p:txBody>
+      </p:sp>
+    </p:spTree>
+    <p:extLst>
+      <p:ext uri="{BB962C8B-B14F-4D97-AF65-F5344CB8AC3E}">
+        <p14:creationId xmlns:p14="http://schemas.microsoft.com/office/powerpoint/2010/main" val="282723437"/>
+      </p:ext>
+    </p:extLst>
+  </p:cSld>
+  <p:clrMapOvr>
+    <a:masterClrMapping/>
+  </p:clrMapOvr>
+</p:sld>
+</file>
+
+<file path=ppt/slides/slide34.xml><?xml version="1.0" encoding="utf-8"?>
+<p:sld xmlns:a="http://schemas.openxmlformats.org/drawingml/2006/main" xmlns:r="http://schemas.openxmlformats.org/officeDocument/2006/relationships" xmlns:p="http://schemas.openxmlformats.org/presentationml/2006/main">
+  <p:cSld>
+    <p:spTree>
+      <p:nvGrpSpPr>
+        <p:cNvPr id="1" name=""/>
+        <p:cNvGrpSpPr/>
+        <p:nvPr/>
+      </p:nvGrpSpPr>
+      <p:grpSpPr>
+        <a:xfrm>
+          <a:off x="0" y="0"/>
+          <a:ext cx="0" cy="0"/>
+          <a:chOff x="0" y="0"/>
+          <a:chExt cx="0" cy="0"/>
+        </a:xfrm>
+      </p:grpSpPr>
+      <p:sp>
+        <p:nvSpPr>
+          <p:cNvPr id="2" name="標題 1"/>
+          <p:cNvSpPr>
+            <a:spLocks noGrp="1"/>
+          </p:cNvSpPr>
+          <p:nvPr>
+            <p:ph type="title"/>
+          </p:nvPr>
+        </p:nvSpPr>
+        <p:spPr/>
+        <p:txBody>
+          <a:bodyPr/>
+          <a:lstStyle/>
+          <a:p>
+            <a:r>
+              <a:rPr lang="en-US" altLang="zh-TW" dirty="0" smtClean="0"/>
+              <a:t>Experiment 3 – </a:t>
+            </a:r>
+            <a:r>
+              <a:rPr lang="en-US" altLang="zh-TW" dirty="0" smtClean="0"/>
+              <a:t>Real-world Data</a:t>
+            </a:r>
+            <a:endParaRPr lang="zh-TW" altLang="en-US" dirty="0"/>
+          </a:p>
+        </p:txBody>
+      </p:sp>
+      <p:sp>
+        <p:nvSpPr>
+          <p:cNvPr id="3" name="內容版面配置區 2"/>
+          <p:cNvSpPr>
+            <a:spLocks noGrp="1"/>
+          </p:cNvSpPr>
+          <p:nvPr>
+            <p:ph idx="1"/>
+          </p:nvPr>
+        </p:nvSpPr>
+        <p:spPr/>
+        <p:txBody>
+          <a:bodyPr/>
+          <a:lstStyle/>
+          <a:p>
+            <a:r>
+              <a:rPr lang="en-US" altLang="zh-TW" dirty="0"/>
+              <a:t>A</a:t>
+            </a:r>
+            <a:r>
+              <a:rPr lang="en-US" altLang="zh-TW" dirty="0" smtClean="0"/>
+              <a:t>ssume </a:t>
+            </a:r>
+            <a:r>
+              <a:rPr lang="en-US" altLang="zh-TW" dirty="0"/>
+              <a:t>the system is </a:t>
+            </a:r>
+            <a:r>
+              <a:rPr lang="en-US" altLang="zh-TW" dirty="0" smtClean="0"/>
+              <a:t>upload-limited</a:t>
+            </a:r>
+            <a:r>
+              <a:rPr lang="zh-TW" altLang="en-US" dirty="0" smtClean="0"/>
+              <a:t> </a:t>
+            </a:r>
+            <a:r>
+              <a:rPr lang="en-US" altLang="zh-TW" dirty="0" smtClean="0"/>
+              <a:t>(</a:t>
+            </a:r>
+            <a:r>
+              <a:rPr lang="el-GR" altLang="zh-TW" dirty="0"/>
+              <a:t>γ</a:t>
+            </a:r>
+            <a:r>
+              <a:rPr lang="en-US" altLang="zh-TW" dirty="0"/>
+              <a:t> &gt; </a:t>
+            </a:r>
+            <a:r>
+              <a:rPr lang="el-GR" altLang="zh-TW" dirty="0"/>
+              <a:t>μ</a:t>
+            </a:r>
+            <a:r>
+              <a:rPr lang="en-US" altLang="zh-TW" dirty="0" smtClean="0"/>
+              <a:t>).</a:t>
+            </a:r>
+            <a:endParaRPr lang="en-US" altLang="zh-TW" dirty="0"/>
+          </a:p>
+          <a:p>
+            <a:endParaRPr lang="en-US" altLang="zh-TW" dirty="0" smtClean="0"/>
+          </a:p>
+          <a:p>
+            <a:r>
+              <a:rPr lang="en-US" altLang="zh-TW" dirty="0" smtClean="0"/>
+              <a:t>Measured </a:t>
+            </a:r>
+            <a:r>
+              <a:rPr lang="en-US" altLang="zh-TW" i="1" dirty="0"/>
+              <a:t>λ </a:t>
+            </a:r>
+            <a:r>
+              <a:rPr lang="en-US" altLang="zh-TW" dirty="0"/>
+              <a:t>and </a:t>
+            </a:r>
+            <a:r>
+              <a:rPr lang="en-US" altLang="zh-TW" i="1" dirty="0"/>
+              <a:t>γ </a:t>
+            </a:r>
+            <a:r>
+              <a:rPr lang="en-US" altLang="zh-TW" dirty="0"/>
+              <a:t>are time-dependent</a:t>
+            </a:r>
+          </a:p>
+          <a:p>
+            <a:pPr marL="0" indent="0">
+              <a:buNone/>
+            </a:pPr>
+            <a:r>
+              <a:rPr lang="en-US" altLang="zh-TW" dirty="0" smtClean="0"/>
+              <a:t>	– </a:t>
+            </a:r>
+            <a:r>
+              <a:rPr lang="en-US" altLang="zh-TW" dirty="0"/>
+              <a:t>for t &lt; 800 min, </a:t>
+            </a:r>
+            <a:r>
+              <a:rPr lang="el-GR" altLang="zh-TW" i="1" dirty="0"/>
+              <a:t>λ </a:t>
+            </a:r>
+            <a:r>
+              <a:rPr lang="el-GR" altLang="zh-TW" dirty="0"/>
+              <a:t>= 0.06 </a:t>
+            </a:r>
+            <a:r>
+              <a:rPr lang="el-GR" altLang="zh-TW" i="1" dirty="0"/>
+              <a:t>γ </a:t>
+            </a:r>
+            <a:r>
+              <a:rPr lang="el-GR" altLang="zh-TW" dirty="0"/>
+              <a:t>= 0.001</a:t>
+            </a:r>
+          </a:p>
+          <a:p>
+            <a:pPr marL="0" indent="0">
+              <a:buNone/>
+            </a:pPr>
+            <a:r>
+              <a:rPr lang="en-US" altLang="zh-TW" dirty="0" smtClean="0"/>
+              <a:t>	– </a:t>
+            </a:r>
+            <a:r>
+              <a:rPr lang="en-US" altLang="zh-TW" dirty="0"/>
+              <a:t>for t &gt; 1300 min, </a:t>
+            </a:r>
+            <a:r>
+              <a:rPr lang="el-GR" altLang="zh-TW" i="1" dirty="0"/>
+              <a:t>λ </a:t>
+            </a:r>
+            <a:r>
+              <a:rPr lang="el-GR" altLang="zh-TW" dirty="0"/>
+              <a:t>= 0.03 </a:t>
+            </a:r>
+            <a:r>
+              <a:rPr lang="el-GR" altLang="zh-TW" i="1" dirty="0"/>
+              <a:t>γ </a:t>
+            </a:r>
+            <a:r>
+              <a:rPr lang="el-GR" altLang="zh-TW" dirty="0"/>
+              <a:t>= 0.0044</a:t>
+            </a:r>
+          </a:p>
+          <a:p>
+            <a:pPr marL="0" indent="0">
+              <a:buNone/>
+            </a:pPr>
+            <a:r>
+              <a:rPr lang="en-US" altLang="zh-TW" dirty="0" smtClean="0"/>
+              <a:t>	– </a:t>
+            </a:r>
+            <a:r>
+              <a:rPr lang="en-US" altLang="zh-TW" dirty="0"/>
+              <a:t>in between, they vary linearly</a:t>
+            </a:r>
+          </a:p>
+          <a:p>
+            <a:endParaRPr lang="en-US" altLang="zh-TW" dirty="0" smtClean="0"/>
+          </a:p>
+          <a:p>
+            <a:r>
+              <a:rPr lang="en-US" altLang="zh-TW" dirty="0" smtClean="0"/>
+              <a:t>Also </a:t>
+            </a:r>
+            <a:r>
+              <a:rPr lang="en-US" altLang="zh-TW" dirty="0"/>
+              <a:t>numerically calculate the </a:t>
+            </a:r>
+            <a:r>
+              <a:rPr lang="en-US" altLang="zh-TW" dirty="0" smtClean="0"/>
+              <a:t>expected</a:t>
+            </a:r>
+            <a:r>
+              <a:rPr lang="zh-TW" altLang="en-US" dirty="0" smtClean="0"/>
+              <a:t> </a:t>
+            </a:r>
+            <a:r>
+              <a:rPr lang="en-US" altLang="zh-TW" dirty="0" smtClean="0"/>
+              <a:t>variation </a:t>
+            </a:r>
+            <a:r>
+              <a:rPr lang="en-US" altLang="zh-TW" dirty="0"/>
+              <a:t>from the model as a </a:t>
+            </a:r>
+            <a:r>
+              <a:rPr lang="en-US" altLang="zh-TW" dirty="0" smtClean="0"/>
+              <a:t>95%</a:t>
+            </a:r>
+            <a:r>
+              <a:rPr lang="zh-TW" altLang="en-US" dirty="0" smtClean="0"/>
+              <a:t> </a:t>
+            </a:r>
+            <a:r>
+              <a:rPr lang="en-US" altLang="zh-TW" dirty="0" smtClean="0"/>
+              <a:t>confidence interval.</a:t>
+            </a:r>
+            <a:endParaRPr lang="zh-TW" altLang="en-US" dirty="0"/>
+          </a:p>
+        </p:txBody>
+      </p:sp>
+      <p:sp>
+        <p:nvSpPr>
+          <p:cNvPr id="5" name="投影片編號版面配置區 4"/>
+          <p:cNvSpPr>
+            <a:spLocks noGrp="1"/>
+          </p:cNvSpPr>
+          <p:nvPr>
+            <p:ph type="sldNum" sz="quarter" idx="12"/>
+          </p:nvPr>
+        </p:nvSpPr>
+        <p:spPr/>
+        <p:txBody>
+          <a:bodyPr/>
+          <a:lstStyle/>
+          <a:p>
+            <a:pPr>
+              <a:defRPr/>
+            </a:pPr>
+            <a:fld id="{7823135A-D7F7-45E8-89D0-FF7E75BBDD99}" type="slidenum">
+              <a:rPr lang="en-US" altLang="zh-TW" smtClean="0"/>
+              <a:pPr>
+                <a:defRPr/>
+              </a:pPr>
+              <a:t>34</a:t>
+            </a:fld>
+            <a:endParaRPr lang="en-US" altLang="zh-TW"/>
+          </a:p>
+        </p:txBody>
+      </p:sp>
+      <p:sp>
+        <p:nvSpPr>
+          <p:cNvPr id="6" name="頁尾版面配置區 5"/>
+          <p:cNvSpPr>
+            <a:spLocks noGrp="1"/>
+          </p:cNvSpPr>
+          <p:nvPr>
+            <p:ph type="ftr" sz="quarter" idx="11"/>
+          </p:nvPr>
+        </p:nvSpPr>
+        <p:spPr>
+          <a:xfrm>
+            <a:off x="5943600" y="6512768"/>
+            <a:ext cx="2895600" cy="228600"/>
+          </a:xfrm>
+        </p:spPr>
+        <p:txBody>
+          <a:bodyPr/>
+          <a:lstStyle/>
+          <a:p>
+            <a:pPr>
+              <a:defRPr/>
+            </a:pPr>
+            <a:r>
+              <a:rPr lang="en-US" altLang="zh-TW" dirty="0" smtClean="0"/>
+              <a:t>Performance Evaluation 2016 Spring</a:t>
+            </a:r>
+            <a:endParaRPr lang="en-US" altLang="zh-TW" dirty="0"/>
+          </a:p>
+        </p:txBody>
+      </p:sp>
+    </p:spTree>
+    <p:extLst>
+      <p:ext uri="{BB962C8B-B14F-4D97-AF65-F5344CB8AC3E}">
+        <p14:creationId xmlns:p14="http://schemas.microsoft.com/office/powerpoint/2010/main" val="1498978495"/>
+      </p:ext>
+    </p:extLst>
+  </p:cSld>
+  <p:clrMapOvr>
+    <a:masterClrMapping/>
+  </p:clrMapOvr>
+</p:sld>
+</file>
+
+<file path=ppt/slides/slide35.xml><?xml version="1.0" encoding="utf-8"?>
+<p:sld xmlns:a="http://schemas.openxmlformats.org/drawingml/2006/main" xmlns:r="http://schemas.openxmlformats.org/officeDocument/2006/relationships" xmlns:p="http://schemas.openxmlformats.org/presentationml/2006/main">
+  <p:cSld>
+    <p:spTree>
+      <p:nvGrpSpPr>
+        <p:cNvPr id="1" name=""/>
+        <p:cNvGrpSpPr/>
+        <p:nvPr/>
+      </p:nvGrpSpPr>
+      <p:grpSpPr>
+        <a:xfrm>
+          <a:off x="0" y="0"/>
+          <a:ext cx="0" cy="0"/>
+          <a:chOff x="0" y="0"/>
+          <a:chExt cx="0" cy="0"/>
+        </a:xfrm>
+      </p:grpSpPr>
+      <p:sp>
+        <p:nvSpPr>
+          <p:cNvPr id="2" name="標題 1"/>
+          <p:cNvSpPr>
+            <a:spLocks noGrp="1"/>
+          </p:cNvSpPr>
+          <p:nvPr>
+            <p:ph type="title"/>
+          </p:nvPr>
+        </p:nvSpPr>
+        <p:spPr/>
+        <p:txBody>
+          <a:bodyPr/>
+          <a:lstStyle/>
+          <a:p>
+            <a:r>
+              <a:rPr lang="en-US" altLang="zh-TW" dirty="0" smtClean="0"/>
+              <a:t>Experiment 3</a:t>
+            </a:r>
+            <a:endParaRPr lang="zh-TW" altLang="en-US" dirty="0"/>
+          </a:p>
+        </p:txBody>
+      </p:sp>
+      <p:sp>
+        <p:nvSpPr>
+          <p:cNvPr id="5" name="投影片編號版面配置區 4"/>
+          <p:cNvSpPr>
+            <a:spLocks noGrp="1"/>
+          </p:cNvSpPr>
+          <p:nvPr>
+            <p:ph type="sldNum" sz="quarter" idx="12"/>
+          </p:nvPr>
+        </p:nvSpPr>
+        <p:spPr/>
+        <p:txBody>
+          <a:bodyPr/>
+          <a:lstStyle/>
+          <a:p>
+            <a:pPr>
+              <a:defRPr/>
+            </a:pPr>
+            <a:fld id="{7823135A-D7F7-45E8-89D0-FF7E75BBDD99}" type="slidenum">
+              <a:rPr lang="en-US" altLang="zh-TW" smtClean="0"/>
+              <a:pPr>
+                <a:defRPr/>
+              </a:pPr>
+              <a:t>35</a:t>
+            </a:fld>
+            <a:endParaRPr lang="en-US" altLang="zh-TW"/>
+          </a:p>
+        </p:txBody>
+      </p:sp>
+      <p:pic>
+        <p:nvPicPr>
+          <p:cNvPr id="6146" name="Picture 2"/>
+          <p:cNvPicPr>
+            <a:picLocks noChangeAspect="1" noChangeArrowheads="1"/>
+          </p:cNvPicPr>
+          <p:nvPr/>
+        </p:nvPicPr>
+        <p:blipFill>
+          <a:blip r:embed="rId2">
+            <a:extLst>
+              <a:ext uri="{28A0092B-C50C-407E-A947-70E740481C1C}">
+                <a14:useLocalDpi xmlns:a14="http://schemas.microsoft.com/office/drawing/2010/main" val="0"/>
+              </a:ext>
+            </a:extLst>
+          </a:blip>
+          <a:srcRect/>
+          <a:stretch>
+            <a:fillRect/>
+          </a:stretch>
+        </p:blipFill>
+        <p:spPr bwMode="auto">
+          <a:xfrm>
+            <a:off x="1378713" y="980728"/>
+            <a:ext cx="6577663" cy="5112568"/>
+          </a:xfrm>
+          <a:prstGeom prst="rect">
+            <a:avLst/>
+          </a:prstGeom>
+          <a:noFill/>
+          <a:ln>
+            <a:noFill/>
+          </a:ln>
+          <a:extLst>
+            <a:ext uri="{909E8E84-426E-40DD-AFC4-6F175D3DCCD1}">
+              <a14:hiddenFill xmlns:a14="http://schemas.microsoft.com/office/drawing/2010/main">
+                <a:solidFill>
+                  <a:schemeClr val="accent1"/>
+                </a:solidFill>
+              </a14:hiddenFill>
+            </a:ext>
+            <a:ext uri="{91240B29-F687-4F45-9708-019B960494DF}">
+              <a14:hiddenLine xmlns:a14="http://schemas.microsoft.com/office/drawing/2010/main" w="9525">
+                <a:solidFill>
+                  <a:schemeClr val="tx1"/>
+                </a:solidFill>
+                <a:miter lim="800000"/>
+                <a:headEnd/>
+                <a:tailEnd/>
+              </a14:hiddenLine>
+            </a:ext>
+          </a:extLst>
+        </p:spPr>
+      </p:pic>
+      <p:sp>
+        <p:nvSpPr>
+          <p:cNvPr id="6" name="頁尾版面配置區 5"/>
+          <p:cNvSpPr>
+            <a:spLocks noGrp="1"/>
+          </p:cNvSpPr>
+          <p:nvPr>
+            <p:ph type="ftr" sz="quarter" idx="11"/>
+          </p:nvPr>
+        </p:nvSpPr>
+        <p:spPr>
+          <a:xfrm>
+            <a:off x="5943600" y="6512768"/>
+            <a:ext cx="2895600" cy="228600"/>
+          </a:xfrm>
+        </p:spPr>
+        <p:txBody>
+          <a:bodyPr/>
+          <a:lstStyle/>
+          <a:p>
+            <a:pPr>
+              <a:defRPr/>
+            </a:pPr>
+            <a:r>
+              <a:rPr lang="en-US" altLang="zh-TW" dirty="0" smtClean="0"/>
+              <a:t>Performance Evaluation 2016 Spring</a:t>
+            </a:r>
+            <a:endParaRPr lang="en-US" altLang="zh-TW" dirty="0"/>
+          </a:p>
+        </p:txBody>
+      </p:sp>
+    </p:spTree>
+    <p:extLst>
+      <p:ext uri="{BB962C8B-B14F-4D97-AF65-F5344CB8AC3E}">
+        <p14:creationId xmlns:p14="http://schemas.microsoft.com/office/powerpoint/2010/main" val="1200902508"/>
+      </p:ext>
+    </p:extLst>
+  </p:cSld>
+  <p:clrMapOvr>
+    <a:masterClrMapping/>
+  </p:clrMapOvr>
+</p:sld>
+</file>
+
+<file path=ppt/slides/slide36.xml><?xml version="1.0" encoding="utf-8"?>
+<p:sld xmlns:a="http://schemas.openxmlformats.org/drawingml/2006/main" xmlns:r="http://schemas.openxmlformats.org/officeDocument/2006/relationships" xmlns:p="http://schemas.openxmlformats.org/presentationml/2006/main">
+  <p:cSld>
+    <p:spTree>
+      <p:nvGrpSpPr>
+        <p:cNvPr id="1" name=""/>
+        <p:cNvGrpSpPr/>
+        <p:nvPr/>
+      </p:nvGrpSpPr>
+      <p:grpSpPr>
+        <a:xfrm>
+          <a:off x="0" y="0"/>
+          <a:ext cx="0" cy="0"/>
+          <a:chOff x="0" y="0"/>
+          <a:chExt cx="0" cy="0"/>
+        </a:xfrm>
+      </p:grpSpPr>
+      <p:sp>
+        <p:nvSpPr>
+          <p:cNvPr id="2" name="標題 1"/>
+          <p:cNvSpPr>
+            <a:spLocks noGrp="1"/>
+          </p:cNvSpPr>
+          <p:nvPr>
+            <p:ph type="title"/>
+          </p:nvPr>
+        </p:nvSpPr>
+        <p:spPr/>
+        <p:txBody>
+          <a:bodyPr/>
+          <a:lstStyle/>
+          <a:p>
+            <a:r>
+              <a:rPr lang="en-US" altLang="zh-TW" dirty="0" smtClean="0"/>
+              <a:t>Experiment 3</a:t>
+            </a:r>
+            <a:endParaRPr lang="zh-TW" altLang="en-US" dirty="0"/>
+          </a:p>
+        </p:txBody>
+      </p:sp>
+      <p:sp>
+        <p:nvSpPr>
+          <p:cNvPr id="5" name="投影片編號版面配置區 4"/>
+          <p:cNvSpPr>
+            <a:spLocks noGrp="1"/>
+          </p:cNvSpPr>
+          <p:nvPr>
+            <p:ph type="sldNum" sz="quarter" idx="12"/>
+          </p:nvPr>
+        </p:nvSpPr>
+        <p:spPr/>
+        <p:txBody>
+          <a:bodyPr/>
+          <a:lstStyle/>
+          <a:p>
+            <a:pPr>
+              <a:defRPr/>
+            </a:pPr>
+            <a:fld id="{7823135A-D7F7-45E8-89D0-FF7E75BBDD99}" type="slidenum">
+              <a:rPr lang="en-US" altLang="zh-TW" smtClean="0"/>
+              <a:pPr>
+                <a:defRPr/>
+              </a:pPr>
+              <a:t>36</a:t>
+            </a:fld>
+            <a:endParaRPr lang="en-US" altLang="zh-TW"/>
+          </a:p>
+        </p:txBody>
+      </p:sp>
+      <p:pic>
+        <p:nvPicPr>
+          <p:cNvPr id="7170" name="Picture 2"/>
+          <p:cNvPicPr>
+            <a:picLocks noChangeAspect="1" noChangeArrowheads="1"/>
+          </p:cNvPicPr>
+          <p:nvPr/>
+        </p:nvPicPr>
+        <p:blipFill>
+          <a:blip r:embed="rId2">
+            <a:extLst>
+              <a:ext uri="{28A0092B-C50C-407E-A947-70E740481C1C}">
+                <a14:useLocalDpi xmlns:a14="http://schemas.microsoft.com/office/drawing/2010/main" val="0"/>
+              </a:ext>
+            </a:extLst>
+          </a:blip>
+          <a:srcRect/>
+          <a:stretch>
+            <a:fillRect/>
+          </a:stretch>
+        </p:blipFill>
+        <p:spPr bwMode="auto">
+          <a:xfrm>
+            <a:off x="1347801" y="980727"/>
+            <a:ext cx="6392551" cy="5080873"/>
+          </a:xfrm>
+          <a:prstGeom prst="rect">
+            <a:avLst/>
+          </a:prstGeom>
+          <a:noFill/>
+          <a:ln>
+            <a:noFill/>
+          </a:ln>
+          <a:extLst>
+            <a:ext uri="{909E8E84-426E-40DD-AFC4-6F175D3DCCD1}">
+              <a14:hiddenFill xmlns:a14="http://schemas.microsoft.com/office/drawing/2010/main">
+                <a:solidFill>
+                  <a:schemeClr val="accent1"/>
+                </a:solidFill>
+              </a14:hiddenFill>
+            </a:ext>
+            <a:ext uri="{91240B29-F687-4F45-9708-019B960494DF}">
+              <a14:hiddenLine xmlns:a14="http://schemas.microsoft.com/office/drawing/2010/main" w="9525">
+                <a:solidFill>
+                  <a:schemeClr val="tx1"/>
+                </a:solidFill>
+                <a:miter lim="800000"/>
+                <a:headEnd/>
+                <a:tailEnd/>
+              </a14:hiddenLine>
+            </a:ext>
+          </a:extLst>
+        </p:spPr>
+      </p:pic>
+      <p:sp>
+        <p:nvSpPr>
+          <p:cNvPr id="6" name="頁尾版面配置區 5"/>
+          <p:cNvSpPr>
+            <a:spLocks noGrp="1"/>
+          </p:cNvSpPr>
+          <p:nvPr>
+            <p:ph type="ftr" sz="quarter" idx="11"/>
+          </p:nvPr>
+        </p:nvSpPr>
+        <p:spPr>
+          <a:xfrm>
+            <a:off x="5943600" y="6512768"/>
+            <a:ext cx="2895600" cy="228600"/>
+          </a:xfrm>
+        </p:spPr>
+        <p:txBody>
+          <a:bodyPr/>
+          <a:lstStyle/>
+          <a:p>
+            <a:pPr>
+              <a:defRPr/>
+            </a:pPr>
+            <a:r>
+              <a:rPr lang="en-US" altLang="zh-TW" dirty="0" smtClean="0"/>
+              <a:t>Performance Evaluation 2016 Spring</a:t>
+            </a:r>
+            <a:endParaRPr lang="en-US" altLang="zh-TW" dirty="0"/>
+          </a:p>
+        </p:txBody>
+      </p:sp>
+    </p:spTree>
+    <p:extLst>
+      <p:ext uri="{BB962C8B-B14F-4D97-AF65-F5344CB8AC3E}">
+        <p14:creationId xmlns:p14="http://schemas.microsoft.com/office/powerpoint/2010/main" val="1517137450"/>
+      </p:ext>
+    </p:extLst>
+  </p:cSld>
+  <p:clrMapOvr>
+    <a:masterClrMapping/>
+  </p:clrMapOvr>
+</p:sld>
+</file>
+
+<file path=ppt/slides/slide37.xml><?xml version="1.0" encoding="utf-8"?>
+<p:sld xmlns:a="http://schemas.openxmlformats.org/drawingml/2006/main" xmlns:r="http://schemas.openxmlformats.org/officeDocument/2006/relationships" xmlns:p="http://schemas.openxmlformats.org/presentationml/2006/main">
+  <p:cSld>
+    <p:spTree>
+      <p:nvGrpSpPr>
+        <p:cNvPr id="1" name=""/>
+        <p:cNvGrpSpPr/>
+        <p:nvPr/>
+      </p:nvGrpSpPr>
+      <p:grpSpPr>
+        <a:xfrm>
+          <a:off x="0" y="0"/>
+          <a:ext cx="0" cy="0"/>
+          <a:chOff x="0" y="0"/>
+          <a:chExt cx="0" cy="0"/>
+        </a:xfrm>
+      </p:grpSpPr>
+      <p:sp>
+        <p:nvSpPr>
+          <p:cNvPr id="21506" name="標題 1"/>
+          <p:cNvSpPr>
+            <a:spLocks noGrp="1"/>
+          </p:cNvSpPr>
+          <p:nvPr>
+            <p:ph type="title"/>
+          </p:nvPr>
+        </p:nvSpPr>
+        <p:spPr/>
+        <p:txBody>
+          <a:bodyPr/>
+          <a:lstStyle/>
+          <a:p>
+            <a:pPr eaLnBrk="1" hangingPunct="1"/>
+            <a:r>
+              <a:rPr lang="en-US" altLang="zh-TW" dirty="0" smtClean="0"/>
+              <a:t>Outline</a:t>
+            </a:r>
+            <a:endParaRPr lang="zh-TW" altLang="en-US" dirty="0" smtClean="0"/>
+          </a:p>
+        </p:txBody>
+      </p:sp>
+      <p:sp>
+        <p:nvSpPr>
+          <p:cNvPr id="5" name="投影片編號版面配置區 4"/>
+          <p:cNvSpPr>
+            <a:spLocks noGrp="1"/>
+          </p:cNvSpPr>
+          <p:nvPr>
+            <p:ph type="sldNum" sz="quarter" idx="12"/>
+          </p:nvPr>
+        </p:nvSpPr>
+        <p:spPr/>
+        <p:txBody>
+          <a:bodyPr/>
+          <a:lstStyle/>
+          <a:p>
+            <a:pPr>
+              <a:defRPr/>
+            </a:pPr>
+            <a:fld id="{A1A99DF8-EE35-4789-BEAE-6FED5ECB28A0}" type="slidenum">
+              <a:rPr lang="zh-TW" altLang="en-US" smtClean="0"/>
+              <a:pPr>
+                <a:defRPr/>
+              </a:pPr>
+              <a:t>37</a:t>
+            </a:fld>
+            <a:endParaRPr lang="zh-TW" altLang="en-US"/>
+          </a:p>
+        </p:txBody>
+      </p:sp>
+      <p:sp>
+        <p:nvSpPr>
+          <p:cNvPr id="21508" name="Line 2"/>
+          <p:cNvSpPr>
+            <a:spLocks noChangeShapeType="1"/>
+          </p:cNvSpPr>
+          <p:nvPr/>
+        </p:nvSpPr>
+        <p:spPr bwMode="black">
+          <a:xfrm>
+            <a:off x="2273300" y="4249035"/>
+            <a:ext cx="4800600" cy="0"/>
+          </a:xfrm>
+          <a:prstGeom prst="line">
+            <a:avLst/>
+          </a:prstGeom>
+          <a:noFill/>
+          <a:ln w="28575" cap="rnd">
+            <a:solidFill>
+              <a:schemeClr val="tx1"/>
+            </a:solidFill>
+            <a:prstDash val="sysDot"/>
+            <a:round/>
+            <a:headEnd/>
+            <a:tailEnd/>
+          </a:ln>
+        </p:spPr>
+        <p:txBody>
+          <a:bodyPr/>
+          <a:lstStyle/>
+          <a:p>
+            <a:endParaRPr lang="zh-TW" altLang="en-US"/>
+          </a:p>
+        </p:txBody>
+      </p:sp>
+      <p:sp>
+        <p:nvSpPr>
+          <p:cNvPr id="21509" name="Rectangle 3"/>
+          <p:cNvSpPr>
+            <a:spLocks noChangeArrowheads="1"/>
+          </p:cNvSpPr>
+          <p:nvPr/>
+        </p:nvSpPr>
+        <p:spPr bwMode="black">
+          <a:xfrm>
+            <a:off x="2320925" y="3780722"/>
+            <a:ext cx="4849813" cy="523875"/>
+          </a:xfrm>
+          <a:prstGeom prst="rect">
+            <a:avLst/>
+          </a:prstGeom>
+          <a:noFill/>
+          <a:ln w="9525">
+            <a:noFill/>
+            <a:miter lim="800000"/>
+            <a:headEnd/>
+            <a:tailEnd/>
+          </a:ln>
+        </p:spPr>
+        <p:txBody>
+          <a:bodyPr>
+            <a:spAutoFit/>
+          </a:bodyPr>
+          <a:lstStyle/>
+          <a:p>
+            <a:r>
+              <a:rPr kumimoji="0" lang="en-US" altLang="zh-TW" sz="2800" dirty="0" smtClean="0">
+                <a:latin typeface="標楷體" pitchFamily="65" charset="-120"/>
+                <a:ea typeface="標楷體" pitchFamily="65" charset="-120"/>
+              </a:rPr>
+              <a:t>Experiments</a:t>
+            </a:r>
+            <a:endParaRPr kumimoji="0" lang="en-US" altLang="zh-TW" sz="2800" dirty="0">
+              <a:latin typeface="標楷體" pitchFamily="65" charset="-120"/>
+              <a:ea typeface="標楷體" pitchFamily="65" charset="-120"/>
+            </a:endParaRPr>
+          </a:p>
+        </p:txBody>
+      </p:sp>
+      <p:sp>
+        <p:nvSpPr>
+          <p:cNvPr id="21510" name="Line 4"/>
+          <p:cNvSpPr>
+            <a:spLocks noChangeShapeType="1"/>
+          </p:cNvSpPr>
+          <p:nvPr/>
+        </p:nvSpPr>
+        <p:spPr bwMode="black">
+          <a:xfrm>
+            <a:off x="2273300" y="2317750"/>
+            <a:ext cx="4800600" cy="0"/>
+          </a:xfrm>
+          <a:prstGeom prst="line">
+            <a:avLst/>
+          </a:prstGeom>
+          <a:noFill/>
+          <a:ln w="28575" cap="rnd">
+            <a:solidFill>
+              <a:schemeClr val="tx1"/>
+            </a:solidFill>
+            <a:prstDash val="sysDot"/>
+            <a:round/>
+            <a:headEnd/>
+            <a:tailEnd/>
+          </a:ln>
+        </p:spPr>
+        <p:txBody>
+          <a:bodyPr/>
+          <a:lstStyle/>
+          <a:p>
+            <a:endParaRPr lang="zh-TW" altLang="en-US"/>
+          </a:p>
+        </p:txBody>
+      </p:sp>
+      <p:sp>
+        <p:nvSpPr>
+          <p:cNvPr id="21511" name="Rectangle 8"/>
+          <p:cNvSpPr>
+            <a:spLocks noChangeArrowheads="1"/>
+          </p:cNvSpPr>
+          <p:nvPr/>
+        </p:nvSpPr>
+        <p:spPr bwMode="black">
+          <a:xfrm>
+            <a:off x="2320925" y="1844675"/>
+            <a:ext cx="5131395" cy="523220"/>
+          </a:xfrm>
+          <a:prstGeom prst="rect">
+            <a:avLst/>
+          </a:prstGeom>
+          <a:noFill/>
+          <a:ln w="9525">
+            <a:noFill/>
+            <a:miter lim="800000"/>
+            <a:headEnd/>
+            <a:tailEnd/>
+          </a:ln>
+        </p:spPr>
+        <p:txBody>
+          <a:bodyPr wrap="square">
+            <a:spAutoFit/>
+          </a:bodyPr>
+          <a:lstStyle/>
+          <a:p>
+            <a:r>
+              <a:rPr kumimoji="0" lang="en-US" altLang="zh-TW" sz="2800" dirty="0" smtClean="0">
+                <a:latin typeface="標楷體" pitchFamily="65" charset="-120"/>
+                <a:ea typeface="標楷體" pitchFamily="65" charset="-120"/>
+              </a:rPr>
+              <a:t>Introduction to P2P network</a:t>
+            </a:r>
+            <a:endParaRPr kumimoji="0" lang="en-US" altLang="zh-TW" sz="2800" dirty="0">
+              <a:latin typeface="標楷體" pitchFamily="65" charset="-120"/>
+              <a:ea typeface="標楷體" pitchFamily="65" charset="-120"/>
+            </a:endParaRPr>
+          </a:p>
+        </p:txBody>
+      </p:sp>
+      <p:sp>
+        <p:nvSpPr>
+          <p:cNvPr id="21514" name="Line 11"/>
+          <p:cNvSpPr>
+            <a:spLocks noChangeShapeType="1"/>
+          </p:cNvSpPr>
+          <p:nvPr/>
+        </p:nvSpPr>
+        <p:spPr bwMode="black">
+          <a:xfrm>
+            <a:off x="2273300" y="2939347"/>
+            <a:ext cx="4800600" cy="0"/>
+          </a:xfrm>
+          <a:prstGeom prst="line">
+            <a:avLst/>
+          </a:prstGeom>
+          <a:noFill/>
+          <a:ln w="28575" cap="rnd">
+            <a:solidFill>
+              <a:schemeClr val="tx1"/>
+            </a:solidFill>
+            <a:prstDash val="sysDot"/>
+            <a:round/>
+            <a:headEnd/>
+            <a:tailEnd/>
+          </a:ln>
+        </p:spPr>
+        <p:txBody>
+          <a:bodyPr/>
+          <a:lstStyle/>
+          <a:p>
+            <a:endParaRPr lang="zh-TW" altLang="en-US"/>
+          </a:p>
+        </p:txBody>
+      </p:sp>
+      <p:sp>
+        <p:nvSpPr>
+          <p:cNvPr id="21515" name="Rectangle 12"/>
+          <p:cNvSpPr>
+            <a:spLocks noChangeArrowheads="1"/>
+          </p:cNvSpPr>
+          <p:nvPr/>
+        </p:nvSpPr>
+        <p:spPr bwMode="black">
+          <a:xfrm>
+            <a:off x="2320925" y="2467860"/>
+            <a:ext cx="4849813" cy="523875"/>
+          </a:xfrm>
+          <a:prstGeom prst="rect">
+            <a:avLst/>
+          </a:prstGeom>
+          <a:noFill/>
+          <a:ln w="9525">
+            <a:noFill/>
+            <a:miter lim="800000"/>
+            <a:headEnd/>
+            <a:tailEnd/>
+          </a:ln>
+        </p:spPr>
+        <p:txBody>
+          <a:bodyPr>
+            <a:spAutoFit/>
+          </a:bodyPr>
+          <a:lstStyle/>
+          <a:p>
+            <a:r>
+              <a:rPr kumimoji="0" lang="en-US" altLang="zh-TW" sz="2800" dirty="0" smtClean="0">
+                <a:latin typeface="標楷體" pitchFamily="65" charset="-120"/>
+                <a:ea typeface="標楷體" pitchFamily="65" charset="-120"/>
+              </a:rPr>
+              <a:t>Introduction to </a:t>
+            </a:r>
+            <a:r>
+              <a:rPr kumimoji="0" lang="en-US" altLang="zh-TW" sz="2800" dirty="0" err="1" smtClean="0">
+                <a:latin typeface="標楷體" pitchFamily="65" charset="-120"/>
+                <a:ea typeface="標楷體" pitchFamily="65" charset="-120"/>
+              </a:rPr>
+              <a:t>BitTorrent</a:t>
+            </a:r>
+            <a:endParaRPr kumimoji="0" lang="en-US" altLang="zh-TW" sz="2800" dirty="0">
+              <a:latin typeface="標楷體" pitchFamily="65" charset="-120"/>
+              <a:ea typeface="標楷體" pitchFamily="65" charset="-120"/>
+            </a:endParaRPr>
+          </a:p>
+        </p:txBody>
+      </p:sp>
+      <p:sp>
+        <p:nvSpPr>
+          <p:cNvPr id="21516" name="Line 13"/>
+          <p:cNvSpPr>
+            <a:spLocks noChangeShapeType="1"/>
+          </p:cNvSpPr>
+          <p:nvPr/>
+        </p:nvSpPr>
+        <p:spPr bwMode="black">
+          <a:xfrm>
+            <a:off x="2273300" y="3593397"/>
+            <a:ext cx="4800600" cy="0"/>
+          </a:xfrm>
+          <a:prstGeom prst="line">
+            <a:avLst/>
+          </a:prstGeom>
+          <a:noFill/>
+          <a:ln w="28575" cap="rnd">
+            <a:solidFill>
+              <a:schemeClr val="tx1"/>
+            </a:solidFill>
+            <a:prstDash val="sysDot"/>
+            <a:round/>
+            <a:headEnd/>
+            <a:tailEnd/>
+          </a:ln>
+        </p:spPr>
+        <p:txBody>
+          <a:bodyPr/>
+          <a:lstStyle/>
+          <a:p>
+            <a:endParaRPr lang="zh-TW" altLang="en-US"/>
+          </a:p>
+        </p:txBody>
+      </p:sp>
+      <p:sp>
+        <p:nvSpPr>
+          <p:cNvPr id="21517" name="Rectangle 14"/>
+          <p:cNvSpPr>
+            <a:spLocks noChangeArrowheads="1"/>
+          </p:cNvSpPr>
+          <p:nvPr/>
+        </p:nvSpPr>
+        <p:spPr bwMode="black">
+          <a:xfrm>
+            <a:off x="2320925" y="3125085"/>
+            <a:ext cx="4849813" cy="522287"/>
+          </a:xfrm>
+          <a:prstGeom prst="rect">
+            <a:avLst/>
+          </a:prstGeom>
+          <a:noFill/>
+          <a:ln w="9525">
+            <a:noFill/>
+            <a:miter lim="800000"/>
+            <a:headEnd/>
+            <a:tailEnd/>
+          </a:ln>
+        </p:spPr>
+        <p:txBody>
+          <a:bodyPr>
+            <a:spAutoFit/>
+          </a:bodyPr>
+          <a:lstStyle/>
+          <a:p>
+            <a:r>
+              <a:rPr kumimoji="0" lang="en-US" altLang="zh-TW" sz="2800" dirty="0" smtClean="0">
+                <a:latin typeface="標楷體" pitchFamily="65" charset="-120"/>
+                <a:ea typeface="標楷體" pitchFamily="65" charset="-120"/>
+              </a:rPr>
               <a:t>TBA</a:t>
+            </a:r>
+            <a:endParaRPr kumimoji="0" lang="en-US" altLang="zh-TW" sz="2800" dirty="0">
+              <a:latin typeface="標楷體" pitchFamily="65" charset="-120"/>
+              <a:ea typeface="標楷體" pitchFamily="65" charset="-120"/>
+            </a:endParaRPr>
+          </a:p>
+        </p:txBody>
+      </p:sp>
+      <p:grpSp>
+        <p:nvGrpSpPr>
+          <p:cNvPr id="21518" name="Group 94"/>
+          <p:cNvGrpSpPr>
+            <a:grpSpLocks/>
+          </p:cNvGrpSpPr>
+          <p:nvPr/>
+        </p:nvGrpSpPr>
+        <p:grpSpPr bwMode="auto">
+          <a:xfrm>
+            <a:off x="1979613" y="1936750"/>
+            <a:ext cx="222250" cy="220663"/>
+            <a:chOff x="2543" y="1006"/>
+            <a:chExt cx="416" cy="416"/>
+          </a:xfrm>
+        </p:grpSpPr>
+        <p:sp>
+          <p:nvSpPr>
+            <p:cNvPr id="17" name="Oval 52"/>
+            <p:cNvSpPr>
+              <a:spLocks noChangeArrowheads="1"/>
+            </p:cNvSpPr>
+            <p:nvPr/>
+          </p:nvSpPr>
+          <p:spPr bwMode="gray">
+            <a:xfrm>
+              <a:off x="2543" y="1006"/>
+              <a:ext cx="416" cy="416"/>
+            </a:xfrm>
+            <a:prstGeom prst="ellipse">
+              <a:avLst/>
+            </a:prstGeom>
+            <a:gradFill rotWithShape="1">
+              <a:gsLst>
+                <a:gs pos="0">
+                  <a:srgbClr val="FFFFFF">
+                    <a:gamma/>
+                    <a:shade val="54118"/>
+                    <a:invGamma/>
+                  </a:srgbClr>
+                </a:gs>
+                <a:gs pos="50000">
+                  <a:srgbClr val="FFFFFF"/>
+                </a:gs>
+                <a:gs pos="100000">
+                  <a:srgbClr val="FFFFFF">
+                    <a:gamma/>
+                    <a:shade val="54118"/>
+                    <a:invGamma/>
+                  </a:srgbClr>
+                </a:gs>
+              </a:gsLst>
+              <a:lin ang="18900000" scaled="1"/>
+            </a:gradFill>
+            <a:ln w="9525">
+              <a:solidFill>
+                <a:srgbClr val="DDDDDD"/>
+              </a:solidFill>
+              <a:round/>
+              <a:headEnd/>
+              <a:tailEnd/>
+            </a:ln>
+            <a:effectLst>
+              <a:outerShdw dist="35921" dir="2700000" algn="ctr" rotWithShape="0">
+                <a:schemeClr val="bg2">
+                  <a:alpha val="50000"/>
+                </a:schemeClr>
+              </a:outerShdw>
+            </a:effectLst>
+          </p:spPr>
+          <p:txBody>
+            <a:bodyPr wrap="none" anchor="ctr"/>
+            <a:lstStyle/>
+            <a:p>
+              <a:pPr>
+                <a:defRPr/>
+              </a:pPr>
+              <a:endParaRPr kumimoji="0" lang="zh-TW" altLang="en-US"/>
+            </a:p>
+          </p:txBody>
+        </p:sp>
+        <p:grpSp>
+          <p:nvGrpSpPr>
+            <p:cNvPr id="21558" name="Group 53"/>
+            <p:cNvGrpSpPr>
+              <a:grpSpLocks/>
+            </p:cNvGrpSpPr>
+            <p:nvPr/>
+          </p:nvGrpSpPr>
+          <p:grpSpPr bwMode="auto">
+            <a:xfrm rot="-2288454">
+              <a:off x="2578" y="1034"/>
+              <a:ext cx="348" cy="356"/>
+              <a:chOff x="887" y="2040"/>
+              <a:chExt cx="433" cy="422"/>
+            </a:xfrm>
+          </p:grpSpPr>
+          <p:pic>
+            <p:nvPicPr>
+              <p:cNvPr id="21560" name="Picture 54" descr="circuler_1"/>
+              <p:cNvPicPr>
+                <a:picLocks noChangeAspect="1" noChangeArrowheads="1"/>
+              </p:cNvPicPr>
+              <p:nvPr/>
+            </p:nvPicPr>
+            <p:blipFill>
+              <a:blip r:embed="rId2" cstate="print"/>
+              <a:srcRect/>
+              <a:stretch>
+                <a:fillRect/>
+              </a:stretch>
+            </p:blipFill>
+            <p:spPr bwMode="gray">
+              <a:xfrm>
+                <a:off x="887" y="2040"/>
+                <a:ext cx="430" cy="420"/>
+              </a:xfrm>
+              <a:prstGeom prst="rect">
+                <a:avLst/>
+              </a:prstGeom>
+              <a:noFill/>
+              <a:ln w="9525">
+                <a:noFill/>
+                <a:miter lim="800000"/>
+                <a:headEnd/>
+                <a:tailEnd/>
+              </a:ln>
+            </p:spPr>
+          </p:pic>
+          <p:sp>
+            <p:nvSpPr>
+              <p:cNvPr id="21" name="Oval 55"/>
+              <p:cNvSpPr>
+                <a:spLocks noChangeArrowheads="1"/>
+              </p:cNvSpPr>
+              <p:nvPr/>
+            </p:nvSpPr>
+            <p:spPr bwMode="gray">
+              <a:xfrm>
+                <a:off x="888" y="2039"/>
+                <a:ext cx="433" cy="422"/>
+              </a:xfrm>
+              <a:prstGeom prst="ellipse">
+                <a:avLst/>
+              </a:prstGeom>
+              <a:gradFill rotWithShape="1">
+                <a:gsLst>
+                  <a:gs pos="0">
+                    <a:schemeClr val="accent1">
+                      <a:gamma/>
+                      <a:shade val="34902"/>
+                      <a:invGamma/>
+                      <a:alpha val="89999"/>
+                    </a:schemeClr>
+                  </a:gs>
+                  <a:gs pos="50000">
+                    <a:schemeClr val="accent1">
+                      <a:alpha val="75000"/>
+                    </a:schemeClr>
+                  </a:gs>
+                  <a:gs pos="100000">
+                    <a:schemeClr val="accent1">
+                      <a:gamma/>
+                      <a:shade val="34902"/>
+                      <a:invGamma/>
+                      <a:alpha val="89999"/>
+                    </a:schemeClr>
+                  </a:gs>
+                </a:gsLst>
+                <a:lin ang="18900000" scaled="1"/>
+              </a:gradFill>
+              <a:ln w="9525" algn="ctr">
+                <a:noFill/>
+                <a:round/>
+                <a:headEnd/>
+                <a:tailEnd/>
+              </a:ln>
+              <a:effectLst/>
+            </p:spPr>
+            <p:txBody>
+              <a:bodyPr wrap="none" anchor="ctr"/>
+              <a:lstStyle/>
+              <a:p>
+                <a:pPr>
+                  <a:defRPr/>
+                </a:pPr>
+                <a:endParaRPr kumimoji="0" lang="zh-TW" altLang="en-US"/>
+              </a:p>
+            </p:txBody>
+          </p:sp>
+          <p:pic>
+            <p:nvPicPr>
+              <p:cNvPr id="21562" name="Picture 56" descr="Picture2"/>
+              <p:cNvPicPr>
+                <a:picLocks noChangeAspect="1" noChangeArrowheads="1"/>
+              </p:cNvPicPr>
+              <p:nvPr/>
+            </p:nvPicPr>
+            <p:blipFill>
+              <a:blip r:embed="rId3" cstate="print"/>
+              <a:srcRect/>
+              <a:stretch>
+                <a:fillRect/>
+              </a:stretch>
+            </p:blipFill>
+            <p:spPr bwMode="gray">
+              <a:xfrm>
+                <a:off x="930" y="2044"/>
+                <a:ext cx="345" cy="149"/>
+              </a:xfrm>
+              <a:prstGeom prst="rect">
+                <a:avLst/>
+              </a:prstGeom>
+              <a:noFill/>
+              <a:ln w="9525">
+                <a:noFill/>
+                <a:miter lim="800000"/>
+                <a:headEnd/>
+                <a:tailEnd/>
+              </a:ln>
+            </p:spPr>
+          </p:pic>
+        </p:grpSp>
+        <p:pic>
+          <p:nvPicPr>
+            <p:cNvPr id="21559" name="Picture 57"/>
+            <p:cNvPicPr>
+              <a:picLocks noChangeAspect="1" noChangeArrowheads="1"/>
+            </p:cNvPicPr>
+            <p:nvPr/>
+          </p:nvPicPr>
+          <p:blipFill>
+            <a:blip r:embed="rId4" cstate="print"/>
+            <a:srcRect l="12015" t="9302" r="12404" b="12598"/>
+            <a:stretch>
+              <a:fillRect/>
+            </a:stretch>
+          </p:blipFill>
+          <p:spPr bwMode="gray">
+            <a:xfrm>
+              <a:off x="2570" y="1020"/>
+              <a:ext cx="359" cy="370"/>
+            </a:xfrm>
+            <a:prstGeom prst="rect">
+              <a:avLst/>
+            </a:prstGeom>
+            <a:noFill/>
+            <a:ln w="9525">
+              <a:noFill/>
+              <a:miter lim="800000"/>
+              <a:headEnd/>
+              <a:tailEnd/>
+            </a:ln>
+          </p:spPr>
+        </p:pic>
+      </p:grpSp>
+      <p:grpSp>
+        <p:nvGrpSpPr>
+          <p:cNvPr id="21519" name="Group 92"/>
+          <p:cNvGrpSpPr>
+            <a:grpSpLocks/>
+          </p:cNvGrpSpPr>
+          <p:nvPr/>
+        </p:nvGrpSpPr>
+        <p:grpSpPr bwMode="auto">
+          <a:xfrm>
+            <a:off x="1979613" y="3255260"/>
+            <a:ext cx="222250" cy="222250"/>
+            <a:chOff x="3647" y="1006"/>
+            <a:chExt cx="416" cy="416"/>
+          </a:xfrm>
+        </p:grpSpPr>
+        <p:sp>
+          <p:nvSpPr>
+            <p:cNvPr id="31" name="Oval 67"/>
+            <p:cNvSpPr>
+              <a:spLocks noChangeArrowheads="1"/>
+            </p:cNvSpPr>
+            <p:nvPr/>
+          </p:nvSpPr>
+          <p:spPr bwMode="gray">
+            <a:xfrm>
+              <a:off x="3647" y="1006"/>
+              <a:ext cx="416" cy="416"/>
+            </a:xfrm>
+            <a:prstGeom prst="ellipse">
+              <a:avLst/>
+            </a:prstGeom>
+            <a:gradFill rotWithShape="1">
+              <a:gsLst>
+                <a:gs pos="0">
+                  <a:srgbClr val="FFFFFF">
+                    <a:gamma/>
+                    <a:shade val="54118"/>
+                    <a:invGamma/>
+                  </a:srgbClr>
+                </a:gs>
+                <a:gs pos="50000">
+                  <a:srgbClr val="FFFFFF"/>
+                </a:gs>
+                <a:gs pos="100000">
+                  <a:srgbClr val="FFFFFF">
+                    <a:gamma/>
+                    <a:shade val="54118"/>
+                    <a:invGamma/>
+                  </a:srgbClr>
+                </a:gs>
+              </a:gsLst>
+              <a:lin ang="18900000" scaled="1"/>
+            </a:gradFill>
+            <a:ln w="9525">
+              <a:solidFill>
+                <a:srgbClr val="DDDDDD"/>
+              </a:solidFill>
+              <a:round/>
+              <a:headEnd/>
+              <a:tailEnd/>
+            </a:ln>
+            <a:effectLst>
+              <a:outerShdw dist="35921" dir="2700000" algn="ctr" rotWithShape="0">
+                <a:schemeClr val="bg2">
+                  <a:alpha val="50000"/>
+                </a:schemeClr>
+              </a:outerShdw>
+            </a:effectLst>
+          </p:spPr>
+          <p:txBody>
+            <a:bodyPr wrap="none" anchor="ctr"/>
+            <a:lstStyle/>
+            <a:p>
+              <a:pPr>
+                <a:defRPr/>
+              </a:pPr>
+              <a:endParaRPr kumimoji="0" lang="zh-TW" altLang="en-US"/>
+            </a:p>
+          </p:txBody>
+        </p:sp>
+        <p:grpSp>
+          <p:nvGrpSpPr>
+            <p:cNvPr id="21552" name="Group 68"/>
+            <p:cNvGrpSpPr>
+              <a:grpSpLocks/>
+            </p:cNvGrpSpPr>
+            <p:nvPr/>
+          </p:nvGrpSpPr>
+          <p:grpSpPr bwMode="auto">
+            <a:xfrm rot="-2288454">
+              <a:off x="3682" y="1034"/>
+              <a:ext cx="348" cy="356"/>
+              <a:chOff x="887" y="2040"/>
+              <a:chExt cx="433" cy="422"/>
+            </a:xfrm>
+          </p:grpSpPr>
+          <p:pic>
+            <p:nvPicPr>
+              <p:cNvPr id="21554" name="Picture 69" descr="circuler_1"/>
+              <p:cNvPicPr>
+                <a:picLocks noChangeAspect="1" noChangeArrowheads="1"/>
+              </p:cNvPicPr>
+              <p:nvPr/>
+            </p:nvPicPr>
+            <p:blipFill>
+              <a:blip r:embed="rId5" cstate="print"/>
+              <a:srcRect/>
+              <a:stretch>
+                <a:fillRect/>
+              </a:stretch>
+            </p:blipFill>
+            <p:spPr bwMode="gray">
+              <a:xfrm>
+                <a:off x="887" y="2040"/>
+                <a:ext cx="430" cy="420"/>
+              </a:xfrm>
+              <a:prstGeom prst="rect">
+                <a:avLst/>
+              </a:prstGeom>
+              <a:noFill/>
+              <a:ln w="9525">
+                <a:noFill/>
+                <a:miter lim="800000"/>
+                <a:headEnd/>
+                <a:tailEnd/>
+              </a:ln>
+            </p:spPr>
+          </p:pic>
+          <p:sp>
+            <p:nvSpPr>
+              <p:cNvPr id="35" name="Oval 70"/>
+              <p:cNvSpPr>
+                <a:spLocks noChangeArrowheads="1"/>
+              </p:cNvSpPr>
+              <p:nvPr/>
+            </p:nvSpPr>
+            <p:spPr bwMode="gray">
+              <a:xfrm>
+                <a:off x="888" y="2039"/>
+                <a:ext cx="433" cy="423"/>
+              </a:xfrm>
+              <a:prstGeom prst="ellipse">
+                <a:avLst/>
+              </a:prstGeom>
+              <a:gradFill rotWithShape="1">
+                <a:gsLst>
+                  <a:gs pos="0">
+                    <a:schemeClr val="hlink">
+                      <a:gamma/>
+                      <a:shade val="34902"/>
+                      <a:invGamma/>
+                      <a:alpha val="89999"/>
+                    </a:schemeClr>
+                  </a:gs>
+                  <a:gs pos="50000">
+                    <a:schemeClr val="hlink">
+                      <a:alpha val="75000"/>
+                    </a:schemeClr>
+                  </a:gs>
+                  <a:gs pos="100000">
+                    <a:schemeClr val="hlink">
+                      <a:gamma/>
+                      <a:shade val="34902"/>
+                      <a:invGamma/>
+                      <a:alpha val="89999"/>
+                    </a:schemeClr>
+                  </a:gs>
+                </a:gsLst>
+                <a:lin ang="18900000" scaled="1"/>
+              </a:gradFill>
+              <a:ln w="9525" algn="ctr">
+                <a:noFill/>
+                <a:round/>
+                <a:headEnd/>
+                <a:tailEnd/>
+              </a:ln>
+              <a:effectLst/>
+            </p:spPr>
+            <p:txBody>
+              <a:bodyPr wrap="none" anchor="ctr"/>
+              <a:lstStyle/>
+              <a:p>
+                <a:pPr>
+                  <a:defRPr/>
+                </a:pPr>
+                <a:endParaRPr kumimoji="0" lang="zh-TW" altLang="en-US"/>
+              </a:p>
+            </p:txBody>
+          </p:sp>
+          <p:pic>
+            <p:nvPicPr>
+              <p:cNvPr id="21556" name="Picture 71" descr="Picture2"/>
+              <p:cNvPicPr>
+                <a:picLocks noChangeAspect="1" noChangeArrowheads="1"/>
+              </p:cNvPicPr>
+              <p:nvPr/>
+            </p:nvPicPr>
+            <p:blipFill>
+              <a:blip r:embed="rId3" cstate="print"/>
+              <a:srcRect/>
+              <a:stretch>
+                <a:fillRect/>
+              </a:stretch>
+            </p:blipFill>
+            <p:spPr bwMode="gray">
+              <a:xfrm>
+                <a:off x="930" y="2044"/>
+                <a:ext cx="345" cy="149"/>
+              </a:xfrm>
+              <a:prstGeom prst="rect">
+                <a:avLst/>
+              </a:prstGeom>
+              <a:noFill/>
+              <a:ln w="9525">
+                <a:noFill/>
+                <a:miter lim="800000"/>
+                <a:headEnd/>
+                <a:tailEnd/>
+              </a:ln>
+            </p:spPr>
+          </p:pic>
+        </p:grpSp>
+        <p:pic>
+          <p:nvPicPr>
+            <p:cNvPr id="21553" name="Picture 87"/>
+            <p:cNvPicPr>
+              <a:picLocks noChangeAspect="1" noChangeArrowheads="1"/>
+            </p:cNvPicPr>
+            <p:nvPr/>
+          </p:nvPicPr>
+          <p:blipFill>
+            <a:blip r:embed="rId6" cstate="print"/>
+            <a:srcRect l="12015" t="9302" r="12404" b="12598"/>
+            <a:stretch>
+              <a:fillRect/>
+            </a:stretch>
+          </p:blipFill>
+          <p:spPr bwMode="gray">
+            <a:xfrm>
+              <a:off x="3676" y="1020"/>
+              <a:ext cx="359" cy="370"/>
+            </a:xfrm>
+            <a:prstGeom prst="rect">
+              <a:avLst/>
+            </a:prstGeom>
+            <a:noFill/>
+            <a:ln w="9525">
+              <a:noFill/>
+              <a:miter lim="800000"/>
+              <a:headEnd/>
+              <a:tailEnd/>
+            </a:ln>
+          </p:spPr>
+        </p:pic>
+      </p:grpSp>
+      <p:grpSp>
+        <p:nvGrpSpPr>
+          <p:cNvPr id="21520" name="Group 91"/>
+          <p:cNvGrpSpPr>
+            <a:grpSpLocks/>
+          </p:cNvGrpSpPr>
+          <p:nvPr/>
+        </p:nvGrpSpPr>
+        <p:grpSpPr bwMode="auto">
+          <a:xfrm>
+            <a:off x="1979613" y="3925185"/>
+            <a:ext cx="222250" cy="222250"/>
+            <a:chOff x="4213" y="1006"/>
+            <a:chExt cx="416" cy="416"/>
+          </a:xfrm>
+        </p:grpSpPr>
+        <p:sp>
+          <p:nvSpPr>
+            <p:cNvPr id="38" name="Oval 72"/>
+            <p:cNvSpPr>
+              <a:spLocks noChangeArrowheads="1"/>
+            </p:cNvSpPr>
+            <p:nvPr/>
+          </p:nvSpPr>
+          <p:spPr bwMode="gray">
+            <a:xfrm>
+              <a:off x="4213" y="1006"/>
+              <a:ext cx="416" cy="416"/>
+            </a:xfrm>
+            <a:prstGeom prst="ellipse">
+              <a:avLst/>
+            </a:prstGeom>
+            <a:gradFill rotWithShape="1">
+              <a:gsLst>
+                <a:gs pos="0">
+                  <a:srgbClr val="FFFFFF">
+                    <a:gamma/>
+                    <a:shade val="54118"/>
+                    <a:invGamma/>
+                  </a:srgbClr>
+                </a:gs>
+                <a:gs pos="50000">
+                  <a:srgbClr val="FFFFFF"/>
+                </a:gs>
+                <a:gs pos="100000">
+                  <a:srgbClr val="FFFFFF">
+                    <a:gamma/>
+                    <a:shade val="54118"/>
+                    <a:invGamma/>
+                  </a:srgbClr>
+                </a:gs>
+              </a:gsLst>
+              <a:lin ang="18900000" scaled="1"/>
+            </a:gradFill>
+            <a:ln w="9525">
+              <a:solidFill>
+                <a:srgbClr val="DDDDDD"/>
+              </a:solidFill>
+              <a:round/>
+              <a:headEnd/>
+              <a:tailEnd/>
+            </a:ln>
+            <a:effectLst>
+              <a:outerShdw dist="35921" dir="2700000" algn="ctr" rotWithShape="0">
+                <a:schemeClr val="bg2">
+                  <a:alpha val="50000"/>
+                </a:schemeClr>
+              </a:outerShdw>
+            </a:effectLst>
+          </p:spPr>
+          <p:txBody>
+            <a:bodyPr wrap="none" anchor="ctr"/>
+            <a:lstStyle/>
+            <a:p>
+              <a:pPr>
+                <a:defRPr/>
+              </a:pPr>
+              <a:endParaRPr kumimoji="0" lang="zh-TW" altLang="en-US"/>
+            </a:p>
+          </p:txBody>
+        </p:sp>
+        <p:grpSp>
+          <p:nvGrpSpPr>
+            <p:cNvPr id="21546" name="Group 73"/>
+            <p:cNvGrpSpPr>
+              <a:grpSpLocks/>
+            </p:cNvGrpSpPr>
+            <p:nvPr/>
+          </p:nvGrpSpPr>
+          <p:grpSpPr bwMode="auto">
+            <a:xfrm rot="-2288454">
+              <a:off x="4248" y="1034"/>
+              <a:ext cx="348" cy="356"/>
+              <a:chOff x="887" y="2040"/>
+              <a:chExt cx="433" cy="422"/>
+            </a:xfrm>
+          </p:grpSpPr>
+          <p:pic>
+            <p:nvPicPr>
+              <p:cNvPr id="21548" name="Picture 74" descr="circuler_1"/>
+              <p:cNvPicPr>
+                <a:picLocks noChangeAspect="1" noChangeArrowheads="1"/>
+              </p:cNvPicPr>
+              <p:nvPr/>
+            </p:nvPicPr>
+            <p:blipFill>
+              <a:blip r:embed="rId5" cstate="print"/>
+              <a:srcRect/>
+              <a:stretch>
+                <a:fillRect/>
+              </a:stretch>
+            </p:blipFill>
+            <p:spPr bwMode="gray">
+              <a:xfrm>
+                <a:off x="887" y="2040"/>
+                <a:ext cx="430" cy="420"/>
+              </a:xfrm>
+              <a:prstGeom prst="rect">
+                <a:avLst/>
+              </a:prstGeom>
+              <a:noFill/>
+              <a:ln w="9525">
+                <a:noFill/>
+                <a:miter lim="800000"/>
+                <a:headEnd/>
+                <a:tailEnd/>
+              </a:ln>
+            </p:spPr>
+          </p:pic>
+          <p:sp>
+            <p:nvSpPr>
+              <p:cNvPr id="42" name="Oval 75"/>
+              <p:cNvSpPr>
+                <a:spLocks noChangeArrowheads="1"/>
+              </p:cNvSpPr>
+              <p:nvPr/>
+            </p:nvSpPr>
+            <p:spPr bwMode="gray">
+              <a:xfrm>
+                <a:off x="888" y="2039"/>
+                <a:ext cx="433" cy="423"/>
+              </a:xfrm>
+              <a:prstGeom prst="ellipse">
+                <a:avLst/>
+              </a:prstGeom>
+              <a:gradFill rotWithShape="1">
+                <a:gsLst>
+                  <a:gs pos="0">
+                    <a:schemeClr val="folHlink">
+                      <a:gamma/>
+                      <a:shade val="34902"/>
+                      <a:invGamma/>
+                      <a:alpha val="89999"/>
+                    </a:schemeClr>
+                  </a:gs>
+                  <a:gs pos="50000">
+                    <a:schemeClr val="folHlink">
+                      <a:alpha val="75000"/>
+                    </a:schemeClr>
+                  </a:gs>
+                  <a:gs pos="100000">
+                    <a:schemeClr val="folHlink">
+                      <a:gamma/>
+                      <a:shade val="34902"/>
+                      <a:invGamma/>
+                      <a:alpha val="89999"/>
+                    </a:schemeClr>
+                  </a:gs>
+                </a:gsLst>
+                <a:lin ang="18900000" scaled="1"/>
+              </a:gradFill>
+              <a:ln w="9525" algn="ctr">
+                <a:noFill/>
+                <a:round/>
+                <a:headEnd/>
+                <a:tailEnd/>
+              </a:ln>
+              <a:effectLst/>
+            </p:spPr>
+            <p:txBody>
+              <a:bodyPr wrap="none" anchor="ctr"/>
+              <a:lstStyle/>
+              <a:p>
+                <a:pPr>
+                  <a:defRPr/>
+                </a:pPr>
+                <a:endParaRPr kumimoji="0" lang="zh-TW" altLang="en-US"/>
+              </a:p>
+            </p:txBody>
+          </p:sp>
+          <p:pic>
+            <p:nvPicPr>
+              <p:cNvPr id="21550" name="Picture 76" descr="Picture2"/>
+              <p:cNvPicPr>
+                <a:picLocks noChangeAspect="1" noChangeArrowheads="1"/>
+              </p:cNvPicPr>
+              <p:nvPr/>
+            </p:nvPicPr>
+            <p:blipFill>
+              <a:blip r:embed="rId3" cstate="print"/>
+              <a:srcRect/>
+              <a:stretch>
+                <a:fillRect/>
+              </a:stretch>
+            </p:blipFill>
+            <p:spPr bwMode="gray">
+              <a:xfrm>
+                <a:off x="930" y="2044"/>
+                <a:ext cx="345" cy="149"/>
+              </a:xfrm>
+              <a:prstGeom prst="rect">
+                <a:avLst/>
+              </a:prstGeom>
+              <a:noFill/>
+              <a:ln w="9525">
+                <a:noFill/>
+                <a:miter lim="800000"/>
+                <a:headEnd/>
+                <a:tailEnd/>
+              </a:ln>
+            </p:spPr>
+          </p:pic>
+        </p:grpSp>
+        <p:pic>
+          <p:nvPicPr>
+            <p:cNvPr id="21547" name="Picture 88"/>
+            <p:cNvPicPr>
+              <a:picLocks noChangeAspect="1" noChangeArrowheads="1"/>
+            </p:cNvPicPr>
+            <p:nvPr/>
+          </p:nvPicPr>
+          <p:blipFill>
+            <a:blip r:embed="rId6" cstate="print"/>
+            <a:srcRect l="12015" t="9302" r="12404" b="12598"/>
+            <a:stretch>
+              <a:fillRect/>
+            </a:stretch>
+          </p:blipFill>
+          <p:spPr bwMode="gray">
+            <a:xfrm>
+              <a:off x="4240" y="1020"/>
+              <a:ext cx="359" cy="370"/>
+            </a:xfrm>
+            <a:prstGeom prst="rect">
+              <a:avLst/>
+            </a:prstGeom>
+            <a:noFill/>
+            <a:ln w="9525">
+              <a:noFill/>
+              <a:miter lim="800000"/>
+              <a:headEnd/>
+              <a:tailEnd/>
+            </a:ln>
+          </p:spPr>
+        </p:pic>
+      </p:grpSp>
+      <p:grpSp>
+        <p:nvGrpSpPr>
+          <p:cNvPr id="21521" name="Group 90"/>
+          <p:cNvGrpSpPr>
+            <a:grpSpLocks/>
+          </p:cNvGrpSpPr>
+          <p:nvPr/>
+        </p:nvGrpSpPr>
+        <p:grpSpPr bwMode="auto">
+          <a:xfrm>
+            <a:off x="1979613" y="4595110"/>
+            <a:ext cx="222250" cy="220662"/>
+            <a:chOff x="4803" y="1006"/>
+            <a:chExt cx="416" cy="416"/>
+          </a:xfrm>
+        </p:grpSpPr>
+        <p:sp>
+          <p:nvSpPr>
+            <p:cNvPr id="45" name="Oval 81"/>
+            <p:cNvSpPr>
+              <a:spLocks noChangeArrowheads="1"/>
+            </p:cNvSpPr>
+            <p:nvPr/>
+          </p:nvSpPr>
+          <p:spPr bwMode="gray">
+            <a:xfrm>
+              <a:off x="4803" y="1006"/>
+              <a:ext cx="416" cy="416"/>
+            </a:xfrm>
+            <a:prstGeom prst="ellipse">
+              <a:avLst/>
+            </a:prstGeom>
+            <a:gradFill rotWithShape="1">
+              <a:gsLst>
+                <a:gs pos="0">
+                  <a:srgbClr val="FFFFFF">
+                    <a:gamma/>
+                    <a:shade val="54118"/>
+                    <a:invGamma/>
+                  </a:srgbClr>
+                </a:gs>
+                <a:gs pos="50000">
+                  <a:srgbClr val="FFFFFF"/>
+                </a:gs>
+                <a:gs pos="100000">
+                  <a:srgbClr val="FFFFFF">
+                    <a:gamma/>
+                    <a:shade val="54118"/>
+                    <a:invGamma/>
+                  </a:srgbClr>
+                </a:gs>
+              </a:gsLst>
+              <a:lin ang="18900000" scaled="1"/>
+            </a:gradFill>
+            <a:ln w="9525">
+              <a:solidFill>
+                <a:srgbClr val="DDDDDD"/>
+              </a:solidFill>
+              <a:round/>
+              <a:headEnd/>
+              <a:tailEnd/>
+            </a:ln>
+            <a:effectLst>
+              <a:outerShdw dist="35921" dir="2700000" algn="ctr" rotWithShape="0">
+                <a:schemeClr val="bg2">
+                  <a:alpha val="50000"/>
+                </a:schemeClr>
+              </a:outerShdw>
+            </a:effectLst>
+          </p:spPr>
+          <p:txBody>
+            <a:bodyPr wrap="none" anchor="ctr"/>
+            <a:lstStyle/>
+            <a:p>
+              <a:pPr>
+                <a:defRPr/>
+              </a:pPr>
+              <a:endParaRPr kumimoji="0" lang="zh-TW" altLang="en-US"/>
+            </a:p>
+          </p:txBody>
+        </p:sp>
+        <p:grpSp>
+          <p:nvGrpSpPr>
+            <p:cNvPr id="21540" name="Group 82"/>
+            <p:cNvGrpSpPr>
+              <a:grpSpLocks/>
+            </p:cNvGrpSpPr>
+            <p:nvPr/>
+          </p:nvGrpSpPr>
+          <p:grpSpPr bwMode="auto">
+            <a:xfrm rot="-2288454">
+              <a:off x="4838" y="1034"/>
+              <a:ext cx="348" cy="356"/>
+              <a:chOff x="887" y="2040"/>
+              <a:chExt cx="433" cy="422"/>
+            </a:xfrm>
+          </p:grpSpPr>
+          <p:pic>
+            <p:nvPicPr>
+              <p:cNvPr id="21542" name="Picture 83" descr="circuler_1"/>
+              <p:cNvPicPr>
+                <a:picLocks noChangeAspect="1" noChangeArrowheads="1"/>
+              </p:cNvPicPr>
+              <p:nvPr/>
+            </p:nvPicPr>
+            <p:blipFill>
+              <a:blip r:embed="rId2" cstate="print"/>
+              <a:srcRect/>
+              <a:stretch>
+                <a:fillRect/>
+              </a:stretch>
+            </p:blipFill>
+            <p:spPr bwMode="gray">
+              <a:xfrm>
+                <a:off x="887" y="2040"/>
+                <a:ext cx="430" cy="420"/>
+              </a:xfrm>
+              <a:prstGeom prst="rect">
+                <a:avLst/>
+              </a:prstGeom>
+              <a:noFill/>
+              <a:ln w="9525">
+                <a:noFill/>
+                <a:miter lim="800000"/>
+                <a:headEnd/>
+                <a:tailEnd/>
+              </a:ln>
+            </p:spPr>
+          </p:pic>
+          <p:sp>
+            <p:nvSpPr>
+              <p:cNvPr id="21543" name="Oval 84"/>
+              <p:cNvSpPr>
+                <a:spLocks noChangeArrowheads="1"/>
+              </p:cNvSpPr>
+              <p:nvPr/>
+            </p:nvSpPr>
+            <p:spPr bwMode="gray">
+              <a:xfrm>
+                <a:off x="887" y="2040"/>
+                <a:ext cx="433" cy="422"/>
+              </a:xfrm>
+              <a:prstGeom prst="ellipse">
+                <a:avLst/>
+              </a:prstGeom>
+              <a:solidFill>
+                <a:srgbClr val="FB4F2D">
+                  <a:alpha val="74901"/>
+                </a:srgbClr>
+              </a:solidFill>
+              <a:ln w="9525" algn="ctr">
+                <a:noFill/>
+                <a:round/>
+                <a:headEnd/>
+                <a:tailEnd/>
+              </a:ln>
+            </p:spPr>
+            <p:txBody>
+              <a:bodyPr wrap="none" anchor="ctr"/>
+              <a:lstStyle/>
+              <a:p>
+                <a:endParaRPr kumimoji="0" lang="zh-TW" altLang="en-US"/>
+              </a:p>
+            </p:txBody>
+          </p:sp>
+          <p:pic>
+            <p:nvPicPr>
+              <p:cNvPr id="21544" name="Picture 85" descr="Picture2"/>
+              <p:cNvPicPr>
+                <a:picLocks noChangeAspect="1" noChangeArrowheads="1"/>
+              </p:cNvPicPr>
+              <p:nvPr/>
+            </p:nvPicPr>
+            <p:blipFill>
+              <a:blip r:embed="rId3" cstate="print"/>
+              <a:srcRect/>
+              <a:stretch>
+                <a:fillRect/>
+              </a:stretch>
+            </p:blipFill>
+            <p:spPr bwMode="gray">
+              <a:xfrm>
+                <a:off x="930" y="2044"/>
+                <a:ext cx="345" cy="149"/>
+              </a:xfrm>
+              <a:prstGeom prst="rect">
+                <a:avLst/>
+              </a:prstGeom>
+              <a:noFill/>
+              <a:ln w="9525">
+                <a:noFill/>
+                <a:miter lim="800000"/>
+                <a:headEnd/>
+                <a:tailEnd/>
+              </a:ln>
+            </p:spPr>
+          </p:pic>
+        </p:grpSp>
+        <p:pic>
+          <p:nvPicPr>
+            <p:cNvPr id="21541" name="Picture 89"/>
+            <p:cNvPicPr>
+              <a:picLocks noChangeAspect="1" noChangeArrowheads="1"/>
+            </p:cNvPicPr>
+            <p:nvPr/>
+          </p:nvPicPr>
+          <p:blipFill>
+            <a:blip r:embed="rId4" cstate="print"/>
+            <a:srcRect l="12015" t="9302" r="12404" b="12598"/>
+            <a:stretch>
+              <a:fillRect/>
+            </a:stretch>
+          </p:blipFill>
+          <p:spPr bwMode="gray">
+            <a:xfrm>
+              <a:off x="4830" y="1020"/>
+              <a:ext cx="359" cy="370"/>
+            </a:xfrm>
+            <a:prstGeom prst="rect">
+              <a:avLst/>
+            </a:prstGeom>
+            <a:noFill/>
+            <a:ln w="9525">
+              <a:noFill/>
+              <a:miter lim="800000"/>
+              <a:headEnd/>
+              <a:tailEnd/>
+            </a:ln>
+          </p:spPr>
+        </p:pic>
+      </p:grpSp>
+      <p:sp>
+        <p:nvSpPr>
+          <p:cNvPr id="21523" name="Line 2"/>
+          <p:cNvSpPr>
+            <a:spLocks noChangeShapeType="1"/>
+          </p:cNvSpPr>
+          <p:nvPr/>
+        </p:nvSpPr>
+        <p:spPr bwMode="black">
+          <a:xfrm>
+            <a:off x="2273300" y="4904672"/>
+            <a:ext cx="4800600" cy="0"/>
+          </a:xfrm>
+          <a:prstGeom prst="line">
+            <a:avLst/>
+          </a:prstGeom>
+          <a:noFill/>
+          <a:ln w="28575" cap="rnd">
+            <a:solidFill>
+              <a:schemeClr val="tx1"/>
+            </a:solidFill>
+            <a:prstDash val="sysDot"/>
+            <a:round/>
+            <a:headEnd/>
+            <a:tailEnd/>
+          </a:ln>
+        </p:spPr>
+        <p:txBody>
+          <a:bodyPr/>
+          <a:lstStyle/>
+          <a:p>
+            <a:endParaRPr lang="zh-TW" altLang="en-US"/>
+          </a:p>
+        </p:txBody>
+      </p:sp>
+      <p:sp>
+        <p:nvSpPr>
+          <p:cNvPr id="21524" name="Rectangle 3"/>
+          <p:cNvSpPr>
+            <a:spLocks noChangeArrowheads="1"/>
+          </p:cNvSpPr>
+          <p:nvPr/>
+        </p:nvSpPr>
+        <p:spPr bwMode="black">
+          <a:xfrm>
+            <a:off x="2320925" y="4437947"/>
+            <a:ext cx="4849813" cy="522288"/>
+          </a:xfrm>
+          <a:prstGeom prst="rect">
+            <a:avLst/>
+          </a:prstGeom>
+          <a:noFill/>
+          <a:ln w="9525">
+            <a:noFill/>
+            <a:miter lim="800000"/>
+            <a:headEnd/>
+            <a:tailEnd/>
+          </a:ln>
+        </p:spPr>
+        <p:txBody>
+          <a:bodyPr>
+            <a:spAutoFit/>
+          </a:bodyPr>
+          <a:lstStyle/>
+          <a:p>
+            <a:r>
+              <a:rPr kumimoji="0" lang="en-US" altLang="zh-TW" sz="2800" b="1" dirty="0" smtClean="0">
+                <a:latin typeface="標楷體" pitchFamily="65" charset="-120"/>
+                <a:ea typeface="標楷體" pitchFamily="65" charset="-120"/>
+              </a:rPr>
+              <a:t>Conclusions</a:t>
+            </a:r>
+            <a:endParaRPr kumimoji="0" lang="zh-TW" altLang="en-US" sz="2800" b="1" dirty="0">
+              <a:latin typeface="標楷體" pitchFamily="65" charset="-120"/>
+              <a:ea typeface="標楷體" pitchFamily="65" charset="-120"/>
+            </a:endParaRPr>
+          </a:p>
+        </p:txBody>
+      </p:sp>
+      <p:grpSp>
+        <p:nvGrpSpPr>
+          <p:cNvPr id="21525" name="Group 90"/>
+          <p:cNvGrpSpPr>
+            <a:grpSpLocks/>
+          </p:cNvGrpSpPr>
+          <p:nvPr/>
+        </p:nvGrpSpPr>
+        <p:grpSpPr bwMode="auto">
+          <a:xfrm>
+            <a:off x="1979613" y="2585335"/>
+            <a:ext cx="222250" cy="222250"/>
+            <a:chOff x="4803" y="1006"/>
+            <a:chExt cx="416" cy="416"/>
+          </a:xfrm>
+        </p:grpSpPr>
+        <p:sp>
+          <p:nvSpPr>
+            <p:cNvPr id="61" name="Oval 81"/>
+            <p:cNvSpPr>
+              <a:spLocks noChangeArrowheads="1"/>
+            </p:cNvSpPr>
+            <p:nvPr/>
+          </p:nvSpPr>
+          <p:spPr bwMode="gray">
+            <a:xfrm>
+              <a:off x="4803" y="1006"/>
+              <a:ext cx="416" cy="416"/>
+            </a:xfrm>
+            <a:prstGeom prst="ellipse">
+              <a:avLst/>
+            </a:prstGeom>
+            <a:gradFill rotWithShape="1">
+              <a:gsLst>
+                <a:gs pos="0">
+                  <a:srgbClr val="FFFFFF">
+                    <a:gamma/>
+                    <a:shade val="54118"/>
+                    <a:invGamma/>
+                  </a:srgbClr>
+                </a:gs>
+                <a:gs pos="50000">
+                  <a:srgbClr val="FFFFFF"/>
+                </a:gs>
+                <a:gs pos="100000">
+                  <a:srgbClr val="FFFFFF">
+                    <a:gamma/>
+                    <a:shade val="54118"/>
+                    <a:invGamma/>
+                  </a:srgbClr>
+                </a:gs>
+              </a:gsLst>
+              <a:lin ang="18900000" scaled="1"/>
+            </a:gradFill>
+            <a:ln w="9525">
+              <a:solidFill>
+                <a:srgbClr val="DDDDDD"/>
+              </a:solidFill>
+              <a:round/>
+              <a:headEnd/>
+              <a:tailEnd/>
+            </a:ln>
+            <a:effectLst>
+              <a:outerShdw dist="35921" dir="2700000" algn="ctr" rotWithShape="0">
+                <a:schemeClr val="bg2">
+                  <a:alpha val="50000"/>
+                </a:schemeClr>
+              </a:outerShdw>
+            </a:effectLst>
+          </p:spPr>
+          <p:txBody>
+            <a:bodyPr wrap="none" anchor="ctr"/>
+            <a:lstStyle/>
+            <a:p>
+              <a:pPr>
+                <a:defRPr/>
+              </a:pPr>
+              <a:endParaRPr kumimoji="0" lang="zh-TW" altLang="en-US"/>
+            </a:p>
+          </p:txBody>
+        </p:sp>
+        <p:grpSp>
+          <p:nvGrpSpPr>
+            <p:cNvPr id="21528" name="Group 82"/>
+            <p:cNvGrpSpPr>
+              <a:grpSpLocks/>
+            </p:cNvGrpSpPr>
+            <p:nvPr/>
+          </p:nvGrpSpPr>
+          <p:grpSpPr bwMode="auto">
+            <a:xfrm rot="-2288454">
+              <a:off x="4838" y="1034"/>
+              <a:ext cx="348" cy="356"/>
+              <a:chOff x="887" y="2040"/>
+              <a:chExt cx="433" cy="422"/>
+            </a:xfrm>
+          </p:grpSpPr>
+          <p:pic>
+            <p:nvPicPr>
+              <p:cNvPr id="21530" name="Picture 83" descr="circuler_1"/>
+              <p:cNvPicPr>
+                <a:picLocks noChangeAspect="1" noChangeArrowheads="1"/>
+              </p:cNvPicPr>
+              <p:nvPr/>
+            </p:nvPicPr>
+            <p:blipFill>
+              <a:blip r:embed="rId5" cstate="print"/>
+              <a:srcRect/>
+              <a:stretch>
+                <a:fillRect/>
+              </a:stretch>
+            </p:blipFill>
+            <p:spPr bwMode="gray">
+              <a:xfrm>
+                <a:off x="887" y="2040"/>
+                <a:ext cx="430" cy="420"/>
+              </a:xfrm>
+              <a:prstGeom prst="rect">
+                <a:avLst/>
+              </a:prstGeom>
+              <a:noFill/>
+              <a:ln w="9525">
+                <a:noFill/>
+                <a:miter lim="800000"/>
+                <a:headEnd/>
+                <a:tailEnd/>
+              </a:ln>
+            </p:spPr>
+          </p:pic>
+          <p:sp>
+            <p:nvSpPr>
+              <p:cNvPr id="21531" name="Oval 84"/>
+              <p:cNvSpPr>
+                <a:spLocks noChangeArrowheads="1"/>
+              </p:cNvSpPr>
+              <p:nvPr/>
+            </p:nvSpPr>
+            <p:spPr bwMode="gray">
+              <a:xfrm>
+                <a:off x="887" y="2040"/>
+                <a:ext cx="433" cy="422"/>
+              </a:xfrm>
+              <a:prstGeom prst="ellipse">
+                <a:avLst/>
+              </a:prstGeom>
+              <a:solidFill>
+                <a:srgbClr val="FB4F2D">
+                  <a:alpha val="74901"/>
+                </a:srgbClr>
+              </a:solidFill>
+              <a:ln w="9525" algn="ctr">
+                <a:noFill/>
+                <a:round/>
+                <a:headEnd/>
+                <a:tailEnd/>
+              </a:ln>
+            </p:spPr>
+            <p:txBody>
+              <a:bodyPr wrap="none" anchor="ctr"/>
+              <a:lstStyle/>
+              <a:p>
+                <a:endParaRPr kumimoji="0" lang="zh-TW" altLang="en-US"/>
+              </a:p>
+            </p:txBody>
+          </p:sp>
+          <p:pic>
+            <p:nvPicPr>
+              <p:cNvPr id="21532" name="Picture 85" descr="Picture2"/>
+              <p:cNvPicPr>
+                <a:picLocks noChangeAspect="1" noChangeArrowheads="1"/>
+              </p:cNvPicPr>
+              <p:nvPr/>
+            </p:nvPicPr>
+            <p:blipFill>
+              <a:blip r:embed="rId3" cstate="print"/>
+              <a:srcRect/>
+              <a:stretch>
+                <a:fillRect/>
+              </a:stretch>
+            </p:blipFill>
+            <p:spPr bwMode="gray">
+              <a:xfrm>
+                <a:off x="930" y="2044"/>
+                <a:ext cx="345" cy="149"/>
+              </a:xfrm>
+              <a:prstGeom prst="rect">
+                <a:avLst/>
+              </a:prstGeom>
+              <a:noFill/>
+              <a:ln w="9525">
+                <a:noFill/>
+                <a:miter lim="800000"/>
+                <a:headEnd/>
+                <a:tailEnd/>
+              </a:ln>
+            </p:spPr>
+          </p:pic>
+        </p:grpSp>
+        <p:pic>
+          <p:nvPicPr>
+            <p:cNvPr id="21529" name="Picture 89"/>
+            <p:cNvPicPr>
+              <a:picLocks noChangeAspect="1" noChangeArrowheads="1"/>
+            </p:cNvPicPr>
+            <p:nvPr/>
+          </p:nvPicPr>
+          <p:blipFill>
+            <a:blip r:embed="rId6" cstate="print"/>
+            <a:srcRect l="12015" t="9302" r="12404" b="12598"/>
+            <a:stretch>
+              <a:fillRect/>
+            </a:stretch>
+          </p:blipFill>
+          <p:spPr bwMode="gray">
+            <a:xfrm>
+              <a:off x="4830" y="1020"/>
+              <a:ext cx="359" cy="370"/>
+            </a:xfrm>
+            <a:prstGeom prst="rect">
+              <a:avLst/>
+            </a:prstGeom>
+            <a:noFill/>
+            <a:ln w="9525">
+              <a:noFill/>
+              <a:miter lim="800000"/>
+              <a:headEnd/>
+              <a:tailEnd/>
+            </a:ln>
+          </p:spPr>
+        </p:pic>
+      </p:grpSp>
+      <p:sp>
+        <p:nvSpPr>
+          <p:cNvPr id="50" name="頁尾版面配置區 5"/>
+          <p:cNvSpPr>
+            <a:spLocks noGrp="1"/>
+          </p:cNvSpPr>
+          <p:nvPr>
+            <p:ph type="ftr" sz="quarter" idx="11"/>
+          </p:nvPr>
+        </p:nvSpPr>
+        <p:spPr>
+          <a:xfrm>
+            <a:off x="5943600" y="6512768"/>
+            <a:ext cx="2895600" cy="228600"/>
+          </a:xfrm>
+        </p:spPr>
+        <p:txBody>
+          <a:bodyPr/>
+          <a:lstStyle/>
+          <a:p>
+            <a:pPr>
+              <a:defRPr/>
+            </a:pPr>
+            <a:r>
+              <a:rPr lang="en-US" altLang="zh-TW" dirty="0" smtClean="0"/>
+              <a:t>Performance Evaluation 2016 Spring</a:t>
+            </a:r>
+            <a:endParaRPr lang="en-US" altLang="zh-TW" dirty="0"/>
+          </a:p>
+        </p:txBody>
+      </p:sp>
+    </p:spTree>
+    <p:extLst>
+      <p:ext uri="{BB962C8B-B14F-4D97-AF65-F5344CB8AC3E}">
+        <p14:creationId xmlns:p14="http://schemas.microsoft.com/office/powerpoint/2010/main" val="277537087"/>
+      </p:ext>
+    </p:extLst>
+  </p:cSld>
+  <p:clrMapOvr>
+    <a:masterClrMapping/>
+  </p:clrMapOvr>
+  <p:transition/>
+  <p:timing>
+    <p:tnLst>
+      <p:par>
+        <p:cTn id="1" dur="indefinite" restart="never" nodeType="tmRoot"/>
+      </p:par>
+    </p:tnLst>
+  </p:timing>
+</p:sld>
+</file>
+
+<file path=ppt/slides/slide38.xml><?xml version="1.0" encoding="utf-8"?>
+<p:sld xmlns:a="http://schemas.openxmlformats.org/drawingml/2006/main" xmlns:r="http://schemas.openxmlformats.org/officeDocument/2006/relationships" xmlns:p="http://schemas.openxmlformats.org/presentationml/2006/main">
+  <p:cSld>
+    <p:spTree>
+      <p:nvGrpSpPr>
+        <p:cNvPr id="1" name=""/>
+        <p:cNvGrpSpPr/>
+        <p:nvPr/>
+      </p:nvGrpSpPr>
+      <p:grpSpPr>
+        <a:xfrm>
+          <a:off x="0" y="0"/>
+          <a:ext cx="0" cy="0"/>
+          <a:chOff x="0" y="0"/>
+          <a:chExt cx="0" cy="0"/>
+        </a:xfrm>
+      </p:grpSpPr>
+      <p:sp>
+        <p:nvSpPr>
+          <p:cNvPr id="2" name="標題 1"/>
+          <p:cNvSpPr>
+            <a:spLocks noGrp="1"/>
+          </p:cNvSpPr>
+          <p:nvPr>
+            <p:ph type="title"/>
+          </p:nvPr>
+        </p:nvSpPr>
+        <p:spPr/>
+        <p:txBody>
+          <a:bodyPr/>
+          <a:lstStyle/>
+          <a:p>
+            <a:r>
+              <a:rPr lang="en-US" altLang="zh-TW" dirty="0" smtClean="0"/>
+              <a:t>Conclusions</a:t>
+            </a:r>
+            <a:endParaRPr lang="zh-TW" altLang="en-US" dirty="0"/>
+          </a:p>
+        </p:txBody>
+      </p:sp>
+      <p:sp>
+        <p:nvSpPr>
+          <p:cNvPr id="3" name="內容版面配置區 2"/>
+          <p:cNvSpPr>
+            <a:spLocks noGrp="1"/>
+          </p:cNvSpPr>
+          <p:nvPr>
+            <p:ph idx="1"/>
+          </p:nvPr>
+        </p:nvSpPr>
+        <p:spPr/>
+        <p:txBody>
+          <a:bodyPr/>
+          <a:lstStyle/>
+          <a:p>
+            <a:r>
+              <a:rPr lang="en-US" altLang="zh-TW" dirty="0"/>
+              <a:t>Presented a simple </a:t>
+            </a:r>
+            <a:r>
+              <a:rPr lang="en-US" altLang="zh-TW" dirty="0" smtClean="0"/>
+              <a:t>fluid </a:t>
+            </a:r>
+            <a:r>
+              <a:rPr lang="en-US" altLang="zh-TW" dirty="0"/>
+              <a:t>model for </a:t>
+            </a:r>
+            <a:r>
+              <a:rPr lang="en-US" altLang="zh-TW" dirty="0" err="1" smtClean="0"/>
+              <a:t>BitTorrent</a:t>
+            </a:r>
+            <a:r>
+              <a:rPr lang="en-US" altLang="zh-TW" dirty="0" smtClean="0"/>
+              <a:t>-like networks.</a:t>
+            </a:r>
+            <a:endParaRPr lang="en-US" altLang="zh-TW" dirty="0"/>
+          </a:p>
+          <a:p>
+            <a:endParaRPr lang="en-US" altLang="zh-TW" dirty="0" smtClean="0"/>
+          </a:p>
+          <a:p>
+            <a:r>
+              <a:rPr lang="en-US" altLang="zh-TW" dirty="0" smtClean="0"/>
+              <a:t>Studied </a:t>
+            </a:r>
+            <a:r>
+              <a:rPr lang="en-US" altLang="zh-TW" dirty="0"/>
+              <a:t>the steady-state network performance </a:t>
+            </a:r>
+            <a:r>
+              <a:rPr lang="en-US" altLang="zh-TW" dirty="0" smtClean="0"/>
+              <a:t>and stability.</a:t>
+            </a:r>
+            <a:endParaRPr lang="en-US" altLang="zh-TW" dirty="0"/>
+          </a:p>
+          <a:p>
+            <a:endParaRPr lang="en-US" altLang="zh-TW" dirty="0" smtClean="0"/>
+          </a:p>
+          <a:p>
+            <a:r>
+              <a:rPr lang="en-US" altLang="zh-TW" dirty="0" smtClean="0"/>
+              <a:t>Obtained </a:t>
+            </a:r>
+            <a:r>
+              <a:rPr lang="en-US" altLang="zh-TW" dirty="0"/>
+              <a:t>insight into the effect of different </a:t>
+            </a:r>
+            <a:r>
+              <a:rPr lang="en-US" altLang="zh-TW" dirty="0" smtClean="0"/>
+              <a:t>parameters on </a:t>
+            </a:r>
+            <a:r>
+              <a:rPr lang="en-US" altLang="zh-TW" dirty="0"/>
+              <a:t>network </a:t>
+            </a:r>
+            <a:r>
+              <a:rPr lang="en-US" altLang="zh-TW" dirty="0" smtClean="0"/>
+              <a:t>performance.</a:t>
+            </a:r>
+            <a:endParaRPr lang="en-US" altLang="zh-TW" dirty="0"/>
+          </a:p>
+          <a:p>
+            <a:endParaRPr lang="en-US" altLang="zh-TW" dirty="0" smtClean="0"/>
+          </a:p>
+          <a:p>
+            <a:r>
+              <a:rPr lang="en-US" altLang="zh-TW" dirty="0" smtClean="0"/>
+              <a:t>The </a:t>
+            </a:r>
+            <a:r>
+              <a:rPr lang="en-US" altLang="zh-TW" dirty="0"/>
+              <a:t>effect of optimistic </a:t>
+            </a:r>
+            <a:r>
+              <a:rPr lang="en-US" altLang="zh-TW" dirty="0" err="1"/>
+              <a:t>unchoking</a:t>
+            </a:r>
+            <a:r>
+              <a:rPr lang="en-US" altLang="zh-TW" dirty="0"/>
+              <a:t> on </a:t>
+            </a:r>
+            <a:r>
+              <a:rPr lang="en-US" altLang="zh-TW" dirty="0" smtClean="0"/>
+              <a:t>free-riding.</a:t>
+            </a:r>
+          </a:p>
+          <a:p>
+            <a:endParaRPr lang="en-US" altLang="zh-TW" dirty="0" smtClean="0"/>
+          </a:p>
+          <a:p>
+            <a:r>
+              <a:rPr lang="en-US" altLang="zh-TW" dirty="0" smtClean="0"/>
+              <a:t>The </a:t>
+            </a:r>
+            <a:r>
+              <a:rPr lang="en-US" altLang="zh-TW" dirty="0" smtClean="0"/>
+              <a:t>simple fluid model </a:t>
+            </a:r>
+            <a:r>
+              <a:rPr lang="en-US" altLang="zh-TW" dirty="0" smtClean="0"/>
+              <a:t>is able to</a:t>
+            </a:r>
+            <a:r>
+              <a:rPr lang="en-US" altLang="zh-TW" dirty="0" smtClean="0"/>
+              <a:t> </a:t>
+            </a:r>
+            <a:r>
+              <a:rPr lang="en-US" altLang="zh-TW" dirty="0" smtClean="0"/>
+              <a:t>capture the behavior of the system even when the arrival rate is small.</a:t>
+            </a:r>
+            <a:endParaRPr lang="zh-TW" altLang="en-US" dirty="0"/>
+          </a:p>
+        </p:txBody>
+      </p:sp>
+      <p:sp>
+        <p:nvSpPr>
+          <p:cNvPr id="5" name="投影片編號版面配置區 4"/>
+          <p:cNvSpPr>
+            <a:spLocks noGrp="1"/>
+          </p:cNvSpPr>
+          <p:nvPr>
+            <p:ph type="sldNum" sz="quarter" idx="12"/>
+          </p:nvPr>
+        </p:nvSpPr>
+        <p:spPr/>
+        <p:txBody>
+          <a:bodyPr/>
+          <a:lstStyle/>
+          <a:p>
+            <a:pPr>
+              <a:defRPr/>
+            </a:pPr>
+            <a:fld id="{7823135A-D7F7-45E8-89D0-FF7E75BBDD99}" type="slidenum">
+              <a:rPr lang="en-US" altLang="zh-TW" smtClean="0"/>
+              <a:pPr>
+                <a:defRPr/>
+              </a:pPr>
+              <a:t>38</a:t>
+            </a:fld>
+            <a:endParaRPr lang="en-US" altLang="zh-TW"/>
+          </a:p>
+        </p:txBody>
+      </p:sp>
+      <p:sp>
+        <p:nvSpPr>
+          <p:cNvPr id="6" name="頁尾版面配置區 5"/>
+          <p:cNvSpPr>
+            <a:spLocks noGrp="1"/>
+          </p:cNvSpPr>
+          <p:nvPr>
+            <p:ph type="ftr" sz="quarter" idx="11"/>
+          </p:nvPr>
+        </p:nvSpPr>
+        <p:spPr>
+          <a:xfrm>
+            <a:off x="5943600" y="6512768"/>
+            <a:ext cx="2895600" cy="228600"/>
+          </a:xfrm>
+        </p:spPr>
+        <p:txBody>
+          <a:bodyPr/>
+          <a:lstStyle/>
+          <a:p>
+            <a:pPr>
+              <a:defRPr/>
+            </a:pPr>
+            <a:r>
+              <a:rPr lang="en-US" altLang="zh-TW" dirty="0" smtClean="0"/>
+              <a:t>Performance Evaluation 2016 Spring</a:t>
+            </a:r>
+            <a:endParaRPr lang="en-US" altLang="zh-TW" dirty="0"/>
+          </a:p>
+        </p:txBody>
+      </p:sp>
+    </p:spTree>
+    <p:extLst>
+      <p:ext uri="{BB962C8B-B14F-4D97-AF65-F5344CB8AC3E}">
+        <p14:creationId xmlns:p14="http://schemas.microsoft.com/office/powerpoint/2010/main" val="1455781319"/>
+      </p:ext>
+    </p:extLst>
+  </p:cSld>
+  <p:clrMapOvr>
+    <a:masterClrMapping/>
+  </p:clrMapOvr>
+</p:sld>
+</file>
+
+<file path=ppt/slides/slide4.xml><?xml version="1.0" encoding="utf-8"?>
+<p:sld xmlns:a="http://schemas.openxmlformats.org/drawingml/2006/main" xmlns:r="http://schemas.openxmlformats.org/officeDocument/2006/relationships" xmlns:p="http://schemas.openxmlformats.org/presentationml/2006/main">
+  <p:cSld>
+    <p:spTree>
+      <p:nvGrpSpPr>
+        <p:cNvPr id="1" name=""/>
+        <p:cNvGrpSpPr/>
+        <p:nvPr/>
+      </p:nvGrpSpPr>
+      <p:grpSpPr>
+        <a:xfrm>
+          <a:off x="0" y="0"/>
+          <a:ext cx="0" cy="0"/>
+          <a:chOff x="0" y="0"/>
+          <a:chExt cx="0" cy="0"/>
+        </a:xfrm>
+      </p:grpSpPr>
+      <p:sp>
+        <p:nvSpPr>
+          <p:cNvPr id="2" name="標題 1"/>
+          <p:cNvSpPr>
+            <a:spLocks noGrp="1"/>
+          </p:cNvSpPr>
+          <p:nvPr>
+            <p:ph type="title"/>
+          </p:nvPr>
+        </p:nvSpPr>
+        <p:spPr/>
+        <p:txBody>
+          <a:bodyPr/>
+          <a:lstStyle/>
+          <a:p>
+            <a:r>
+              <a:rPr kumimoji="1" lang="en-US" altLang="zh-TW" dirty="0" smtClean="0"/>
+              <a:t>Peer-to-peer network</a:t>
+            </a:r>
+            <a:endParaRPr kumimoji="1" lang="zh-TW" altLang="en-US" dirty="0"/>
+          </a:p>
+        </p:txBody>
+      </p:sp>
+      <p:sp>
+        <p:nvSpPr>
+          <p:cNvPr id="3" name="內容版面配置區 2"/>
+          <p:cNvSpPr>
+            <a:spLocks noGrp="1"/>
+          </p:cNvSpPr>
+          <p:nvPr>
+            <p:ph idx="1"/>
+          </p:nvPr>
+        </p:nvSpPr>
+        <p:spPr/>
+        <p:txBody>
+          <a:bodyPr/>
+          <a:lstStyle/>
+          <a:p>
+            <a:pPr>
+              <a:lnSpc>
+                <a:spcPct val="150000"/>
+              </a:lnSpc>
+            </a:pPr>
+            <a:r>
+              <a:rPr kumimoji="1" lang="en-US" altLang="zh-TW" dirty="0" smtClean="0"/>
+              <a:t>Client-Server network vs. Peer-to-peer (P2P) network</a:t>
+            </a:r>
+          </a:p>
+          <a:p>
+            <a:pPr>
+              <a:lnSpc>
+                <a:spcPct val="150000"/>
+              </a:lnSpc>
+            </a:pPr>
+            <a:r>
+              <a:rPr kumimoji="1" lang="en-US" altLang="zh-TW" dirty="0" smtClean="0"/>
+              <a:t>Peers in a P2P network operate as both servers and clients.</a:t>
+            </a:r>
+          </a:p>
+          <a:p>
+            <a:r>
+              <a:rPr kumimoji="1" lang="en-US" altLang="zh-TW" dirty="0"/>
+              <a:t>P2P traffic is starting to dominate the bandwidth of the Internet</a:t>
+            </a:r>
+            <a:r>
+              <a:rPr kumimoji="1" lang="en-US" altLang="zh-TW" dirty="0" smtClean="0"/>
+              <a:t>.</a:t>
+            </a:r>
+          </a:p>
+          <a:p>
+            <a:pPr>
+              <a:lnSpc>
+                <a:spcPct val="150000"/>
+              </a:lnSpc>
+            </a:pPr>
+            <a:r>
+              <a:rPr kumimoji="1" lang="en-US" altLang="zh-TW" dirty="0" smtClean="0"/>
+              <a:t>Among P2P applications, file sharing is the most popular one.</a:t>
+            </a:r>
+          </a:p>
+          <a:p>
+            <a:pPr>
+              <a:lnSpc>
+                <a:spcPct val="150000"/>
+              </a:lnSpc>
+            </a:pPr>
+            <a:r>
+              <a:rPr kumimoji="1" lang="en-US" altLang="zh-TW" dirty="0" smtClean="0">
+                <a:sym typeface="Wingdings"/>
+              </a:rPr>
+              <a:t>P2P file sharing system is scalable.</a:t>
+            </a:r>
+          </a:p>
+          <a:p>
+            <a:r>
+              <a:rPr kumimoji="1" lang="en-US" altLang="zh-TW" dirty="0" err="1" smtClean="0">
+                <a:sym typeface="Wingdings"/>
+              </a:rPr>
+              <a:t>BitTorrent</a:t>
+            </a:r>
+            <a:r>
+              <a:rPr kumimoji="1" lang="en-US" altLang="zh-TW" dirty="0" smtClean="0">
+                <a:sym typeface="Wingdings"/>
+              </a:rPr>
+              <a:t>, one of the most popular P2P applications, will be studied in this paper.</a:t>
+            </a:r>
+            <a:endParaRPr kumimoji="1" lang="en-US" altLang="zh-TW" dirty="0" smtClean="0"/>
+          </a:p>
+        </p:txBody>
+      </p:sp>
+      <p:sp>
+        <p:nvSpPr>
+          <p:cNvPr id="5" name="投影片編號版面配置區 4"/>
+          <p:cNvSpPr>
+            <a:spLocks noGrp="1"/>
+          </p:cNvSpPr>
+          <p:nvPr>
+            <p:ph type="sldNum" sz="quarter" idx="12"/>
+          </p:nvPr>
+        </p:nvSpPr>
+        <p:spPr/>
+        <p:txBody>
+          <a:bodyPr/>
+          <a:lstStyle/>
+          <a:p>
+            <a:pPr>
+              <a:defRPr/>
+            </a:pPr>
+            <a:fld id="{7823135A-D7F7-45E8-89D0-FF7E75BBDD99}" type="slidenum">
+              <a:rPr lang="en-US" altLang="zh-TW" smtClean="0"/>
+              <a:pPr>
+                <a:defRPr/>
+              </a:pPr>
+              <a:t>4</a:t>
+            </a:fld>
+            <a:endParaRPr lang="en-US" altLang="zh-TW"/>
+          </a:p>
+        </p:txBody>
+      </p:sp>
+      <p:sp>
+        <p:nvSpPr>
+          <p:cNvPr id="6" name="頁尾版面配置區 5"/>
+          <p:cNvSpPr>
+            <a:spLocks noGrp="1"/>
+          </p:cNvSpPr>
+          <p:nvPr>
+            <p:ph type="ftr" sz="quarter" idx="11"/>
+          </p:nvPr>
+        </p:nvSpPr>
+        <p:spPr>
+          <a:xfrm>
+            <a:off x="5943600" y="6512768"/>
+            <a:ext cx="2895600" cy="228600"/>
+          </a:xfrm>
+        </p:spPr>
+        <p:txBody>
+          <a:bodyPr/>
+          <a:lstStyle/>
+          <a:p>
+            <a:pPr>
+              <a:defRPr/>
+            </a:pPr>
+            <a:r>
+              <a:rPr lang="en-US" altLang="zh-TW" dirty="0" smtClean="0"/>
+              <a:t>Performance Evaluation 2016 Spring</a:t>
+            </a:r>
+            <a:endParaRPr lang="en-US" altLang="zh-TW" dirty="0"/>
+          </a:p>
+        </p:txBody>
+      </p:sp>
+    </p:spTree>
+    <p:extLst>
+      <p:ext uri="{BB962C8B-B14F-4D97-AF65-F5344CB8AC3E}">
+        <p14:creationId xmlns:p14="http://schemas.microsoft.com/office/powerpoint/2010/main" val="1504947893"/>
+      </p:ext>
+    </p:extLst>
+  </p:cSld>
+  <p:clrMapOvr>
+    <a:masterClrMapping/>
+  </p:clrMapOvr>
+  <p:timing>
+    <p:tnLst>
+      <p:par>
+        <p:cTn id="1" dur="indefinite" restart="never" nodeType="tmRoot"/>
+      </p:par>
+    </p:tnLst>
+  </p:timing>
+</p:sld>
+</file>
+
+<file path=ppt/slides/slide5.xml><?xml version="1.0" encoding="utf-8"?>
+<p:sld xmlns:a="http://schemas.openxmlformats.org/drawingml/2006/main" xmlns:r="http://schemas.openxmlformats.org/officeDocument/2006/relationships" xmlns:p="http://schemas.openxmlformats.org/presentationml/2006/main">
+  <p:cSld>
+    <p:spTree>
+      <p:nvGrpSpPr>
+        <p:cNvPr id="1" name=""/>
+        <p:cNvGrpSpPr/>
+        <p:nvPr/>
+      </p:nvGrpSpPr>
+      <p:grpSpPr>
+        <a:xfrm>
+          <a:off x="0" y="0"/>
+          <a:ext cx="0" cy="0"/>
+          <a:chOff x="0" y="0"/>
+          <a:chExt cx="0" cy="0"/>
+        </a:xfrm>
+      </p:grpSpPr>
+      <p:sp>
+        <p:nvSpPr>
+          <p:cNvPr id="21506" name="標題 1"/>
+          <p:cNvSpPr>
+            <a:spLocks noGrp="1"/>
+          </p:cNvSpPr>
+          <p:nvPr>
+            <p:ph type="title"/>
+          </p:nvPr>
+        </p:nvSpPr>
+        <p:spPr/>
+        <p:txBody>
+          <a:bodyPr/>
+          <a:lstStyle/>
+          <a:p>
+            <a:pPr eaLnBrk="1" hangingPunct="1"/>
+            <a:r>
+              <a:rPr lang="en-US" altLang="zh-TW" dirty="0" smtClean="0"/>
+              <a:t>Outline</a:t>
+            </a:r>
+            <a:endParaRPr lang="zh-TW" altLang="en-US" dirty="0" smtClean="0"/>
+          </a:p>
+        </p:txBody>
+      </p:sp>
+      <p:sp>
+        <p:nvSpPr>
+          <p:cNvPr id="5" name="投影片編號版面配置區 4"/>
+          <p:cNvSpPr>
+            <a:spLocks noGrp="1"/>
+          </p:cNvSpPr>
+          <p:nvPr>
+            <p:ph type="sldNum" sz="quarter" idx="12"/>
+          </p:nvPr>
+        </p:nvSpPr>
+        <p:spPr/>
+        <p:txBody>
+          <a:bodyPr/>
+          <a:lstStyle/>
+          <a:p>
+            <a:pPr>
+              <a:defRPr/>
+            </a:pPr>
+            <a:fld id="{A1A99DF8-EE35-4789-BEAE-6FED5ECB28A0}" type="slidenum">
+              <a:rPr lang="zh-TW" altLang="en-US" smtClean="0"/>
+              <a:pPr>
+                <a:defRPr/>
+              </a:pPr>
+              <a:t>5</a:t>
+            </a:fld>
+            <a:endParaRPr lang="zh-TW" altLang="en-US"/>
+          </a:p>
+        </p:txBody>
+      </p:sp>
+      <p:sp>
+        <p:nvSpPr>
+          <p:cNvPr id="21508" name="Line 2"/>
+          <p:cNvSpPr>
+            <a:spLocks noChangeShapeType="1"/>
+          </p:cNvSpPr>
+          <p:nvPr/>
+        </p:nvSpPr>
+        <p:spPr bwMode="black">
+          <a:xfrm>
+            <a:off x="2273300" y="4249035"/>
+            <a:ext cx="4800600" cy="0"/>
+          </a:xfrm>
+          <a:prstGeom prst="line">
+            <a:avLst/>
+          </a:prstGeom>
+          <a:noFill/>
+          <a:ln w="28575" cap="rnd">
+            <a:solidFill>
+              <a:schemeClr val="tx1"/>
+            </a:solidFill>
+            <a:prstDash val="sysDot"/>
+            <a:round/>
+            <a:headEnd/>
+            <a:tailEnd/>
+          </a:ln>
+        </p:spPr>
+        <p:txBody>
+          <a:bodyPr/>
+          <a:lstStyle/>
+          <a:p>
+            <a:endParaRPr lang="zh-TW" altLang="en-US"/>
+          </a:p>
+        </p:txBody>
+      </p:sp>
+      <p:sp>
+        <p:nvSpPr>
+          <p:cNvPr id="21509" name="Rectangle 3"/>
+          <p:cNvSpPr>
+            <a:spLocks noChangeArrowheads="1"/>
+          </p:cNvSpPr>
+          <p:nvPr/>
+        </p:nvSpPr>
+        <p:spPr bwMode="black">
+          <a:xfrm>
+            <a:off x="2320925" y="3780722"/>
+            <a:ext cx="4849813" cy="523875"/>
+          </a:xfrm>
+          <a:prstGeom prst="rect">
+            <a:avLst/>
+          </a:prstGeom>
+          <a:noFill/>
+          <a:ln w="9525">
+            <a:noFill/>
+            <a:miter lim="800000"/>
+            <a:headEnd/>
+            <a:tailEnd/>
+          </a:ln>
+        </p:spPr>
+        <p:txBody>
+          <a:bodyPr>
+            <a:spAutoFit/>
+          </a:bodyPr>
+          <a:lstStyle/>
+          <a:p>
+            <a:r>
+              <a:rPr kumimoji="0" lang="en-US" altLang="zh-TW" sz="2800" dirty="0" smtClean="0">
+                <a:latin typeface="標楷體" pitchFamily="65" charset="-120"/>
+                <a:ea typeface="標楷體" pitchFamily="65" charset="-120"/>
+              </a:rPr>
+              <a:t>Experiments</a:t>
+            </a:r>
+            <a:endParaRPr kumimoji="0" lang="en-US" altLang="zh-TW" sz="2800" dirty="0">
+              <a:latin typeface="標楷體" pitchFamily="65" charset="-120"/>
+              <a:ea typeface="標楷體" pitchFamily="65" charset="-120"/>
+            </a:endParaRPr>
+          </a:p>
+        </p:txBody>
+      </p:sp>
+      <p:sp>
+        <p:nvSpPr>
+          <p:cNvPr id="21510" name="Line 4"/>
+          <p:cNvSpPr>
+            <a:spLocks noChangeShapeType="1"/>
+          </p:cNvSpPr>
+          <p:nvPr/>
+        </p:nvSpPr>
+        <p:spPr bwMode="black">
+          <a:xfrm>
+            <a:off x="2273300" y="2317750"/>
+            <a:ext cx="4800600" cy="0"/>
+          </a:xfrm>
+          <a:prstGeom prst="line">
+            <a:avLst/>
+          </a:prstGeom>
+          <a:noFill/>
+          <a:ln w="28575" cap="rnd">
+            <a:solidFill>
+              <a:schemeClr val="tx1"/>
+            </a:solidFill>
+            <a:prstDash val="sysDot"/>
+            <a:round/>
+            <a:headEnd/>
+            <a:tailEnd/>
+          </a:ln>
+        </p:spPr>
+        <p:txBody>
+          <a:bodyPr/>
+          <a:lstStyle/>
+          <a:p>
+            <a:endParaRPr lang="zh-TW" altLang="en-US"/>
+          </a:p>
+        </p:txBody>
+      </p:sp>
+      <p:sp>
+        <p:nvSpPr>
+          <p:cNvPr id="21511" name="Rectangle 8"/>
+          <p:cNvSpPr>
+            <a:spLocks noChangeArrowheads="1"/>
+          </p:cNvSpPr>
+          <p:nvPr/>
+        </p:nvSpPr>
+        <p:spPr bwMode="black">
+          <a:xfrm>
+            <a:off x="2320925" y="1844675"/>
+            <a:ext cx="5131395" cy="523220"/>
+          </a:xfrm>
+          <a:prstGeom prst="rect">
+            <a:avLst/>
+          </a:prstGeom>
+          <a:noFill/>
+          <a:ln w="9525">
+            <a:noFill/>
+            <a:miter lim="800000"/>
+            <a:headEnd/>
+            <a:tailEnd/>
+          </a:ln>
+        </p:spPr>
+        <p:txBody>
+          <a:bodyPr wrap="square">
+            <a:spAutoFit/>
+          </a:bodyPr>
+          <a:lstStyle/>
+          <a:p>
+            <a:r>
+              <a:rPr kumimoji="0" lang="en-US" altLang="zh-TW" sz="2800" dirty="0" smtClean="0">
+                <a:latin typeface="標楷體" pitchFamily="65" charset="-120"/>
+                <a:ea typeface="標楷體" pitchFamily="65" charset="-120"/>
+              </a:rPr>
+              <a:t>Introduction to P2P network</a:t>
+            </a:r>
+            <a:endParaRPr kumimoji="0" lang="en-US" altLang="zh-TW" sz="2800" dirty="0">
+              <a:latin typeface="標楷體" pitchFamily="65" charset="-120"/>
+              <a:ea typeface="標楷體" pitchFamily="65" charset="-120"/>
+            </a:endParaRPr>
+          </a:p>
+        </p:txBody>
+      </p:sp>
+      <p:sp>
+        <p:nvSpPr>
+          <p:cNvPr id="21514" name="Line 11"/>
+          <p:cNvSpPr>
+            <a:spLocks noChangeShapeType="1"/>
+          </p:cNvSpPr>
+          <p:nvPr/>
+        </p:nvSpPr>
+        <p:spPr bwMode="black">
+          <a:xfrm>
+            <a:off x="2273300" y="2939347"/>
+            <a:ext cx="4800600" cy="0"/>
+          </a:xfrm>
+          <a:prstGeom prst="line">
+            <a:avLst/>
+          </a:prstGeom>
+          <a:noFill/>
+          <a:ln w="28575" cap="rnd">
+            <a:solidFill>
+              <a:schemeClr val="tx1"/>
+            </a:solidFill>
+            <a:prstDash val="sysDot"/>
+            <a:round/>
+            <a:headEnd/>
+            <a:tailEnd/>
+          </a:ln>
+        </p:spPr>
+        <p:txBody>
+          <a:bodyPr/>
+          <a:lstStyle/>
+          <a:p>
+            <a:endParaRPr lang="zh-TW" altLang="en-US"/>
+          </a:p>
+        </p:txBody>
+      </p:sp>
+      <p:sp>
+        <p:nvSpPr>
+          <p:cNvPr id="21515" name="Rectangle 12"/>
+          <p:cNvSpPr>
+            <a:spLocks noChangeArrowheads="1"/>
+          </p:cNvSpPr>
+          <p:nvPr/>
+        </p:nvSpPr>
+        <p:spPr bwMode="black">
+          <a:xfrm>
+            <a:off x="2320925" y="2467860"/>
+            <a:ext cx="4849813" cy="523875"/>
+          </a:xfrm>
+          <a:prstGeom prst="rect">
+            <a:avLst/>
+          </a:prstGeom>
+          <a:noFill/>
+          <a:ln w="9525">
+            <a:noFill/>
+            <a:miter lim="800000"/>
+            <a:headEnd/>
+            <a:tailEnd/>
+          </a:ln>
+        </p:spPr>
+        <p:txBody>
+          <a:bodyPr>
+            <a:spAutoFit/>
+          </a:bodyPr>
+          <a:lstStyle/>
+          <a:p>
+            <a:r>
+              <a:rPr kumimoji="0" lang="en-US" altLang="zh-TW" sz="2800" b="1" dirty="0" smtClean="0">
+                <a:latin typeface="標楷體" pitchFamily="65" charset="-120"/>
+                <a:ea typeface="標楷體" pitchFamily="65" charset="-120"/>
+              </a:rPr>
+              <a:t>Introduction to </a:t>
+            </a:r>
+            <a:r>
+              <a:rPr kumimoji="0" lang="en-US" altLang="zh-TW" sz="2800" b="1" dirty="0" err="1" smtClean="0">
+                <a:latin typeface="標楷體" pitchFamily="65" charset="-120"/>
+                <a:ea typeface="標楷體" pitchFamily="65" charset="-120"/>
+              </a:rPr>
+              <a:t>BitTorrent</a:t>
+            </a:r>
+            <a:endParaRPr kumimoji="0" lang="en-US" altLang="zh-TW" sz="2800" b="1" dirty="0">
+              <a:latin typeface="標楷體" pitchFamily="65" charset="-120"/>
+              <a:ea typeface="標楷體" pitchFamily="65" charset="-120"/>
+            </a:endParaRPr>
+          </a:p>
+        </p:txBody>
+      </p:sp>
+      <p:sp>
+        <p:nvSpPr>
+          <p:cNvPr id="21516" name="Line 13"/>
+          <p:cNvSpPr>
+            <a:spLocks noChangeShapeType="1"/>
+          </p:cNvSpPr>
+          <p:nvPr/>
+        </p:nvSpPr>
+        <p:spPr bwMode="black">
+          <a:xfrm>
+            <a:off x="2273300" y="3593397"/>
+            <a:ext cx="4800600" cy="0"/>
+          </a:xfrm>
+          <a:prstGeom prst="line">
+            <a:avLst/>
+          </a:prstGeom>
+          <a:noFill/>
+          <a:ln w="28575" cap="rnd">
+            <a:solidFill>
+              <a:schemeClr val="tx1"/>
+            </a:solidFill>
+            <a:prstDash val="sysDot"/>
+            <a:round/>
+            <a:headEnd/>
+            <a:tailEnd/>
+          </a:ln>
+        </p:spPr>
+        <p:txBody>
+          <a:bodyPr/>
+          <a:lstStyle/>
+          <a:p>
+            <a:endParaRPr lang="zh-TW" altLang="en-US"/>
+          </a:p>
+        </p:txBody>
+      </p:sp>
+      <p:sp>
+        <p:nvSpPr>
+          <p:cNvPr id="21517" name="Rectangle 14"/>
+          <p:cNvSpPr>
+            <a:spLocks noChangeArrowheads="1"/>
+          </p:cNvSpPr>
+          <p:nvPr/>
+        </p:nvSpPr>
+        <p:spPr bwMode="black">
+          <a:xfrm>
+            <a:off x="2320925" y="3125085"/>
+            <a:ext cx="4849813" cy="522287"/>
+          </a:xfrm>
+          <a:prstGeom prst="rect">
+            <a:avLst/>
+          </a:prstGeom>
+          <a:noFill/>
+          <a:ln w="9525">
+            <a:noFill/>
+            <a:miter lim="800000"/>
+            <a:headEnd/>
+            <a:tailEnd/>
+          </a:ln>
+        </p:spPr>
+        <p:txBody>
+          <a:bodyPr>
+            <a:spAutoFit/>
+          </a:bodyPr>
+          <a:lstStyle/>
+          <a:p>
+            <a:r>
+              <a:rPr kumimoji="0" lang="en-US" altLang="zh-TW" sz="2800" dirty="0" smtClean="0">
+                <a:latin typeface="標楷體" pitchFamily="65" charset="-120"/>
+                <a:ea typeface="標楷體" pitchFamily="65" charset="-120"/>
+              </a:rPr>
+              <a:t>TBA</a:t>
+            </a:r>
+            <a:endParaRPr kumimoji="0" lang="en-US" altLang="zh-TW" sz="2800" dirty="0">
+              <a:latin typeface="標楷體" pitchFamily="65" charset="-120"/>
+              <a:ea typeface="標楷體" pitchFamily="65" charset="-120"/>
+            </a:endParaRPr>
+          </a:p>
+        </p:txBody>
+      </p:sp>
+      <p:grpSp>
+        <p:nvGrpSpPr>
+          <p:cNvPr id="21518" name="Group 94"/>
+          <p:cNvGrpSpPr>
+            <a:grpSpLocks/>
+          </p:cNvGrpSpPr>
+          <p:nvPr/>
+        </p:nvGrpSpPr>
+        <p:grpSpPr bwMode="auto">
+          <a:xfrm>
+            <a:off x="1979613" y="1936750"/>
+            <a:ext cx="222250" cy="220663"/>
+            <a:chOff x="2543" y="1006"/>
+            <a:chExt cx="416" cy="416"/>
+          </a:xfrm>
+        </p:grpSpPr>
+        <p:sp>
+          <p:nvSpPr>
+            <p:cNvPr id="17" name="Oval 52"/>
+            <p:cNvSpPr>
+              <a:spLocks noChangeArrowheads="1"/>
+            </p:cNvSpPr>
+            <p:nvPr/>
+          </p:nvSpPr>
+          <p:spPr bwMode="gray">
+            <a:xfrm>
+              <a:off x="2543" y="1006"/>
+              <a:ext cx="416" cy="416"/>
+            </a:xfrm>
+            <a:prstGeom prst="ellipse">
+              <a:avLst/>
+            </a:prstGeom>
+            <a:gradFill rotWithShape="1">
+              <a:gsLst>
+                <a:gs pos="0">
+                  <a:srgbClr val="FFFFFF">
+                    <a:gamma/>
+                    <a:shade val="54118"/>
+                    <a:invGamma/>
+                  </a:srgbClr>
+                </a:gs>
+                <a:gs pos="50000">
+                  <a:srgbClr val="FFFFFF"/>
+                </a:gs>
+                <a:gs pos="100000">
+                  <a:srgbClr val="FFFFFF">
+                    <a:gamma/>
+                    <a:shade val="54118"/>
+                    <a:invGamma/>
+                  </a:srgbClr>
+                </a:gs>
+              </a:gsLst>
+              <a:lin ang="18900000" scaled="1"/>
+            </a:gradFill>
+            <a:ln w="9525">
+              <a:solidFill>
+                <a:srgbClr val="DDDDDD"/>
+              </a:solidFill>
+              <a:round/>
+              <a:headEnd/>
+              <a:tailEnd/>
+            </a:ln>
+            <a:effectLst>
+              <a:outerShdw dist="35921" dir="2700000" algn="ctr" rotWithShape="0">
+                <a:schemeClr val="bg2">
+                  <a:alpha val="50000"/>
+                </a:schemeClr>
+              </a:outerShdw>
+            </a:effectLst>
+          </p:spPr>
+          <p:txBody>
+            <a:bodyPr wrap="none" anchor="ctr"/>
+            <a:lstStyle/>
+            <a:p>
+              <a:pPr>
+                <a:defRPr/>
+              </a:pPr>
+              <a:endParaRPr kumimoji="0" lang="zh-TW" altLang="en-US"/>
+            </a:p>
+          </p:txBody>
+        </p:sp>
+        <p:grpSp>
+          <p:nvGrpSpPr>
+            <p:cNvPr id="21558" name="Group 53"/>
+            <p:cNvGrpSpPr>
+              <a:grpSpLocks/>
+            </p:cNvGrpSpPr>
+            <p:nvPr/>
+          </p:nvGrpSpPr>
+          <p:grpSpPr bwMode="auto">
+            <a:xfrm rot="-2288454">
+              <a:off x="2578" y="1034"/>
+              <a:ext cx="348" cy="356"/>
+              <a:chOff x="887" y="2040"/>
+              <a:chExt cx="433" cy="422"/>
+            </a:xfrm>
+          </p:grpSpPr>
+          <p:pic>
+            <p:nvPicPr>
+              <p:cNvPr id="21560" name="Picture 54" descr="circuler_1"/>
+              <p:cNvPicPr>
+                <a:picLocks noChangeAspect="1" noChangeArrowheads="1"/>
+              </p:cNvPicPr>
+              <p:nvPr/>
+            </p:nvPicPr>
+            <p:blipFill>
+              <a:blip r:embed="rId2" cstate="print"/>
+              <a:srcRect/>
+              <a:stretch>
+                <a:fillRect/>
+              </a:stretch>
+            </p:blipFill>
+            <p:spPr bwMode="gray">
+              <a:xfrm>
+                <a:off x="887" y="2040"/>
+                <a:ext cx="430" cy="420"/>
+              </a:xfrm>
+              <a:prstGeom prst="rect">
+                <a:avLst/>
+              </a:prstGeom>
+              <a:noFill/>
+              <a:ln w="9525">
+                <a:noFill/>
+                <a:miter lim="800000"/>
+                <a:headEnd/>
+                <a:tailEnd/>
+              </a:ln>
+            </p:spPr>
+          </p:pic>
+          <p:sp>
+            <p:nvSpPr>
+              <p:cNvPr id="21" name="Oval 55"/>
+              <p:cNvSpPr>
+                <a:spLocks noChangeArrowheads="1"/>
+              </p:cNvSpPr>
+              <p:nvPr/>
+            </p:nvSpPr>
+            <p:spPr bwMode="gray">
+              <a:xfrm>
+                <a:off x="888" y="2039"/>
+                <a:ext cx="433" cy="422"/>
+              </a:xfrm>
+              <a:prstGeom prst="ellipse">
+                <a:avLst/>
+              </a:prstGeom>
+              <a:gradFill rotWithShape="1">
+                <a:gsLst>
+                  <a:gs pos="0">
+                    <a:schemeClr val="accent1">
+                      <a:gamma/>
+                      <a:shade val="34902"/>
+                      <a:invGamma/>
+                      <a:alpha val="89999"/>
+                    </a:schemeClr>
+                  </a:gs>
+                  <a:gs pos="50000">
+                    <a:schemeClr val="accent1">
+                      <a:alpha val="75000"/>
+                    </a:schemeClr>
+                  </a:gs>
+                  <a:gs pos="100000">
+                    <a:schemeClr val="accent1">
+                      <a:gamma/>
+                      <a:shade val="34902"/>
+                      <a:invGamma/>
+                      <a:alpha val="89999"/>
+                    </a:schemeClr>
+                  </a:gs>
+                </a:gsLst>
+                <a:lin ang="18900000" scaled="1"/>
+              </a:gradFill>
+              <a:ln w="9525" algn="ctr">
+                <a:noFill/>
+                <a:round/>
+                <a:headEnd/>
+                <a:tailEnd/>
+              </a:ln>
+              <a:effectLst/>
+            </p:spPr>
+            <p:txBody>
+              <a:bodyPr wrap="none" anchor="ctr"/>
+              <a:lstStyle/>
+              <a:p>
+                <a:pPr>
+                  <a:defRPr/>
+                </a:pPr>
+                <a:endParaRPr kumimoji="0" lang="zh-TW" altLang="en-US"/>
+              </a:p>
+            </p:txBody>
+          </p:sp>
+          <p:pic>
+            <p:nvPicPr>
+              <p:cNvPr id="21562" name="Picture 56" descr="Picture2"/>
+              <p:cNvPicPr>
+                <a:picLocks noChangeAspect="1" noChangeArrowheads="1"/>
+              </p:cNvPicPr>
+              <p:nvPr/>
+            </p:nvPicPr>
+            <p:blipFill>
+              <a:blip r:embed="rId3" cstate="print"/>
+              <a:srcRect/>
+              <a:stretch>
+                <a:fillRect/>
+              </a:stretch>
+            </p:blipFill>
+            <p:spPr bwMode="gray">
+              <a:xfrm>
+                <a:off x="930" y="2044"/>
+                <a:ext cx="345" cy="149"/>
+              </a:xfrm>
+              <a:prstGeom prst="rect">
+                <a:avLst/>
+              </a:prstGeom>
+              <a:noFill/>
+              <a:ln w="9525">
+                <a:noFill/>
+                <a:miter lim="800000"/>
+                <a:headEnd/>
+                <a:tailEnd/>
+              </a:ln>
+            </p:spPr>
+          </p:pic>
+        </p:grpSp>
+        <p:pic>
+          <p:nvPicPr>
+            <p:cNvPr id="21559" name="Picture 57"/>
+            <p:cNvPicPr>
+              <a:picLocks noChangeAspect="1" noChangeArrowheads="1"/>
+            </p:cNvPicPr>
+            <p:nvPr/>
+          </p:nvPicPr>
+          <p:blipFill>
+            <a:blip r:embed="rId4" cstate="print"/>
+            <a:srcRect l="12015" t="9302" r="12404" b="12598"/>
+            <a:stretch>
+              <a:fillRect/>
+            </a:stretch>
+          </p:blipFill>
+          <p:spPr bwMode="gray">
+            <a:xfrm>
+              <a:off x="2570" y="1020"/>
+              <a:ext cx="359" cy="370"/>
+            </a:xfrm>
+            <a:prstGeom prst="rect">
+              <a:avLst/>
+            </a:prstGeom>
+            <a:noFill/>
+            <a:ln w="9525">
+              <a:noFill/>
+              <a:miter lim="800000"/>
+              <a:headEnd/>
+              <a:tailEnd/>
+            </a:ln>
+          </p:spPr>
+        </p:pic>
+      </p:grpSp>
+      <p:grpSp>
+        <p:nvGrpSpPr>
+          <p:cNvPr id="21519" name="Group 92"/>
+          <p:cNvGrpSpPr>
+            <a:grpSpLocks/>
+          </p:cNvGrpSpPr>
+          <p:nvPr/>
+        </p:nvGrpSpPr>
+        <p:grpSpPr bwMode="auto">
+          <a:xfrm>
+            <a:off x="1979613" y="3255260"/>
+            <a:ext cx="222250" cy="222250"/>
+            <a:chOff x="3647" y="1006"/>
+            <a:chExt cx="416" cy="416"/>
+          </a:xfrm>
+        </p:grpSpPr>
+        <p:sp>
+          <p:nvSpPr>
+            <p:cNvPr id="31" name="Oval 67"/>
+            <p:cNvSpPr>
+              <a:spLocks noChangeArrowheads="1"/>
+            </p:cNvSpPr>
+            <p:nvPr/>
+          </p:nvSpPr>
+          <p:spPr bwMode="gray">
+            <a:xfrm>
+              <a:off x="3647" y="1006"/>
+              <a:ext cx="416" cy="416"/>
+            </a:xfrm>
+            <a:prstGeom prst="ellipse">
+              <a:avLst/>
+            </a:prstGeom>
+            <a:gradFill rotWithShape="1">
+              <a:gsLst>
+                <a:gs pos="0">
+                  <a:srgbClr val="FFFFFF">
+                    <a:gamma/>
+                    <a:shade val="54118"/>
+                    <a:invGamma/>
+                  </a:srgbClr>
+                </a:gs>
+                <a:gs pos="50000">
+                  <a:srgbClr val="FFFFFF"/>
+                </a:gs>
+                <a:gs pos="100000">
+                  <a:srgbClr val="FFFFFF">
+                    <a:gamma/>
+                    <a:shade val="54118"/>
+                    <a:invGamma/>
+                  </a:srgbClr>
+                </a:gs>
+              </a:gsLst>
+              <a:lin ang="18900000" scaled="1"/>
+            </a:gradFill>
+            <a:ln w="9525">
+              <a:solidFill>
+                <a:srgbClr val="DDDDDD"/>
+              </a:solidFill>
+              <a:round/>
+              <a:headEnd/>
+              <a:tailEnd/>
+            </a:ln>
+            <a:effectLst>
+              <a:outerShdw dist="35921" dir="2700000" algn="ctr" rotWithShape="0">
+                <a:schemeClr val="bg2">
+                  <a:alpha val="50000"/>
+                </a:schemeClr>
+              </a:outerShdw>
+            </a:effectLst>
+          </p:spPr>
+          <p:txBody>
+            <a:bodyPr wrap="none" anchor="ctr"/>
+            <a:lstStyle/>
+            <a:p>
+              <a:pPr>
+                <a:defRPr/>
+              </a:pPr>
+              <a:endParaRPr kumimoji="0" lang="zh-TW" altLang="en-US"/>
+            </a:p>
+          </p:txBody>
+        </p:sp>
+        <p:grpSp>
+          <p:nvGrpSpPr>
+            <p:cNvPr id="21552" name="Group 68"/>
+            <p:cNvGrpSpPr>
+              <a:grpSpLocks/>
+            </p:cNvGrpSpPr>
+            <p:nvPr/>
+          </p:nvGrpSpPr>
+          <p:grpSpPr bwMode="auto">
+            <a:xfrm rot="-2288454">
+              <a:off x="3682" y="1034"/>
+              <a:ext cx="348" cy="356"/>
+              <a:chOff x="887" y="2040"/>
+              <a:chExt cx="433" cy="422"/>
+            </a:xfrm>
+          </p:grpSpPr>
+          <p:pic>
+            <p:nvPicPr>
+              <p:cNvPr id="21554" name="Picture 69" descr="circuler_1"/>
+              <p:cNvPicPr>
+                <a:picLocks noChangeAspect="1" noChangeArrowheads="1"/>
+              </p:cNvPicPr>
+              <p:nvPr/>
+            </p:nvPicPr>
+            <p:blipFill>
+              <a:blip r:embed="rId5" cstate="print"/>
+              <a:srcRect/>
+              <a:stretch>
+                <a:fillRect/>
+              </a:stretch>
+            </p:blipFill>
+            <p:spPr bwMode="gray">
+              <a:xfrm>
+                <a:off x="887" y="2040"/>
+                <a:ext cx="430" cy="420"/>
+              </a:xfrm>
+              <a:prstGeom prst="rect">
+                <a:avLst/>
+              </a:prstGeom>
+              <a:noFill/>
+              <a:ln w="9525">
+                <a:noFill/>
+                <a:miter lim="800000"/>
+                <a:headEnd/>
+                <a:tailEnd/>
+              </a:ln>
+            </p:spPr>
+          </p:pic>
+          <p:sp>
+            <p:nvSpPr>
+              <p:cNvPr id="35" name="Oval 70"/>
+              <p:cNvSpPr>
+                <a:spLocks noChangeArrowheads="1"/>
+              </p:cNvSpPr>
+              <p:nvPr/>
+            </p:nvSpPr>
+            <p:spPr bwMode="gray">
+              <a:xfrm>
+                <a:off x="888" y="2039"/>
+                <a:ext cx="433" cy="423"/>
+              </a:xfrm>
+              <a:prstGeom prst="ellipse">
+                <a:avLst/>
+              </a:prstGeom>
+              <a:gradFill rotWithShape="1">
+                <a:gsLst>
+                  <a:gs pos="0">
+                    <a:schemeClr val="hlink">
+                      <a:gamma/>
+                      <a:shade val="34902"/>
+                      <a:invGamma/>
+                      <a:alpha val="89999"/>
+                    </a:schemeClr>
+                  </a:gs>
+                  <a:gs pos="50000">
+                    <a:schemeClr val="hlink">
+                      <a:alpha val="75000"/>
+                    </a:schemeClr>
+                  </a:gs>
+                  <a:gs pos="100000">
+                    <a:schemeClr val="hlink">
+                      <a:gamma/>
+                      <a:shade val="34902"/>
+                      <a:invGamma/>
+                      <a:alpha val="89999"/>
+                    </a:schemeClr>
+                  </a:gs>
+                </a:gsLst>
+                <a:lin ang="18900000" scaled="1"/>
+              </a:gradFill>
+              <a:ln w="9525" algn="ctr">
+                <a:noFill/>
+                <a:round/>
+                <a:headEnd/>
+                <a:tailEnd/>
+              </a:ln>
+              <a:effectLst/>
+            </p:spPr>
+            <p:txBody>
+              <a:bodyPr wrap="none" anchor="ctr"/>
+              <a:lstStyle/>
+              <a:p>
+                <a:pPr>
+                  <a:defRPr/>
+                </a:pPr>
+                <a:endParaRPr kumimoji="0" lang="zh-TW" altLang="en-US"/>
+              </a:p>
+            </p:txBody>
+          </p:sp>
+          <p:pic>
+            <p:nvPicPr>
+              <p:cNvPr id="21556" name="Picture 71" descr="Picture2"/>
+              <p:cNvPicPr>
+                <a:picLocks noChangeAspect="1" noChangeArrowheads="1"/>
+              </p:cNvPicPr>
+              <p:nvPr/>
+            </p:nvPicPr>
+            <p:blipFill>
+              <a:blip r:embed="rId3" cstate="print"/>
+              <a:srcRect/>
+              <a:stretch>
+                <a:fillRect/>
+              </a:stretch>
+            </p:blipFill>
+            <p:spPr bwMode="gray">
+              <a:xfrm>
+                <a:off x="930" y="2044"/>
+                <a:ext cx="345" cy="149"/>
+              </a:xfrm>
+              <a:prstGeom prst="rect">
+                <a:avLst/>
+              </a:prstGeom>
+              <a:noFill/>
+              <a:ln w="9525">
+                <a:noFill/>
+                <a:miter lim="800000"/>
+                <a:headEnd/>
+                <a:tailEnd/>
+              </a:ln>
+            </p:spPr>
+          </p:pic>
+        </p:grpSp>
+        <p:pic>
+          <p:nvPicPr>
+            <p:cNvPr id="21553" name="Picture 87"/>
+            <p:cNvPicPr>
+              <a:picLocks noChangeAspect="1" noChangeArrowheads="1"/>
+            </p:cNvPicPr>
+            <p:nvPr/>
+          </p:nvPicPr>
+          <p:blipFill>
+            <a:blip r:embed="rId6" cstate="print"/>
+            <a:srcRect l="12015" t="9302" r="12404" b="12598"/>
+            <a:stretch>
+              <a:fillRect/>
+            </a:stretch>
+          </p:blipFill>
+          <p:spPr bwMode="gray">
+            <a:xfrm>
+              <a:off x="3676" y="1020"/>
+              <a:ext cx="359" cy="370"/>
+            </a:xfrm>
+            <a:prstGeom prst="rect">
+              <a:avLst/>
+            </a:prstGeom>
+            <a:noFill/>
+            <a:ln w="9525">
+              <a:noFill/>
+              <a:miter lim="800000"/>
+              <a:headEnd/>
+              <a:tailEnd/>
+            </a:ln>
+          </p:spPr>
+        </p:pic>
+      </p:grpSp>
+      <p:grpSp>
+        <p:nvGrpSpPr>
+          <p:cNvPr id="21520" name="Group 91"/>
+          <p:cNvGrpSpPr>
+            <a:grpSpLocks/>
+          </p:cNvGrpSpPr>
+          <p:nvPr/>
+        </p:nvGrpSpPr>
+        <p:grpSpPr bwMode="auto">
+          <a:xfrm>
+            <a:off x="1979613" y="3925185"/>
+            <a:ext cx="222250" cy="222250"/>
+            <a:chOff x="4213" y="1006"/>
+            <a:chExt cx="416" cy="416"/>
+          </a:xfrm>
+        </p:grpSpPr>
+        <p:sp>
+          <p:nvSpPr>
+            <p:cNvPr id="38" name="Oval 72"/>
+            <p:cNvSpPr>
+              <a:spLocks noChangeArrowheads="1"/>
+            </p:cNvSpPr>
+            <p:nvPr/>
+          </p:nvSpPr>
+          <p:spPr bwMode="gray">
+            <a:xfrm>
+              <a:off x="4213" y="1006"/>
+              <a:ext cx="416" cy="416"/>
+            </a:xfrm>
+            <a:prstGeom prst="ellipse">
+              <a:avLst/>
+            </a:prstGeom>
+            <a:gradFill rotWithShape="1">
+              <a:gsLst>
+                <a:gs pos="0">
+                  <a:srgbClr val="FFFFFF">
+                    <a:gamma/>
+                    <a:shade val="54118"/>
+                    <a:invGamma/>
+                  </a:srgbClr>
+                </a:gs>
+                <a:gs pos="50000">
+                  <a:srgbClr val="FFFFFF"/>
+                </a:gs>
+                <a:gs pos="100000">
+                  <a:srgbClr val="FFFFFF">
+                    <a:gamma/>
+                    <a:shade val="54118"/>
+                    <a:invGamma/>
+                  </a:srgbClr>
+                </a:gs>
+              </a:gsLst>
+              <a:lin ang="18900000" scaled="1"/>
+            </a:gradFill>
+            <a:ln w="9525">
+              <a:solidFill>
+                <a:srgbClr val="DDDDDD"/>
+              </a:solidFill>
+              <a:round/>
+              <a:headEnd/>
+              <a:tailEnd/>
+            </a:ln>
+            <a:effectLst>
+              <a:outerShdw dist="35921" dir="2700000" algn="ctr" rotWithShape="0">
+                <a:schemeClr val="bg2">
+                  <a:alpha val="50000"/>
+                </a:schemeClr>
+              </a:outerShdw>
+            </a:effectLst>
+          </p:spPr>
+          <p:txBody>
+            <a:bodyPr wrap="none" anchor="ctr"/>
+            <a:lstStyle/>
+            <a:p>
+              <a:pPr>
+                <a:defRPr/>
+              </a:pPr>
+              <a:endParaRPr kumimoji="0" lang="zh-TW" altLang="en-US"/>
+            </a:p>
+          </p:txBody>
+        </p:sp>
+        <p:grpSp>
+          <p:nvGrpSpPr>
+            <p:cNvPr id="21546" name="Group 73"/>
+            <p:cNvGrpSpPr>
+              <a:grpSpLocks/>
+            </p:cNvGrpSpPr>
+            <p:nvPr/>
+          </p:nvGrpSpPr>
+          <p:grpSpPr bwMode="auto">
+            <a:xfrm rot="-2288454">
+              <a:off x="4248" y="1034"/>
+              <a:ext cx="348" cy="356"/>
+              <a:chOff x="887" y="2040"/>
+              <a:chExt cx="433" cy="422"/>
+            </a:xfrm>
+          </p:grpSpPr>
+          <p:pic>
+            <p:nvPicPr>
+              <p:cNvPr id="21548" name="Picture 74" descr="circuler_1"/>
+              <p:cNvPicPr>
+                <a:picLocks noChangeAspect="1" noChangeArrowheads="1"/>
+              </p:cNvPicPr>
+              <p:nvPr/>
+            </p:nvPicPr>
+            <p:blipFill>
+              <a:blip r:embed="rId5" cstate="print"/>
+              <a:srcRect/>
+              <a:stretch>
+                <a:fillRect/>
+              </a:stretch>
+            </p:blipFill>
+            <p:spPr bwMode="gray">
+              <a:xfrm>
+                <a:off x="887" y="2040"/>
+                <a:ext cx="430" cy="420"/>
+              </a:xfrm>
+              <a:prstGeom prst="rect">
+                <a:avLst/>
+              </a:prstGeom>
+              <a:noFill/>
+              <a:ln w="9525">
+                <a:noFill/>
+                <a:miter lim="800000"/>
+                <a:headEnd/>
+                <a:tailEnd/>
+              </a:ln>
+            </p:spPr>
+          </p:pic>
+          <p:sp>
+            <p:nvSpPr>
+              <p:cNvPr id="42" name="Oval 75"/>
+              <p:cNvSpPr>
+                <a:spLocks noChangeArrowheads="1"/>
+              </p:cNvSpPr>
+              <p:nvPr/>
+            </p:nvSpPr>
+            <p:spPr bwMode="gray">
+              <a:xfrm>
+                <a:off x="888" y="2039"/>
+                <a:ext cx="433" cy="423"/>
+              </a:xfrm>
+              <a:prstGeom prst="ellipse">
+                <a:avLst/>
+              </a:prstGeom>
+              <a:gradFill rotWithShape="1">
+                <a:gsLst>
+                  <a:gs pos="0">
+                    <a:schemeClr val="folHlink">
+                      <a:gamma/>
+                      <a:shade val="34902"/>
+                      <a:invGamma/>
+                      <a:alpha val="89999"/>
+                    </a:schemeClr>
+                  </a:gs>
+                  <a:gs pos="50000">
+                    <a:schemeClr val="folHlink">
+                      <a:alpha val="75000"/>
+                    </a:schemeClr>
+                  </a:gs>
+                  <a:gs pos="100000">
+                    <a:schemeClr val="folHlink">
+                      <a:gamma/>
+                      <a:shade val="34902"/>
+                      <a:invGamma/>
+                      <a:alpha val="89999"/>
+                    </a:schemeClr>
+                  </a:gs>
+                </a:gsLst>
+                <a:lin ang="18900000" scaled="1"/>
+              </a:gradFill>
+              <a:ln w="9525" algn="ctr">
+                <a:noFill/>
+                <a:round/>
+                <a:headEnd/>
+                <a:tailEnd/>
+              </a:ln>
+              <a:effectLst/>
+            </p:spPr>
+            <p:txBody>
+              <a:bodyPr wrap="none" anchor="ctr"/>
+              <a:lstStyle/>
+              <a:p>
+                <a:pPr>
+                  <a:defRPr/>
+                </a:pPr>
+                <a:endParaRPr kumimoji="0" lang="zh-TW" altLang="en-US"/>
+              </a:p>
+            </p:txBody>
+          </p:sp>
+          <p:pic>
+            <p:nvPicPr>
+              <p:cNvPr id="21550" name="Picture 76" descr="Picture2"/>
+              <p:cNvPicPr>
+                <a:picLocks noChangeAspect="1" noChangeArrowheads="1"/>
+              </p:cNvPicPr>
+              <p:nvPr/>
+            </p:nvPicPr>
+            <p:blipFill>
+              <a:blip r:embed="rId3" cstate="print"/>
+              <a:srcRect/>
+              <a:stretch>
+                <a:fillRect/>
+              </a:stretch>
+            </p:blipFill>
+            <p:spPr bwMode="gray">
+              <a:xfrm>
+                <a:off x="930" y="2044"/>
+                <a:ext cx="345" cy="149"/>
+              </a:xfrm>
+              <a:prstGeom prst="rect">
+                <a:avLst/>
+              </a:prstGeom>
+              <a:noFill/>
+              <a:ln w="9525">
+                <a:noFill/>
+                <a:miter lim="800000"/>
+                <a:headEnd/>
+                <a:tailEnd/>
+              </a:ln>
+            </p:spPr>
+          </p:pic>
+        </p:grpSp>
+        <p:pic>
+          <p:nvPicPr>
+            <p:cNvPr id="21547" name="Picture 88"/>
+            <p:cNvPicPr>
+              <a:picLocks noChangeAspect="1" noChangeArrowheads="1"/>
+            </p:cNvPicPr>
+            <p:nvPr/>
+          </p:nvPicPr>
+          <p:blipFill>
+            <a:blip r:embed="rId6" cstate="print"/>
+            <a:srcRect l="12015" t="9302" r="12404" b="12598"/>
+            <a:stretch>
+              <a:fillRect/>
+            </a:stretch>
+          </p:blipFill>
+          <p:spPr bwMode="gray">
+            <a:xfrm>
+              <a:off x="4240" y="1020"/>
+              <a:ext cx="359" cy="370"/>
+            </a:xfrm>
+            <a:prstGeom prst="rect">
+              <a:avLst/>
+            </a:prstGeom>
+            <a:noFill/>
+            <a:ln w="9525">
+              <a:noFill/>
+              <a:miter lim="800000"/>
+              <a:headEnd/>
+              <a:tailEnd/>
+            </a:ln>
+          </p:spPr>
+        </p:pic>
+      </p:grpSp>
+      <p:grpSp>
+        <p:nvGrpSpPr>
+          <p:cNvPr id="21521" name="Group 90"/>
+          <p:cNvGrpSpPr>
+            <a:grpSpLocks/>
+          </p:cNvGrpSpPr>
+          <p:nvPr/>
+        </p:nvGrpSpPr>
+        <p:grpSpPr bwMode="auto">
+          <a:xfrm>
+            <a:off x="1979613" y="4595110"/>
+            <a:ext cx="222250" cy="220662"/>
+            <a:chOff x="4803" y="1006"/>
+            <a:chExt cx="416" cy="416"/>
+          </a:xfrm>
+        </p:grpSpPr>
+        <p:sp>
+          <p:nvSpPr>
+            <p:cNvPr id="45" name="Oval 81"/>
+            <p:cNvSpPr>
+              <a:spLocks noChangeArrowheads="1"/>
+            </p:cNvSpPr>
+            <p:nvPr/>
+          </p:nvSpPr>
+          <p:spPr bwMode="gray">
+            <a:xfrm>
+              <a:off x="4803" y="1006"/>
+              <a:ext cx="416" cy="416"/>
+            </a:xfrm>
+            <a:prstGeom prst="ellipse">
+              <a:avLst/>
+            </a:prstGeom>
+            <a:gradFill rotWithShape="1">
+              <a:gsLst>
+                <a:gs pos="0">
+                  <a:srgbClr val="FFFFFF">
+                    <a:gamma/>
+                    <a:shade val="54118"/>
+                    <a:invGamma/>
+                  </a:srgbClr>
+                </a:gs>
+                <a:gs pos="50000">
+                  <a:srgbClr val="FFFFFF"/>
+                </a:gs>
+                <a:gs pos="100000">
+                  <a:srgbClr val="FFFFFF">
+                    <a:gamma/>
+                    <a:shade val="54118"/>
+                    <a:invGamma/>
+                  </a:srgbClr>
+                </a:gs>
+              </a:gsLst>
+              <a:lin ang="18900000" scaled="1"/>
+            </a:gradFill>
+            <a:ln w="9525">
+              <a:solidFill>
+                <a:srgbClr val="DDDDDD"/>
+              </a:solidFill>
+              <a:round/>
+              <a:headEnd/>
+              <a:tailEnd/>
+            </a:ln>
+            <a:effectLst>
+              <a:outerShdw dist="35921" dir="2700000" algn="ctr" rotWithShape="0">
+                <a:schemeClr val="bg2">
+                  <a:alpha val="50000"/>
+                </a:schemeClr>
+              </a:outerShdw>
+            </a:effectLst>
+          </p:spPr>
+          <p:txBody>
+            <a:bodyPr wrap="none" anchor="ctr"/>
+            <a:lstStyle/>
+            <a:p>
+              <a:pPr>
+                <a:defRPr/>
+              </a:pPr>
+              <a:endParaRPr kumimoji="0" lang="zh-TW" altLang="en-US"/>
+            </a:p>
+          </p:txBody>
+        </p:sp>
+        <p:grpSp>
+          <p:nvGrpSpPr>
+            <p:cNvPr id="21540" name="Group 82"/>
+            <p:cNvGrpSpPr>
+              <a:grpSpLocks/>
+            </p:cNvGrpSpPr>
+            <p:nvPr/>
+          </p:nvGrpSpPr>
+          <p:grpSpPr bwMode="auto">
+            <a:xfrm rot="-2288454">
+              <a:off x="4838" y="1034"/>
+              <a:ext cx="348" cy="356"/>
+              <a:chOff x="887" y="2040"/>
+              <a:chExt cx="433" cy="422"/>
+            </a:xfrm>
+          </p:grpSpPr>
+          <p:pic>
+            <p:nvPicPr>
+              <p:cNvPr id="21542" name="Picture 83" descr="circuler_1"/>
+              <p:cNvPicPr>
+                <a:picLocks noChangeAspect="1" noChangeArrowheads="1"/>
+              </p:cNvPicPr>
+              <p:nvPr/>
+            </p:nvPicPr>
+            <p:blipFill>
+              <a:blip r:embed="rId2" cstate="print"/>
+              <a:srcRect/>
+              <a:stretch>
+                <a:fillRect/>
+              </a:stretch>
+            </p:blipFill>
+            <p:spPr bwMode="gray">
+              <a:xfrm>
+                <a:off x="887" y="2040"/>
+                <a:ext cx="430" cy="420"/>
+              </a:xfrm>
+              <a:prstGeom prst="rect">
+                <a:avLst/>
+              </a:prstGeom>
+              <a:noFill/>
+              <a:ln w="9525">
+                <a:noFill/>
+                <a:miter lim="800000"/>
+                <a:headEnd/>
+                <a:tailEnd/>
+              </a:ln>
+            </p:spPr>
+          </p:pic>
+          <p:sp>
+            <p:nvSpPr>
+              <p:cNvPr id="21543" name="Oval 84"/>
+              <p:cNvSpPr>
+                <a:spLocks noChangeArrowheads="1"/>
+              </p:cNvSpPr>
+              <p:nvPr/>
+            </p:nvSpPr>
+            <p:spPr bwMode="gray">
+              <a:xfrm>
+                <a:off x="887" y="2040"/>
+                <a:ext cx="433" cy="422"/>
+              </a:xfrm>
+              <a:prstGeom prst="ellipse">
+                <a:avLst/>
+              </a:prstGeom>
+              <a:solidFill>
+                <a:srgbClr val="FB4F2D">
+                  <a:alpha val="74901"/>
+                </a:srgbClr>
+              </a:solidFill>
+              <a:ln w="9525" algn="ctr">
+                <a:noFill/>
+                <a:round/>
+                <a:headEnd/>
+                <a:tailEnd/>
+              </a:ln>
+            </p:spPr>
+            <p:txBody>
+              <a:bodyPr wrap="none" anchor="ctr"/>
+              <a:lstStyle/>
+              <a:p>
+                <a:endParaRPr kumimoji="0" lang="zh-TW" altLang="en-US"/>
+              </a:p>
+            </p:txBody>
+          </p:sp>
+          <p:pic>
+            <p:nvPicPr>
+              <p:cNvPr id="21544" name="Picture 85" descr="Picture2"/>
+              <p:cNvPicPr>
+                <a:picLocks noChangeAspect="1" noChangeArrowheads="1"/>
+              </p:cNvPicPr>
+              <p:nvPr/>
+            </p:nvPicPr>
+            <p:blipFill>
+              <a:blip r:embed="rId3" cstate="print"/>
+              <a:srcRect/>
+              <a:stretch>
+                <a:fillRect/>
+              </a:stretch>
+            </p:blipFill>
+            <p:spPr bwMode="gray">
+              <a:xfrm>
+                <a:off x="930" y="2044"/>
+                <a:ext cx="345" cy="149"/>
+              </a:xfrm>
+              <a:prstGeom prst="rect">
+                <a:avLst/>
+              </a:prstGeom>
+              <a:noFill/>
+              <a:ln w="9525">
+                <a:noFill/>
+                <a:miter lim="800000"/>
+                <a:headEnd/>
+                <a:tailEnd/>
+              </a:ln>
+            </p:spPr>
+          </p:pic>
+        </p:grpSp>
+        <p:pic>
+          <p:nvPicPr>
+            <p:cNvPr id="21541" name="Picture 89"/>
+            <p:cNvPicPr>
+              <a:picLocks noChangeAspect="1" noChangeArrowheads="1"/>
+            </p:cNvPicPr>
+            <p:nvPr/>
+          </p:nvPicPr>
+          <p:blipFill>
+            <a:blip r:embed="rId4" cstate="print"/>
+            <a:srcRect l="12015" t="9302" r="12404" b="12598"/>
+            <a:stretch>
+              <a:fillRect/>
+            </a:stretch>
+          </p:blipFill>
+          <p:spPr bwMode="gray">
+            <a:xfrm>
+              <a:off x="4830" y="1020"/>
+              <a:ext cx="359" cy="370"/>
+            </a:xfrm>
+            <a:prstGeom prst="rect">
+              <a:avLst/>
+            </a:prstGeom>
+            <a:noFill/>
+            <a:ln w="9525">
+              <a:noFill/>
+              <a:miter lim="800000"/>
+              <a:headEnd/>
+              <a:tailEnd/>
+            </a:ln>
+          </p:spPr>
+        </p:pic>
+      </p:grpSp>
+      <p:sp>
+        <p:nvSpPr>
+          <p:cNvPr id="21523" name="Line 2"/>
+          <p:cNvSpPr>
+            <a:spLocks noChangeShapeType="1"/>
+          </p:cNvSpPr>
+          <p:nvPr/>
+        </p:nvSpPr>
+        <p:spPr bwMode="black">
+          <a:xfrm>
+            <a:off x="2273300" y="4904672"/>
+            <a:ext cx="4800600" cy="0"/>
+          </a:xfrm>
+          <a:prstGeom prst="line">
+            <a:avLst/>
+          </a:prstGeom>
+          <a:noFill/>
+          <a:ln w="28575" cap="rnd">
+            <a:solidFill>
+              <a:schemeClr val="tx1"/>
+            </a:solidFill>
+            <a:prstDash val="sysDot"/>
+            <a:round/>
+            <a:headEnd/>
+            <a:tailEnd/>
+          </a:ln>
+        </p:spPr>
+        <p:txBody>
+          <a:bodyPr/>
+          <a:lstStyle/>
+          <a:p>
+            <a:endParaRPr lang="zh-TW" altLang="en-US"/>
+          </a:p>
+        </p:txBody>
+      </p:sp>
+      <p:sp>
+        <p:nvSpPr>
+          <p:cNvPr id="21524" name="Rectangle 3"/>
+          <p:cNvSpPr>
+            <a:spLocks noChangeArrowheads="1"/>
+          </p:cNvSpPr>
+          <p:nvPr/>
+        </p:nvSpPr>
+        <p:spPr bwMode="black">
+          <a:xfrm>
+            <a:off x="2320925" y="4437947"/>
+            <a:ext cx="4849813" cy="522288"/>
+          </a:xfrm>
+          <a:prstGeom prst="rect">
+            <a:avLst/>
+          </a:prstGeom>
+          <a:noFill/>
+          <a:ln w="9525">
+            <a:noFill/>
+            <a:miter lim="800000"/>
+            <a:headEnd/>
+            <a:tailEnd/>
+          </a:ln>
+        </p:spPr>
+        <p:txBody>
+          <a:bodyPr>
+            <a:spAutoFit/>
+          </a:bodyPr>
+          <a:lstStyle/>
+          <a:p>
+            <a:r>
+              <a:rPr kumimoji="0" lang="en-US" altLang="zh-TW" sz="2800" dirty="0" smtClean="0">
+                <a:latin typeface="標楷體" pitchFamily="65" charset="-120"/>
+                <a:ea typeface="標楷體" pitchFamily="65" charset="-120"/>
+              </a:rPr>
+              <a:t>Conclusions</a:t>
             </a:r>
             <a:endParaRPr kumimoji="0" lang="zh-TW" altLang="en-US" sz="2800" dirty="0">
               <a:latin typeface="標楷體" pitchFamily="65" charset="-120"/>

--- a/final/BT-like-peer2peer.pptx
+++ b/final/BT-like-peer2peer.pptx
@@ -321,7 +321,7 @@
               <a:pPr>
                 <a:defRPr/>
               </a:pPr>
-              <a:t>2016/6/13</a:t>
+              <a:t>2016/6/14</a:t>
             </a:fld>
             <a:endParaRPr lang="zh-TW" altLang="en-US"/>
           </a:p>
@@ -512,7 +512,7 @@
               <a:pPr>
                 <a:defRPr/>
               </a:pPr>
-              <a:t>2016/6/13</a:t>
+              <a:t>2016/6/14</a:t>
             </a:fld>
             <a:endParaRPr lang="zh-TW" altLang="en-US"/>
           </a:p>
@@ -29716,8 +29716,8 @@
           </a:p>
         </p:txBody>
       </p:sp>
-      <mc:AlternateContent xmlns:mc="http://schemas.openxmlformats.org/markup-compatibility/2006" xmlns:a14="http://schemas.microsoft.com/office/drawing/2010/main">
-        <mc:Choice Requires="a14">
+      <mc:AlternateContent xmlns:mc="http://schemas.openxmlformats.org/markup-compatibility/2006">
+        <mc:Choice xmlns:a14="http://schemas.microsoft.com/office/drawing/2010/main" Requires="a14">
           <p:sp>
             <p:nvSpPr>
               <p:cNvPr id="3" name="內容版面配置區 2"/>
@@ -29849,28 +29849,32 @@
               <a:p>
                 <a:r>
                   <a:rPr lang="en-US" altLang="zh-TW" dirty="0" smtClean="0"/>
-                  <a:t>Optimistic </a:t>
-                </a:r>
-                <a:r>
-                  <a:rPr lang="en-US" altLang="zh-TW" dirty="0" err="1" smtClean="0"/>
-                  <a:t>unchoking</a:t>
-                </a:r>
-                <a:r>
-                  <a:rPr lang="en-US" altLang="zh-TW" dirty="0" smtClean="0"/>
-                  <a:t> happens once every 30 seconds.</a:t>
-                </a:r>
-              </a:p>
-              <a:p>
-                <a:endParaRPr lang="en-US" altLang="zh-TW" dirty="0" smtClean="0"/>
-              </a:p>
-              <a:p>
-                <a:r>
-                  <a:rPr lang="en-US" altLang="zh-TW" dirty="0" smtClean="0"/>
                   <a:t>Then peer </a:t>
                 </a:r>
                 <a:r>
                   <a:rPr lang="en-US" altLang="zh-TW" dirty="0"/>
                   <a:t>with the least downloading rate is dropped</a:t>
+                </a:r>
+                <a:r>
+                  <a:rPr lang="en-US" altLang="zh-TW" dirty="0" smtClean="0"/>
+                  <a:t>.</a:t>
+                </a:r>
+              </a:p>
+              <a:p>
+                <a:endParaRPr lang="en-US" altLang="zh-TW" dirty="0"/>
+              </a:p>
+              <a:p>
+                <a:r>
+                  <a:rPr lang="en-US" altLang="zh-TW" dirty="0"/>
+                  <a:t>Optimistic </a:t>
+                </a:r>
+                <a:r>
+                  <a:rPr lang="en-US" altLang="zh-TW" dirty="0" err="1"/>
+                  <a:t>unchoking</a:t>
+                </a:r>
+                <a:r>
+                  <a:rPr lang="en-US" altLang="zh-TW" dirty="0"/>
+                  <a:t> happens once every 30 seconds</a:t>
                 </a:r>
                 <a:r>
                   <a:rPr lang="en-US" altLang="zh-TW" dirty="0" smtClean="0"/>
@@ -29891,7 +29895,7 @@
             </p:txBody>
           </p:sp>
         </mc:Choice>
-        <mc:Fallback xmlns="">
+        <mc:Fallback>
           <p:sp>
             <p:nvSpPr>
               <p:cNvPr id="3" name="內容版面配置區 2"/>
@@ -31083,8 +31087,8 @@
           </a:p>
         </p:txBody>
       </p:sp>
-      <mc:AlternateContent xmlns:mc="http://schemas.openxmlformats.org/markup-compatibility/2006" xmlns:a14="http://schemas.microsoft.com/office/drawing/2010/main">
-        <mc:Choice Requires="a14">
+      <mc:AlternateContent xmlns:mc="http://schemas.openxmlformats.org/markup-compatibility/2006">
+        <mc:Choice xmlns:a14="http://schemas.microsoft.com/office/drawing/2010/main" Requires="a14">
           <p:sp>
             <p:nvSpPr>
               <p:cNvPr id="3" name="內容版面配置區 2"/>
@@ -31399,7 +31403,15 @@
                 </a14:m>
                 <a:r>
                   <a:rPr lang="en-US" altLang="zh-TW" dirty="0" smtClean="0"/>
-                  <a:t>: the downloading of a given peer.</a:t>
+                  <a:t>: the downloading </a:t>
+                </a:r>
+                <a:r>
+                  <a:rPr lang="en-US" altLang="zh-TW" dirty="0" smtClean="0"/>
+                  <a:t>bandwidth of </a:t>
+                </a:r>
+                <a:r>
+                  <a:rPr lang="en-US" altLang="zh-TW" dirty="0" smtClean="0"/>
+                  <a:t>a given peer.</a:t>
                 </a:r>
               </a:p>
               <a:p>
@@ -31507,7 +31519,7 @@
             </p:txBody>
           </p:sp>
         </mc:Choice>
-        <mc:Fallback xmlns="">
+        <mc:Fallback>
           <p:sp>
             <p:nvSpPr>
               <p:cNvPr id="3" name="內容版面配置區 2"/>

--- a/final/BT-like-peer2peer.pptx
+++ b/final/BT-like-peer2peer.pptx
@@ -5,10 +5,10 @@
     <p:sldMasterId id="2147483648" r:id="rId1"/>
   </p:sldMasterIdLst>
   <p:notesMasterIdLst>
-    <p:notesMasterId r:id="rId56"/>
+    <p:notesMasterId r:id="rId54"/>
   </p:notesMasterIdLst>
   <p:handoutMasterIdLst>
-    <p:handoutMasterId r:id="rId57"/>
+    <p:handoutMasterId r:id="rId55"/>
   </p:handoutMasterIdLst>
   <p:sldIdLst>
     <p:sldId id="289" r:id="rId2"/>
@@ -57,14 +57,12 @@
     <p:sldId id="329" r:id="rId45"/>
     <p:sldId id="330" r:id="rId46"/>
     <p:sldId id="331" r:id="rId47"/>
-    <p:sldId id="332" r:id="rId48"/>
-    <p:sldId id="333" r:id="rId49"/>
-    <p:sldId id="334" r:id="rId50"/>
-    <p:sldId id="335" r:id="rId51"/>
-    <p:sldId id="336" r:id="rId52"/>
-    <p:sldId id="337" r:id="rId53"/>
-    <p:sldId id="362" r:id="rId54"/>
-    <p:sldId id="338" r:id="rId55"/>
+    <p:sldId id="334" r:id="rId48"/>
+    <p:sldId id="335" r:id="rId49"/>
+    <p:sldId id="336" r:id="rId50"/>
+    <p:sldId id="337" r:id="rId51"/>
+    <p:sldId id="362" r:id="rId52"/>
+    <p:sldId id="338" r:id="rId53"/>
   </p:sldIdLst>
   <p:sldSz cx="9144000" cy="6858000" type="screen4x3"/>
   <p:notesSz cx="7086600" cy="10223500"/>
@@ -1117,7 +1115,7 @@
       </p:grpSpPr>
       <p:sp>
         <p:nvSpPr>
-          <p:cNvPr id="2" name="投影片圖像版面配置區 1"/>
+          <p:cNvPr id="2" name="投影片影像版面配置區 1"/>
           <p:cNvSpPr>
             <a:spLocks noGrp="1" noRot="1" noChangeAspect="1"/>
           </p:cNvSpPr>
@@ -1142,21 +1140,7 @@
           <a:bodyPr/>
           <a:lstStyle/>
           <a:p>
-            <a:r>
-              <a:rPr lang="en-US" altLang="zh-TW" dirty="0" smtClean="0"/>
-              <a:t>X sim(t) =</a:t>
-            </a:r>
-            <a:r>
-              <a:rPr lang="en-US" altLang="zh-TW" baseline="0" dirty="0" smtClean="0"/>
-              <a:t> # downloaders</a:t>
-            </a:r>
-          </a:p>
-          <a:p>
-            <a:r>
-              <a:rPr lang="en-US" altLang="zh-TW" baseline="0" dirty="0" smtClean="0"/>
-              <a:t>Y sim(t) = # seeds</a:t>
-            </a:r>
-            <a:endParaRPr lang="zh-TW" altLang="en-US" dirty="0" smtClean="0"/>
+            <a:endParaRPr kumimoji="1" lang="zh-TW" altLang="en-US" dirty="0"/>
           </a:p>
         </p:txBody>
       </p:sp>
@@ -1192,111 +1176,7 @@
     </p:spTree>
     <p:extLst>
       <p:ext uri="{BB962C8B-B14F-4D97-AF65-F5344CB8AC3E}">
-        <p14:creationId xmlns:p14="http://schemas.microsoft.com/office/powerpoint/2010/main" val="374673089"/>
-      </p:ext>
-    </p:extLst>
-  </p:cSld>
-  <p:clrMapOvr>
-    <a:masterClrMapping/>
-  </p:clrMapOvr>
-</p:notes>
-</file>
-
-<file path=ppt/notesSlides/notesSlide12.xml><?xml version="1.0" encoding="utf-8"?>
-<p:notes xmlns:a="http://schemas.openxmlformats.org/drawingml/2006/main" xmlns:r="http://schemas.openxmlformats.org/officeDocument/2006/relationships" xmlns:p="http://schemas.openxmlformats.org/presentationml/2006/main">
-  <p:cSld>
-    <p:spTree>
-      <p:nvGrpSpPr>
-        <p:cNvPr id="1" name=""/>
-        <p:cNvGrpSpPr/>
-        <p:nvPr/>
-      </p:nvGrpSpPr>
-      <p:grpSpPr>
-        <a:xfrm>
-          <a:off x="0" y="0"/>
-          <a:ext cx="0" cy="0"/>
-          <a:chOff x="0" y="0"/>
-          <a:chExt cx="0" cy="0"/>
-        </a:xfrm>
-      </p:grpSpPr>
-      <p:sp>
-        <p:nvSpPr>
-          <p:cNvPr id="2" name="投影片圖像版面配置區 1"/>
-          <p:cNvSpPr>
-            <a:spLocks noGrp="1" noRot="1" noChangeAspect="1"/>
-          </p:cNvSpPr>
-          <p:nvPr>
-            <p:ph type="sldImg"/>
-          </p:nvPr>
-        </p:nvSpPr>
-        <p:spPr/>
-      </p:sp>
-      <p:sp>
-        <p:nvSpPr>
-          <p:cNvPr id="3" name="備忘稿版面配置區 2"/>
-          <p:cNvSpPr>
-            <a:spLocks noGrp="1"/>
-          </p:cNvSpPr>
-          <p:nvPr>
-            <p:ph type="body" idx="1"/>
-          </p:nvPr>
-        </p:nvSpPr>
-        <p:spPr/>
-        <p:txBody>
-          <a:bodyPr/>
-          <a:lstStyle/>
-          <a:p>
-            <a:r>
-              <a:rPr lang="en-US" altLang="zh-TW" dirty="0" smtClean="0"/>
-              <a:t>X sim(t) =</a:t>
-            </a:r>
-            <a:r>
-              <a:rPr lang="en-US" altLang="zh-TW" baseline="0" dirty="0" smtClean="0"/>
-              <a:t> # downloaders</a:t>
-            </a:r>
-          </a:p>
-          <a:p>
-            <a:r>
-              <a:rPr lang="en-US" altLang="zh-TW" baseline="0" dirty="0" smtClean="0"/>
-              <a:t>Y sim(t) = # seeds</a:t>
-            </a:r>
-            <a:endParaRPr lang="zh-TW" altLang="en-US" dirty="0"/>
-          </a:p>
-        </p:txBody>
-      </p:sp>
-      <p:sp>
-        <p:nvSpPr>
-          <p:cNvPr id="4" name="投影片編號版面配置區 3"/>
-          <p:cNvSpPr>
-            <a:spLocks noGrp="1"/>
-          </p:cNvSpPr>
-          <p:nvPr>
-            <p:ph type="sldNum" sz="quarter" idx="10"/>
-          </p:nvPr>
-        </p:nvSpPr>
-        <p:spPr/>
-        <p:txBody>
-          <a:bodyPr/>
-          <a:lstStyle/>
-          <a:p>
-            <a:pPr>
-              <a:defRPr/>
-            </a:pPr>
-            <a:fld id="{AA32E424-FCBD-41DB-BDB8-D5C0C38729C3}" type="slidenum">
-              <a:rPr lang="zh-TW" altLang="en-US" smtClean="0"/>
-              <a:pPr>
-                <a:defRPr/>
-              </a:pPr>
-              <a:t>48</a:t>
-            </a:fld>
-            <a:endParaRPr lang="zh-TW" altLang="en-US"/>
-          </a:p>
-        </p:txBody>
-      </p:sp>
-    </p:spTree>
-    <p:extLst>
-      <p:ext uri="{BB962C8B-B14F-4D97-AF65-F5344CB8AC3E}">
-        <p14:creationId xmlns:p14="http://schemas.microsoft.com/office/powerpoint/2010/main" val="867213318"/>
+        <p14:creationId xmlns:p14="http://schemas.microsoft.com/office/powerpoint/2010/main" val="70904304"/>
       </p:ext>
     </p:extLst>
   </p:cSld>
@@ -20118,6 +19998,13 @@
   <p:clrMapOvr>
     <a:masterClrMapping/>
   </p:clrMapOvr>
+  <p:timing>
+    <p:tnLst>
+      <p:par>
+        <p:cTn id="1" dur="indefinite" restart="never" nodeType="tmRoot"/>
+      </p:par>
+    </p:tnLst>
+  </p:timing>
 </p:sld>
 </file>
 
@@ -20357,6 +20244,13 @@
   <p:clrMapOvr>
     <a:masterClrMapping/>
   </p:clrMapOvr>
+  <p:timing>
+    <p:tnLst>
+      <p:par>
+        <p:cTn id="1" dur="indefinite" restart="never" nodeType="tmRoot"/>
+      </p:par>
+    </p:tnLst>
+  </p:timing>
 </p:sld>
 </file>
 
@@ -20673,6 +20567,13 @@
   <p:clrMapOvr>
     <a:masterClrMapping/>
   </p:clrMapOvr>
+  <p:timing>
+    <p:tnLst>
+      <p:par>
+        <p:cTn id="1" dur="indefinite" restart="never" nodeType="tmRoot"/>
+      </p:par>
+    </p:tnLst>
+  </p:timing>
 </p:sld>
 </file>
 
@@ -20918,6 +20819,13 @@
   <p:clrMapOvr>
     <a:masterClrMapping/>
   </p:clrMapOvr>
+  <p:timing>
+    <p:tnLst>
+      <p:par>
+        <p:cTn id="1" dur="indefinite" restart="never" nodeType="tmRoot"/>
+      </p:par>
+    </p:tnLst>
+  </p:timing>
 </p:sld>
 </file>
 
@@ -21152,6 +21060,13 @@
   <p:clrMapOvr>
     <a:masterClrMapping/>
   </p:clrMapOvr>
+  <p:timing>
+    <p:tnLst>
+      <p:par>
+        <p:cTn id="1" dur="indefinite" restart="never" nodeType="tmRoot"/>
+      </p:par>
+    </p:tnLst>
+  </p:timing>
 </p:sld>
 </file>
 
@@ -21341,6 +21256,13 @@
   <p:clrMapOvr>
     <a:masterClrMapping/>
   </p:clrMapOvr>
+  <p:timing>
+    <p:tnLst>
+      <p:par>
+        <p:cTn id="1" dur="indefinite" restart="never" nodeType="tmRoot"/>
+      </p:par>
+    </p:tnLst>
+  </p:timing>
 </p:sld>
 </file>
 
@@ -25880,6 +25802,13 @@
   <p:clrMapOvr>
     <a:masterClrMapping/>
   </p:clrMapOvr>
+  <p:timing>
+    <p:tnLst>
+      <p:par>
+        <p:cTn id="1" dur="indefinite" restart="never" nodeType="tmRoot"/>
+      </p:par>
+    </p:tnLst>
+  </p:timing>
 </p:sld>
 </file>
 
@@ -26018,6 +25947,13 @@
   <p:clrMapOvr>
     <a:masterClrMapping/>
   </p:clrMapOvr>
+  <p:timing>
+    <p:tnLst>
+      <p:par>
+        <p:cTn id="1" dur="indefinite" restart="never" nodeType="tmRoot"/>
+      </p:par>
+    </p:tnLst>
+  </p:timing>
 </p:sld>
 </file>
 
@@ -26636,6 +26572,13 @@
   <p:clrMapOvr>
     <a:masterClrMapping/>
   </p:clrMapOvr>
+  <p:timing>
+    <p:tnLst>
+      <p:par>
+        <p:cTn id="1" dur="indefinite" restart="never" nodeType="tmRoot"/>
+      </p:par>
+    </p:tnLst>
+  </p:timing>
 </p:sld>
 </file>
 
@@ -27048,6 +26991,13 @@
   <p:clrMapOvr>
     <a:masterClrMapping/>
   </p:clrMapOvr>
+  <p:timing>
+    <p:tnLst>
+      <p:par>
+        <p:cTn id="1" dur="indefinite" restart="never" nodeType="tmRoot"/>
+      </p:par>
+    </p:tnLst>
+  </p:timing>
 </p:sld>
 </file>
 
@@ -27334,6 +27284,13 @@
   <p:clrMapOvr>
     <a:masterClrMapping/>
   </p:clrMapOvr>
+  <p:timing>
+    <p:tnLst>
+      <p:par>
+        <p:cTn id="1" dur="indefinite" restart="never" nodeType="tmRoot"/>
+      </p:par>
+    </p:tnLst>
+  </p:timing>
 </p:sld>
 </file>
 
@@ -27566,6 +27523,13 @@
   <p:clrMapOvr>
     <a:masterClrMapping/>
   </p:clrMapOvr>
+  <p:timing>
+    <p:tnLst>
+      <p:par>
+        <p:cTn id="1" dur="indefinite" restart="never" nodeType="tmRoot"/>
+      </p:par>
+    </p:tnLst>
+  </p:timing>
 </p:sld>
 </file>
 
@@ -29716,8 +29680,8 @@
           </a:p>
         </p:txBody>
       </p:sp>
-      <mc:AlternateContent xmlns:mc="http://schemas.openxmlformats.org/markup-compatibility/2006">
-        <mc:Choice xmlns:a14="http://schemas.microsoft.com/office/drawing/2010/main" Requires="a14">
+      <mc:AlternateContent xmlns:mc="http://schemas.openxmlformats.org/markup-compatibility/2006" xmlns:a14="http://schemas.microsoft.com/office/drawing/2010/main">
+        <mc:Choice Requires="a14">
           <p:sp>
             <p:nvSpPr>
               <p:cNvPr id="3" name="內容版面配置區 2"/>
@@ -29895,7 +29859,7 @@
             </p:txBody>
           </p:sp>
         </mc:Choice>
-        <mc:Fallback>
+        <mc:Fallback xmlns="">
           <p:sp>
             <p:nvSpPr>
               <p:cNvPr id="3" name="內容版面配置區 2"/>
@@ -31087,8 +31051,8 @@
           </a:p>
         </p:txBody>
       </p:sp>
-      <mc:AlternateContent xmlns:mc="http://schemas.openxmlformats.org/markup-compatibility/2006">
-        <mc:Choice xmlns:a14="http://schemas.microsoft.com/office/drawing/2010/main" Requires="a14">
+      <mc:AlternateContent xmlns:mc="http://schemas.openxmlformats.org/markup-compatibility/2006" xmlns:a14="http://schemas.microsoft.com/office/drawing/2010/main">
+        <mc:Choice Requires="a14">
           <p:sp>
             <p:nvSpPr>
               <p:cNvPr id="3" name="內容版面配置區 2"/>
@@ -31403,15 +31367,7 @@
                 </a14:m>
                 <a:r>
                   <a:rPr lang="en-US" altLang="zh-TW" dirty="0" smtClean="0"/>
-                  <a:t>: the downloading </a:t>
-                </a:r>
-                <a:r>
-                  <a:rPr lang="en-US" altLang="zh-TW" dirty="0" smtClean="0"/>
-                  <a:t>bandwidth of </a:t>
-                </a:r>
-                <a:r>
-                  <a:rPr lang="en-US" altLang="zh-TW" dirty="0" smtClean="0"/>
-                  <a:t>a given peer.</a:t>
+                  <a:t>: the downloading bandwidth of a given peer.</a:t>
                 </a:r>
               </a:p>
               <a:p>
@@ -31519,7 +31475,7 @@
             </p:txBody>
           </p:sp>
         </mc:Choice>
-        <mc:Fallback>
+        <mc:Fallback xmlns="">
           <p:sp>
             <p:nvSpPr>
               <p:cNvPr id="3" name="內容版面配置區 2"/>
@@ -31623,6 +31579,13 @@
   <p:clrMapOvr>
     <a:masterClrMapping/>
   </p:clrMapOvr>
+  <p:timing>
+    <p:tnLst>
+      <p:par>
+        <p:cTn id="1" dur="indefinite" restart="never" nodeType="tmRoot"/>
+      </p:par>
+    </p:tnLst>
+  </p:timing>
 </p:sld>
 </file>
 
@@ -32912,6 +32875,13 @@
   <p:clrMapOvr>
     <a:masterClrMapping/>
   </p:clrMapOvr>
+  <p:timing>
+    <p:tnLst>
+      <p:par>
+        <p:cTn id="1" dur="indefinite" restart="never" nodeType="tmRoot"/>
+      </p:par>
+    </p:tnLst>
+  </p:timing>
 </p:sld>
 </file>
 
@@ -33181,6 +33151,13 @@
   <p:clrMapOvr>
     <a:masterClrMapping/>
   </p:clrMapOvr>
+  <p:timing>
+    <p:tnLst>
+      <p:par>
+        <p:cTn id="1" dur="indefinite" restart="never" nodeType="tmRoot"/>
+      </p:par>
+    </p:tnLst>
+  </p:timing>
 </p:sld>
 </file>
 
@@ -33218,12 +33195,150 @@
           <a:p>
             <a:r>
               <a:rPr lang="en-US" altLang="zh-TW" dirty="0" smtClean="0"/>
-              <a:t>Experiment 2</a:t>
+              <a:t>Analysis of (1) &amp; (2) </a:t>
             </a:r>
             <a:endParaRPr lang="zh-TW" altLang="en-US" dirty="0"/>
           </a:p>
         </p:txBody>
       </p:sp>
+      <mc:AlternateContent xmlns:mc="http://schemas.openxmlformats.org/markup-compatibility/2006">
+        <mc:Choice xmlns:a14="http://schemas.microsoft.com/office/drawing/2010/main" Requires="a14">
+          <p:sp>
+            <p:nvSpPr>
+              <p:cNvPr id="3" name="內容版面配置區 2"/>
+              <p:cNvSpPr>
+                <a:spLocks noGrp="1"/>
+              </p:cNvSpPr>
+              <p:nvPr>
+                <p:ph idx="1"/>
+              </p:nvPr>
+            </p:nvSpPr>
+            <p:spPr/>
+            <p:txBody>
+              <a:bodyPr/>
+              <a:lstStyle/>
+              <a:p>
+                <a:r>
+                  <a:rPr lang="en-US" altLang="zh-TW" dirty="0" smtClean="0"/>
+                  <a:t>The </a:t>
+                </a:r>
+                <a:r>
+                  <a:rPr lang="en-US" altLang="zh-TW" dirty="0"/>
+                  <a:t>fluid model is a good approximation </a:t>
+                </a:r>
+                <a:r>
+                  <a:rPr lang="en-US" altLang="zh-TW" dirty="0" smtClean="0"/>
+                  <a:t>when the </a:t>
+                </a:r>
+                <a:r>
+                  <a:rPr lang="en-US" altLang="zh-TW" dirty="0"/>
+                  <a:t>arrival rate λ is </a:t>
+                </a:r>
+                <a:r>
+                  <a:rPr lang="en-US" altLang="zh-TW" dirty="0" smtClean="0"/>
+                  <a:t>large</a:t>
+                </a:r>
+                <a:r>
+                  <a:rPr lang="zh-TW" altLang="en-US" dirty="0" smtClean="0"/>
+                  <a:t> </a:t>
+                </a:r>
+                <a:r>
+                  <a:rPr lang="en-US" altLang="zh-TW" dirty="0" smtClean="0"/>
+                  <a:t>regardless of the relationship between </a:t>
+                </a:r>
+                <a14:m>
+                  <m:oMath xmlns:m="http://schemas.openxmlformats.org/officeDocument/2006/math">
+                    <m:r>
+                      <a:rPr lang="en-US" altLang="zh-TW" i="1" smtClean="0">
+                        <a:latin typeface="Cambria Math" charset="0"/>
+                        <a:ea typeface="Cambria Math" charset="0"/>
+                        <a:cs typeface="Cambria Math" charset="0"/>
+                      </a:rPr>
+                      <m:t>𝜇</m:t>
+                    </m:r>
+                  </m:oMath>
+                </a14:m>
+                <a:r>
+                  <a:rPr lang="en-US" altLang="zh-TW" dirty="0" smtClean="0"/>
+                  <a:t> and </a:t>
+                </a:r>
+                <a14:m>
+                  <m:oMath xmlns:m="http://schemas.openxmlformats.org/officeDocument/2006/math">
+                    <m:r>
+                      <a:rPr lang="en-US" altLang="zh-TW" i="1" smtClean="0">
+                        <a:latin typeface="Cambria Math" charset="0"/>
+                        <a:ea typeface="Cambria Math" charset="0"/>
+                        <a:cs typeface="Cambria Math" charset="0"/>
+                      </a:rPr>
+                      <m:t>𝛾</m:t>
+                    </m:r>
+                  </m:oMath>
+                </a14:m>
+                <a:r>
+                  <a:rPr lang="en-US" altLang="zh-TW" dirty="0" smtClean="0"/>
+                  <a:t>.</a:t>
+                </a:r>
+                <a:endParaRPr lang="en-US" altLang="zh-TW" dirty="0"/>
+              </a:p>
+              <a:p>
+                <a:endParaRPr lang="en-US" altLang="zh-TW" dirty="0" smtClean="0"/>
+              </a:p>
+              <a:p>
+                <a:r>
+                  <a:rPr lang="en-US" altLang="zh-TW" dirty="0" smtClean="0"/>
+                  <a:t>The </a:t>
+                </a:r>
+                <a:r>
+                  <a:rPr lang="en-US" altLang="zh-TW" dirty="0"/>
+                  <a:t>approximation is also good for small </a:t>
+                </a:r>
+                <a:r>
+                  <a:rPr lang="en-US" altLang="zh-TW" dirty="0" err="1" smtClean="0"/>
+                  <a:t>λ</a:t>
+                </a:r>
+                <a:r>
+                  <a:rPr lang="en-US" altLang="zh-TW" dirty="0" smtClean="0"/>
+                  <a:t>.</a:t>
+                </a:r>
+                <a:endParaRPr lang="en-US" altLang="zh-TW" dirty="0"/>
+              </a:p>
+            </p:txBody>
+          </p:sp>
+        </mc:Choice>
+        <mc:Fallback>
+          <p:sp>
+            <p:nvSpPr>
+              <p:cNvPr id="3" name="內容版面配置區 2"/>
+              <p:cNvSpPr>
+                <a:spLocks noGrp="1" noRot="1" noChangeAspect="1" noMove="1" noResize="1" noEditPoints="1" noAdjustHandles="1" noChangeArrowheads="1" noChangeShapeType="1" noTextEdit="1"/>
+              </p:cNvSpPr>
+              <p:nvPr>
+                <p:ph idx="1"/>
+              </p:nvPr>
+            </p:nvSpPr>
+            <p:spPr>
+              <a:blipFill rotWithShape="0">
+                <a:blip r:embed="rId3"/>
+                <a:stretch>
+                  <a:fillRect l="-963" t="-929" r="-444"/>
+                </a:stretch>
+              </a:blipFill>
+            </p:spPr>
+            <p:txBody>
+              <a:bodyPr/>
+              <a:lstStyle/>
+              <a:p>
+                <a:r>
+                  <a:rPr lang="zh-TW" altLang="en-US">
+                    <a:noFill/>
+                  </a:rPr>
+                  <a:t> </a:t>
+                </a:r>
+              </a:p>
+            </p:txBody>
+          </p:sp>
+        </mc:Fallback>
+      </mc:AlternateContent>
       <p:sp>
         <p:nvSpPr>
           <p:cNvPr id="5" name="投影片編號版面配置區 4"/>
@@ -33253,16 +33368,458 @@
           </a:p>
         </p:txBody>
       </p:sp>
+      <p:sp>
+        <p:nvSpPr>
+          <p:cNvPr id="6" name="頁尾版面配置區 5"/>
+          <p:cNvSpPr>
+            <a:spLocks noGrp="1"/>
+          </p:cNvSpPr>
+          <p:nvPr>
+            <p:ph type="ftr" sz="quarter" idx="11"/>
+          </p:nvPr>
+        </p:nvSpPr>
+        <p:spPr>
+          <a:xfrm>
+            <a:off x="5943600" y="6512768"/>
+            <a:ext cx="2895600" cy="228600"/>
+          </a:xfrm>
+        </p:spPr>
+        <p:txBody>
+          <a:bodyPr/>
+          <a:lstStyle/>
+          <a:p>
+            <a:pPr>
+              <a:defRPr/>
+            </a:pPr>
+            <a:r>
+              <a:rPr lang="en-US" altLang="zh-TW" dirty="0" smtClean="0"/>
+              <a:t>Performance Evaluation 2016 Spring</a:t>
+            </a:r>
+            <a:endParaRPr lang="en-US" altLang="zh-TW" dirty="0"/>
+          </a:p>
+        </p:txBody>
+      </p:sp>
+    </p:spTree>
+    <p:extLst>
+      <p:ext uri="{BB962C8B-B14F-4D97-AF65-F5344CB8AC3E}">
+        <p14:creationId xmlns:p14="http://schemas.microsoft.com/office/powerpoint/2010/main" val="282723437"/>
+      </p:ext>
+    </p:extLst>
+  </p:cSld>
+  <p:clrMapOvr>
+    <a:masterClrMapping/>
+  </p:clrMapOvr>
+  <p:timing>
+    <p:tnLst>
+      <p:par>
+        <p:cTn id="1" dur="indefinite" restart="never" nodeType="tmRoot"/>
+      </p:par>
+    </p:tnLst>
+  </p:timing>
+</p:sld>
+</file>
+
+<file path=ppt/slides/slide48.xml><?xml version="1.0" encoding="utf-8"?>
+<p:sld xmlns:a="http://schemas.openxmlformats.org/drawingml/2006/main" xmlns:r="http://schemas.openxmlformats.org/officeDocument/2006/relationships" xmlns:p="http://schemas.openxmlformats.org/presentationml/2006/main">
+  <p:cSld>
+    <p:spTree>
+      <p:nvGrpSpPr>
+        <p:cNvPr id="1" name=""/>
+        <p:cNvGrpSpPr/>
+        <p:nvPr/>
+      </p:nvGrpSpPr>
+      <p:grpSpPr>
+        <a:xfrm>
+          <a:off x="0" y="0"/>
+          <a:ext cx="0" cy="0"/>
+          <a:chOff x="0" y="0"/>
+          <a:chExt cx="0" cy="0"/>
+        </a:xfrm>
+      </p:grpSpPr>
+      <p:sp>
+        <p:nvSpPr>
+          <p:cNvPr id="2" name="標題 1"/>
+          <p:cNvSpPr>
+            <a:spLocks noGrp="1"/>
+          </p:cNvSpPr>
+          <p:nvPr>
+            <p:ph type="title"/>
+          </p:nvPr>
+        </p:nvSpPr>
+        <p:spPr/>
+        <p:txBody>
+          <a:bodyPr/>
+          <a:lstStyle/>
+          <a:p>
+            <a:r>
+              <a:rPr lang="en-US" altLang="zh-TW" dirty="0" smtClean="0"/>
+              <a:t>Experiment 3 – Real-world Data</a:t>
+            </a:r>
+            <a:endParaRPr lang="zh-TW" altLang="en-US" dirty="0"/>
+          </a:p>
+        </p:txBody>
+      </p:sp>
+      <p:sp>
+        <p:nvSpPr>
+          <p:cNvPr id="3" name="內容版面配置區 2"/>
+          <p:cNvSpPr>
+            <a:spLocks noGrp="1"/>
+          </p:cNvSpPr>
+          <p:nvPr>
+            <p:ph idx="1"/>
+          </p:nvPr>
+        </p:nvSpPr>
+        <p:spPr/>
+        <p:txBody>
+          <a:bodyPr/>
+          <a:lstStyle/>
+          <a:p>
+            <a:r>
+              <a:rPr lang="en-US" altLang="zh-TW" dirty="0"/>
+              <a:t>A</a:t>
+            </a:r>
+            <a:r>
+              <a:rPr lang="en-US" altLang="zh-TW" dirty="0" smtClean="0"/>
+              <a:t>ssume </a:t>
+            </a:r>
+            <a:r>
+              <a:rPr lang="en-US" altLang="zh-TW" dirty="0"/>
+              <a:t>the system is </a:t>
+            </a:r>
+            <a:r>
+              <a:rPr lang="en-US" altLang="zh-TW" dirty="0" smtClean="0"/>
+              <a:t>upload-limited</a:t>
+            </a:r>
+            <a:r>
+              <a:rPr lang="zh-TW" altLang="en-US" dirty="0" smtClean="0"/>
+              <a:t> </a:t>
+            </a:r>
+            <a:r>
+              <a:rPr lang="en-US" altLang="zh-TW" dirty="0" smtClean="0"/>
+              <a:t>(</a:t>
+            </a:r>
+            <a:r>
+              <a:rPr lang="el-GR" altLang="zh-TW" dirty="0"/>
+              <a:t>γ</a:t>
+            </a:r>
+            <a:r>
+              <a:rPr lang="en-US" altLang="zh-TW" dirty="0"/>
+              <a:t> &gt; </a:t>
+            </a:r>
+            <a:r>
+              <a:rPr lang="el-GR" altLang="zh-TW" dirty="0"/>
+              <a:t>μ</a:t>
+            </a:r>
+            <a:r>
+              <a:rPr lang="en-US" altLang="zh-TW" dirty="0" smtClean="0"/>
+              <a:t>).</a:t>
+            </a:r>
+            <a:endParaRPr lang="en-US" altLang="zh-TW" dirty="0"/>
+          </a:p>
+          <a:p>
+            <a:endParaRPr lang="en-US" altLang="zh-TW" dirty="0" smtClean="0"/>
+          </a:p>
+          <a:p>
+            <a:r>
+              <a:rPr lang="en-US" altLang="zh-TW" dirty="0" smtClean="0"/>
+              <a:t>Measured </a:t>
+            </a:r>
+            <a:r>
+              <a:rPr lang="en-US" altLang="zh-TW" i="1" dirty="0"/>
+              <a:t>λ </a:t>
+            </a:r>
+            <a:r>
+              <a:rPr lang="en-US" altLang="zh-TW" dirty="0"/>
+              <a:t>and </a:t>
+            </a:r>
+            <a:r>
+              <a:rPr lang="en-US" altLang="zh-TW" i="1" dirty="0"/>
+              <a:t>γ </a:t>
+            </a:r>
+            <a:r>
+              <a:rPr lang="en-US" altLang="zh-TW" dirty="0"/>
+              <a:t>are </a:t>
+            </a:r>
+            <a:r>
+              <a:rPr lang="en-US" altLang="zh-TW" dirty="0" smtClean="0"/>
+              <a:t>time-dependent</a:t>
+            </a:r>
+            <a:endParaRPr lang="en-US" altLang="zh-TW" dirty="0"/>
+          </a:p>
+          <a:p>
+            <a:pPr marL="0" indent="0">
+              <a:buNone/>
+            </a:pPr>
+            <a:r>
+              <a:rPr lang="en-US" altLang="zh-TW" dirty="0" smtClean="0"/>
+              <a:t>	– </a:t>
+            </a:r>
+            <a:r>
+              <a:rPr lang="en-US" altLang="zh-TW" dirty="0"/>
+              <a:t>for t &lt; 800 min, </a:t>
+            </a:r>
+            <a:r>
+              <a:rPr lang="el-GR" altLang="zh-TW" i="1" dirty="0"/>
+              <a:t>λ </a:t>
+            </a:r>
+            <a:r>
+              <a:rPr lang="el-GR" altLang="zh-TW" dirty="0"/>
+              <a:t>= 0.06 </a:t>
+            </a:r>
+            <a:r>
+              <a:rPr lang="el-GR" altLang="zh-TW" i="1" dirty="0"/>
+              <a:t>γ </a:t>
+            </a:r>
+            <a:r>
+              <a:rPr lang="el-GR" altLang="zh-TW" dirty="0"/>
+              <a:t>= 0.001</a:t>
+            </a:r>
+          </a:p>
+          <a:p>
+            <a:pPr marL="0" indent="0">
+              <a:buNone/>
+            </a:pPr>
+            <a:r>
+              <a:rPr lang="en-US" altLang="zh-TW" dirty="0" smtClean="0"/>
+              <a:t>	– </a:t>
+            </a:r>
+            <a:r>
+              <a:rPr lang="en-US" altLang="zh-TW" dirty="0"/>
+              <a:t>for t &gt; 1300 min, </a:t>
+            </a:r>
+            <a:r>
+              <a:rPr lang="el-GR" altLang="zh-TW" i="1" dirty="0"/>
+              <a:t>λ </a:t>
+            </a:r>
+            <a:r>
+              <a:rPr lang="el-GR" altLang="zh-TW" dirty="0"/>
+              <a:t>= 0.03 </a:t>
+            </a:r>
+            <a:r>
+              <a:rPr lang="el-GR" altLang="zh-TW" i="1" dirty="0"/>
+              <a:t>γ </a:t>
+            </a:r>
+            <a:r>
+              <a:rPr lang="el-GR" altLang="zh-TW" dirty="0"/>
+              <a:t>= 0.0044</a:t>
+            </a:r>
+          </a:p>
+          <a:p>
+            <a:pPr marL="0" indent="0">
+              <a:buNone/>
+            </a:pPr>
+            <a:r>
+              <a:rPr lang="en-US" altLang="zh-TW" dirty="0" smtClean="0"/>
+              <a:t>	– </a:t>
+            </a:r>
+            <a:r>
+              <a:rPr lang="en-US" altLang="zh-TW" dirty="0"/>
+              <a:t>in between, they vary linearly</a:t>
+            </a:r>
+          </a:p>
+          <a:p>
+            <a:endParaRPr lang="en-US" altLang="zh-TW" dirty="0" smtClean="0"/>
+          </a:p>
+          <a:p>
+            <a:r>
+              <a:rPr lang="en-US" altLang="zh-TW" dirty="0" smtClean="0"/>
+              <a:t>Also </a:t>
+            </a:r>
+            <a:r>
+              <a:rPr lang="en-US" altLang="zh-TW" dirty="0"/>
+              <a:t>numerically calculate the </a:t>
+            </a:r>
+            <a:r>
+              <a:rPr lang="en-US" altLang="zh-TW" dirty="0" smtClean="0"/>
+              <a:t>expected</a:t>
+            </a:r>
+            <a:r>
+              <a:rPr lang="zh-TW" altLang="en-US" dirty="0" smtClean="0"/>
+              <a:t> </a:t>
+            </a:r>
+            <a:r>
+              <a:rPr lang="en-US" altLang="zh-TW" dirty="0" smtClean="0"/>
+              <a:t>variation </a:t>
+            </a:r>
+            <a:r>
+              <a:rPr lang="en-US" altLang="zh-TW" dirty="0"/>
+              <a:t>from the model as a </a:t>
+            </a:r>
+            <a:r>
+              <a:rPr lang="en-US" altLang="zh-TW" dirty="0" smtClean="0"/>
+              <a:t>95%</a:t>
+            </a:r>
+            <a:r>
+              <a:rPr lang="zh-TW" altLang="en-US" dirty="0" smtClean="0"/>
+              <a:t> </a:t>
+            </a:r>
+            <a:r>
+              <a:rPr lang="en-US" altLang="zh-TW" dirty="0" smtClean="0"/>
+              <a:t>confidence interval.</a:t>
+            </a:r>
+            <a:endParaRPr lang="zh-TW" altLang="en-US" dirty="0"/>
+          </a:p>
+        </p:txBody>
+      </p:sp>
+      <p:sp>
+        <p:nvSpPr>
+          <p:cNvPr id="5" name="投影片編號版面配置區 4"/>
+          <p:cNvSpPr>
+            <a:spLocks noGrp="1"/>
+          </p:cNvSpPr>
+          <p:nvPr>
+            <p:ph type="sldNum" sz="quarter" idx="12"/>
+          </p:nvPr>
+        </p:nvSpPr>
+        <p:spPr/>
+        <p:txBody>
+          <a:bodyPr/>
+          <a:lstStyle/>
+          <a:p>
+            <a:pPr>
+              <a:defRPr/>
+            </a:pPr>
+            <a:fld id="{7823135A-D7F7-45E8-89D0-FF7E75BBDD99}" type="slidenum">
+              <a:rPr lang="en-US" altLang="zh-TW" smtClean="0"/>
+              <a:pPr>
+                <a:defRPr/>
+              </a:pPr>
+              <a:t>48</a:t>
+            </a:fld>
+            <a:endParaRPr lang="en-US" altLang="zh-TW"/>
+          </a:p>
+        </p:txBody>
+      </p:sp>
+      <p:sp>
+        <p:nvSpPr>
+          <p:cNvPr id="6" name="頁尾版面配置區 5"/>
+          <p:cNvSpPr>
+            <a:spLocks noGrp="1"/>
+          </p:cNvSpPr>
+          <p:nvPr>
+            <p:ph type="ftr" sz="quarter" idx="11"/>
+          </p:nvPr>
+        </p:nvSpPr>
+        <p:spPr>
+          <a:xfrm>
+            <a:off x="5943600" y="6512768"/>
+            <a:ext cx="2895600" cy="228600"/>
+          </a:xfrm>
+        </p:spPr>
+        <p:txBody>
+          <a:bodyPr/>
+          <a:lstStyle/>
+          <a:p>
+            <a:pPr>
+              <a:defRPr/>
+            </a:pPr>
+            <a:r>
+              <a:rPr lang="en-US" altLang="zh-TW" dirty="0" smtClean="0"/>
+              <a:t>Performance Evaluation 2016 Spring</a:t>
+            </a:r>
+            <a:endParaRPr lang="en-US" altLang="zh-TW" dirty="0"/>
+          </a:p>
+        </p:txBody>
+      </p:sp>
+    </p:spTree>
+    <p:extLst>
+      <p:ext uri="{BB962C8B-B14F-4D97-AF65-F5344CB8AC3E}">
+        <p14:creationId xmlns:p14="http://schemas.microsoft.com/office/powerpoint/2010/main" val="1498978495"/>
+      </p:ext>
+    </p:extLst>
+  </p:cSld>
+  <p:clrMapOvr>
+    <a:masterClrMapping/>
+  </p:clrMapOvr>
+  <p:timing>
+    <p:tnLst>
+      <p:par>
+        <p:cTn id="1" dur="indefinite" restart="never" nodeType="tmRoot"/>
+      </p:par>
+    </p:tnLst>
+  </p:timing>
+</p:sld>
+</file>
+
+<file path=ppt/slides/slide49.xml><?xml version="1.0" encoding="utf-8"?>
+<p:sld xmlns:a="http://schemas.openxmlformats.org/drawingml/2006/main" xmlns:r="http://schemas.openxmlformats.org/officeDocument/2006/relationships" xmlns:p="http://schemas.openxmlformats.org/presentationml/2006/main">
+  <p:cSld>
+    <p:spTree>
+      <p:nvGrpSpPr>
+        <p:cNvPr id="1" name=""/>
+        <p:cNvGrpSpPr/>
+        <p:nvPr/>
+      </p:nvGrpSpPr>
+      <p:grpSpPr>
+        <a:xfrm>
+          <a:off x="0" y="0"/>
+          <a:ext cx="0" cy="0"/>
+          <a:chOff x="0" y="0"/>
+          <a:chExt cx="0" cy="0"/>
+        </a:xfrm>
+      </p:grpSpPr>
+      <p:sp>
+        <p:nvSpPr>
+          <p:cNvPr id="2" name="標題 1"/>
+          <p:cNvSpPr>
+            <a:spLocks noGrp="1"/>
+          </p:cNvSpPr>
+          <p:nvPr>
+            <p:ph type="title"/>
+          </p:nvPr>
+        </p:nvSpPr>
+        <p:spPr/>
+        <p:txBody>
+          <a:bodyPr/>
+          <a:lstStyle/>
+          <a:p>
+            <a:r>
+              <a:rPr lang="en-US" altLang="zh-TW" dirty="0" smtClean="0"/>
+              <a:t>Experiment 3</a:t>
+            </a:r>
+            <a:endParaRPr lang="zh-TW" altLang="en-US" dirty="0"/>
+          </a:p>
+        </p:txBody>
+      </p:sp>
+      <p:sp>
+        <p:nvSpPr>
+          <p:cNvPr id="5" name="投影片編號版面配置區 4"/>
+          <p:cNvSpPr>
+            <a:spLocks noGrp="1"/>
+          </p:cNvSpPr>
+          <p:nvPr>
+            <p:ph type="sldNum" sz="quarter" idx="12"/>
+          </p:nvPr>
+        </p:nvSpPr>
+        <p:spPr/>
+        <p:txBody>
+          <a:bodyPr/>
+          <a:lstStyle/>
+          <a:p>
+            <a:pPr>
+              <a:defRPr/>
+            </a:pPr>
+            <a:fld id="{7823135A-D7F7-45E8-89D0-FF7E75BBDD99}" type="slidenum">
+              <a:rPr lang="en-US" altLang="zh-TW" smtClean="0"/>
+              <a:pPr>
+                <a:defRPr/>
+              </a:pPr>
+              <a:t>49</a:t>
+            </a:fld>
+            <a:endParaRPr lang="en-US" altLang="zh-TW"/>
+          </a:p>
+        </p:txBody>
+      </p:sp>
       <p:pic>
         <p:nvPicPr>
-          <p:cNvPr id="4098" name="Picture 2"/>
+          <p:cNvPr id="6146" name="Picture 2"/>
           <p:cNvPicPr>
             <a:picLocks noChangeAspect="1" noChangeArrowheads="1"/>
           </p:cNvPicPr>
           <p:nvPr/>
         </p:nvPicPr>
         <p:blipFill>
-          <a:blip r:embed="rId3">
+          <a:blip r:embed="rId2">
             <a:extLst>
               <a:ext uri="{28A0092B-C50C-407E-A947-70E740481C1C}">
                 <a14:useLocalDpi xmlns:a14="http://schemas.microsoft.com/office/drawing/2010/main" val="0"/>
@@ -33276,8 +33833,8 @@
         </p:blipFill>
         <p:spPr bwMode="auto">
           <a:xfrm>
-            <a:off x="1115616" y="980728"/>
-            <a:ext cx="6355407" cy="4956727"/>
+            <a:off x="1378713" y="980728"/>
+            <a:ext cx="6577663" cy="5112568"/>
           </a:xfrm>
           <a:prstGeom prst="rect">
             <a:avLst/>
@@ -33307,589 +33864,6 @@
           </a:extLst>
         </p:spPr>
       </p:pic>
-      <p:pic>
-        <p:nvPicPr>
-          <p:cNvPr id="4099" name="Picture 3"/>
-          <p:cNvPicPr>
-            <a:picLocks noChangeAspect="1" noChangeArrowheads="1"/>
-          </p:cNvPicPr>
-          <p:nvPr/>
-        </p:nvPicPr>
-        <p:blipFill>
-          <a:blip r:embed="rId4">
-            <a:extLst>
-              <a:ext uri="{28A0092B-C50C-407E-A947-70E740481C1C}">
-                <a14:useLocalDpi xmlns:a14="http://schemas.microsoft.com/office/drawing/2010/main" val="0"/>
-              </a:ext>
-            </a:extLst>
-          </a:blip>
-          <a:srcRect/>
-          <a:stretch>
-            <a:fillRect/>
-          </a:stretch>
-        </p:blipFill>
-        <p:spPr bwMode="auto">
-          <a:xfrm>
-            <a:off x="7092280" y="3212976"/>
-            <a:ext cx="1895475" cy="1333500"/>
-          </a:xfrm>
-          <a:prstGeom prst="rect">
-            <a:avLst/>
-          </a:prstGeom>
-          <a:noFill/>
-          <a:ln>
-            <a:noFill/>
-          </a:ln>
-          <a:extLst>
-            <a:ext uri="{909E8E84-426E-40DD-AFC4-6F175D3DCCD1}">
-              <a14:hiddenFill xmlns:a14="http://schemas.microsoft.com/office/drawing/2010/main">
-                <a:solidFill>
-                  <a:schemeClr val="accent1"/>
-                </a:solidFill>
-              </a14:hiddenFill>
-            </a:ext>
-            <a:ext uri="{91240B29-F687-4F45-9708-019B960494DF}">
-              <a14:hiddenLine xmlns:a14="http://schemas.microsoft.com/office/drawing/2010/main" w="9525">
-                <a:solidFill>
-                  <a:schemeClr val="tx1"/>
-                </a:solidFill>
-                <a:miter lim="800000"/>
-                <a:headEnd/>
-                <a:tailEnd/>
-              </a14:hiddenLine>
-            </a:ext>
-          </a:extLst>
-        </p:spPr>
-      </p:pic>
-      <p:sp>
-        <p:nvSpPr>
-          <p:cNvPr id="7" name="內容版面配置區 2"/>
-          <p:cNvSpPr>
-            <a:spLocks noGrp="1"/>
-          </p:cNvSpPr>
-          <p:nvPr>
-            <p:ph idx="1"/>
-          </p:nvPr>
-        </p:nvSpPr>
-        <p:spPr>
-          <a:xfrm>
-            <a:off x="395536" y="6021288"/>
-            <a:ext cx="3898776" cy="675838"/>
-          </a:xfrm>
-        </p:spPr>
-        <p:txBody>
-          <a:bodyPr/>
-          <a:lstStyle/>
-          <a:p>
-            <a:pPr marL="0" indent="0">
-              <a:buNone/>
-            </a:pPr>
-            <a:r>
-              <a:rPr lang="el-GR" altLang="zh-TW" dirty="0" smtClean="0"/>
-              <a:t>λ</a:t>
-            </a:r>
-            <a:r>
-              <a:rPr lang="en-US" altLang="zh-TW" dirty="0" smtClean="0"/>
-              <a:t> : arrival rate of new request</a:t>
-            </a:r>
-          </a:p>
-        </p:txBody>
-      </p:sp>
-      <p:sp>
-        <p:nvSpPr>
-          <p:cNvPr id="9" name="頁尾版面配置區 5"/>
-          <p:cNvSpPr>
-            <a:spLocks noGrp="1"/>
-          </p:cNvSpPr>
-          <p:nvPr>
-            <p:ph type="ftr" sz="quarter" idx="11"/>
-          </p:nvPr>
-        </p:nvSpPr>
-        <p:spPr>
-          <a:xfrm>
-            <a:off x="5943600" y="6512768"/>
-            <a:ext cx="2895600" cy="228600"/>
-          </a:xfrm>
-        </p:spPr>
-        <p:txBody>
-          <a:bodyPr/>
-          <a:lstStyle/>
-          <a:p>
-            <a:pPr>
-              <a:defRPr/>
-            </a:pPr>
-            <a:r>
-              <a:rPr lang="en-US" altLang="zh-TW" dirty="0" smtClean="0"/>
-              <a:t>Performance Evaluation 2016 Spring</a:t>
-            </a:r>
-            <a:endParaRPr lang="en-US" altLang="zh-TW" dirty="0"/>
-          </a:p>
-        </p:txBody>
-      </p:sp>
-    </p:spTree>
-    <p:extLst>
-      <p:ext uri="{BB962C8B-B14F-4D97-AF65-F5344CB8AC3E}">
-        <p14:creationId xmlns:p14="http://schemas.microsoft.com/office/powerpoint/2010/main" val="440967498"/>
-      </p:ext>
-    </p:extLst>
-  </p:cSld>
-  <p:clrMapOvr>
-    <a:masterClrMapping/>
-  </p:clrMapOvr>
-</p:sld>
-</file>
-
-<file path=ppt/slides/slide48.xml><?xml version="1.0" encoding="utf-8"?>
-<p:sld xmlns:a="http://schemas.openxmlformats.org/drawingml/2006/main" xmlns:r="http://schemas.openxmlformats.org/officeDocument/2006/relationships" xmlns:p="http://schemas.openxmlformats.org/presentationml/2006/main">
-  <p:cSld>
-    <p:spTree>
-      <p:nvGrpSpPr>
-        <p:cNvPr id="1" name=""/>
-        <p:cNvGrpSpPr/>
-        <p:nvPr/>
-      </p:nvGrpSpPr>
-      <p:grpSpPr>
-        <a:xfrm>
-          <a:off x="0" y="0"/>
-          <a:ext cx="0" cy="0"/>
-          <a:chOff x="0" y="0"/>
-          <a:chExt cx="0" cy="0"/>
-        </a:xfrm>
-      </p:grpSpPr>
-      <p:sp>
-        <p:nvSpPr>
-          <p:cNvPr id="2" name="標題 1"/>
-          <p:cNvSpPr>
-            <a:spLocks noGrp="1"/>
-          </p:cNvSpPr>
-          <p:nvPr>
-            <p:ph type="title"/>
-          </p:nvPr>
-        </p:nvSpPr>
-        <p:spPr/>
-        <p:txBody>
-          <a:bodyPr/>
-          <a:lstStyle/>
-          <a:p>
-            <a:r>
-              <a:rPr lang="en-US" altLang="zh-TW" dirty="0" smtClean="0"/>
-              <a:t>Experiment 2</a:t>
-            </a:r>
-            <a:endParaRPr lang="zh-TW" altLang="en-US" dirty="0"/>
-          </a:p>
-        </p:txBody>
-      </p:sp>
-      <p:sp>
-        <p:nvSpPr>
-          <p:cNvPr id="5" name="投影片編號版面配置區 4"/>
-          <p:cNvSpPr>
-            <a:spLocks noGrp="1"/>
-          </p:cNvSpPr>
-          <p:nvPr>
-            <p:ph type="sldNum" sz="quarter" idx="12"/>
-          </p:nvPr>
-        </p:nvSpPr>
-        <p:spPr/>
-        <p:txBody>
-          <a:bodyPr/>
-          <a:lstStyle/>
-          <a:p>
-            <a:pPr>
-              <a:defRPr/>
-            </a:pPr>
-            <a:fld id="{7823135A-D7F7-45E8-89D0-FF7E75BBDD99}" type="slidenum">
-              <a:rPr lang="en-US" altLang="zh-TW" smtClean="0"/>
-              <a:pPr>
-                <a:defRPr/>
-              </a:pPr>
-              <a:t>48</a:t>
-            </a:fld>
-            <a:endParaRPr lang="en-US" altLang="zh-TW"/>
-          </a:p>
-        </p:txBody>
-      </p:sp>
-      <p:pic>
-        <p:nvPicPr>
-          <p:cNvPr id="5123" name="Picture 3"/>
-          <p:cNvPicPr>
-            <a:picLocks noChangeAspect="1" noChangeArrowheads="1"/>
-          </p:cNvPicPr>
-          <p:nvPr/>
-        </p:nvPicPr>
-        <p:blipFill>
-          <a:blip r:embed="rId3">
-            <a:extLst>
-              <a:ext uri="{28A0092B-C50C-407E-A947-70E740481C1C}">
-                <a14:useLocalDpi xmlns:a14="http://schemas.microsoft.com/office/drawing/2010/main" val="0"/>
-              </a:ext>
-            </a:extLst>
-          </a:blip>
-          <a:srcRect/>
-          <a:stretch>
-            <a:fillRect/>
-          </a:stretch>
-        </p:blipFill>
-        <p:spPr bwMode="auto">
-          <a:xfrm>
-            <a:off x="1132184" y="1052736"/>
-            <a:ext cx="6199586" cy="5112568"/>
-          </a:xfrm>
-          <a:prstGeom prst="rect">
-            <a:avLst/>
-          </a:prstGeom>
-          <a:noFill/>
-          <a:ln>
-            <a:noFill/>
-          </a:ln>
-          <a:extLst>
-            <a:ext uri="{909E8E84-426E-40DD-AFC4-6F175D3DCCD1}">
-              <a14:hiddenFill xmlns:a14="http://schemas.microsoft.com/office/drawing/2010/main">
-                <a:solidFill>
-                  <a:schemeClr val="accent1"/>
-                </a:solidFill>
-              </a14:hiddenFill>
-            </a:ext>
-            <a:ext uri="{91240B29-F687-4F45-9708-019B960494DF}">
-              <a14:hiddenLine xmlns:a14="http://schemas.microsoft.com/office/drawing/2010/main" w="9525">
-                <a:solidFill>
-                  <a:schemeClr val="tx1"/>
-                </a:solidFill>
-                <a:miter lim="800000"/>
-                <a:headEnd/>
-                <a:tailEnd/>
-              </a14:hiddenLine>
-            </a:ext>
-          </a:extLst>
-        </p:spPr>
-      </p:pic>
-      <p:pic>
-        <p:nvPicPr>
-          <p:cNvPr id="5124" name="Picture 4"/>
-          <p:cNvPicPr>
-            <a:picLocks noChangeAspect="1" noChangeArrowheads="1"/>
-          </p:cNvPicPr>
-          <p:nvPr/>
-        </p:nvPicPr>
-        <p:blipFill>
-          <a:blip r:embed="rId4">
-            <a:extLst>
-              <a:ext uri="{28A0092B-C50C-407E-A947-70E740481C1C}">
-                <a14:useLocalDpi xmlns:a14="http://schemas.microsoft.com/office/drawing/2010/main" val="0"/>
-              </a:ext>
-            </a:extLst>
-          </a:blip>
-          <a:srcRect/>
-          <a:stretch>
-            <a:fillRect/>
-          </a:stretch>
-        </p:blipFill>
-        <p:spPr bwMode="auto">
-          <a:xfrm>
-            <a:off x="6948264" y="3212976"/>
-            <a:ext cx="1895475" cy="1333500"/>
-          </a:xfrm>
-          <a:prstGeom prst="rect">
-            <a:avLst/>
-          </a:prstGeom>
-          <a:noFill/>
-          <a:ln>
-            <a:noFill/>
-          </a:ln>
-          <a:extLst>
-            <a:ext uri="{909E8E84-426E-40DD-AFC4-6F175D3DCCD1}">
-              <a14:hiddenFill xmlns:a14="http://schemas.microsoft.com/office/drawing/2010/main">
-                <a:solidFill>
-                  <a:schemeClr val="accent1"/>
-                </a:solidFill>
-              </a14:hiddenFill>
-            </a:ext>
-            <a:ext uri="{91240B29-F687-4F45-9708-019B960494DF}">
-              <a14:hiddenLine xmlns:a14="http://schemas.microsoft.com/office/drawing/2010/main" w="9525">
-                <a:solidFill>
-                  <a:schemeClr val="tx1"/>
-                </a:solidFill>
-                <a:miter lim="800000"/>
-                <a:headEnd/>
-                <a:tailEnd/>
-              </a14:hiddenLine>
-            </a:ext>
-          </a:extLst>
-        </p:spPr>
-      </p:pic>
-      <p:sp>
-        <p:nvSpPr>
-          <p:cNvPr id="7" name="內容版面配置區 2"/>
-          <p:cNvSpPr>
-            <a:spLocks noGrp="1"/>
-          </p:cNvSpPr>
-          <p:nvPr>
-            <p:ph idx="1"/>
-          </p:nvPr>
-        </p:nvSpPr>
-        <p:spPr>
-          <a:xfrm>
-            <a:off x="395536" y="6021288"/>
-            <a:ext cx="3898776" cy="675838"/>
-          </a:xfrm>
-        </p:spPr>
-        <p:txBody>
-          <a:bodyPr/>
-          <a:lstStyle/>
-          <a:p>
-            <a:pPr marL="0" indent="0">
-              <a:buNone/>
-            </a:pPr>
-            <a:r>
-              <a:rPr lang="el-GR" altLang="zh-TW" dirty="0" smtClean="0"/>
-              <a:t>λ</a:t>
-            </a:r>
-            <a:r>
-              <a:rPr lang="en-US" altLang="zh-TW" dirty="0" smtClean="0"/>
-              <a:t> : arrival rate of new request</a:t>
-            </a:r>
-          </a:p>
-        </p:txBody>
-      </p:sp>
-      <p:sp>
-        <p:nvSpPr>
-          <p:cNvPr id="8" name="頁尾版面配置區 5"/>
-          <p:cNvSpPr>
-            <a:spLocks noGrp="1"/>
-          </p:cNvSpPr>
-          <p:nvPr>
-            <p:ph type="ftr" sz="quarter" idx="11"/>
-          </p:nvPr>
-        </p:nvSpPr>
-        <p:spPr>
-          <a:xfrm>
-            <a:off x="5943600" y="6512768"/>
-            <a:ext cx="2895600" cy="228600"/>
-          </a:xfrm>
-        </p:spPr>
-        <p:txBody>
-          <a:bodyPr/>
-          <a:lstStyle/>
-          <a:p>
-            <a:pPr>
-              <a:defRPr/>
-            </a:pPr>
-            <a:r>
-              <a:rPr lang="en-US" altLang="zh-TW" dirty="0" smtClean="0"/>
-              <a:t>Performance Evaluation 2016 Spring</a:t>
-            </a:r>
-            <a:endParaRPr lang="en-US" altLang="zh-TW" dirty="0"/>
-          </a:p>
-        </p:txBody>
-      </p:sp>
-    </p:spTree>
-    <p:extLst>
-      <p:ext uri="{BB962C8B-B14F-4D97-AF65-F5344CB8AC3E}">
-        <p14:creationId xmlns:p14="http://schemas.microsoft.com/office/powerpoint/2010/main" val="708553819"/>
-      </p:ext>
-    </p:extLst>
-  </p:cSld>
-  <p:clrMapOvr>
-    <a:masterClrMapping/>
-  </p:clrMapOvr>
-</p:sld>
-</file>
-
-<file path=ppt/slides/slide49.xml><?xml version="1.0" encoding="utf-8"?>
-<p:sld xmlns:a="http://schemas.openxmlformats.org/drawingml/2006/main" xmlns:r="http://schemas.openxmlformats.org/officeDocument/2006/relationships" xmlns:p="http://schemas.openxmlformats.org/presentationml/2006/main">
-  <p:cSld>
-    <p:spTree>
-      <p:nvGrpSpPr>
-        <p:cNvPr id="1" name=""/>
-        <p:cNvGrpSpPr/>
-        <p:nvPr/>
-      </p:nvGrpSpPr>
-      <p:grpSpPr>
-        <a:xfrm>
-          <a:off x="0" y="0"/>
-          <a:ext cx="0" cy="0"/>
-          <a:chOff x="0" y="0"/>
-          <a:chExt cx="0" cy="0"/>
-        </a:xfrm>
-      </p:grpSpPr>
-      <p:sp>
-        <p:nvSpPr>
-          <p:cNvPr id="2" name="標題 1"/>
-          <p:cNvSpPr>
-            <a:spLocks noGrp="1"/>
-          </p:cNvSpPr>
-          <p:nvPr>
-            <p:ph type="title"/>
-          </p:nvPr>
-        </p:nvSpPr>
-        <p:spPr/>
-        <p:txBody>
-          <a:bodyPr/>
-          <a:lstStyle/>
-          <a:p>
-            <a:r>
-              <a:rPr lang="en-US" altLang="zh-TW" dirty="0" smtClean="0"/>
-              <a:t>Analysis of (1) &amp; (2) </a:t>
-            </a:r>
-            <a:endParaRPr lang="zh-TW" altLang="en-US" dirty="0"/>
-          </a:p>
-        </p:txBody>
-      </p:sp>
-      <p:sp>
-        <p:nvSpPr>
-          <p:cNvPr id="3" name="內容版面配置區 2"/>
-          <p:cNvSpPr>
-            <a:spLocks noGrp="1"/>
-          </p:cNvSpPr>
-          <p:nvPr>
-            <p:ph idx="1"/>
-          </p:nvPr>
-        </p:nvSpPr>
-        <p:spPr/>
-        <p:txBody>
-          <a:bodyPr/>
-          <a:lstStyle/>
-          <a:p>
-            <a:r>
-              <a:rPr lang="en-US" altLang="zh-TW" dirty="0" smtClean="0"/>
-              <a:t>The </a:t>
-            </a:r>
-            <a:r>
-              <a:rPr lang="en-US" altLang="zh-TW" dirty="0"/>
-              <a:t>fluid model is a good approximation </a:t>
-            </a:r>
-            <a:r>
-              <a:rPr lang="en-US" altLang="zh-TW" dirty="0" smtClean="0"/>
-              <a:t>when the </a:t>
-            </a:r>
-            <a:r>
-              <a:rPr lang="en-US" altLang="zh-TW" dirty="0"/>
-              <a:t>arrival rate λ is </a:t>
-            </a:r>
-            <a:r>
-              <a:rPr lang="en-US" altLang="zh-TW" dirty="0" smtClean="0"/>
-              <a:t>large.</a:t>
-            </a:r>
-            <a:endParaRPr lang="en-US" altLang="zh-TW" dirty="0"/>
-          </a:p>
-          <a:p>
-            <a:endParaRPr lang="en-US" altLang="zh-TW" dirty="0" smtClean="0"/>
-          </a:p>
-          <a:p>
-            <a:r>
-              <a:rPr lang="en-US" altLang="zh-TW" dirty="0" smtClean="0"/>
-              <a:t>The </a:t>
-            </a:r>
-            <a:r>
-              <a:rPr lang="en-US" altLang="zh-TW" dirty="0"/>
-              <a:t>approximation is also good for small </a:t>
-            </a:r>
-            <a:r>
-              <a:rPr lang="en-US" altLang="zh-TW" dirty="0" smtClean="0"/>
-              <a:t>λ.</a:t>
-            </a:r>
-            <a:endParaRPr lang="en-US" altLang="zh-TW" dirty="0"/>
-          </a:p>
-          <a:p>
-            <a:endParaRPr lang="en-US" altLang="zh-TW" dirty="0" smtClean="0"/>
-          </a:p>
-          <a:p>
-            <a:r>
-              <a:rPr lang="en-US" altLang="zh-TW" dirty="0" smtClean="0"/>
-              <a:t>The </a:t>
-            </a:r>
-            <a:r>
-              <a:rPr lang="en-US" altLang="zh-TW" dirty="0"/>
-              <a:t>number of downloaders increases </a:t>
-            </a:r>
-            <a:r>
-              <a:rPr lang="en-US" altLang="zh-TW" dirty="0" smtClean="0"/>
-              <a:t>linearly with </a:t>
-            </a:r>
-            <a:r>
-              <a:rPr lang="en-US" altLang="zh-TW" dirty="0"/>
-              <a:t>the arrival rate </a:t>
-            </a:r>
-            <a:r>
-              <a:rPr lang="en-US" altLang="zh-TW" dirty="0" err="1" smtClean="0"/>
-              <a:t>λ</a:t>
-            </a:r>
-            <a:r>
-              <a:rPr lang="en-US" altLang="zh-TW" dirty="0" smtClean="0"/>
-              <a:t> </a:t>
-            </a:r>
-            <a:r>
-              <a:rPr lang="en-US" altLang="zh-TW" dirty="0" smtClean="0">
-                <a:sym typeface="Wingdings"/>
-              </a:rPr>
-              <a:t></a:t>
-            </a:r>
-            <a:r>
-              <a:rPr lang="en-US" altLang="zh-TW" dirty="0" smtClean="0"/>
-              <a:t> scales well.</a:t>
-            </a:r>
-            <a:endParaRPr lang="en-US" altLang="zh-TW" dirty="0"/>
-          </a:p>
-          <a:p>
-            <a:endParaRPr lang="en-US" altLang="zh-TW" dirty="0" smtClean="0"/>
-          </a:p>
-          <a:p>
-            <a:r>
-              <a:rPr lang="en-US" altLang="zh-TW" dirty="0"/>
-              <a:t>T</a:t>
-            </a:r>
-            <a:r>
-              <a:rPr lang="en-US" altLang="zh-TW" dirty="0" smtClean="0"/>
-              <a:t>he </a:t>
-            </a:r>
-            <a:r>
-              <a:rPr lang="en-US" altLang="zh-TW" dirty="0"/>
-              <a:t>variation in the number of peers </a:t>
-            </a:r>
-            <a:r>
-              <a:rPr lang="en-US" altLang="zh-TW" dirty="0" smtClean="0"/>
-              <a:t>is Gaussian</a:t>
-            </a:r>
-            <a:r>
-              <a:rPr lang="en-US" altLang="zh-TW" dirty="0"/>
-              <a:t>, and is independent of </a:t>
-            </a:r>
-            <a:r>
-              <a:rPr lang="en-US" altLang="zh-TW" dirty="0" smtClean="0"/>
-              <a:t>λ.</a:t>
-            </a:r>
-            <a:endParaRPr lang="zh-TW" altLang="en-US" dirty="0"/>
-          </a:p>
-        </p:txBody>
-      </p:sp>
-      <p:sp>
-        <p:nvSpPr>
-          <p:cNvPr id="5" name="投影片編號版面配置區 4"/>
-          <p:cNvSpPr>
-            <a:spLocks noGrp="1"/>
-          </p:cNvSpPr>
-          <p:nvPr>
-            <p:ph type="sldNum" sz="quarter" idx="12"/>
-          </p:nvPr>
-        </p:nvSpPr>
-        <p:spPr/>
-        <p:txBody>
-          <a:bodyPr/>
-          <a:lstStyle/>
-          <a:p>
-            <a:pPr>
-              <a:defRPr/>
-            </a:pPr>
-            <a:fld id="{7823135A-D7F7-45E8-89D0-FF7E75BBDD99}" type="slidenum">
-              <a:rPr lang="en-US" altLang="zh-TW" smtClean="0"/>
-              <a:pPr>
-                <a:defRPr/>
-              </a:pPr>
-              <a:t>49</a:t>
-            </a:fld>
-            <a:endParaRPr lang="en-US" altLang="zh-TW"/>
-          </a:p>
-        </p:txBody>
-      </p:sp>
       <p:sp>
         <p:nvSpPr>
           <p:cNvPr id="6" name="頁尾版面配置區 5"/>
@@ -33924,13 +33898,20 @@
     </p:spTree>
     <p:extLst>
       <p:ext uri="{BB962C8B-B14F-4D97-AF65-F5344CB8AC3E}">
-        <p14:creationId xmlns:p14="http://schemas.microsoft.com/office/powerpoint/2010/main" val="282723437"/>
+        <p14:creationId xmlns:p14="http://schemas.microsoft.com/office/powerpoint/2010/main" val="1200902508"/>
       </p:ext>
     </p:extLst>
   </p:cSld>
   <p:clrMapOvr>
     <a:masterClrMapping/>
   </p:clrMapOvr>
+  <p:timing>
+    <p:tnLst>
+      <p:par>
+        <p:cTn id="1" dur="indefinite" restart="never" nodeType="tmRoot"/>
+      </p:par>
+    </p:tnLst>
+  </p:timing>
 </p:sld>
 </file>
 
@@ -36059,204 +36040,7 @@
           <a:p>
             <a:r>
               <a:rPr lang="en-US" altLang="zh-TW" dirty="0" smtClean="0"/>
-              <a:t>Experiment 3 – Real-world Data</a:t>
-            </a:r>
-            <a:endParaRPr lang="zh-TW" altLang="en-US" dirty="0"/>
-          </a:p>
-        </p:txBody>
-      </p:sp>
-      <p:sp>
-        <p:nvSpPr>
-          <p:cNvPr id="3" name="內容版面配置區 2"/>
-          <p:cNvSpPr>
-            <a:spLocks noGrp="1"/>
-          </p:cNvSpPr>
-          <p:nvPr>
-            <p:ph idx="1"/>
-          </p:nvPr>
-        </p:nvSpPr>
-        <p:spPr/>
-        <p:txBody>
-          <a:bodyPr/>
-          <a:lstStyle/>
-          <a:p>
-            <a:r>
-              <a:rPr lang="en-US" altLang="zh-TW" dirty="0"/>
-              <a:t>A</a:t>
-            </a:r>
-            <a:r>
-              <a:rPr lang="en-US" altLang="zh-TW" dirty="0" smtClean="0"/>
-              <a:t>ssume </a:t>
-            </a:r>
-            <a:r>
-              <a:rPr lang="en-US" altLang="zh-TW" dirty="0"/>
-              <a:t>the system is </a:t>
-            </a:r>
-            <a:r>
-              <a:rPr lang="en-US" altLang="zh-TW" dirty="0" smtClean="0"/>
-              <a:t>upload-limited</a:t>
-            </a:r>
-            <a:r>
-              <a:rPr lang="zh-TW" altLang="en-US" dirty="0" smtClean="0"/>
-              <a:t> </a:t>
-            </a:r>
-            <a:r>
-              <a:rPr lang="en-US" altLang="zh-TW" dirty="0" smtClean="0"/>
-              <a:t>(</a:t>
-            </a:r>
-            <a:r>
-              <a:rPr lang="el-GR" altLang="zh-TW" dirty="0"/>
-              <a:t>γ</a:t>
-            </a:r>
-            <a:r>
-              <a:rPr lang="en-US" altLang="zh-TW" dirty="0"/>
-              <a:t> &gt; </a:t>
-            </a:r>
-            <a:r>
-              <a:rPr lang="el-GR" altLang="zh-TW" dirty="0"/>
-              <a:t>μ</a:t>
-            </a:r>
-            <a:r>
-              <a:rPr lang="en-US" altLang="zh-TW" dirty="0" smtClean="0"/>
-              <a:t>).</a:t>
-            </a:r>
-            <a:endParaRPr lang="en-US" altLang="zh-TW" dirty="0"/>
-          </a:p>
-          <a:p>
-            <a:endParaRPr lang="en-US" altLang="zh-TW" dirty="0" smtClean="0"/>
-          </a:p>
-          <a:p>
-            <a:r>
-              <a:rPr lang="en-US" altLang="zh-TW" dirty="0" smtClean="0"/>
-              <a:t>Measured </a:t>
-            </a:r>
-            <a:r>
-              <a:rPr lang="en-US" altLang="zh-TW" i="1" dirty="0"/>
-              <a:t>λ </a:t>
-            </a:r>
-            <a:r>
-              <a:rPr lang="en-US" altLang="zh-TW" dirty="0"/>
-              <a:t>and </a:t>
-            </a:r>
-            <a:r>
-              <a:rPr lang="en-US" altLang="zh-TW" i="1" dirty="0"/>
-              <a:t>γ </a:t>
-            </a:r>
-            <a:r>
-              <a:rPr lang="en-US" altLang="zh-TW" dirty="0"/>
-              <a:t>are time-dependent</a:t>
-            </a:r>
-          </a:p>
-          <a:p>
-            <a:pPr marL="0" indent="0">
-              <a:buNone/>
-            </a:pPr>
-            <a:r>
-              <a:rPr lang="en-US" altLang="zh-TW" dirty="0" smtClean="0"/>
-              <a:t>	– </a:t>
-            </a:r>
-            <a:r>
-              <a:rPr lang="en-US" altLang="zh-TW" dirty="0"/>
-              <a:t>for t &lt; 800 min, </a:t>
-            </a:r>
-            <a:r>
-              <a:rPr lang="el-GR" altLang="zh-TW" i="1" dirty="0"/>
-              <a:t>λ </a:t>
-            </a:r>
-            <a:r>
-              <a:rPr lang="el-GR" altLang="zh-TW" dirty="0"/>
-              <a:t>= 0.06 </a:t>
-            </a:r>
-            <a:r>
-              <a:rPr lang="el-GR" altLang="zh-TW" i="1" dirty="0"/>
-              <a:t>γ </a:t>
-            </a:r>
-            <a:r>
-              <a:rPr lang="el-GR" altLang="zh-TW" dirty="0"/>
-              <a:t>= 0.001</a:t>
-            </a:r>
-          </a:p>
-          <a:p>
-            <a:pPr marL="0" indent="0">
-              <a:buNone/>
-            </a:pPr>
-            <a:r>
-              <a:rPr lang="en-US" altLang="zh-TW" dirty="0" smtClean="0"/>
-              <a:t>	– </a:t>
-            </a:r>
-            <a:r>
-              <a:rPr lang="en-US" altLang="zh-TW" dirty="0"/>
-              <a:t>for t &gt; 1300 min, </a:t>
-            </a:r>
-            <a:r>
-              <a:rPr lang="el-GR" altLang="zh-TW" i="1" dirty="0"/>
-              <a:t>λ </a:t>
-            </a:r>
-            <a:r>
-              <a:rPr lang="el-GR" altLang="zh-TW" dirty="0"/>
-              <a:t>= 0.03 </a:t>
-            </a:r>
-            <a:r>
-              <a:rPr lang="el-GR" altLang="zh-TW" i="1" dirty="0"/>
-              <a:t>γ </a:t>
-            </a:r>
-            <a:r>
-              <a:rPr lang="el-GR" altLang="zh-TW" dirty="0"/>
-              <a:t>= 0.0044</a:t>
-            </a:r>
-          </a:p>
-          <a:p>
-            <a:pPr marL="0" indent="0">
-              <a:buNone/>
-            </a:pPr>
-            <a:r>
-              <a:rPr lang="en-US" altLang="zh-TW" dirty="0" smtClean="0"/>
-              <a:t>	– </a:t>
-            </a:r>
-            <a:r>
-              <a:rPr lang="en-US" altLang="zh-TW" dirty="0"/>
-              <a:t>in between, they vary linearly</a:t>
-            </a:r>
-          </a:p>
-          <a:p>
-            <a:endParaRPr lang="en-US" altLang="zh-TW" dirty="0" smtClean="0"/>
-          </a:p>
-          <a:p>
-            <a:r>
-              <a:rPr lang="en-US" altLang="zh-TW" dirty="0" smtClean="0"/>
-              <a:t>Also </a:t>
-            </a:r>
-            <a:r>
-              <a:rPr lang="en-US" altLang="zh-TW" dirty="0"/>
-              <a:t>numerically calculate the </a:t>
-            </a:r>
-            <a:r>
-              <a:rPr lang="en-US" altLang="zh-TW" dirty="0" smtClean="0"/>
-              <a:t>expected</a:t>
-            </a:r>
-            <a:r>
-              <a:rPr lang="zh-TW" altLang="en-US" dirty="0" smtClean="0"/>
-              <a:t> </a:t>
-            </a:r>
-            <a:r>
-              <a:rPr lang="en-US" altLang="zh-TW" dirty="0" smtClean="0"/>
-              <a:t>variation </a:t>
-            </a:r>
-            <a:r>
-              <a:rPr lang="en-US" altLang="zh-TW" dirty="0"/>
-              <a:t>from the model as a </a:t>
-            </a:r>
-            <a:r>
-              <a:rPr lang="en-US" altLang="zh-TW" dirty="0" smtClean="0"/>
-              <a:t>95%</a:t>
-            </a:r>
-            <a:r>
-              <a:rPr lang="zh-TW" altLang="en-US" dirty="0" smtClean="0"/>
-              <a:t> </a:t>
-            </a:r>
-            <a:r>
-              <a:rPr lang="en-US" altLang="zh-TW" dirty="0" smtClean="0"/>
-              <a:t>confidence interval.</a:t>
+              <a:t>Experiment 3</a:t>
             </a:r>
             <a:endParaRPr lang="zh-TW" altLang="en-US" dirty="0"/>
           </a:p>
@@ -36291,122 +36075,9 @@
           </a:p>
         </p:txBody>
       </p:sp>
-      <p:sp>
-        <p:nvSpPr>
-          <p:cNvPr id="6" name="頁尾版面配置區 5"/>
-          <p:cNvSpPr>
-            <a:spLocks noGrp="1"/>
-          </p:cNvSpPr>
-          <p:nvPr>
-            <p:ph type="ftr" sz="quarter" idx="11"/>
-          </p:nvPr>
-        </p:nvSpPr>
-        <p:spPr>
-          <a:xfrm>
-            <a:off x="5943600" y="6512768"/>
-            <a:ext cx="2895600" cy="228600"/>
-          </a:xfrm>
-        </p:spPr>
-        <p:txBody>
-          <a:bodyPr/>
-          <a:lstStyle/>
-          <a:p>
-            <a:pPr>
-              <a:defRPr/>
-            </a:pPr>
-            <a:r>
-              <a:rPr lang="en-US" altLang="zh-TW" dirty="0" smtClean="0"/>
-              <a:t>Performance Evaluation 2016 Spring</a:t>
-            </a:r>
-            <a:endParaRPr lang="en-US" altLang="zh-TW" dirty="0"/>
-          </a:p>
-        </p:txBody>
-      </p:sp>
-    </p:spTree>
-    <p:extLst>
-      <p:ext uri="{BB962C8B-B14F-4D97-AF65-F5344CB8AC3E}">
-        <p14:creationId xmlns:p14="http://schemas.microsoft.com/office/powerpoint/2010/main" val="1498978495"/>
-      </p:ext>
-    </p:extLst>
-  </p:cSld>
-  <p:clrMapOvr>
-    <a:masterClrMapping/>
-  </p:clrMapOvr>
-</p:sld>
-</file>
-
-<file path=ppt/slides/slide51.xml><?xml version="1.0" encoding="utf-8"?>
-<p:sld xmlns:a="http://schemas.openxmlformats.org/drawingml/2006/main" xmlns:r="http://schemas.openxmlformats.org/officeDocument/2006/relationships" xmlns:p="http://schemas.openxmlformats.org/presentationml/2006/main">
-  <p:cSld>
-    <p:spTree>
-      <p:nvGrpSpPr>
-        <p:cNvPr id="1" name=""/>
-        <p:cNvGrpSpPr/>
-        <p:nvPr/>
-      </p:nvGrpSpPr>
-      <p:grpSpPr>
-        <a:xfrm>
-          <a:off x="0" y="0"/>
-          <a:ext cx="0" cy="0"/>
-          <a:chOff x="0" y="0"/>
-          <a:chExt cx="0" cy="0"/>
-        </a:xfrm>
-      </p:grpSpPr>
-      <p:sp>
-        <p:nvSpPr>
-          <p:cNvPr id="2" name="標題 1"/>
-          <p:cNvSpPr>
-            <a:spLocks noGrp="1"/>
-          </p:cNvSpPr>
-          <p:nvPr>
-            <p:ph type="title"/>
-          </p:nvPr>
-        </p:nvSpPr>
-        <p:spPr/>
-        <p:txBody>
-          <a:bodyPr/>
-          <a:lstStyle/>
-          <a:p>
-            <a:r>
-              <a:rPr lang="en-US" altLang="zh-TW" dirty="0" smtClean="0"/>
-              <a:t>Experiment 3</a:t>
-            </a:r>
-            <a:endParaRPr lang="zh-TW" altLang="en-US" dirty="0"/>
-          </a:p>
-        </p:txBody>
-      </p:sp>
-      <p:sp>
-        <p:nvSpPr>
-          <p:cNvPr id="5" name="投影片編號版面配置區 4"/>
-          <p:cNvSpPr>
-            <a:spLocks noGrp="1"/>
-          </p:cNvSpPr>
-          <p:nvPr>
-            <p:ph type="sldNum" sz="quarter" idx="12"/>
-          </p:nvPr>
-        </p:nvSpPr>
-        <p:spPr/>
-        <p:txBody>
-          <a:bodyPr/>
-          <a:lstStyle/>
-          <a:p>
-            <a:pPr>
-              <a:defRPr/>
-            </a:pPr>
-            <a:fld id="{7823135A-D7F7-45E8-89D0-FF7E75BBDD99}" type="slidenum">
-              <a:rPr lang="en-US" altLang="zh-TW" smtClean="0"/>
-              <a:pPr>
-                <a:defRPr/>
-              </a:pPr>
-              <a:t>51</a:t>
-            </a:fld>
-            <a:endParaRPr lang="en-US" altLang="zh-TW"/>
-          </a:p>
-        </p:txBody>
-      </p:sp>
       <p:pic>
         <p:nvPicPr>
-          <p:cNvPr id="6146" name="Picture 2"/>
+          <p:cNvPr id="7170" name="Picture 2"/>
           <p:cNvPicPr>
             <a:picLocks noChangeAspect="1" noChangeArrowheads="1"/>
           </p:cNvPicPr>
@@ -36427,8 +36098,8 @@
         </p:blipFill>
         <p:spPr bwMode="auto">
           <a:xfrm>
-            <a:off x="1378713" y="980728"/>
-            <a:ext cx="6577663" cy="5112568"/>
+            <a:off x="1347801" y="980727"/>
+            <a:ext cx="6392551" cy="5080873"/>
           </a:xfrm>
           <a:prstGeom prst="rect">
             <a:avLst/>
@@ -36492,17 +36163,24 @@
     </p:spTree>
     <p:extLst>
       <p:ext uri="{BB962C8B-B14F-4D97-AF65-F5344CB8AC3E}">
-        <p14:creationId xmlns:p14="http://schemas.microsoft.com/office/powerpoint/2010/main" val="1200902508"/>
+        <p14:creationId xmlns:p14="http://schemas.microsoft.com/office/powerpoint/2010/main" val="1517137450"/>
       </p:ext>
     </p:extLst>
   </p:cSld>
   <p:clrMapOvr>
     <a:masterClrMapping/>
   </p:clrMapOvr>
+  <p:timing>
+    <p:tnLst>
+      <p:par>
+        <p:cTn id="1" dur="indefinite" restart="never" nodeType="tmRoot"/>
+      </p:par>
+    </p:tnLst>
+  </p:timing>
 </p:sld>
 </file>
 
-<file path=ppt/slides/slide52.xml><?xml version="1.0" encoding="utf-8"?>
+<file path=ppt/slides/slide51.xml><?xml version="1.0" encoding="utf-8"?>
 <p:sld xmlns:a="http://schemas.openxmlformats.org/drawingml/2006/main" xmlns:r="http://schemas.openxmlformats.org/officeDocument/2006/relationships" xmlns:p="http://schemas.openxmlformats.org/presentationml/2006/main">
   <p:cSld>
     <p:spTree>
@@ -36521,173 +36199,6 @@
       </p:grpSpPr>
       <p:sp>
         <p:nvSpPr>
-          <p:cNvPr id="2" name="標題 1"/>
-          <p:cNvSpPr>
-            <a:spLocks noGrp="1"/>
-          </p:cNvSpPr>
-          <p:nvPr>
-            <p:ph type="title"/>
-          </p:nvPr>
-        </p:nvSpPr>
-        <p:spPr/>
-        <p:txBody>
-          <a:bodyPr/>
-          <a:lstStyle/>
-          <a:p>
-            <a:r>
-              <a:rPr lang="en-US" altLang="zh-TW" dirty="0" smtClean="0"/>
-              <a:t>Experiment 3</a:t>
-            </a:r>
-            <a:endParaRPr lang="zh-TW" altLang="en-US" dirty="0"/>
-          </a:p>
-        </p:txBody>
-      </p:sp>
-      <p:sp>
-        <p:nvSpPr>
-          <p:cNvPr id="5" name="投影片編號版面配置區 4"/>
-          <p:cNvSpPr>
-            <a:spLocks noGrp="1"/>
-          </p:cNvSpPr>
-          <p:nvPr>
-            <p:ph type="sldNum" sz="quarter" idx="12"/>
-          </p:nvPr>
-        </p:nvSpPr>
-        <p:spPr/>
-        <p:txBody>
-          <a:bodyPr/>
-          <a:lstStyle/>
-          <a:p>
-            <a:pPr>
-              <a:defRPr/>
-            </a:pPr>
-            <a:fld id="{7823135A-D7F7-45E8-89D0-FF7E75BBDD99}" type="slidenum">
-              <a:rPr lang="en-US" altLang="zh-TW" smtClean="0"/>
-              <a:pPr>
-                <a:defRPr/>
-              </a:pPr>
-              <a:t>52</a:t>
-            </a:fld>
-            <a:endParaRPr lang="en-US" altLang="zh-TW"/>
-          </a:p>
-        </p:txBody>
-      </p:sp>
-      <p:pic>
-        <p:nvPicPr>
-          <p:cNvPr id="7170" name="Picture 2"/>
-          <p:cNvPicPr>
-            <a:picLocks noChangeAspect="1" noChangeArrowheads="1"/>
-          </p:cNvPicPr>
-          <p:nvPr/>
-        </p:nvPicPr>
-        <p:blipFill>
-          <a:blip r:embed="rId2">
-            <a:extLst>
-              <a:ext uri="{28A0092B-C50C-407E-A947-70E740481C1C}">
-                <a14:useLocalDpi xmlns:a14="http://schemas.microsoft.com/office/drawing/2010/main" val="0"/>
-              </a:ext>
-            </a:extLst>
-          </a:blip>
-          <a:srcRect/>
-          <a:stretch>
-            <a:fillRect/>
-          </a:stretch>
-        </p:blipFill>
-        <p:spPr bwMode="auto">
-          <a:xfrm>
-            <a:off x="1347801" y="980727"/>
-            <a:ext cx="6392551" cy="5080873"/>
-          </a:xfrm>
-          <a:prstGeom prst="rect">
-            <a:avLst/>
-          </a:prstGeom>
-          <a:noFill/>
-          <a:ln>
-            <a:noFill/>
-          </a:ln>
-          <a:extLst>
-            <a:ext uri="{909E8E84-426E-40DD-AFC4-6F175D3DCCD1}">
-              <a14:hiddenFill xmlns:a14="http://schemas.microsoft.com/office/drawing/2010/main">
-                <a:solidFill>
-                  <a:schemeClr val="accent1"/>
-                </a:solidFill>
-              </a14:hiddenFill>
-            </a:ext>
-            <a:ext uri="{91240B29-F687-4F45-9708-019B960494DF}">
-              <a14:hiddenLine xmlns:a14="http://schemas.microsoft.com/office/drawing/2010/main" w="9525">
-                <a:solidFill>
-                  <a:schemeClr val="tx1"/>
-                </a:solidFill>
-                <a:miter lim="800000"/>
-                <a:headEnd/>
-                <a:tailEnd/>
-              </a14:hiddenLine>
-            </a:ext>
-          </a:extLst>
-        </p:spPr>
-      </p:pic>
-      <p:sp>
-        <p:nvSpPr>
-          <p:cNvPr id="6" name="頁尾版面配置區 5"/>
-          <p:cNvSpPr>
-            <a:spLocks noGrp="1"/>
-          </p:cNvSpPr>
-          <p:nvPr>
-            <p:ph type="ftr" sz="quarter" idx="11"/>
-          </p:nvPr>
-        </p:nvSpPr>
-        <p:spPr>
-          <a:xfrm>
-            <a:off x="5943600" y="6512768"/>
-            <a:ext cx="2895600" cy="228600"/>
-          </a:xfrm>
-        </p:spPr>
-        <p:txBody>
-          <a:bodyPr/>
-          <a:lstStyle/>
-          <a:p>
-            <a:pPr>
-              <a:defRPr/>
-            </a:pPr>
-            <a:r>
-              <a:rPr lang="en-US" altLang="zh-TW" dirty="0" smtClean="0"/>
-              <a:t>Performance Evaluation 2016 Spring</a:t>
-            </a:r>
-            <a:endParaRPr lang="en-US" altLang="zh-TW" dirty="0"/>
-          </a:p>
-        </p:txBody>
-      </p:sp>
-    </p:spTree>
-    <p:extLst>
-      <p:ext uri="{BB962C8B-B14F-4D97-AF65-F5344CB8AC3E}">
-        <p14:creationId xmlns:p14="http://schemas.microsoft.com/office/powerpoint/2010/main" val="1517137450"/>
-      </p:ext>
-    </p:extLst>
-  </p:cSld>
-  <p:clrMapOvr>
-    <a:masterClrMapping/>
-  </p:clrMapOvr>
-</p:sld>
-</file>
-
-<file path=ppt/slides/slide53.xml><?xml version="1.0" encoding="utf-8"?>
-<p:sld xmlns:a="http://schemas.openxmlformats.org/drawingml/2006/main" xmlns:r="http://schemas.openxmlformats.org/officeDocument/2006/relationships" xmlns:p="http://schemas.openxmlformats.org/presentationml/2006/main">
-  <p:cSld>
-    <p:spTree>
-      <p:nvGrpSpPr>
-        <p:cNvPr id="1" name=""/>
-        <p:cNvGrpSpPr/>
-        <p:nvPr/>
-      </p:nvGrpSpPr>
-      <p:grpSpPr>
-        <a:xfrm>
-          <a:off x="0" y="0"/>
-          <a:ext cx="0" cy="0"/>
-          <a:chOff x="0" y="0"/>
-          <a:chExt cx="0" cy="0"/>
-        </a:xfrm>
-      </p:grpSpPr>
-      <p:sp>
-        <p:nvSpPr>
           <p:cNvPr id="21506" name="標題 1"/>
           <p:cNvSpPr>
             <a:spLocks noGrp="1"/>
@@ -36733,7 +36244,7 @@
               <a:pPr>
                 <a:defRPr/>
               </a:pPr>
-              <a:t>53</a:t>
+              <a:t>51</a:t>
             </a:fld>
             <a:endParaRPr lang="zh-TW" altLang="en-US"/>
           </a:p>
@@ -38760,7 +38271,7 @@
 </p:sld>
 </file>
 
-<file path=ppt/slides/slide54.xml><?xml version="1.0" encoding="utf-8"?>
+<file path=ppt/slides/slide52.xml><?xml version="1.0" encoding="utf-8"?>
 <p:sld xmlns:a="http://schemas.openxmlformats.org/drawingml/2006/main" xmlns:r="http://schemas.openxmlformats.org/officeDocument/2006/relationships" xmlns:p="http://schemas.openxmlformats.org/presentationml/2006/main">
   <p:cSld>
     <p:spTree>
@@ -38912,7 +38423,11 @@
           <a:p>
             <a:r>
               <a:rPr lang="en-US" altLang="zh-TW" dirty="0" smtClean="0"/>
-              <a:t>The simple fluid model is able to capture the behavior of the system even when the arrival rate is small.</a:t>
+              <a:t>The experiments show that the </a:t>
+            </a:r>
+            <a:r>
+              <a:rPr lang="en-US" altLang="zh-TW" dirty="0" smtClean="0"/>
+              <a:t>simple fluid model is able to capture the behavior of the system even when the arrival rate is small.</a:t>
             </a:r>
             <a:endParaRPr lang="zh-TW" altLang="en-US" dirty="0"/>
           </a:p>
@@ -38941,7 +38456,7 @@
               <a:pPr>
                 <a:defRPr/>
               </a:pPr>
-              <a:t>54</a:t>
+              <a:t>52</a:t>
             </a:fld>
             <a:endParaRPr lang="en-US" altLang="zh-TW"/>
           </a:p>
@@ -38988,6 +38503,13 @@
   <p:clrMapOvr>
     <a:masterClrMapping/>
   </p:clrMapOvr>
+  <p:timing>
+    <p:tnLst>
+      <p:par>
+        <p:cTn id="1" dur="indefinite" restart="never" nodeType="tmRoot"/>
+      </p:par>
+    </p:tnLst>
+  </p:timing>
 </p:sld>
 </file>
 

--- a/final/BT-like-peer2peer.pptx
+++ b/final/BT-like-peer2peer.pptx
@@ -319,7 +319,7 @@
               <a:pPr>
                 <a:defRPr/>
               </a:pPr>
-              <a:t>2016/6/14</a:t>
+              <a:t>2016/6/15</a:t>
             </a:fld>
             <a:endParaRPr lang="zh-TW" altLang="en-US"/>
           </a:p>
@@ -510,7 +510,7 @@
               <a:pPr>
                 <a:defRPr/>
               </a:pPr>
-              <a:t>2016/6/14</a:t>
+              <a:t>2016/6/15</a:t>
             </a:fld>
             <a:endParaRPr lang="zh-TW" altLang="en-US"/>
           </a:p>
@@ -969,6 +969,562 @@
       </p:grpSpPr>
       <p:sp>
         <p:nvSpPr>
+          <p:cNvPr id="2" name="投影片影像版面配置區 1"/>
+          <p:cNvSpPr>
+            <a:spLocks noGrp="1" noRot="1" noChangeAspect="1"/>
+          </p:cNvSpPr>
+          <p:nvPr>
+            <p:ph type="sldImg"/>
+          </p:nvPr>
+        </p:nvSpPr>
+        <p:spPr/>
+      </p:sp>
+      <p:sp>
+        <p:nvSpPr>
+          <p:cNvPr id="3" name="備忘稿版面配置區 2"/>
+          <p:cNvSpPr>
+            <a:spLocks noGrp="1"/>
+          </p:cNvSpPr>
+          <p:nvPr>
+            <p:ph type="body" idx="1"/>
+          </p:nvPr>
+        </p:nvSpPr>
+        <p:spPr/>
+        <p:txBody>
+          <a:bodyPr/>
+          <a:lstStyle/>
+          <a:p>
+            <a:r>
+              <a:rPr kumimoji="1" lang="en-US" altLang="zh-TW" dirty="0" smtClean="0"/>
+              <a:t>Seeds only</a:t>
+            </a:r>
+            <a:r>
+              <a:rPr kumimoji="1" lang="en-US" altLang="zh-TW" baseline="0" dirty="0" smtClean="0"/>
+              <a:t> perform uploading while downloaders download pieces that they do not have and upload pieces that they have.</a:t>
+            </a:r>
+          </a:p>
+          <a:p>
+            <a:r>
+              <a:rPr kumimoji="1" lang="en-US" altLang="zh-TW" baseline="0" dirty="0" smtClean="0"/>
+              <a:t>Chocking: </a:t>
+            </a:r>
+            <a:r>
+              <a:rPr kumimoji="1" lang="zh-TW" altLang="en-US" baseline="0" dirty="0" smtClean="0"/>
+              <a:t>拒絕</a:t>
+            </a:r>
+            <a:endParaRPr kumimoji="1" lang="en-US" altLang="zh-TW" baseline="0" dirty="0" smtClean="0"/>
+          </a:p>
+          <a:p>
+            <a:r>
+              <a:rPr kumimoji="1" lang="en-US" altLang="zh-TW" baseline="0" dirty="0" err="1" smtClean="0"/>
+              <a:t>Unchocking</a:t>
+            </a:r>
+            <a:r>
+              <a:rPr kumimoji="1" lang="en-US" altLang="zh-TW" baseline="0" dirty="0" smtClean="0"/>
+              <a:t>:</a:t>
+            </a:r>
+            <a:r>
+              <a:rPr kumimoji="1" lang="zh-TW" altLang="en-US" baseline="0" dirty="0" smtClean="0"/>
+              <a:t> 接受</a:t>
+            </a:r>
+            <a:r>
+              <a:rPr kumimoji="1" lang="en-US" altLang="zh-TW" baseline="0" dirty="0" smtClean="0"/>
+              <a:t> </a:t>
+            </a:r>
+            <a:r>
+              <a:rPr kumimoji="1" lang="en-US" altLang="zh-TW" baseline="0" dirty="0" smtClean="0">
+                <a:sym typeface="Wingdings"/>
+              </a:rPr>
+              <a:t> </a:t>
+            </a:r>
+            <a:r>
+              <a:rPr lang="zh-TW" altLang="en-US" sz="1200" b="0" i="0" kern="1200" dirty="0" smtClean="0">
+                <a:solidFill>
+                  <a:schemeClr val="tx1"/>
+                </a:solidFill>
+                <a:effectLst/>
+                <a:latin typeface="+mn-lt"/>
+                <a:ea typeface="+mn-ea"/>
+                <a:cs typeface="+mn-cs"/>
+              </a:rPr>
+              <a:t>接受那些現在正上傳檔案給我、而且速度最快的前</a:t>
+            </a:r>
+            <a:r>
+              <a:rPr lang="en-US" altLang="zh-TW" sz="1200" b="0" i="0" kern="1200" dirty="0" smtClean="0">
+                <a:solidFill>
+                  <a:schemeClr val="tx1"/>
+                </a:solidFill>
+                <a:effectLst/>
+                <a:latin typeface="+mn-lt"/>
+                <a:ea typeface="+mn-ea"/>
+                <a:cs typeface="+mn-cs"/>
+              </a:rPr>
+              <a:t> 4 </a:t>
+            </a:r>
+            <a:r>
+              <a:rPr lang="zh-TW" altLang="en-US" sz="1200" b="0" i="0" kern="1200" dirty="0" smtClean="0">
+                <a:solidFill>
+                  <a:schemeClr val="tx1"/>
+                </a:solidFill>
+                <a:effectLst/>
+                <a:latin typeface="+mn-lt"/>
+                <a:ea typeface="+mn-ea"/>
+                <a:cs typeface="+mn-cs"/>
+              </a:rPr>
+              <a:t>個人！</a:t>
+            </a:r>
+            <a:endParaRPr lang="en-US" altLang="zh-TW" sz="1200" b="0" i="0" kern="1200" dirty="0" smtClean="0">
+              <a:solidFill>
+                <a:schemeClr val="tx1"/>
+              </a:solidFill>
+              <a:effectLst/>
+              <a:latin typeface="+mn-lt"/>
+              <a:ea typeface="+mn-ea"/>
+              <a:cs typeface="+mn-cs"/>
+            </a:endParaRPr>
+          </a:p>
+          <a:p>
+            <a:r>
+              <a:rPr kumimoji="1" lang="en-US" altLang="zh-TW" dirty="0" smtClean="0"/>
+              <a:t>(Reference: http://</a:t>
+            </a:r>
+            <a:r>
+              <a:rPr kumimoji="1" lang="en-US" altLang="zh-TW" dirty="0" err="1" smtClean="0"/>
+              <a:t>mmdays.com</a:t>
+            </a:r>
+            <a:r>
+              <a:rPr kumimoji="1" lang="en-US" altLang="zh-TW" dirty="0" smtClean="0"/>
+              <a:t>/2007/04/06/bt1</a:t>
+            </a:r>
+            <a:r>
+              <a:rPr kumimoji="1" lang="en-US" altLang="zh-TW" dirty="0" smtClean="0"/>
+              <a:t>/)</a:t>
+            </a:r>
+          </a:p>
+          <a:p>
+            <a:endParaRPr kumimoji="1" lang="en-US" altLang="zh-TW" dirty="0" smtClean="0"/>
+          </a:p>
+          <a:p>
+            <a:r>
+              <a:rPr kumimoji="1" lang="zh-TW" altLang="en-US" dirty="0" smtClean="0"/>
+              <a:t>每 </a:t>
+            </a:r>
+            <a:r>
+              <a:rPr kumimoji="1" lang="en-US" altLang="zh-TW" dirty="0" smtClean="0"/>
+              <a:t>30 secs </a:t>
+            </a:r>
+            <a:r>
+              <a:rPr kumimoji="1" lang="zh-TW" altLang="en-US" dirty="0" smtClean="0"/>
+              <a:t>取一次 </a:t>
+            </a:r>
+            <a:r>
+              <a:rPr kumimoji="1" lang="en-US" altLang="zh-TW" dirty="0" smtClean="0"/>
+              <a:t>max</a:t>
+            </a:r>
+            <a:endParaRPr kumimoji="1" lang="en-US" altLang="zh-TW" dirty="0" smtClean="0"/>
+          </a:p>
+        </p:txBody>
+      </p:sp>
+      <p:sp>
+        <p:nvSpPr>
+          <p:cNvPr id="4" name="投影片編號版面配置區 3"/>
+          <p:cNvSpPr>
+            <a:spLocks noGrp="1"/>
+          </p:cNvSpPr>
+          <p:nvPr>
+            <p:ph type="sldNum" sz="quarter" idx="10"/>
+          </p:nvPr>
+        </p:nvSpPr>
+        <p:spPr/>
+        <p:txBody>
+          <a:bodyPr/>
+          <a:lstStyle/>
+          <a:p>
+            <a:pPr>
+              <a:defRPr/>
+            </a:pPr>
+            <a:fld id="{AA32E424-FCBD-41DB-BDB8-D5C0C38729C3}" type="slidenum">
+              <a:rPr lang="zh-TW" altLang="en-US" smtClean="0"/>
+              <a:pPr>
+                <a:defRPr/>
+              </a:pPr>
+              <a:t>13</a:t>
+            </a:fld>
+            <a:endParaRPr lang="zh-TW" altLang="en-US"/>
+          </a:p>
+        </p:txBody>
+      </p:sp>
+    </p:spTree>
+    <p:extLst>
+      <p:ext uri="{BB962C8B-B14F-4D97-AF65-F5344CB8AC3E}">
+        <p14:creationId xmlns:p14="http://schemas.microsoft.com/office/powerpoint/2010/main" val="1143459646"/>
+      </p:ext>
+    </p:extLst>
+  </p:cSld>
+  <p:clrMapOvr>
+    <a:masterClrMapping/>
+  </p:clrMapOvr>
+</p:notes>
+</file>
+
+<file path=ppt/notesSlides/notesSlide11.xml><?xml version="1.0" encoding="utf-8"?>
+<p:notes xmlns:a="http://schemas.openxmlformats.org/drawingml/2006/main" xmlns:r="http://schemas.openxmlformats.org/officeDocument/2006/relationships" xmlns:p="http://schemas.openxmlformats.org/presentationml/2006/main">
+  <p:cSld>
+    <p:spTree>
+      <p:nvGrpSpPr>
+        <p:cNvPr id="1" name=""/>
+        <p:cNvGrpSpPr/>
+        <p:nvPr/>
+      </p:nvGrpSpPr>
+      <p:grpSpPr>
+        <a:xfrm>
+          <a:off x="0" y="0"/>
+          <a:ext cx="0" cy="0"/>
+          <a:chOff x="0" y="0"/>
+          <a:chExt cx="0" cy="0"/>
+        </a:xfrm>
+      </p:grpSpPr>
+      <p:sp>
+        <p:nvSpPr>
+          <p:cNvPr id="2" name="投影片影像版面配置區 1"/>
+          <p:cNvSpPr>
+            <a:spLocks noGrp="1" noRot="1" noChangeAspect="1"/>
+          </p:cNvSpPr>
+          <p:nvPr>
+            <p:ph type="sldImg"/>
+          </p:nvPr>
+        </p:nvSpPr>
+        <p:spPr/>
+      </p:sp>
+      <p:sp>
+        <p:nvSpPr>
+          <p:cNvPr id="3" name="備忘稿版面配置區 2"/>
+          <p:cNvSpPr>
+            <a:spLocks noGrp="1"/>
+          </p:cNvSpPr>
+          <p:nvPr>
+            <p:ph type="body" idx="1"/>
+          </p:nvPr>
+        </p:nvSpPr>
+        <p:spPr/>
+        <p:txBody>
+          <a:bodyPr/>
+          <a:lstStyle/>
+          <a:p>
+            <a:r>
+              <a:rPr kumimoji="1" lang="zh-TW" altLang="en-US" dirty="0" smtClean="0"/>
+              <a:t>針對 </a:t>
+            </a:r>
+            <a:r>
+              <a:rPr kumimoji="1" lang="en-US" altLang="zh-TW" dirty="0" smtClean="0"/>
+              <a:t>peer</a:t>
+            </a:r>
+            <a:r>
+              <a:rPr kumimoji="1" lang="en-US" altLang="zh-TW" baseline="0" dirty="0" smtClean="0"/>
+              <a:t> 5 </a:t>
+            </a:r>
+            <a:r>
+              <a:rPr kumimoji="1" lang="zh-TW" altLang="en-US" baseline="0" dirty="0" smtClean="0"/>
+              <a:t>解釋 </a:t>
+            </a:r>
+            <a:r>
+              <a:rPr kumimoji="1" lang="en-US" altLang="zh-TW" baseline="0" dirty="0" smtClean="0"/>
+              <a:t>optimistic </a:t>
+            </a:r>
+            <a:r>
+              <a:rPr kumimoji="1" lang="en-US" altLang="zh-TW" baseline="0" dirty="0" err="1" smtClean="0"/>
+              <a:t>unchocking</a:t>
+            </a:r>
+            <a:r>
+              <a:rPr kumimoji="1" lang="en-US" altLang="zh-TW" baseline="0" dirty="0" smtClean="0"/>
+              <a:t> </a:t>
+            </a:r>
+            <a:r>
+              <a:rPr kumimoji="1" lang="zh-TW" altLang="en-US" baseline="0" dirty="0" smtClean="0"/>
+              <a:t>怎麼運作的。</a:t>
+            </a:r>
+            <a:endParaRPr kumimoji="1" lang="zh-TW" altLang="en-US" dirty="0"/>
+          </a:p>
+        </p:txBody>
+      </p:sp>
+      <p:sp>
+        <p:nvSpPr>
+          <p:cNvPr id="4" name="投影片編號版面配置區 3"/>
+          <p:cNvSpPr>
+            <a:spLocks noGrp="1"/>
+          </p:cNvSpPr>
+          <p:nvPr>
+            <p:ph type="sldNum" sz="quarter" idx="10"/>
+          </p:nvPr>
+        </p:nvSpPr>
+        <p:spPr/>
+        <p:txBody>
+          <a:bodyPr/>
+          <a:lstStyle/>
+          <a:p>
+            <a:pPr>
+              <a:defRPr/>
+            </a:pPr>
+            <a:fld id="{AA32E424-FCBD-41DB-BDB8-D5C0C38729C3}" type="slidenum">
+              <a:rPr lang="zh-TW" altLang="en-US" smtClean="0"/>
+              <a:pPr>
+                <a:defRPr/>
+              </a:pPr>
+              <a:t>14</a:t>
+            </a:fld>
+            <a:endParaRPr lang="zh-TW" altLang="en-US"/>
+          </a:p>
+        </p:txBody>
+      </p:sp>
+    </p:spTree>
+    <p:extLst>
+      <p:ext uri="{BB962C8B-B14F-4D97-AF65-F5344CB8AC3E}">
+        <p14:creationId xmlns:p14="http://schemas.microsoft.com/office/powerpoint/2010/main" val="1551719341"/>
+      </p:ext>
+    </p:extLst>
+  </p:cSld>
+  <p:clrMapOvr>
+    <a:masterClrMapping/>
+  </p:clrMapOvr>
+</p:notes>
+</file>
+
+<file path=ppt/notesSlides/notesSlide12.xml><?xml version="1.0" encoding="utf-8"?>
+<p:notes xmlns:a="http://schemas.openxmlformats.org/drawingml/2006/main" xmlns:r="http://schemas.openxmlformats.org/officeDocument/2006/relationships" xmlns:p="http://schemas.openxmlformats.org/presentationml/2006/main">
+  <p:cSld>
+    <p:spTree>
+      <p:nvGrpSpPr>
+        <p:cNvPr id="1" name=""/>
+        <p:cNvGrpSpPr/>
+        <p:nvPr/>
+      </p:nvGrpSpPr>
+      <p:grpSpPr>
+        <a:xfrm>
+          <a:off x="0" y="0"/>
+          <a:ext cx="0" cy="0"/>
+          <a:chOff x="0" y="0"/>
+          <a:chExt cx="0" cy="0"/>
+        </a:xfrm>
+      </p:grpSpPr>
+      <p:sp>
+        <p:nvSpPr>
+          <p:cNvPr id="2" name="投影片影像版面配置區 1"/>
+          <p:cNvSpPr>
+            <a:spLocks noGrp="1" noRot="1" noChangeAspect="1"/>
+          </p:cNvSpPr>
+          <p:nvPr>
+            <p:ph type="sldImg"/>
+          </p:nvPr>
+        </p:nvSpPr>
+        <p:spPr/>
+      </p:sp>
+      <p:sp>
+        <p:nvSpPr>
+          <p:cNvPr id="3" name="備忘稿版面配置區 2"/>
+          <p:cNvSpPr>
+            <a:spLocks noGrp="1"/>
+          </p:cNvSpPr>
+          <p:nvPr>
+            <p:ph type="body" idx="1"/>
+          </p:nvPr>
+        </p:nvSpPr>
+        <p:spPr/>
+        <p:txBody>
+          <a:bodyPr/>
+          <a:lstStyle/>
+          <a:p>
+            <a:r>
+              <a:rPr kumimoji="1" lang="en-US" altLang="zh-TW" dirty="0" smtClean="0"/>
+              <a:t>For a </a:t>
+            </a:r>
+            <a:r>
+              <a:rPr kumimoji="1" lang="en-US" altLang="zh-TW" dirty="0" err="1" smtClean="0"/>
+              <a:t>BitTorrent</a:t>
+            </a:r>
+            <a:r>
+              <a:rPr kumimoji="1" lang="en-US" altLang="zh-TW" baseline="0" dirty="0" smtClean="0"/>
+              <a:t> network, several issues have to be addressed in order to understand the behavior of the system</a:t>
+            </a:r>
+            <a:r>
+              <a:rPr kumimoji="1" lang="en-US" altLang="zh-TW" baseline="0" dirty="0" smtClean="0"/>
+              <a:t>.</a:t>
+            </a:r>
+          </a:p>
+          <a:p>
+            <a:endParaRPr kumimoji="1" lang="en-US" altLang="zh-TW" baseline="0" dirty="0" smtClean="0"/>
+          </a:p>
+          <a:p>
+            <a:r>
+              <a:rPr kumimoji="1" lang="zh-TW" altLang="en-US" dirty="0" smtClean="0"/>
+              <a:t>對 </a:t>
+            </a:r>
+            <a:r>
+              <a:rPr kumimoji="1" lang="en-US" altLang="zh-TW" dirty="0" err="1" smtClean="0"/>
+              <a:t>BitTorrent</a:t>
+            </a:r>
+            <a:r>
+              <a:rPr kumimoji="1" lang="en-US" altLang="zh-TW" baseline="0" dirty="0" smtClean="0"/>
+              <a:t> </a:t>
+            </a:r>
+            <a:r>
+              <a:rPr kumimoji="1" lang="zh-TW" altLang="en-US" baseline="0" dirty="0" smtClean="0"/>
+              <a:t>需要探討的議題。</a:t>
+            </a:r>
+            <a:endParaRPr kumimoji="1" lang="zh-TW" altLang="en-US" dirty="0"/>
+          </a:p>
+        </p:txBody>
+      </p:sp>
+      <p:sp>
+        <p:nvSpPr>
+          <p:cNvPr id="4" name="投影片編號版面配置區 3"/>
+          <p:cNvSpPr>
+            <a:spLocks noGrp="1"/>
+          </p:cNvSpPr>
+          <p:nvPr>
+            <p:ph type="sldNum" sz="quarter" idx="10"/>
+          </p:nvPr>
+        </p:nvSpPr>
+        <p:spPr/>
+        <p:txBody>
+          <a:bodyPr/>
+          <a:lstStyle/>
+          <a:p>
+            <a:pPr>
+              <a:defRPr/>
+            </a:pPr>
+            <a:fld id="{AA32E424-FCBD-41DB-BDB8-D5C0C38729C3}" type="slidenum">
+              <a:rPr lang="zh-TW" altLang="en-US" smtClean="0"/>
+              <a:pPr>
+                <a:defRPr/>
+              </a:pPr>
+              <a:t>20</a:t>
+            </a:fld>
+            <a:endParaRPr lang="zh-TW" altLang="en-US"/>
+          </a:p>
+        </p:txBody>
+      </p:sp>
+    </p:spTree>
+    <p:extLst>
+      <p:ext uri="{BB962C8B-B14F-4D97-AF65-F5344CB8AC3E}">
+        <p14:creationId xmlns:p14="http://schemas.microsoft.com/office/powerpoint/2010/main" val="1650911007"/>
+      </p:ext>
+    </p:extLst>
+  </p:cSld>
+  <p:clrMapOvr>
+    <a:masterClrMapping/>
+  </p:clrMapOvr>
+</p:notes>
+</file>
+
+<file path=ppt/notesSlides/notesSlide13.xml><?xml version="1.0" encoding="utf-8"?>
+<p:notes xmlns:a="http://schemas.openxmlformats.org/drawingml/2006/main" xmlns:r="http://schemas.openxmlformats.org/officeDocument/2006/relationships" xmlns:p="http://schemas.openxmlformats.org/presentationml/2006/main">
+  <p:cSld>
+    <p:spTree>
+      <p:nvGrpSpPr>
+        <p:cNvPr id="1" name=""/>
+        <p:cNvGrpSpPr/>
+        <p:nvPr/>
+      </p:nvGrpSpPr>
+      <p:grpSpPr>
+        <a:xfrm>
+          <a:off x="0" y="0"/>
+          <a:ext cx="0" cy="0"/>
+          <a:chOff x="0" y="0"/>
+          <a:chExt cx="0" cy="0"/>
+        </a:xfrm>
+      </p:grpSpPr>
+      <p:sp>
+        <p:nvSpPr>
+          <p:cNvPr id="2" name="投影片圖像版面配置區 1"/>
+          <p:cNvSpPr>
+            <a:spLocks noGrp="1" noRot="1" noChangeAspect="1"/>
+          </p:cNvSpPr>
+          <p:nvPr>
+            <p:ph type="sldImg"/>
+          </p:nvPr>
+        </p:nvSpPr>
+        <p:spPr/>
+      </p:sp>
+      <p:sp>
+        <p:nvSpPr>
+          <p:cNvPr id="3" name="備忘稿版面配置區 2"/>
+          <p:cNvSpPr>
+            <a:spLocks noGrp="1"/>
+          </p:cNvSpPr>
+          <p:nvPr>
+            <p:ph type="body" idx="1"/>
+          </p:nvPr>
+        </p:nvSpPr>
+        <p:spPr/>
+        <p:txBody>
+          <a:bodyPr/>
+          <a:lstStyle/>
+          <a:p>
+            <a:endParaRPr lang="zh-TW" altLang="en-US" dirty="0"/>
+          </a:p>
+        </p:txBody>
+      </p:sp>
+      <p:sp>
+        <p:nvSpPr>
+          <p:cNvPr id="4" name="投影片編號版面配置區 3"/>
+          <p:cNvSpPr>
+            <a:spLocks noGrp="1"/>
+          </p:cNvSpPr>
+          <p:nvPr>
+            <p:ph type="sldNum" sz="quarter" idx="10"/>
+          </p:nvPr>
+        </p:nvSpPr>
+        <p:spPr/>
+        <p:txBody>
+          <a:bodyPr/>
+          <a:lstStyle/>
+          <a:p>
+            <a:pPr>
+              <a:defRPr/>
+            </a:pPr>
+            <a:fld id="{AA32E424-FCBD-41DB-BDB8-D5C0C38729C3}" type="slidenum">
+              <a:rPr lang="zh-TW" altLang="en-US" smtClean="0"/>
+              <a:pPr>
+                <a:defRPr/>
+              </a:pPr>
+              <a:t>41</a:t>
+            </a:fld>
+            <a:endParaRPr lang="zh-TW" altLang="en-US"/>
+          </a:p>
+        </p:txBody>
+      </p:sp>
+    </p:spTree>
+    <p:extLst>
+      <p:ext uri="{BB962C8B-B14F-4D97-AF65-F5344CB8AC3E}">
+        <p14:creationId xmlns:p14="http://schemas.microsoft.com/office/powerpoint/2010/main" val="1069126592"/>
+      </p:ext>
+    </p:extLst>
+  </p:cSld>
+  <p:clrMapOvr>
+    <a:masterClrMapping/>
+  </p:clrMapOvr>
+</p:notes>
+</file>
+
+<file path=ppt/notesSlides/notesSlide14.xml><?xml version="1.0" encoding="utf-8"?>
+<p:notes xmlns:a="http://schemas.openxmlformats.org/drawingml/2006/main" xmlns:r="http://schemas.openxmlformats.org/officeDocument/2006/relationships" xmlns:p="http://schemas.openxmlformats.org/presentationml/2006/main">
+  <p:cSld>
+    <p:spTree>
+      <p:nvGrpSpPr>
+        <p:cNvPr id="1" name=""/>
+        <p:cNvGrpSpPr/>
+        <p:nvPr/>
+      </p:nvGrpSpPr>
+      <p:grpSpPr>
+        <a:xfrm>
+          <a:off x="0" y="0"/>
+          <a:ext cx="0" cy="0"/>
+          <a:chOff x="0" y="0"/>
+          <a:chExt cx="0" cy="0"/>
+        </a:xfrm>
+      </p:grpSpPr>
+      <p:sp>
+        <p:nvSpPr>
           <p:cNvPr id="2" name="投影片圖像版面配置區 1"/>
           <p:cNvSpPr>
             <a:spLocks noGrp="1" noRot="1" noChangeAspect="1"/>
@@ -1096,7 +1652,7 @@
 </p:notes>
 </file>
 
-<file path=ppt/notesSlides/notesSlide11.xml><?xml version="1.0" encoding="utf-8"?>
+<file path=ppt/notesSlides/notesSlide15.xml><?xml version="1.0" encoding="utf-8"?>
 <p:notes xmlns:a="http://schemas.openxmlformats.org/drawingml/2006/main" xmlns:r="http://schemas.openxmlformats.org/officeDocument/2006/relationships" xmlns:p="http://schemas.openxmlformats.org/presentationml/2006/main">
   <p:cSld>
     <p:spTree>
@@ -1231,10 +1787,264 @@
           <a:lstStyle/>
           <a:p>
             <a:r>
+              <a:rPr kumimoji="1" lang="zh-TW" altLang="en-US" dirty="0" smtClean="0">
+                <a:sym typeface="Wingdings"/>
+              </a:rPr>
+              <a:t>在傳統的 </a:t>
+            </a:r>
+            <a:r>
               <a:rPr kumimoji="1" lang="en-US" altLang="zh-TW" dirty="0" smtClean="0">
                 <a:sym typeface="Wingdings"/>
               </a:rPr>
-              <a:t>The performance of traditional file sharing applications (like the client-server network) deteriorates rapidly as the number of clients increases, while in a well-designed P2P file sharing system, more peers generally means better performance.</a:t>
+              <a:t>client-server</a:t>
+            </a:r>
+            <a:r>
+              <a:rPr kumimoji="1" lang="en-US" altLang="zh-TW" baseline="0" dirty="0" smtClean="0">
+                <a:sym typeface="Wingdings"/>
+              </a:rPr>
+              <a:t> network </a:t>
+            </a:r>
+            <a:r>
+              <a:rPr kumimoji="1" lang="zh-TW" altLang="en-US" baseline="0" dirty="0" smtClean="0">
+                <a:sym typeface="Wingdings"/>
+              </a:rPr>
+              <a:t>裡，假設 </a:t>
+            </a:r>
+            <a:r>
+              <a:rPr kumimoji="1" lang="en-US" altLang="zh-TW" baseline="0" dirty="0" smtClean="0">
+                <a:sym typeface="Wingdings"/>
+              </a:rPr>
+              <a:t>client </a:t>
+            </a:r>
+            <a:r>
+              <a:rPr kumimoji="1" lang="zh-TW" altLang="en-US" baseline="0" dirty="0" smtClean="0">
+                <a:sym typeface="Wingdings"/>
+              </a:rPr>
+              <a:t>要某個檔案，那他就要跟 </a:t>
+            </a:r>
+            <a:r>
+              <a:rPr kumimoji="1" lang="en-US" altLang="zh-TW" baseline="0" dirty="0" smtClean="0">
+                <a:sym typeface="Wingdings"/>
+              </a:rPr>
+              <a:t>server </a:t>
+            </a:r>
+            <a:r>
+              <a:rPr kumimoji="1" lang="zh-TW" altLang="en-US" baseline="0" dirty="0" smtClean="0">
+                <a:sym typeface="Wingdings"/>
+              </a:rPr>
+              <a:t>連線下載；而 </a:t>
+            </a:r>
+            <a:r>
+              <a:rPr kumimoji="1" lang="en-US" altLang="zh-TW" baseline="0" dirty="0" smtClean="0">
+                <a:sym typeface="Wingdings"/>
+              </a:rPr>
+              <a:t>P2P network </a:t>
+            </a:r>
+            <a:r>
+              <a:rPr kumimoji="1" lang="zh-TW" altLang="en-US" baseline="0" dirty="0" smtClean="0">
+                <a:sym typeface="Wingdings"/>
+              </a:rPr>
+              <a:t>裡沒有所謂的 </a:t>
+            </a:r>
+            <a:r>
+              <a:rPr kumimoji="1" lang="en-US" altLang="zh-TW" baseline="0" dirty="0" smtClean="0">
+                <a:sym typeface="Wingdings"/>
+              </a:rPr>
+              <a:t>server</a:t>
+            </a:r>
+            <a:r>
+              <a:rPr kumimoji="1" lang="zh-TW" altLang="en-US" baseline="0" dirty="0" smtClean="0">
+                <a:sym typeface="Wingdings"/>
+              </a:rPr>
+              <a:t> </a:t>
+            </a:r>
+            <a:r>
+              <a:rPr kumimoji="1" lang="en-US" altLang="zh-TW" baseline="0" dirty="0" smtClean="0">
+                <a:sym typeface="Wingdings"/>
+              </a:rPr>
+              <a:t>/ client </a:t>
+            </a:r>
+            <a:r>
+              <a:rPr kumimoji="1" lang="zh-TW" altLang="en-US" baseline="0" dirty="0" smtClean="0">
+                <a:sym typeface="Wingdings"/>
+              </a:rPr>
+              <a:t>的分別，或是要說成大家都是 </a:t>
+            </a:r>
+            <a:r>
+              <a:rPr kumimoji="1" lang="en-US" altLang="zh-TW" baseline="0" dirty="0" smtClean="0">
+                <a:sym typeface="Wingdings"/>
+              </a:rPr>
+              <a:t>server </a:t>
+            </a:r>
+            <a:r>
+              <a:rPr kumimoji="1" lang="zh-TW" altLang="en-US" baseline="0" dirty="0" smtClean="0">
+                <a:sym typeface="Wingdings"/>
+              </a:rPr>
+              <a:t>也都是 </a:t>
+            </a:r>
+            <a:r>
+              <a:rPr kumimoji="1" lang="en-US" altLang="zh-TW" baseline="0" dirty="0" smtClean="0">
+                <a:sym typeface="Wingdings"/>
+              </a:rPr>
+              <a:t>client </a:t>
+            </a:r>
+            <a:r>
+              <a:rPr kumimoji="1" lang="zh-TW" altLang="en-US" baseline="0" dirty="0" smtClean="0">
+                <a:sym typeface="Wingdings"/>
+              </a:rPr>
+              <a:t>也行，每個 </a:t>
+            </a:r>
+            <a:r>
+              <a:rPr kumimoji="1" lang="en-US" altLang="zh-TW" baseline="0" dirty="0" smtClean="0">
+                <a:sym typeface="Wingdings"/>
+              </a:rPr>
+              <a:t>peer </a:t>
+            </a:r>
+            <a:r>
+              <a:rPr kumimoji="1" lang="zh-TW" altLang="en-US" baseline="0" dirty="0" smtClean="0">
+                <a:sym typeface="Wingdings"/>
+              </a:rPr>
+              <a:t>都有部分或是全部的檔案，然後互相要自己沒有的部分。</a:t>
+            </a:r>
+            <a:endParaRPr kumimoji="1" lang="en-US" altLang="zh-TW" dirty="0" smtClean="0">
+              <a:sym typeface="Wingdings"/>
+            </a:endParaRPr>
+          </a:p>
+          <a:p>
+            <a:endParaRPr kumimoji="1" lang="en-US" altLang="zh-TW" dirty="0" smtClean="0">
+              <a:sym typeface="Wingdings"/>
+            </a:endParaRPr>
+          </a:p>
+          <a:p>
+            <a:r>
+              <a:rPr kumimoji="1" lang="zh-TW" altLang="en-US" dirty="0" smtClean="0">
+                <a:sym typeface="Wingdings"/>
+              </a:rPr>
+              <a:t>在 </a:t>
+            </a:r>
+            <a:r>
+              <a:rPr kumimoji="1" lang="en-US" altLang="zh-TW" dirty="0" smtClean="0">
+                <a:sym typeface="Wingdings"/>
+              </a:rPr>
+              <a:t>client-server</a:t>
+            </a:r>
+            <a:r>
+              <a:rPr kumimoji="1" lang="en-US" altLang="zh-TW" baseline="0" dirty="0" smtClean="0">
+                <a:sym typeface="Wingdings"/>
+              </a:rPr>
+              <a:t> network</a:t>
+            </a:r>
+            <a:r>
+              <a:rPr kumimoji="1" lang="zh-TW" altLang="en-US" baseline="0" dirty="0" smtClean="0">
+                <a:sym typeface="Wingdings"/>
+              </a:rPr>
+              <a:t> 裡，每個要檔案的 </a:t>
+            </a:r>
+            <a:r>
+              <a:rPr kumimoji="1" lang="en-US" altLang="zh-TW" baseline="0" dirty="0" smtClean="0">
+                <a:sym typeface="Wingdings"/>
+              </a:rPr>
+              <a:t>client </a:t>
+            </a:r>
+            <a:r>
+              <a:rPr kumimoji="1" lang="zh-TW" altLang="en-US" baseline="0" dirty="0" smtClean="0">
+                <a:sym typeface="Wingdings"/>
+              </a:rPr>
+              <a:t>都要跟 </a:t>
+            </a:r>
+            <a:r>
+              <a:rPr kumimoji="1" lang="en-US" altLang="zh-TW" baseline="0" dirty="0" smtClean="0">
+                <a:sym typeface="Wingdings"/>
+              </a:rPr>
+              <a:t>server </a:t>
+            </a:r>
+            <a:r>
+              <a:rPr kumimoji="1" lang="zh-TW" altLang="en-US" baseline="0" dirty="0" smtClean="0">
+                <a:sym typeface="Wingdings"/>
+              </a:rPr>
+              <a:t>建立一個連線，所以當 </a:t>
+            </a:r>
+            <a:r>
+              <a:rPr kumimoji="1" lang="en-US" altLang="zh-TW" baseline="0" dirty="0" smtClean="0">
+                <a:sym typeface="Wingdings"/>
+              </a:rPr>
+              <a:t>client </a:t>
+            </a:r>
+            <a:r>
+              <a:rPr kumimoji="1" lang="zh-TW" altLang="en-US" baseline="0" dirty="0" smtClean="0">
+                <a:sym typeface="Wingdings"/>
+              </a:rPr>
+              <a:t>數量越來越大時，會給 </a:t>
+            </a:r>
+            <a:r>
+              <a:rPr kumimoji="1" lang="en-US" altLang="zh-TW" baseline="0" dirty="0" smtClean="0">
+                <a:sym typeface="Wingdings"/>
+              </a:rPr>
+              <a:t>network bandwidth </a:t>
+            </a:r>
+            <a:r>
+              <a:rPr kumimoji="1" lang="zh-TW" altLang="en-US" baseline="0" dirty="0" smtClean="0">
+                <a:sym typeface="Wingdings"/>
+              </a:rPr>
+              <a:t>很大的負擔；</a:t>
+            </a:r>
+            <a:r>
+              <a:rPr kumimoji="1" lang="en-US" altLang="zh-TW" baseline="0" dirty="0" smtClean="0">
+                <a:sym typeface="Wingdings"/>
+              </a:rPr>
+              <a:t>P2P network </a:t>
+            </a:r>
+            <a:r>
+              <a:rPr kumimoji="1" lang="zh-TW" altLang="en-US" baseline="0" dirty="0" smtClean="0">
+                <a:sym typeface="Wingdings"/>
+              </a:rPr>
+              <a:t>則不然，因為大家既要檔案，也傳檔案，因此理論上整體的 </a:t>
+            </a:r>
+            <a:r>
+              <a:rPr kumimoji="1" lang="en-US" altLang="zh-TW" baseline="0" dirty="0" smtClean="0">
+                <a:sym typeface="Wingdings"/>
+              </a:rPr>
+              <a:t>performance </a:t>
+            </a:r>
+            <a:r>
+              <a:rPr kumimoji="1" lang="zh-TW" altLang="en-US" baseline="0" dirty="0" smtClean="0">
+                <a:sym typeface="Wingdings"/>
+              </a:rPr>
+              <a:t>是很 </a:t>
+            </a:r>
+            <a:r>
+              <a:rPr kumimoji="1" lang="en-US" altLang="zh-TW" baseline="0" dirty="0" smtClean="0">
+                <a:sym typeface="Wingdings"/>
+              </a:rPr>
+              <a:t>scalable </a:t>
+            </a:r>
+            <a:r>
+              <a:rPr kumimoji="1" lang="zh-TW" altLang="en-US" baseline="0" dirty="0" smtClean="0">
+                <a:sym typeface="Wingdings"/>
+              </a:rPr>
+              <a:t>的！</a:t>
+            </a:r>
+            <a:endParaRPr kumimoji="1" lang="en-US" altLang="zh-TW" dirty="0" smtClean="0">
+              <a:sym typeface="Wingdings"/>
+            </a:endParaRPr>
+          </a:p>
+          <a:p>
+            <a:endParaRPr kumimoji="1" lang="en-US" altLang="zh-TW" dirty="0" smtClean="0">
+              <a:sym typeface="Wingdings"/>
+            </a:endParaRPr>
+          </a:p>
+          <a:p>
+            <a:r>
+              <a:rPr kumimoji="1" lang="en-US" altLang="zh-TW" dirty="0" smtClean="0">
+                <a:sym typeface="Wingdings"/>
+              </a:rPr>
+              <a:t>The </a:t>
+            </a:r>
+            <a:r>
+              <a:rPr kumimoji="1" lang="en-US" altLang="zh-TW" dirty="0" smtClean="0">
+                <a:sym typeface="Wingdings"/>
+              </a:rPr>
+              <a:t>performance of traditional file sharing applications (like the client-server network) deteriorates rapidly as the number of clients increases, while in a well-designed P2P file sharing system, more peers generally means better performance.</a:t>
             </a:r>
             <a:endParaRPr kumimoji="1" lang="zh-TW" altLang="en-US" dirty="0"/>
           </a:p>
@@ -1327,21 +2137,26 @@
           <a:lstStyle/>
           <a:p>
             <a:r>
-              <a:rPr kumimoji="1" lang="en-US" altLang="zh-TW" dirty="0" smtClean="0"/>
-              <a:t>A brief description of how </a:t>
-            </a:r>
-            <a:r>
               <a:rPr kumimoji="1" lang="en-US" altLang="zh-TW" dirty="0" err="1" smtClean="0"/>
               <a:t>BitTorrent</a:t>
             </a:r>
             <a:r>
-              <a:rPr kumimoji="1" lang="en-US" altLang="zh-TW" dirty="0" smtClean="0"/>
-              <a:t> operates when a single file is downloaded</a:t>
+              <a:rPr kumimoji="1" lang="zh-TW" altLang="en-US" baseline="0" dirty="0" smtClean="0"/>
+              <a:t> 就是採用 </a:t>
             </a:r>
             <a:r>
               <a:rPr kumimoji="1" lang="en-US" altLang="zh-TW" baseline="0" dirty="0" smtClean="0"/>
-              <a:t> by many users.</a:t>
-            </a:r>
+              <a:t>P2P </a:t>
+            </a:r>
+            <a:r>
+              <a:rPr kumimoji="1" lang="zh-TW" altLang="en-US" baseline="0" dirty="0" smtClean="0"/>
+              <a:t>架構的 </a:t>
+            </a:r>
+            <a:r>
+              <a:rPr kumimoji="1" lang="en-US" altLang="zh-TW" baseline="0" dirty="0" smtClean="0"/>
+              <a:t>file sharing application.</a:t>
+            </a:r>
+            <a:endParaRPr kumimoji="1" lang="zh-TW" altLang="en-US" dirty="0"/>
           </a:p>
         </p:txBody>
       </p:sp>
@@ -1368,7 +2183,7 @@
               <a:pPr>
                 <a:defRPr/>
               </a:pPr>
-              <a:t>7</a:t>
+              <a:t>5</a:t>
             </a:fld>
             <a:endParaRPr lang="zh-TW" altLang="en-US"/>
           </a:p>
@@ -1377,7 +2192,7 @@
     </p:spTree>
     <p:extLst>
       <p:ext uri="{BB962C8B-B14F-4D97-AF65-F5344CB8AC3E}">
-        <p14:creationId xmlns:p14="http://schemas.microsoft.com/office/powerpoint/2010/main" val="117395746"/>
+        <p14:creationId xmlns:p14="http://schemas.microsoft.com/office/powerpoint/2010/main" val="1468040070"/>
       </p:ext>
     </p:extLst>
   </p:cSld>
@@ -1431,44 +2246,55 @@
           <a:bodyPr/>
           <a:lstStyle/>
           <a:p>
-            <a:pPr marL="0" marR="0" indent="0" algn="l" defTabSz="914400" rtl="0" eaLnBrk="0" fontAlgn="base" latinLnBrk="0" hangingPunct="0">
-              <a:lnSpc>
-                <a:spcPct val="100000"/>
-              </a:lnSpc>
-              <a:spcBef>
-                <a:spcPct val="30000"/>
-              </a:spcBef>
-              <a:spcAft>
-                <a:spcPct val="0"/>
-              </a:spcAft>
-              <a:buClrTx/>
-              <a:buSzTx/>
-              <a:buFontTx/>
-              <a:buNone/>
-              <a:tabLst/>
-              <a:defRPr/>
-            </a:pPr>
+            <a:r>
+              <a:rPr kumimoji="1" lang="zh-TW" altLang="en-US" dirty="0" smtClean="0"/>
+              <a:t>在最初的</a:t>
+            </a:r>
             <a:r>
               <a:rPr kumimoji="1" lang="zh-TW" altLang="en-US" baseline="0" dirty="0" smtClean="0"/>
-              <a:t>從 </a:t>
+              <a:t> </a:t>
             </a:r>
             <a:r>
               <a:rPr kumimoji="1" lang="en-US" altLang="zh-TW" baseline="0" dirty="0" smtClean="0"/>
-              <a:t>.torrent file </a:t>
+              <a:t>network </a:t>
             </a:r>
             <a:r>
               <a:rPr kumimoji="1" lang="zh-TW" altLang="en-US" baseline="0" dirty="0" smtClean="0"/>
-              <a:t>先知道 </a:t>
+              <a:t>應該至少存在一個 </a:t>
             </a:r>
             <a:r>
               <a:rPr kumimoji="1" lang="en-US" altLang="zh-TW" baseline="0" dirty="0" smtClean="0"/>
-              <a:t>tracker </a:t>
+              <a:t>seed </a:t>
             </a:r>
             <a:r>
               <a:rPr kumimoji="1" lang="zh-TW" altLang="en-US" baseline="0" dirty="0" smtClean="0"/>
-              <a:t>在哪！</a:t>
-            </a:r>
-            <a:endParaRPr kumimoji="1" lang="zh-TW" altLang="en-US" dirty="0" smtClean="0"/>
+              <a:t>吧（不然根本無法開始）！當開始有 </a:t>
+            </a:r>
+            <a:r>
+              <a:rPr kumimoji="1" lang="en-US" altLang="zh-TW" baseline="0" dirty="0" smtClean="0"/>
+              <a:t>peers </a:t>
+            </a:r>
+            <a:r>
+              <a:rPr kumimoji="1" lang="zh-TW" altLang="en-US" baseline="0" dirty="0" smtClean="0"/>
+              <a:t>進來 </a:t>
+            </a:r>
+            <a:r>
+              <a:rPr kumimoji="1" lang="en-US" altLang="zh-TW" baseline="0" dirty="0" smtClean="0"/>
+              <a:t>network </a:t>
+            </a:r>
+            <a:r>
+              <a:rPr kumimoji="1" lang="zh-TW" altLang="en-US" baseline="0" dirty="0" smtClean="0"/>
+              <a:t>時，就會開始跟 </a:t>
+            </a:r>
+            <a:r>
+              <a:rPr kumimoji="1" lang="en-US" altLang="zh-TW" baseline="0" dirty="0" smtClean="0"/>
+              <a:t>seed </a:t>
+            </a:r>
+            <a:r>
+              <a:rPr kumimoji="1" lang="zh-TW" altLang="en-US" baseline="0" dirty="0" smtClean="0"/>
+              <a:t>隨機下載部分檔案。</a:t>
+            </a:r>
+            <a:endParaRPr kumimoji="1" lang="zh-TW" altLang="en-US" dirty="0"/>
           </a:p>
         </p:txBody>
       </p:sp>
@@ -1495,7 +2321,7 @@
               <a:pPr>
                 <a:defRPr/>
               </a:pPr>
-              <a:t>9</a:t>
+              <a:t>6</a:t>
             </a:fld>
             <a:endParaRPr lang="zh-TW" altLang="en-US"/>
           </a:p>
@@ -1504,7 +2330,7 @@
     </p:spTree>
     <p:extLst>
       <p:ext uri="{BB962C8B-B14F-4D97-AF65-F5344CB8AC3E}">
-        <p14:creationId xmlns:p14="http://schemas.microsoft.com/office/powerpoint/2010/main" val="597633715"/>
+        <p14:creationId xmlns:p14="http://schemas.microsoft.com/office/powerpoint/2010/main" val="2043265692"/>
       </p:ext>
     </p:extLst>
   </p:cSld>
@@ -1560,13 +2386,20 @@
           <a:p>
             <a:r>
               <a:rPr kumimoji="1" lang="en-US" altLang="zh-TW" dirty="0" smtClean="0"/>
-              <a:t>The tracker returns a random list</a:t>
+              <a:t>A brief description of how </a:t>
+            </a:r>
+            <a:r>
+              <a:rPr kumimoji="1" lang="en-US" altLang="zh-TW" dirty="0" err="1" smtClean="0"/>
+              <a:t>BitTorrent</a:t>
+            </a:r>
+            <a:r>
+              <a:rPr kumimoji="1" lang="en-US" altLang="zh-TW" dirty="0" smtClean="0"/>
+              <a:t> operates when a single file is downloaded</a:t>
             </a:r>
             <a:r>
               <a:rPr kumimoji="1" lang="en-US" altLang="zh-TW" baseline="0" dirty="0" smtClean="0"/>
-              <a:t> of peers that have the file.</a:t>
-            </a:r>
-            <a:endParaRPr kumimoji="1" lang="zh-TW" altLang="en-US" dirty="0"/>
+              <a:t> by many users.</a:t>
+            </a:r>
           </a:p>
         </p:txBody>
       </p:sp>
@@ -1593,7 +2426,7 @@
               <a:pPr>
                 <a:defRPr/>
               </a:pPr>
-              <a:t>11</a:t>
+              <a:t>7</a:t>
             </a:fld>
             <a:endParaRPr lang="zh-TW" altLang="en-US"/>
           </a:p>
@@ -1602,7 +2435,7 @@
     </p:spTree>
     <p:extLst>
       <p:ext uri="{BB962C8B-B14F-4D97-AF65-F5344CB8AC3E}">
-        <p14:creationId xmlns:p14="http://schemas.microsoft.com/office/powerpoint/2010/main" val="1932743556"/>
+        <p14:creationId xmlns:p14="http://schemas.microsoft.com/office/powerpoint/2010/main" val="117395746"/>
       </p:ext>
     </p:extLst>
   </p:cSld>
@@ -1657,18 +2490,12 @@
           <a:lstStyle/>
           <a:p>
             <a:r>
+              <a:rPr kumimoji="1" lang="zh-TW" altLang="en-US" dirty="0" smtClean="0"/>
+              <a:t>新進來一個 </a:t>
+            </a:r>
+            <a:r>
               <a:rPr kumimoji="1" lang="en-US" altLang="zh-TW" dirty="0" smtClean="0"/>
-              <a:t>The downloader</a:t>
-            </a:r>
-            <a:r>
-              <a:rPr kumimoji="1" lang="en-US" altLang="zh-TW" baseline="0" dirty="0" smtClean="0"/>
-              <a:t> establishes a connection to these other peers and finds out what pieces reside in each of the other files.</a:t>
-            </a:r>
-          </a:p>
-          <a:p>
-            <a:r>
-              <a:rPr kumimoji="1" lang="en-US" altLang="zh-TW" baseline="0" dirty="0" smtClean="0"/>
-              <a:t>Then it requests pieces which it does not have from all the peers to which it is connected.</a:t>
+              <a:t>peer</a:t>
             </a:r>
             <a:endParaRPr kumimoji="1" lang="zh-TW" altLang="en-US" dirty="0"/>
           </a:p>
@@ -1697,7 +2524,7 @@
               <a:pPr>
                 <a:defRPr/>
               </a:pPr>
-              <a:t>12</a:t>
+              <a:t>8</a:t>
             </a:fld>
             <a:endParaRPr lang="zh-TW" altLang="en-US"/>
           </a:p>
@@ -1706,7 +2533,7 @@
     </p:spTree>
     <p:extLst>
       <p:ext uri="{BB962C8B-B14F-4D97-AF65-F5344CB8AC3E}">
-        <p14:creationId xmlns:p14="http://schemas.microsoft.com/office/powerpoint/2010/main" val="864619700"/>
+        <p14:creationId xmlns:p14="http://schemas.microsoft.com/office/powerpoint/2010/main" val="1188811774"/>
       </p:ext>
     </p:extLst>
   </p:cSld>
@@ -1760,108 +2587,44 @@
           <a:bodyPr/>
           <a:lstStyle/>
           <a:p>
-            <a:r>
-              <a:rPr kumimoji="1" lang="en-US" altLang="zh-TW" dirty="0" smtClean="0"/>
-              <a:t>Seeds only</a:t>
+            <a:pPr marL="0" marR="0" indent="0" algn="l" defTabSz="914400" rtl="0" eaLnBrk="0" fontAlgn="base" latinLnBrk="0" hangingPunct="0">
+              <a:lnSpc>
+                <a:spcPct val="100000"/>
+              </a:lnSpc>
+              <a:spcBef>
+                <a:spcPct val="30000"/>
+              </a:spcBef>
+              <a:spcAft>
+                <a:spcPct val="0"/>
+              </a:spcAft>
+              <a:buClrTx/>
+              <a:buSzTx/>
+              <a:buFontTx/>
+              <a:buNone/>
+              <a:tabLst/>
+              <a:defRPr/>
+            </a:pPr>
+            <a:r>
+              <a:rPr kumimoji="1" lang="zh-TW" altLang="en-US" baseline="0" dirty="0" smtClean="0"/>
+              <a:t>從 </a:t>
             </a:r>
             <a:r>
               <a:rPr kumimoji="1" lang="en-US" altLang="zh-TW" baseline="0" dirty="0" smtClean="0"/>
-              <a:t> perform uploading while downloaders download pieces that they do not have and upload pieces that they have.</a:t>
-            </a:r>
-          </a:p>
-          <a:p>
+              <a:t>.torrent file </a:t>
+            </a:r>
+            <a:r>
+              <a:rPr kumimoji="1" lang="zh-TW" altLang="en-US" baseline="0" dirty="0" smtClean="0"/>
+              <a:t>先知道 </a:t>
+            </a:r>
             <a:r>
               <a:rPr kumimoji="1" lang="en-US" altLang="zh-TW" baseline="0" dirty="0" smtClean="0"/>
-              <a:t>Chocking: </a:t>
+              <a:t>tracker </a:t>
             </a:r>
             <a:r>
               <a:rPr kumimoji="1" lang="zh-TW" altLang="en-US" baseline="0" dirty="0" smtClean="0"/>
-              <a:t>拒絕</a:t>
-            </a:r>
-            <a:endParaRPr kumimoji="1" lang="en-US" altLang="zh-TW" baseline="0" dirty="0" smtClean="0"/>
-          </a:p>
-          <a:p>
-            <a:r>
-              <a:rPr kumimoji="1" lang="en-US" altLang="zh-TW" baseline="0" dirty="0" err="1" smtClean="0"/>
-              <a:t>Unchocking</a:t>
-            </a:r>
-            <a:r>
-              <a:rPr kumimoji="1" lang="en-US" altLang="zh-TW" baseline="0" dirty="0" smtClean="0"/>
-              <a:t>:</a:t>
-            </a:r>
-            <a:r>
-              <a:rPr kumimoji="1" lang="zh-TW" altLang="en-US" baseline="0" dirty="0" smtClean="0"/>
-              <a:t> 接受</a:t>
-            </a:r>
-            <a:r>
-              <a:rPr kumimoji="1" lang="en-US" altLang="zh-TW" baseline="0" dirty="0" smtClean="0"/>
-              <a:t> </a:t>
-            </a:r>
-            <a:r>
-              <a:rPr kumimoji="1" lang="en-US" altLang="zh-TW" baseline="0" dirty="0" smtClean="0">
-                <a:sym typeface="Wingdings"/>
-              </a:rPr>
-              <a:t> </a:t>
-            </a:r>
-            <a:r>
-              <a:rPr lang="zh-TW" altLang="en-US" sz="1200" b="0" i="0" kern="1200" dirty="0" smtClean="0">
-                <a:solidFill>
-                  <a:schemeClr val="tx1"/>
-                </a:solidFill>
-                <a:effectLst/>
-                <a:latin typeface="+mn-lt"/>
-                <a:ea typeface="+mn-ea"/>
-                <a:cs typeface="+mn-cs"/>
-              </a:rPr>
-              <a:t>接受那些現在正上傳檔案給我、而且速度最快的前</a:t>
-            </a:r>
-            <a:r>
-              <a:rPr lang="en-US" altLang="zh-TW" sz="1200" b="0" i="0" kern="1200" dirty="0" smtClean="0">
-                <a:solidFill>
-                  <a:schemeClr val="tx1"/>
-                </a:solidFill>
-                <a:effectLst/>
-                <a:latin typeface="+mn-lt"/>
-                <a:ea typeface="+mn-ea"/>
-                <a:cs typeface="+mn-cs"/>
-              </a:rPr>
-              <a:t> 4 </a:t>
-            </a:r>
-            <a:r>
-              <a:rPr lang="zh-TW" altLang="en-US" sz="1200" b="0" i="0" kern="1200" dirty="0" smtClean="0">
-                <a:solidFill>
-                  <a:schemeClr val="tx1"/>
-                </a:solidFill>
-                <a:effectLst/>
-                <a:latin typeface="+mn-lt"/>
-                <a:ea typeface="+mn-ea"/>
-                <a:cs typeface="+mn-cs"/>
-              </a:rPr>
-              <a:t>個人！</a:t>
-            </a:r>
-            <a:endParaRPr lang="en-US" altLang="zh-TW" sz="1200" b="0" i="0" kern="1200" dirty="0" smtClean="0">
-              <a:solidFill>
-                <a:schemeClr val="tx1"/>
-              </a:solidFill>
-              <a:effectLst/>
-              <a:latin typeface="+mn-lt"/>
-              <a:ea typeface="+mn-ea"/>
-              <a:cs typeface="+mn-cs"/>
-            </a:endParaRPr>
-          </a:p>
-          <a:p>
-            <a:r>
-              <a:rPr kumimoji="1" lang="en-US" altLang="zh-TW" dirty="0" smtClean="0"/>
-              <a:t>(Reference: http://</a:t>
-            </a:r>
-            <a:r>
-              <a:rPr kumimoji="1" lang="en-US" altLang="zh-TW" dirty="0" err="1" smtClean="0"/>
-              <a:t>mmdays.com</a:t>
-            </a:r>
-            <a:r>
-              <a:rPr kumimoji="1" lang="en-US" altLang="zh-TW" dirty="0" smtClean="0"/>
-              <a:t>/2007/04/06/bt1/)</a:t>
-            </a:r>
+              <a:t>在哪！</a:t>
+            </a:r>
+            <a:endParaRPr kumimoji="1" lang="zh-TW" altLang="en-US" dirty="0" smtClean="0"/>
           </a:p>
         </p:txBody>
       </p:sp>
@@ -1888,7 +2651,7 @@
               <a:pPr>
                 <a:defRPr/>
               </a:pPr>
-              <a:t>13</a:t>
+              <a:t>9</a:t>
             </a:fld>
             <a:endParaRPr lang="zh-TW" altLang="en-US"/>
           </a:p>
@@ -1897,7 +2660,7 @@
     </p:spTree>
     <p:extLst>
       <p:ext uri="{BB962C8B-B14F-4D97-AF65-F5344CB8AC3E}">
-        <p14:creationId xmlns:p14="http://schemas.microsoft.com/office/powerpoint/2010/main" val="1143459646"/>
+        <p14:creationId xmlns:p14="http://schemas.microsoft.com/office/powerpoint/2010/main" val="597633715"/>
       </p:ext>
     </p:extLst>
   </p:cSld>
@@ -1953,15 +2716,11 @@
           <a:p>
             <a:r>
               <a:rPr kumimoji="1" lang="en-US" altLang="zh-TW" dirty="0" smtClean="0"/>
-              <a:t>For a </a:t>
-            </a:r>
-            <a:r>
-              <a:rPr kumimoji="1" lang="en-US" altLang="zh-TW" dirty="0" err="1" smtClean="0"/>
-              <a:t>BitTorrent</a:t>
+              <a:t>The tracker returns a random list</a:t>
             </a:r>
             <a:r>
               <a:rPr kumimoji="1" lang="en-US" altLang="zh-TW" baseline="0" dirty="0" smtClean="0"/>
-              <a:t> network, several issues have to be addressed in order to understand the behavior of the system.</a:t>
+              <a:t> of peers that have the file.</a:t>
             </a:r>
             <a:endParaRPr kumimoji="1" lang="zh-TW" altLang="en-US" dirty="0"/>
           </a:p>
@@ -1990,7 +2749,7 @@
               <a:pPr>
                 <a:defRPr/>
               </a:pPr>
-              <a:t>20</a:t>
+              <a:t>11</a:t>
             </a:fld>
             <a:endParaRPr lang="zh-TW" altLang="en-US"/>
           </a:p>
@@ -1999,7 +2758,7 @@
     </p:spTree>
     <p:extLst>
       <p:ext uri="{BB962C8B-B14F-4D97-AF65-F5344CB8AC3E}">
-        <p14:creationId xmlns:p14="http://schemas.microsoft.com/office/powerpoint/2010/main" val="1650911007"/>
+        <p14:creationId xmlns:p14="http://schemas.microsoft.com/office/powerpoint/2010/main" val="1932743556"/>
       </p:ext>
     </p:extLst>
   </p:cSld>
@@ -2028,7 +2787,7 @@
       </p:grpSpPr>
       <p:sp>
         <p:nvSpPr>
-          <p:cNvPr id="2" name="投影片圖像版面配置區 1"/>
+          <p:cNvPr id="2" name="投影片影像版面配置區 1"/>
           <p:cNvSpPr>
             <a:spLocks noGrp="1" noRot="1" noChangeAspect="1"/>
           </p:cNvSpPr>
@@ -2053,7 +2812,50 @@
           <a:bodyPr/>
           <a:lstStyle/>
           <a:p>
-            <a:endParaRPr lang="zh-TW" altLang="en-US" dirty="0"/>
+            <a:r>
+              <a:rPr kumimoji="1" lang="en-US" altLang="zh-TW" dirty="0" smtClean="0"/>
+              <a:t>The downloader</a:t>
+            </a:r>
+            <a:r>
+              <a:rPr kumimoji="1" lang="en-US" altLang="zh-TW" baseline="0" dirty="0" smtClean="0"/>
+              <a:t> establishes a connection to these other peers and finds out what pieces reside in each of the other files.</a:t>
+            </a:r>
+          </a:p>
+          <a:p>
+            <a:r>
+              <a:rPr kumimoji="1" lang="en-US" altLang="zh-TW" baseline="0" dirty="0" smtClean="0"/>
+              <a:t>Then it requests pieces which it does not have from all the peers to which it is connected</a:t>
+            </a:r>
+            <a:r>
+              <a:rPr kumimoji="1" lang="en-US" altLang="zh-TW" baseline="0" dirty="0" smtClean="0"/>
+              <a:t>.</a:t>
+            </a:r>
+          </a:p>
+          <a:p>
+            <a:endParaRPr kumimoji="1" lang="en-US" altLang="zh-TW" baseline="0" dirty="0" smtClean="0"/>
+          </a:p>
+          <a:p>
+            <a:r>
+              <a:rPr kumimoji="1" lang="zh-TW" altLang="en-US" baseline="0" dirty="0" smtClean="0"/>
+              <a:t>現在 </a:t>
+            </a:r>
+            <a:r>
+              <a:rPr kumimoji="1" lang="en-US" altLang="zh-TW" baseline="0" dirty="0" smtClean="0"/>
+              <a:t>peer 5 </a:t>
+            </a:r>
+            <a:r>
+              <a:rPr kumimoji="1" lang="zh-TW" altLang="en-US" baseline="0" dirty="0" smtClean="0"/>
+              <a:t>就會是屬於這個 </a:t>
+            </a:r>
+            <a:r>
+              <a:rPr kumimoji="1" lang="en-US" altLang="zh-TW" baseline="0" dirty="0" smtClean="0"/>
+              <a:t>P2P network </a:t>
+            </a:r>
+            <a:r>
+              <a:rPr kumimoji="1" lang="zh-TW" altLang="en-US" baseline="0" dirty="0" smtClean="0"/>
+              <a:t>的一份子了！</a:t>
+            </a:r>
+            <a:endParaRPr kumimoji="1" lang="zh-TW" altLang="en-US" dirty="0"/>
           </a:p>
         </p:txBody>
       </p:sp>
@@ -2080,7 +2882,7 @@
               <a:pPr>
                 <a:defRPr/>
               </a:pPr>
-              <a:t>41</a:t>
+              <a:t>12</a:t>
             </a:fld>
             <a:endParaRPr lang="zh-TW" altLang="en-US"/>
           </a:p>
@@ -2089,7 +2891,7 @@
     </p:spTree>
     <p:extLst>
       <p:ext uri="{BB962C8B-B14F-4D97-AF65-F5344CB8AC3E}">
-        <p14:creationId xmlns:p14="http://schemas.microsoft.com/office/powerpoint/2010/main" val="1069126592"/>
+        <p14:creationId xmlns:p14="http://schemas.microsoft.com/office/powerpoint/2010/main" val="864619700"/>
       </p:ext>
     </p:extLst>
   </p:cSld>
@@ -9381,7 +10183,19 @@
           <a:p>
             <a:r>
               <a:rPr kumimoji="1" lang="en-US" altLang="zh-TW" dirty="0" smtClean="0"/>
-              <a:t>Each peer is allowed to upload only to a fixed number (by default four) of other peers at a given time.</a:t>
+              <a:t>Each peer is allowed to upload only to a fixed number (by default </a:t>
+            </a:r>
+            <a:r>
+              <a:rPr kumimoji="1" lang="en-US" altLang="zh-TW" dirty="0"/>
+              <a:t>4</a:t>
+            </a:r>
+            <a:r>
+              <a:rPr kumimoji="1" lang="en-US" altLang="zh-TW" dirty="0" smtClean="0"/>
+              <a:t>) </a:t>
+            </a:r>
+            <a:r>
+              <a:rPr kumimoji="1" lang="en-US" altLang="zh-TW" dirty="0" smtClean="0"/>
+              <a:t>of other peers at a given time.</a:t>
             </a:r>
           </a:p>
           <a:p>
@@ -9508,7 +10322,34 @@
                 </a:solidFill>
                 <a:sym typeface="Wingdings"/>
               </a:rPr>
-              <a:t> to search for potential peer with high uploading / downloading speed.</a:t>
+              <a:t> to search for potential peer with </a:t>
+            </a:r>
+            <a:r>
+              <a:rPr kumimoji="1" lang="en-US" altLang="zh-TW" smtClean="0">
+                <a:solidFill>
+                  <a:srgbClr val="000000"/>
+                </a:solidFill>
+                <a:sym typeface="Wingdings"/>
+              </a:rPr>
+              <a:t>high </a:t>
+            </a:r>
+            <a:r>
+              <a:rPr kumimoji="1" lang="en-US" altLang="zh-TW" smtClean="0">
+                <a:solidFill>
+                  <a:srgbClr val="000000"/>
+                </a:solidFill>
+                <a:sym typeface="Wingdings"/>
+              </a:rPr>
+              <a:t>uploading/downloading </a:t>
+            </a:r>
+            <a:r>
+              <a:rPr kumimoji="1" lang="en-US" altLang="zh-TW" dirty="0" smtClean="0">
+                <a:solidFill>
+                  <a:srgbClr val="000000"/>
+                </a:solidFill>
+                <a:sym typeface="Wingdings"/>
+              </a:rPr>
+              <a:t>speed.</a:t>
             </a:r>
             <a:endParaRPr kumimoji="1" lang="zh-TW" altLang="en-US" dirty="0">
               <a:solidFill>
@@ -9721,7 +10562,7 @@
           </p:nvPr>
         </p:nvPicPr>
         <p:blipFill>
-          <a:blip r:embed="rId2">
+          <a:blip r:embed="rId3">
             <a:extLst>
               <a:ext uri="{28A0092B-C50C-407E-A947-70E740481C1C}">
                 <a14:useLocalDpi xmlns:a14="http://schemas.microsoft.com/office/drawing/2010/main" val="0"/>
@@ -9748,7 +10589,7 @@
           <p:nvPr/>
         </p:nvPicPr>
         <p:blipFill>
-          <a:blip r:embed="rId2">
+          <a:blip r:embed="rId3">
             <a:extLst>
               <a:ext uri="{28A0092B-C50C-407E-A947-70E740481C1C}">
                 <a14:useLocalDpi xmlns:a14="http://schemas.microsoft.com/office/drawing/2010/main" val="0"/>
@@ -9785,7 +10626,7 @@
           <p:nvPr/>
         </p:nvPicPr>
         <p:blipFill>
-          <a:blip r:embed="rId2">
+          <a:blip r:embed="rId3">
             <a:extLst>
               <a:ext uri="{28A0092B-C50C-407E-A947-70E740481C1C}">
                 <a14:useLocalDpi xmlns:a14="http://schemas.microsoft.com/office/drawing/2010/main" val="0"/>
@@ -9822,7 +10663,7 @@
           <p:nvPr/>
         </p:nvPicPr>
         <p:blipFill>
-          <a:blip r:embed="rId2">
+          <a:blip r:embed="rId3">
             <a:extLst>
               <a:ext uri="{28A0092B-C50C-407E-A947-70E740481C1C}">
                 <a14:useLocalDpi xmlns:a14="http://schemas.microsoft.com/office/drawing/2010/main" val="0"/>
@@ -9859,7 +10700,7 @@
           <p:nvPr/>
         </p:nvPicPr>
         <p:blipFill>
-          <a:blip r:embed="rId2">
+          <a:blip r:embed="rId3">
             <a:extLst>
               <a:ext uri="{28A0092B-C50C-407E-A947-70E740481C1C}">
                 <a14:useLocalDpi xmlns:a14="http://schemas.microsoft.com/office/drawing/2010/main" val="0"/>
@@ -13981,7 +14822,7 @@
         <p:spPr>
           <a:xfrm>
             <a:off x="6415582" y="2478224"/>
-            <a:ext cx="2781531" cy="923330"/>
+            <a:ext cx="2839239" cy="923330"/>
           </a:xfrm>
           <a:prstGeom prst="rect">
             <a:avLst/>
@@ -14034,7 +14875,23 @@
                 <a:ea typeface="Times New Roman" charset="0"/>
                 <a:cs typeface="Times New Roman" charset="0"/>
               </a:rPr>
-              <a:t>after another 30 seconds.</a:t>
+              <a:t>after </a:t>
+            </a:r>
+            <a:r>
+              <a:rPr lang="en-US" altLang="zh-TW" dirty="0">
+                <a:latin typeface="Times New Roman" charset="0"/>
+                <a:ea typeface="Times New Roman" charset="0"/>
+                <a:cs typeface="Times New Roman" charset="0"/>
+              </a:rPr>
+              <a:t>another 30 </a:t>
+            </a:r>
+            <a:r>
+              <a:rPr lang="en-US" altLang="zh-TW" dirty="0" smtClean="0">
+                <a:latin typeface="Times New Roman" charset="0"/>
+                <a:ea typeface="Times New Roman" charset="0"/>
+                <a:cs typeface="Times New Roman" charset="0"/>
+              </a:rPr>
+              <a:t>seconds.</a:t>
             </a:r>
             <a:endParaRPr kumimoji="1" lang="zh-TW" altLang="en-US" dirty="0">
               <a:latin typeface="Times New Roman" charset="0"/>
@@ -14801,7 +15658,7 @@
         <p:spPr>
           <a:xfrm>
             <a:off x="6415582" y="2478224"/>
-            <a:ext cx="2646878" cy="923330"/>
+            <a:ext cx="2839239" cy="923330"/>
           </a:xfrm>
           <a:prstGeom prst="rect">
             <a:avLst/>
@@ -14854,7 +15711,23 @@
                 <a:ea typeface="Times New Roman" charset="0"/>
                 <a:cs typeface="Times New Roman" charset="0"/>
               </a:rPr>
-              <a:t>after 30 seconds.</a:t>
+              <a:t>after </a:t>
+            </a:r>
+            <a:r>
+              <a:rPr lang="en-US" altLang="zh-TW" dirty="0">
+                <a:latin typeface="Times New Roman" charset="0"/>
+                <a:ea typeface="Times New Roman" charset="0"/>
+                <a:cs typeface="Times New Roman" charset="0"/>
+              </a:rPr>
+              <a:t>another 30 </a:t>
+            </a:r>
+            <a:r>
+              <a:rPr lang="en-US" altLang="zh-TW" dirty="0" smtClean="0">
+                <a:latin typeface="Times New Roman" charset="0"/>
+                <a:ea typeface="Times New Roman" charset="0"/>
+                <a:cs typeface="Times New Roman" charset="0"/>
+              </a:rPr>
+              <a:t>seconds.</a:t>
             </a:r>
             <a:endParaRPr kumimoji="1" lang="zh-TW" altLang="en-US" dirty="0">
               <a:latin typeface="Times New Roman" charset="0"/>
@@ -17128,7 +18001,15 @@
             </a:r>
             <a:r>
               <a:rPr kumimoji="1" lang="en-US" altLang="zh-TW" dirty="0" smtClean="0"/>
-              <a:t>: how the number of peers evolves as a function of the request arrival rate, the peer departure rate, the uploading/downloading bandwidth of each peer, etc.</a:t>
+              <a:t>: how the number of peers evolves as a function of the request arrival rate, the peer departure rate, the </a:t>
+            </a:r>
+            <a:r>
+              <a:rPr kumimoji="1" lang="en-US" altLang="zh-TW" dirty="0" smtClean="0"/>
+              <a:t>uploading/downloading </a:t>
+            </a:r>
+            <a:r>
+              <a:rPr kumimoji="1" lang="en-US" altLang="zh-TW" dirty="0" smtClean="0"/>
+              <a:t>bandwidth of each peer, etc.</a:t>
             </a:r>
           </a:p>
           <a:p>
@@ -17148,7 +18029,23 @@
             </a:r>
             <a:r>
               <a:rPr kumimoji="1" lang="en-US" altLang="zh-TW" dirty="0" smtClean="0"/>
-              <a:t>: as peers often have different uploading/downloading bandwidths, it is important to design a good file-sharing protocol such that the uploading/downloading bandwidths are fully utilized.</a:t>
+              <a:t>: as peers often have different </a:t>
+            </a:r>
+            <a:r>
+              <a:rPr kumimoji="1" lang="en-US" altLang="zh-TW" dirty="0" smtClean="0"/>
+              <a:t>uploading/downloading </a:t>
+            </a:r>
+            <a:r>
+              <a:rPr kumimoji="1" lang="en-US" altLang="zh-TW" dirty="0" smtClean="0"/>
+              <a:t>bandwidths, it is important to design a good file-sharing protocol such that the </a:t>
+            </a:r>
+            <a:r>
+              <a:rPr kumimoji="1" lang="en-US" altLang="zh-TW" dirty="0" smtClean="0"/>
+              <a:t>uploading/downloading bandwidths </a:t>
+            </a:r>
+            <a:r>
+              <a:rPr kumimoji="1" lang="en-US" altLang="zh-TW" dirty="0" smtClean="0"/>
+              <a:t>are fully utilized.</a:t>
             </a:r>
           </a:p>
           <a:p>
@@ -17158,11 +18055,7 @@
             </a:r>
             <a:r>
               <a:rPr kumimoji="1" lang="en-US" altLang="zh-TW" dirty="0" smtClean="0"/>
-              <a:t>: need to a mechanism to deter peers from free-riding (download from other </a:t>
-            </a:r>
-            <a:r>
-              <a:rPr kumimoji="1" lang="en-US" altLang="zh-TW" smtClean="0"/>
-              <a:t>peers while not uploading to others).</a:t>
+              <a:t>: need to a mechanism to deter peers from free-riding (download from other peers while not uploading to others).</a:t>
             </a:r>
             <a:endParaRPr kumimoji="1" lang="zh-TW" altLang="en-US" dirty="0"/>
           </a:p>
@@ -33201,8 +34094,8 @@
           </a:p>
         </p:txBody>
       </p:sp>
-      <mc:AlternateContent xmlns:mc="http://schemas.openxmlformats.org/markup-compatibility/2006">
-        <mc:Choice xmlns:a14="http://schemas.microsoft.com/office/drawing/2010/main" Requires="a14">
+      <mc:AlternateContent xmlns:mc="http://schemas.openxmlformats.org/markup-compatibility/2006" xmlns:a14="http://schemas.microsoft.com/office/drawing/2010/main">
+        <mc:Choice Requires="a14">
           <p:sp>
             <p:nvSpPr>
               <p:cNvPr id="3" name="內容版面配置區 2"/>
@@ -33305,7 +34198,7 @@
             </p:txBody>
           </p:sp>
         </mc:Choice>
-        <mc:Fallback>
+        <mc:Fallback xmlns="">
           <p:sp>
             <p:nvSpPr>
               <p:cNvPr id="3" name="內容版面配置區 2"/>
@@ -34144,6 +35037,2271 @@
               <a:t>BitTorrent</a:t>
             </a:r>
             <a:endParaRPr kumimoji="0" lang="en-US" altLang="zh-TW" sz="2800" b="1" dirty="0">
+              <a:latin typeface="標楷體" pitchFamily="65" charset="-120"/>
+              <a:ea typeface="標楷體" pitchFamily="65" charset="-120"/>
+            </a:endParaRPr>
+          </a:p>
+        </p:txBody>
+      </p:sp>
+      <p:sp>
+        <p:nvSpPr>
+          <p:cNvPr id="21516" name="Line 13"/>
+          <p:cNvSpPr>
+            <a:spLocks noChangeShapeType="1"/>
+          </p:cNvSpPr>
+          <p:nvPr/>
+        </p:nvSpPr>
+        <p:spPr bwMode="black">
+          <a:xfrm>
+            <a:off x="2273300" y="3593397"/>
+            <a:ext cx="4800600" cy="0"/>
+          </a:xfrm>
+          <a:prstGeom prst="line">
+            <a:avLst/>
+          </a:prstGeom>
+          <a:noFill/>
+          <a:ln w="28575" cap="rnd">
+            <a:solidFill>
+              <a:schemeClr val="tx1"/>
+            </a:solidFill>
+            <a:prstDash val="sysDot"/>
+            <a:round/>
+            <a:headEnd/>
+            <a:tailEnd/>
+          </a:ln>
+        </p:spPr>
+        <p:txBody>
+          <a:bodyPr/>
+          <a:lstStyle/>
+          <a:p>
+            <a:endParaRPr lang="zh-TW" altLang="en-US"/>
+          </a:p>
+        </p:txBody>
+      </p:sp>
+      <p:sp>
+        <p:nvSpPr>
+          <p:cNvPr id="21517" name="Rectangle 14"/>
+          <p:cNvSpPr>
+            <a:spLocks noChangeArrowheads="1"/>
+          </p:cNvSpPr>
+          <p:nvPr/>
+        </p:nvSpPr>
+        <p:spPr bwMode="black">
+          <a:xfrm>
+            <a:off x="2320925" y="3125085"/>
+            <a:ext cx="4849813" cy="954107"/>
+          </a:xfrm>
+          <a:prstGeom prst="rect">
+            <a:avLst/>
+          </a:prstGeom>
+          <a:noFill/>
+          <a:ln w="9525">
+            <a:noFill/>
+            <a:miter lim="800000"/>
+            <a:headEnd/>
+            <a:tailEnd/>
+          </a:ln>
+        </p:spPr>
+        <p:txBody>
+          <a:bodyPr>
+            <a:spAutoFit/>
+          </a:bodyPr>
+          <a:lstStyle/>
+          <a:p>
+            <a:r>
+              <a:rPr kumimoji="0" lang="en-US" altLang="zh-TW" sz="2800" dirty="0" smtClean="0">
+                <a:latin typeface="標楷體" pitchFamily="65" charset="-120"/>
+                <a:ea typeface="標楷體" pitchFamily="65" charset="-120"/>
+              </a:rPr>
+              <a:t>A simple fluid model</a:t>
+            </a:r>
+          </a:p>
+          <a:p>
+            <a:endParaRPr kumimoji="0" lang="en-US" altLang="zh-TW" sz="2800" dirty="0">
+              <a:latin typeface="標楷體" pitchFamily="65" charset="-120"/>
+              <a:ea typeface="標楷體" pitchFamily="65" charset="-120"/>
+            </a:endParaRPr>
+          </a:p>
+        </p:txBody>
+      </p:sp>
+      <p:grpSp>
+        <p:nvGrpSpPr>
+          <p:cNvPr id="21518" name="Group 94"/>
+          <p:cNvGrpSpPr>
+            <a:grpSpLocks/>
+          </p:cNvGrpSpPr>
+          <p:nvPr/>
+        </p:nvGrpSpPr>
+        <p:grpSpPr bwMode="auto">
+          <a:xfrm>
+            <a:off x="1979613" y="1936750"/>
+            <a:ext cx="222250" cy="220663"/>
+            <a:chOff x="2543" y="1006"/>
+            <a:chExt cx="416" cy="416"/>
+          </a:xfrm>
+        </p:grpSpPr>
+        <p:sp>
+          <p:nvSpPr>
+            <p:cNvPr id="17" name="Oval 52"/>
+            <p:cNvSpPr>
+              <a:spLocks noChangeArrowheads="1"/>
+            </p:cNvSpPr>
+            <p:nvPr/>
+          </p:nvSpPr>
+          <p:spPr bwMode="gray">
+            <a:xfrm>
+              <a:off x="2543" y="1006"/>
+              <a:ext cx="416" cy="416"/>
+            </a:xfrm>
+            <a:prstGeom prst="ellipse">
+              <a:avLst/>
+            </a:prstGeom>
+            <a:gradFill rotWithShape="1">
+              <a:gsLst>
+                <a:gs pos="0">
+                  <a:srgbClr val="FFFFFF">
+                    <a:gamma/>
+                    <a:shade val="54118"/>
+                    <a:invGamma/>
+                  </a:srgbClr>
+                </a:gs>
+                <a:gs pos="50000">
+                  <a:srgbClr val="FFFFFF"/>
+                </a:gs>
+                <a:gs pos="100000">
+                  <a:srgbClr val="FFFFFF">
+                    <a:gamma/>
+                    <a:shade val="54118"/>
+                    <a:invGamma/>
+                  </a:srgbClr>
+                </a:gs>
+              </a:gsLst>
+              <a:lin ang="18900000" scaled="1"/>
+            </a:gradFill>
+            <a:ln w="9525">
+              <a:solidFill>
+                <a:srgbClr val="DDDDDD"/>
+              </a:solidFill>
+              <a:round/>
+              <a:headEnd/>
+              <a:tailEnd/>
+            </a:ln>
+            <a:effectLst>
+              <a:outerShdw dist="35921" dir="2700000" algn="ctr" rotWithShape="0">
+                <a:schemeClr val="bg2">
+                  <a:alpha val="50000"/>
+                </a:schemeClr>
+              </a:outerShdw>
+            </a:effectLst>
+          </p:spPr>
+          <p:txBody>
+            <a:bodyPr wrap="none" anchor="ctr"/>
+            <a:lstStyle/>
+            <a:p>
+              <a:pPr>
+                <a:defRPr/>
+              </a:pPr>
+              <a:endParaRPr kumimoji="0" lang="zh-TW" altLang="en-US"/>
+            </a:p>
+          </p:txBody>
+        </p:sp>
+        <p:grpSp>
+          <p:nvGrpSpPr>
+            <p:cNvPr id="21558" name="Group 53"/>
+            <p:cNvGrpSpPr>
+              <a:grpSpLocks/>
+            </p:cNvGrpSpPr>
+            <p:nvPr/>
+          </p:nvGrpSpPr>
+          <p:grpSpPr bwMode="auto">
+            <a:xfrm rot="-2288454">
+              <a:off x="2578" y="1034"/>
+              <a:ext cx="348" cy="356"/>
+              <a:chOff x="887" y="2040"/>
+              <a:chExt cx="433" cy="422"/>
+            </a:xfrm>
+          </p:grpSpPr>
+          <p:pic>
+            <p:nvPicPr>
+              <p:cNvPr id="21560" name="Picture 54" descr="circuler_1"/>
+              <p:cNvPicPr>
+                <a:picLocks noChangeAspect="1" noChangeArrowheads="1"/>
+              </p:cNvPicPr>
+              <p:nvPr/>
+            </p:nvPicPr>
+            <p:blipFill>
+              <a:blip r:embed="rId3" cstate="print"/>
+              <a:srcRect/>
+              <a:stretch>
+                <a:fillRect/>
+              </a:stretch>
+            </p:blipFill>
+            <p:spPr bwMode="gray">
+              <a:xfrm>
+                <a:off x="887" y="2040"/>
+                <a:ext cx="430" cy="420"/>
+              </a:xfrm>
+              <a:prstGeom prst="rect">
+                <a:avLst/>
+              </a:prstGeom>
+              <a:noFill/>
+              <a:ln w="9525">
+                <a:noFill/>
+                <a:miter lim="800000"/>
+                <a:headEnd/>
+                <a:tailEnd/>
+              </a:ln>
+            </p:spPr>
+          </p:pic>
+          <p:sp>
+            <p:nvSpPr>
+              <p:cNvPr id="21" name="Oval 55"/>
+              <p:cNvSpPr>
+                <a:spLocks noChangeArrowheads="1"/>
+              </p:cNvSpPr>
+              <p:nvPr/>
+            </p:nvSpPr>
+            <p:spPr bwMode="gray">
+              <a:xfrm>
+                <a:off x="888" y="2039"/>
+                <a:ext cx="433" cy="422"/>
+              </a:xfrm>
+              <a:prstGeom prst="ellipse">
+                <a:avLst/>
+              </a:prstGeom>
+              <a:gradFill rotWithShape="1">
+                <a:gsLst>
+                  <a:gs pos="0">
+                    <a:schemeClr val="accent1">
+                      <a:gamma/>
+                      <a:shade val="34902"/>
+                      <a:invGamma/>
+                      <a:alpha val="89999"/>
+                    </a:schemeClr>
+                  </a:gs>
+                  <a:gs pos="50000">
+                    <a:schemeClr val="accent1">
+                      <a:alpha val="75000"/>
+                    </a:schemeClr>
+                  </a:gs>
+                  <a:gs pos="100000">
+                    <a:schemeClr val="accent1">
+                      <a:gamma/>
+                      <a:shade val="34902"/>
+                      <a:invGamma/>
+                      <a:alpha val="89999"/>
+                    </a:schemeClr>
+                  </a:gs>
+                </a:gsLst>
+                <a:lin ang="18900000" scaled="1"/>
+              </a:gradFill>
+              <a:ln w="9525" algn="ctr">
+                <a:noFill/>
+                <a:round/>
+                <a:headEnd/>
+                <a:tailEnd/>
+              </a:ln>
+              <a:effectLst/>
+            </p:spPr>
+            <p:txBody>
+              <a:bodyPr wrap="none" anchor="ctr"/>
+              <a:lstStyle/>
+              <a:p>
+                <a:pPr>
+                  <a:defRPr/>
+                </a:pPr>
+                <a:endParaRPr kumimoji="0" lang="zh-TW" altLang="en-US"/>
+              </a:p>
+            </p:txBody>
+          </p:sp>
+          <p:pic>
+            <p:nvPicPr>
+              <p:cNvPr id="21562" name="Picture 56" descr="Picture2"/>
+              <p:cNvPicPr>
+                <a:picLocks noChangeAspect="1" noChangeArrowheads="1"/>
+              </p:cNvPicPr>
+              <p:nvPr/>
+            </p:nvPicPr>
+            <p:blipFill>
+              <a:blip r:embed="rId4" cstate="print"/>
+              <a:srcRect/>
+              <a:stretch>
+                <a:fillRect/>
+              </a:stretch>
+            </p:blipFill>
+            <p:spPr bwMode="gray">
+              <a:xfrm>
+                <a:off x="930" y="2044"/>
+                <a:ext cx="345" cy="149"/>
+              </a:xfrm>
+              <a:prstGeom prst="rect">
+                <a:avLst/>
+              </a:prstGeom>
+              <a:noFill/>
+              <a:ln w="9525">
+                <a:noFill/>
+                <a:miter lim="800000"/>
+                <a:headEnd/>
+                <a:tailEnd/>
+              </a:ln>
+            </p:spPr>
+          </p:pic>
+        </p:grpSp>
+        <p:pic>
+          <p:nvPicPr>
+            <p:cNvPr id="21559" name="Picture 57"/>
+            <p:cNvPicPr>
+              <a:picLocks noChangeAspect="1" noChangeArrowheads="1"/>
+            </p:cNvPicPr>
+            <p:nvPr/>
+          </p:nvPicPr>
+          <p:blipFill>
+            <a:blip r:embed="rId5" cstate="print"/>
+            <a:srcRect l="12015" t="9302" r="12404" b="12598"/>
+            <a:stretch>
+              <a:fillRect/>
+            </a:stretch>
+          </p:blipFill>
+          <p:spPr bwMode="gray">
+            <a:xfrm>
+              <a:off x="2570" y="1020"/>
+              <a:ext cx="359" cy="370"/>
+            </a:xfrm>
+            <a:prstGeom prst="rect">
+              <a:avLst/>
+            </a:prstGeom>
+            <a:noFill/>
+            <a:ln w="9525">
+              <a:noFill/>
+              <a:miter lim="800000"/>
+              <a:headEnd/>
+              <a:tailEnd/>
+            </a:ln>
+          </p:spPr>
+        </p:pic>
+      </p:grpSp>
+      <p:grpSp>
+        <p:nvGrpSpPr>
+          <p:cNvPr id="21520" name="Group 91"/>
+          <p:cNvGrpSpPr>
+            <a:grpSpLocks/>
+          </p:cNvGrpSpPr>
+          <p:nvPr/>
+        </p:nvGrpSpPr>
+        <p:grpSpPr bwMode="auto">
+          <a:xfrm>
+            <a:off x="1997619" y="3329596"/>
+            <a:ext cx="222250" cy="222250"/>
+            <a:chOff x="4213" y="1006"/>
+            <a:chExt cx="416" cy="416"/>
+          </a:xfrm>
+        </p:grpSpPr>
+        <p:sp>
+          <p:nvSpPr>
+            <p:cNvPr id="38" name="Oval 72"/>
+            <p:cNvSpPr>
+              <a:spLocks noChangeArrowheads="1"/>
+            </p:cNvSpPr>
+            <p:nvPr/>
+          </p:nvSpPr>
+          <p:spPr bwMode="gray">
+            <a:xfrm>
+              <a:off x="4213" y="1006"/>
+              <a:ext cx="416" cy="416"/>
+            </a:xfrm>
+            <a:prstGeom prst="ellipse">
+              <a:avLst/>
+            </a:prstGeom>
+            <a:gradFill rotWithShape="1">
+              <a:gsLst>
+                <a:gs pos="0">
+                  <a:srgbClr val="FFFFFF">
+                    <a:gamma/>
+                    <a:shade val="54118"/>
+                    <a:invGamma/>
+                  </a:srgbClr>
+                </a:gs>
+                <a:gs pos="50000">
+                  <a:srgbClr val="FFFFFF"/>
+                </a:gs>
+                <a:gs pos="100000">
+                  <a:srgbClr val="FFFFFF">
+                    <a:gamma/>
+                    <a:shade val="54118"/>
+                    <a:invGamma/>
+                  </a:srgbClr>
+                </a:gs>
+              </a:gsLst>
+              <a:lin ang="18900000" scaled="1"/>
+            </a:gradFill>
+            <a:ln w="9525">
+              <a:solidFill>
+                <a:srgbClr val="DDDDDD"/>
+              </a:solidFill>
+              <a:round/>
+              <a:headEnd/>
+              <a:tailEnd/>
+            </a:ln>
+            <a:effectLst>
+              <a:outerShdw dist="35921" dir="2700000" algn="ctr" rotWithShape="0">
+                <a:schemeClr val="bg2">
+                  <a:alpha val="50000"/>
+                </a:schemeClr>
+              </a:outerShdw>
+            </a:effectLst>
+          </p:spPr>
+          <p:txBody>
+            <a:bodyPr wrap="none" anchor="ctr"/>
+            <a:lstStyle/>
+            <a:p>
+              <a:pPr>
+                <a:defRPr/>
+              </a:pPr>
+              <a:endParaRPr kumimoji="0" lang="zh-TW" altLang="en-US"/>
+            </a:p>
+          </p:txBody>
+        </p:sp>
+        <p:grpSp>
+          <p:nvGrpSpPr>
+            <p:cNvPr id="21546" name="Group 73"/>
+            <p:cNvGrpSpPr>
+              <a:grpSpLocks/>
+            </p:cNvGrpSpPr>
+            <p:nvPr/>
+          </p:nvGrpSpPr>
+          <p:grpSpPr bwMode="auto">
+            <a:xfrm rot="-2288454">
+              <a:off x="4248" y="1034"/>
+              <a:ext cx="348" cy="356"/>
+              <a:chOff x="887" y="2040"/>
+              <a:chExt cx="433" cy="422"/>
+            </a:xfrm>
+          </p:grpSpPr>
+          <p:pic>
+            <p:nvPicPr>
+              <p:cNvPr id="21548" name="Picture 74" descr="circuler_1"/>
+              <p:cNvPicPr>
+                <a:picLocks noChangeAspect="1" noChangeArrowheads="1"/>
+              </p:cNvPicPr>
+              <p:nvPr/>
+            </p:nvPicPr>
+            <p:blipFill>
+              <a:blip r:embed="rId6" cstate="print"/>
+              <a:srcRect/>
+              <a:stretch>
+                <a:fillRect/>
+              </a:stretch>
+            </p:blipFill>
+            <p:spPr bwMode="gray">
+              <a:xfrm>
+                <a:off x="887" y="2040"/>
+                <a:ext cx="430" cy="420"/>
+              </a:xfrm>
+              <a:prstGeom prst="rect">
+                <a:avLst/>
+              </a:prstGeom>
+              <a:noFill/>
+              <a:ln w="9525">
+                <a:noFill/>
+                <a:miter lim="800000"/>
+                <a:headEnd/>
+                <a:tailEnd/>
+              </a:ln>
+            </p:spPr>
+          </p:pic>
+          <p:sp>
+            <p:nvSpPr>
+              <p:cNvPr id="42" name="Oval 75"/>
+              <p:cNvSpPr>
+                <a:spLocks noChangeArrowheads="1"/>
+              </p:cNvSpPr>
+              <p:nvPr/>
+            </p:nvSpPr>
+            <p:spPr bwMode="gray">
+              <a:xfrm>
+                <a:off x="888" y="2039"/>
+                <a:ext cx="433" cy="423"/>
+              </a:xfrm>
+              <a:prstGeom prst="ellipse">
+                <a:avLst/>
+              </a:prstGeom>
+              <a:gradFill rotWithShape="1">
+                <a:gsLst>
+                  <a:gs pos="0">
+                    <a:schemeClr val="folHlink">
+                      <a:gamma/>
+                      <a:shade val="34902"/>
+                      <a:invGamma/>
+                      <a:alpha val="89999"/>
+                    </a:schemeClr>
+                  </a:gs>
+                  <a:gs pos="50000">
+                    <a:schemeClr val="folHlink">
+                      <a:alpha val="75000"/>
+                    </a:schemeClr>
+                  </a:gs>
+                  <a:gs pos="100000">
+                    <a:schemeClr val="folHlink">
+                      <a:gamma/>
+                      <a:shade val="34902"/>
+                      <a:invGamma/>
+                      <a:alpha val="89999"/>
+                    </a:schemeClr>
+                  </a:gs>
+                </a:gsLst>
+                <a:lin ang="18900000" scaled="1"/>
+              </a:gradFill>
+              <a:ln w="9525" algn="ctr">
+                <a:noFill/>
+                <a:round/>
+                <a:headEnd/>
+                <a:tailEnd/>
+              </a:ln>
+              <a:effectLst/>
+            </p:spPr>
+            <p:txBody>
+              <a:bodyPr wrap="none" anchor="ctr"/>
+              <a:lstStyle/>
+              <a:p>
+                <a:pPr>
+                  <a:defRPr/>
+                </a:pPr>
+                <a:endParaRPr kumimoji="0" lang="zh-TW" altLang="en-US"/>
+              </a:p>
+            </p:txBody>
+          </p:sp>
+          <p:pic>
+            <p:nvPicPr>
+              <p:cNvPr id="21550" name="Picture 76" descr="Picture2"/>
+              <p:cNvPicPr>
+                <a:picLocks noChangeAspect="1" noChangeArrowheads="1"/>
+              </p:cNvPicPr>
+              <p:nvPr/>
+            </p:nvPicPr>
+            <p:blipFill>
+              <a:blip r:embed="rId4" cstate="print"/>
+              <a:srcRect/>
+              <a:stretch>
+                <a:fillRect/>
+              </a:stretch>
+            </p:blipFill>
+            <p:spPr bwMode="gray">
+              <a:xfrm>
+                <a:off x="930" y="2044"/>
+                <a:ext cx="345" cy="149"/>
+              </a:xfrm>
+              <a:prstGeom prst="rect">
+                <a:avLst/>
+              </a:prstGeom>
+              <a:noFill/>
+              <a:ln w="9525">
+                <a:noFill/>
+                <a:miter lim="800000"/>
+                <a:headEnd/>
+                <a:tailEnd/>
+              </a:ln>
+            </p:spPr>
+          </p:pic>
+        </p:grpSp>
+        <p:pic>
+          <p:nvPicPr>
+            <p:cNvPr id="21547" name="Picture 88"/>
+            <p:cNvPicPr>
+              <a:picLocks noChangeAspect="1" noChangeArrowheads="1"/>
+            </p:cNvPicPr>
+            <p:nvPr/>
+          </p:nvPicPr>
+          <p:blipFill>
+            <a:blip r:embed="rId7" cstate="print"/>
+            <a:srcRect l="12015" t="9302" r="12404" b="12598"/>
+            <a:stretch>
+              <a:fillRect/>
+            </a:stretch>
+          </p:blipFill>
+          <p:spPr bwMode="gray">
+            <a:xfrm>
+              <a:off x="4240" y="1020"/>
+              <a:ext cx="359" cy="370"/>
+            </a:xfrm>
+            <a:prstGeom prst="rect">
+              <a:avLst/>
+            </a:prstGeom>
+            <a:noFill/>
+            <a:ln w="9525">
+              <a:noFill/>
+              <a:miter lim="800000"/>
+              <a:headEnd/>
+              <a:tailEnd/>
+            </a:ln>
+          </p:spPr>
+        </p:pic>
+      </p:grpSp>
+      <p:grpSp>
+        <p:nvGrpSpPr>
+          <p:cNvPr id="21525" name="Group 90"/>
+          <p:cNvGrpSpPr>
+            <a:grpSpLocks/>
+          </p:cNvGrpSpPr>
+          <p:nvPr/>
+        </p:nvGrpSpPr>
+        <p:grpSpPr bwMode="auto">
+          <a:xfrm>
+            <a:off x="1979613" y="2585335"/>
+            <a:ext cx="222250" cy="222250"/>
+            <a:chOff x="4803" y="1006"/>
+            <a:chExt cx="416" cy="416"/>
+          </a:xfrm>
+        </p:grpSpPr>
+        <p:sp>
+          <p:nvSpPr>
+            <p:cNvPr id="61" name="Oval 81"/>
+            <p:cNvSpPr>
+              <a:spLocks noChangeArrowheads="1"/>
+            </p:cNvSpPr>
+            <p:nvPr/>
+          </p:nvSpPr>
+          <p:spPr bwMode="gray">
+            <a:xfrm>
+              <a:off x="4803" y="1006"/>
+              <a:ext cx="416" cy="416"/>
+            </a:xfrm>
+            <a:prstGeom prst="ellipse">
+              <a:avLst/>
+            </a:prstGeom>
+            <a:gradFill rotWithShape="1">
+              <a:gsLst>
+                <a:gs pos="0">
+                  <a:srgbClr val="FFFFFF">
+                    <a:gamma/>
+                    <a:shade val="54118"/>
+                    <a:invGamma/>
+                  </a:srgbClr>
+                </a:gs>
+                <a:gs pos="50000">
+                  <a:srgbClr val="FFFFFF"/>
+                </a:gs>
+                <a:gs pos="100000">
+                  <a:srgbClr val="FFFFFF">
+                    <a:gamma/>
+                    <a:shade val="54118"/>
+                    <a:invGamma/>
+                  </a:srgbClr>
+                </a:gs>
+              </a:gsLst>
+              <a:lin ang="18900000" scaled="1"/>
+            </a:gradFill>
+            <a:ln w="9525">
+              <a:solidFill>
+                <a:srgbClr val="DDDDDD"/>
+              </a:solidFill>
+              <a:round/>
+              <a:headEnd/>
+              <a:tailEnd/>
+            </a:ln>
+            <a:effectLst>
+              <a:outerShdw dist="35921" dir="2700000" algn="ctr" rotWithShape="0">
+                <a:schemeClr val="bg2">
+                  <a:alpha val="50000"/>
+                </a:schemeClr>
+              </a:outerShdw>
+            </a:effectLst>
+          </p:spPr>
+          <p:txBody>
+            <a:bodyPr wrap="none" anchor="ctr"/>
+            <a:lstStyle/>
+            <a:p>
+              <a:pPr>
+                <a:defRPr/>
+              </a:pPr>
+              <a:endParaRPr kumimoji="0" lang="zh-TW" altLang="en-US"/>
+            </a:p>
+          </p:txBody>
+        </p:sp>
+        <p:grpSp>
+          <p:nvGrpSpPr>
+            <p:cNvPr id="21528" name="Group 82"/>
+            <p:cNvGrpSpPr>
+              <a:grpSpLocks/>
+            </p:cNvGrpSpPr>
+            <p:nvPr/>
+          </p:nvGrpSpPr>
+          <p:grpSpPr bwMode="auto">
+            <a:xfrm rot="-2288454">
+              <a:off x="4838" y="1034"/>
+              <a:ext cx="348" cy="356"/>
+              <a:chOff x="887" y="2040"/>
+              <a:chExt cx="433" cy="422"/>
+            </a:xfrm>
+          </p:grpSpPr>
+          <p:pic>
+            <p:nvPicPr>
+              <p:cNvPr id="21530" name="Picture 83" descr="circuler_1"/>
+              <p:cNvPicPr>
+                <a:picLocks noChangeAspect="1" noChangeArrowheads="1"/>
+              </p:cNvPicPr>
+              <p:nvPr/>
+            </p:nvPicPr>
+            <p:blipFill>
+              <a:blip r:embed="rId6" cstate="print"/>
+              <a:srcRect/>
+              <a:stretch>
+                <a:fillRect/>
+              </a:stretch>
+            </p:blipFill>
+            <p:spPr bwMode="gray">
+              <a:xfrm>
+                <a:off x="887" y="2040"/>
+                <a:ext cx="430" cy="420"/>
+              </a:xfrm>
+              <a:prstGeom prst="rect">
+                <a:avLst/>
+              </a:prstGeom>
+              <a:noFill/>
+              <a:ln w="9525">
+                <a:noFill/>
+                <a:miter lim="800000"/>
+                <a:headEnd/>
+                <a:tailEnd/>
+              </a:ln>
+            </p:spPr>
+          </p:pic>
+          <p:sp>
+            <p:nvSpPr>
+              <p:cNvPr id="21531" name="Oval 84"/>
+              <p:cNvSpPr>
+                <a:spLocks noChangeArrowheads="1"/>
+              </p:cNvSpPr>
+              <p:nvPr/>
+            </p:nvSpPr>
+            <p:spPr bwMode="gray">
+              <a:xfrm>
+                <a:off x="887" y="2040"/>
+                <a:ext cx="433" cy="422"/>
+              </a:xfrm>
+              <a:prstGeom prst="ellipse">
+                <a:avLst/>
+              </a:prstGeom>
+              <a:solidFill>
+                <a:srgbClr val="FB4F2D">
+                  <a:alpha val="74901"/>
+                </a:srgbClr>
+              </a:solidFill>
+              <a:ln w="9525" algn="ctr">
+                <a:noFill/>
+                <a:round/>
+                <a:headEnd/>
+                <a:tailEnd/>
+              </a:ln>
+            </p:spPr>
+            <p:txBody>
+              <a:bodyPr wrap="none" anchor="ctr"/>
+              <a:lstStyle/>
+              <a:p>
+                <a:endParaRPr kumimoji="0" lang="zh-TW" altLang="en-US"/>
+              </a:p>
+            </p:txBody>
+          </p:sp>
+          <p:pic>
+            <p:nvPicPr>
+              <p:cNvPr id="21532" name="Picture 85" descr="Picture2"/>
+              <p:cNvPicPr>
+                <a:picLocks noChangeAspect="1" noChangeArrowheads="1"/>
+              </p:cNvPicPr>
+              <p:nvPr/>
+            </p:nvPicPr>
+            <p:blipFill>
+              <a:blip r:embed="rId4" cstate="print"/>
+              <a:srcRect/>
+              <a:stretch>
+                <a:fillRect/>
+              </a:stretch>
+            </p:blipFill>
+            <p:spPr bwMode="gray">
+              <a:xfrm>
+                <a:off x="930" y="2044"/>
+                <a:ext cx="345" cy="149"/>
+              </a:xfrm>
+              <a:prstGeom prst="rect">
+                <a:avLst/>
+              </a:prstGeom>
+              <a:noFill/>
+              <a:ln w="9525">
+                <a:noFill/>
+                <a:miter lim="800000"/>
+                <a:headEnd/>
+                <a:tailEnd/>
+              </a:ln>
+            </p:spPr>
+          </p:pic>
+        </p:grpSp>
+        <p:pic>
+          <p:nvPicPr>
+            <p:cNvPr id="21529" name="Picture 89"/>
+            <p:cNvPicPr>
+              <a:picLocks noChangeAspect="1" noChangeArrowheads="1"/>
+            </p:cNvPicPr>
+            <p:nvPr/>
+          </p:nvPicPr>
+          <p:blipFill>
+            <a:blip r:embed="rId7" cstate="print"/>
+            <a:srcRect l="12015" t="9302" r="12404" b="12598"/>
+            <a:stretch>
+              <a:fillRect/>
+            </a:stretch>
+          </p:blipFill>
+          <p:spPr bwMode="gray">
+            <a:xfrm>
+              <a:off x="4830" y="1020"/>
+              <a:ext cx="359" cy="370"/>
+            </a:xfrm>
+            <a:prstGeom prst="rect">
+              <a:avLst/>
+            </a:prstGeom>
+            <a:noFill/>
+            <a:ln w="9525">
+              <a:noFill/>
+              <a:miter lim="800000"/>
+              <a:headEnd/>
+              <a:tailEnd/>
+            </a:ln>
+          </p:spPr>
+        </p:pic>
+      </p:grpSp>
+      <p:sp>
+        <p:nvSpPr>
+          <p:cNvPr id="50" name="頁尾版面配置區 5"/>
+          <p:cNvSpPr>
+            <a:spLocks noGrp="1"/>
+          </p:cNvSpPr>
+          <p:nvPr>
+            <p:ph type="ftr" sz="quarter" idx="11"/>
+          </p:nvPr>
+        </p:nvSpPr>
+        <p:spPr>
+          <a:xfrm>
+            <a:off x="5943600" y="6512768"/>
+            <a:ext cx="2895600" cy="228600"/>
+          </a:xfrm>
+        </p:spPr>
+        <p:txBody>
+          <a:bodyPr/>
+          <a:lstStyle/>
+          <a:p>
+            <a:pPr>
+              <a:defRPr/>
+            </a:pPr>
+            <a:r>
+              <a:rPr lang="en-US" altLang="zh-TW" dirty="0" smtClean="0"/>
+              <a:t>Performance Evaluation 2016 Spring</a:t>
+            </a:r>
+            <a:endParaRPr lang="en-US" altLang="zh-TW" dirty="0"/>
+          </a:p>
+        </p:txBody>
+      </p:sp>
+      <p:grpSp>
+        <p:nvGrpSpPr>
+          <p:cNvPr id="51" name="Group 94"/>
+          <p:cNvGrpSpPr>
+            <a:grpSpLocks/>
+          </p:cNvGrpSpPr>
+          <p:nvPr/>
+        </p:nvGrpSpPr>
+        <p:grpSpPr bwMode="auto">
+          <a:xfrm>
+            <a:off x="1993241" y="3959269"/>
+            <a:ext cx="222250" cy="220663"/>
+            <a:chOff x="2543" y="1006"/>
+            <a:chExt cx="416" cy="416"/>
+          </a:xfrm>
+        </p:grpSpPr>
+        <p:sp>
+          <p:nvSpPr>
+            <p:cNvPr id="52" name="Oval 52"/>
+            <p:cNvSpPr>
+              <a:spLocks noChangeArrowheads="1"/>
+            </p:cNvSpPr>
+            <p:nvPr/>
+          </p:nvSpPr>
+          <p:spPr bwMode="gray">
+            <a:xfrm>
+              <a:off x="2543" y="1006"/>
+              <a:ext cx="416" cy="416"/>
+            </a:xfrm>
+            <a:prstGeom prst="ellipse">
+              <a:avLst/>
+            </a:prstGeom>
+            <a:gradFill rotWithShape="1">
+              <a:gsLst>
+                <a:gs pos="0">
+                  <a:srgbClr val="FFFFFF">
+                    <a:gamma/>
+                    <a:shade val="54118"/>
+                    <a:invGamma/>
+                  </a:srgbClr>
+                </a:gs>
+                <a:gs pos="50000">
+                  <a:srgbClr val="FFFFFF"/>
+                </a:gs>
+                <a:gs pos="100000">
+                  <a:srgbClr val="FFFFFF">
+                    <a:gamma/>
+                    <a:shade val="54118"/>
+                    <a:invGamma/>
+                  </a:srgbClr>
+                </a:gs>
+              </a:gsLst>
+              <a:lin ang="18900000" scaled="1"/>
+            </a:gradFill>
+            <a:ln w="9525">
+              <a:solidFill>
+                <a:srgbClr val="DDDDDD"/>
+              </a:solidFill>
+              <a:round/>
+              <a:headEnd/>
+              <a:tailEnd/>
+            </a:ln>
+            <a:effectLst>
+              <a:outerShdw dist="35921" dir="2700000" algn="ctr" rotWithShape="0">
+                <a:schemeClr val="bg2">
+                  <a:alpha val="50000"/>
+                </a:schemeClr>
+              </a:outerShdw>
+            </a:effectLst>
+          </p:spPr>
+          <p:txBody>
+            <a:bodyPr wrap="none" anchor="ctr"/>
+            <a:lstStyle/>
+            <a:p>
+              <a:pPr>
+                <a:defRPr/>
+              </a:pPr>
+              <a:endParaRPr kumimoji="0" lang="zh-TW" altLang="en-US"/>
+            </a:p>
+          </p:txBody>
+        </p:sp>
+        <p:grpSp>
+          <p:nvGrpSpPr>
+            <p:cNvPr id="53" name="Group 53"/>
+            <p:cNvGrpSpPr>
+              <a:grpSpLocks/>
+            </p:cNvGrpSpPr>
+            <p:nvPr/>
+          </p:nvGrpSpPr>
+          <p:grpSpPr bwMode="auto">
+            <a:xfrm rot="-2288454">
+              <a:off x="2578" y="1034"/>
+              <a:ext cx="348" cy="356"/>
+              <a:chOff x="887" y="2040"/>
+              <a:chExt cx="433" cy="422"/>
+            </a:xfrm>
+          </p:grpSpPr>
+          <p:pic>
+            <p:nvPicPr>
+              <p:cNvPr id="55" name="Picture 54" descr="circuler_1"/>
+              <p:cNvPicPr>
+                <a:picLocks noChangeAspect="1" noChangeArrowheads="1"/>
+              </p:cNvPicPr>
+              <p:nvPr/>
+            </p:nvPicPr>
+            <p:blipFill>
+              <a:blip r:embed="rId3" cstate="print"/>
+              <a:srcRect/>
+              <a:stretch>
+                <a:fillRect/>
+              </a:stretch>
+            </p:blipFill>
+            <p:spPr bwMode="gray">
+              <a:xfrm>
+                <a:off x="887" y="2040"/>
+                <a:ext cx="430" cy="420"/>
+              </a:xfrm>
+              <a:prstGeom prst="rect">
+                <a:avLst/>
+              </a:prstGeom>
+              <a:noFill/>
+              <a:ln w="9525">
+                <a:noFill/>
+                <a:miter lim="800000"/>
+                <a:headEnd/>
+                <a:tailEnd/>
+              </a:ln>
+            </p:spPr>
+          </p:pic>
+          <p:sp>
+            <p:nvSpPr>
+              <p:cNvPr id="56" name="Oval 55"/>
+              <p:cNvSpPr>
+                <a:spLocks noChangeArrowheads="1"/>
+              </p:cNvSpPr>
+              <p:nvPr/>
+            </p:nvSpPr>
+            <p:spPr bwMode="gray">
+              <a:xfrm>
+                <a:off x="888" y="2039"/>
+                <a:ext cx="433" cy="422"/>
+              </a:xfrm>
+              <a:prstGeom prst="ellipse">
+                <a:avLst/>
+              </a:prstGeom>
+              <a:gradFill rotWithShape="1">
+                <a:gsLst>
+                  <a:gs pos="0">
+                    <a:schemeClr val="accent1">
+                      <a:gamma/>
+                      <a:shade val="34902"/>
+                      <a:invGamma/>
+                      <a:alpha val="89999"/>
+                    </a:schemeClr>
+                  </a:gs>
+                  <a:gs pos="50000">
+                    <a:schemeClr val="accent1">
+                      <a:alpha val="75000"/>
+                    </a:schemeClr>
+                  </a:gs>
+                  <a:gs pos="100000">
+                    <a:schemeClr val="accent1">
+                      <a:gamma/>
+                      <a:shade val="34902"/>
+                      <a:invGamma/>
+                      <a:alpha val="89999"/>
+                    </a:schemeClr>
+                  </a:gs>
+                </a:gsLst>
+                <a:lin ang="18900000" scaled="1"/>
+              </a:gradFill>
+              <a:ln w="9525" algn="ctr">
+                <a:noFill/>
+                <a:round/>
+                <a:headEnd/>
+                <a:tailEnd/>
+              </a:ln>
+              <a:effectLst/>
+            </p:spPr>
+            <p:txBody>
+              <a:bodyPr wrap="none" anchor="ctr"/>
+              <a:lstStyle/>
+              <a:p>
+                <a:pPr>
+                  <a:defRPr/>
+                </a:pPr>
+                <a:endParaRPr kumimoji="0" lang="zh-TW" altLang="en-US"/>
+              </a:p>
+            </p:txBody>
+          </p:sp>
+          <p:pic>
+            <p:nvPicPr>
+              <p:cNvPr id="57" name="Picture 56" descr="Picture2"/>
+              <p:cNvPicPr>
+                <a:picLocks noChangeAspect="1" noChangeArrowheads="1"/>
+              </p:cNvPicPr>
+              <p:nvPr/>
+            </p:nvPicPr>
+            <p:blipFill>
+              <a:blip r:embed="rId4" cstate="print"/>
+              <a:srcRect/>
+              <a:stretch>
+                <a:fillRect/>
+              </a:stretch>
+            </p:blipFill>
+            <p:spPr bwMode="gray">
+              <a:xfrm>
+                <a:off x="930" y="2044"/>
+                <a:ext cx="345" cy="149"/>
+              </a:xfrm>
+              <a:prstGeom prst="rect">
+                <a:avLst/>
+              </a:prstGeom>
+              <a:noFill/>
+              <a:ln w="9525">
+                <a:noFill/>
+                <a:miter lim="800000"/>
+                <a:headEnd/>
+                <a:tailEnd/>
+              </a:ln>
+            </p:spPr>
+          </p:pic>
+        </p:grpSp>
+        <p:pic>
+          <p:nvPicPr>
+            <p:cNvPr id="54" name="Picture 57"/>
+            <p:cNvPicPr>
+              <a:picLocks noChangeAspect="1" noChangeArrowheads="1"/>
+            </p:cNvPicPr>
+            <p:nvPr/>
+          </p:nvPicPr>
+          <p:blipFill>
+            <a:blip r:embed="rId5" cstate="print"/>
+            <a:srcRect l="12015" t="9302" r="12404" b="12598"/>
+            <a:stretch>
+              <a:fillRect/>
+            </a:stretch>
+          </p:blipFill>
+          <p:spPr bwMode="gray">
+            <a:xfrm>
+              <a:off x="2570" y="1020"/>
+              <a:ext cx="359" cy="370"/>
+            </a:xfrm>
+            <a:prstGeom prst="rect">
+              <a:avLst/>
+            </a:prstGeom>
+            <a:noFill/>
+            <a:ln w="9525">
+              <a:noFill/>
+              <a:miter lim="800000"/>
+              <a:headEnd/>
+              <a:tailEnd/>
+            </a:ln>
+          </p:spPr>
+        </p:pic>
+      </p:grpSp>
+      <p:grpSp>
+        <p:nvGrpSpPr>
+          <p:cNvPr id="58" name="Group 90"/>
+          <p:cNvGrpSpPr>
+            <a:grpSpLocks/>
+          </p:cNvGrpSpPr>
+          <p:nvPr/>
+        </p:nvGrpSpPr>
+        <p:grpSpPr bwMode="auto">
+          <a:xfrm>
+            <a:off x="1993241" y="4627636"/>
+            <a:ext cx="222250" cy="222250"/>
+            <a:chOff x="4803" y="1006"/>
+            <a:chExt cx="416" cy="416"/>
+          </a:xfrm>
+        </p:grpSpPr>
+        <p:sp>
+          <p:nvSpPr>
+            <p:cNvPr id="59" name="Oval 81"/>
+            <p:cNvSpPr>
+              <a:spLocks noChangeArrowheads="1"/>
+            </p:cNvSpPr>
+            <p:nvPr/>
+          </p:nvSpPr>
+          <p:spPr bwMode="gray">
+            <a:xfrm>
+              <a:off x="4803" y="1006"/>
+              <a:ext cx="416" cy="416"/>
+            </a:xfrm>
+            <a:prstGeom prst="ellipse">
+              <a:avLst/>
+            </a:prstGeom>
+            <a:gradFill rotWithShape="1">
+              <a:gsLst>
+                <a:gs pos="0">
+                  <a:srgbClr val="FFFFFF">
+                    <a:gamma/>
+                    <a:shade val="54118"/>
+                    <a:invGamma/>
+                  </a:srgbClr>
+                </a:gs>
+                <a:gs pos="50000">
+                  <a:srgbClr val="FFFFFF"/>
+                </a:gs>
+                <a:gs pos="100000">
+                  <a:srgbClr val="FFFFFF">
+                    <a:gamma/>
+                    <a:shade val="54118"/>
+                    <a:invGamma/>
+                  </a:srgbClr>
+                </a:gs>
+              </a:gsLst>
+              <a:lin ang="18900000" scaled="1"/>
+            </a:gradFill>
+            <a:ln w="9525">
+              <a:solidFill>
+                <a:srgbClr val="DDDDDD"/>
+              </a:solidFill>
+              <a:round/>
+              <a:headEnd/>
+              <a:tailEnd/>
+            </a:ln>
+            <a:effectLst>
+              <a:outerShdw dist="35921" dir="2700000" algn="ctr" rotWithShape="0">
+                <a:schemeClr val="bg2">
+                  <a:alpha val="50000"/>
+                </a:schemeClr>
+              </a:outerShdw>
+            </a:effectLst>
+          </p:spPr>
+          <p:txBody>
+            <a:bodyPr wrap="none" anchor="ctr"/>
+            <a:lstStyle/>
+            <a:p>
+              <a:pPr>
+                <a:defRPr/>
+              </a:pPr>
+              <a:endParaRPr kumimoji="0" lang="zh-TW" altLang="en-US"/>
+            </a:p>
+          </p:txBody>
+        </p:sp>
+        <p:grpSp>
+          <p:nvGrpSpPr>
+            <p:cNvPr id="60" name="Group 82"/>
+            <p:cNvGrpSpPr>
+              <a:grpSpLocks/>
+            </p:cNvGrpSpPr>
+            <p:nvPr/>
+          </p:nvGrpSpPr>
+          <p:grpSpPr bwMode="auto">
+            <a:xfrm rot="-2288454">
+              <a:off x="4838" y="1034"/>
+              <a:ext cx="348" cy="356"/>
+              <a:chOff x="887" y="2040"/>
+              <a:chExt cx="433" cy="422"/>
+            </a:xfrm>
+          </p:grpSpPr>
+          <p:pic>
+            <p:nvPicPr>
+              <p:cNvPr id="63" name="Picture 83" descr="circuler_1"/>
+              <p:cNvPicPr>
+                <a:picLocks noChangeAspect="1" noChangeArrowheads="1"/>
+              </p:cNvPicPr>
+              <p:nvPr/>
+            </p:nvPicPr>
+            <p:blipFill>
+              <a:blip r:embed="rId6" cstate="print"/>
+              <a:srcRect/>
+              <a:stretch>
+                <a:fillRect/>
+              </a:stretch>
+            </p:blipFill>
+            <p:spPr bwMode="gray">
+              <a:xfrm>
+                <a:off x="887" y="2040"/>
+                <a:ext cx="430" cy="420"/>
+              </a:xfrm>
+              <a:prstGeom prst="rect">
+                <a:avLst/>
+              </a:prstGeom>
+              <a:noFill/>
+              <a:ln w="9525">
+                <a:noFill/>
+                <a:miter lim="800000"/>
+                <a:headEnd/>
+                <a:tailEnd/>
+              </a:ln>
+            </p:spPr>
+          </p:pic>
+          <p:sp>
+            <p:nvSpPr>
+              <p:cNvPr id="64" name="Oval 84"/>
+              <p:cNvSpPr>
+                <a:spLocks noChangeArrowheads="1"/>
+              </p:cNvSpPr>
+              <p:nvPr/>
+            </p:nvSpPr>
+            <p:spPr bwMode="gray">
+              <a:xfrm>
+                <a:off x="887" y="2040"/>
+                <a:ext cx="433" cy="422"/>
+              </a:xfrm>
+              <a:prstGeom prst="ellipse">
+                <a:avLst/>
+              </a:prstGeom>
+              <a:solidFill>
+                <a:srgbClr val="FB4F2D">
+                  <a:alpha val="74901"/>
+                </a:srgbClr>
+              </a:solidFill>
+              <a:ln w="9525" algn="ctr">
+                <a:noFill/>
+                <a:round/>
+                <a:headEnd/>
+                <a:tailEnd/>
+              </a:ln>
+            </p:spPr>
+            <p:txBody>
+              <a:bodyPr wrap="none" anchor="ctr"/>
+              <a:lstStyle/>
+              <a:p>
+                <a:endParaRPr kumimoji="0" lang="zh-TW" altLang="en-US"/>
+              </a:p>
+            </p:txBody>
+          </p:sp>
+          <p:pic>
+            <p:nvPicPr>
+              <p:cNvPr id="65" name="Picture 85" descr="Picture2"/>
+              <p:cNvPicPr>
+                <a:picLocks noChangeAspect="1" noChangeArrowheads="1"/>
+              </p:cNvPicPr>
+              <p:nvPr/>
+            </p:nvPicPr>
+            <p:blipFill>
+              <a:blip r:embed="rId4" cstate="print"/>
+              <a:srcRect/>
+              <a:stretch>
+                <a:fillRect/>
+              </a:stretch>
+            </p:blipFill>
+            <p:spPr bwMode="gray">
+              <a:xfrm>
+                <a:off x="930" y="2044"/>
+                <a:ext cx="345" cy="149"/>
+              </a:xfrm>
+              <a:prstGeom prst="rect">
+                <a:avLst/>
+              </a:prstGeom>
+              <a:noFill/>
+              <a:ln w="9525">
+                <a:noFill/>
+                <a:miter lim="800000"/>
+                <a:headEnd/>
+                <a:tailEnd/>
+              </a:ln>
+            </p:spPr>
+          </p:pic>
+        </p:grpSp>
+        <p:pic>
+          <p:nvPicPr>
+            <p:cNvPr id="62" name="Picture 89"/>
+            <p:cNvPicPr>
+              <a:picLocks noChangeAspect="1" noChangeArrowheads="1"/>
+            </p:cNvPicPr>
+            <p:nvPr/>
+          </p:nvPicPr>
+          <p:blipFill>
+            <a:blip r:embed="rId7" cstate="print"/>
+            <a:srcRect l="12015" t="9302" r="12404" b="12598"/>
+            <a:stretch>
+              <a:fillRect/>
+            </a:stretch>
+          </p:blipFill>
+          <p:spPr bwMode="gray">
+            <a:xfrm>
+              <a:off x="4830" y="1020"/>
+              <a:ext cx="359" cy="370"/>
+            </a:xfrm>
+            <a:prstGeom prst="rect">
+              <a:avLst/>
+            </a:prstGeom>
+            <a:noFill/>
+            <a:ln w="9525">
+              <a:noFill/>
+              <a:miter lim="800000"/>
+              <a:headEnd/>
+              <a:tailEnd/>
+            </a:ln>
+          </p:spPr>
+        </p:pic>
+      </p:grpSp>
+      <p:grpSp>
+        <p:nvGrpSpPr>
+          <p:cNvPr id="66" name="Group 91"/>
+          <p:cNvGrpSpPr>
+            <a:grpSpLocks/>
+          </p:cNvGrpSpPr>
+          <p:nvPr/>
+        </p:nvGrpSpPr>
+        <p:grpSpPr bwMode="auto">
+          <a:xfrm>
+            <a:off x="1997619" y="5308247"/>
+            <a:ext cx="222250" cy="222250"/>
+            <a:chOff x="4213" y="1006"/>
+            <a:chExt cx="416" cy="416"/>
+          </a:xfrm>
+        </p:grpSpPr>
+        <p:sp>
+          <p:nvSpPr>
+            <p:cNvPr id="67" name="Oval 72"/>
+            <p:cNvSpPr>
+              <a:spLocks noChangeArrowheads="1"/>
+            </p:cNvSpPr>
+            <p:nvPr/>
+          </p:nvSpPr>
+          <p:spPr bwMode="gray">
+            <a:xfrm>
+              <a:off x="4213" y="1006"/>
+              <a:ext cx="416" cy="416"/>
+            </a:xfrm>
+            <a:prstGeom prst="ellipse">
+              <a:avLst/>
+            </a:prstGeom>
+            <a:gradFill rotWithShape="1">
+              <a:gsLst>
+                <a:gs pos="0">
+                  <a:srgbClr val="FFFFFF">
+                    <a:gamma/>
+                    <a:shade val="54118"/>
+                    <a:invGamma/>
+                  </a:srgbClr>
+                </a:gs>
+                <a:gs pos="50000">
+                  <a:srgbClr val="FFFFFF"/>
+                </a:gs>
+                <a:gs pos="100000">
+                  <a:srgbClr val="FFFFFF">
+                    <a:gamma/>
+                    <a:shade val="54118"/>
+                    <a:invGamma/>
+                  </a:srgbClr>
+                </a:gs>
+              </a:gsLst>
+              <a:lin ang="18900000" scaled="1"/>
+            </a:gradFill>
+            <a:ln w="9525">
+              <a:solidFill>
+                <a:srgbClr val="DDDDDD"/>
+              </a:solidFill>
+              <a:round/>
+              <a:headEnd/>
+              <a:tailEnd/>
+            </a:ln>
+            <a:effectLst>
+              <a:outerShdw dist="35921" dir="2700000" algn="ctr" rotWithShape="0">
+                <a:schemeClr val="bg2">
+                  <a:alpha val="50000"/>
+                </a:schemeClr>
+              </a:outerShdw>
+            </a:effectLst>
+          </p:spPr>
+          <p:txBody>
+            <a:bodyPr wrap="none" anchor="ctr"/>
+            <a:lstStyle/>
+            <a:p>
+              <a:pPr>
+                <a:defRPr/>
+              </a:pPr>
+              <a:endParaRPr kumimoji="0" lang="zh-TW" altLang="en-US"/>
+            </a:p>
+          </p:txBody>
+        </p:sp>
+        <p:grpSp>
+          <p:nvGrpSpPr>
+            <p:cNvPr id="68" name="Group 73"/>
+            <p:cNvGrpSpPr>
+              <a:grpSpLocks/>
+            </p:cNvGrpSpPr>
+            <p:nvPr/>
+          </p:nvGrpSpPr>
+          <p:grpSpPr bwMode="auto">
+            <a:xfrm rot="-2288454">
+              <a:off x="4248" y="1034"/>
+              <a:ext cx="348" cy="356"/>
+              <a:chOff x="887" y="2040"/>
+              <a:chExt cx="433" cy="422"/>
+            </a:xfrm>
+          </p:grpSpPr>
+          <p:pic>
+            <p:nvPicPr>
+              <p:cNvPr id="70" name="Picture 74" descr="circuler_1"/>
+              <p:cNvPicPr>
+                <a:picLocks noChangeAspect="1" noChangeArrowheads="1"/>
+              </p:cNvPicPr>
+              <p:nvPr/>
+            </p:nvPicPr>
+            <p:blipFill>
+              <a:blip r:embed="rId6" cstate="print"/>
+              <a:srcRect/>
+              <a:stretch>
+                <a:fillRect/>
+              </a:stretch>
+            </p:blipFill>
+            <p:spPr bwMode="gray">
+              <a:xfrm>
+                <a:off x="887" y="2040"/>
+                <a:ext cx="430" cy="420"/>
+              </a:xfrm>
+              <a:prstGeom prst="rect">
+                <a:avLst/>
+              </a:prstGeom>
+              <a:noFill/>
+              <a:ln w="9525">
+                <a:noFill/>
+                <a:miter lim="800000"/>
+                <a:headEnd/>
+                <a:tailEnd/>
+              </a:ln>
+            </p:spPr>
+          </p:pic>
+          <p:sp>
+            <p:nvSpPr>
+              <p:cNvPr id="71" name="Oval 75"/>
+              <p:cNvSpPr>
+                <a:spLocks noChangeArrowheads="1"/>
+              </p:cNvSpPr>
+              <p:nvPr/>
+            </p:nvSpPr>
+            <p:spPr bwMode="gray">
+              <a:xfrm>
+                <a:off x="888" y="2039"/>
+                <a:ext cx="433" cy="423"/>
+              </a:xfrm>
+              <a:prstGeom prst="ellipse">
+                <a:avLst/>
+              </a:prstGeom>
+              <a:gradFill rotWithShape="1">
+                <a:gsLst>
+                  <a:gs pos="0">
+                    <a:schemeClr val="folHlink">
+                      <a:gamma/>
+                      <a:shade val="34902"/>
+                      <a:invGamma/>
+                      <a:alpha val="89999"/>
+                    </a:schemeClr>
+                  </a:gs>
+                  <a:gs pos="50000">
+                    <a:schemeClr val="folHlink">
+                      <a:alpha val="75000"/>
+                    </a:schemeClr>
+                  </a:gs>
+                  <a:gs pos="100000">
+                    <a:schemeClr val="folHlink">
+                      <a:gamma/>
+                      <a:shade val="34902"/>
+                      <a:invGamma/>
+                      <a:alpha val="89999"/>
+                    </a:schemeClr>
+                  </a:gs>
+                </a:gsLst>
+                <a:lin ang="18900000" scaled="1"/>
+              </a:gradFill>
+              <a:ln w="9525" algn="ctr">
+                <a:noFill/>
+                <a:round/>
+                <a:headEnd/>
+                <a:tailEnd/>
+              </a:ln>
+              <a:effectLst/>
+            </p:spPr>
+            <p:txBody>
+              <a:bodyPr wrap="none" anchor="ctr"/>
+              <a:lstStyle/>
+              <a:p>
+                <a:pPr>
+                  <a:defRPr/>
+                </a:pPr>
+                <a:endParaRPr kumimoji="0" lang="zh-TW" altLang="en-US"/>
+              </a:p>
+            </p:txBody>
+          </p:sp>
+          <p:pic>
+            <p:nvPicPr>
+              <p:cNvPr id="72" name="Picture 76" descr="Picture2"/>
+              <p:cNvPicPr>
+                <a:picLocks noChangeAspect="1" noChangeArrowheads="1"/>
+              </p:cNvPicPr>
+              <p:nvPr/>
+            </p:nvPicPr>
+            <p:blipFill>
+              <a:blip r:embed="rId4" cstate="print"/>
+              <a:srcRect/>
+              <a:stretch>
+                <a:fillRect/>
+              </a:stretch>
+            </p:blipFill>
+            <p:spPr bwMode="gray">
+              <a:xfrm>
+                <a:off x="930" y="2044"/>
+                <a:ext cx="345" cy="149"/>
+              </a:xfrm>
+              <a:prstGeom prst="rect">
+                <a:avLst/>
+              </a:prstGeom>
+              <a:noFill/>
+              <a:ln w="9525">
+                <a:noFill/>
+                <a:miter lim="800000"/>
+                <a:headEnd/>
+                <a:tailEnd/>
+              </a:ln>
+            </p:spPr>
+          </p:pic>
+        </p:grpSp>
+        <p:pic>
+          <p:nvPicPr>
+            <p:cNvPr id="69" name="Picture 88"/>
+            <p:cNvPicPr>
+              <a:picLocks noChangeAspect="1" noChangeArrowheads="1"/>
+            </p:cNvPicPr>
+            <p:nvPr/>
+          </p:nvPicPr>
+          <p:blipFill>
+            <a:blip r:embed="rId7" cstate="print"/>
+            <a:srcRect l="12015" t="9302" r="12404" b="12598"/>
+            <a:stretch>
+              <a:fillRect/>
+            </a:stretch>
+          </p:blipFill>
+          <p:spPr bwMode="gray">
+            <a:xfrm>
+              <a:off x="4240" y="1020"/>
+              <a:ext cx="359" cy="370"/>
+            </a:xfrm>
+            <a:prstGeom prst="rect">
+              <a:avLst/>
+            </a:prstGeom>
+            <a:noFill/>
+            <a:ln w="9525">
+              <a:noFill/>
+              <a:miter lim="800000"/>
+              <a:headEnd/>
+              <a:tailEnd/>
+            </a:ln>
+          </p:spPr>
+        </p:pic>
+      </p:grpSp>
+      <p:sp>
+        <p:nvSpPr>
+          <p:cNvPr id="75" name="Rectangle 12"/>
+          <p:cNvSpPr>
+            <a:spLocks noChangeArrowheads="1"/>
+          </p:cNvSpPr>
+          <p:nvPr/>
+        </p:nvSpPr>
+        <p:spPr bwMode="black">
+          <a:xfrm>
+            <a:off x="2320925" y="3790201"/>
+            <a:ext cx="4849813" cy="523875"/>
+          </a:xfrm>
+          <a:prstGeom prst="rect">
+            <a:avLst/>
+          </a:prstGeom>
+          <a:noFill/>
+          <a:ln w="9525">
+            <a:noFill/>
+            <a:miter lim="800000"/>
+            <a:headEnd/>
+            <a:tailEnd/>
+          </a:ln>
+        </p:spPr>
+        <p:txBody>
+          <a:bodyPr>
+            <a:spAutoFit/>
+          </a:bodyPr>
+          <a:lstStyle/>
+          <a:p>
+            <a:r>
+              <a:rPr kumimoji="0" lang="en-US" altLang="zh-TW" sz="2800" dirty="0" smtClean="0">
+                <a:latin typeface="標楷體" pitchFamily="65" charset="-120"/>
+                <a:ea typeface="標楷體" pitchFamily="65" charset="-120"/>
+              </a:rPr>
+              <a:t>The incentive mechanism</a:t>
+            </a:r>
+            <a:endParaRPr kumimoji="0" lang="en-US" altLang="zh-TW" sz="2800" dirty="0">
+              <a:latin typeface="標楷體" pitchFamily="65" charset="-120"/>
+              <a:ea typeface="標楷體" pitchFamily="65" charset="-120"/>
+            </a:endParaRPr>
+          </a:p>
+        </p:txBody>
+      </p:sp>
+      <p:sp>
+        <p:nvSpPr>
+          <p:cNvPr id="76" name="Rectangle 12"/>
+          <p:cNvSpPr>
+            <a:spLocks noChangeArrowheads="1"/>
+          </p:cNvSpPr>
+          <p:nvPr/>
+        </p:nvSpPr>
+        <p:spPr bwMode="black">
+          <a:xfrm>
+            <a:off x="2299493" y="5120986"/>
+            <a:ext cx="4849813" cy="523875"/>
+          </a:xfrm>
+          <a:prstGeom prst="rect">
+            <a:avLst/>
+          </a:prstGeom>
+          <a:noFill/>
+          <a:ln w="9525">
+            <a:noFill/>
+            <a:miter lim="800000"/>
+            <a:headEnd/>
+            <a:tailEnd/>
+          </a:ln>
+        </p:spPr>
+        <p:txBody>
+          <a:bodyPr>
+            <a:spAutoFit/>
+          </a:bodyPr>
+          <a:lstStyle/>
+          <a:p>
+            <a:r>
+              <a:rPr kumimoji="0" lang="en-US" altLang="zh-TW" sz="2800" dirty="0" smtClean="0">
+                <a:latin typeface="標楷體" pitchFamily="65" charset="-120"/>
+                <a:ea typeface="標楷體" pitchFamily="65" charset="-120"/>
+              </a:rPr>
+              <a:t>Conclusions</a:t>
+            </a:r>
+            <a:endParaRPr kumimoji="0" lang="en-US" altLang="zh-TW" sz="2800" dirty="0">
+              <a:latin typeface="標楷體" pitchFamily="65" charset="-120"/>
+              <a:ea typeface="標楷體" pitchFamily="65" charset="-120"/>
+            </a:endParaRPr>
+          </a:p>
+        </p:txBody>
+      </p:sp>
+      <p:sp>
+        <p:nvSpPr>
+          <p:cNvPr id="77" name="Rectangle 12"/>
+          <p:cNvSpPr>
+            <a:spLocks noChangeArrowheads="1"/>
+          </p:cNvSpPr>
+          <p:nvPr/>
+        </p:nvSpPr>
+        <p:spPr bwMode="black">
+          <a:xfrm>
+            <a:off x="2301009" y="4463320"/>
+            <a:ext cx="4849813" cy="523875"/>
+          </a:xfrm>
+          <a:prstGeom prst="rect">
+            <a:avLst/>
+          </a:prstGeom>
+          <a:noFill/>
+          <a:ln w="9525">
+            <a:noFill/>
+            <a:miter lim="800000"/>
+            <a:headEnd/>
+            <a:tailEnd/>
+          </a:ln>
+        </p:spPr>
+        <p:txBody>
+          <a:bodyPr>
+            <a:spAutoFit/>
+          </a:bodyPr>
+          <a:lstStyle/>
+          <a:p>
+            <a:r>
+              <a:rPr kumimoji="0" lang="en-US" altLang="zh-TW" sz="2800" dirty="0" smtClean="0">
+                <a:latin typeface="標楷體" pitchFamily="65" charset="-120"/>
+                <a:ea typeface="標楷體" pitchFamily="65" charset="-120"/>
+              </a:rPr>
+              <a:t>Experiments</a:t>
+            </a:r>
+            <a:endParaRPr kumimoji="0" lang="en-US" altLang="zh-TW" sz="2800" dirty="0">
+              <a:latin typeface="標楷體" pitchFamily="65" charset="-120"/>
+              <a:ea typeface="標楷體" pitchFamily="65" charset="-120"/>
+            </a:endParaRPr>
+          </a:p>
+        </p:txBody>
+      </p:sp>
+      <p:sp>
+        <p:nvSpPr>
+          <p:cNvPr id="78" name="Line 13"/>
+          <p:cNvSpPr>
+            <a:spLocks noChangeShapeType="1"/>
+          </p:cNvSpPr>
+          <p:nvPr/>
+        </p:nvSpPr>
+        <p:spPr bwMode="black">
+          <a:xfrm>
+            <a:off x="2273300" y="4314076"/>
+            <a:ext cx="4800600" cy="0"/>
+          </a:xfrm>
+          <a:prstGeom prst="line">
+            <a:avLst/>
+          </a:prstGeom>
+          <a:noFill/>
+          <a:ln w="28575" cap="rnd">
+            <a:solidFill>
+              <a:schemeClr val="tx1"/>
+            </a:solidFill>
+            <a:prstDash val="sysDot"/>
+            <a:round/>
+            <a:headEnd/>
+            <a:tailEnd/>
+          </a:ln>
+        </p:spPr>
+        <p:txBody>
+          <a:bodyPr/>
+          <a:lstStyle/>
+          <a:p>
+            <a:endParaRPr lang="zh-TW" altLang="en-US"/>
+          </a:p>
+        </p:txBody>
+      </p:sp>
+      <p:sp>
+        <p:nvSpPr>
+          <p:cNvPr id="79" name="Line 13"/>
+          <p:cNvSpPr>
+            <a:spLocks noChangeShapeType="1"/>
+          </p:cNvSpPr>
+          <p:nvPr/>
+        </p:nvSpPr>
+        <p:spPr bwMode="black">
+          <a:xfrm>
+            <a:off x="2273300" y="4987195"/>
+            <a:ext cx="4800600" cy="0"/>
+          </a:xfrm>
+          <a:prstGeom prst="line">
+            <a:avLst/>
+          </a:prstGeom>
+          <a:noFill/>
+          <a:ln w="28575" cap="rnd">
+            <a:solidFill>
+              <a:schemeClr val="tx1"/>
+            </a:solidFill>
+            <a:prstDash val="sysDot"/>
+            <a:round/>
+            <a:headEnd/>
+            <a:tailEnd/>
+          </a:ln>
+        </p:spPr>
+        <p:txBody>
+          <a:bodyPr/>
+          <a:lstStyle/>
+          <a:p>
+            <a:endParaRPr lang="zh-TW" altLang="en-US"/>
+          </a:p>
+        </p:txBody>
+      </p:sp>
+      <p:sp>
+        <p:nvSpPr>
+          <p:cNvPr id="80" name="Line 13"/>
+          <p:cNvSpPr>
+            <a:spLocks noChangeShapeType="1"/>
+          </p:cNvSpPr>
+          <p:nvPr/>
+        </p:nvSpPr>
+        <p:spPr bwMode="black">
+          <a:xfrm>
+            <a:off x="2273300" y="5663785"/>
+            <a:ext cx="4800600" cy="0"/>
+          </a:xfrm>
+          <a:prstGeom prst="line">
+            <a:avLst/>
+          </a:prstGeom>
+          <a:noFill/>
+          <a:ln w="28575" cap="rnd">
+            <a:solidFill>
+              <a:schemeClr val="tx1"/>
+            </a:solidFill>
+            <a:prstDash val="sysDot"/>
+            <a:round/>
+            <a:headEnd/>
+            <a:tailEnd/>
+          </a:ln>
+        </p:spPr>
+        <p:txBody>
+          <a:bodyPr/>
+          <a:lstStyle/>
+          <a:p>
+            <a:endParaRPr lang="zh-TW" altLang="en-US"/>
+          </a:p>
+        </p:txBody>
+      </p:sp>
+    </p:spTree>
+    <p:extLst>
+      <p:ext uri="{BB962C8B-B14F-4D97-AF65-F5344CB8AC3E}">
+        <p14:creationId xmlns:p14="http://schemas.microsoft.com/office/powerpoint/2010/main" val="146022882"/>
+      </p:ext>
+    </p:extLst>
+  </p:cSld>
+  <p:clrMapOvr>
+    <a:masterClrMapping/>
+  </p:clrMapOvr>
+  <p:transition/>
+  <p:timing>
+    <p:tnLst>
+      <p:par>
+        <p:cTn id="1" dur="indefinite" restart="never" nodeType="tmRoot"/>
+      </p:par>
+    </p:tnLst>
+  </p:timing>
+</p:sld>
+</file>
+
+<file path=ppt/slides/slide50.xml><?xml version="1.0" encoding="utf-8"?>
+<p:sld xmlns:a="http://schemas.openxmlformats.org/drawingml/2006/main" xmlns:r="http://schemas.openxmlformats.org/officeDocument/2006/relationships" xmlns:p="http://schemas.openxmlformats.org/presentationml/2006/main">
+  <p:cSld>
+    <p:spTree>
+      <p:nvGrpSpPr>
+        <p:cNvPr id="1" name=""/>
+        <p:cNvGrpSpPr/>
+        <p:nvPr/>
+      </p:nvGrpSpPr>
+      <p:grpSpPr>
+        <a:xfrm>
+          <a:off x="0" y="0"/>
+          <a:ext cx="0" cy="0"/>
+          <a:chOff x="0" y="0"/>
+          <a:chExt cx="0" cy="0"/>
+        </a:xfrm>
+      </p:grpSpPr>
+      <p:sp>
+        <p:nvSpPr>
+          <p:cNvPr id="2" name="標題 1"/>
+          <p:cNvSpPr>
+            <a:spLocks noGrp="1"/>
+          </p:cNvSpPr>
+          <p:nvPr>
+            <p:ph type="title"/>
+          </p:nvPr>
+        </p:nvSpPr>
+        <p:spPr/>
+        <p:txBody>
+          <a:bodyPr/>
+          <a:lstStyle/>
+          <a:p>
+            <a:r>
+              <a:rPr lang="en-US" altLang="zh-TW" dirty="0" smtClean="0"/>
+              <a:t>Experiment 3</a:t>
+            </a:r>
+            <a:endParaRPr lang="zh-TW" altLang="en-US" dirty="0"/>
+          </a:p>
+        </p:txBody>
+      </p:sp>
+      <p:sp>
+        <p:nvSpPr>
+          <p:cNvPr id="5" name="投影片編號版面配置區 4"/>
+          <p:cNvSpPr>
+            <a:spLocks noGrp="1"/>
+          </p:cNvSpPr>
+          <p:nvPr>
+            <p:ph type="sldNum" sz="quarter" idx="12"/>
+          </p:nvPr>
+        </p:nvSpPr>
+        <p:spPr/>
+        <p:txBody>
+          <a:bodyPr/>
+          <a:lstStyle/>
+          <a:p>
+            <a:pPr>
+              <a:defRPr/>
+            </a:pPr>
+            <a:fld id="{7823135A-D7F7-45E8-89D0-FF7E75BBDD99}" type="slidenum">
+              <a:rPr lang="en-US" altLang="zh-TW" smtClean="0"/>
+              <a:pPr>
+                <a:defRPr/>
+              </a:pPr>
+              <a:t>50</a:t>
+            </a:fld>
+            <a:endParaRPr lang="en-US" altLang="zh-TW"/>
+          </a:p>
+        </p:txBody>
+      </p:sp>
+      <p:pic>
+        <p:nvPicPr>
+          <p:cNvPr id="7170" name="Picture 2"/>
+          <p:cNvPicPr>
+            <a:picLocks noChangeAspect="1" noChangeArrowheads="1"/>
+          </p:cNvPicPr>
+          <p:nvPr/>
+        </p:nvPicPr>
+        <p:blipFill>
+          <a:blip r:embed="rId2">
+            <a:extLst>
+              <a:ext uri="{28A0092B-C50C-407E-A947-70E740481C1C}">
+                <a14:useLocalDpi xmlns:a14="http://schemas.microsoft.com/office/drawing/2010/main" val="0"/>
+              </a:ext>
+            </a:extLst>
+          </a:blip>
+          <a:srcRect/>
+          <a:stretch>
+            <a:fillRect/>
+          </a:stretch>
+        </p:blipFill>
+        <p:spPr bwMode="auto">
+          <a:xfrm>
+            <a:off x="1347801" y="980727"/>
+            <a:ext cx="6392551" cy="5080873"/>
+          </a:xfrm>
+          <a:prstGeom prst="rect">
+            <a:avLst/>
+          </a:prstGeom>
+          <a:noFill/>
+          <a:ln>
+            <a:noFill/>
+          </a:ln>
+          <a:extLst>
+            <a:ext uri="{909E8E84-426E-40DD-AFC4-6F175D3DCCD1}">
+              <a14:hiddenFill xmlns:a14="http://schemas.microsoft.com/office/drawing/2010/main">
+                <a:solidFill>
+                  <a:schemeClr val="accent1"/>
+                </a:solidFill>
+              </a14:hiddenFill>
+            </a:ext>
+            <a:ext uri="{91240B29-F687-4F45-9708-019B960494DF}">
+              <a14:hiddenLine xmlns:a14="http://schemas.microsoft.com/office/drawing/2010/main" w="9525">
+                <a:solidFill>
+                  <a:schemeClr val="tx1"/>
+                </a:solidFill>
+                <a:miter lim="800000"/>
+                <a:headEnd/>
+                <a:tailEnd/>
+              </a14:hiddenLine>
+            </a:ext>
+          </a:extLst>
+        </p:spPr>
+      </p:pic>
+      <p:sp>
+        <p:nvSpPr>
+          <p:cNvPr id="6" name="頁尾版面配置區 5"/>
+          <p:cNvSpPr>
+            <a:spLocks noGrp="1"/>
+          </p:cNvSpPr>
+          <p:nvPr>
+            <p:ph type="ftr" sz="quarter" idx="11"/>
+          </p:nvPr>
+        </p:nvSpPr>
+        <p:spPr>
+          <a:xfrm>
+            <a:off x="5943600" y="6512768"/>
+            <a:ext cx="2895600" cy="228600"/>
+          </a:xfrm>
+        </p:spPr>
+        <p:txBody>
+          <a:bodyPr/>
+          <a:lstStyle/>
+          <a:p>
+            <a:pPr>
+              <a:defRPr/>
+            </a:pPr>
+            <a:r>
+              <a:rPr lang="en-US" altLang="zh-TW" dirty="0" smtClean="0"/>
+              <a:t>Performance Evaluation 2016 Spring</a:t>
+            </a:r>
+            <a:endParaRPr lang="en-US" altLang="zh-TW" dirty="0"/>
+          </a:p>
+        </p:txBody>
+      </p:sp>
+    </p:spTree>
+    <p:extLst>
+      <p:ext uri="{BB962C8B-B14F-4D97-AF65-F5344CB8AC3E}">
+        <p14:creationId xmlns:p14="http://schemas.microsoft.com/office/powerpoint/2010/main" val="1517137450"/>
+      </p:ext>
+    </p:extLst>
+  </p:cSld>
+  <p:clrMapOvr>
+    <a:masterClrMapping/>
+  </p:clrMapOvr>
+  <p:timing>
+    <p:tnLst>
+      <p:par>
+        <p:cTn id="1" dur="indefinite" restart="never" nodeType="tmRoot"/>
+      </p:par>
+    </p:tnLst>
+  </p:timing>
+</p:sld>
+</file>
+
+<file path=ppt/slides/slide51.xml><?xml version="1.0" encoding="utf-8"?>
+<p:sld xmlns:a="http://schemas.openxmlformats.org/drawingml/2006/main" xmlns:r="http://schemas.openxmlformats.org/officeDocument/2006/relationships" xmlns:p="http://schemas.openxmlformats.org/presentationml/2006/main">
+  <p:cSld>
+    <p:spTree>
+      <p:nvGrpSpPr>
+        <p:cNvPr id="1" name=""/>
+        <p:cNvGrpSpPr/>
+        <p:nvPr/>
+      </p:nvGrpSpPr>
+      <p:grpSpPr>
+        <a:xfrm>
+          <a:off x="0" y="0"/>
+          <a:ext cx="0" cy="0"/>
+          <a:chOff x="0" y="0"/>
+          <a:chExt cx="0" cy="0"/>
+        </a:xfrm>
+      </p:grpSpPr>
+      <p:sp>
+        <p:nvSpPr>
+          <p:cNvPr id="21506" name="標題 1"/>
+          <p:cNvSpPr>
+            <a:spLocks noGrp="1"/>
+          </p:cNvSpPr>
+          <p:nvPr>
+            <p:ph type="title"/>
+          </p:nvPr>
+        </p:nvSpPr>
+        <p:spPr/>
+        <p:txBody>
+          <a:bodyPr/>
+          <a:lstStyle/>
+          <a:p>
+            <a:pPr eaLnBrk="1" hangingPunct="1"/>
+            <a:r>
+              <a:rPr lang="en-US" altLang="zh-TW" dirty="0" smtClean="0"/>
+              <a:t>Outline</a:t>
+            </a:r>
+            <a:endParaRPr lang="zh-TW" altLang="en-US" dirty="0" smtClean="0"/>
+          </a:p>
+        </p:txBody>
+      </p:sp>
+      <p:sp>
+        <p:nvSpPr>
+          <p:cNvPr id="5" name="投影片編號版面配置區 4"/>
+          <p:cNvSpPr>
+            <a:spLocks noGrp="1"/>
+          </p:cNvSpPr>
+          <p:nvPr>
+            <p:ph type="sldNum" sz="quarter" idx="12"/>
+          </p:nvPr>
+        </p:nvSpPr>
+        <p:spPr/>
+        <p:txBody>
+          <a:bodyPr/>
+          <a:lstStyle/>
+          <a:p>
+            <a:pPr>
+              <a:defRPr/>
+            </a:pPr>
+            <a:fld id="{A1A99DF8-EE35-4789-BEAE-6FED5ECB28A0}" type="slidenum">
+              <a:rPr lang="zh-TW" altLang="en-US" smtClean="0"/>
+              <a:pPr>
+                <a:defRPr/>
+              </a:pPr>
+              <a:t>51</a:t>
+            </a:fld>
+            <a:endParaRPr lang="zh-TW" altLang="en-US"/>
+          </a:p>
+        </p:txBody>
+      </p:sp>
+      <p:sp>
+        <p:nvSpPr>
+          <p:cNvPr id="21510" name="Line 4"/>
+          <p:cNvSpPr>
+            <a:spLocks noChangeShapeType="1"/>
+          </p:cNvSpPr>
+          <p:nvPr/>
+        </p:nvSpPr>
+        <p:spPr bwMode="black">
+          <a:xfrm>
+            <a:off x="2273300" y="2317750"/>
+            <a:ext cx="4800600" cy="0"/>
+          </a:xfrm>
+          <a:prstGeom prst="line">
+            <a:avLst/>
+          </a:prstGeom>
+          <a:noFill/>
+          <a:ln w="28575" cap="rnd">
+            <a:solidFill>
+              <a:schemeClr val="tx1"/>
+            </a:solidFill>
+            <a:prstDash val="sysDot"/>
+            <a:round/>
+            <a:headEnd/>
+            <a:tailEnd/>
+          </a:ln>
+        </p:spPr>
+        <p:txBody>
+          <a:bodyPr/>
+          <a:lstStyle/>
+          <a:p>
+            <a:endParaRPr lang="zh-TW" altLang="en-US"/>
+          </a:p>
+        </p:txBody>
+      </p:sp>
+      <p:sp>
+        <p:nvSpPr>
+          <p:cNvPr id="21511" name="Rectangle 8"/>
+          <p:cNvSpPr>
+            <a:spLocks noChangeArrowheads="1"/>
+          </p:cNvSpPr>
+          <p:nvPr/>
+        </p:nvSpPr>
+        <p:spPr bwMode="black">
+          <a:xfrm>
+            <a:off x="2320925" y="1844675"/>
+            <a:ext cx="5131395" cy="523220"/>
+          </a:xfrm>
+          <a:prstGeom prst="rect">
+            <a:avLst/>
+          </a:prstGeom>
+          <a:noFill/>
+          <a:ln w="9525">
+            <a:noFill/>
+            <a:miter lim="800000"/>
+            <a:headEnd/>
+            <a:tailEnd/>
+          </a:ln>
+        </p:spPr>
+        <p:txBody>
+          <a:bodyPr wrap="square">
+            <a:spAutoFit/>
+          </a:bodyPr>
+          <a:lstStyle/>
+          <a:p>
+            <a:r>
+              <a:rPr kumimoji="0" lang="en-US" altLang="zh-TW" sz="2800" dirty="0" smtClean="0">
+                <a:latin typeface="標楷體" pitchFamily="65" charset="-120"/>
+                <a:ea typeface="標楷體" pitchFamily="65" charset="-120"/>
+              </a:rPr>
+              <a:t>Introduction to P2P network</a:t>
+            </a:r>
+            <a:endParaRPr kumimoji="0" lang="en-US" altLang="zh-TW" sz="2800" dirty="0">
+              <a:latin typeface="標楷體" pitchFamily="65" charset="-120"/>
+              <a:ea typeface="標楷體" pitchFamily="65" charset="-120"/>
+            </a:endParaRPr>
+          </a:p>
+        </p:txBody>
+      </p:sp>
+      <p:sp>
+        <p:nvSpPr>
+          <p:cNvPr id="21514" name="Line 11"/>
+          <p:cNvSpPr>
+            <a:spLocks noChangeShapeType="1"/>
+          </p:cNvSpPr>
+          <p:nvPr/>
+        </p:nvSpPr>
+        <p:spPr bwMode="black">
+          <a:xfrm>
+            <a:off x="2273300" y="2939347"/>
+            <a:ext cx="4800600" cy="0"/>
+          </a:xfrm>
+          <a:prstGeom prst="line">
+            <a:avLst/>
+          </a:prstGeom>
+          <a:noFill/>
+          <a:ln w="28575" cap="rnd">
+            <a:solidFill>
+              <a:schemeClr val="tx1"/>
+            </a:solidFill>
+            <a:prstDash val="sysDot"/>
+            <a:round/>
+            <a:headEnd/>
+            <a:tailEnd/>
+          </a:ln>
+        </p:spPr>
+        <p:txBody>
+          <a:bodyPr/>
+          <a:lstStyle/>
+          <a:p>
+            <a:endParaRPr lang="zh-TW" altLang="en-US"/>
+          </a:p>
+        </p:txBody>
+      </p:sp>
+      <p:sp>
+        <p:nvSpPr>
+          <p:cNvPr id="21515" name="Rectangle 12"/>
+          <p:cNvSpPr>
+            <a:spLocks noChangeArrowheads="1"/>
+          </p:cNvSpPr>
+          <p:nvPr/>
+        </p:nvSpPr>
+        <p:spPr bwMode="black">
+          <a:xfrm>
+            <a:off x="2320925" y="2467860"/>
+            <a:ext cx="4849813" cy="523875"/>
+          </a:xfrm>
+          <a:prstGeom prst="rect">
+            <a:avLst/>
+          </a:prstGeom>
+          <a:noFill/>
+          <a:ln w="9525">
+            <a:noFill/>
+            <a:miter lim="800000"/>
+            <a:headEnd/>
+            <a:tailEnd/>
+          </a:ln>
+        </p:spPr>
+        <p:txBody>
+          <a:bodyPr>
+            <a:spAutoFit/>
+          </a:bodyPr>
+          <a:lstStyle/>
+          <a:p>
+            <a:r>
+              <a:rPr kumimoji="0" lang="en-US" altLang="zh-TW" sz="2800" dirty="0" smtClean="0">
+                <a:latin typeface="標楷體" pitchFamily="65" charset="-120"/>
+                <a:ea typeface="標楷體" pitchFamily="65" charset="-120"/>
+              </a:rPr>
+              <a:t>Introduction to </a:t>
+            </a:r>
+            <a:r>
+              <a:rPr kumimoji="0" lang="en-US" altLang="zh-TW" sz="2800" dirty="0" err="1" smtClean="0">
+                <a:latin typeface="標楷體" pitchFamily="65" charset="-120"/>
+                <a:ea typeface="標楷體" pitchFamily="65" charset="-120"/>
+              </a:rPr>
+              <a:t>BitTorrent</a:t>
+            </a:r>
+            <a:endParaRPr kumimoji="0" lang="en-US" altLang="zh-TW" sz="2800" dirty="0">
               <a:latin typeface="標楷體" pitchFamily="65" charset="-120"/>
               <a:ea typeface="標楷體" pitchFamily="65" charset="-120"/>
             </a:endParaRPr>
@@ -35823,2271 +38981,6 @@
           <a:lstStyle/>
           <a:p>
             <a:r>
-              <a:rPr kumimoji="0" lang="en-US" altLang="zh-TW" sz="2800" dirty="0" smtClean="0">
-                <a:latin typeface="標楷體" pitchFamily="65" charset="-120"/>
-                <a:ea typeface="標楷體" pitchFamily="65" charset="-120"/>
-              </a:rPr>
-              <a:t>Conclusions</a:t>
-            </a:r>
-            <a:endParaRPr kumimoji="0" lang="en-US" altLang="zh-TW" sz="2800" dirty="0">
-              <a:latin typeface="標楷體" pitchFamily="65" charset="-120"/>
-              <a:ea typeface="標楷體" pitchFamily="65" charset="-120"/>
-            </a:endParaRPr>
-          </a:p>
-        </p:txBody>
-      </p:sp>
-      <p:sp>
-        <p:nvSpPr>
-          <p:cNvPr id="77" name="Rectangle 12"/>
-          <p:cNvSpPr>
-            <a:spLocks noChangeArrowheads="1"/>
-          </p:cNvSpPr>
-          <p:nvPr/>
-        </p:nvSpPr>
-        <p:spPr bwMode="black">
-          <a:xfrm>
-            <a:off x="2301009" y="4463320"/>
-            <a:ext cx="4849813" cy="523875"/>
-          </a:xfrm>
-          <a:prstGeom prst="rect">
-            <a:avLst/>
-          </a:prstGeom>
-          <a:noFill/>
-          <a:ln w="9525">
-            <a:noFill/>
-            <a:miter lim="800000"/>
-            <a:headEnd/>
-            <a:tailEnd/>
-          </a:ln>
-        </p:spPr>
-        <p:txBody>
-          <a:bodyPr>
-            <a:spAutoFit/>
-          </a:bodyPr>
-          <a:lstStyle/>
-          <a:p>
-            <a:r>
-              <a:rPr kumimoji="0" lang="en-US" altLang="zh-TW" sz="2800" dirty="0" smtClean="0">
-                <a:latin typeface="標楷體" pitchFamily="65" charset="-120"/>
-                <a:ea typeface="標楷體" pitchFamily="65" charset="-120"/>
-              </a:rPr>
-              <a:t>Experiments</a:t>
-            </a:r>
-            <a:endParaRPr kumimoji="0" lang="en-US" altLang="zh-TW" sz="2800" dirty="0">
-              <a:latin typeface="標楷體" pitchFamily="65" charset="-120"/>
-              <a:ea typeface="標楷體" pitchFamily="65" charset="-120"/>
-            </a:endParaRPr>
-          </a:p>
-        </p:txBody>
-      </p:sp>
-      <p:sp>
-        <p:nvSpPr>
-          <p:cNvPr id="78" name="Line 13"/>
-          <p:cNvSpPr>
-            <a:spLocks noChangeShapeType="1"/>
-          </p:cNvSpPr>
-          <p:nvPr/>
-        </p:nvSpPr>
-        <p:spPr bwMode="black">
-          <a:xfrm>
-            <a:off x="2273300" y="4314076"/>
-            <a:ext cx="4800600" cy="0"/>
-          </a:xfrm>
-          <a:prstGeom prst="line">
-            <a:avLst/>
-          </a:prstGeom>
-          <a:noFill/>
-          <a:ln w="28575" cap="rnd">
-            <a:solidFill>
-              <a:schemeClr val="tx1"/>
-            </a:solidFill>
-            <a:prstDash val="sysDot"/>
-            <a:round/>
-            <a:headEnd/>
-            <a:tailEnd/>
-          </a:ln>
-        </p:spPr>
-        <p:txBody>
-          <a:bodyPr/>
-          <a:lstStyle/>
-          <a:p>
-            <a:endParaRPr lang="zh-TW" altLang="en-US"/>
-          </a:p>
-        </p:txBody>
-      </p:sp>
-      <p:sp>
-        <p:nvSpPr>
-          <p:cNvPr id="79" name="Line 13"/>
-          <p:cNvSpPr>
-            <a:spLocks noChangeShapeType="1"/>
-          </p:cNvSpPr>
-          <p:nvPr/>
-        </p:nvSpPr>
-        <p:spPr bwMode="black">
-          <a:xfrm>
-            <a:off x="2273300" y="4987195"/>
-            <a:ext cx="4800600" cy="0"/>
-          </a:xfrm>
-          <a:prstGeom prst="line">
-            <a:avLst/>
-          </a:prstGeom>
-          <a:noFill/>
-          <a:ln w="28575" cap="rnd">
-            <a:solidFill>
-              <a:schemeClr val="tx1"/>
-            </a:solidFill>
-            <a:prstDash val="sysDot"/>
-            <a:round/>
-            <a:headEnd/>
-            <a:tailEnd/>
-          </a:ln>
-        </p:spPr>
-        <p:txBody>
-          <a:bodyPr/>
-          <a:lstStyle/>
-          <a:p>
-            <a:endParaRPr lang="zh-TW" altLang="en-US"/>
-          </a:p>
-        </p:txBody>
-      </p:sp>
-      <p:sp>
-        <p:nvSpPr>
-          <p:cNvPr id="80" name="Line 13"/>
-          <p:cNvSpPr>
-            <a:spLocks noChangeShapeType="1"/>
-          </p:cNvSpPr>
-          <p:nvPr/>
-        </p:nvSpPr>
-        <p:spPr bwMode="black">
-          <a:xfrm>
-            <a:off x="2273300" y="5663785"/>
-            <a:ext cx="4800600" cy="0"/>
-          </a:xfrm>
-          <a:prstGeom prst="line">
-            <a:avLst/>
-          </a:prstGeom>
-          <a:noFill/>
-          <a:ln w="28575" cap="rnd">
-            <a:solidFill>
-              <a:schemeClr val="tx1"/>
-            </a:solidFill>
-            <a:prstDash val="sysDot"/>
-            <a:round/>
-            <a:headEnd/>
-            <a:tailEnd/>
-          </a:ln>
-        </p:spPr>
-        <p:txBody>
-          <a:bodyPr/>
-          <a:lstStyle/>
-          <a:p>
-            <a:endParaRPr lang="zh-TW" altLang="en-US"/>
-          </a:p>
-        </p:txBody>
-      </p:sp>
-    </p:spTree>
-    <p:extLst>
-      <p:ext uri="{BB962C8B-B14F-4D97-AF65-F5344CB8AC3E}">
-        <p14:creationId xmlns:p14="http://schemas.microsoft.com/office/powerpoint/2010/main" val="146022882"/>
-      </p:ext>
-    </p:extLst>
-  </p:cSld>
-  <p:clrMapOvr>
-    <a:masterClrMapping/>
-  </p:clrMapOvr>
-  <p:transition/>
-  <p:timing>
-    <p:tnLst>
-      <p:par>
-        <p:cTn id="1" dur="indefinite" restart="never" nodeType="tmRoot"/>
-      </p:par>
-    </p:tnLst>
-  </p:timing>
-</p:sld>
-</file>
-
-<file path=ppt/slides/slide50.xml><?xml version="1.0" encoding="utf-8"?>
-<p:sld xmlns:a="http://schemas.openxmlformats.org/drawingml/2006/main" xmlns:r="http://schemas.openxmlformats.org/officeDocument/2006/relationships" xmlns:p="http://schemas.openxmlformats.org/presentationml/2006/main">
-  <p:cSld>
-    <p:spTree>
-      <p:nvGrpSpPr>
-        <p:cNvPr id="1" name=""/>
-        <p:cNvGrpSpPr/>
-        <p:nvPr/>
-      </p:nvGrpSpPr>
-      <p:grpSpPr>
-        <a:xfrm>
-          <a:off x="0" y="0"/>
-          <a:ext cx="0" cy="0"/>
-          <a:chOff x="0" y="0"/>
-          <a:chExt cx="0" cy="0"/>
-        </a:xfrm>
-      </p:grpSpPr>
-      <p:sp>
-        <p:nvSpPr>
-          <p:cNvPr id="2" name="標題 1"/>
-          <p:cNvSpPr>
-            <a:spLocks noGrp="1"/>
-          </p:cNvSpPr>
-          <p:nvPr>
-            <p:ph type="title"/>
-          </p:nvPr>
-        </p:nvSpPr>
-        <p:spPr/>
-        <p:txBody>
-          <a:bodyPr/>
-          <a:lstStyle/>
-          <a:p>
-            <a:r>
-              <a:rPr lang="en-US" altLang="zh-TW" dirty="0" smtClean="0"/>
-              <a:t>Experiment 3</a:t>
-            </a:r>
-            <a:endParaRPr lang="zh-TW" altLang="en-US" dirty="0"/>
-          </a:p>
-        </p:txBody>
-      </p:sp>
-      <p:sp>
-        <p:nvSpPr>
-          <p:cNvPr id="5" name="投影片編號版面配置區 4"/>
-          <p:cNvSpPr>
-            <a:spLocks noGrp="1"/>
-          </p:cNvSpPr>
-          <p:nvPr>
-            <p:ph type="sldNum" sz="quarter" idx="12"/>
-          </p:nvPr>
-        </p:nvSpPr>
-        <p:spPr/>
-        <p:txBody>
-          <a:bodyPr/>
-          <a:lstStyle/>
-          <a:p>
-            <a:pPr>
-              <a:defRPr/>
-            </a:pPr>
-            <a:fld id="{7823135A-D7F7-45E8-89D0-FF7E75BBDD99}" type="slidenum">
-              <a:rPr lang="en-US" altLang="zh-TW" smtClean="0"/>
-              <a:pPr>
-                <a:defRPr/>
-              </a:pPr>
-              <a:t>50</a:t>
-            </a:fld>
-            <a:endParaRPr lang="en-US" altLang="zh-TW"/>
-          </a:p>
-        </p:txBody>
-      </p:sp>
-      <p:pic>
-        <p:nvPicPr>
-          <p:cNvPr id="7170" name="Picture 2"/>
-          <p:cNvPicPr>
-            <a:picLocks noChangeAspect="1" noChangeArrowheads="1"/>
-          </p:cNvPicPr>
-          <p:nvPr/>
-        </p:nvPicPr>
-        <p:blipFill>
-          <a:blip r:embed="rId2">
-            <a:extLst>
-              <a:ext uri="{28A0092B-C50C-407E-A947-70E740481C1C}">
-                <a14:useLocalDpi xmlns:a14="http://schemas.microsoft.com/office/drawing/2010/main" val="0"/>
-              </a:ext>
-            </a:extLst>
-          </a:blip>
-          <a:srcRect/>
-          <a:stretch>
-            <a:fillRect/>
-          </a:stretch>
-        </p:blipFill>
-        <p:spPr bwMode="auto">
-          <a:xfrm>
-            <a:off x="1347801" y="980727"/>
-            <a:ext cx="6392551" cy="5080873"/>
-          </a:xfrm>
-          <a:prstGeom prst="rect">
-            <a:avLst/>
-          </a:prstGeom>
-          <a:noFill/>
-          <a:ln>
-            <a:noFill/>
-          </a:ln>
-          <a:extLst>
-            <a:ext uri="{909E8E84-426E-40DD-AFC4-6F175D3DCCD1}">
-              <a14:hiddenFill xmlns:a14="http://schemas.microsoft.com/office/drawing/2010/main">
-                <a:solidFill>
-                  <a:schemeClr val="accent1"/>
-                </a:solidFill>
-              </a14:hiddenFill>
-            </a:ext>
-            <a:ext uri="{91240B29-F687-4F45-9708-019B960494DF}">
-              <a14:hiddenLine xmlns:a14="http://schemas.microsoft.com/office/drawing/2010/main" w="9525">
-                <a:solidFill>
-                  <a:schemeClr val="tx1"/>
-                </a:solidFill>
-                <a:miter lim="800000"/>
-                <a:headEnd/>
-                <a:tailEnd/>
-              </a14:hiddenLine>
-            </a:ext>
-          </a:extLst>
-        </p:spPr>
-      </p:pic>
-      <p:sp>
-        <p:nvSpPr>
-          <p:cNvPr id="6" name="頁尾版面配置區 5"/>
-          <p:cNvSpPr>
-            <a:spLocks noGrp="1"/>
-          </p:cNvSpPr>
-          <p:nvPr>
-            <p:ph type="ftr" sz="quarter" idx="11"/>
-          </p:nvPr>
-        </p:nvSpPr>
-        <p:spPr>
-          <a:xfrm>
-            <a:off x="5943600" y="6512768"/>
-            <a:ext cx="2895600" cy="228600"/>
-          </a:xfrm>
-        </p:spPr>
-        <p:txBody>
-          <a:bodyPr/>
-          <a:lstStyle/>
-          <a:p>
-            <a:pPr>
-              <a:defRPr/>
-            </a:pPr>
-            <a:r>
-              <a:rPr lang="en-US" altLang="zh-TW" dirty="0" smtClean="0"/>
-              <a:t>Performance Evaluation 2016 Spring</a:t>
-            </a:r>
-            <a:endParaRPr lang="en-US" altLang="zh-TW" dirty="0"/>
-          </a:p>
-        </p:txBody>
-      </p:sp>
-    </p:spTree>
-    <p:extLst>
-      <p:ext uri="{BB962C8B-B14F-4D97-AF65-F5344CB8AC3E}">
-        <p14:creationId xmlns:p14="http://schemas.microsoft.com/office/powerpoint/2010/main" val="1517137450"/>
-      </p:ext>
-    </p:extLst>
-  </p:cSld>
-  <p:clrMapOvr>
-    <a:masterClrMapping/>
-  </p:clrMapOvr>
-  <p:timing>
-    <p:tnLst>
-      <p:par>
-        <p:cTn id="1" dur="indefinite" restart="never" nodeType="tmRoot"/>
-      </p:par>
-    </p:tnLst>
-  </p:timing>
-</p:sld>
-</file>
-
-<file path=ppt/slides/slide51.xml><?xml version="1.0" encoding="utf-8"?>
-<p:sld xmlns:a="http://schemas.openxmlformats.org/drawingml/2006/main" xmlns:r="http://schemas.openxmlformats.org/officeDocument/2006/relationships" xmlns:p="http://schemas.openxmlformats.org/presentationml/2006/main">
-  <p:cSld>
-    <p:spTree>
-      <p:nvGrpSpPr>
-        <p:cNvPr id="1" name=""/>
-        <p:cNvGrpSpPr/>
-        <p:nvPr/>
-      </p:nvGrpSpPr>
-      <p:grpSpPr>
-        <a:xfrm>
-          <a:off x="0" y="0"/>
-          <a:ext cx="0" cy="0"/>
-          <a:chOff x="0" y="0"/>
-          <a:chExt cx="0" cy="0"/>
-        </a:xfrm>
-      </p:grpSpPr>
-      <p:sp>
-        <p:nvSpPr>
-          <p:cNvPr id="21506" name="標題 1"/>
-          <p:cNvSpPr>
-            <a:spLocks noGrp="1"/>
-          </p:cNvSpPr>
-          <p:nvPr>
-            <p:ph type="title"/>
-          </p:nvPr>
-        </p:nvSpPr>
-        <p:spPr/>
-        <p:txBody>
-          <a:bodyPr/>
-          <a:lstStyle/>
-          <a:p>
-            <a:pPr eaLnBrk="1" hangingPunct="1"/>
-            <a:r>
-              <a:rPr lang="en-US" altLang="zh-TW" dirty="0" smtClean="0"/>
-              <a:t>Outline</a:t>
-            </a:r>
-            <a:endParaRPr lang="zh-TW" altLang="en-US" dirty="0" smtClean="0"/>
-          </a:p>
-        </p:txBody>
-      </p:sp>
-      <p:sp>
-        <p:nvSpPr>
-          <p:cNvPr id="5" name="投影片編號版面配置區 4"/>
-          <p:cNvSpPr>
-            <a:spLocks noGrp="1"/>
-          </p:cNvSpPr>
-          <p:nvPr>
-            <p:ph type="sldNum" sz="quarter" idx="12"/>
-          </p:nvPr>
-        </p:nvSpPr>
-        <p:spPr/>
-        <p:txBody>
-          <a:bodyPr/>
-          <a:lstStyle/>
-          <a:p>
-            <a:pPr>
-              <a:defRPr/>
-            </a:pPr>
-            <a:fld id="{A1A99DF8-EE35-4789-BEAE-6FED5ECB28A0}" type="slidenum">
-              <a:rPr lang="zh-TW" altLang="en-US" smtClean="0"/>
-              <a:pPr>
-                <a:defRPr/>
-              </a:pPr>
-              <a:t>51</a:t>
-            </a:fld>
-            <a:endParaRPr lang="zh-TW" altLang="en-US"/>
-          </a:p>
-        </p:txBody>
-      </p:sp>
-      <p:sp>
-        <p:nvSpPr>
-          <p:cNvPr id="21510" name="Line 4"/>
-          <p:cNvSpPr>
-            <a:spLocks noChangeShapeType="1"/>
-          </p:cNvSpPr>
-          <p:nvPr/>
-        </p:nvSpPr>
-        <p:spPr bwMode="black">
-          <a:xfrm>
-            <a:off x="2273300" y="2317750"/>
-            <a:ext cx="4800600" cy="0"/>
-          </a:xfrm>
-          <a:prstGeom prst="line">
-            <a:avLst/>
-          </a:prstGeom>
-          <a:noFill/>
-          <a:ln w="28575" cap="rnd">
-            <a:solidFill>
-              <a:schemeClr val="tx1"/>
-            </a:solidFill>
-            <a:prstDash val="sysDot"/>
-            <a:round/>
-            <a:headEnd/>
-            <a:tailEnd/>
-          </a:ln>
-        </p:spPr>
-        <p:txBody>
-          <a:bodyPr/>
-          <a:lstStyle/>
-          <a:p>
-            <a:endParaRPr lang="zh-TW" altLang="en-US"/>
-          </a:p>
-        </p:txBody>
-      </p:sp>
-      <p:sp>
-        <p:nvSpPr>
-          <p:cNvPr id="21511" name="Rectangle 8"/>
-          <p:cNvSpPr>
-            <a:spLocks noChangeArrowheads="1"/>
-          </p:cNvSpPr>
-          <p:nvPr/>
-        </p:nvSpPr>
-        <p:spPr bwMode="black">
-          <a:xfrm>
-            <a:off x="2320925" y="1844675"/>
-            <a:ext cx="5131395" cy="523220"/>
-          </a:xfrm>
-          <a:prstGeom prst="rect">
-            <a:avLst/>
-          </a:prstGeom>
-          <a:noFill/>
-          <a:ln w="9525">
-            <a:noFill/>
-            <a:miter lim="800000"/>
-            <a:headEnd/>
-            <a:tailEnd/>
-          </a:ln>
-        </p:spPr>
-        <p:txBody>
-          <a:bodyPr wrap="square">
-            <a:spAutoFit/>
-          </a:bodyPr>
-          <a:lstStyle/>
-          <a:p>
-            <a:r>
-              <a:rPr kumimoji="0" lang="en-US" altLang="zh-TW" sz="2800" dirty="0" smtClean="0">
-                <a:latin typeface="標楷體" pitchFamily="65" charset="-120"/>
-                <a:ea typeface="標楷體" pitchFamily="65" charset="-120"/>
-              </a:rPr>
-              <a:t>Introduction to P2P network</a:t>
-            </a:r>
-            <a:endParaRPr kumimoji="0" lang="en-US" altLang="zh-TW" sz="2800" dirty="0">
-              <a:latin typeface="標楷體" pitchFamily="65" charset="-120"/>
-              <a:ea typeface="標楷體" pitchFamily="65" charset="-120"/>
-            </a:endParaRPr>
-          </a:p>
-        </p:txBody>
-      </p:sp>
-      <p:sp>
-        <p:nvSpPr>
-          <p:cNvPr id="21514" name="Line 11"/>
-          <p:cNvSpPr>
-            <a:spLocks noChangeShapeType="1"/>
-          </p:cNvSpPr>
-          <p:nvPr/>
-        </p:nvSpPr>
-        <p:spPr bwMode="black">
-          <a:xfrm>
-            <a:off x="2273300" y="2939347"/>
-            <a:ext cx="4800600" cy="0"/>
-          </a:xfrm>
-          <a:prstGeom prst="line">
-            <a:avLst/>
-          </a:prstGeom>
-          <a:noFill/>
-          <a:ln w="28575" cap="rnd">
-            <a:solidFill>
-              <a:schemeClr val="tx1"/>
-            </a:solidFill>
-            <a:prstDash val="sysDot"/>
-            <a:round/>
-            <a:headEnd/>
-            <a:tailEnd/>
-          </a:ln>
-        </p:spPr>
-        <p:txBody>
-          <a:bodyPr/>
-          <a:lstStyle/>
-          <a:p>
-            <a:endParaRPr lang="zh-TW" altLang="en-US"/>
-          </a:p>
-        </p:txBody>
-      </p:sp>
-      <p:sp>
-        <p:nvSpPr>
-          <p:cNvPr id="21515" name="Rectangle 12"/>
-          <p:cNvSpPr>
-            <a:spLocks noChangeArrowheads="1"/>
-          </p:cNvSpPr>
-          <p:nvPr/>
-        </p:nvSpPr>
-        <p:spPr bwMode="black">
-          <a:xfrm>
-            <a:off x="2320925" y="2467860"/>
-            <a:ext cx="4849813" cy="523875"/>
-          </a:xfrm>
-          <a:prstGeom prst="rect">
-            <a:avLst/>
-          </a:prstGeom>
-          <a:noFill/>
-          <a:ln w="9525">
-            <a:noFill/>
-            <a:miter lim="800000"/>
-            <a:headEnd/>
-            <a:tailEnd/>
-          </a:ln>
-        </p:spPr>
-        <p:txBody>
-          <a:bodyPr>
-            <a:spAutoFit/>
-          </a:bodyPr>
-          <a:lstStyle/>
-          <a:p>
-            <a:r>
-              <a:rPr kumimoji="0" lang="en-US" altLang="zh-TW" sz="2800" dirty="0" smtClean="0">
-                <a:latin typeface="標楷體" pitchFamily="65" charset="-120"/>
-                <a:ea typeface="標楷體" pitchFamily="65" charset="-120"/>
-              </a:rPr>
-              <a:t>Introduction to </a:t>
-            </a:r>
-            <a:r>
-              <a:rPr kumimoji="0" lang="en-US" altLang="zh-TW" sz="2800" dirty="0" err="1" smtClean="0">
-                <a:latin typeface="標楷體" pitchFamily="65" charset="-120"/>
-                <a:ea typeface="標楷體" pitchFamily="65" charset="-120"/>
-              </a:rPr>
-              <a:t>BitTorrent</a:t>
-            </a:r>
-            <a:endParaRPr kumimoji="0" lang="en-US" altLang="zh-TW" sz="2800" dirty="0">
-              <a:latin typeface="標楷體" pitchFamily="65" charset="-120"/>
-              <a:ea typeface="標楷體" pitchFamily="65" charset="-120"/>
-            </a:endParaRPr>
-          </a:p>
-        </p:txBody>
-      </p:sp>
-      <p:sp>
-        <p:nvSpPr>
-          <p:cNvPr id="21516" name="Line 13"/>
-          <p:cNvSpPr>
-            <a:spLocks noChangeShapeType="1"/>
-          </p:cNvSpPr>
-          <p:nvPr/>
-        </p:nvSpPr>
-        <p:spPr bwMode="black">
-          <a:xfrm>
-            <a:off x="2273300" y="3593397"/>
-            <a:ext cx="4800600" cy="0"/>
-          </a:xfrm>
-          <a:prstGeom prst="line">
-            <a:avLst/>
-          </a:prstGeom>
-          <a:noFill/>
-          <a:ln w="28575" cap="rnd">
-            <a:solidFill>
-              <a:schemeClr val="tx1"/>
-            </a:solidFill>
-            <a:prstDash val="sysDot"/>
-            <a:round/>
-            <a:headEnd/>
-            <a:tailEnd/>
-          </a:ln>
-        </p:spPr>
-        <p:txBody>
-          <a:bodyPr/>
-          <a:lstStyle/>
-          <a:p>
-            <a:endParaRPr lang="zh-TW" altLang="en-US"/>
-          </a:p>
-        </p:txBody>
-      </p:sp>
-      <p:sp>
-        <p:nvSpPr>
-          <p:cNvPr id="21517" name="Rectangle 14"/>
-          <p:cNvSpPr>
-            <a:spLocks noChangeArrowheads="1"/>
-          </p:cNvSpPr>
-          <p:nvPr/>
-        </p:nvSpPr>
-        <p:spPr bwMode="black">
-          <a:xfrm>
-            <a:off x="2320925" y="3125085"/>
-            <a:ext cx="4849813" cy="954107"/>
-          </a:xfrm>
-          <a:prstGeom prst="rect">
-            <a:avLst/>
-          </a:prstGeom>
-          <a:noFill/>
-          <a:ln w="9525">
-            <a:noFill/>
-            <a:miter lim="800000"/>
-            <a:headEnd/>
-            <a:tailEnd/>
-          </a:ln>
-        </p:spPr>
-        <p:txBody>
-          <a:bodyPr>
-            <a:spAutoFit/>
-          </a:bodyPr>
-          <a:lstStyle/>
-          <a:p>
-            <a:r>
-              <a:rPr kumimoji="0" lang="en-US" altLang="zh-TW" sz="2800" dirty="0" smtClean="0">
-                <a:latin typeface="標楷體" pitchFamily="65" charset="-120"/>
-                <a:ea typeface="標楷體" pitchFamily="65" charset="-120"/>
-              </a:rPr>
-              <a:t>A simple fluid model</a:t>
-            </a:r>
-          </a:p>
-          <a:p>
-            <a:endParaRPr kumimoji="0" lang="en-US" altLang="zh-TW" sz="2800" dirty="0">
-              <a:latin typeface="標楷體" pitchFamily="65" charset="-120"/>
-              <a:ea typeface="標楷體" pitchFamily="65" charset="-120"/>
-            </a:endParaRPr>
-          </a:p>
-        </p:txBody>
-      </p:sp>
-      <p:grpSp>
-        <p:nvGrpSpPr>
-          <p:cNvPr id="21518" name="Group 94"/>
-          <p:cNvGrpSpPr>
-            <a:grpSpLocks/>
-          </p:cNvGrpSpPr>
-          <p:nvPr/>
-        </p:nvGrpSpPr>
-        <p:grpSpPr bwMode="auto">
-          <a:xfrm>
-            <a:off x="1979613" y="1936750"/>
-            <a:ext cx="222250" cy="220663"/>
-            <a:chOff x="2543" y="1006"/>
-            <a:chExt cx="416" cy="416"/>
-          </a:xfrm>
-        </p:grpSpPr>
-        <p:sp>
-          <p:nvSpPr>
-            <p:cNvPr id="17" name="Oval 52"/>
-            <p:cNvSpPr>
-              <a:spLocks noChangeArrowheads="1"/>
-            </p:cNvSpPr>
-            <p:nvPr/>
-          </p:nvSpPr>
-          <p:spPr bwMode="gray">
-            <a:xfrm>
-              <a:off x="2543" y="1006"/>
-              <a:ext cx="416" cy="416"/>
-            </a:xfrm>
-            <a:prstGeom prst="ellipse">
-              <a:avLst/>
-            </a:prstGeom>
-            <a:gradFill rotWithShape="1">
-              <a:gsLst>
-                <a:gs pos="0">
-                  <a:srgbClr val="FFFFFF">
-                    <a:gamma/>
-                    <a:shade val="54118"/>
-                    <a:invGamma/>
-                  </a:srgbClr>
-                </a:gs>
-                <a:gs pos="50000">
-                  <a:srgbClr val="FFFFFF"/>
-                </a:gs>
-                <a:gs pos="100000">
-                  <a:srgbClr val="FFFFFF">
-                    <a:gamma/>
-                    <a:shade val="54118"/>
-                    <a:invGamma/>
-                  </a:srgbClr>
-                </a:gs>
-              </a:gsLst>
-              <a:lin ang="18900000" scaled="1"/>
-            </a:gradFill>
-            <a:ln w="9525">
-              <a:solidFill>
-                <a:srgbClr val="DDDDDD"/>
-              </a:solidFill>
-              <a:round/>
-              <a:headEnd/>
-              <a:tailEnd/>
-            </a:ln>
-            <a:effectLst>
-              <a:outerShdw dist="35921" dir="2700000" algn="ctr" rotWithShape="0">
-                <a:schemeClr val="bg2">
-                  <a:alpha val="50000"/>
-                </a:schemeClr>
-              </a:outerShdw>
-            </a:effectLst>
-          </p:spPr>
-          <p:txBody>
-            <a:bodyPr wrap="none" anchor="ctr"/>
-            <a:lstStyle/>
-            <a:p>
-              <a:pPr>
-                <a:defRPr/>
-              </a:pPr>
-              <a:endParaRPr kumimoji="0" lang="zh-TW" altLang="en-US"/>
-            </a:p>
-          </p:txBody>
-        </p:sp>
-        <p:grpSp>
-          <p:nvGrpSpPr>
-            <p:cNvPr id="21558" name="Group 53"/>
-            <p:cNvGrpSpPr>
-              <a:grpSpLocks/>
-            </p:cNvGrpSpPr>
-            <p:nvPr/>
-          </p:nvGrpSpPr>
-          <p:grpSpPr bwMode="auto">
-            <a:xfrm rot="-2288454">
-              <a:off x="2578" y="1034"/>
-              <a:ext cx="348" cy="356"/>
-              <a:chOff x="887" y="2040"/>
-              <a:chExt cx="433" cy="422"/>
-            </a:xfrm>
-          </p:grpSpPr>
-          <p:pic>
-            <p:nvPicPr>
-              <p:cNvPr id="21560" name="Picture 54" descr="circuler_1"/>
-              <p:cNvPicPr>
-                <a:picLocks noChangeAspect="1" noChangeArrowheads="1"/>
-              </p:cNvPicPr>
-              <p:nvPr/>
-            </p:nvPicPr>
-            <p:blipFill>
-              <a:blip r:embed="rId2" cstate="print"/>
-              <a:srcRect/>
-              <a:stretch>
-                <a:fillRect/>
-              </a:stretch>
-            </p:blipFill>
-            <p:spPr bwMode="gray">
-              <a:xfrm>
-                <a:off x="887" y="2040"/>
-                <a:ext cx="430" cy="420"/>
-              </a:xfrm>
-              <a:prstGeom prst="rect">
-                <a:avLst/>
-              </a:prstGeom>
-              <a:noFill/>
-              <a:ln w="9525">
-                <a:noFill/>
-                <a:miter lim="800000"/>
-                <a:headEnd/>
-                <a:tailEnd/>
-              </a:ln>
-            </p:spPr>
-          </p:pic>
-          <p:sp>
-            <p:nvSpPr>
-              <p:cNvPr id="21" name="Oval 55"/>
-              <p:cNvSpPr>
-                <a:spLocks noChangeArrowheads="1"/>
-              </p:cNvSpPr>
-              <p:nvPr/>
-            </p:nvSpPr>
-            <p:spPr bwMode="gray">
-              <a:xfrm>
-                <a:off x="888" y="2039"/>
-                <a:ext cx="433" cy="422"/>
-              </a:xfrm>
-              <a:prstGeom prst="ellipse">
-                <a:avLst/>
-              </a:prstGeom>
-              <a:gradFill rotWithShape="1">
-                <a:gsLst>
-                  <a:gs pos="0">
-                    <a:schemeClr val="accent1">
-                      <a:gamma/>
-                      <a:shade val="34902"/>
-                      <a:invGamma/>
-                      <a:alpha val="89999"/>
-                    </a:schemeClr>
-                  </a:gs>
-                  <a:gs pos="50000">
-                    <a:schemeClr val="accent1">
-                      <a:alpha val="75000"/>
-                    </a:schemeClr>
-                  </a:gs>
-                  <a:gs pos="100000">
-                    <a:schemeClr val="accent1">
-                      <a:gamma/>
-                      <a:shade val="34902"/>
-                      <a:invGamma/>
-                      <a:alpha val="89999"/>
-                    </a:schemeClr>
-                  </a:gs>
-                </a:gsLst>
-                <a:lin ang="18900000" scaled="1"/>
-              </a:gradFill>
-              <a:ln w="9525" algn="ctr">
-                <a:noFill/>
-                <a:round/>
-                <a:headEnd/>
-                <a:tailEnd/>
-              </a:ln>
-              <a:effectLst/>
-            </p:spPr>
-            <p:txBody>
-              <a:bodyPr wrap="none" anchor="ctr"/>
-              <a:lstStyle/>
-              <a:p>
-                <a:pPr>
-                  <a:defRPr/>
-                </a:pPr>
-                <a:endParaRPr kumimoji="0" lang="zh-TW" altLang="en-US"/>
-              </a:p>
-            </p:txBody>
-          </p:sp>
-          <p:pic>
-            <p:nvPicPr>
-              <p:cNvPr id="21562" name="Picture 56" descr="Picture2"/>
-              <p:cNvPicPr>
-                <a:picLocks noChangeAspect="1" noChangeArrowheads="1"/>
-              </p:cNvPicPr>
-              <p:nvPr/>
-            </p:nvPicPr>
-            <p:blipFill>
-              <a:blip r:embed="rId3" cstate="print"/>
-              <a:srcRect/>
-              <a:stretch>
-                <a:fillRect/>
-              </a:stretch>
-            </p:blipFill>
-            <p:spPr bwMode="gray">
-              <a:xfrm>
-                <a:off x="930" y="2044"/>
-                <a:ext cx="345" cy="149"/>
-              </a:xfrm>
-              <a:prstGeom prst="rect">
-                <a:avLst/>
-              </a:prstGeom>
-              <a:noFill/>
-              <a:ln w="9525">
-                <a:noFill/>
-                <a:miter lim="800000"/>
-                <a:headEnd/>
-                <a:tailEnd/>
-              </a:ln>
-            </p:spPr>
-          </p:pic>
-        </p:grpSp>
-        <p:pic>
-          <p:nvPicPr>
-            <p:cNvPr id="21559" name="Picture 57"/>
-            <p:cNvPicPr>
-              <a:picLocks noChangeAspect="1" noChangeArrowheads="1"/>
-            </p:cNvPicPr>
-            <p:nvPr/>
-          </p:nvPicPr>
-          <p:blipFill>
-            <a:blip r:embed="rId4" cstate="print"/>
-            <a:srcRect l="12015" t="9302" r="12404" b="12598"/>
-            <a:stretch>
-              <a:fillRect/>
-            </a:stretch>
-          </p:blipFill>
-          <p:spPr bwMode="gray">
-            <a:xfrm>
-              <a:off x="2570" y="1020"/>
-              <a:ext cx="359" cy="370"/>
-            </a:xfrm>
-            <a:prstGeom prst="rect">
-              <a:avLst/>
-            </a:prstGeom>
-            <a:noFill/>
-            <a:ln w="9525">
-              <a:noFill/>
-              <a:miter lim="800000"/>
-              <a:headEnd/>
-              <a:tailEnd/>
-            </a:ln>
-          </p:spPr>
-        </p:pic>
-      </p:grpSp>
-      <p:grpSp>
-        <p:nvGrpSpPr>
-          <p:cNvPr id="21520" name="Group 91"/>
-          <p:cNvGrpSpPr>
-            <a:grpSpLocks/>
-          </p:cNvGrpSpPr>
-          <p:nvPr/>
-        </p:nvGrpSpPr>
-        <p:grpSpPr bwMode="auto">
-          <a:xfrm>
-            <a:off x="1997619" y="3329596"/>
-            <a:ext cx="222250" cy="222250"/>
-            <a:chOff x="4213" y="1006"/>
-            <a:chExt cx="416" cy="416"/>
-          </a:xfrm>
-        </p:grpSpPr>
-        <p:sp>
-          <p:nvSpPr>
-            <p:cNvPr id="38" name="Oval 72"/>
-            <p:cNvSpPr>
-              <a:spLocks noChangeArrowheads="1"/>
-            </p:cNvSpPr>
-            <p:nvPr/>
-          </p:nvSpPr>
-          <p:spPr bwMode="gray">
-            <a:xfrm>
-              <a:off x="4213" y="1006"/>
-              <a:ext cx="416" cy="416"/>
-            </a:xfrm>
-            <a:prstGeom prst="ellipse">
-              <a:avLst/>
-            </a:prstGeom>
-            <a:gradFill rotWithShape="1">
-              <a:gsLst>
-                <a:gs pos="0">
-                  <a:srgbClr val="FFFFFF">
-                    <a:gamma/>
-                    <a:shade val="54118"/>
-                    <a:invGamma/>
-                  </a:srgbClr>
-                </a:gs>
-                <a:gs pos="50000">
-                  <a:srgbClr val="FFFFFF"/>
-                </a:gs>
-                <a:gs pos="100000">
-                  <a:srgbClr val="FFFFFF">
-                    <a:gamma/>
-                    <a:shade val="54118"/>
-                    <a:invGamma/>
-                  </a:srgbClr>
-                </a:gs>
-              </a:gsLst>
-              <a:lin ang="18900000" scaled="1"/>
-            </a:gradFill>
-            <a:ln w="9525">
-              <a:solidFill>
-                <a:srgbClr val="DDDDDD"/>
-              </a:solidFill>
-              <a:round/>
-              <a:headEnd/>
-              <a:tailEnd/>
-            </a:ln>
-            <a:effectLst>
-              <a:outerShdw dist="35921" dir="2700000" algn="ctr" rotWithShape="0">
-                <a:schemeClr val="bg2">
-                  <a:alpha val="50000"/>
-                </a:schemeClr>
-              </a:outerShdw>
-            </a:effectLst>
-          </p:spPr>
-          <p:txBody>
-            <a:bodyPr wrap="none" anchor="ctr"/>
-            <a:lstStyle/>
-            <a:p>
-              <a:pPr>
-                <a:defRPr/>
-              </a:pPr>
-              <a:endParaRPr kumimoji="0" lang="zh-TW" altLang="en-US"/>
-            </a:p>
-          </p:txBody>
-        </p:sp>
-        <p:grpSp>
-          <p:nvGrpSpPr>
-            <p:cNvPr id="21546" name="Group 73"/>
-            <p:cNvGrpSpPr>
-              <a:grpSpLocks/>
-            </p:cNvGrpSpPr>
-            <p:nvPr/>
-          </p:nvGrpSpPr>
-          <p:grpSpPr bwMode="auto">
-            <a:xfrm rot="-2288454">
-              <a:off x="4248" y="1034"/>
-              <a:ext cx="348" cy="356"/>
-              <a:chOff x="887" y="2040"/>
-              <a:chExt cx="433" cy="422"/>
-            </a:xfrm>
-          </p:grpSpPr>
-          <p:pic>
-            <p:nvPicPr>
-              <p:cNvPr id="21548" name="Picture 74" descr="circuler_1"/>
-              <p:cNvPicPr>
-                <a:picLocks noChangeAspect="1" noChangeArrowheads="1"/>
-              </p:cNvPicPr>
-              <p:nvPr/>
-            </p:nvPicPr>
-            <p:blipFill>
-              <a:blip r:embed="rId5" cstate="print"/>
-              <a:srcRect/>
-              <a:stretch>
-                <a:fillRect/>
-              </a:stretch>
-            </p:blipFill>
-            <p:spPr bwMode="gray">
-              <a:xfrm>
-                <a:off x="887" y="2040"/>
-                <a:ext cx="430" cy="420"/>
-              </a:xfrm>
-              <a:prstGeom prst="rect">
-                <a:avLst/>
-              </a:prstGeom>
-              <a:noFill/>
-              <a:ln w="9525">
-                <a:noFill/>
-                <a:miter lim="800000"/>
-                <a:headEnd/>
-                <a:tailEnd/>
-              </a:ln>
-            </p:spPr>
-          </p:pic>
-          <p:sp>
-            <p:nvSpPr>
-              <p:cNvPr id="42" name="Oval 75"/>
-              <p:cNvSpPr>
-                <a:spLocks noChangeArrowheads="1"/>
-              </p:cNvSpPr>
-              <p:nvPr/>
-            </p:nvSpPr>
-            <p:spPr bwMode="gray">
-              <a:xfrm>
-                <a:off x="888" y="2039"/>
-                <a:ext cx="433" cy="423"/>
-              </a:xfrm>
-              <a:prstGeom prst="ellipse">
-                <a:avLst/>
-              </a:prstGeom>
-              <a:gradFill rotWithShape="1">
-                <a:gsLst>
-                  <a:gs pos="0">
-                    <a:schemeClr val="folHlink">
-                      <a:gamma/>
-                      <a:shade val="34902"/>
-                      <a:invGamma/>
-                      <a:alpha val="89999"/>
-                    </a:schemeClr>
-                  </a:gs>
-                  <a:gs pos="50000">
-                    <a:schemeClr val="folHlink">
-                      <a:alpha val="75000"/>
-                    </a:schemeClr>
-                  </a:gs>
-                  <a:gs pos="100000">
-                    <a:schemeClr val="folHlink">
-                      <a:gamma/>
-                      <a:shade val="34902"/>
-                      <a:invGamma/>
-                      <a:alpha val="89999"/>
-                    </a:schemeClr>
-                  </a:gs>
-                </a:gsLst>
-                <a:lin ang="18900000" scaled="1"/>
-              </a:gradFill>
-              <a:ln w="9525" algn="ctr">
-                <a:noFill/>
-                <a:round/>
-                <a:headEnd/>
-                <a:tailEnd/>
-              </a:ln>
-              <a:effectLst/>
-            </p:spPr>
-            <p:txBody>
-              <a:bodyPr wrap="none" anchor="ctr"/>
-              <a:lstStyle/>
-              <a:p>
-                <a:pPr>
-                  <a:defRPr/>
-                </a:pPr>
-                <a:endParaRPr kumimoji="0" lang="zh-TW" altLang="en-US"/>
-              </a:p>
-            </p:txBody>
-          </p:sp>
-          <p:pic>
-            <p:nvPicPr>
-              <p:cNvPr id="21550" name="Picture 76" descr="Picture2"/>
-              <p:cNvPicPr>
-                <a:picLocks noChangeAspect="1" noChangeArrowheads="1"/>
-              </p:cNvPicPr>
-              <p:nvPr/>
-            </p:nvPicPr>
-            <p:blipFill>
-              <a:blip r:embed="rId3" cstate="print"/>
-              <a:srcRect/>
-              <a:stretch>
-                <a:fillRect/>
-              </a:stretch>
-            </p:blipFill>
-            <p:spPr bwMode="gray">
-              <a:xfrm>
-                <a:off x="930" y="2044"/>
-                <a:ext cx="345" cy="149"/>
-              </a:xfrm>
-              <a:prstGeom prst="rect">
-                <a:avLst/>
-              </a:prstGeom>
-              <a:noFill/>
-              <a:ln w="9525">
-                <a:noFill/>
-                <a:miter lim="800000"/>
-                <a:headEnd/>
-                <a:tailEnd/>
-              </a:ln>
-            </p:spPr>
-          </p:pic>
-        </p:grpSp>
-        <p:pic>
-          <p:nvPicPr>
-            <p:cNvPr id="21547" name="Picture 88"/>
-            <p:cNvPicPr>
-              <a:picLocks noChangeAspect="1" noChangeArrowheads="1"/>
-            </p:cNvPicPr>
-            <p:nvPr/>
-          </p:nvPicPr>
-          <p:blipFill>
-            <a:blip r:embed="rId6" cstate="print"/>
-            <a:srcRect l="12015" t="9302" r="12404" b="12598"/>
-            <a:stretch>
-              <a:fillRect/>
-            </a:stretch>
-          </p:blipFill>
-          <p:spPr bwMode="gray">
-            <a:xfrm>
-              <a:off x="4240" y="1020"/>
-              <a:ext cx="359" cy="370"/>
-            </a:xfrm>
-            <a:prstGeom prst="rect">
-              <a:avLst/>
-            </a:prstGeom>
-            <a:noFill/>
-            <a:ln w="9525">
-              <a:noFill/>
-              <a:miter lim="800000"/>
-              <a:headEnd/>
-              <a:tailEnd/>
-            </a:ln>
-          </p:spPr>
-        </p:pic>
-      </p:grpSp>
-      <p:grpSp>
-        <p:nvGrpSpPr>
-          <p:cNvPr id="21525" name="Group 90"/>
-          <p:cNvGrpSpPr>
-            <a:grpSpLocks/>
-          </p:cNvGrpSpPr>
-          <p:nvPr/>
-        </p:nvGrpSpPr>
-        <p:grpSpPr bwMode="auto">
-          <a:xfrm>
-            <a:off x="1979613" y="2585335"/>
-            <a:ext cx="222250" cy="222250"/>
-            <a:chOff x="4803" y="1006"/>
-            <a:chExt cx="416" cy="416"/>
-          </a:xfrm>
-        </p:grpSpPr>
-        <p:sp>
-          <p:nvSpPr>
-            <p:cNvPr id="61" name="Oval 81"/>
-            <p:cNvSpPr>
-              <a:spLocks noChangeArrowheads="1"/>
-            </p:cNvSpPr>
-            <p:nvPr/>
-          </p:nvSpPr>
-          <p:spPr bwMode="gray">
-            <a:xfrm>
-              <a:off x="4803" y="1006"/>
-              <a:ext cx="416" cy="416"/>
-            </a:xfrm>
-            <a:prstGeom prst="ellipse">
-              <a:avLst/>
-            </a:prstGeom>
-            <a:gradFill rotWithShape="1">
-              <a:gsLst>
-                <a:gs pos="0">
-                  <a:srgbClr val="FFFFFF">
-                    <a:gamma/>
-                    <a:shade val="54118"/>
-                    <a:invGamma/>
-                  </a:srgbClr>
-                </a:gs>
-                <a:gs pos="50000">
-                  <a:srgbClr val="FFFFFF"/>
-                </a:gs>
-                <a:gs pos="100000">
-                  <a:srgbClr val="FFFFFF">
-                    <a:gamma/>
-                    <a:shade val="54118"/>
-                    <a:invGamma/>
-                  </a:srgbClr>
-                </a:gs>
-              </a:gsLst>
-              <a:lin ang="18900000" scaled="1"/>
-            </a:gradFill>
-            <a:ln w="9525">
-              <a:solidFill>
-                <a:srgbClr val="DDDDDD"/>
-              </a:solidFill>
-              <a:round/>
-              <a:headEnd/>
-              <a:tailEnd/>
-            </a:ln>
-            <a:effectLst>
-              <a:outerShdw dist="35921" dir="2700000" algn="ctr" rotWithShape="0">
-                <a:schemeClr val="bg2">
-                  <a:alpha val="50000"/>
-                </a:schemeClr>
-              </a:outerShdw>
-            </a:effectLst>
-          </p:spPr>
-          <p:txBody>
-            <a:bodyPr wrap="none" anchor="ctr"/>
-            <a:lstStyle/>
-            <a:p>
-              <a:pPr>
-                <a:defRPr/>
-              </a:pPr>
-              <a:endParaRPr kumimoji="0" lang="zh-TW" altLang="en-US"/>
-            </a:p>
-          </p:txBody>
-        </p:sp>
-        <p:grpSp>
-          <p:nvGrpSpPr>
-            <p:cNvPr id="21528" name="Group 82"/>
-            <p:cNvGrpSpPr>
-              <a:grpSpLocks/>
-            </p:cNvGrpSpPr>
-            <p:nvPr/>
-          </p:nvGrpSpPr>
-          <p:grpSpPr bwMode="auto">
-            <a:xfrm rot="-2288454">
-              <a:off x="4838" y="1034"/>
-              <a:ext cx="348" cy="356"/>
-              <a:chOff x="887" y="2040"/>
-              <a:chExt cx="433" cy="422"/>
-            </a:xfrm>
-          </p:grpSpPr>
-          <p:pic>
-            <p:nvPicPr>
-              <p:cNvPr id="21530" name="Picture 83" descr="circuler_1"/>
-              <p:cNvPicPr>
-                <a:picLocks noChangeAspect="1" noChangeArrowheads="1"/>
-              </p:cNvPicPr>
-              <p:nvPr/>
-            </p:nvPicPr>
-            <p:blipFill>
-              <a:blip r:embed="rId5" cstate="print"/>
-              <a:srcRect/>
-              <a:stretch>
-                <a:fillRect/>
-              </a:stretch>
-            </p:blipFill>
-            <p:spPr bwMode="gray">
-              <a:xfrm>
-                <a:off x="887" y="2040"/>
-                <a:ext cx="430" cy="420"/>
-              </a:xfrm>
-              <a:prstGeom prst="rect">
-                <a:avLst/>
-              </a:prstGeom>
-              <a:noFill/>
-              <a:ln w="9525">
-                <a:noFill/>
-                <a:miter lim="800000"/>
-                <a:headEnd/>
-                <a:tailEnd/>
-              </a:ln>
-            </p:spPr>
-          </p:pic>
-          <p:sp>
-            <p:nvSpPr>
-              <p:cNvPr id="21531" name="Oval 84"/>
-              <p:cNvSpPr>
-                <a:spLocks noChangeArrowheads="1"/>
-              </p:cNvSpPr>
-              <p:nvPr/>
-            </p:nvSpPr>
-            <p:spPr bwMode="gray">
-              <a:xfrm>
-                <a:off x="887" y="2040"/>
-                <a:ext cx="433" cy="422"/>
-              </a:xfrm>
-              <a:prstGeom prst="ellipse">
-                <a:avLst/>
-              </a:prstGeom>
-              <a:solidFill>
-                <a:srgbClr val="FB4F2D">
-                  <a:alpha val="74901"/>
-                </a:srgbClr>
-              </a:solidFill>
-              <a:ln w="9525" algn="ctr">
-                <a:noFill/>
-                <a:round/>
-                <a:headEnd/>
-                <a:tailEnd/>
-              </a:ln>
-            </p:spPr>
-            <p:txBody>
-              <a:bodyPr wrap="none" anchor="ctr"/>
-              <a:lstStyle/>
-              <a:p>
-                <a:endParaRPr kumimoji="0" lang="zh-TW" altLang="en-US"/>
-              </a:p>
-            </p:txBody>
-          </p:sp>
-          <p:pic>
-            <p:nvPicPr>
-              <p:cNvPr id="21532" name="Picture 85" descr="Picture2"/>
-              <p:cNvPicPr>
-                <a:picLocks noChangeAspect="1" noChangeArrowheads="1"/>
-              </p:cNvPicPr>
-              <p:nvPr/>
-            </p:nvPicPr>
-            <p:blipFill>
-              <a:blip r:embed="rId3" cstate="print"/>
-              <a:srcRect/>
-              <a:stretch>
-                <a:fillRect/>
-              </a:stretch>
-            </p:blipFill>
-            <p:spPr bwMode="gray">
-              <a:xfrm>
-                <a:off x="930" y="2044"/>
-                <a:ext cx="345" cy="149"/>
-              </a:xfrm>
-              <a:prstGeom prst="rect">
-                <a:avLst/>
-              </a:prstGeom>
-              <a:noFill/>
-              <a:ln w="9525">
-                <a:noFill/>
-                <a:miter lim="800000"/>
-                <a:headEnd/>
-                <a:tailEnd/>
-              </a:ln>
-            </p:spPr>
-          </p:pic>
-        </p:grpSp>
-        <p:pic>
-          <p:nvPicPr>
-            <p:cNvPr id="21529" name="Picture 89"/>
-            <p:cNvPicPr>
-              <a:picLocks noChangeAspect="1" noChangeArrowheads="1"/>
-            </p:cNvPicPr>
-            <p:nvPr/>
-          </p:nvPicPr>
-          <p:blipFill>
-            <a:blip r:embed="rId6" cstate="print"/>
-            <a:srcRect l="12015" t="9302" r="12404" b="12598"/>
-            <a:stretch>
-              <a:fillRect/>
-            </a:stretch>
-          </p:blipFill>
-          <p:spPr bwMode="gray">
-            <a:xfrm>
-              <a:off x="4830" y="1020"/>
-              <a:ext cx="359" cy="370"/>
-            </a:xfrm>
-            <a:prstGeom prst="rect">
-              <a:avLst/>
-            </a:prstGeom>
-            <a:noFill/>
-            <a:ln w="9525">
-              <a:noFill/>
-              <a:miter lim="800000"/>
-              <a:headEnd/>
-              <a:tailEnd/>
-            </a:ln>
-          </p:spPr>
-        </p:pic>
-      </p:grpSp>
-      <p:sp>
-        <p:nvSpPr>
-          <p:cNvPr id="50" name="頁尾版面配置區 5"/>
-          <p:cNvSpPr>
-            <a:spLocks noGrp="1"/>
-          </p:cNvSpPr>
-          <p:nvPr>
-            <p:ph type="ftr" sz="quarter" idx="11"/>
-          </p:nvPr>
-        </p:nvSpPr>
-        <p:spPr>
-          <a:xfrm>
-            <a:off x="5943600" y="6512768"/>
-            <a:ext cx="2895600" cy="228600"/>
-          </a:xfrm>
-        </p:spPr>
-        <p:txBody>
-          <a:bodyPr/>
-          <a:lstStyle/>
-          <a:p>
-            <a:pPr>
-              <a:defRPr/>
-            </a:pPr>
-            <a:r>
-              <a:rPr lang="en-US" altLang="zh-TW" dirty="0" smtClean="0"/>
-              <a:t>Performance Evaluation 2016 Spring</a:t>
-            </a:r>
-            <a:endParaRPr lang="en-US" altLang="zh-TW" dirty="0"/>
-          </a:p>
-        </p:txBody>
-      </p:sp>
-      <p:grpSp>
-        <p:nvGrpSpPr>
-          <p:cNvPr id="51" name="Group 94"/>
-          <p:cNvGrpSpPr>
-            <a:grpSpLocks/>
-          </p:cNvGrpSpPr>
-          <p:nvPr/>
-        </p:nvGrpSpPr>
-        <p:grpSpPr bwMode="auto">
-          <a:xfrm>
-            <a:off x="1993241" y="3959269"/>
-            <a:ext cx="222250" cy="220663"/>
-            <a:chOff x="2543" y="1006"/>
-            <a:chExt cx="416" cy="416"/>
-          </a:xfrm>
-        </p:grpSpPr>
-        <p:sp>
-          <p:nvSpPr>
-            <p:cNvPr id="52" name="Oval 52"/>
-            <p:cNvSpPr>
-              <a:spLocks noChangeArrowheads="1"/>
-            </p:cNvSpPr>
-            <p:nvPr/>
-          </p:nvSpPr>
-          <p:spPr bwMode="gray">
-            <a:xfrm>
-              <a:off x="2543" y="1006"/>
-              <a:ext cx="416" cy="416"/>
-            </a:xfrm>
-            <a:prstGeom prst="ellipse">
-              <a:avLst/>
-            </a:prstGeom>
-            <a:gradFill rotWithShape="1">
-              <a:gsLst>
-                <a:gs pos="0">
-                  <a:srgbClr val="FFFFFF">
-                    <a:gamma/>
-                    <a:shade val="54118"/>
-                    <a:invGamma/>
-                  </a:srgbClr>
-                </a:gs>
-                <a:gs pos="50000">
-                  <a:srgbClr val="FFFFFF"/>
-                </a:gs>
-                <a:gs pos="100000">
-                  <a:srgbClr val="FFFFFF">
-                    <a:gamma/>
-                    <a:shade val="54118"/>
-                    <a:invGamma/>
-                  </a:srgbClr>
-                </a:gs>
-              </a:gsLst>
-              <a:lin ang="18900000" scaled="1"/>
-            </a:gradFill>
-            <a:ln w="9525">
-              <a:solidFill>
-                <a:srgbClr val="DDDDDD"/>
-              </a:solidFill>
-              <a:round/>
-              <a:headEnd/>
-              <a:tailEnd/>
-            </a:ln>
-            <a:effectLst>
-              <a:outerShdw dist="35921" dir="2700000" algn="ctr" rotWithShape="0">
-                <a:schemeClr val="bg2">
-                  <a:alpha val="50000"/>
-                </a:schemeClr>
-              </a:outerShdw>
-            </a:effectLst>
-          </p:spPr>
-          <p:txBody>
-            <a:bodyPr wrap="none" anchor="ctr"/>
-            <a:lstStyle/>
-            <a:p>
-              <a:pPr>
-                <a:defRPr/>
-              </a:pPr>
-              <a:endParaRPr kumimoji="0" lang="zh-TW" altLang="en-US"/>
-            </a:p>
-          </p:txBody>
-        </p:sp>
-        <p:grpSp>
-          <p:nvGrpSpPr>
-            <p:cNvPr id="53" name="Group 53"/>
-            <p:cNvGrpSpPr>
-              <a:grpSpLocks/>
-            </p:cNvGrpSpPr>
-            <p:nvPr/>
-          </p:nvGrpSpPr>
-          <p:grpSpPr bwMode="auto">
-            <a:xfrm rot="-2288454">
-              <a:off x="2578" y="1034"/>
-              <a:ext cx="348" cy="356"/>
-              <a:chOff x="887" y="2040"/>
-              <a:chExt cx="433" cy="422"/>
-            </a:xfrm>
-          </p:grpSpPr>
-          <p:pic>
-            <p:nvPicPr>
-              <p:cNvPr id="55" name="Picture 54" descr="circuler_1"/>
-              <p:cNvPicPr>
-                <a:picLocks noChangeAspect="1" noChangeArrowheads="1"/>
-              </p:cNvPicPr>
-              <p:nvPr/>
-            </p:nvPicPr>
-            <p:blipFill>
-              <a:blip r:embed="rId2" cstate="print"/>
-              <a:srcRect/>
-              <a:stretch>
-                <a:fillRect/>
-              </a:stretch>
-            </p:blipFill>
-            <p:spPr bwMode="gray">
-              <a:xfrm>
-                <a:off x="887" y="2040"/>
-                <a:ext cx="430" cy="420"/>
-              </a:xfrm>
-              <a:prstGeom prst="rect">
-                <a:avLst/>
-              </a:prstGeom>
-              <a:noFill/>
-              <a:ln w="9525">
-                <a:noFill/>
-                <a:miter lim="800000"/>
-                <a:headEnd/>
-                <a:tailEnd/>
-              </a:ln>
-            </p:spPr>
-          </p:pic>
-          <p:sp>
-            <p:nvSpPr>
-              <p:cNvPr id="56" name="Oval 55"/>
-              <p:cNvSpPr>
-                <a:spLocks noChangeArrowheads="1"/>
-              </p:cNvSpPr>
-              <p:nvPr/>
-            </p:nvSpPr>
-            <p:spPr bwMode="gray">
-              <a:xfrm>
-                <a:off x="888" y="2039"/>
-                <a:ext cx="433" cy="422"/>
-              </a:xfrm>
-              <a:prstGeom prst="ellipse">
-                <a:avLst/>
-              </a:prstGeom>
-              <a:gradFill rotWithShape="1">
-                <a:gsLst>
-                  <a:gs pos="0">
-                    <a:schemeClr val="accent1">
-                      <a:gamma/>
-                      <a:shade val="34902"/>
-                      <a:invGamma/>
-                      <a:alpha val="89999"/>
-                    </a:schemeClr>
-                  </a:gs>
-                  <a:gs pos="50000">
-                    <a:schemeClr val="accent1">
-                      <a:alpha val="75000"/>
-                    </a:schemeClr>
-                  </a:gs>
-                  <a:gs pos="100000">
-                    <a:schemeClr val="accent1">
-                      <a:gamma/>
-                      <a:shade val="34902"/>
-                      <a:invGamma/>
-                      <a:alpha val="89999"/>
-                    </a:schemeClr>
-                  </a:gs>
-                </a:gsLst>
-                <a:lin ang="18900000" scaled="1"/>
-              </a:gradFill>
-              <a:ln w="9525" algn="ctr">
-                <a:noFill/>
-                <a:round/>
-                <a:headEnd/>
-                <a:tailEnd/>
-              </a:ln>
-              <a:effectLst/>
-            </p:spPr>
-            <p:txBody>
-              <a:bodyPr wrap="none" anchor="ctr"/>
-              <a:lstStyle/>
-              <a:p>
-                <a:pPr>
-                  <a:defRPr/>
-                </a:pPr>
-                <a:endParaRPr kumimoji="0" lang="zh-TW" altLang="en-US"/>
-              </a:p>
-            </p:txBody>
-          </p:sp>
-          <p:pic>
-            <p:nvPicPr>
-              <p:cNvPr id="57" name="Picture 56" descr="Picture2"/>
-              <p:cNvPicPr>
-                <a:picLocks noChangeAspect="1" noChangeArrowheads="1"/>
-              </p:cNvPicPr>
-              <p:nvPr/>
-            </p:nvPicPr>
-            <p:blipFill>
-              <a:blip r:embed="rId3" cstate="print"/>
-              <a:srcRect/>
-              <a:stretch>
-                <a:fillRect/>
-              </a:stretch>
-            </p:blipFill>
-            <p:spPr bwMode="gray">
-              <a:xfrm>
-                <a:off x="930" y="2044"/>
-                <a:ext cx="345" cy="149"/>
-              </a:xfrm>
-              <a:prstGeom prst="rect">
-                <a:avLst/>
-              </a:prstGeom>
-              <a:noFill/>
-              <a:ln w="9525">
-                <a:noFill/>
-                <a:miter lim="800000"/>
-                <a:headEnd/>
-                <a:tailEnd/>
-              </a:ln>
-            </p:spPr>
-          </p:pic>
-        </p:grpSp>
-        <p:pic>
-          <p:nvPicPr>
-            <p:cNvPr id="54" name="Picture 57"/>
-            <p:cNvPicPr>
-              <a:picLocks noChangeAspect="1" noChangeArrowheads="1"/>
-            </p:cNvPicPr>
-            <p:nvPr/>
-          </p:nvPicPr>
-          <p:blipFill>
-            <a:blip r:embed="rId4" cstate="print"/>
-            <a:srcRect l="12015" t="9302" r="12404" b="12598"/>
-            <a:stretch>
-              <a:fillRect/>
-            </a:stretch>
-          </p:blipFill>
-          <p:spPr bwMode="gray">
-            <a:xfrm>
-              <a:off x="2570" y="1020"/>
-              <a:ext cx="359" cy="370"/>
-            </a:xfrm>
-            <a:prstGeom prst="rect">
-              <a:avLst/>
-            </a:prstGeom>
-            <a:noFill/>
-            <a:ln w="9525">
-              <a:noFill/>
-              <a:miter lim="800000"/>
-              <a:headEnd/>
-              <a:tailEnd/>
-            </a:ln>
-          </p:spPr>
-        </p:pic>
-      </p:grpSp>
-      <p:grpSp>
-        <p:nvGrpSpPr>
-          <p:cNvPr id="58" name="Group 90"/>
-          <p:cNvGrpSpPr>
-            <a:grpSpLocks/>
-          </p:cNvGrpSpPr>
-          <p:nvPr/>
-        </p:nvGrpSpPr>
-        <p:grpSpPr bwMode="auto">
-          <a:xfrm>
-            <a:off x="1993241" y="4627636"/>
-            <a:ext cx="222250" cy="222250"/>
-            <a:chOff x="4803" y="1006"/>
-            <a:chExt cx="416" cy="416"/>
-          </a:xfrm>
-        </p:grpSpPr>
-        <p:sp>
-          <p:nvSpPr>
-            <p:cNvPr id="59" name="Oval 81"/>
-            <p:cNvSpPr>
-              <a:spLocks noChangeArrowheads="1"/>
-            </p:cNvSpPr>
-            <p:nvPr/>
-          </p:nvSpPr>
-          <p:spPr bwMode="gray">
-            <a:xfrm>
-              <a:off x="4803" y="1006"/>
-              <a:ext cx="416" cy="416"/>
-            </a:xfrm>
-            <a:prstGeom prst="ellipse">
-              <a:avLst/>
-            </a:prstGeom>
-            <a:gradFill rotWithShape="1">
-              <a:gsLst>
-                <a:gs pos="0">
-                  <a:srgbClr val="FFFFFF">
-                    <a:gamma/>
-                    <a:shade val="54118"/>
-                    <a:invGamma/>
-                  </a:srgbClr>
-                </a:gs>
-                <a:gs pos="50000">
-                  <a:srgbClr val="FFFFFF"/>
-                </a:gs>
-                <a:gs pos="100000">
-                  <a:srgbClr val="FFFFFF">
-                    <a:gamma/>
-                    <a:shade val="54118"/>
-                    <a:invGamma/>
-                  </a:srgbClr>
-                </a:gs>
-              </a:gsLst>
-              <a:lin ang="18900000" scaled="1"/>
-            </a:gradFill>
-            <a:ln w="9525">
-              <a:solidFill>
-                <a:srgbClr val="DDDDDD"/>
-              </a:solidFill>
-              <a:round/>
-              <a:headEnd/>
-              <a:tailEnd/>
-            </a:ln>
-            <a:effectLst>
-              <a:outerShdw dist="35921" dir="2700000" algn="ctr" rotWithShape="0">
-                <a:schemeClr val="bg2">
-                  <a:alpha val="50000"/>
-                </a:schemeClr>
-              </a:outerShdw>
-            </a:effectLst>
-          </p:spPr>
-          <p:txBody>
-            <a:bodyPr wrap="none" anchor="ctr"/>
-            <a:lstStyle/>
-            <a:p>
-              <a:pPr>
-                <a:defRPr/>
-              </a:pPr>
-              <a:endParaRPr kumimoji="0" lang="zh-TW" altLang="en-US"/>
-            </a:p>
-          </p:txBody>
-        </p:sp>
-        <p:grpSp>
-          <p:nvGrpSpPr>
-            <p:cNvPr id="60" name="Group 82"/>
-            <p:cNvGrpSpPr>
-              <a:grpSpLocks/>
-            </p:cNvGrpSpPr>
-            <p:nvPr/>
-          </p:nvGrpSpPr>
-          <p:grpSpPr bwMode="auto">
-            <a:xfrm rot="-2288454">
-              <a:off x="4838" y="1034"/>
-              <a:ext cx="348" cy="356"/>
-              <a:chOff x="887" y="2040"/>
-              <a:chExt cx="433" cy="422"/>
-            </a:xfrm>
-          </p:grpSpPr>
-          <p:pic>
-            <p:nvPicPr>
-              <p:cNvPr id="63" name="Picture 83" descr="circuler_1"/>
-              <p:cNvPicPr>
-                <a:picLocks noChangeAspect="1" noChangeArrowheads="1"/>
-              </p:cNvPicPr>
-              <p:nvPr/>
-            </p:nvPicPr>
-            <p:blipFill>
-              <a:blip r:embed="rId5" cstate="print"/>
-              <a:srcRect/>
-              <a:stretch>
-                <a:fillRect/>
-              </a:stretch>
-            </p:blipFill>
-            <p:spPr bwMode="gray">
-              <a:xfrm>
-                <a:off x="887" y="2040"/>
-                <a:ext cx="430" cy="420"/>
-              </a:xfrm>
-              <a:prstGeom prst="rect">
-                <a:avLst/>
-              </a:prstGeom>
-              <a:noFill/>
-              <a:ln w="9525">
-                <a:noFill/>
-                <a:miter lim="800000"/>
-                <a:headEnd/>
-                <a:tailEnd/>
-              </a:ln>
-            </p:spPr>
-          </p:pic>
-          <p:sp>
-            <p:nvSpPr>
-              <p:cNvPr id="64" name="Oval 84"/>
-              <p:cNvSpPr>
-                <a:spLocks noChangeArrowheads="1"/>
-              </p:cNvSpPr>
-              <p:nvPr/>
-            </p:nvSpPr>
-            <p:spPr bwMode="gray">
-              <a:xfrm>
-                <a:off x="887" y="2040"/>
-                <a:ext cx="433" cy="422"/>
-              </a:xfrm>
-              <a:prstGeom prst="ellipse">
-                <a:avLst/>
-              </a:prstGeom>
-              <a:solidFill>
-                <a:srgbClr val="FB4F2D">
-                  <a:alpha val="74901"/>
-                </a:srgbClr>
-              </a:solidFill>
-              <a:ln w="9525" algn="ctr">
-                <a:noFill/>
-                <a:round/>
-                <a:headEnd/>
-                <a:tailEnd/>
-              </a:ln>
-            </p:spPr>
-            <p:txBody>
-              <a:bodyPr wrap="none" anchor="ctr"/>
-              <a:lstStyle/>
-              <a:p>
-                <a:endParaRPr kumimoji="0" lang="zh-TW" altLang="en-US"/>
-              </a:p>
-            </p:txBody>
-          </p:sp>
-          <p:pic>
-            <p:nvPicPr>
-              <p:cNvPr id="65" name="Picture 85" descr="Picture2"/>
-              <p:cNvPicPr>
-                <a:picLocks noChangeAspect="1" noChangeArrowheads="1"/>
-              </p:cNvPicPr>
-              <p:nvPr/>
-            </p:nvPicPr>
-            <p:blipFill>
-              <a:blip r:embed="rId3" cstate="print"/>
-              <a:srcRect/>
-              <a:stretch>
-                <a:fillRect/>
-              </a:stretch>
-            </p:blipFill>
-            <p:spPr bwMode="gray">
-              <a:xfrm>
-                <a:off x="930" y="2044"/>
-                <a:ext cx="345" cy="149"/>
-              </a:xfrm>
-              <a:prstGeom prst="rect">
-                <a:avLst/>
-              </a:prstGeom>
-              <a:noFill/>
-              <a:ln w="9525">
-                <a:noFill/>
-                <a:miter lim="800000"/>
-                <a:headEnd/>
-                <a:tailEnd/>
-              </a:ln>
-            </p:spPr>
-          </p:pic>
-        </p:grpSp>
-        <p:pic>
-          <p:nvPicPr>
-            <p:cNvPr id="62" name="Picture 89"/>
-            <p:cNvPicPr>
-              <a:picLocks noChangeAspect="1" noChangeArrowheads="1"/>
-            </p:cNvPicPr>
-            <p:nvPr/>
-          </p:nvPicPr>
-          <p:blipFill>
-            <a:blip r:embed="rId6" cstate="print"/>
-            <a:srcRect l="12015" t="9302" r="12404" b="12598"/>
-            <a:stretch>
-              <a:fillRect/>
-            </a:stretch>
-          </p:blipFill>
-          <p:spPr bwMode="gray">
-            <a:xfrm>
-              <a:off x="4830" y="1020"/>
-              <a:ext cx="359" cy="370"/>
-            </a:xfrm>
-            <a:prstGeom prst="rect">
-              <a:avLst/>
-            </a:prstGeom>
-            <a:noFill/>
-            <a:ln w="9525">
-              <a:noFill/>
-              <a:miter lim="800000"/>
-              <a:headEnd/>
-              <a:tailEnd/>
-            </a:ln>
-          </p:spPr>
-        </p:pic>
-      </p:grpSp>
-      <p:grpSp>
-        <p:nvGrpSpPr>
-          <p:cNvPr id="66" name="Group 91"/>
-          <p:cNvGrpSpPr>
-            <a:grpSpLocks/>
-          </p:cNvGrpSpPr>
-          <p:nvPr/>
-        </p:nvGrpSpPr>
-        <p:grpSpPr bwMode="auto">
-          <a:xfrm>
-            <a:off x="1997619" y="5308247"/>
-            <a:ext cx="222250" cy="222250"/>
-            <a:chOff x="4213" y="1006"/>
-            <a:chExt cx="416" cy="416"/>
-          </a:xfrm>
-        </p:grpSpPr>
-        <p:sp>
-          <p:nvSpPr>
-            <p:cNvPr id="67" name="Oval 72"/>
-            <p:cNvSpPr>
-              <a:spLocks noChangeArrowheads="1"/>
-            </p:cNvSpPr>
-            <p:nvPr/>
-          </p:nvSpPr>
-          <p:spPr bwMode="gray">
-            <a:xfrm>
-              <a:off x="4213" y="1006"/>
-              <a:ext cx="416" cy="416"/>
-            </a:xfrm>
-            <a:prstGeom prst="ellipse">
-              <a:avLst/>
-            </a:prstGeom>
-            <a:gradFill rotWithShape="1">
-              <a:gsLst>
-                <a:gs pos="0">
-                  <a:srgbClr val="FFFFFF">
-                    <a:gamma/>
-                    <a:shade val="54118"/>
-                    <a:invGamma/>
-                  </a:srgbClr>
-                </a:gs>
-                <a:gs pos="50000">
-                  <a:srgbClr val="FFFFFF"/>
-                </a:gs>
-                <a:gs pos="100000">
-                  <a:srgbClr val="FFFFFF">
-                    <a:gamma/>
-                    <a:shade val="54118"/>
-                    <a:invGamma/>
-                  </a:srgbClr>
-                </a:gs>
-              </a:gsLst>
-              <a:lin ang="18900000" scaled="1"/>
-            </a:gradFill>
-            <a:ln w="9525">
-              <a:solidFill>
-                <a:srgbClr val="DDDDDD"/>
-              </a:solidFill>
-              <a:round/>
-              <a:headEnd/>
-              <a:tailEnd/>
-            </a:ln>
-            <a:effectLst>
-              <a:outerShdw dist="35921" dir="2700000" algn="ctr" rotWithShape="0">
-                <a:schemeClr val="bg2">
-                  <a:alpha val="50000"/>
-                </a:schemeClr>
-              </a:outerShdw>
-            </a:effectLst>
-          </p:spPr>
-          <p:txBody>
-            <a:bodyPr wrap="none" anchor="ctr"/>
-            <a:lstStyle/>
-            <a:p>
-              <a:pPr>
-                <a:defRPr/>
-              </a:pPr>
-              <a:endParaRPr kumimoji="0" lang="zh-TW" altLang="en-US"/>
-            </a:p>
-          </p:txBody>
-        </p:sp>
-        <p:grpSp>
-          <p:nvGrpSpPr>
-            <p:cNvPr id="68" name="Group 73"/>
-            <p:cNvGrpSpPr>
-              <a:grpSpLocks/>
-            </p:cNvGrpSpPr>
-            <p:nvPr/>
-          </p:nvGrpSpPr>
-          <p:grpSpPr bwMode="auto">
-            <a:xfrm rot="-2288454">
-              <a:off x="4248" y="1034"/>
-              <a:ext cx="348" cy="356"/>
-              <a:chOff x="887" y="2040"/>
-              <a:chExt cx="433" cy="422"/>
-            </a:xfrm>
-          </p:grpSpPr>
-          <p:pic>
-            <p:nvPicPr>
-              <p:cNvPr id="70" name="Picture 74" descr="circuler_1"/>
-              <p:cNvPicPr>
-                <a:picLocks noChangeAspect="1" noChangeArrowheads="1"/>
-              </p:cNvPicPr>
-              <p:nvPr/>
-            </p:nvPicPr>
-            <p:blipFill>
-              <a:blip r:embed="rId5" cstate="print"/>
-              <a:srcRect/>
-              <a:stretch>
-                <a:fillRect/>
-              </a:stretch>
-            </p:blipFill>
-            <p:spPr bwMode="gray">
-              <a:xfrm>
-                <a:off x="887" y="2040"/>
-                <a:ext cx="430" cy="420"/>
-              </a:xfrm>
-              <a:prstGeom prst="rect">
-                <a:avLst/>
-              </a:prstGeom>
-              <a:noFill/>
-              <a:ln w="9525">
-                <a:noFill/>
-                <a:miter lim="800000"/>
-                <a:headEnd/>
-                <a:tailEnd/>
-              </a:ln>
-            </p:spPr>
-          </p:pic>
-          <p:sp>
-            <p:nvSpPr>
-              <p:cNvPr id="71" name="Oval 75"/>
-              <p:cNvSpPr>
-                <a:spLocks noChangeArrowheads="1"/>
-              </p:cNvSpPr>
-              <p:nvPr/>
-            </p:nvSpPr>
-            <p:spPr bwMode="gray">
-              <a:xfrm>
-                <a:off x="888" y="2039"/>
-                <a:ext cx="433" cy="423"/>
-              </a:xfrm>
-              <a:prstGeom prst="ellipse">
-                <a:avLst/>
-              </a:prstGeom>
-              <a:gradFill rotWithShape="1">
-                <a:gsLst>
-                  <a:gs pos="0">
-                    <a:schemeClr val="folHlink">
-                      <a:gamma/>
-                      <a:shade val="34902"/>
-                      <a:invGamma/>
-                      <a:alpha val="89999"/>
-                    </a:schemeClr>
-                  </a:gs>
-                  <a:gs pos="50000">
-                    <a:schemeClr val="folHlink">
-                      <a:alpha val="75000"/>
-                    </a:schemeClr>
-                  </a:gs>
-                  <a:gs pos="100000">
-                    <a:schemeClr val="folHlink">
-                      <a:gamma/>
-                      <a:shade val="34902"/>
-                      <a:invGamma/>
-                      <a:alpha val="89999"/>
-                    </a:schemeClr>
-                  </a:gs>
-                </a:gsLst>
-                <a:lin ang="18900000" scaled="1"/>
-              </a:gradFill>
-              <a:ln w="9525" algn="ctr">
-                <a:noFill/>
-                <a:round/>
-                <a:headEnd/>
-                <a:tailEnd/>
-              </a:ln>
-              <a:effectLst/>
-            </p:spPr>
-            <p:txBody>
-              <a:bodyPr wrap="none" anchor="ctr"/>
-              <a:lstStyle/>
-              <a:p>
-                <a:pPr>
-                  <a:defRPr/>
-                </a:pPr>
-                <a:endParaRPr kumimoji="0" lang="zh-TW" altLang="en-US"/>
-              </a:p>
-            </p:txBody>
-          </p:sp>
-          <p:pic>
-            <p:nvPicPr>
-              <p:cNvPr id="72" name="Picture 76" descr="Picture2"/>
-              <p:cNvPicPr>
-                <a:picLocks noChangeAspect="1" noChangeArrowheads="1"/>
-              </p:cNvPicPr>
-              <p:nvPr/>
-            </p:nvPicPr>
-            <p:blipFill>
-              <a:blip r:embed="rId3" cstate="print"/>
-              <a:srcRect/>
-              <a:stretch>
-                <a:fillRect/>
-              </a:stretch>
-            </p:blipFill>
-            <p:spPr bwMode="gray">
-              <a:xfrm>
-                <a:off x="930" y="2044"/>
-                <a:ext cx="345" cy="149"/>
-              </a:xfrm>
-              <a:prstGeom prst="rect">
-                <a:avLst/>
-              </a:prstGeom>
-              <a:noFill/>
-              <a:ln w="9525">
-                <a:noFill/>
-                <a:miter lim="800000"/>
-                <a:headEnd/>
-                <a:tailEnd/>
-              </a:ln>
-            </p:spPr>
-          </p:pic>
-        </p:grpSp>
-        <p:pic>
-          <p:nvPicPr>
-            <p:cNvPr id="69" name="Picture 88"/>
-            <p:cNvPicPr>
-              <a:picLocks noChangeAspect="1" noChangeArrowheads="1"/>
-            </p:cNvPicPr>
-            <p:nvPr/>
-          </p:nvPicPr>
-          <p:blipFill>
-            <a:blip r:embed="rId6" cstate="print"/>
-            <a:srcRect l="12015" t="9302" r="12404" b="12598"/>
-            <a:stretch>
-              <a:fillRect/>
-            </a:stretch>
-          </p:blipFill>
-          <p:spPr bwMode="gray">
-            <a:xfrm>
-              <a:off x="4240" y="1020"/>
-              <a:ext cx="359" cy="370"/>
-            </a:xfrm>
-            <a:prstGeom prst="rect">
-              <a:avLst/>
-            </a:prstGeom>
-            <a:noFill/>
-            <a:ln w="9525">
-              <a:noFill/>
-              <a:miter lim="800000"/>
-              <a:headEnd/>
-              <a:tailEnd/>
-            </a:ln>
-          </p:spPr>
-        </p:pic>
-      </p:grpSp>
-      <p:sp>
-        <p:nvSpPr>
-          <p:cNvPr id="75" name="Rectangle 12"/>
-          <p:cNvSpPr>
-            <a:spLocks noChangeArrowheads="1"/>
-          </p:cNvSpPr>
-          <p:nvPr/>
-        </p:nvSpPr>
-        <p:spPr bwMode="black">
-          <a:xfrm>
-            <a:off x="2320925" y="3790201"/>
-            <a:ext cx="4849813" cy="523875"/>
-          </a:xfrm>
-          <a:prstGeom prst="rect">
-            <a:avLst/>
-          </a:prstGeom>
-          <a:noFill/>
-          <a:ln w="9525">
-            <a:noFill/>
-            <a:miter lim="800000"/>
-            <a:headEnd/>
-            <a:tailEnd/>
-          </a:ln>
-        </p:spPr>
-        <p:txBody>
-          <a:bodyPr>
-            <a:spAutoFit/>
-          </a:bodyPr>
-          <a:lstStyle/>
-          <a:p>
-            <a:r>
-              <a:rPr kumimoji="0" lang="en-US" altLang="zh-TW" sz="2800" dirty="0" smtClean="0">
-                <a:latin typeface="標楷體" pitchFamily="65" charset="-120"/>
-                <a:ea typeface="標楷體" pitchFamily="65" charset="-120"/>
-              </a:rPr>
-              <a:t>The incentive mechanism</a:t>
-            </a:r>
-            <a:endParaRPr kumimoji="0" lang="en-US" altLang="zh-TW" sz="2800" dirty="0">
-              <a:latin typeface="標楷體" pitchFamily="65" charset="-120"/>
-              <a:ea typeface="標楷體" pitchFamily="65" charset="-120"/>
-            </a:endParaRPr>
-          </a:p>
-        </p:txBody>
-      </p:sp>
-      <p:sp>
-        <p:nvSpPr>
-          <p:cNvPr id="76" name="Rectangle 12"/>
-          <p:cNvSpPr>
-            <a:spLocks noChangeArrowheads="1"/>
-          </p:cNvSpPr>
-          <p:nvPr/>
-        </p:nvSpPr>
-        <p:spPr bwMode="black">
-          <a:xfrm>
-            <a:off x="2299493" y="5120986"/>
-            <a:ext cx="4849813" cy="523875"/>
-          </a:xfrm>
-          <a:prstGeom prst="rect">
-            <a:avLst/>
-          </a:prstGeom>
-          <a:noFill/>
-          <a:ln w="9525">
-            <a:noFill/>
-            <a:miter lim="800000"/>
-            <a:headEnd/>
-            <a:tailEnd/>
-          </a:ln>
-        </p:spPr>
-        <p:txBody>
-          <a:bodyPr>
-            <a:spAutoFit/>
-          </a:bodyPr>
-          <a:lstStyle/>
-          <a:p>
-            <a:r>
               <a:rPr kumimoji="0" lang="en-US" altLang="zh-TW" sz="2800" b="1" dirty="0" smtClean="0">
                 <a:latin typeface="標楷體" pitchFamily="65" charset="-120"/>
                 <a:ea typeface="標楷體" pitchFamily="65" charset="-120"/>
@@ -38423,11 +39316,7 @@
           <a:p>
             <a:r>
               <a:rPr lang="en-US" altLang="zh-TW" dirty="0" smtClean="0"/>
-              <a:t>The experiments show that the </a:t>
-            </a:r>
-            <a:r>
-              <a:rPr lang="en-US" altLang="zh-TW" dirty="0" smtClean="0"/>
-              <a:t>simple fluid model is able to capture the behavior of the system even when the arrival rate is small.</a:t>
+              <a:t>The experiments show that the simple fluid model is able to capture the behavior of the system even when the arrival rate is small.</a:t>
             </a:r>
             <a:endParaRPr lang="zh-TW" altLang="en-US" dirty="0"/>
           </a:p>
@@ -39511,7 +40400,7 @@
           <p:nvPr/>
         </p:nvPicPr>
         <p:blipFill>
-          <a:blip r:embed="rId2" cstate="print">
+          <a:blip r:embed="rId3" cstate="print">
             <a:extLst>
               <a:ext uri="{28A0092B-C50C-407E-A947-70E740481C1C}">
                 <a14:useLocalDpi xmlns:a14="http://schemas.microsoft.com/office/drawing/2010/main" val="0"/>
@@ -39541,7 +40430,7 @@
           <p:nvPr/>
         </p:nvPicPr>
         <p:blipFill>
-          <a:blip r:embed="rId2" cstate="print">
+          <a:blip r:embed="rId3" cstate="print">
             <a:extLst>
               <a:ext uri="{28A0092B-C50C-407E-A947-70E740481C1C}">
                 <a14:useLocalDpi xmlns:a14="http://schemas.microsoft.com/office/drawing/2010/main" val="0"/>
@@ -39809,7 +40698,7 @@
           </p:nvPr>
         </p:nvPicPr>
         <p:blipFill>
-          <a:blip r:embed="rId3">
+          <a:blip r:embed="rId4">
             <a:extLst>
               <a:ext uri="{28A0092B-C50C-407E-A947-70E740481C1C}">
                 <a14:useLocalDpi xmlns:a14="http://schemas.microsoft.com/office/drawing/2010/main" val="0"/>
@@ -39836,7 +40725,7 @@
           <p:nvPr/>
         </p:nvPicPr>
         <p:blipFill>
-          <a:blip r:embed="rId3">
+          <a:blip r:embed="rId4">
             <a:extLst>
               <a:ext uri="{28A0092B-C50C-407E-A947-70E740481C1C}">
                 <a14:useLocalDpi xmlns:a14="http://schemas.microsoft.com/office/drawing/2010/main" val="0"/>
@@ -39873,7 +40762,7 @@
           <p:nvPr/>
         </p:nvPicPr>
         <p:blipFill>
-          <a:blip r:embed="rId3">
+          <a:blip r:embed="rId4">
             <a:extLst>
               <a:ext uri="{28A0092B-C50C-407E-A947-70E740481C1C}">
                 <a14:useLocalDpi xmlns:a14="http://schemas.microsoft.com/office/drawing/2010/main" val="0"/>
@@ -39910,7 +40799,7 @@
           <p:nvPr/>
         </p:nvPicPr>
         <p:blipFill>
-          <a:blip r:embed="rId3">
+          <a:blip r:embed="rId4">
             <a:extLst>
               <a:ext uri="{28A0092B-C50C-407E-A947-70E740481C1C}">
                 <a14:useLocalDpi xmlns:a14="http://schemas.microsoft.com/office/drawing/2010/main" val="0"/>
@@ -39947,7 +40836,7 @@
           <p:nvPr/>
         </p:nvPicPr>
         <p:blipFill>
-          <a:blip r:embed="rId3">
+          <a:blip r:embed="rId4">
             <a:extLst>
               <a:ext uri="{28A0092B-C50C-407E-A947-70E740481C1C}">
                 <a14:useLocalDpi xmlns:a14="http://schemas.microsoft.com/office/drawing/2010/main" val="0"/>

--- a/final/BT-like-peer2peer.pptx
+++ b/final/BT-like-peer2peer.pptx
@@ -1094,11 +1094,7 @@
             </a:r>
             <a:r>
               <a:rPr kumimoji="1" lang="en-US" altLang="zh-TW" dirty="0" smtClean="0"/>
-              <a:t>/2007/04/06/bt1</a:t>
-            </a:r>
-            <a:r>
-              <a:rPr kumimoji="1" lang="en-US" altLang="zh-TW" dirty="0" smtClean="0"/>
-              <a:t>/)</a:t>
+              <a:t>/2007/04/06/bt1/)</a:t>
             </a:r>
           </a:p>
           <a:p>
@@ -1121,7 +1117,6 @@
               <a:rPr kumimoji="1" lang="en-US" altLang="zh-TW" dirty="0" smtClean="0"/>
               <a:t>max</a:t>
             </a:r>
-            <a:endParaRPr kumimoji="1" lang="en-US" altLang="zh-TW" dirty="0" smtClean="0"/>
           </a:p>
         </p:txBody>
       </p:sp>
@@ -1343,11 +1338,7 @@
             </a:r>
             <a:r>
               <a:rPr kumimoji="1" lang="en-US" altLang="zh-TW" baseline="0" dirty="0" smtClean="0"/>
-              <a:t> network, several issues have to be addressed in order to understand the behavior of the system</a:t>
-            </a:r>
-            <a:r>
-              <a:rPr kumimoji="1" lang="en-US" altLang="zh-TW" baseline="0" dirty="0" smtClean="0"/>
-              <a:t>.</a:t>
+              <a:t> network, several issues have to be addressed in order to understand the behavior of the system.</a:t>
             </a:r>
           </a:p>
           <a:p>
@@ -2038,13 +2029,7 @@
               <a:rPr kumimoji="1" lang="en-US" altLang="zh-TW" dirty="0" smtClean="0">
                 <a:sym typeface="Wingdings"/>
               </a:rPr>
-              <a:t>The </a:t>
-            </a:r>
-            <a:r>
-              <a:rPr kumimoji="1" lang="en-US" altLang="zh-TW" dirty="0" smtClean="0">
-                <a:sym typeface="Wingdings"/>
-              </a:rPr>
-              <a:t>performance of traditional file sharing applications (like the client-server network) deteriorates rapidly as the number of clients increases, while in a well-designed P2P file sharing system, more peers generally means better performance.</a:t>
+              <a:t>The performance of traditional file sharing applications (like the client-server network) deteriorates rapidly as the number of clients increases, while in a well-designed P2P file sharing system, more peers generally means better performance.</a:t>
             </a:r>
             <a:endParaRPr kumimoji="1" lang="zh-TW" altLang="en-US" dirty="0"/>
           </a:p>
@@ -2824,11 +2809,7 @@
           <a:p>
             <a:r>
               <a:rPr kumimoji="1" lang="en-US" altLang="zh-TW" baseline="0" dirty="0" smtClean="0"/>
-              <a:t>Then it requests pieces which it does not have from all the peers to which it is connected</a:t>
-            </a:r>
-            <a:r>
-              <a:rPr kumimoji="1" lang="en-US" altLang="zh-TW" baseline="0" dirty="0" smtClean="0"/>
-              <a:t>.</a:t>
+              <a:t>Then it requests pieces which it does not have from all the peers to which it is connected.</a:t>
             </a:r>
           </a:p>
           <a:p>
@@ -10191,11 +10172,7 @@
             </a:r>
             <a:r>
               <a:rPr kumimoji="1" lang="en-US" altLang="zh-TW" dirty="0" smtClean="0"/>
-              <a:t>) </a:t>
-            </a:r>
-            <a:r>
-              <a:rPr kumimoji="1" lang="en-US" altLang="zh-TW" dirty="0" smtClean="0"/>
-              <a:t>of other peers at a given time.</a:t>
+              <a:t>) of other peers at a given time.</a:t>
             </a:r>
           </a:p>
           <a:p>
@@ -10331,16 +10308,7 @@
                 </a:solidFill>
                 <a:sym typeface="Wingdings"/>
               </a:rPr>
-              <a:t>high </a:t>
-            </a:r>
-            <a:r>
-              <a:rPr kumimoji="1" lang="en-US" altLang="zh-TW" smtClean="0">
-                <a:solidFill>
-                  <a:srgbClr val="000000"/>
-                </a:solidFill>
-                <a:sym typeface="Wingdings"/>
-              </a:rPr>
-              <a:t>uploading/downloading </a:t>
+              <a:t>high uploading/downloading </a:t>
             </a:r>
             <a:r>
               <a:rPr kumimoji="1" lang="en-US" altLang="zh-TW" dirty="0" smtClean="0">
@@ -18001,15 +17969,7 @@
             </a:r>
             <a:r>
               <a:rPr kumimoji="1" lang="en-US" altLang="zh-TW" dirty="0" smtClean="0"/>
-              <a:t>: how the number of peers evolves as a function of the request arrival rate, the peer departure rate, the </a:t>
-            </a:r>
-            <a:r>
-              <a:rPr kumimoji="1" lang="en-US" altLang="zh-TW" dirty="0" smtClean="0"/>
-              <a:t>uploading/downloading </a:t>
-            </a:r>
-            <a:r>
-              <a:rPr kumimoji="1" lang="en-US" altLang="zh-TW" dirty="0" smtClean="0"/>
-              <a:t>bandwidth of each peer, etc.</a:t>
+              <a:t>: how the number of peers evolves as a function of the request arrival rate, the peer departure rate, the uploading/downloading bandwidth of each peer, etc.</a:t>
             </a:r>
           </a:p>
           <a:p>
@@ -18029,23 +17989,7 @@
             </a:r>
             <a:r>
               <a:rPr kumimoji="1" lang="en-US" altLang="zh-TW" dirty="0" smtClean="0"/>
-              <a:t>: as peers often have different </a:t>
-            </a:r>
-            <a:r>
-              <a:rPr kumimoji="1" lang="en-US" altLang="zh-TW" dirty="0" smtClean="0"/>
-              <a:t>uploading/downloading </a:t>
-            </a:r>
-            <a:r>
-              <a:rPr kumimoji="1" lang="en-US" altLang="zh-TW" dirty="0" smtClean="0"/>
-              <a:t>bandwidths, it is important to design a good file-sharing protocol such that the </a:t>
-            </a:r>
-            <a:r>
-              <a:rPr kumimoji="1" lang="en-US" altLang="zh-TW" dirty="0" smtClean="0"/>
-              <a:t>uploading/downloading bandwidths </a:t>
-            </a:r>
-            <a:r>
-              <a:rPr kumimoji="1" lang="en-US" altLang="zh-TW" dirty="0" smtClean="0"/>
-              <a:t>are fully utilized.</a:t>
+              <a:t>: as peers often have different uploading/downloading bandwidths, it is important to design a good file-sharing protocol such that the uploading/downloading bandwidths are fully utilized.</a:t>
             </a:r>
           </a:p>
           <a:p>
@@ -20341,36 +20285,6 @@
       </p:sp>
       <p:sp>
         <p:nvSpPr>
-          <p:cNvPr id="4" name="頁尾版面配置區 3"/>
-          <p:cNvSpPr>
-            <a:spLocks noGrp="1"/>
-          </p:cNvSpPr>
-          <p:nvPr>
-            <p:ph type="ftr" sz="quarter" idx="11"/>
-          </p:nvPr>
-        </p:nvSpPr>
-        <p:spPr/>
-        <p:txBody>
-          <a:bodyPr/>
-          <a:lstStyle/>
-          <a:p>
-            <a:pPr>
-              <a:defRPr/>
-            </a:pPr>
-            <a:r>
-              <a:rPr lang="zh-TW" altLang="en-US" smtClean="0"/>
-              <a:t> </a:t>
-            </a:r>
-            <a:r>
-              <a:rPr lang="en-US" altLang="zh-TW" smtClean="0"/>
-              <a:t>Mobile Computing &amp; Data Mining Lab.</a:t>
-            </a:r>
-            <a:endParaRPr lang="en-US" altLang="zh-TW"/>
-          </a:p>
-        </p:txBody>
-      </p:sp>
-      <p:sp>
-        <p:nvSpPr>
           <p:cNvPr id="5" name="投影片編號版面配置區 4"/>
           <p:cNvSpPr>
             <a:spLocks noGrp="1"/>
@@ -20398,6 +20312,37 @@
           </a:p>
         </p:txBody>
       </p:sp>
+      <p:sp>
+        <p:nvSpPr>
+          <p:cNvPr id="6" name="頁尾版面配置區 5"/>
+          <p:cNvSpPr>
+            <a:spLocks noGrp="1"/>
+          </p:cNvSpPr>
+          <p:nvPr>
+            <p:ph type="ftr" sz="quarter" idx="11"/>
+          </p:nvPr>
+        </p:nvSpPr>
+        <p:spPr>
+          <a:xfrm>
+            <a:off x="5943600" y="6512768"/>
+            <a:ext cx="2895600" cy="228600"/>
+          </a:xfrm>
+        </p:spPr>
+        <p:txBody>
+          <a:bodyPr/>
+          <a:lstStyle/>
+          <a:p>
+            <a:pPr>
+              <a:defRPr/>
+            </a:pPr>
+            <a:r>
+              <a:rPr lang="en-US" altLang="zh-TW" dirty="0" smtClean="0"/>
+              <a:t>Performance Evaluation 2016 Spring</a:t>
+            </a:r>
+            <a:endParaRPr lang="en-US" altLang="zh-TW" dirty="0"/>
+          </a:p>
+        </p:txBody>
+      </p:sp>
     </p:spTree>
     <p:extLst>
       <p:ext uri="{BB962C8B-B14F-4D97-AF65-F5344CB8AC3E}">
@@ -20408,6 +20353,13 @@
   <p:clrMapOvr>
     <a:masterClrMapping/>
   </p:clrMapOvr>
+  <p:timing>
+    <p:tnLst>
+      <p:par>
+        <p:cTn id="1" dur="indefinite" restart="never" nodeType="tmRoot"/>
+      </p:par>
+    </p:tnLst>
+  </p:timing>
 </p:sld>
 </file>
 
@@ -20479,36 +20431,6 @@
       </p:pic>
       <p:sp>
         <p:nvSpPr>
-          <p:cNvPr id="4" name="頁尾版面配置區 3"/>
-          <p:cNvSpPr>
-            <a:spLocks noGrp="1"/>
-          </p:cNvSpPr>
-          <p:nvPr>
-            <p:ph type="ftr" sz="quarter" idx="11"/>
-          </p:nvPr>
-        </p:nvSpPr>
-        <p:spPr/>
-        <p:txBody>
-          <a:bodyPr/>
-          <a:lstStyle/>
-          <a:p>
-            <a:pPr>
-              <a:defRPr/>
-            </a:pPr>
-            <a:r>
-              <a:rPr lang="zh-TW" altLang="en-US" smtClean="0"/>
-              <a:t> </a:t>
-            </a:r>
-            <a:r>
-              <a:rPr lang="en-US" altLang="zh-TW" smtClean="0"/>
-              <a:t>Mobile Computing &amp; Data Mining Lab.</a:t>
-            </a:r>
-            <a:endParaRPr lang="en-US" altLang="zh-TW"/>
-          </a:p>
-        </p:txBody>
-      </p:sp>
-      <p:sp>
-        <p:nvSpPr>
           <p:cNvPr id="5" name="投影片編號版面配置區 4"/>
           <p:cNvSpPr>
             <a:spLocks noGrp="1"/>
@@ -20560,6 +20482,37 @@
           </a:prstGeom>
         </p:spPr>
       </p:pic>
+      <p:sp>
+        <p:nvSpPr>
+          <p:cNvPr id="8" name="頁尾版面配置區 5"/>
+          <p:cNvSpPr>
+            <a:spLocks noGrp="1"/>
+          </p:cNvSpPr>
+          <p:nvPr>
+            <p:ph type="ftr" sz="quarter" idx="11"/>
+          </p:nvPr>
+        </p:nvSpPr>
+        <p:spPr>
+          <a:xfrm>
+            <a:off x="5943600" y="6512768"/>
+            <a:ext cx="2895600" cy="228600"/>
+          </a:xfrm>
+        </p:spPr>
+        <p:txBody>
+          <a:bodyPr/>
+          <a:lstStyle/>
+          <a:p>
+            <a:pPr>
+              <a:defRPr/>
+            </a:pPr>
+            <a:r>
+              <a:rPr lang="en-US" altLang="zh-TW" dirty="0" smtClean="0"/>
+              <a:t>Performance Evaluation 2016 Spring</a:t>
+            </a:r>
+            <a:endParaRPr lang="en-US" altLang="zh-TW" dirty="0"/>
+          </a:p>
+        </p:txBody>
+      </p:sp>
     </p:spTree>
     <p:extLst>
       <p:ext uri="{BB962C8B-B14F-4D97-AF65-F5344CB8AC3E}">
@@ -20570,6 +20523,13 @@
   <p:clrMapOvr>
     <a:masterClrMapping/>
   </p:clrMapOvr>
+  <p:timing>
+    <p:tnLst>
+      <p:par>
+        <p:cTn id="1" dur="indefinite" restart="never" nodeType="tmRoot"/>
+      </p:par>
+    </p:tnLst>
+  </p:timing>
 </p:sld>
 </file>
 
@@ -20683,36 +20643,6 @@
           </a:p>
           <a:p>
             <a:endParaRPr lang="zh-TW" altLang="en-US" dirty="0"/>
-          </a:p>
-        </p:txBody>
-      </p:sp>
-      <p:sp>
-        <p:nvSpPr>
-          <p:cNvPr id="4" name="頁尾版面配置區 3"/>
-          <p:cNvSpPr>
-            <a:spLocks noGrp="1"/>
-          </p:cNvSpPr>
-          <p:nvPr>
-            <p:ph type="ftr" sz="quarter" idx="11"/>
-          </p:nvPr>
-        </p:nvSpPr>
-        <p:spPr/>
-        <p:txBody>
-          <a:bodyPr/>
-          <a:lstStyle/>
-          <a:p>
-            <a:pPr>
-              <a:defRPr/>
-            </a:pPr>
-            <a:r>
-              <a:rPr lang="zh-TW" altLang="en-US" smtClean="0"/>
-              <a:t> </a:t>
-            </a:r>
-            <a:r>
-              <a:rPr lang="en-US" altLang="zh-TW" smtClean="0"/>
-              <a:t>Mobile Computing &amp; Data Mining Lab.</a:t>
-            </a:r>
-            <a:endParaRPr lang="en-US" altLang="zh-TW"/>
           </a:p>
         </p:txBody>
       </p:sp>
@@ -20881,6 +20811,37 @@
           </a:prstGeom>
         </p:spPr>
       </p:pic>
+      <p:sp>
+        <p:nvSpPr>
+          <p:cNvPr id="10" name="頁尾版面配置區 5"/>
+          <p:cNvSpPr>
+            <a:spLocks noGrp="1"/>
+          </p:cNvSpPr>
+          <p:nvPr>
+            <p:ph type="ftr" sz="quarter" idx="11"/>
+          </p:nvPr>
+        </p:nvSpPr>
+        <p:spPr>
+          <a:xfrm>
+            <a:off x="5943600" y="6512768"/>
+            <a:ext cx="2895600" cy="228600"/>
+          </a:xfrm>
+        </p:spPr>
+        <p:txBody>
+          <a:bodyPr/>
+          <a:lstStyle/>
+          <a:p>
+            <a:pPr>
+              <a:defRPr/>
+            </a:pPr>
+            <a:r>
+              <a:rPr lang="en-US" altLang="zh-TW" dirty="0" smtClean="0"/>
+              <a:t>Performance Evaluation 2016 Spring</a:t>
+            </a:r>
+            <a:endParaRPr lang="en-US" altLang="zh-TW" dirty="0"/>
+          </a:p>
+        </p:txBody>
+      </p:sp>
     </p:spTree>
     <p:extLst>
       <p:ext uri="{BB962C8B-B14F-4D97-AF65-F5344CB8AC3E}">
@@ -20998,36 +20959,6 @@
       </p:sp>
       <p:sp>
         <p:nvSpPr>
-          <p:cNvPr id="4" name="頁尾版面配置區 3"/>
-          <p:cNvSpPr>
-            <a:spLocks noGrp="1"/>
-          </p:cNvSpPr>
-          <p:nvPr>
-            <p:ph type="ftr" sz="quarter" idx="11"/>
-          </p:nvPr>
-        </p:nvSpPr>
-        <p:spPr/>
-        <p:txBody>
-          <a:bodyPr/>
-          <a:lstStyle/>
-          <a:p>
-            <a:pPr>
-              <a:defRPr/>
-            </a:pPr>
-            <a:r>
-              <a:rPr lang="zh-TW" altLang="en-US" smtClean="0"/>
-              <a:t> </a:t>
-            </a:r>
-            <a:r>
-              <a:rPr lang="en-US" altLang="zh-TW" smtClean="0"/>
-              <a:t>Mobile Computing &amp; Data Mining Lab.</a:t>
-            </a:r>
-            <a:endParaRPr lang="en-US" altLang="zh-TW"/>
-          </a:p>
-        </p:txBody>
-      </p:sp>
-      <p:sp>
-        <p:nvSpPr>
           <p:cNvPr id="5" name="投影片編號版面配置區 4"/>
           <p:cNvSpPr>
             <a:spLocks noGrp="1"/>
@@ -21127,6 +21058,37 @@
           </a:prstGeom>
         </p:spPr>
       </p:pic>
+      <p:sp>
+        <p:nvSpPr>
+          <p:cNvPr id="9" name="頁尾版面配置區 5"/>
+          <p:cNvSpPr>
+            <a:spLocks noGrp="1"/>
+          </p:cNvSpPr>
+          <p:nvPr>
+            <p:ph type="ftr" sz="quarter" idx="11"/>
+          </p:nvPr>
+        </p:nvSpPr>
+        <p:spPr>
+          <a:xfrm>
+            <a:off x="5943600" y="6512768"/>
+            <a:ext cx="2895600" cy="228600"/>
+          </a:xfrm>
+        </p:spPr>
+        <p:txBody>
+          <a:bodyPr/>
+          <a:lstStyle/>
+          <a:p>
+            <a:pPr>
+              <a:defRPr/>
+            </a:pPr>
+            <a:r>
+              <a:rPr lang="en-US" altLang="zh-TW" dirty="0" smtClean="0"/>
+              <a:t>Performance Evaluation 2016 Spring</a:t>
+            </a:r>
+            <a:endParaRPr lang="en-US" altLang="zh-TW" dirty="0"/>
+          </a:p>
+        </p:txBody>
+      </p:sp>
     </p:spTree>
     <p:extLst>
       <p:ext uri="{BB962C8B-B14F-4D97-AF65-F5344CB8AC3E}">
@@ -21184,36 +21146,6 @@
               <a:t>Effectiveness of File Sharing</a:t>
             </a:r>
             <a:endParaRPr lang="zh-TW" altLang="en-US" dirty="0"/>
-          </a:p>
-        </p:txBody>
-      </p:sp>
-      <p:sp>
-        <p:nvSpPr>
-          <p:cNvPr id="4" name="頁尾版面配置區 3"/>
-          <p:cNvSpPr>
-            <a:spLocks noGrp="1"/>
-          </p:cNvSpPr>
-          <p:nvPr>
-            <p:ph type="ftr" sz="quarter" idx="11"/>
-          </p:nvPr>
-        </p:nvSpPr>
-        <p:spPr/>
-        <p:txBody>
-          <a:bodyPr/>
-          <a:lstStyle/>
-          <a:p>
-            <a:pPr>
-              <a:defRPr/>
-            </a:pPr>
-            <a:r>
-              <a:rPr lang="zh-TW" altLang="en-US" smtClean="0"/>
-              <a:t> </a:t>
-            </a:r>
-            <a:r>
-              <a:rPr lang="en-US" altLang="zh-TW" smtClean="0"/>
-              <a:t>Mobile Computing &amp; Data Mining Lab.</a:t>
-            </a:r>
-            <a:endParaRPr lang="en-US" altLang="zh-TW"/>
           </a:p>
         </p:txBody>
       </p:sp>
@@ -21450,6 +21382,37 @@
           </p:sp>
         </mc:Fallback>
       </mc:AlternateContent>
+      <p:sp>
+        <p:nvSpPr>
+          <p:cNvPr id="6" name="頁尾版面配置區 5"/>
+          <p:cNvSpPr>
+            <a:spLocks noGrp="1"/>
+          </p:cNvSpPr>
+          <p:nvPr>
+            <p:ph type="ftr" sz="quarter" idx="11"/>
+          </p:nvPr>
+        </p:nvSpPr>
+        <p:spPr>
+          <a:xfrm>
+            <a:off x="5943600" y="6512768"/>
+            <a:ext cx="2895600" cy="228600"/>
+          </a:xfrm>
+        </p:spPr>
+        <p:txBody>
+          <a:bodyPr/>
+          <a:lstStyle/>
+          <a:p>
+            <a:pPr>
+              <a:defRPr/>
+            </a:pPr>
+            <a:r>
+              <a:rPr lang="en-US" altLang="zh-TW" dirty="0" smtClean="0"/>
+              <a:t>Performance Evaluation 2016 Spring</a:t>
+            </a:r>
+            <a:endParaRPr lang="en-US" altLang="zh-TW" dirty="0"/>
+          </a:p>
+        </p:txBody>
+      </p:sp>
     </p:spTree>
     <p:extLst>
       <p:ext uri="{BB962C8B-B14F-4D97-AF65-F5344CB8AC3E}">
@@ -21511,36 +21474,6 @@
               <a:t>Sharing(cont.)</a:t>
             </a:r>
             <a:endParaRPr lang="zh-TW" altLang="en-US" dirty="0"/>
-          </a:p>
-        </p:txBody>
-      </p:sp>
-      <p:sp>
-        <p:nvSpPr>
-          <p:cNvPr id="4" name="頁尾版面配置區 3"/>
-          <p:cNvSpPr>
-            <a:spLocks noGrp="1"/>
-          </p:cNvSpPr>
-          <p:nvPr>
-            <p:ph type="ftr" sz="quarter" idx="11"/>
-          </p:nvPr>
-        </p:nvSpPr>
-        <p:spPr/>
-        <p:txBody>
-          <a:bodyPr/>
-          <a:lstStyle/>
-          <a:p>
-            <a:pPr>
-              <a:defRPr/>
-            </a:pPr>
-            <a:r>
-              <a:rPr lang="zh-TW" altLang="en-US" smtClean="0"/>
-              <a:t> </a:t>
-            </a:r>
-            <a:r>
-              <a:rPr lang="en-US" altLang="zh-TW" smtClean="0"/>
-              <a:t>Mobile Computing &amp; Data Mining Lab.</a:t>
-            </a:r>
-            <a:endParaRPr lang="en-US" altLang="zh-TW"/>
           </a:p>
         </p:txBody>
       </p:sp>
@@ -21702,6 +21635,37 @@
           </a:prstGeom>
         </p:spPr>
       </p:pic>
+      <p:sp>
+        <p:nvSpPr>
+          <p:cNvPr id="9" name="頁尾版面配置區 5"/>
+          <p:cNvSpPr>
+            <a:spLocks noGrp="1"/>
+          </p:cNvSpPr>
+          <p:nvPr>
+            <p:ph type="ftr" sz="quarter" idx="11"/>
+          </p:nvPr>
+        </p:nvSpPr>
+        <p:spPr>
+          <a:xfrm>
+            <a:off x="5943600" y="6512768"/>
+            <a:ext cx="2895600" cy="228600"/>
+          </a:xfrm>
+        </p:spPr>
+        <p:txBody>
+          <a:bodyPr/>
+          <a:lstStyle/>
+          <a:p>
+            <a:pPr>
+              <a:defRPr/>
+            </a:pPr>
+            <a:r>
+              <a:rPr lang="en-US" altLang="zh-TW" dirty="0" smtClean="0"/>
+              <a:t>Performance Evaluation 2016 Spring</a:t>
+            </a:r>
+            <a:endParaRPr lang="en-US" altLang="zh-TW" dirty="0"/>
+          </a:p>
+        </p:txBody>
+      </p:sp>
     </p:spTree>
     <p:extLst>
       <p:ext uri="{BB962C8B-B14F-4D97-AF65-F5344CB8AC3E}">
@@ -21764,36 +21728,6 @@
       </p:sp>
       <p:sp>
         <p:nvSpPr>
-          <p:cNvPr id="4" name="頁尾版面配置區 3"/>
-          <p:cNvSpPr>
-            <a:spLocks noGrp="1"/>
-          </p:cNvSpPr>
-          <p:nvPr>
-            <p:ph type="ftr" sz="quarter" idx="11"/>
-          </p:nvPr>
-        </p:nvSpPr>
-        <p:spPr/>
-        <p:txBody>
-          <a:bodyPr/>
-          <a:lstStyle/>
-          <a:p>
-            <a:pPr>
-              <a:defRPr/>
-            </a:pPr>
-            <a:r>
-              <a:rPr lang="zh-TW" altLang="en-US" smtClean="0"/>
-              <a:t> </a:t>
-            </a:r>
-            <a:r>
-              <a:rPr lang="en-US" altLang="zh-TW" smtClean="0"/>
-              <a:t>Mobile Computing &amp; Data Mining Lab.</a:t>
-            </a:r>
-            <a:endParaRPr lang="en-US" altLang="zh-TW"/>
-          </a:p>
-        </p:txBody>
-      </p:sp>
-      <p:sp>
-        <p:nvSpPr>
           <p:cNvPr id="5" name="投影片編號版面配置區 4"/>
           <p:cNvSpPr>
             <a:spLocks noGrp="1"/>
@@ -21943,6 +21877,37 @@
           </a:prstGeom>
         </p:spPr>
       </p:pic>
+      <p:sp>
+        <p:nvSpPr>
+          <p:cNvPr id="9" name="頁尾版面配置區 5"/>
+          <p:cNvSpPr>
+            <a:spLocks noGrp="1"/>
+          </p:cNvSpPr>
+          <p:nvPr>
+            <p:ph type="ftr" sz="quarter" idx="11"/>
+          </p:nvPr>
+        </p:nvSpPr>
+        <p:spPr>
+          <a:xfrm>
+            <a:off x="5943600" y="6512768"/>
+            <a:ext cx="2895600" cy="228600"/>
+          </a:xfrm>
+        </p:spPr>
+        <p:txBody>
+          <a:bodyPr/>
+          <a:lstStyle/>
+          <a:p>
+            <a:pPr>
+              <a:defRPr/>
+            </a:pPr>
+            <a:r>
+              <a:rPr lang="en-US" altLang="zh-TW" dirty="0" smtClean="0"/>
+              <a:t>Performance Evaluation 2016 Spring</a:t>
+            </a:r>
+            <a:endParaRPr lang="en-US" altLang="zh-TW" dirty="0"/>
+          </a:p>
+        </p:txBody>
+      </p:sp>
     </p:spTree>
     <p:extLst>
       <p:ext uri="{BB962C8B-B14F-4D97-AF65-F5344CB8AC3E}">
@@ -22034,36 +21999,6 @@
       </p:sp>
       <p:sp>
         <p:nvSpPr>
-          <p:cNvPr id="4" name="頁尾版面配置區 3"/>
-          <p:cNvSpPr>
-            <a:spLocks noGrp="1"/>
-          </p:cNvSpPr>
-          <p:nvPr>
-            <p:ph type="ftr" sz="quarter" idx="11"/>
-          </p:nvPr>
-        </p:nvSpPr>
-        <p:spPr/>
-        <p:txBody>
-          <a:bodyPr/>
-          <a:lstStyle/>
-          <a:p>
-            <a:pPr>
-              <a:defRPr/>
-            </a:pPr>
-            <a:r>
-              <a:rPr lang="zh-TW" altLang="en-US" smtClean="0"/>
-              <a:t> </a:t>
-            </a:r>
-            <a:r>
-              <a:rPr lang="en-US" altLang="zh-TW" smtClean="0"/>
-              <a:t>Mobile Computing &amp; Data Mining Lab.</a:t>
-            </a:r>
-            <a:endParaRPr lang="en-US" altLang="zh-TW"/>
-          </a:p>
-        </p:txBody>
-      </p:sp>
-      <p:sp>
-        <p:nvSpPr>
           <p:cNvPr id="5" name="投影片編號版面配置區 4"/>
           <p:cNvSpPr>
             <a:spLocks noGrp="1"/>
@@ -22139,6 +22074,37 @@
           </a:prstGeom>
         </p:spPr>
       </p:pic>
+      <p:sp>
+        <p:nvSpPr>
+          <p:cNvPr id="8" name="頁尾版面配置區 5"/>
+          <p:cNvSpPr>
+            <a:spLocks noGrp="1"/>
+          </p:cNvSpPr>
+          <p:nvPr>
+            <p:ph type="ftr" sz="quarter" idx="11"/>
+          </p:nvPr>
+        </p:nvSpPr>
+        <p:spPr>
+          <a:xfrm>
+            <a:off x="5943600" y="6512768"/>
+            <a:ext cx="2895600" cy="228600"/>
+          </a:xfrm>
+        </p:spPr>
+        <p:txBody>
+          <a:bodyPr/>
+          <a:lstStyle/>
+          <a:p>
+            <a:pPr>
+              <a:defRPr/>
+            </a:pPr>
+            <a:r>
+              <a:rPr lang="en-US" altLang="zh-TW" dirty="0" smtClean="0"/>
+              <a:t>Performance Evaluation 2016 Spring</a:t>
+            </a:r>
+            <a:endParaRPr lang="en-US" altLang="zh-TW" dirty="0"/>
+          </a:p>
+        </p:txBody>
+      </p:sp>
     </p:spTree>
     <p:extLst>
       <p:ext uri="{BB962C8B-B14F-4D97-AF65-F5344CB8AC3E}">
@@ -26628,36 +26594,6 @@
       </mc:AlternateContent>
       <p:sp>
         <p:nvSpPr>
-          <p:cNvPr id="4" name="頁尾版面配置區 3"/>
-          <p:cNvSpPr>
-            <a:spLocks noGrp="1"/>
-          </p:cNvSpPr>
-          <p:nvPr>
-            <p:ph type="ftr" sz="quarter" idx="11"/>
-          </p:nvPr>
-        </p:nvSpPr>
-        <p:spPr/>
-        <p:txBody>
-          <a:bodyPr/>
-          <a:lstStyle/>
-          <a:p>
-            <a:pPr>
-              <a:defRPr/>
-            </a:pPr>
-            <a:r>
-              <a:rPr lang="zh-TW" altLang="en-US" smtClean="0"/>
-              <a:t> </a:t>
-            </a:r>
-            <a:r>
-              <a:rPr lang="en-US" altLang="zh-TW" smtClean="0"/>
-              <a:t>Mobile Computing &amp; Data Mining Lab.</a:t>
-            </a:r>
-            <a:endParaRPr lang="en-US" altLang="zh-TW"/>
-          </a:p>
-        </p:txBody>
-      </p:sp>
-      <p:sp>
-        <p:nvSpPr>
           <p:cNvPr id="5" name="投影片編號版面配置區 4"/>
           <p:cNvSpPr>
             <a:spLocks noGrp="1"/>
@@ -26682,6 +26618,37 @@
               <a:t>31</a:t>
             </a:fld>
             <a:endParaRPr lang="en-US" altLang="zh-TW"/>
+          </a:p>
+        </p:txBody>
+      </p:sp>
+      <p:sp>
+        <p:nvSpPr>
+          <p:cNvPr id="6" name="頁尾版面配置區 5"/>
+          <p:cNvSpPr>
+            <a:spLocks noGrp="1"/>
+          </p:cNvSpPr>
+          <p:nvPr>
+            <p:ph type="ftr" sz="quarter" idx="11"/>
+          </p:nvPr>
+        </p:nvSpPr>
+        <p:spPr>
+          <a:xfrm>
+            <a:off x="5943600" y="6512768"/>
+            <a:ext cx="2895600" cy="228600"/>
+          </a:xfrm>
+        </p:spPr>
+        <p:txBody>
+          <a:bodyPr/>
+          <a:lstStyle/>
+          <a:p>
+            <a:pPr>
+              <a:defRPr/>
+            </a:pPr>
+            <a:r>
+              <a:rPr lang="en-US" altLang="zh-TW" dirty="0" smtClean="0"/>
+              <a:t>Performance Evaluation 2016 Spring</a:t>
+            </a:r>
+            <a:endParaRPr lang="en-US" altLang="zh-TW" dirty="0"/>
           </a:p>
         </p:txBody>
       </p:sp>
@@ -26773,36 +26740,6 @@
       </p:pic>
       <p:sp>
         <p:nvSpPr>
-          <p:cNvPr id="4" name="頁尾版面配置區 3"/>
-          <p:cNvSpPr>
-            <a:spLocks noGrp="1"/>
-          </p:cNvSpPr>
-          <p:nvPr>
-            <p:ph type="ftr" sz="quarter" idx="11"/>
-          </p:nvPr>
-        </p:nvSpPr>
-        <p:spPr/>
-        <p:txBody>
-          <a:bodyPr/>
-          <a:lstStyle/>
-          <a:p>
-            <a:pPr>
-              <a:defRPr/>
-            </a:pPr>
-            <a:r>
-              <a:rPr lang="zh-TW" altLang="en-US" smtClean="0"/>
-              <a:t> </a:t>
-            </a:r>
-            <a:r>
-              <a:rPr lang="en-US" altLang="zh-TW" smtClean="0"/>
-              <a:t>Mobile Computing &amp; Data Mining Lab.</a:t>
-            </a:r>
-            <a:endParaRPr lang="en-US" altLang="zh-TW"/>
-          </a:p>
-        </p:txBody>
-      </p:sp>
-      <p:sp>
-        <p:nvSpPr>
           <p:cNvPr id="5" name="投影片編號版面配置區 4"/>
           <p:cNvSpPr>
             <a:spLocks noGrp="1"/>
@@ -26827,6 +26764,37 @@
               <a:t>32</a:t>
             </a:fld>
             <a:endParaRPr lang="en-US" altLang="zh-TW"/>
+          </a:p>
+        </p:txBody>
+      </p:sp>
+      <p:sp>
+        <p:nvSpPr>
+          <p:cNvPr id="7" name="頁尾版面配置區 5"/>
+          <p:cNvSpPr>
+            <a:spLocks noGrp="1"/>
+          </p:cNvSpPr>
+          <p:nvPr>
+            <p:ph type="ftr" sz="quarter" idx="11"/>
+          </p:nvPr>
+        </p:nvSpPr>
+        <p:spPr>
+          <a:xfrm>
+            <a:off x="5943600" y="6512768"/>
+            <a:ext cx="2895600" cy="228600"/>
+          </a:xfrm>
+        </p:spPr>
+        <p:txBody>
+          <a:bodyPr/>
+          <a:lstStyle/>
+          <a:p>
+            <a:pPr>
+              <a:defRPr/>
+            </a:pPr>
+            <a:r>
+              <a:rPr lang="en-US" altLang="zh-TW" dirty="0" smtClean="0"/>
+              <a:t>Performance Evaluation 2016 Spring</a:t>
+            </a:r>
+            <a:endParaRPr lang="en-US" altLang="zh-TW" dirty="0"/>
           </a:p>
         </p:txBody>
       </p:sp>
@@ -26887,36 +26855,6 @@
               <a:t>Peer Selection Algorithm(cont.)</a:t>
             </a:r>
             <a:endParaRPr lang="zh-TW" altLang="en-US" dirty="0"/>
-          </a:p>
-        </p:txBody>
-      </p:sp>
-      <p:sp>
-        <p:nvSpPr>
-          <p:cNvPr id="4" name="頁尾版面配置區 3"/>
-          <p:cNvSpPr>
-            <a:spLocks noGrp="1"/>
-          </p:cNvSpPr>
-          <p:nvPr>
-            <p:ph type="ftr" sz="quarter" idx="11"/>
-          </p:nvPr>
-        </p:nvSpPr>
-        <p:spPr/>
-        <p:txBody>
-          <a:bodyPr/>
-          <a:lstStyle/>
-          <a:p>
-            <a:pPr>
-              <a:defRPr/>
-            </a:pPr>
-            <a:r>
-              <a:rPr lang="zh-TW" altLang="en-US" smtClean="0"/>
-              <a:t> </a:t>
-            </a:r>
-            <a:r>
-              <a:rPr lang="en-US" altLang="zh-TW" smtClean="0"/>
-              <a:t>Mobile Computing &amp; Data Mining Lab.</a:t>
-            </a:r>
-            <a:endParaRPr lang="en-US" altLang="zh-TW"/>
           </a:p>
         </p:txBody>
       </p:sp>
@@ -27455,6 +27393,37 @@
           </a:prstGeom>
         </p:spPr>
       </p:pic>
+      <p:sp>
+        <p:nvSpPr>
+          <p:cNvPr id="10" name="頁尾版面配置區 5"/>
+          <p:cNvSpPr>
+            <a:spLocks noGrp="1"/>
+          </p:cNvSpPr>
+          <p:nvPr>
+            <p:ph type="ftr" sz="quarter" idx="11"/>
+          </p:nvPr>
+        </p:nvSpPr>
+        <p:spPr>
+          <a:xfrm>
+            <a:off x="5943600" y="6512768"/>
+            <a:ext cx="2895600" cy="228600"/>
+          </a:xfrm>
+        </p:spPr>
+        <p:txBody>
+          <a:bodyPr/>
+          <a:lstStyle/>
+          <a:p>
+            <a:pPr>
+              <a:defRPr/>
+            </a:pPr>
+            <a:r>
+              <a:rPr lang="en-US" altLang="zh-TW" dirty="0" smtClean="0"/>
+              <a:t>Performance Evaluation 2016 Spring</a:t>
+            </a:r>
+            <a:endParaRPr lang="en-US" altLang="zh-TW" dirty="0"/>
+          </a:p>
+        </p:txBody>
+      </p:sp>
     </p:spTree>
     <p:extLst>
       <p:ext uri="{BB962C8B-B14F-4D97-AF65-F5344CB8AC3E}">
@@ -27769,36 +27738,6 @@
       </mc:AlternateContent>
       <p:sp>
         <p:nvSpPr>
-          <p:cNvPr id="4" name="頁尾版面配置區 3"/>
-          <p:cNvSpPr>
-            <a:spLocks noGrp="1"/>
-          </p:cNvSpPr>
-          <p:nvPr>
-            <p:ph type="ftr" sz="quarter" idx="11"/>
-          </p:nvPr>
-        </p:nvSpPr>
-        <p:spPr/>
-        <p:txBody>
-          <a:bodyPr/>
-          <a:lstStyle/>
-          <a:p>
-            <a:pPr>
-              <a:defRPr/>
-            </a:pPr>
-            <a:r>
-              <a:rPr lang="zh-TW" altLang="en-US" smtClean="0"/>
-              <a:t> </a:t>
-            </a:r>
-            <a:r>
-              <a:rPr lang="en-US" altLang="zh-TW" smtClean="0"/>
-              <a:t>Mobile Computing &amp; Data Mining Lab.</a:t>
-            </a:r>
-            <a:endParaRPr lang="en-US" altLang="zh-TW"/>
-          </a:p>
-        </p:txBody>
-      </p:sp>
-      <p:sp>
-        <p:nvSpPr>
           <p:cNvPr id="5" name="投影片編號版面配置區 4"/>
           <p:cNvSpPr>
             <a:spLocks noGrp="1"/>
@@ -27874,6 +27813,37 @@
           </a:prstGeom>
         </p:spPr>
       </p:pic>
+      <p:sp>
+        <p:nvSpPr>
+          <p:cNvPr id="8" name="頁尾版面配置區 5"/>
+          <p:cNvSpPr>
+            <a:spLocks noGrp="1"/>
+          </p:cNvSpPr>
+          <p:nvPr>
+            <p:ph type="ftr" sz="quarter" idx="11"/>
+          </p:nvPr>
+        </p:nvSpPr>
+        <p:spPr>
+          <a:xfrm>
+            <a:off x="5943600" y="6512768"/>
+            <a:ext cx="2895600" cy="228600"/>
+          </a:xfrm>
+        </p:spPr>
+        <p:txBody>
+          <a:bodyPr/>
+          <a:lstStyle/>
+          <a:p>
+            <a:pPr>
+              <a:defRPr/>
+            </a:pPr>
+            <a:r>
+              <a:rPr lang="en-US" altLang="zh-TW" dirty="0" smtClean="0"/>
+              <a:t>Performance Evaluation 2016 Spring</a:t>
+            </a:r>
+            <a:endParaRPr lang="en-US" altLang="zh-TW" dirty="0"/>
+          </a:p>
+        </p:txBody>
+      </p:sp>
     </p:spTree>
     <p:extLst>
       <p:ext uri="{BB962C8B-B14F-4D97-AF65-F5344CB8AC3E}">
@@ -28110,36 +28080,6 @@
       </mc:AlternateContent>
       <p:sp>
         <p:nvSpPr>
-          <p:cNvPr id="4" name="頁尾版面配置區 3"/>
-          <p:cNvSpPr>
-            <a:spLocks noGrp="1"/>
-          </p:cNvSpPr>
-          <p:nvPr>
-            <p:ph type="ftr" sz="quarter" idx="11"/>
-          </p:nvPr>
-        </p:nvSpPr>
-        <p:spPr/>
-        <p:txBody>
-          <a:bodyPr/>
-          <a:lstStyle/>
-          <a:p>
-            <a:pPr>
-              <a:defRPr/>
-            </a:pPr>
-            <a:r>
-              <a:rPr lang="zh-TW" altLang="en-US" smtClean="0"/>
-              <a:t> </a:t>
-            </a:r>
-            <a:r>
-              <a:rPr lang="en-US" altLang="zh-TW" smtClean="0"/>
-              <a:t>Mobile Computing &amp; Data Mining Lab.</a:t>
-            </a:r>
-            <a:endParaRPr lang="en-US" altLang="zh-TW"/>
-          </a:p>
-        </p:txBody>
-      </p:sp>
-      <p:sp>
-        <p:nvSpPr>
           <p:cNvPr id="5" name="投影片編號版面配置區 4"/>
           <p:cNvSpPr>
             <a:spLocks noGrp="1"/>
@@ -28164,6 +28104,37 @@
               <a:t>35</a:t>
             </a:fld>
             <a:endParaRPr lang="en-US" altLang="zh-TW"/>
+          </a:p>
+        </p:txBody>
+      </p:sp>
+      <p:sp>
+        <p:nvSpPr>
+          <p:cNvPr id="6" name="頁尾版面配置區 5"/>
+          <p:cNvSpPr>
+            <a:spLocks noGrp="1"/>
+          </p:cNvSpPr>
+          <p:nvPr>
+            <p:ph type="ftr" sz="quarter" idx="11"/>
+          </p:nvPr>
+        </p:nvSpPr>
+        <p:spPr>
+          <a:xfrm>
+            <a:off x="5943600" y="6512768"/>
+            <a:ext cx="2895600" cy="228600"/>
+          </a:xfrm>
+        </p:spPr>
+        <p:txBody>
+          <a:bodyPr/>
+          <a:lstStyle/>
+          <a:p>
+            <a:pPr>
+              <a:defRPr/>
+            </a:pPr>
+            <a:r>
+              <a:rPr lang="en-US" altLang="zh-TW" dirty="0" smtClean="0"/>
+              <a:t>Performance Evaluation 2016 Spring</a:t>
+            </a:r>
+            <a:endParaRPr lang="en-US" altLang="zh-TW" dirty="0"/>
           </a:p>
         </p:txBody>
       </p:sp>
@@ -28325,36 +28296,6 @@
       </mc:AlternateContent>
       <p:sp>
         <p:nvSpPr>
-          <p:cNvPr id="4" name="頁尾版面配置區 3"/>
-          <p:cNvSpPr>
-            <a:spLocks noGrp="1"/>
-          </p:cNvSpPr>
-          <p:nvPr>
-            <p:ph type="ftr" sz="quarter" idx="11"/>
-          </p:nvPr>
-        </p:nvSpPr>
-        <p:spPr/>
-        <p:txBody>
-          <a:bodyPr/>
-          <a:lstStyle/>
-          <a:p>
-            <a:pPr>
-              <a:defRPr/>
-            </a:pPr>
-            <a:r>
-              <a:rPr lang="zh-TW" altLang="en-US" smtClean="0"/>
-              <a:t> </a:t>
-            </a:r>
-            <a:r>
-              <a:rPr lang="en-US" altLang="zh-TW" smtClean="0"/>
-              <a:t>Mobile Computing &amp; Data Mining Lab.</a:t>
-            </a:r>
-            <a:endParaRPr lang="en-US" altLang="zh-TW"/>
-          </a:p>
-        </p:txBody>
-      </p:sp>
-      <p:sp>
-        <p:nvSpPr>
           <p:cNvPr id="5" name="投影片編號版面配置區 4"/>
           <p:cNvSpPr>
             <a:spLocks noGrp="1"/>
@@ -28406,6 +28347,37 @@
           </a:prstGeom>
         </p:spPr>
       </p:pic>
+      <p:sp>
+        <p:nvSpPr>
+          <p:cNvPr id="7" name="頁尾版面配置區 5"/>
+          <p:cNvSpPr>
+            <a:spLocks noGrp="1"/>
+          </p:cNvSpPr>
+          <p:nvPr>
+            <p:ph type="ftr" sz="quarter" idx="11"/>
+          </p:nvPr>
+        </p:nvSpPr>
+        <p:spPr>
+          <a:xfrm>
+            <a:off x="5943600" y="6512768"/>
+            <a:ext cx="2895600" cy="228600"/>
+          </a:xfrm>
+        </p:spPr>
+        <p:txBody>
+          <a:bodyPr/>
+          <a:lstStyle/>
+          <a:p>
+            <a:pPr>
+              <a:defRPr/>
+            </a:pPr>
+            <a:r>
+              <a:rPr lang="en-US" altLang="zh-TW" dirty="0" smtClean="0"/>
+              <a:t>Performance Evaluation 2016 Spring</a:t>
+            </a:r>
+            <a:endParaRPr lang="en-US" altLang="zh-TW" dirty="0"/>
+          </a:p>
+        </p:txBody>
+      </p:sp>
     </p:spTree>
     <p:extLst>
       <p:ext uri="{BB962C8B-B14F-4D97-AF65-F5344CB8AC3E}">
